--- a/Rendu/Diapo_soutenance.pptx
+++ b/Rendu/Diapo_soutenance.pptx
@@ -5,10 +5,10 @@
     <p:sldMasterId id="2147483648" r:id="rId1"/>
   </p:sldMasterIdLst>
   <p:notesMasterIdLst>
-    <p:notesMasterId r:id="rId22"/>
+    <p:notesMasterId r:id="rId25"/>
   </p:notesMasterIdLst>
   <p:handoutMasterIdLst>
-    <p:handoutMasterId r:id="rId23"/>
+    <p:handoutMasterId r:id="rId26"/>
   </p:handoutMasterIdLst>
   <p:sldIdLst>
     <p:sldId id="303" r:id="rId2"/>
@@ -18,19 +18,22 @@
     <p:sldId id="308" r:id="rId6"/>
     <p:sldId id="309" r:id="rId7"/>
     <p:sldId id="323" r:id="rId8"/>
-    <p:sldId id="318" r:id="rId9"/>
-    <p:sldId id="311" r:id="rId10"/>
-    <p:sldId id="312" r:id="rId11"/>
-    <p:sldId id="313" r:id="rId12"/>
-    <p:sldId id="314" r:id="rId13"/>
-    <p:sldId id="315" r:id="rId14"/>
-    <p:sldId id="316" r:id="rId15"/>
-    <p:sldId id="317" r:id="rId16"/>
-    <p:sldId id="319" r:id="rId17"/>
-    <p:sldId id="320" r:id="rId18"/>
-    <p:sldId id="321" r:id="rId19"/>
-    <p:sldId id="306" r:id="rId20"/>
-    <p:sldId id="325" r:id="rId21"/>
+    <p:sldId id="326" r:id="rId9"/>
+    <p:sldId id="327" r:id="rId10"/>
+    <p:sldId id="328" r:id="rId11"/>
+    <p:sldId id="311" r:id="rId12"/>
+    <p:sldId id="318" r:id="rId13"/>
+    <p:sldId id="312" r:id="rId14"/>
+    <p:sldId id="313" r:id="rId15"/>
+    <p:sldId id="314" r:id="rId16"/>
+    <p:sldId id="315" r:id="rId17"/>
+    <p:sldId id="316" r:id="rId18"/>
+    <p:sldId id="317" r:id="rId19"/>
+    <p:sldId id="319" r:id="rId20"/>
+    <p:sldId id="320" r:id="rId21"/>
+    <p:sldId id="321" r:id="rId22"/>
+    <p:sldId id="306" r:id="rId23"/>
+    <p:sldId id="325" r:id="rId24"/>
   </p:sldIdLst>
   <p:sldSz cx="9144000" cy="6858000" type="screen4x3"/>
   <p:notesSz cx="6799263" cy="9929813"/>
@@ -131,7 +134,7 @@
   </p:defaultTextStyle>
   <p:extLst>
     <p:ext uri="{EFAFB233-063F-42B5-8137-9DF3F51BA10A}">
-      <p15:sldGuideLst xmlns:p15="http://schemas.microsoft.com/office/powerpoint/2012/main">
+      <p15:sldGuideLst xmlns:p15="http://schemas.microsoft.com/office/powerpoint/2012/main" xmlns="">
         <p15:guide id="1" orient="horz" pos="1620">
           <p15:clr>
             <a:srgbClr val="A4A3A4"/>
@@ -266,7 +269,7 @@
             <a:fld id="{1FF860C4-84CC-4ED2-86B7-24C0345B37D5}" type="datetimeFigureOut">
               <a:rPr lang="fr-FR" smtClean="0"/>
               <a:pPr/>
-              <a:t>19/05/2016</a:t>
+              <a:t>21/05/2016</a:t>
             </a:fld>
             <a:endParaRPr lang="fr-FR"/>
           </a:p>
@@ -433,7 +436,7 @@
             <a:fld id="{C2C2714D-4FF2-4E25-9D9C-3A52AC0061D5}" type="datetimeFigureOut">
               <a:rPr lang="fr-FR" smtClean="0"/>
               <a:pPr/>
-              <a:t>19/05/2016</a:t>
+              <a:t>21/05/2016</a:t>
             </a:fld>
             <a:endParaRPr lang="fr-FR"/>
           </a:p>
@@ -871,7 +874,7 @@
             <a:fld id="{39168679-7C28-4FFB-8A08-9AACB039AAD4}" type="slidenum">
               <a:rPr lang="fr-FR" smtClean="0"/>
               <a:pPr/>
-              <a:t>14</a:t>
+              <a:t>17</a:t>
             </a:fld>
             <a:endParaRPr lang="fr-FR"/>
           </a:p>
@@ -968,7 +971,7 @@
             <a:fld id="{39168679-7C28-4FFB-8A08-9AACB039AAD4}" type="slidenum">
               <a:rPr lang="fr-FR" smtClean="0"/>
               <a:pPr/>
-              <a:t>15</a:t>
+              <a:t>18</a:t>
             </a:fld>
             <a:endParaRPr lang="fr-FR"/>
           </a:p>
@@ -1088,7 +1091,7 @@
             <a:fld id="{39168679-7C28-4FFB-8A08-9AACB039AAD4}" type="slidenum">
               <a:rPr lang="fr-FR" smtClean="0"/>
               <a:pPr/>
-              <a:t>17</a:t>
+              <a:t>20</a:t>
             </a:fld>
             <a:endParaRPr lang="fr-FR"/>
           </a:p>
@@ -1331,7 +1334,7 @@
           <a:p>
             <a:r>
               <a:rPr lang="fr-FR" dirty="0" smtClean="0"/>
-              <a:t>Avec fat schéma, mettre direct sur le schéma</a:t>
+              <a:t>Rajouter .dll</a:t>
             </a:r>
             <a:endParaRPr lang="fr-FR" dirty="0"/>
           </a:p>
@@ -1355,7 +1358,7 @@
             <a:fld id="{39168679-7C28-4FFB-8A08-9AACB039AAD4}" type="slidenum">
               <a:rPr lang="fr-FR" smtClean="0"/>
               <a:pPr/>
-              <a:t>8</a:t>
+              <a:t>11</a:t>
             </a:fld>
             <a:endParaRPr lang="fr-FR"/>
           </a:p>
@@ -1364,7 +1367,7 @@
     </p:spTree>
     <p:extLst>
       <p:ext uri="{BB962C8B-B14F-4D97-AF65-F5344CB8AC3E}">
-        <p14:creationId xmlns:p14="http://schemas.microsoft.com/office/powerpoint/2010/main" val="2104003780"/>
+        <p14:creationId xmlns:p14="http://schemas.microsoft.com/office/powerpoint/2010/main" val="1526181816"/>
       </p:ext>
     </p:extLst>
   </p:cSld>
@@ -1420,7 +1423,7 @@
           <a:p>
             <a:r>
               <a:rPr lang="fr-FR" dirty="0" smtClean="0"/>
-              <a:t>Rajouter .dll</a:t>
+              <a:t>Avec fat schéma, mettre direct sur le schéma</a:t>
             </a:r>
             <a:endParaRPr lang="fr-FR" dirty="0"/>
           </a:p>
@@ -1444,7 +1447,7 @@
             <a:fld id="{39168679-7C28-4FFB-8A08-9AACB039AAD4}" type="slidenum">
               <a:rPr lang="fr-FR" smtClean="0"/>
               <a:pPr/>
-              <a:t>9</a:t>
+              <a:t>12</a:t>
             </a:fld>
             <a:endParaRPr lang="fr-FR"/>
           </a:p>
@@ -1453,7 +1456,7 @@
     </p:spTree>
     <p:extLst>
       <p:ext uri="{BB962C8B-B14F-4D97-AF65-F5344CB8AC3E}">
-        <p14:creationId xmlns:p14="http://schemas.microsoft.com/office/powerpoint/2010/main" val="1526181816"/>
+        <p14:creationId xmlns:p14="http://schemas.microsoft.com/office/powerpoint/2010/main" val="2104003780"/>
       </p:ext>
     </p:extLst>
   </p:cSld>
@@ -1543,7 +1546,7 @@
             <a:fld id="{39168679-7C28-4FFB-8A08-9AACB039AAD4}" type="slidenum">
               <a:rPr lang="fr-FR" smtClean="0"/>
               <a:pPr/>
-              <a:t>10</a:t>
+              <a:t>13</a:t>
             </a:fld>
             <a:endParaRPr lang="fr-FR"/>
           </a:p>
@@ -1636,7 +1639,7 @@
             <a:fld id="{39168679-7C28-4FFB-8A08-9AACB039AAD4}" type="slidenum">
               <a:rPr lang="fr-FR" smtClean="0"/>
               <a:pPr/>
-              <a:t>11</a:t>
+              <a:t>14</a:t>
             </a:fld>
             <a:endParaRPr lang="fr-FR"/>
           </a:p>
@@ -1725,7 +1728,7 @@
             <a:fld id="{39168679-7C28-4FFB-8A08-9AACB039AAD4}" type="slidenum">
               <a:rPr lang="fr-FR" smtClean="0"/>
               <a:pPr/>
-              <a:t>12</a:t>
+              <a:t>15</a:t>
             </a:fld>
             <a:endParaRPr lang="fr-FR"/>
           </a:p>
@@ -1822,7 +1825,7 @@
             <a:fld id="{39168679-7C28-4FFB-8A08-9AACB039AAD4}" type="slidenum">
               <a:rPr lang="fr-FR" smtClean="0"/>
               <a:pPr/>
-              <a:t>13</a:t>
+              <a:t>16</a:t>
             </a:fld>
             <a:endParaRPr lang="fr-FR"/>
           </a:p>
@@ -8348,7 +8351,7 @@
         </p:nvSpPr>
         <p:spPr>
           <a:xfrm>
-            <a:off x="633806" y="287798"/>
+            <a:off x="633806" y="107931"/>
             <a:ext cx="7876388" cy="1143000"/>
           </a:xfrm>
         </p:spPr>
@@ -8359,7 +8362,11 @@
             <a:pPr algn="ctr"/>
             <a:r>
               <a:rPr lang="fr-FR" dirty="0" smtClean="0"/>
-              <a:t>III. Présentation</a:t>
+              <a:t>II. </a:t>
+            </a:r>
+            <a:r>
+              <a:rPr lang="fr-FR" dirty="0" err="1" smtClean="0"/>
+              <a:t>realisation</a:t>
             </a:r>
             <a:endParaRPr lang="fr-FR" dirty="0"/>
           </a:p>
@@ -8377,8 +8384,8 @@
         </p:nvSpPr>
         <p:spPr>
           <a:xfrm>
-            <a:off x="581892" y="1094704"/>
-            <a:ext cx="8409708" cy="5031461"/>
+            <a:off x="581892" y="992917"/>
+            <a:ext cx="8409708" cy="541594"/>
           </a:xfrm>
         </p:spPr>
         <p:txBody>
@@ -8387,7 +8394,7 @@
           <a:p>
             <a:r>
               <a:rPr lang="fr-FR" dirty="0" smtClean="0"/>
-              <a:t>Page principale</a:t>
+              <a:t>Ce deuxième semestre</a:t>
             </a:r>
             <a:endParaRPr lang="fr-FR" dirty="0"/>
           </a:p>
@@ -8395,7 +8402,37 @@
       </p:sp>
       <p:pic>
         <p:nvPicPr>
-          <p:cNvPr id="4" name="Image 3"/>
+          <p:cNvPr id="14" name="Image 13"/>
+          <p:cNvPicPr>
+            <a:picLocks noChangeAspect="1"/>
+          </p:cNvPicPr>
+          <p:nvPr/>
+        </p:nvPicPr>
+        <p:blipFill>
+          <a:blip r:embed="rId2">
+            <a:extLst>
+              <a:ext uri="{28A0092B-C50C-407E-A947-70E740481C1C}">
+                <a14:useLocalDpi xmlns:a14="http://schemas.microsoft.com/office/drawing/2010/main" val="0"/>
+              </a:ext>
+            </a:extLst>
+          </a:blip>
+          <a:stretch>
+            <a:fillRect/>
+          </a:stretch>
+        </p:blipFill>
+        <p:spPr>
+          <a:xfrm>
+            <a:off x="3384061" y="1667920"/>
+            <a:ext cx="1418468" cy="1268691"/>
+          </a:xfrm>
+          <a:prstGeom prst="rect">
+            <a:avLst/>
+          </a:prstGeom>
+        </p:spPr>
+      </p:pic>
+      <p:pic>
+        <p:nvPicPr>
+          <p:cNvPr id="8" name="Image 7"/>
           <p:cNvPicPr>
             <a:picLocks noChangeAspect="1"/>
           </p:cNvPicPr>
@@ -8415,24 +8452,267 @@
         </p:blipFill>
         <p:spPr>
           <a:xfrm>
-            <a:off x="607649" y="1750899"/>
-            <a:ext cx="7712103" cy="4335941"/>
+            <a:off x="7853061" y="1429364"/>
+            <a:ext cx="679366" cy="510883"/>
           </a:xfrm>
           <a:prstGeom prst="rect">
             <a:avLst/>
           </a:prstGeom>
         </p:spPr>
       </p:pic>
-      <p:sp>
-        <p:nvSpPr>
-          <p:cNvPr id="5" name="ZoneTexte 4"/>
+      <p:pic>
+        <p:nvPicPr>
+          <p:cNvPr id="9" name="Image 8"/>
+          <p:cNvPicPr>
+            <a:picLocks noChangeAspect="1"/>
+          </p:cNvPicPr>
+          <p:nvPr/>
+        </p:nvPicPr>
+        <p:blipFill>
+          <a:blip r:embed="rId4" cstate="screen">
+            <a:extLst>
+              <a:ext uri="{28A0092B-C50C-407E-A947-70E740481C1C}">
+                <a14:useLocalDpi xmlns:a14="http://schemas.microsoft.com/office/drawing/2010/main" val="0"/>
+              </a:ext>
+            </a:extLst>
+          </a:blip>
+          <a:stretch>
+            <a:fillRect/>
+          </a:stretch>
+        </p:blipFill>
+        <p:spPr>
+          <a:xfrm rot="10800000">
+            <a:off x="7007672" y="1477671"/>
+            <a:ext cx="402652" cy="402652"/>
+          </a:xfrm>
+          <a:prstGeom prst="rect">
+            <a:avLst/>
+          </a:prstGeom>
+        </p:spPr>
+      </p:pic>
+      <p:pic>
+        <p:nvPicPr>
+          <p:cNvPr id="10" name="Image 9"/>
+          <p:cNvPicPr>
+            <a:picLocks noChangeAspect="1"/>
+          </p:cNvPicPr>
+          <p:nvPr/>
+        </p:nvPicPr>
+        <p:blipFill>
+          <a:blip r:embed="rId5" cstate="screen">
+            <a:extLst>
+              <a:ext uri="{28A0092B-C50C-407E-A947-70E740481C1C}">
+                <a14:useLocalDpi xmlns:a14="http://schemas.microsoft.com/office/drawing/2010/main" val="0"/>
+              </a:ext>
+            </a:extLst>
+          </a:blip>
+          <a:stretch>
+            <a:fillRect/>
+          </a:stretch>
+        </p:blipFill>
+        <p:spPr>
+          <a:xfrm>
+            <a:off x="5820537" y="1345601"/>
+            <a:ext cx="794871" cy="678410"/>
+          </a:xfrm>
+          <a:prstGeom prst="rect">
+            <a:avLst/>
+          </a:prstGeom>
+        </p:spPr>
+      </p:pic>
+      <p:pic>
+        <p:nvPicPr>
+          <p:cNvPr id="11" name="Image 10"/>
+          <p:cNvPicPr>
+            <a:picLocks noChangeAspect="1"/>
+          </p:cNvPicPr>
+          <p:nvPr/>
+        </p:nvPicPr>
+        <p:blipFill>
+          <a:blip r:embed="rId6" cstate="screen">
+            <a:extLst>
+              <a:ext uri="{28A0092B-C50C-407E-A947-70E740481C1C}">
+                <a14:useLocalDpi xmlns:a14="http://schemas.microsoft.com/office/drawing/2010/main" val="0"/>
+              </a:ext>
+            </a:extLst>
+          </a:blip>
+          <a:stretch>
+            <a:fillRect/>
+          </a:stretch>
+        </p:blipFill>
+        <p:spPr>
+          <a:xfrm>
+            <a:off x="5770113" y="2955379"/>
+            <a:ext cx="884715" cy="782731"/>
+          </a:xfrm>
+          <a:prstGeom prst="rect">
+            <a:avLst/>
+          </a:prstGeom>
+        </p:spPr>
+      </p:pic>
+      <p:pic>
+        <p:nvPicPr>
+          <p:cNvPr id="12" name="Image 11"/>
+          <p:cNvPicPr>
+            <a:picLocks noChangeAspect="1"/>
+          </p:cNvPicPr>
+          <p:nvPr/>
+        </p:nvPicPr>
+        <p:blipFill>
+          <a:blip r:embed="rId7" cstate="screen">
+            <a:extLst>
+              <a:ext uri="{28A0092B-C50C-407E-A947-70E740481C1C}">
+                <a14:useLocalDpi xmlns:a14="http://schemas.microsoft.com/office/drawing/2010/main" val="0"/>
+              </a:ext>
+            </a:extLst>
+          </a:blip>
+          <a:stretch>
+            <a:fillRect/>
+          </a:stretch>
+        </p:blipFill>
+        <p:spPr>
+          <a:xfrm>
+            <a:off x="5924313" y="2249583"/>
+            <a:ext cx="609960" cy="609960"/>
+          </a:xfrm>
+          <a:prstGeom prst="rect">
+            <a:avLst/>
+          </a:prstGeom>
+        </p:spPr>
+      </p:pic>
+      <p:pic>
+        <p:nvPicPr>
+          <p:cNvPr id="17" name="Image 16"/>
+          <p:cNvPicPr>
+            <a:picLocks noChangeAspect="1"/>
+          </p:cNvPicPr>
+          <p:nvPr/>
+        </p:nvPicPr>
+        <p:blipFill>
+          <a:blip r:embed="rId8" cstate="screen">
+            <a:extLst>
+              <a:ext uri="{28A0092B-C50C-407E-A947-70E740481C1C}">
+                <a14:useLocalDpi xmlns:a14="http://schemas.microsoft.com/office/drawing/2010/main" val="0"/>
+              </a:ext>
+            </a:extLst>
+          </a:blip>
+          <a:stretch>
+            <a:fillRect/>
+          </a:stretch>
+        </p:blipFill>
+        <p:spPr>
+          <a:xfrm>
+            <a:off x="7495922" y="3029753"/>
+            <a:ext cx="914419" cy="890380"/>
+          </a:xfrm>
+          <a:prstGeom prst="rect">
+            <a:avLst/>
+          </a:prstGeom>
+        </p:spPr>
+      </p:pic>
+      <p:sp>
+        <p:nvSpPr>
+          <p:cNvPr id="18" name="Rectangle 17"/>
+          <p:cNvSpPr/>
+          <p:nvPr/>
+        </p:nvSpPr>
+        <p:spPr>
+          <a:xfrm>
+            <a:off x="2969843" y="3107703"/>
+            <a:ext cx="967141" cy="752807"/>
+          </a:xfrm>
+          <a:prstGeom prst="rect">
+            <a:avLst/>
+          </a:prstGeom>
+          <a:noFill/>
+          <a:ln w="28575">
+            <a:solidFill>
+              <a:schemeClr val="tx2">
+                <a:lumMod val="75000"/>
+              </a:schemeClr>
+            </a:solidFill>
+          </a:ln>
+        </p:spPr>
+        <p:style>
+          <a:lnRef idx="1">
+            <a:schemeClr val="accent1"/>
+          </a:lnRef>
+          <a:fillRef idx="3">
+            <a:schemeClr val="accent1"/>
+          </a:fillRef>
+          <a:effectRef idx="2">
+            <a:schemeClr val="accent1"/>
+          </a:effectRef>
+          <a:fontRef idx="minor">
+            <a:schemeClr val="lt1"/>
+          </a:fontRef>
+        </p:style>
+        <p:txBody>
+          <a:bodyPr rtlCol="0" anchor="ctr"/>
+          <a:lstStyle/>
+          <a:p>
+            <a:pPr algn="ctr"/>
+            <a:endParaRPr lang="fr-FR"/>
+          </a:p>
+        </p:txBody>
+      </p:sp>
+      <p:sp>
+        <p:nvSpPr>
+          <p:cNvPr id="19" name="Rectangle 18"/>
+          <p:cNvSpPr/>
+          <p:nvPr/>
+        </p:nvSpPr>
+        <p:spPr>
+          <a:xfrm>
+            <a:off x="4197469" y="3112697"/>
+            <a:ext cx="967141" cy="752807"/>
+          </a:xfrm>
+          <a:prstGeom prst="rect">
+            <a:avLst/>
+          </a:prstGeom>
+          <a:noFill/>
+          <a:ln w="28575">
+            <a:solidFill>
+              <a:schemeClr val="accent1">
+                <a:lumMod val="60000"/>
+                <a:lumOff val="40000"/>
+              </a:schemeClr>
+            </a:solidFill>
+          </a:ln>
+        </p:spPr>
+        <p:style>
+          <a:lnRef idx="1">
+            <a:schemeClr val="accent1"/>
+          </a:lnRef>
+          <a:fillRef idx="3">
+            <a:schemeClr val="accent1"/>
+          </a:fillRef>
+          <a:effectRef idx="2">
+            <a:schemeClr val="accent1"/>
+          </a:effectRef>
+          <a:fontRef idx="minor">
+            <a:schemeClr val="lt1"/>
+          </a:fontRef>
+        </p:style>
+        <p:txBody>
+          <a:bodyPr rtlCol="0" anchor="ctr"/>
+          <a:lstStyle/>
+          <a:p>
+            <a:pPr algn="ctr"/>
+            <a:endParaRPr lang="fr-FR"/>
+          </a:p>
+        </p:txBody>
+      </p:sp>
+      <p:sp>
+        <p:nvSpPr>
+          <p:cNvPr id="20" name="ZoneTexte 19"/>
           <p:cNvSpPr txBox="1"/>
           <p:nvPr/>
         </p:nvSpPr>
         <p:spPr>
           <a:xfrm>
-            <a:off x="8496300" y="6296025"/>
-            <a:ext cx="495300" cy="369332"/>
+            <a:off x="3105628" y="3290277"/>
+            <a:ext cx="695569" cy="369332"/>
           </a:xfrm>
           <a:prstGeom prst="rect">
             <a:avLst/>
@@ -8445,17 +8725,621 @@
           </a:bodyPr>
           <a:lstStyle/>
           <a:p>
-            <a:r>
-              <a:rPr lang="fr-FR" dirty="0"/>
-              <a:t>8</a:t>
-            </a:r>
+            <a:pPr algn="ctr"/>
+            <a:r>
+              <a:rPr lang="fr-FR" dirty="0" smtClean="0">
+                <a:effectLst>
+                  <a:outerShdw blurRad="50800" dist="38100" dir="2700000" algn="tl" rotWithShape="0">
+                    <a:prstClr val="black">
+                      <a:alpha val="40000"/>
+                    </a:prstClr>
+                  </a:outerShdw>
+                </a:effectLst>
+              </a:rPr>
+              <a:t>IHM</a:t>
+            </a:r>
+          </a:p>
+        </p:txBody>
+      </p:sp>
+      <p:sp>
+        <p:nvSpPr>
+          <p:cNvPr id="21" name="ZoneTexte 20"/>
+          <p:cNvSpPr txBox="1"/>
+          <p:nvPr/>
+        </p:nvSpPr>
+        <p:spPr>
+          <a:xfrm>
+            <a:off x="4213274" y="3163764"/>
+            <a:ext cx="935529" cy="646331"/>
+          </a:xfrm>
+          <a:prstGeom prst="rect">
+            <a:avLst/>
+          </a:prstGeom>
+          <a:noFill/>
+        </p:spPr>
+        <p:txBody>
+          <a:bodyPr wrap="square" rtlCol="0">
+            <a:spAutoFit/>
+          </a:bodyPr>
+          <a:lstStyle/>
+          <a:p>
+            <a:pPr algn="ctr"/>
+            <a:r>
+              <a:rPr lang="fr-FR" dirty="0" smtClean="0">
+                <a:effectLst>
+                  <a:outerShdw blurRad="50800" dist="38100" dir="2700000" algn="tl" rotWithShape="0">
+                    <a:prstClr val="black">
+                      <a:alpha val="40000"/>
+                    </a:prstClr>
+                  </a:outerShdw>
+                </a:effectLst>
+              </a:rPr>
+              <a:t>Modèle</a:t>
+            </a:r>
+          </a:p>
+          <a:p>
+            <a:pPr algn="ctr"/>
+            <a:r>
+              <a:rPr lang="fr-FR" dirty="0" smtClean="0">
+                <a:effectLst>
+                  <a:outerShdw blurRad="50800" dist="38100" dir="2700000" algn="tl" rotWithShape="0">
+                    <a:prstClr val="black">
+                      <a:alpha val="40000"/>
+                    </a:prstClr>
+                  </a:outerShdw>
+                </a:effectLst>
+              </a:rPr>
+              <a:t>DLL</a:t>
+            </a:r>
+            <a:endParaRPr lang="fr-FR" dirty="0" smtClean="0">
+              <a:effectLst>
+                <a:outerShdw blurRad="50800" dist="38100" dir="2700000" algn="tl" rotWithShape="0">
+                  <a:prstClr val="black">
+                    <a:alpha val="40000"/>
+                  </a:prstClr>
+                </a:outerShdw>
+              </a:effectLst>
+            </a:endParaRPr>
+          </a:p>
+        </p:txBody>
+      </p:sp>
+      <p:cxnSp>
+        <p:nvCxnSpPr>
+          <p:cNvPr id="22" name="Connecteur droit avec flèche 21"/>
+          <p:cNvCxnSpPr>
+            <a:stCxn id="18" idx="3"/>
+            <a:endCxn id="19" idx="1"/>
+          </p:cNvCxnSpPr>
+          <p:nvPr/>
+        </p:nvCxnSpPr>
+        <p:spPr>
+          <a:xfrm>
+            <a:off x="3936984" y="3484107"/>
+            <a:ext cx="260485" cy="4994"/>
+          </a:xfrm>
+          <a:prstGeom prst="straightConnector1">
+            <a:avLst/>
+          </a:prstGeom>
+          <a:ln>
+            <a:headEnd type="triangle"/>
+            <a:tailEnd type="triangle"/>
+          </a:ln>
+        </p:spPr>
+        <p:style>
+          <a:lnRef idx="2">
+            <a:schemeClr val="dk1"/>
+          </a:lnRef>
+          <a:fillRef idx="0">
+            <a:schemeClr val="dk1"/>
+          </a:fillRef>
+          <a:effectRef idx="1">
+            <a:schemeClr val="dk1"/>
+          </a:effectRef>
+          <a:fontRef idx="minor">
+            <a:schemeClr val="tx1"/>
+          </a:fontRef>
+        </p:style>
+      </p:cxnSp>
+      <p:pic>
+        <p:nvPicPr>
+          <p:cNvPr id="24" name="Image 23"/>
+          <p:cNvPicPr>
+            <a:picLocks noChangeAspect="1"/>
+          </p:cNvPicPr>
+          <p:nvPr/>
+        </p:nvPicPr>
+        <p:blipFill>
+          <a:blip r:embed="rId9" cstate="screen">
+            <a:extLst>
+              <a:ext uri="{28A0092B-C50C-407E-A947-70E740481C1C}">
+                <a14:useLocalDpi xmlns:a14="http://schemas.microsoft.com/office/drawing/2010/main" val="0"/>
+              </a:ext>
+            </a:extLst>
+          </a:blip>
+          <a:stretch>
+            <a:fillRect/>
+          </a:stretch>
+        </p:blipFill>
+        <p:spPr>
+          <a:xfrm>
+            <a:off x="4304840" y="3975672"/>
+            <a:ext cx="752398" cy="732618"/>
+          </a:xfrm>
+          <a:prstGeom prst="rect">
+            <a:avLst/>
+          </a:prstGeom>
+        </p:spPr>
+      </p:pic>
+      <p:pic>
+        <p:nvPicPr>
+          <p:cNvPr id="25" name="Image 24"/>
+          <p:cNvPicPr>
+            <a:picLocks noChangeAspect="1"/>
+          </p:cNvPicPr>
+          <p:nvPr/>
+        </p:nvPicPr>
+        <p:blipFill>
+          <a:blip r:embed="rId10" cstate="screen">
+            <a:extLst>
+              <a:ext uri="{28A0092B-C50C-407E-A947-70E740481C1C}">
+                <a14:useLocalDpi xmlns:a14="http://schemas.microsoft.com/office/drawing/2010/main" val="0"/>
+              </a:ext>
+            </a:extLst>
+          </a:blip>
+          <a:stretch>
+            <a:fillRect/>
+          </a:stretch>
+        </p:blipFill>
+        <p:spPr>
+          <a:xfrm>
+            <a:off x="2992160" y="3910739"/>
+            <a:ext cx="922503" cy="882906"/>
+          </a:xfrm>
+          <a:prstGeom prst="rect">
+            <a:avLst/>
+          </a:prstGeom>
+        </p:spPr>
+      </p:pic>
+      <p:pic>
+        <p:nvPicPr>
+          <p:cNvPr id="23" name="Image 22"/>
+          <p:cNvPicPr>
+            <a:picLocks noChangeAspect="1"/>
+          </p:cNvPicPr>
+          <p:nvPr/>
+        </p:nvPicPr>
+        <p:blipFill>
+          <a:blip r:embed="rId3" cstate="screen">
+            <a:extLst>
+              <a:ext uri="{28A0092B-C50C-407E-A947-70E740481C1C}">
+                <a14:useLocalDpi xmlns:a14="http://schemas.microsoft.com/office/drawing/2010/main" val="0"/>
+              </a:ext>
+            </a:extLst>
+          </a:blip>
+          <a:stretch>
+            <a:fillRect/>
+          </a:stretch>
+        </p:blipFill>
+        <p:spPr>
+          <a:xfrm>
+            <a:off x="7853061" y="1429364"/>
+            <a:ext cx="679366" cy="510883"/>
+          </a:xfrm>
+          <a:prstGeom prst="rect">
+            <a:avLst/>
+          </a:prstGeom>
+        </p:spPr>
+      </p:pic>
+      <p:pic>
+        <p:nvPicPr>
+          <p:cNvPr id="26" name="Image 25"/>
+          <p:cNvPicPr>
+            <a:picLocks noChangeAspect="1"/>
+          </p:cNvPicPr>
+          <p:nvPr/>
+        </p:nvPicPr>
+        <p:blipFill>
+          <a:blip r:embed="rId11" cstate="screen">
+            <a:extLst>
+              <a:ext uri="{28A0092B-C50C-407E-A947-70E740481C1C}">
+                <a14:useLocalDpi xmlns:a14="http://schemas.microsoft.com/office/drawing/2010/main" val="0"/>
+              </a:ext>
+            </a:extLst>
+          </a:blip>
+          <a:stretch>
+            <a:fillRect/>
+          </a:stretch>
+        </p:blipFill>
+        <p:spPr>
+          <a:xfrm>
+            <a:off x="5770113" y="4708770"/>
+            <a:ext cx="875600" cy="875600"/>
+          </a:xfrm>
+          <a:prstGeom prst="rect">
+            <a:avLst/>
+          </a:prstGeom>
+        </p:spPr>
+      </p:pic>
+      <p:pic>
+        <p:nvPicPr>
+          <p:cNvPr id="27" name="Image 26"/>
+          <p:cNvPicPr>
+            <a:picLocks noChangeAspect="1"/>
+          </p:cNvPicPr>
+          <p:nvPr/>
+        </p:nvPicPr>
+        <p:blipFill>
+          <a:blip r:embed="rId4" cstate="screen">
+            <a:extLst>
+              <a:ext uri="{28A0092B-C50C-407E-A947-70E740481C1C}">
+                <a14:useLocalDpi xmlns:a14="http://schemas.microsoft.com/office/drawing/2010/main" val="0"/>
+              </a:ext>
+            </a:extLst>
+          </a:blip>
+          <a:stretch>
+            <a:fillRect/>
+          </a:stretch>
+        </p:blipFill>
+        <p:spPr>
+          <a:xfrm rot="10800000">
+            <a:off x="7007672" y="1477671"/>
+            <a:ext cx="402652" cy="402652"/>
+          </a:xfrm>
+          <a:prstGeom prst="rect">
+            <a:avLst/>
+          </a:prstGeom>
+        </p:spPr>
+      </p:pic>
+      <p:pic>
+        <p:nvPicPr>
+          <p:cNvPr id="28" name="Image 27"/>
+          <p:cNvPicPr>
+            <a:picLocks noChangeAspect="1"/>
+          </p:cNvPicPr>
+          <p:nvPr/>
+        </p:nvPicPr>
+        <p:blipFill>
+          <a:blip r:embed="rId5" cstate="screen">
+            <a:extLst>
+              <a:ext uri="{28A0092B-C50C-407E-A947-70E740481C1C}">
+                <a14:useLocalDpi xmlns:a14="http://schemas.microsoft.com/office/drawing/2010/main" val="0"/>
+              </a:ext>
+            </a:extLst>
+          </a:blip>
+          <a:stretch>
+            <a:fillRect/>
+          </a:stretch>
+        </p:blipFill>
+        <p:spPr>
+          <a:xfrm>
+            <a:off x="5820537" y="1345601"/>
+            <a:ext cx="794871" cy="678410"/>
+          </a:xfrm>
+          <a:prstGeom prst="rect">
+            <a:avLst/>
+          </a:prstGeom>
+        </p:spPr>
+      </p:pic>
+      <p:pic>
+        <p:nvPicPr>
+          <p:cNvPr id="29" name="Image 28"/>
+          <p:cNvPicPr>
+            <a:picLocks noChangeAspect="1"/>
+          </p:cNvPicPr>
+          <p:nvPr/>
+        </p:nvPicPr>
+        <p:blipFill>
+          <a:blip r:embed="rId6" cstate="screen">
+            <a:extLst>
+              <a:ext uri="{28A0092B-C50C-407E-A947-70E740481C1C}">
+                <a14:useLocalDpi xmlns:a14="http://schemas.microsoft.com/office/drawing/2010/main" val="0"/>
+              </a:ext>
+            </a:extLst>
+          </a:blip>
+          <a:stretch>
+            <a:fillRect/>
+          </a:stretch>
+        </p:blipFill>
+        <p:spPr>
+          <a:xfrm>
+            <a:off x="5770113" y="2955379"/>
+            <a:ext cx="884715" cy="782731"/>
+          </a:xfrm>
+          <a:prstGeom prst="rect">
+            <a:avLst/>
+          </a:prstGeom>
+        </p:spPr>
+      </p:pic>
+      <p:pic>
+        <p:nvPicPr>
+          <p:cNvPr id="30" name="Image 29"/>
+          <p:cNvPicPr>
+            <a:picLocks noChangeAspect="1"/>
+          </p:cNvPicPr>
+          <p:nvPr/>
+        </p:nvPicPr>
+        <p:blipFill>
+          <a:blip r:embed="rId7" cstate="screen">
+            <a:extLst>
+              <a:ext uri="{28A0092B-C50C-407E-A947-70E740481C1C}">
+                <a14:useLocalDpi xmlns:a14="http://schemas.microsoft.com/office/drawing/2010/main" val="0"/>
+              </a:ext>
+            </a:extLst>
+          </a:blip>
+          <a:stretch>
+            <a:fillRect/>
+          </a:stretch>
+        </p:blipFill>
+        <p:spPr>
+          <a:xfrm>
+            <a:off x="5924313" y="2249583"/>
+            <a:ext cx="609960" cy="609960"/>
+          </a:xfrm>
+          <a:prstGeom prst="rect">
+            <a:avLst/>
+          </a:prstGeom>
+        </p:spPr>
+      </p:pic>
+      <p:pic>
+        <p:nvPicPr>
+          <p:cNvPr id="31" name="Image 30"/>
+          <p:cNvPicPr>
+            <a:picLocks noChangeAspect="1"/>
+          </p:cNvPicPr>
+          <p:nvPr/>
+        </p:nvPicPr>
+        <p:blipFill>
+          <a:blip r:embed="rId12" cstate="screen">
+            <a:extLst>
+              <a:ext uri="{28A0092B-C50C-407E-A947-70E740481C1C}">
+                <a14:useLocalDpi xmlns:a14="http://schemas.microsoft.com/office/drawing/2010/main" val="0"/>
+              </a:ext>
+            </a:extLst>
+          </a:blip>
+          <a:stretch>
+            <a:fillRect/>
+          </a:stretch>
+        </p:blipFill>
+        <p:spPr>
+          <a:xfrm>
+            <a:off x="6885659" y="4913125"/>
+            <a:ext cx="646679" cy="409867"/>
+          </a:xfrm>
+          <a:prstGeom prst="rect">
+            <a:avLst/>
+          </a:prstGeom>
+        </p:spPr>
+      </p:pic>
+      <p:pic>
+        <p:nvPicPr>
+          <p:cNvPr id="32" name="Image 31"/>
+          <p:cNvPicPr>
+            <a:picLocks noChangeAspect="1"/>
+          </p:cNvPicPr>
+          <p:nvPr/>
+        </p:nvPicPr>
+        <p:blipFill>
+          <a:blip r:embed="rId7" cstate="screen">
+            <a:extLst>
+              <a:ext uri="{28A0092B-C50C-407E-A947-70E740481C1C}">
+                <a14:useLocalDpi xmlns:a14="http://schemas.microsoft.com/office/drawing/2010/main" val="0"/>
+              </a:ext>
+            </a:extLst>
+          </a:blip>
+          <a:stretch>
+            <a:fillRect/>
+          </a:stretch>
+        </p:blipFill>
+        <p:spPr>
+          <a:xfrm rot="10800000">
+            <a:off x="5924312" y="4037833"/>
+            <a:ext cx="609960" cy="609960"/>
+          </a:xfrm>
+          <a:prstGeom prst="rect">
+            <a:avLst/>
+          </a:prstGeom>
+        </p:spPr>
+      </p:pic>
+      <p:pic>
+        <p:nvPicPr>
+          <p:cNvPr id="33" name="Image 32"/>
+          <p:cNvPicPr>
+            <a:picLocks noChangeAspect="1"/>
+          </p:cNvPicPr>
+          <p:nvPr/>
+        </p:nvPicPr>
+        <p:blipFill>
+          <a:blip r:embed="rId13" cstate="screen">
+            <a:extLst>
+              <a:ext uri="{28A0092B-C50C-407E-A947-70E740481C1C}">
+                <a14:useLocalDpi xmlns:a14="http://schemas.microsoft.com/office/drawing/2010/main" val="0"/>
+              </a:ext>
+            </a:extLst>
+          </a:blip>
+          <a:stretch>
+            <a:fillRect/>
+          </a:stretch>
+        </p:blipFill>
+        <p:spPr>
+          <a:xfrm>
+            <a:off x="7906150" y="4823774"/>
+            <a:ext cx="613499" cy="613499"/>
+          </a:xfrm>
+          <a:prstGeom prst="rect">
+            <a:avLst/>
+          </a:prstGeom>
+        </p:spPr>
+      </p:pic>
+      <p:sp>
+        <p:nvSpPr>
+          <p:cNvPr id="34" name="Rectangle 33"/>
+          <p:cNvSpPr/>
+          <p:nvPr/>
+        </p:nvSpPr>
+        <p:spPr>
+          <a:xfrm>
+            <a:off x="5607347" y="1104253"/>
+            <a:ext cx="3263885" cy="4484982"/>
+          </a:xfrm>
+          <a:prstGeom prst="rect">
+            <a:avLst/>
+          </a:prstGeom>
+          <a:noFill/>
+          <a:ln w="28575">
+            <a:solidFill>
+              <a:srgbClr val="00B050"/>
+            </a:solidFill>
+          </a:ln>
+        </p:spPr>
+        <p:style>
+          <a:lnRef idx="1">
+            <a:schemeClr val="accent1"/>
+          </a:lnRef>
+          <a:fillRef idx="3">
+            <a:schemeClr val="accent1"/>
+          </a:fillRef>
+          <a:effectRef idx="2">
+            <a:schemeClr val="accent1"/>
+          </a:effectRef>
+          <a:fontRef idx="minor">
+            <a:schemeClr val="lt1"/>
+          </a:fontRef>
+        </p:style>
+        <p:txBody>
+          <a:bodyPr rtlCol="0" anchor="ctr"/>
+          <a:lstStyle/>
+          <a:p>
+            <a:pPr algn="ctr"/>
+            <a:endParaRPr lang="fr-FR"/>
+          </a:p>
+        </p:txBody>
+      </p:sp>
+      <p:sp>
+        <p:nvSpPr>
+          <p:cNvPr id="36" name="ZoneTexte 35"/>
+          <p:cNvSpPr txBox="1"/>
+          <p:nvPr/>
+        </p:nvSpPr>
+        <p:spPr>
+          <a:xfrm>
+            <a:off x="7012180" y="2213212"/>
+            <a:ext cx="1881906" cy="646331"/>
+          </a:xfrm>
+          <a:prstGeom prst="rect">
+            <a:avLst/>
+          </a:prstGeom>
+          <a:noFill/>
+        </p:spPr>
+        <p:txBody>
+          <a:bodyPr wrap="square" rtlCol="0">
+            <a:spAutoFit/>
+          </a:bodyPr>
+          <a:lstStyle/>
+          <a:p>
+            <a:pPr algn="ctr"/>
+            <a:r>
+              <a:rPr lang="fr-FR" dirty="0" smtClean="0">
+                <a:effectLst>
+                  <a:outerShdw blurRad="50800" dist="38100" dir="2700000" algn="tl" rotWithShape="0">
+                    <a:prstClr val="black">
+                      <a:alpha val="40000"/>
+                    </a:prstClr>
+                  </a:outerShdw>
+                </a:effectLst>
+              </a:rPr>
+              <a:t>RequeteHttp</a:t>
+            </a:r>
+          </a:p>
+          <a:p>
+            <a:pPr algn="ctr"/>
+            <a:r>
+              <a:rPr lang="fr-FR" dirty="0" smtClean="0">
+                <a:effectLst>
+                  <a:outerShdw blurRad="50800" dist="38100" dir="2700000" algn="tl" rotWithShape="0">
+                    <a:prstClr val="black">
+                      <a:alpha val="40000"/>
+                    </a:prstClr>
+                  </a:outerShdw>
+                </a:effectLst>
+              </a:rPr>
+              <a:t>DLL</a:t>
+            </a:r>
+            <a:endParaRPr lang="fr-FR" dirty="0" smtClean="0">
+              <a:effectLst>
+                <a:outerShdw blurRad="50800" dist="38100" dir="2700000" algn="tl" rotWithShape="0">
+                  <a:prstClr val="black">
+                    <a:alpha val="40000"/>
+                  </a:prstClr>
+                </a:outerShdw>
+              </a:effectLst>
+            </a:endParaRPr>
+          </a:p>
+        </p:txBody>
+      </p:sp>
+      <p:pic>
+        <p:nvPicPr>
+          <p:cNvPr id="13" name="Image 12"/>
+          <p:cNvPicPr>
+            <a:picLocks noChangeAspect="1"/>
+          </p:cNvPicPr>
+          <p:nvPr/>
+        </p:nvPicPr>
+        <p:blipFill>
+          <a:blip r:embed="rId14" cstate="screen">
+            <a:extLst>
+              <a:ext uri="{28A0092B-C50C-407E-A947-70E740481C1C}">
+                <a14:useLocalDpi xmlns:a14="http://schemas.microsoft.com/office/drawing/2010/main" val="0"/>
+              </a:ext>
+            </a:extLst>
+          </a:blip>
+          <a:stretch>
+            <a:fillRect/>
+          </a:stretch>
+        </p:blipFill>
+        <p:spPr>
+          <a:xfrm rot="5400000">
+            <a:off x="5164610" y="3115808"/>
+            <a:ext cx="684643" cy="684643"/>
+          </a:xfrm>
+          <a:prstGeom prst="rect">
+            <a:avLst/>
+          </a:prstGeom>
+        </p:spPr>
+      </p:pic>
+      <p:sp>
+        <p:nvSpPr>
+          <p:cNvPr id="4" name="Rectangle 3"/>
+          <p:cNvSpPr/>
+          <p:nvPr/>
+        </p:nvSpPr>
+        <p:spPr>
+          <a:xfrm>
+            <a:off x="7315779" y="4142516"/>
+            <a:ext cx="1274708" cy="369332"/>
+          </a:xfrm>
+          <a:prstGeom prst="rect">
+            <a:avLst/>
+          </a:prstGeom>
+        </p:spPr>
+        <p:txBody>
+          <a:bodyPr wrap="none">
+            <a:spAutoFit/>
+          </a:bodyPr>
+          <a:lstStyle/>
+          <a:p>
+            <a:pPr algn="ctr"/>
+            <a:r>
+              <a:rPr lang="fr-FR" dirty="0" err="1"/>
+              <a:t>HappyHttp</a:t>
+            </a:r>
+            <a:endParaRPr lang="fr-FR" dirty="0"/>
           </a:p>
         </p:txBody>
       </p:sp>
     </p:spTree>
     <p:extLst>
       <p:ext uri="{BB962C8B-B14F-4D97-AF65-F5344CB8AC3E}">
-        <p14:creationId xmlns:p14="http://schemas.microsoft.com/office/powerpoint/2010/main" val="4041002445"/>
+        <p14:creationId xmlns:p14="http://schemas.microsoft.com/office/powerpoint/2010/main" val="2170586702"/>
       </p:ext>
     </p:extLst>
   </p:cSld>
@@ -8503,7 +9387,842 @@
       </p:grpSpPr>
       <p:sp>
         <p:nvSpPr>
-          <p:cNvPr id="3" name="Espace réservé du texte 2"/>
+          <p:cNvPr id="7" name="ZoneTexte 6"/>
+          <p:cNvSpPr txBox="1"/>
+          <p:nvPr/>
+        </p:nvSpPr>
+        <p:spPr>
+          <a:xfrm>
+            <a:off x="8496300" y="6296025"/>
+            <a:ext cx="495300" cy="369332"/>
+          </a:xfrm>
+          <a:prstGeom prst="rect">
+            <a:avLst/>
+          </a:prstGeom>
+          <a:noFill/>
+        </p:spPr>
+        <p:txBody>
+          <a:bodyPr wrap="square" rtlCol="0">
+            <a:spAutoFit/>
+          </a:bodyPr>
+          <a:lstStyle/>
+          <a:p>
+            <a:r>
+              <a:rPr lang="fr-FR" dirty="0"/>
+              <a:t>7</a:t>
+            </a:r>
+          </a:p>
+        </p:txBody>
+      </p:sp>
+      <p:pic>
+        <p:nvPicPr>
+          <p:cNvPr id="3" name="Image 2"/>
+          <p:cNvPicPr>
+            <a:picLocks noChangeAspect="1"/>
+          </p:cNvPicPr>
+          <p:nvPr/>
+        </p:nvPicPr>
+        <p:blipFill>
+          <a:blip r:embed="rId3" cstate="screen">
+            <a:extLst>
+              <a:ext uri="{28A0092B-C50C-407E-A947-70E740481C1C}">
+                <a14:useLocalDpi xmlns:a14="http://schemas.microsoft.com/office/drawing/2010/main" val="0"/>
+              </a:ext>
+            </a:extLst>
+          </a:blip>
+          <a:stretch>
+            <a:fillRect/>
+          </a:stretch>
+        </p:blipFill>
+        <p:spPr>
+          <a:xfrm>
+            <a:off x="7853061" y="1429364"/>
+            <a:ext cx="679366" cy="510883"/>
+          </a:xfrm>
+          <a:prstGeom prst="rect">
+            <a:avLst/>
+          </a:prstGeom>
+        </p:spPr>
+      </p:pic>
+      <p:pic>
+        <p:nvPicPr>
+          <p:cNvPr id="4" name="Image 3"/>
+          <p:cNvPicPr>
+            <a:picLocks noChangeAspect="1"/>
+          </p:cNvPicPr>
+          <p:nvPr/>
+        </p:nvPicPr>
+        <p:blipFill>
+          <a:blip r:embed="rId4" cstate="screen">
+            <a:extLst>
+              <a:ext uri="{28A0092B-C50C-407E-A947-70E740481C1C}">
+                <a14:useLocalDpi xmlns:a14="http://schemas.microsoft.com/office/drawing/2010/main" val="0"/>
+              </a:ext>
+            </a:extLst>
+          </a:blip>
+          <a:stretch>
+            <a:fillRect/>
+          </a:stretch>
+        </p:blipFill>
+        <p:spPr>
+          <a:xfrm>
+            <a:off x="5770113" y="4708770"/>
+            <a:ext cx="875600" cy="875600"/>
+          </a:xfrm>
+          <a:prstGeom prst="rect">
+            <a:avLst/>
+          </a:prstGeom>
+        </p:spPr>
+      </p:pic>
+      <p:pic>
+        <p:nvPicPr>
+          <p:cNvPr id="6" name="Image 5"/>
+          <p:cNvPicPr>
+            <a:picLocks noChangeAspect="1"/>
+          </p:cNvPicPr>
+          <p:nvPr/>
+        </p:nvPicPr>
+        <p:blipFill>
+          <a:blip r:embed="rId5" cstate="screen">
+            <a:extLst>
+              <a:ext uri="{28A0092B-C50C-407E-A947-70E740481C1C}">
+                <a14:useLocalDpi xmlns:a14="http://schemas.microsoft.com/office/drawing/2010/main" val="0"/>
+              </a:ext>
+            </a:extLst>
+          </a:blip>
+          <a:stretch>
+            <a:fillRect/>
+          </a:stretch>
+        </p:blipFill>
+        <p:spPr>
+          <a:xfrm rot="10800000">
+            <a:off x="7007672" y="1477671"/>
+            <a:ext cx="402652" cy="402652"/>
+          </a:xfrm>
+          <a:prstGeom prst="rect">
+            <a:avLst/>
+          </a:prstGeom>
+        </p:spPr>
+      </p:pic>
+      <p:pic>
+        <p:nvPicPr>
+          <p:cNvPr id="8" name="Image 7"/>
+          <p:cNvPicPr>
+            <a:picLocks noChangeAspect="1"/>
+          </p:cNvPicPr>
+          <p:nvPr/>
+        </p:nvPicPr>
+        <p:blipFill>
+          <a:blip r:embed="rId6" cstate="screen">
+            <a:extLst>
+              <a:ext uri="{28A0092B-C50C-407E-A947-70E740481C1C}">
+                <a14:useLocalDpi xmlns:a14="http://schemas.microsoft.com/office/drawing/2010/main" val="0"/>
+              </a:ext>
+            </a:extLst>
+          </a:blip>
+          <a:stretch>
+            <a:fillRect/>
+          </a:stretch>
+        </p:blipFill>
+        <p:spPr>
+          <a:xfrm>
+            <a:off x="5820537" y="1345601"/>
+            <a:ext cx="794871" cy="678410"/>
+          </a:xfrm>
+          <a:prstGeom prst="rect">
+            <a:avLst/>
+          </a:prstGeom>
+        </p:spPr>
+      </p:pic>
+      <p:pic>
+        <p:nvPicPr>
+          <p:cNvPr id="9" name="Image 8"/>
+          <p:cNvPicPr>
+            <a:picLocks noChangeAspect="1"/>
+          </p:cNvPicPr>
+          <p:nvPr/>
+        </p:nvPicPr>
+        <p:blipFill>
+          <a:blip r:embed="rId7" cstate="screen">
+            <a:extLst>
+              <a:ext uri="{28A0092B-C50C-407E-A947-70E740481C1C}">
+                <a14:useLocalDpi xmlns:a14="http://schemas.microsoft.com/office/drawing/2010/main" val="0"/>
+              </a:ext>
+            </a:extLst>
+          </a:blip>
+          <a:stretch>
+            <a:fillRect/>
+          </a:stretch>
+        </p:blipFill>
+        <p:spPr>
+          <a:xfrm>
+            <a:off x="5770113" y="2955379"/>
+            <a:ext cx="884715" cy="782731"/>
+          </a:xfrm>
+          <a:prstGeom prst="rect">
+            <a:avLst/>
+          </a:prstGeom>
+        </p:spPr>
+      </p:pic>
+      <p:pic>
+        <p:nvPicPr>
+          <p:cNvPr id="10" name="Image 9"/>
+          <p:cNvPicPr>
+            <a:picLocks noChangeAspect="1"/>
+          </p:cNvPicPr>
+          <p:nvPr/>
+        </p:nvPicPr>
+        <p:blipFill>
+          <a:blip r:embed="rId8">
+            <a:extLst>
+              <a:ext uri="{28A0092B-C50C-407E-A947-70E740481C1C}">
+                <a14:useLocalDpi xmlns:a14="http://schemas.microsoft.com/office/drawing/2010/main" val="0"/>
+              </a:ext>
+            </a:extLst>
+          </a:blip>
+          <a:stretch>
+            <a:fillRect/>
+          </a:stretch>
+        </p:blipFill>
+        <p:spPr>
+          <a:xfrm>
+            <a:off x="3384061" y="1667920"/>
+            <a:ext cx="1418468" cy="1268691"/>
+          </a:xfrm>
+          <a:prstGeom prst="rect">
+            <a:avLst/>
+          </a:prstGeom>
+        </p:spPr>
+      </p:pic>
+      <p:pic>
+        <p:nvPicPr>
+          <p:cNvPr id="11" name="Image 10"/>
+          <p:cNvPicPr>
+            <a:picLocks noChangeAspect="1"/>
+          </p:cNvPicPr>
+          <p:nvPr/>
+        </p:nvPicPr>
+        <p:blipFill>
+          <a:blip r:embed="rId9" cstate="screen">
+            <a:extLst>
+              <a:ext uri="{28A0092B-C50C-407E-A947-70E740481C1C}">
+                <a14:useLocalDpi xmlns:a14="http://schemas.microsoft.com/office/drawing/2010/main" val="0"/>
+              </a:ext>
+            </a:extLst>
+          </a:blip>
+          <a:stretch>
+            <a:fillRect/>
+          </a:stretch>
+        </p:blipFill>
+        <p:spPr>
+          <a:xfrm>
+            <a:off x="244061" y="2851916"/>
+            <a:ext cx="1131791" cy="1257135"/>
+          </a:xfrm>
+          <a:prstGeom prst="rect">
+            <a:avLst/>
+          </a:prstGeom>
+        </p:spPr>
+      </p:pic>
+      <p:pic>
+        <p:nvPicPr>
+          <p:cNvPr id="12" name="Image 11"/>
+          <p:cNvPicPr>
+            <a:picLocks noChangeAspect="1"/>
+          </p:cNvPicPr>
+          <p:nvPr/>
+        </p:nvPicPr>
+        <p:blipFill>
+          <a:blip r:embed="rId10" cstate="screen">
+            <a:extLst>
+              <a:ext uri="{28A0092B-C50C-407E-A947-70E740481C1C}">
+                <a14:useLocalDpi xmlns:a14="http://schemas.microsoft.com/office/drawing/2010/main" val="0"/>
+              </a:ext>
+            </a:extLst>
+          </a:blip>
+          <a:stretch>
+            <a:fillRect/>
+          </a:stretch>
+        </p:blipFill>
+        <p:spPr>
+          <a:xfrm>
+            <a:off x="5924313" y="2249583"/>
+            <a:ext cx="609960" cy="609960"/>
+          </a:xfrm>
+          <a:prstGeom prst="rect">
+            <a:avLst/>
+          </a:prstGeom>
+        </p:spPr>
+      </p:pic>
+      <p:pic>
+        <p:nvPicPr>
+          <p:cNvPr id="13" name="Image 12"/>
+          <p:cNvPicPr>
+            <a:picLocks noChangeAspect="1"/>
+          </p:cNvPicPr>
+          <p:nvPr/>
+        </p:nvPicPr>
+        <p:blipFill>
+          <a:blip r:embed="rId11" cstate="screen">
+            <a:extLst>
+              <a:ext uri="{28A0092B-C50C-407E-A947-70E740481C1C}">
+                <a14:useLocalDpi xmlns:a14="http://schemas.microsoft.com/office/drawing/2010/main" val="0"/>
+              </a:ext>
+            </a:extLst>
+          </a:blip>
+          <a:stretch>
+            <a:fillRect/>
+          </a:stretch>
+        </p:blipFill>
+        <p:spPr>
+          <a:xfrm>
+            <a:off x="6885659" y="4913125"/>
+            <a:ext cx="646679" cy="409867"/>
+          </a:xfrm>
+          <a:prstGeom prst="rect">
+            <a:avLst/>
+          </a:prstGeom>
+        </p:spPr>
+      </p:pic>
+      <p:pic>
+        <p:nvPicPr>
+          <p:cNvPr id="15" name="Image 14"/>
+          <p:cNvPicPr>
+            <a:picLocks noChangeAspect="1"/>
+          </p:cNvPicPr>
+          <p:nvPr/>
+        </p:nvPicPr>
+        <p:blipFill>
+          <a:blip r:embed="rId10" cstate="screen">
+            <a:extLst>
+              <a:ext uri="{28A0092B-C50C-407E-A947-70E740481C1C}">
+                <a14:useLocalDpi xmlns:a14="http://schemas.microsoft.com/office/drawing/2010/main" val="0"/>
+              </a:ext>
+            </a:extLst>
+          </a:blip>
+          <a:stretch>
+            <a:fillRect/>
+          </a:stretch>
+        </p:blipFill>
+        <p:spPr>
+          <a:xfrm rot="10800000">
+            <a:off x="5924312" y="4037833"/>
+            <a:ext cx="609960" cy="609960"/>
+          </a:xfrm>
+          <a:prstGeom prst="rect">
+            <a:avLst/>
+          </a:prstGeom>
+        </p:spPr>
+      </p:pic>
+      <p:pic>
+        <p:nvPicPr>
+          <p:cNvPr id="18" name="Image 17"/>
+          <p:cNvPicPr>
+            <a:picLocks noChangeAspect="1"/>
+          </p:cNvPicPr>
+          <p:nvPr/>
+        </p:nvPicPr>
+        <p:blipFill>
+          <a:blip r:embed="rId12" cstate="screen">
+            <a:extLst>
+              <a:ext uri="{28A0092B-C50C-407E-A947-70E740481C1C}">
+                <a14:useLocalDpi xmlns:a14="http://schemas.microsoft.com/office/drawing/2010/main" val="0"/>
+              </a:ext>
+            </a:extLst>
+          </a:blip>
+          <a:stretch>
+            <a:fillRect/>
+          </a:stretch>
+        </p:blipFill>
+        <p:spPr>
+          <a:xfrm>
+            <a:off x="1733496" y="3558144"/>
+            <a:ext cx="920615" cy="226061"/>
+          </a:xfrm>
+          <a:prstGeom prst="rect">
+            <a:avLst/>
+          </a:prstGeom>
+        </p:spPr>
+      </p:pic>
+      <p:pic>
+        <p:nvPicPr>
+          <p:cNvPr id="19" name="Image 18"/>
+          <p:cNvPicPr>
+            <a:picLocks noChangeAspect="1"/>
+          </p:cNvPicPr>
+          <p:nvPr/>
+        </p:nvPicPr>
+        <p:blipFill>
+          <a:blip r:embed="rId13" cstate="screen">
+            <a:extLst>
+              <a:ext uri="{28A0092B-C50C-407E-A947-70E740481C1C}">
+                <a14:useLocalDpi xmlns:a14="http://schemas.microsoft.com/office/drawing/2010/main" val="0"/>
+              </a:ext>
+            </a:extLst>
+          </a:blip>
+          <a:stretch>
+            <a:fillRect/>
+          </a:stretch>
+        </p:blipFill>
+        <p:spPr>
+          <a:xfrm>
+            <a:off x="7906150" y="4823774"/>
+            <a:ext cx="613499" cy="613499"/>
+          </a:xfrm>
+          <a:prstGeom prst="rect">
+            <a:avLst/>
+          </a:prstGeom>
+        </p:spPr>
+      </p:pic>
+      <p:sp>
+        <p:nvSpPr>
+          <p:cNvPr id="20" name="Rectangle 19"/>
+          <p:cNvSpPr/>
+          <p:nvPr/>
+        </p:nvSpPr>
+        <p:spPr>
+          <a:xfrm>
+            <a:off x="5607347" y="1104253"/>
+            <a:ext cx="3263885" cy="4484982"/>
+          </a:xfrm>
+          <a:prstGeom prst="rect">
+            <a:avLst/>
+          </a:prstGeom>
+          <a:noFill/>
+          <a:ln w="28575">
+            <a:solidFill>
+              <a:srgbClr val="00B050"/>
+            </a:solidFill>
+          </a:ln>
+        </p:spPr>
+        <p:style>
+          <a:lnRef idx="1">
+            <a:schemeClr val="accent1"/>
+          </a:lnRef>
+          <a:fillRef idx="3">
+            <a:schemeClr val="accent1"/>
+          </a:fillRef>
+          <a:effectRef idx="2">
+            <a:schemeClr val="accent1"/>
+          </a:effectRef>
+          <a:fontRef idx="minor">
+            <a:schemeClr val="lt1"/>
+          </a:fontRef>
+        </p:style>
+        <p:txBody>
+          <a:bodyPr rtlCol="0" anchor="ctr"/>
+          <a:lstStyle/>
+          <a:p>
+            <a:pPr algn="ctr"/>
+            <a:endParaRPr lang="fr-FR"/>
+          </a:p>
+        </p:txBody>
+      </p:sp>
+      <p:sp>
+        <p:nvSpPr>
+          <p:cNvPr id="22" name="Rectangle 21"/>
+          <p:cNvSpPr/>
+          <p:nvPr/>
+        </p:nvSpPr>
+        <p:spPr>
+          <a:xfrm>
+            <a:off x="139158" y="2472104"/>
+            <a:ext cx="2688492" cy="2011069"/>
+          </a:xfrm>
+          <a:prstGeom prst="rect">
+            <a:avLst/>
+          </a:prstGeom>
+          <a:noFill/>
+          <a:ln w="28575">
+            <a:solidFill>
+              <a:srgbClr val="00B0F0"/>
+            </a:solidFill>
+          </a:ln>
+        </p:spPr>
+        <p:style>
+          <a:lnRef idx="1">
+            <a:schemeClr val="accent1"/>
+          </a:lnRef>
+          <a:fillRef idx="3">
+            <a:schemeClr val="accent1"/>
+          </a:fillRef>
+          <a:effectRef idx="2">
+            <a:schemeClr val="accent1"/>
+          </a:effectRef>
+          <a:fontRef idx="minor">
+            <a:schemeClr val="lt1"/>
+          </a:fontRef>
+        </p:style>
+        <p:txBody>
+          <a:bodyPr rtlCol="0" anchor="ctr"/>
+          <a:lstStyle/>
+          <a:p>
+            <a:pPr algn="ctr"/>
+            <a:endParaRPr lang="fr-FR"/>
+          </a:p>
+        </p:txBody>
+      </p:sp>
+      <p:sp>
+        <p:nvSpPr>
+          <p:cNvPr id="23" name="Rectangle 22"/>
+          <p:cNvSpPr/>
+          <p:nvPr/>
+        </p:nvSpPr>
+        <p:spPr>
+          <a:xfrm>
+            <a:off x="2969843" y="3107703"/>
+            <a:ext cx="967141" cy="752807"/>
+          </a:xfrm>
+          <a:prstGeom prst="rect">
+            <a:avLst/>
+          </a:prstGeom>
+          <a:noFill/>
+          <a:ln w="28575">
+            <a:solidFill>
+              <a:schemeClr val="tx2">
+                <a:lumMod val="75000"/>
+              </a:schemeClr>
+            </a:solidFill>
+          </a:ln>
+        </p:spPr>
+        <p:style>
+          <a:lnRef idx="1">
+            <a:schemeClr val="accent1"/>
+          </a:lnRef>
+          <a:fillRef idx="3">
+            <a:schemeClr val="accent1"/>
+          </a:fillRef>
+          <a:effectRef idx="2">
+            <a:schemeClr val="accent1"/>
+          </a:effectRef>
+          <a:fontRef idx="minor">
+            <a:schemeClr val="lt1"/>
+          </a:fontRef>
+        </p:style>
+        <p:txBody>
+          <a:bodyPr rtlCol="0" anchor="ctr"/>
+          <a:lstStyle/>
+          <a:p>
+            <a:pPr algn="ctr"/>
+            <a:endParaRPr lang="fr-FR"/>
+          </a:p>
+        </p:txBody>
+      </p:sp>
+      <p:sp>
+        <p:nvSpPr>
+          <p:cNvPr id="24" name="Rectangle 23"/>
+          <p:cNvSpPr/>
+          <p:nvPr/>
+        </p:nvSpPr>
+        <p:spPr>
+          <a:xfrm>
+            <a:off x="4197469" y="3112697"/>
+            <a:ext cx="967141" cy="752807"/>
+          </a:xfrm>
+          <a:prstGeom prst="rect">
+            <a:avLst/>
+          </a:prstGeom>
+          <a:noFill/>
+          <a:ln w="28575">
+            <a:solidFill>
+              <a:schemeClr val="accent1">
+                <a:lumMod val="60000"/>
+                <a:lumOff val="40000"/>
+              </a:schemeClr>
+            </a:solidFill>
+          </a:ln>
+        </p:spPr>
+        <p:style>
+          <a:lnRef idx="1">
+            <a:schemeClr val="accent1"/>
+          </a:lnRef>
+          <a:fillRef idx="3">
+            <a:schemeClr val="accent1"/>
+          </a:fillRef>
+          <a:effectRef idx="2">
+            <a:schemeClr val="accent1"/>
+          </a:effectRef>
+          <a:fontRef idx="minor">
+            <a:schemeClr val="lt1"/>
+          </a:fontRef>
+        </p:style>
+        <p:txBody>
+          <a:bodyPr rtlCol="0" anchor="ctr"/>
+          <a:lstStyle/>
+          <a:p>
+            <a:pPr algn="ctr"/>
+            <a:endParaRPr lang="fr-FR"/>
+          </a:p>
+        </p:txBody>
+      </p:sp>
+      <p:pic>
+        <p:nvPicPr>
+          <p:cNvPr id="14" name="Image 13"/>
+          <p:cNvPicPr>
+            <a:picLocks noChangeAspect="1"/>
+          </p:cNvPicPr>
+          <p:nvPr/>
+        </p:nvPicPr>
+        <p:blipFill>
+          <a:blip r:embed="rId14" cstate="screen">
+            <a:extLst>
+              <a:ext uri="{28A0092B-C50C-407E-A947-70E740481C1C}">
+                <a14:useLocalDpi xmlns:a14="http://schemas.microsoft.com/office/drawing/2010/main" val="0"/>
+              </a:ext>
+            </a:extLst>
+          </a:blip>
+          <a:stretch>
+            <a:fillRect/>
+          </a:stretch>
+        </p:blipFill>
+        <p:spPr>
+          <a:xfrm rot="5400000">
+            <a:off x="5164610" y="3115808"/>
+            <a:ext cx="684643" cy="684643"/>
+          </a:xfrm>
+          <a:prstGeom prst="rect">
+            <a:avLst/>
+          </a:prstGeom>
+        </p:spPr>
+      </p:pic>
+      <p:sp>
+        <p:nvSpPr>
+          <p:cNvPr id="25" name="ZoneTexte 24"/>
+          <p:cNvSpPr txBox="1"/>
+          <p:nvPr/>
+        </p:nvSpPr>
+        <p:spPr>
+          <a:xfrm>
+            <a:off x="3105628" y="3290277"/>
+            <a:ext cx="695569" cy="369332"/>
+          </a:xfrm>
+          <a:prstGeom prst="rect">
+            <a:avLst/>
+          </a:prstGeom>
+          <a:noFill/>
+        </p:spPr>
+        <p:txBody>
+          <a:bodyPr wrap="square" rtlCol="0">
+            <a:spAutoFit/>
+          </a:bodyPr>
+          <a:lstStyle/>
+          <a:p>
+            <a:pPr algn="ctr"/>
+            <a:r>
+              <a:rPr lang="fr-FR" dirty="0" smtClean="0">
+                <a:effectLst>
+                  <a:outerShdw blurRad="50800" dist="38100" dir="2700000" algn="tl" rotWithShape="0">
+                    <a:prstClr val="black">
+                      <a:alpha val="40000"/>
+                    </a:prstClr>
+                  </a:outerShdw>
+                </a:effectLst>
+              </a:rPr>
+              <a:t>IHM</a:t>
+            </a:r>
+          </a:p>
+        </p:txBody>
+      </p:sp>
+      <p:sp>
+        <p:nvSpPr>
+          <p:cNvPr id="26" name="ZoneTexte 25"/>
+          <p:cNvSpPr txBox="1"/>
+          <p:nvPr/>
+        </p:nvSpPr>
+        <p:spPr>
+          <a:xfrm>
+            <a:off x="4213274" y="3163764"/>
+            <a:ext cx="935529" cy="646331"/>
+          </a:xfrm>
+          <a:prstGeom prst="rect">
+            <a:avLst/>
+          </a:prstGeom>
+          <a:noFill/>
+        </p:spPr>
+        <p:txBody>
+          <a:bodyPr wrap="square" rtlCol="0">
+            <a:spAutoFit/>
+          </a:bodyPr>
+          <a:lstStyle/>
+          <a:p>
+            <a:pPr algn="ctr"/>
+            <a:r>
+              <a:rPr lang="fr-FR" dirty="0" smtClean="0">
+                <a:effectLst>
+                  <a:outerShdw blurRad="50800" dist="38100" dir="2700000" algn="tl" rotWithShape="0">
+                    <a:prstClr val="black">
+                      <a:alpha val="40000"/>
+                    </a:prstClr>
+                  </a:outerShdw>
+                </a:effectLst>
+              </a:rPr>
+              <a:t>Modèle</a:t>
+            </a:r>
+          </a:p>
+          <a:p>
+            <a:pPr algn="ctr"/>
+            <a:r>
+              <a:rPr lang="fr-FR" dirty="0" smtClean="0">
+                <a:effectLst>
+                  <a:outerShdw blurRad="50800" dist="38100" dir="2700000" algn="tl" rotWithShape="0">
+                    <a:prstClr val="black">
+                      <a:alpha val="40000"/>
+                    </a:prstClr>
+                  </a:outerShdw>
+                </a:effectLst>
+              </a:rPr>
+              <a:t>DLL</a:t>
+            </a:r>
+            <a:endParaRPr lang="fr-FR" dirty="0" smtClean="0">
+              <a:effectLst>
+                <a:outerShdw blurRad="50800" dist="38100" dir="2700000" algn="tl" rotWithShape="0">
+                  <a:prstClr val="black">
+                    <a:alpha val="40000"/>
+                  </a:prstClr>
+                </a:outerShdw>
+              </a:effectLst>
+            </a:endParaRPr>
+          </a:p>
+        </p:txBody>
+      </p:sp>
+      <p:sp>
+        <p:nvSpPr>
+          <p:cNvPr id="27" name="ZoneTexte 26"/>
+          <p:cNvSpPr txBox="1"/>
+          <p:nvPr/>
+        </p:nvSpPr>
+        <p:spPr>
+          <a:xfrm>
+            <a:off x="945744" y="2523558"/>
+            <a:ext cx="1881906" cy="646331"/>
+          </a:xfrm>
+          <a:prstGeom prst="rect">
+            <a:avLst/>
+          </a:prstGeom>
+          <a:noFill/>
+        </p:spPr>
+        <p:txBody>
+          <a:bodyPr wrap="square" rtlCol="0">
+            <a:spAutoFit/>
+          </a:bodyPr>
+          <a:lstStyle/>
+          <a:p>
+            <a:pPr algn="ctr"/>
+            <a:r>
+              <a:rPr lang="fr-FR" dirty="0" smtClean="0">
+                <a:effectLst>
+                  <a:outerShdw blurRad="50800" dist="38100" dir="2700000" algn="tl" rotWithShape="0">
+                    <a:prstClr val="black">
+                      <a:alpha val="40000"/>
+                    </a:prstClr>
+                  </a:outerShdw>
+                </a:effectLst>
+              </a:rPr>
+              <a:t>Bluetooth_com</a:t>
+            </a:r>
+          </a:p>
+          <a:p>
+            <a:pPr algn="ctr"/>
+            <a:r>
+              <a:rPr lang="fr-FR" dirty="0" smtClean="0">
+                <a:effectLst>
+                  <a:outerShdw blurRad="50800" dist="38100" dir="2700000" algn="tl" rotWithShape="0">
+                    <a:prstClr val="black">
+                      <a:alpha val="40000"/>
+                    </a:prstClr>
+                  </a:outerShdw>
+                </a:effectLst>
+              </a:rPr>
+              <a:t>DLL</a:t>
+            </a:r>
+            <a:endParaRPr lang="fr-FR" dirty="0" smtClean="0">
+              <a:effectLst>
+                <a:outerShdw blurRad="50800" dist="38100" dir="2700000" algn="tl" rotWithShape="0">
+                  <a:prstClr val="black">
+                    <a:alpha val="40000"/>
+                  </a:prstClr>
+                </a:outerShdw>
+              </a:effectLst>
+            </a:endParaRPr>
+          </a:p>
+        </p:txBody>
+      </p:sp>
+      <p:cxnSp>
+        <p:nvCxnSpPr>
+          <p:cNvPr id="16" name="Connecteur droit avec flèche 15"/>
+          <p:cNvCxnSpPr>
+            <a:stCxn id="23" idx="3"/>
+            <a:endCxn id="24" idx="1"/>
+          </p:cNvCxnSpPr>
+          <p:nvPr/>
+        </p:nvCxnSpPr>
+        <p:spPr>
+          <a:xfrm>
+            <a:off x="3936984" y="3484107"/>
+            <a:ext cx="260485" cy="4994"/>
+          </a:xfrm>
+          <a:prstGeom prst="straightConnector1">
+            <a:avLst/>
+          </a:prstGeom>
+          <a:ln>
+            <a:headEnd type="triangle"/>
+            <a:tailEnd type="triangle"/>
+          </a:ln>
+        </p:spPr>
+        <p:style>
+          <a:lnRef idx="2">
+            <a:schemeClr val="dk1"/>
+          </a:lnRef>
+          <a:fillRef idx="0">
+            <a:schemeClr val="dk1"/>
+          </a:fillRef>
+          <a:effectRef idx="1">
+            <a:schemeClr val="dk1"/>
+          </a:effectRef>
+          <a:fontRef idx="minor">
+            <a:schemeClr val="tx1"/>
+          </a:fontRef>
+        </p:style>
+      </p:cxnSp>
+      <p:cxnSp>
+        <p:nvCxnSpPr>
+          <p:cNvPr id="42" name="Connecteur droit avec flèche 41"/>
+          <p:cNvCxnSpPr>
+            <a:stCxn id="23" idx="1"/>
+            <a:endCxn id="11" idx="3"/>
+          </p:cNvCxnSpPr>
+          <p:nvPr/>
+        </p:nvCxnSpPr>
+        <p:spPr>
+          <a:xfrm flipH="1" flipV="1">
+            <a:off x="1375852" y="3480484"/>
+            <a:ext cx="1593991" cy="3623"/>
+          </a:xfrm>
+          <a:prstGeom prst="straightConnector1">
+            <a:avLst/>
+          </a:prstGeom>
+          <a:ln>
+            <a:tailEnd type="triangle"/>
+          </a:ln>
+        </p:spPr>
+        <p:style>
+          <a:lnRef idx="2">
+            <a:schemeClr val="dk1"/>
+          </a:lnRef>
+          <a:fillRef idx="0">
+            <a:schemeClr val="dk1"/>
+          </a:fillRef>
+          <a:effectRef idx="1">
+            <a:schemeClr val="dk1"/>
+          </a:effectRef>
+          <a:fontRef idx="minor">
+            <a:schemeClr val="tx1"/>
+          </a:fontRef>
+        </p:style>
+      </p:cxnSp>
+      <p:sp>
+        <p:nvSpPr>
+          <p:cNvPr id="29" name="Espace réservé du texte 2"/>
           <p:cNvSpPr>
             <a:spLocks noGrp="1"/>
           </p:cNvSpPr>
@@ -8511,188 +10230,181 @@
             <p:ph type="body" sz="quarter" idx="10"/>
           </p:nvPr>
         </p:nvSpPr>
-        <p:spPr/>
+        <p:spPr>
+          <a:xfrm>
+            <a:off x="581892" y="992917"/>
+            <a:ext cx="8409708" cy="541594"/>
+          </a:xfrm>
+        </p:spPr>
         <p:txBody>
           <a:bodyPr/>
           <a:lstStyle/>
           <a:p>
             <a:r>
               <a:rPr lang="fr-FR" dirty="0" smtClean="0"/>
-              <a:t>Adaptations de l’application :</a:t>
-            </a:r>
-          </a:p>
-          <a:p>
-            <a:pPr lvl="1">
-              <a:buFont typeface="Wingdings" panose="05000000000000000000" pitchFamily="2" charset="2"/>
-              <a:buChar char="v"/>
-            </a:pPr>
-            <a:endParaRPr lang="fr-FR" dirty="0" smtClean="0"/>
-          </a:p>
-          <a:p>
-            <a:pPr lvl="1">
-              <a:buFont typeface="Wingdings" panose="05000000000000000000" pitchFamily="2" charset="2"/>
-              <a:buChar char="v"/>
-            </a:pPr>
+              <a:t>Maintenant</a:t>
+            </a:r>
             <a:endParaRPr lang="fr-FR" dirty="0"/>
           </a:p>
-          <a:p>
-            <a:pPr lvl="1">
-              <a:buFont typeface="Wingdings" panose="05000000000000000000" pitchFamily="2" charset="2"/>
-              <a:buChar char="v"/>
-            </a:pPr>
-            <a:r>
-              <a:rPr lang="fr-FR" dirty="0"/>
-              <a:t>Modification du thème</a:t>
-            </a:r>
-          </a:p>
-          <a:p>
-            <a:pPr lvl="1">
-              <a:buFont typeface="Wingdings" panose="05000000000000000000" pitchFamily="2" charset="2"/>
-              <a:buChar char="v"/>
-            </a:pPr>
+        </p:txBody>
+      </p:sp>
+      <p:pic>
+        <p:nvPicPr>
+          <p:cNvPr id="30" name="Image 29"/>
+          <p:cNvPicPr>
+            <a:picLocks noChangeAspect="1"/>
+          </p:cNvPicPr>
+          <p:nvPr/>
+        </p:nvPicPr>
+        <p:blipFill>
+          <a:blip r:embed="rId15" cstate="screen">
+            <a:extLst>
+              <a:ext uri="{28A0092B-C50C-407E-A947-70E740481C1C}">
+                <a14:useLocalDpi xmlns:a14="http://schemas.microsoft.com/office/drawing/2010/main" val="0"/>
+              </a:ext>
+            </a:extLst>
+          </a:blip>
+          <a:stretch>
+            <a:fillRect/>
+          </a:stretch>
+        </p:blipFill>
+        <p:spPr>
+          <a:xfrm>
+            <a:off x="945744" y="4221246"/>
+            <a:ext cx="1131491" cy="1101746"/>
+          </a:xfrm>
+          <a:prstGeom prst="rect">
+            <a:avLst/>
+          </a:prstGeom>
+        </p:spPr>
+      </p:pic>
+      <p:sp>
+        <p:nvSpPr>
+          <p:cNvPr id="34" name="Titre 1"/>
+          <p:cNvSpPr>
+            <a:spLocks noGrp="1"/>
+          </p:cNvSpPr>
+          <p:nvPr>
+            <p:ph type="title"/>
+          </p:nvPr>
+        </p:nvSpPr>
+        <p:spPr>
+          <a:xfrm>
+            <a:off x="633806" y="107931"/>
+            <a:ext cx="7876388" cy="1143000"/>
+          </a:xfrm>
+        </p:spPr>
+        <p:txBody>
+          <a:bodyPr/>
+          <a:lstStyle/>
+          <a:p>
+            <a:pPr algn="ctr"/>
+            <a:r>
+              <a:rPr lang="fr-FR" dirty="0" smtClean="0"/>
+              <a:t>II. </a:t>
+            </a:r>
+            <a:r>
+              <a:rPr lang="fr-FR" dirty="0" err="1" smtClean="0"/>
+              <a:t>realisation</a:t>
+            </a:r>
             <a:endParaRPr lang="fr-FR" dirty="0"/>
           </a:p>
-          <a:p>
-            <a:pPr lvl="1">
-              <a:buFont typeface="Wingdings" panose="05000000000000000000" pitchFamily="2" charset="2"/>
-              <a:buChar char="v"/>
-            </a:pPr>
-            <a:r>
-              <a:rPr lang="fr-FR" dirty="0"/>
-              <a:t>Modification de la taille des </a:t>
-            </a:r>
-            <a:r>
-              <a:rPr lang="fr-FR" dirty="0" smtClean="0"/>
-              <a:t>icônes</a:t>
-            </a:r>
-          </a:p>
-          <a:p>
-            <a:pPr lvl="1">
-              <a:buFont typeface="Wingdings" panose="05000000000000000000" pitchFamily="2" charset="2"/>
-              <a:buChar char="v"/>
-            </a:pPr>
-            <a:endParaRPr lang="fr-FR" dirty="0"/>
-          </a:p>
-          <a:p>
-            <a:pPr lvl="1">
-              <a:buFont typeface="Wingdings" panose="05000000000000000000" pitchFamily="2" charset="2"/>
-              <a:buChar char="v"/>
-            </a:pPr>
-            <a:r>
-              <a:rPr lang="fr-FR" dirty="0"/>
-              <a:t>Modification des paramètres </a:t>
-            </a:r>
-            <a:r>
-              <a:rPr lang="fr-FR" dirty="0" smtClean="0"/>
-              <a:t>réseau</a:t>
-            </a:r>
-          </a:p>
-          <a:p>
-            <a:pPr lvl="1">
-              <a:buFont typeface="Wingdings" panose="05000000000000000000" pitchFamily="2" charset="2"/>
-              <a:buChar char="v"/>
-            </a:pPr>
-            <a:endParaRPr lang="fr-FR" dirty="0"/>
-          </a:p>
-          <a:p>
-            <a:pPr lvl="1">
-              <a:buFont typeface="Wingdings" panose="05000000000000000000" pitchFamily="2" charset="2"/>
-              <a:buChar char="v"/>
-            </a:pPr>
-            <a:r>
-              <a:rPr lang="fr-FR" dirty="0"/>
-              <a:t>Ajout de pièces et d'équipements </a:t>
-            </a:r>
-            <a:r>
-              <a:rPr lang="fr-FR" dirty="0" smtClean="0"/>
-              <a:t>contrôlables</a:t>
-            </a:r>
-          </a:p>
-          <a:p>
-            <a:pPr lvl="1">
-              <a:buFont typeface="Wingdings" panose="05000000000000000000" pitchFamily="2" charset="2"/>
-              <a:buChar char="v"/>
-            </a:pPr>
-            <a:endParaRPr lang="fr-FR" dirty="0"/>
-          </a:p>
-          <a:p>
-            <a:pPr lvl="1">
-              <a:buFont typeface="Wingdings" panose="05000000000000000000" pitchFamily="2" charset="2"/>
-              <a:buChar char="v"/>
-            </a:pPr>
-            <a:r>
-              <a:rPr lang="fr-FR" dirty="0"/>
-              <a:t>Personnalisation des icônes représentant les pièces et les équipements</a:t>
-            </a:r>
-          </a:p>
-          <a:p>
-            <a:endParaRPr lang="fr-FR" dirty="0" smtClean="0"/>
-          </a:p>
-          <a:p>
-            <a:endParaRPr lang="fr-FR" dirty="0" smtClean="0"/>
-          </a:p>
-        </p:txBody>
-      </p:sp>
-      <p:sp>
-        <p:nvSpPr>
-          <p:cNvPr id="5" name="Titre 1"/>
-          <p:cNvSpPr txBox="1">
-            <a:spLocks/>
-          </p:cNvSpPr>
+        </p:txBody>
+      </p:sp>
+      <p:pic>
+        <p:nvPicPr>
+          <p:cNvPr id="37" name="Picture 2"/>
+          <p:cNvPicPr>
+            <a:picLocks noChangeAspect="1" noChangeArrowheads="1"/>
+          </p:cNvPicPr>
           <p:nvPr/>
-        </p:nvSpPr>
-        <p:spPr>
-          <a:xfrm>
-            <a:off x="633806" y="287798"/>
-            <a:ext cx="7876388" cy="1143000"/>
-          </a:xfrm>
-          <a:prstGeom prst="rect">
-            <a:avLst/>
-          </a:prstGeom>
-        </p:spPr>
-        <p:txBody>
-          <a:bodyPr anchor="t">
-            <a:normAutofit/>
-          </a:bodyPr>
-          <a:lstStyle>
-            <a:lvl1pPr algn="l" defTabSz="457200" rtl="0" eaLnBrk="1" latinLnBrk="0" hangingPunct="1">
-              <a:lnSpc>
-                <a:spcPct val="90000"/>
-              </a:lnSpc>
-              <a:spcBef>
-                <a:spcPct val="0"/>
-              </a:spcBef>
-              <a:buNone/>
-              <a:defRPr sz="2700" b="1" i="0" kern="1200" cap="all" baseline="0">
+        </p:nvPicPr>
+        <p:blipFill>
+          <a:blip r:embed="rId16" cstate="screen">
+            <a:extLst>
+              <a:ext uri="{28A0092B-C50C-407E-A947-70E740481C1C}">
+                <a14:useLocalDpi xmlns:a14="http://schemas.microsoft.com/office/drawing/2010/main" val="0"/>
+              </a:ext>
+            </a:extLst>
+          </a:blip>
+          <a:srcRect/>
+          <a:stretch>
+            <a:fillRect/>
+          </a:stretch>
+        </p:blipFill>
+        <p:spPr bwMode="auto">
+          <a:xfrm>
+            <a:off x="2065626" y="4958637"/>
+            <a:ext cx="728709" cy="728709"/>
+          </a:xfrm>
+          <a:prstGeom prst="rect">
+            <a:avLst/>
+          </a:prstGeom>
+          <a:noFill/>
+          <a:ln>
+            <a:noFill/>
+          </a:ln>
+          <a:extLst>
+            <a:ext uri="{909E8E84-426E-40DD-AFC4-6F175D3DCCD1}">
+              <a14:hiddenFill xmlns:a14="http://schemas.microsoft.com/office/drawing/2010/main">
                 <a:solidFill>
-                  <a:schemeClr val="bg2"/>
+                  <a:schemeClr val="accent1"/>
                 </a:solidFill>
-                <a:latin typeface="+mj-lt"/>
-                <a:ea typeface="+mj-ea"/>
-                <a:cs typeface="HelveticaNeueLT Com 57 Cn" panose="020B0506030502030204" pitchFamily="34" charset="0"/>
-              </a:defRPr>
-            </a:lvl1pPr>
-          </a:lstStyle>
-          <a:p>
-            <a:pPr algn="ctr"/>
-            <a:r>
-              <a:rPr lang="fr-FR" smtClean="0"/>
-              <a:t>III. Présentation</a:t>
-            </a:r>
-            <a:endParaRPr lang="fr-FR" dirty="0"/>
-          </a:p>
-        </p:txBody>
-      </p:sp>
-      <p:sp>
-        <p:nvSpPr>
-          <p:cNvPr id="6" name="ZoneTexte 5"/>
+              </a14:hiddenFill>
+            </a:ext>
+            <a:ext uri="{91240B29-F687-4F45-9708-019B960494DF}">
+              <a14:hiddenLine xmlns:a14="http://schemas.microsoft.com/office/drawing/2010/main" w="9525">
+                <a:solidFill>
+                  <a:schemeClr val="tx1"/>
+                </a:solidFill>
+                <a:miter lim="800000"/>
+                <a:headEnd/>
+                <a:tailEnd/>
+              </a14:hiddenLine>
+            </a:ext>
+          </a:extLst>
+        </p:spPr>
+      </p:pic>
+      <p:pic>
+        <p:nvPicPr>
+          <p:cNvPr id="41" name="Image 40"/>
+          <p:cNvPicPr>
+            <a:picLocks noChangeAspect="1"/>
+          </p:cNvPicPr>
+          <p:nvPr/>
+        </p:nvPicPr>
+        <p:blipFill>
+          <a:blip r:embed="rId17" cstate="screen">
+            <a:extLst>
+              <a:ext uri="{28A0092B-C50C-407E-A947-70E740481C1C}">
+                <a14:useLocalDpi xmlns:a14="http://schemas.microsoft.com/office/drawing/2010/main" val="0"/>
+              </a:ext>
+            </a:extLst>
+          </a:blip>
+          <a:stretch>
+            <a:fillRect/>
+          </a:stretch>
+        </p:blipFill>
+        <p:spPr>
+          <a:xfrm>
+            <a:off x="7495922" y="3029753"/>
+            <a:ext cx="914419" cy="890380"/>
+          </a:xfrm>
+          <a:prstGeom prst="rect">
+            <a:avLst/>
+          </a:prstGeom>
+        </p:spPr>
+      </p:pic>
+      <p:sp>
+        <p:nvSpPr>
+          <p:cNvPr id="43" name="ZoneTexte 42"/>
           <p:cNvSpPr txBox="1"/>
           <p:nvPr/>
         </p:nvSpPr>
         <p:spPr>
           <a:xfrm>
-            <a:off x="8496300" y="6296025"/>
-            <a:ext cx="495300" cy="369332"/>
+            <a:off x="7012180" y="2213212"/>
+            <a:ext cx="1881906" cy="646331"/>
           </a:xfrm>
           <a:prstGeom prst="rect">
             <a:avLst/>
@@ -8705,17 +10417,140 @@
           </a:bodyPr>
           <a:lstStyle/>
           <a:p>
-            <a:r>
-              <a:rPr lang="fr-FR" dirty="0"/>
-              <a:t>9</a:t>
-            </a:r>
-          </a:p>
-        </p:txBody>
-      </p:sp>
+            <a:pPr algn="ctr"/>
+            <a:r>
+              <a:rPr lang="fr-FR" dirty="0" smtClean="0">
+                <a:effectLst>
+                  <a:outerShdw blurRad="50800" dist="38100" dir="2700000" algn="tl" rotWithShape="0">
+                    <a:prstClr val="black">
+                      <a:alpha val="40000"/>
+                    </a:prstClr>
+                  </a:outerShdw>
+                </a:effectLst>
+              </a:rPr>
+              <a:t>RequeteHttp</a:t>
+            </a:r>
+          </a:p>
+          <a:p>
+            <a:pPr algn="ctr"/>
+            <a:r>
+              <a:rPr lang="fr-FR" dirty="0" smtClean="0">
+                <a:effectLst>
+                  <a:outerShdw blurRad="50800" dist="38100" dir="2700000" algn="tl" rotWithShape="0">
+                    <a:prstClr val="black">
+                      <a:alpha val="40000"/>
+                    </a:prstClr>
+                  </a:outerShdw>
+                </a:effectLst>
+              </a:rPr>
+              <a:t>DLL</a:t>
+            </a:r>
+            <a:endParaRPr lang="fr-FR" dirty="0" smtClean="0">
+              <a:effectLst>
+                <a:outerShdw blurRad="50800" dist="38100" dir="2700000" algn="tl" rotWithShape="0">
+                  <a:prstClr val="black">
+                    <a:alpha val="40000"/>
+                  </a:prstClr>
+                </a:outerShdw>
+              </a:effectLst>
+            </a:endParaRPr>
+          </a:p>
+        </p:txBody>
+      </p:sp>
+      <p:sp>
+        <p:nvSpPr>
+          <p:cNvPr id="44" name="Rectangle 43"/>
+          <p:cNvSpPr/>
+          <p:nvPr/>
+        </p:nvSpPr>
+        <p:spPr>
+          <a:xfrm>
+            <a:off x="7315779" y="4142516"/>
+            <a:ext cx="1274708" cy="369332"/>
+          </a:xfrm>
+          <a:prstGeom prst="rect">
+            <a:avLst/>
+          </a:prstGeom>
+        </p:spPr>
+        <p:txBody>
+          <a:bodyPr wrap="none">
+            <a:spAutoFit/>
+          </a:bodyPr>
+          <a:lstStyle/>
+          <a:p>
+            <a:pPr algn="ctr"/>
+            <a:r>
+              <a:rPr lang="fr-FR" dirty="0" err="1"/>
+              <a:t>HappyHttp</a:t>
+            </a:r>
+            <a:endParaRPr lang="fr-FR" dirty="0"/>
+          </a:p>
+        </p:txBody>
+      </p:sp>
+      <p:pic>
+        <p:nvPicPr>
+          <p:cNvPr id="45" name="Image 44"/>
+          <p:cNvPicPr>
+            <a:picLocks noChangeAspect="1"/>
+          </p:cNvPicPr>
+          <p:nvPr/>
+        </p:nvPicPr>
+        <p:blipFill>
+          <a:blip r:embed="rId18" cstate="screen">
+            <a:extLst>
+              <a:ext uri="{28A0092B-C50C-407E-A947-70E740481C1C}">
+                <a14:useLocalDpi xmlns:a14="http://schemas.microsoft.com/office/drawing/2010/main" val="0"/>
+              </a:ext>
+            </a:extLst>
+          </a:blip>
+          <a:stretch>
+            <a:fillRect/>
+          </a:stretch>
+        </p:blipFill>
+        <p:spPr>
+          <a:xfrm>
+            <a:off x="4304840" y="3975672"/>
+            <a:ext cx="752398" cy="732618"/>
+          </a:xfrm>
+          <a:prstGeom prst="rect">
+            <a:avLst/>
+          </a:prstGeom>
+        </p:spPr>
+      </p:pic>
+      <p:pic>
+        <p:nvPicPr>
+          <p:cNvPr id="46" name="Image 45"/>
+          <p:cNvPicPr>
+            <a:picLocks noChangeAspect="1"/>
+          </p:cNvPicPr>
+          <p:nvPr/>
+        </p:nvPicPr>
+        <p:blipFill>
+          <a:blip r:embed="rId19" cstate="screen">
+            <a:extLst>
+              <a:ext uri="{28A0092B-C50C-407E-A947-70E740481C1C}">
+                <a14:useLocalDpi xmlns:a14="http://schemas.microsoft.com/office/drawing/2010/main" val="0"/>
+              </a:ext>
+            </a:extLst>
+          </a:blip>
+          <a:stretch>
+            <a:fillRect/>
+          </a:stretch>
+        </p:blipFill>
+        <p:spPr>
+          <a:xfrm>
+            <a:off x="2992160" y="3910739"/>
+            <a:ext cx="922503" cy="882906"/>
+          </a:xfrm>
+          <a:prstGeom prst="rect">
+            <a:avLst/>
+          </a:prstGeom>
+        </p:spPr>
+      </p:pic>
     </p:spTree>
     <p:extLst>
       <p:ext uri="{BB962C8B-B14F-4D97-AF65-F5344CB8AC3E}">
-        <p14:creationId xmlns:p14="http://schemas.microsoft.com/office/powerpoint/2010/main" val="3795733035"/>
+        <p14:creationId xmlns:p14="http://schemas.microsoft.com/office/powerpoint/2010/main" val="301261152"/>
       </p:ext>
     </p:extLst>
   </p:cSld>
@@ -8773,7 +10608,7 @@
         </p:nvSpPr>
         <p:spPr>
           <a:xfrm>
-            <a:off x="628650" y="240792"/>
+            <a:off x="633806" y="240792"/>
             <a:ext cx="7876388" cy="1143000"/>
           </a:xfrm>
         </p:spPr>
@@ -8784,12 +10619,357 @@
             <a:pPr algn="ctr"/>
             <a:r>
               <a:rPr lang="fr-FR" dirty="0" smtClean="0"/>
-              <a:t>DEMONSTRATION</a:t>
+              <a:t>V. CHOIX TECHNIQUES</a:t>
             </a:r>
             <a:endParaRPr lang="fr-FR" dirty="0"/>
           </a:p>
         </p:txBody>
       </p:sp>
+      <p:graphicFrame>
+        <p:nvGraphicFramePr>
+          <p:cNvPr id="4" name="Tableau 3"/>
+          <p:cNvGraphicFramePr>
+            <a:graphicFrameLocks noGrp="1"/>
+          </p:cNvGraphicFramePr>
+          <p:nvPr>
+            <p:extLst/>
+          </p:nvPr>
+        </p:nvGraphicFramePr>
+        <p:xfrm>
+          <a:off x="628648" y="1077369"/>
+          <a:ext cx="7745731" cy="4947920"/>
+        </p:xfrm>
+        <a:graphic>
+          <a:graphicData uri="http://schemas.openxmlformats.org/drawingml/2006/table">
+            <a:tbl>
+              <a:tblPr firstRow="1" bandRow="1">
+                <a:tableStyleId>{073A0DAA-6AF3-43AB-8588-CEC1D06C72B9}</a:tableStyleId>
+              </a:tblPr>
+              <a:tblGrid>
+                <a:gridCol w="1549299"/>
+                <a:gridCol w="1674962"/>
+                <a:gridCol w="1424398"/>
+                <a:gridCol w="1176759"/>
+                <a:gridCol w="1920313"/>
+              </a:tblGrid>
+              <a:tr h="1473200">
+                <a:tc>
+                  <a:txBody>
+                    <a:bodyPr/>
+                    <a:lstStyle/>
+                    <a:p>
+                      <a:pPr algn="ctr"/>
+                      <a:r>
+                        <a:rPr lang="fr-FR" sz="2400" dirty="0" smtClean="0"/>
+                        <a:t>Interface</a:t>
+                      </a:r>
+                      <a:endParaRPr lang="fr-FR" sz="2400" dirty="0"/>
+                    </a:p>
+                  </a:txBody>
+                  <a:tcPr marT="60960" marB="60960"/>
+                </a:tc>
+                <a:tc>
+                  <a:txBody>
+                    <a:bodyPr/>
+                    <a:lstStyle/>
+                    <a:p>
+                      <a:pPr algn="ctr"/>
+                      <a:r>
+                        <a:rPr lang="fr-FR" sz="2400" dirty="0" smtClean="0"/>
+                        <a:t>Modèle</a:t>
+                      </a:r>
+                    </a:p>
+                  </a:txBody>
+                  <a:tcPr marT="60960" marB="60960"/>
+                </a:tc>
+                <a:tc>
+                  <a:txBody>
+                    <a:bodyPr/>
+                    <a:lstStyle/>
+                    <a:p>
+                      <a:pPr algn="ctr"/>
+                      <a:r>
+                        <a:rPr lang="fr-FR" sz="1800" dirty="0" err="1" smtClean="0"/>
+                        <a:t>Kira</a:t>
+                      </a:r>
+                      <a:endParaRPr lang="fr-FR" sz="1800" dirty="0"/>
+                    </a:p>
+                  </a:txBody>
+                  <a:tcPr marT="60960" marB="60960"/>
+                </a:tc>
+                <a:tc>
+                  <a:txBody>
+                    <a:bodyPr/>
+                    <a:lstStyle/>
+                    <a:p>
+                      <a:pPr algn="ctr"/>
+                      <a:r>
+                        <a:rPr lang="fr-FR" sz="1800" dirty="0" err="1" smtClean="0"/>
+                        <a:t>Fibaro</a:t>
+                      </a:r>
+                      <a:endParaRPr lang="fr-FR" sz="1800" dirty="0"/>
+                    </a:p>
+                  </a:txBody>
+                  <a:tcPr marT="60960" marB="60960"/>
+                </a:tc>
+                <a:tc>
+                  <a:txBody>
+                    <a:bodyPr/>
+                    <a:lstStyle/>
+                    <a:p>
+                      <a:pPr algn="ctr"/>
+                      <a:r>
+                        <a:rPr lang="fr-FR" sz="1800" dirty="0" smtClean="0"/>
+                        <a:t>Bluetooth</a:t>
+                      </a:r>
+                      <a:endParaRPr lang="fr-FR" sz="1800" dirty="0"/>
+                    </a:p>
+                  </a:txBody>
+                  <a:tcPr marT="60960" marB="60960"/>
+                </a:tc>
+              </a:tr>
+              <a:tr h="2336800">
+                <a:tc>
+                  <a:txBody>
+                    <a:bodyPr/>
+                    <a:lstStyle/>
+                    <a:p>
+                      <a:endParaRPr lang="fr-FR" sz="2400" dirty="0" smtClean="0"/>
+                    </a:p>
+                    <a:p>
+                      <a:endParaRPr lang="fr-FR" sz="2400" dirty="0" smtClean="0"/>
+                    </a:p>
+                    <a:p>
+                      <a:endParaRPr lang="fr-FR" sz="2400" dirty="0" smtClean="0"/>
+                    </a:p>
+                    <a:p>
+                      <a:endParaRPr lang="fr-FR" sz="2400" dirty="0" smtClean="0"/>
+                    </a:p>
+                    <a:p>
+                      <a:endParaRPr lang="fr-FR" sz="2400" dirty="0" smtClean="0"/>
+                    </a:p>
+                    <a:p>
+                      <a:endParaRPr lang="fr-FR" sz="2400" dirty="0" smtClean="0"/>
+                    </a:p>
+                    <a:p>
+                      <a:r>
+                        <a:rPr lang="fr-FR" sz="2400" baseline="0" dirty="0" smtClean="0"/>
+                        <a:t>   XAML</a:t>
+                      </a:r>
+                      <a:endParaRPr lang="fr-FR" sz="2400" dirty="0"/>
+                    </a:p>
+                  </a:txBody>
+                  <a:tcPr marT="60960" marB="60960"/>
+                </a:tc>
+                <a:tc>
+                  <a:txBody>
+                    <a:bodyPr/>
+                    <a:lstStyle/>
+                    <a:p>
+                      <a:pPr algn="ctr"/>
+                      <a:r>
+                        <a:rPr lang="fr-FR" sz="2400" dirty="0" smtClean="0"/>
+                        <a:t>DLL</a:t>
+                      </a:r>
+                      <a:endParaRPr lang="fr-FR" sz="2400" dirty="0"/>
+                    </a:p>
+                  </a:txBody>
+                  <a:tcPr marT="60960" marB="60960"/>
+                </a:tc>
+                <a:tc gridSpan="2">
+                  <a:txBody>
+                    <a:bodyPr/>
+                    <a:lstStyle/>
+                    <a:p>
+                      <a:pPr algn="ctr"/>
+                      <a:r>
+                        <a:rPr lang="fr-FR" sz="2400" b="0" dirty="0" smtClean="0"/>
+                        <a:t>DLL</a:t>
+                      </a:r>
+                    </a:p>
+                    <a:p>
+                      <a:pPr algn="ctr"/>
+                      <a:endParaRPr lang="fr-FR" sz="2400" b="1" dirty="0" smtClean="0"/>
+                    </a:p>
+                    <a:p>
+                      <a:pPr algn="ctr"/>
+                      <a:endParaRPr lang="fr-FR" sz="2400" b="1" dirty="0" smtClean="0"/>
+                    </a:p>
+                    <a:p>
+                      <a:pPr algn="ctr"/>
+                      <a:endParaRPr lang="fr-FR" sz="2400" b="1" dirty="0" smtClean="0"/>
+                    </a:p>
+                    <a:p>
+                      <a:pPr algn="ctr"/>
+                      <a:endParaRPr lang="fr-FR" sz="2400" b="1" dirty="0" smtClean="0"/>
+                    </a:p>
+                    <a:p>
+                      <a:pPr algn="ctr"/>
+                      <a:endParaRPr lang="fr-FR" sz="2400" b="1" dirty="0" smtClean="0"/>
+                    </a:p>
+                    <a:p>
+                      <a:pPr algn="ctr"/>
+                      <a:r>
+                        <a:rPr lang="fr-FR" sz="2000" b="0" dirty="0" smtClean="0"/>
+                        <a:t>Requêtes</a:t>
+                      </a:r>
+                      <a:r>
+                        <a:rPr lang="fr-FR" sz="2000" b="0" baseline="0" dirty="0" smtClean="0"/>
+                        <a:t> HTTP</a:t>
+                      </a:r>
+                      <a:endParaRPr lang="fr-FR" sz="2000" b="0" dirty="0" smtClean="0"/>
+                    </a:p>
+                    <a:p>
+                      <a:pPr algn="ctr"/>
+                      <a:r>
+                        <a:rPr lang="fr-FR" sz="2000" b="0" dirty="0" smtClean="0"/>
+                        <a:t>Librairie</a:t>
+                      </a:r>
+                      <a:r>
+                        <a:rPr lang="fr-FR" sz="2000" b="0" baseline="0" dirty="0" smtClean="0"/>
+                        <a:t> : </a:t>
+                      </a:r>
+                      <a:r>
+                        <a:rPr lang="fr-FR" sz="2000" b="0" dirty="0" err="1" smtClean="0"/>
+                        <a:t>HappyHttp</a:t>
+                      </a:r>
+                      <a:endParaRPr lang="fr-FR" sz="2000" b="0" dirty="0" smtClean="0"/>
+                    </a:p>
+                  </a:txBody>
+                  <a:tcPr marT="60960" marB="60960"/>
+                </a:tc>
+                <a:tc hMerge="1">
+                  <a:txBody>
+                    <a:bodyPr/>
+                    <a:lstStyle/>
+                    <a:p>
+                      <a:endParaRPr lang="fr-FR" dirty="0"/>
+                    </a:p>
+                  </a:txBody>
+                  <a:tcPr/>
+                </a:tc>
+                <a:tc>
+                  <a:txBody>
+                    <a:bodyPr/>
+                    <a:lstStyle/>
+                    <a:p>
+                      <a:pPr algn="ctr"/>
+                      <a:r>
+                        <a:rPr lang="fr-FR" sz="2000" b="0" dirty="0" smtClean="0"/>
+                        <a:t>DLL</a:t>
+                      </a:r>
+                    </a:p>
+                    <a:p>
+                      <a:pPr algn="ctr"/>
+                      <a:endParaRPr lang="fr-FR" sz="2000" b="0" dirty="0" smtClean="0"/>
+                    </a:p>
+                    <a:p>
+                      <a:pPr algn="ctr"/>
+                      <a:endParaRPr lang="fr-FR" sz="2000" b="0" dirty="0" smtClean="0"/>
+                    </a:p>
+                    <a:p>
+                      <a:pPr algn="ctr"/>
+                      <a:endParaRPr lang="fr-FR" sz="2000" b="0" dirty="0" smtClean="0"/>
+                    </a:p>
+                    <a:p>
+                      <a:pPr algn="ctr"/>
+                      <a:endParaRPr lang="fr-FR" sz="2000" b="0" dirty="0" smtClean="0"/>
+                    </a:p>
+                    <a:p>
+                      <a:pPr algn="ctr"/>
+                      <a:endParaRPr lang="fr-FR" sz="2000" b="0" dirty="0" smtClean="0"/>
+                    </a:p>
+                    <a:p>
+                      <a:pPr algn="ctr"/>
+                      <a:endParaRPr lang="fr-FR" sz="2000" b="0" dirty="0" smtClean="0"/>
+                    </a:p>
+                    <a:p>
+                      <a:pPr algn="ctr"/>
+                      <a:r>
+                        <a:rPr lang="fr-FR" sz="2000" b="0" dirty="0" smtClean="0"/>
+                        <a:t>Librairie :</a:t>
+                      </a:r>
+                    </a:p>
+                    <a:p>
+                      <a:pPr algn="ctr"/>
+                      <a:endParaRPr lang="fr-FR" sz="2000" b="0" dirty="0" smtClean="0"/>
+                    </a:p>
+                    <a:p>
+                      <a:pPr algn="ctr"/>
+                      <a:endParaRPr lang="fr-FR" sz="2000" b="0" dirty="0" smtClean="0"/>
+                    </a:p>
+                    <a:p>
+                      <a:pPr algn="ctr"/>
+                      <a:endParaRPr lang="fr-FR" sz="2000" b="0" dirty="0" smtClean="0"/>
+                    </a:p>
+                  </a:txBody>
+                  <a:tcPr marT="60960" marB="60960"/>
+                </a:tc>
+              </a:tr>
+            </a:tbl>
+          </a:graphicData>
+        </a:graphic>
+      </p:graphicFrame>
+      <p:pic>
+        <p:nvPicPr>
+          <p:cNvPr id="5" name="Image 4"/>
+          <p:cNvPicPr>
+            <a:picLocks noChangeAspect="1"/>
+          </p:cNvPicPr>
+          <p:nvPr/>
+        </p:nvPicPr>
+        <p:blipFill>
+          <a:blip r:embed="rId3" cstate="screen">
+            <a:extLst>
+              <a:ext uri="{28A0092B-C50C-407E-A947-70E740481C1C}">
+                <a14:useLocalDpi xmlns:a14="http://schemas.microsoft.com/office/drawing/2010/main" val="0"/>
+              </a:ext>
+            </a:extLst>
+          </a:blip>
+          <a:stretch>
+            <a:fillRect/>
+          </a:stretch>
+        </p:blipFill>
+        <p:spPr>
+          <a:xfrm>
+            <a:off x="578204" y="3024342"/>
+            <a:ext cx="1603375" cy="1534553"/>
+          </a:xfrm>
+          <a:prstGeom prst="rect">
+            <a:avLst/>
+          </a:prstGeom>
+        </p:spPr>
+      </p:pic>
+      <p:pic>
+        <p:nvPicPr>
+          <p:cNvPr id="9" name="Image 8"/>
+          <p:cNvPicPr>
+            <a:picLocks noChangeAspect="1"/>
+          </p:cNvPicPr>
+          <p:nvPr/>
+        </p:nvPicPr>
+        <p:blipFill>
+          <a:blip r:embed="rId4">
+            <a:extLst>
+              <a:ext uri="{28A0092B-C50C-407E-A947-70E740481C1C}">
+                <a14:useLocalDpi xmlns:a14="http://schemas.microsoft.com/office/drawing/2010/main" val="0"/>
+              </a:ext>
+            </a:extLst>
+          </a:blip>
+          <a:stretch>
+            <a:fillRect/>
+          </a:stretch>
+        </p:blipFill>
+        <p:spPr>
+          <a:xfrm>
+            <a:off x="2279233" y="3059002"/>
+            <a:ext cx="1504795" cy="1465236"/>
+          </a:xfrm>
+          <a:prstGeom prst="rect">
+            <a:avLst/>
+          </a:prstGeom>
+        </p:spPr>
+      </p:pic>
       <p:sp>
         <p:nvSpPr>
           <p:cNvPr id="10" name="ZoneTexte 9"/>
@@ -8814,7 +10994,7 @@
           <a:p>
             <a:r>
               <a:rPr lang="fr-FR" dirty="0" smtClean="0"/>
-              <a:t>10</a:t>
+              <a:t>13</a:t>
             </a:r>
             <a:endParaRPr lang="fr-FR" dirty="0"/>
           </a:p>
@@ -8822,14 +11002,44 @@
       </p:sp>
       <p:pic>
         <p:nvPicPr>
-          <p:cNvPr id="2050" name="Picture 2"/>
+          <p:cNvPr id="7" name="Image 6"/>
+          <p:cNvPicPr>
+            <a:picLocks noChangeAspect="1"/>
+          </p:cNvPicPr>
+          <p:nvPr/>
+        </p:nvPicPr>
+        <p:blipFill>
+          <a:blip r:embed="rId4">
+            <a:extLst>
+              <a:ext uri="{28A0092B-C50C-407E-A947-70E740481C1C}">
+                <a14:useLocalDpi xmlns:a14="http://schemas.microsoft.com/office/drawing/2010/main" val="0"/>
+              </a:ext>
+            </a:extLst>
+          </a:blip>
+          <a:stretch>
+            <a:fillRect/>
+          </a:stretch>
+        </p:blipFill>
+        <p:spPr>
+          <a:xfrm>
+            <a:off x="4446589" y="3059001"/>
+            <a:ext cx="1504795" cy="1465236"/>
+          </a:xfrm>
+          <a:prstGeom prst="rect">
+            <a:avLst/>
+          </a:prstGeom>
+        </p:spPr>
+      </p:pic>
+      <p:pic>
+        <p:nvPicPr>
+          <p:cNvPr id="1026" name="Picture 2"/>
           <p:cNvPicPr>
             <a:picLocks noChangeAspect="1" noChangeArrowheads="1"/>
           </p:cNvPicPr>
           <p:nvPr/>
         </p:nvPicPr>
         <p:blipFill>
-          <a:blip r:embed="rId3">
+          <a:blip r:embed="rId5" cstate="screen">
             <a:extLst>
               <a:ext uri="{28A0092B-C50C-407E-A947-70E740481C1C}">
                 <a14:useLocalDpi xmlns:a14="http://schemas.microsoft.com/office/drawing/2010/main" val="0"/>
@@ -8843,8 +11053,8 @@
         </p:blipFill>
         <p:spPr bwMode="auto">
           <a:xfrm>
-            <a:off x="2676525" y="2062163"/>
-            <a:ext cx="3790950" cy="2733675"/>
+            <a:off x="6964339" y="5132144"/>
+            <a:ext cx="728709" cy="728709"/>
           </a:xfrm>
           <a:prstGeom prst="rect">
             <a:avLst/>
@@ -8874,10 +11084,40 @@
           </a:extLst>
         </p:spPr>
       </p:pic>
+      <p:pic>
+        <p:nvPicPr>
+          <p:cNvPr id="11" name="Image 10"/>
+          <p:cNvPicPr>
+            <a:picLocks noChangeAspect="1"/>
+          </p:cNvPicPr>
+          <p:nvPr/>
+        </p:nvPicPr>
+        <p:blipFill>
+          <a:blip r:embed="rId4">
+            <a:extLst>
+              <a:ext uri="{28A0092B-C50C-407E-A947-70E740481C1C}">
+                <a14:useLocalDpi xmlns:a14="http://schemas.microsoft.com/office/drawing/2010/main" val="0"/>
+              </a:ext>
+            </a:extLst>
+          </a:blip>
+          <a:stretch>
+            <a:fillRect/>
+          </a:stretch>
+        </p:blipFill>
+        <p:spPr>
+          <a:xfrm>
+            <a:off x="6572139" y="3085566"/>
+            <a:ext cx="1513107" cy="1473329"/>
+          </a:xfrm>
+          <a:prstGeom prst="rect">
+            <a:avLst/>
+          </a:prstGeom>
+        </p:spPr>
+      </p:pic>
     </p:spTree>
     <p:extLst>
       <p:ext uri="{BB962C8B-B14F-4D97-AF65-F5344CB8AC3E}">
-        <p14:creationId xmlns:p14="http://schemas.microsoft.com/office/powerpoint/2010/main" val="3312382938"/>
+        <p14:creationId xmlns:p14="http://schemas.microsoft.com/office/powerpoint/2010/main" val="3621920736"/>
       </p:ext>
     </p:extLst>
   </p:cSld>
@@ -8935,8 +11175,8 @@
         </p:nvSpPr>
         <p:spPr>
           <a:xfrm>
-            <a:off x="633806" y="231501"/>
-            <a:ext cx="7876388" cy="732328"/>
+            <a:off x="633806" y="287798"/>
+            <a:ext cx="7876388" cy="1143000"/>
           </a:xfrm>
         </p:spPr>
         <p:txBody>
@@ -8946,7 +11186,7 @@
             <a:pPr algn="ctr"/>
             <a:r>
               <a:rPr lang="fr-FR" dirty="0" smtClean="0"/>
-              <a:t>IV. Organisation</a:t>
+              <a:t>III. Présentation</a:t>
             </a:r>
             <a:endParaRPr lang="fr-FR" dirty="0"/>
           </a:p>
@@ -8962,99 +11202,57 @@
             <p:ph type="body" sz="quarter" idx="10"/>
           </p:nvPr>
         </p:nvSpPr>
-        <p:spPr/>
+        <p:spPr>
+          <a:xfrm>
+            <a:off x="581892" y="1094704"/>
+            <a:ext cx="8409708" cy="5031461"/>
+          </a:xfrm>
+        </p:spPr>
         <p:txBody>
           <a:bodyPr/>
           <a:lstStyle/>
           <a:p>
             <a:r>
               <a:rPr lang="fr-FR" dirty="0" smtClean="0"/>
-              <a:t>Corentin : communication avec la </a:t>
-            </a:r>
-            <a:r>
-              <a:rPr lang="fr-FR" dirty="0" err="1" smtClean="0"/>
-              <a:t>Kira</a:t>
-            </a:r>
-            <a:r>
-              <a:rPr lang="fr-FR" dirty="0" smtClean="0"/>
-              <a:t> et la </a:t>
-            </a:r>
-            <a:r>
-              <a:rPr lang="fr-FR" dirty="0" err="1" smtClean="0"/>
-              <a:t>Fibaro</a:t>
-            </a:r>
-            <a:endParaRPr lang="fr-FR" dirty="0" smtClean="0"/>
-          </a:p>
-          <a:p>
+              <a:t>Page principale</a:t>
+            </a:r>
             <a:endParaRPr lang="fr-FR" dirty="0"/>
           </a:p>
-          <a:p>
-            <a:endParaRPr lang="fr-FR" dirty="0" smtClean="0"/>
-          </a:p>
-          <a:p>
-            <a:r>
-              <a:rPr lang="fr-FR" dirty="0" smtClean="0"/>
-              <a:t>Iman et </a:t>
-            </a:r>
-            <a:r>
-              <a:rPr lang="fr-FR" dirty="0" err="1" smtClean="0"/>
-              <a:t>Enora</a:t>
-            </a:r>
-            <a:r>
-              <a:rPr lang="fr-FR" dirty="0" smtClean="0"/>
-              <a:t> : modification de l’interface graphique</a:t>
-            </a:r>
-          </a:p>
-          <a:p>
-            <a:endParaRPr lang="fr-FR" dirty="0"/>
-          </a:p>
-          <a:p>
-            <a:endParaRPr lang="fr-FR" dirty="0" smtClean="0"/>
-          </a:p>
-          <a:p>
-            <a:r>
-              <a:rPr lang="fr-FR" dirty="0" err="1" smtClean="0"/>
-              <a:t>Meven</a:t>
-            </a:r>
-            <a:r>
-              <a:rPr lang="fr-FR" dirty="0" smtClean="0"/>
-              <a:t> : </a:t>
-            </a:r>
-            <a:r>
-              <a:rPr lang="fr-FR" dirty="0" smtClean="0"/>
-              <a:t>refonte </a:t>
-            </a:r>
-            <a:r>
-              <a:rPr lang="fr-FR" smtClean="0"/>
-              <a:t>du modèle</a:t>
-            </a:r>
-            <a:r>
-              <a:rPr lang="fr-FR" smtClean="0"/>
-              <a:t> </a:t>
-            </a:r>
-            <a:r>
-              <a:rPr lang="fr-FR" dirty="0" smtClean="0"/>
-              <a:t>en C++</a:t>
-            </a:r>
-          </a:p>
-          <a:p>
-            <a:endParaRPr lang="fr-FR" dirty="0"/>
-          </a:p>
-          <a:p>
-            <a:endParaRPr lang="fr-FR" dirty="0" smtClean="0"/>
-          </a:p>
-          <a:p>
-            <a:r>
-              <a:rPr lang="fr-FR" dirty="0" smtClean="0"/>
-              <a:t>Diane : communication en Bluetooth avec le fauteuil</a:t>
-            </a:r>
-            <a:endParaRPr lang="fr-FR" dirty="0"/>
-          </a:p>
-        </p:txBody>
-      </p:sp>
-      <p:sp>
-        <p:nvSpPr>
-          <p:cNvPr id="4" name="ZoneTexte 3"/>
+        </p:txBody>
+      </p:sp>
+      <p:pic>
+        <p:nvPicPr>
+          <p:cNvPr id="4" name="Image 3"/>
+          <p:cNvPicPr>
+            <a:picLocks noChangeAspect="1"/>
+          </p:cNvPicPr>
+          <p:nvPr/>
+        </p:nvPicPr>
+        <p:blipFill>
+          <a:blip r:embed="rId3" cstate="screen">
+            <a:extLst>
+              <a:ext uri="{28A0092B-C50C-407E-A947-70E740481C1C}">
+                <a14:useLocalDpi xmlns:a14="http://schemas.microsoft.com/office/drawing/2010/main" val="0"/>
+              </a:ext>
+            </a:extLst>
+          </a:blip>
+          <a:stretch>
+            <a:fillRect/>
+          </a:stretch>
+        </p:blipFill>
+        <p:spPr>
+          <a:xfrm>
+            <a:off x="607649" y="1750899"/>
+            <a:ext cx="7712103" cy="4335941"/>
+          </a:xfrm>
+          <a:prstGeom prst="rect">
+            <a:avLst/>
+          </a:prstGeom>
+        </p:spPr>
+      </p:pic>
+      <p:sp>
+        <p:nvSpPr>
+          <p:cNvPr id="5" name="ZoneTexte 4"/>
           <p:cNvSpPr txBox="1"/>
           <p:nvPr/>
         </p:nvSpPr>
@@ -9075,17 +11273,16 @@
           <a:lstStyle/>
           <a:p>
             <a:r>
-              <a:rPr lang="fr-FR" dirty="0" smtClean="0"/>
-              <a:t>11</a:t>
-            </a:r>
-            <a:endParaRPr lang="fr-FR" dirty="0"/>
+              <a:rPr lang="fr-FR" dirty="0"/>
+              <a:t>8</a:t>
+            </a:r>
           </a:p>
         </p:txBody>
       </p:sp>
     </p:spTree>
     <p:extLst>
       <p:ext uri="{BB962C8B-B14F-4D97-AF65-F5344CB8AC3E}">
-        <p14:creationId xmlns:p14="http://schemas.microsoft.com/office/powerpoint/2010/main" val="286653282"/>
+        <p14:creationId xmlns:p14="http://schemas.microsoft.com/office/powerpoint/2010/main" val="4041002445"/>
       </p:ext>
     </p:extLst>
   </p:cSld>
@@ -9146,6 +11343,628 @@
           <a:bodyPr/>
           <a:lstStyle/>
           <a:p>
+            <a:r>
+              <a:rPr lang="fr-FR" dirty="0" smtClean="0"/>
+              <a:t>Adaptations de l’application :</a:t>
+            </a:r>
+          </a:p>
+          <a:p>
+            <a:pPr lvl="1">
+              <a:buFont typeface="Wingdings" panose="05000000000000000000" pitchFamily="2" charset="2"/>
+              <a:buChar char="v"/>
+            </a:pPr>
+            <a:endParaRPr lang="fr-FR" dirty="0" smtClean="0"/>
+          </a:p>
+          <a:p>
+            <a:pPr lvl="1">
+              <a:buFont typeface="Wingdings" panose="05000000000000000000" pitchFamily="2" charset="2"/>
+              <a:buChar char="v"/>
+            </a:pPr>
+            <a:endParaRPr lang="fr-FR" dirty="0"/>
+          </a:p>
+          <a:p>
+            <a:pPr lvl="1">
+              <a:buFont typeface="Wingdings" panose="05000000000000000000" pitchFamily="2" charset="2"/>
+              <a:buChar char="v"/>
+            </a:pPr>
+            <a:r>
+              <a:rPr lang="fr-FR" dirty="0"/>
+              <a:t>Modification du thème</a:t>
+            </a:r>
+          </a:p>
+          <a:p>
+            <a:pPr lvl="1">
+              <a:buFont typeface="Wingdings" panose="05000000000000000000" pitchFamily="2" charset="2"/>
+              <a:buChar char="v"/>
+            </a:pPr>
+            <a:endParaRPr lang="fr-FR" dirty="0"/>
+          </a:p>
+          <a:p>
+            <a:pPr lvl="1">
+              <a:buFont typeface="Wingdings" panose="05000000000000000000" pitchFamily="2" charset="2"/>
+              <a:buChar char="v"/>
+            </a:pPr>
+            <a:r>
+              <a:rPr lang="fr-FR" dirty="0"/>
+              <a:t>Modification de la taille des </a:t>
+            </a:r>
+            <a:r>
+              <a:rPr lang="fr-FR" dirty="0" smtClean="0"/>
+              <a:t>icônes</a:t>
+            </a:r>
+          </a:p>
+          <a:p>
+            <a:pPr lvl="1">
+              <a:buFont typeface="Wingdings" panose="05000000000000000000" pitchFamily="2" charset="2"/>
+              <a:buChar char="v"/>
+            </a:pPr>
+            <a:endParaRPr lang="fr-FR" dirty="0"/>
+          </a:p>
+          <a:p>
+            <a:pPr lvl="1">
+              <a:buFont typeface="Wingdings" panose="05000000000000000000" pitchFamily="2" charset="2"/>
+              <a:buChar char="v"/>
+            </a:pPr>
+            <a:r>
+              <a:rPr lang="fr-FR" dirty="0"/>
+              <a:t>Modification des paramètres </a:t>
+            </a:r>
+            <a:r>
+              <a:rPr lang="fr-FR" dirty="0" smtClean="0"/>
+              <a:t>réseau</a:t>
+            </a:r>
+          </a:p>
+          <a:p>
+            <a:pPr lvl="1">
+              <a:buFont typeface="Wingdings" panose="05000000000000000000" pitchFamily="2" charset="2"/>
+              <a:buChar char="v"/>
+            </a:pPr>
+            <a:endParaRPr lang="fr-FR" dirty="0"/>
+          </a:p>
+          <a:p>
+            <a:pPr lvl="1">
+              <a:buFont typeface="Wingdings" panose="05000000000000000000" pitchFamily="2" charset="2"/>
+              <a:buChar char="v"/>
+            </a:pPr>
+            <a:r>
+              <a:rPr lang="fr-FR" dirty="0"/>
+              <a:t>Ajout de pièces et d'équipements </a:t>
+            </a:r>
+            <a:r>
+              <a:rPr lang="fr-FR" dirty="0" smtClean="0"/>
+              <a:t>contrôlables</a:t>
+            </a:r>
+          </a:p>
+          <a:p>
+            <a:pPr lvl="1">
+              <a:buFont typeface="Wingdings" panose="05000000000000000000" pitchFamily="2" charset="2"/>
+              <a:buChar char="v"/>
+            </a:pPr>
+            <a:endParaRPr lang="fr-FR" dirty="0"/>
+          </a:p>
+          <a:p>
+            <a:pPr lvl="1">
+              <a:buFont typeface="Wingdings" panose="05000000000000000000" pitchFamily="2" charset="2"/>
+              <a:buChar char="v"/>
+            </a:pPr>
+            <a:r>
+              <a:rPr lang="fr-FR" dirty="0"/>
+              <a:t>Personnalisation des icônes représentant les pièces et les équipements</a:t>
+            </a:r>
+          </a:p>
+          <a:p>
+            <a:endParaRPr lang="fr-FR" dirty="0" smtClean="0"/>
+          </a:p>
+          <a:p>
+            <a:endParaRPr lang="fr-FR" dirty="0" smtClean="0"/>
+          </a:p>
+        </p:txBody>
+      </p:sp>
+      <p:sp>
+        <p:nvSpPr>
+          <p:cNvPr id="5" name="Titre 1"/>
+          <p:cNvSpPr txBox="1">
+            <a:spLocks/>
+          </p:cNvSpPr>
+          <p:nvPr/>
+        </p:nvSpPr>
+        <p:spPr>
+          <a:xfrm>
+            <a:off x="633806" y="287798"/>
+            <a:ext cx="7876388" cy="1143000"/>
+          </a:xfrm>
+          <a:prstGeom prst="rect">
+            <a:avLst/>
+          </a:prstGeom>
+        </p:spPr>
+        <p:txBody>
+          <a:bodyPr anchor="t">
+            <a:normAutofit/>
+          </a:bodyPr>
+          <a:lstStyle>
+            <a:lvl1pPr algn="l" defTabSz="457200" rtl="0" eaLnBrk="1" latinLnBrk="0" hangingPunct="1">
+              <a:lnSpc>
+                <a:spcPct val="90000"/>
+              </a:lnSpc>
+              <a:spcBef>
+                <a:spcPct val="0"/>
+              </a:spcBef>
+              <a:buNone/>
+              <a:defRPr sz="2700" b="1" i="0" kern="1200" cap="all" baseline="0">
+                <a:solidFill>
+                  <a:schemeClr val="bg2"/>
+                </a:solidFill>
+                <a:latin typeface="+mj-lt"/>
+                <a:ea typeface="+mj-ea"/>
+                <a:cs typeface="HelveticaNeueLT Com 57 Cn" panose="020B0506030502030204" pitchFamily="34" charset="0"/>
+              </a:defRPr>
+            </a:lvl1pPr>
+          </a:lstStyle>
+          <a:p>
+            <a:pPr algn="ctr"/>
+            <a:r>
+              <a:rPr lang="fr-FR" smtClean="0"/>
+              <a:t>III. Présentation</a:t>
+            </a:r>
+            <a:endParaRPr lang="fr-FR" dirty="0"/>
+          </a:p>
+        </p:txBody>
+      </p:sp>
+      <p:sp>
+        <p:nvSpPr>
+          <p:cNvPr id="6" name="ZoneTexte 5"/>
+          <p:cNvSpPr txBox="1"/>
+          <p:nvPr/>
+        </p:nvSpPr>
+        <p:spPr>
+          <a:xfrm>
+            <a:off x="8496300" y="6296025"/>
+            <a:ext cx="495300" cy="369332"/>
+          </a:xfrm>
+          <a:prstGeom prst="rect">
+            <a:avLst/>
+          </a:prstGeom>
+          <a:noFill/>
+        </p:spPr>
+        <p:txBody>
+          <a:bodyPr wrap="square" rtlCol="0">
+            <a:spAutoFit/>
+          </a:bodyPr>
+          <a:lstStyle/>
+          <a:p>
+            <a:r>
+              <a:rPr lang="fr-FR" dirty="0"/>
+              <a:t>9</a:t>
+            </a:r>
+          </a:p>
+        </p:txBody>
+      </p:sp>
+    </p:spTree>
+    <p:extLst>
+      <p:ext uri="{BB962C8B-B14F-4D97-AF65-F5344CB8AC3E}">
+        <p14:creationId xmlns:p14="http://schemas.microsoft.com/office/powerpoint/2010/main" val="3795733035"/>
+      </p:ext>
+    </p:extLst>
+  </p:cSld>
+  <p:clrMapOvr>
+    <a:masterClrMapping/>
+  </p:clrMapOvr>
+  <mc:AlternateContent xmlns:mc="http://schemas.openxmlformats.org/markup-compatibility/2006" xmlns:p14="http://schemas.microsoft.com/office/powerpoint/2010/main">
+    <mc:Choice Requires="p14">
+      <p:transition spd="med" p14:dur="700">
+        <p:fade/>
+      </p:transition>
+    </mc:Choice>
+    <mc:Fallback xmlns="">
+      <p:transition spd="med">
+        <p:fade/>
+      </p:transition>
+    </mc:Fallback>
+  </mc:AlternateContent>
+  <p:timing>
+    <p:tnLst>
+      <p:par>
+        <p:cTn id="1" dur="indefinite" restart="never" nodeType="tmRoot"/>
+      </p:par>
+    </p:tnLst>
+  </p:timing>
+</p:sld>
+</file>
+
+<file path=ppt/slides/slide15.xml><?xml version="1.0" encoding="utf-8"?>
+<p:sld xmlns:a="http://schemas.openxmlformats.org/drawingml/2006/main" xmlns:r="http://schemas.openxmlformats.org/officeDocument/2006/relationships" xmlns:p="http://schemas.openxmlformats.org/presentationml/2006/main">
+  <p:cSld>
+    <p:spTree>
+      <p:nvGrpSpPr>
+        <p:cNvPr id="1" name=""/>
+        <p:cNvGrpSpPr/>
+        <p:nvPr/>
+      </p:nvGrpSpPr>
+      <p:grpSpPr>
+        <a:xfrm>
+          <a:off x="0" y="0"/>
+          <a:ext cx="0" cy="0"/>
+          <a:chOff x="0" y="0"/>
+          <a:chExt cx="0" cy="0"/>
+        </a:xfrm>
+      </p:grpSpPr>
+      <p:sp>
+        <p:nvSpPr>
+          <p:cNvPr id="2" name="Titre 1"/>
+          <p:cNvSpPr>
+            <a:spLocks noGrp="1"/>
+          </p:cNvSpPr>
+          <p:nvPr>
+            <p:ph type="title"/>
+          </p:nvPr>
+        </p:nvSpPr>
+        <p:spPr>
+          <a:xfrm>
+            <a:off x="628650" y="240792"/>
+            <a:ext cx="7876388" cy="1143000"/>
+          </a:xfrm>
+        </p:spPr>
+        <p:txBody>
+          <a:bodyPr/>
+          <a:lstStyle/>
+          <a:p>
+            <a:pPr algn="ctr"/>
+            <a:r>
+              <a:rPr lang="fr-FR" dirty="0" smtClean="0"/>
+              <a:t>DEMONSTRATION</a:t>
+            </a:r>
+            <a:endParaRPr lang="fr-FR" dirty="0"/>
+          </a:p>
+        </p:txBody>
+      </p:sp>
+      <p:sp>
+        <p:nvSpPr>
+          <p:cNvPr id="10" name="ZoneTexte 9"/>
+          <p:cNvSpPr txBox="1"/>
+          <p:nvPr/>
+        </p:nvSpPr>
+        <p:spPr>
+          <a:xfrm>
+            <a:off x="8496300" y="6296025"/>
+            <a:ext cx="495300" cy="369332"/>
+          </a:xfrm>
+          <a:prstGeom prst="rect">
+            <a:avLst/>
+          </a:prstGeom>
+          <a:noFill/>
+        </p:spPr>
+        <p:txBody>
+          <a:bodyPr wrap="square" rtlCol="0">
+            <a:spAutoFit/>
+          </a:bodyPr>
+          <a:lstStyle/>
+          <a:p>
+            <a:r>
+              <a:rPr lang="fr-FR" dirty="0" smtClean="0"/>
+              <a:t>10</a:t>
+            </a:r>
+            <a:endParaRPr lang="fr-FR" dirty="0"/>
+          </a:p>
+        </p:txBody>
+      </p:sp>
+      <p:pic>
+        <p:nvPicPr>
+          <p:cNvPr id="2050" name="Picture 2"/>
+          <p:cNvPicPr>
+            <a:picLocks noChangeAspect="1" noChangeArrowheads="1"/>
+          </p:cNvPicPr>
+          <p:nvPr/>
+        </p:nvPicPr>
+        <p:blipFill>
+          <a:blip r:embed="rId3">
+            <a:extLst>
+              <a:ext uri="{28A0092B-C50C-407E-A947-70E740481C1C}">
+                <a14:useLocalDpi xmlns:a14="http://schemas.microsoft.com/office/drawing/2010/main" val="0"/>
+              </a:ext>
+            </a:extLst>
+          </a:blip>
+          <a:srcRect/>
+          <a:stretch>
+            <a:fillRect/>
+          </a:stretch>
+        </p:blipFill>
+        <p:spPr bwMode="auto">
+          <a:xfrm>
+            <a:off x="2676525" y="2062163"/>
+            <a:ext cx="3790950" cy="2733675"/>
+          </a:xfrm>
+          <a:prstGeom prst="rect">
+            <a:avLst/>
+          </a:prstGeom>
+          <a:noFill/>
+          <a:ln>
+            <a:noFill/>
+          </a:ln>
+          <a:extLst>
+            <a:ext uri="{909E8E84-426E-40DD-AFC4-6F175D3DCCD1}">
+              <a14:hiddenFill xmlns:a14="http://schemas.microsoft.com/office/drawing/2010/main">
+                <a:solidFill>
+                  <a:schemeClr val="accent1"/>
+                </a:solidFill>
+              </a14:hiddenFill>
+            </a:ext>
+            <a:ext uri="{91240B29-F687-4F45-9708-019B960494DF}">
+              <a14:hiddenLine xmlns:a14="http://schemas.microsoft.com/office/drawing/2010/main" w="9525">
+                <a:solidFill>
+                  <a:schemeClr val="tx1"/>
+                </a:solidFill>
+                <a:miter lim="800000"/>
+                <a:headEnd/>
+                <a:tailEnd/>
+              </a14:hiddenLine>
+            </a:ext>
+          </a:extLst>
+        </p:spPr>
+      </p:pic>
+    </p:spTree>
+    <p:extLst>
+      <p:ext uri="{BB962C8B-B14F-4D97-AF65-F5344CB8AC3E}">
+        <p14:creationId xmlns:p14="http://schemas.microsoft.com/office/powerpoint/2010/main" val="3312382938"/>
+      </p:ext>
+    </p:extLst>
+  </p:cSld>
+  <p:clrMapOvr>
+    <a:masterClrMapping/>
+  </p:clrMapOvr>
+  <mc:AlternateContent xmlns:mc="http://schemas.openxmlformats.org/markup-compatibility/2006" xmlns:p14="http://schemas.microsoft.com/office/powerpoint/2010/main">
+    <mc:Choice Requires="p14">
+      <p:transition spd="med" p14:dur="700">
+        <p:fade/>
+      </p:transition>
+    </mc:Choice>
+    <mc:Fallback xmlns="">
+      <p:transition spd="med">
+        <p:fade/>
+      </p:transition>
+    </mc:Fallback>
+  </mc:AlternateContent>
+  <p:timing>
+    <p:tnLst>
+      <p:par>
+        <p:cTn id="1" dur="indefinite" restart="never" nodeType="tmRoot"/>
+      </p:par>
+    </p:tnLst>
+  </p:timing>
+</p:sld>
+</file>
+
+<file path=ppt/slides/slide16.xml><?xml version="1.0" encoding="utf-8"?>
+<p:sld xmlns:a="http://schemas.openxmlformats.org/drawingml/2006/main" xmlns:r="http://schemas.openxmlformats.org/officeDocument/2006/relationships" xmlns:p="http://schemas.openxmlformats.org/presentationml/2006/main">
+  <p:cSld>
+    <p:spTree>
+      <p:nvGrpSpPr>
+        <p:cNvPr id="1" name=""/>
+        <p:cNvGrpSpPr/>
+        <p:nvPr/>
+      </p:nvGrpSpPr>
+      <p:grpSpPr>
+        <a:xfrm>
+          <a:off x="0" y="0"/>
+          <a:ext cx="0" cy="0"/>
+          <a:chOff x="0" y="0"/>
+          <a:chExt cx="0" cy="0"/>
+        </a:xfrm>
+      </p:grpSpPr>
+      <p:sp>
+        <p:nvSpPr>
+          <p:cNvPr id="2" name="Titre 1"/>
+          <p:cNvSpPr>
+            <a:spLocks noGrp="1"/>
+          </p:cNvSpPr>
+          <p:nvPr>
+            <p:ph type="title"/>
+          </p:nvPr>
+        </p:nvSpPr>
+        <p:spPr>
+          <a:xfrm>
+            <a:off x="633806" y="231501"/>
+            <a:ext cx="7876388" cy="732328"/>
+          </a:xfrm>
+        </p:spPr>
+        <p:txBody>
+          <a:bodyPr/>
+          <a:lstStyle/>
+          <a:p>
+            <a:pPr algn="ctr"/>
+            <a:r>
+              <a:rPr lang="fr-FR" dirty="0" smtClean="0"/>
+              <a:t>IV. Organisation</a:t>
+            </a:r>
+            <a:endParaRPr lang="fr-FR" dirty="0"/>
+          </a:p>
+        </p:txBody>
+      </p:sp>
+      <p:sp>
+        <p:nvSpPr>
+          <p:cNvPr id="3" name="Espace réservé du texte 2"/>
+          <p:cNvSpPr>
+            <a:spLocks noGrp="1"/>
+          </p:cNvSpPr>
+          <p:nvPr>
+            <p:ph type="body" sz="quarter" idx="10"/>
+          </p:nvPr>
+        </p:nvSpPr>
+        <p:spPr/>
+        <p:txBody>
+          <a:bodyPr/>
+          <a:lstStyle/>
+          <a:p>
+            <a:r>
+              <a:rPr lang="fr-FR" dirty="0" smtClean="0"/>
+              <a:t>Corentin : communication avec la </a:t>
+            </a:r>
+            <a:r>
+              <a:rPr lang="fr-FR" dirty="0" err="1" smtClean="0"/>
+              <a:t>Kira</a:t>
+            </a:r>
+            <a:r>
+              <a:rPr lang="fr-FR" dirty="0" smtClean="0"/>
+              <a:t> et la </a:t>
+            </a:r>
+            <a:r>
+              <a:rPr lang="fr-FR" dirty="0" err="1" smtClean="0"/>
+              <a:t>Fibaro</a:t>
+            </a:r>
+            <a:endParaRPr lang="fr-FR" dirty="0" smtClean="0"/>
+          </a:p>
+          <a:p>
+            <a:endParaRPr lang="fr-FR" dirty="0"/>
+          </a:p>
+          <a:p>
+            <a:endParaRPr lang="fr-FR" dirty="0" smtClean="0"/>
+          </a:p>
+          <a:p>
+            <a:r>
+              <a:rPr lang="fr-FR" dirty="0" smtClean="0"/>
+              <a:t>Iman et </a:t>
+            </a:r>
+            <a:r>
+              <a:rPr lang="fr-FR" dirty="0" err="1" smtClean="0"/>
+              <a:t>Enora</a:t>
+            </a:r>
+            <a:r>
+              <a:rPr lang="fr-FR" dirty="0" smtClean="0"/>
+              <a:t> : modification de l’interface graphique</a:t>
+            </a:r>
+          </a:p>
+          <a:p>
+            <a:endParaRPr lang="fr-FR" dirty="0"/>
+          </a:p>
+          <a:p>
+            <a:endParaRPr lang="fr-FR" dirty="0" smtClean="0"/>
+          </a:p>
+          <a:p>
+            <a:r>
+              <a:rPr lang="fr-FR" dirty="0" err="1" smtClean="0"/>
+              <a:t>Meven</a:t>
+            </a:r>
+            <a:r>
+              <a:rPr lang="fr-FR" dirty="0" smtClean="0"/>
+              <a:t> : refonte </a:t>
+            </a:r>
+            <a:r>
+              <a:rPr lang="fr-FR" smtClean="0"/>
+              <a:t>du modèle </a:t>
+            </a:r>
+            <a:r>
+              <a:rPr lang="fr-FR" dirty="0" smtClean="0"/>
+              <a:t>en C++</a:t>
+            </a:r>
+          </a:p>
+          <a:p>
+            <a:endParaRPr lang="fr-FR" dirty="0"/>
+          </a:p>
+          <a:p>
+            <a:endParaRPr lang="fr-FR" dirty="0" smtClean="0"/>
+          </a:p>
+          <a:p>
+            <a:r>
+              <a:rPr lang="fr-FR" dirty="0" smtClean="0"/>
+              <a:t>Diane : communication en Bluetooth avec le fauteuil</a:t>
+            </a:r>
+            <a:endParaRPr lang="fr-FR" dirty="0"/>
+          </a:p>
+        </p:txBody>
+      </p:sp>
+      <p:sp>
+        <p:nvSpPr>
+          <p:cNvPr id="4" name="ZoneTexte 3"/>
+          <p:cNvSpPr txBox="1"/>
+          <p:nvPr/>
+        </p:nvSpPr>
+        <p:spPr>
+          <a:xfrm>
+            <a:off x="8496300" y="6296025"/>
+            <a:ext cx="495300" cy="369332"/>
+          </a:xfrm>
+          <a:prstGeom prst="rect">
+            <a:avLst/>
+          </a:prstGeom>
+          <a:noFill/>
+        </p:spPr>
+        <p:txBody>
+          <a:bodyPr wrap="square" rtlCol="0">
+            <a:spAutoFit/>
+          </a:bodyPr>
+          <a:lstStyle/>
+          <a:p>
+            <a:r>
+              <a:rPr lang="fr-FR" dirty="0" smtClean="0"/>
+              <a:t>11</a:t>
+            </a:r>
+            <a:endParaRPr lang="fr-FR" dirty="0"/>
+          </a:p>
+        </p:txBody>
+      </p:sp>
+    </p:spTree>
+    <p:extLst>
+      <p:ext uri="{BB962C8B-B14F-4D97-AF65-F5344CB8AC3E}">
+        <p14:creationId xmlns:p14="http://schemas.microsoft.com/office/powerpoint/2010/main" val="286653282"/>
+      </p:ext>
+    </p:extLst>
+  </p:cSld>
+  <p:clrMapOvr>
+    <a:masterClrMapping/>
+  </p:clrMapOvr>
+  <mc:AlternateContent xmlns:mc="http://schemas.openxmlformats.org/markup-compatibility/2006" xmlns:p14="http://schemas.microsoft.com/office/powerpoint/2010/main">
+    <mc:Choice Requires="p14">
+      <p:transition spd="med" p14:dur="700">
+        <p:fade/>
+      </p:transition>
+    </mc:Choice>
+    <mc:Fallback xmlns="">
+      <p:transition spd="med">
+        <p:fade/>
+      </p:transition>
+    </mc:Fallback>
+  </mc:AlternateContent>
+  <p:timing>
+    <p:tnLst>
+      <p:par>
+        <p:cTn id="1" dur="indefinite" restart="never" nodeType="tmRoot"/>
+      </p:par>
+    </p:tnLst>
+  </p:timing>
+</p:sld>
+</file>
+
+<file path=ppt/slides/slide17.xml><?xml version="1.0" encoding="utf-8"?>
+<p:sld xmlns:a="http://schemas.openxmlformats.org/drawingml/2006/main" xmlns:r="http://schemas.openxmlformats.org/officeDocument/2006/relationships" xmlns:p="http://schemas.openxmlformats.org/presentationml/2006/main">
+  <p:cSld>
+    <p:spTree>
+      <p:nvGrpSpPr>
+        <p:cNvPr id="1" name=""/>
+        <p:cNvGrpSpPr/>
+        <p:nvPr/>
+      </p:nvGrpSpPr>
+      <p:grpSpPr>
+        <a:xfrm>
+          <a:off x="0" y="0"/>
+          <a:ext cx="0" cy="0"/>
+          <a:chOff x="0" y="0"/>
+          <a:chExt cx="0" cy="0"/>
+        </a:xfrm>
+      </p:grpSpPr>
+      <p:sp>
+        <p:nvSpPr>
+          <p:cNvPr id="3" name="Espace réservé du texte 2"/>
+          <p:cNvSpPr>
+            <a:spLocks noGrp="1"/>
+          </p:cNvSpPr>
+          <p:nvPr>
+            <p:ph type="body" sz="quarter" idx="10"/>
+          </p:nvPr>
+        </p:nvSpPr>
+        <p:spPr/>
+        <p:txBody>
+          <a:bodyPr/>
+          <a:lstStyle/>
+          <a:p>
             <a:endParaRPr lang="fr-FR" dirty="0" smtClean="0"/>
           </a:p>
           <a:p>
@@ -9382,7 +12201,7 @@
 </p:sld>
 </file>
 
-<file path=ppt/slides/slide15.xml><?xml version="1.0" encoding="utf-8"?>
+<file path=ppt/slides/slide18.xml><?xml version="1.0" encoding="utf-8"?>
 <p:sld xmlns:a="http://schemas.openxmlformats.org/drawingml/2006/main" xmlns:r="http://schemas.openxmlformats.org/officeDocument/2006/relationships" xmlns:p="http://schemas.openxmlformats.org/presentationml/2006/main">
   <p:cSld>
     <p:spTree>
@@ -9719,7 +12538,7 @@
 </p:sld>
 </file>
 
-<file path=ppt/slides/slide16.xml><?xml version="1.0" encoding="utf-8"?>
+<file path=ppt/slides/slide19.xml><?xml version="1.0" encoding="utf-8"?>
 <p:sld xmlns:a="http://schemas.openxmlformats.org/drawingml/2006/main" xmlns:r="http://schemas.openxmlformats.org/officeDocument/2006/relationships" xmlns:p="http://schemas.openxmlformats.org/presentationml/2006/main">
   <p:cSld>
     <p:spTree>
@@ -9971,571 +12790,6 @@
     <p:extLst>
       <p:ext uri="{BB962C8B-B14F-4D97-AF65-F5344CB8AC3E}">
         <p14:creationId xmlns:p14="http://schemas.microsoft.com/office/powerpoint/2010/main" val="2207254702"/>
-      </p:ext>
-    </p:extLst>
-  </p:cSld>
-  <p:clrMapOvr>
-    <a:masterClrMapping/>
-  </p:clrMapOvr>
-  <mc:AlternateContent xmlns:mc="http://schemas.openxmlformats.org/markup-compatibility/2006" xmlns:p14="http://schemas.microsoft.com/office/powerpoint/2010/main">
-    <mc:Choice Requires="p14">
-      <p:transition spd="med" p14:dur="700">
-        <p:fade/>
-      </p:transition>
-    </mc:Choice>
-    <mc:Fallback xmlns="">
-      <p:transition spd="med">
-        <p:fade/>
-      </p:transition>
-    </mc:Fallback>
-  </mc:AlternateContent>
-  <p:timing>
-    <p:tnLst>
-      <p:par>
-        <p:cTn id="1" dur="indefinite" restart="never" nodeType="tmRoot"/>
-      </p:par>
-    </p:tnLst>
-  </p:timing>
-</p:sld>
-</file>
-
-<file path=ppt/slides/slide17.xml><?xml version="1.0" encoding="utf-8"?>
-<p:sld xmlns:a="http://schemas.openxmlformats.org/drawingml/2006/main" xmlns:r="http://schemas.openxmlformats.org/officeDocument/2006/relationships" xmlns:p="http://schemas.openxmlformats.org/presentationml/2006/main">
-  <p:cSld>
-    <p:spTree>
-      <p:nvGrpSpPr>
-        <p:cNvPr id="1" name=""/>
-        <p:cNvGrpSpPr/>
-        <p:nvPr/>
-      </p:nvGrpSpPr>
-      <p:grpSpPr>
-        <a:xfrm>
-          <a:off x="0" y="0"/>
-          <a:ext cx="0" cy="0"/>
-          <a:chOff x="0" y="0"/>
-          <a:chExt cx="0" cy="0"/>
-        </a:xfrm>
-      </p:grpSpPr>
-      <p:sp>
-        <p:nvSpPr>
-          <p:cNvPr id="3" name="Espace réservé du texte 2"/>
-          <p:cNvSpPr>
-            <a:spLocks noGrp="1"/>
-          </p:cNvSpPr>
-          <p:nvPr>
-            <p:ph type="body" sz="quarter" idx="10"/>
-          </p:nvPr>
-        </p:nvSpPr>
-        <p:spPr/>
-        <p:txBody>
-          <a:bodyPr/>
-          <a:lstStyle/>
-          <a:p>
-            <a:pPr>
-              <a:buFont typeface="Wingdings" panose="05000000000000000000" pitchFamily="2" charset="2"/>
-              <a:buChar char="§"/>
-            </a:pPr>
-            <a:endParaRPr lang="en-US" dirty="0" smtClean="0"/>
-          </a:p>
-          <a:p>
-            <a:r>
-              <a:rPr lang="fr-FR" sz="2400" dirty="0" smtClean="0"/>
-              <a:t>Points d’amélioration :</a:t>
-            </a:r>
-          </a:p>
-          <a:p>
-            <a:pPr lvl="1"/>
-            <a:r>
-              <a:rPr lang="fr-FR" sz="2000" dirty="0">
-                <a:solidFill>
-                  <a:schemeClr val="tx1"/>
-                </a:solidFill>
-              </a:rPr>
-              <a:t>Défilement</a:t>
-            </a:r>
-          </a:p>
-          <a:p>
-            <a:pPr lvl="1"/>
-            <a:r>
-              <a:rPr lang="fr-FR" sz="2000" dirty="0">
-                <a:solidFill>
-                  <a:schemeClr val="tx1"/>
-                </a:solidFill>
-              </a:rPr>
-              <a:t>Paramétrage plus simple</a:t>
-            </a:r>
-          </a:p>
-          <a:p>
-            <a:pPr lvl="1"/>
-            <a:r>
-              <a:rPr lang="fr-FR" sz="2000" dirty="0">
-                <a:solidFill>
-                  <a:schemeClr val="tx1"/>
-                </a:solidFill>
-              </a:rPr>
-              <a:t>Sécurité</a:t>
-            </a:r>
-          </a:p>
-          <a:p>
-            <a:pPr marL="0" indent="0">
-              <a:buNone/>
-            </a:pPr>
-            <a:endParaRPr lang="fr-FR" sz="2400" dirty="0" smtClean="0"/>
-          </a:p>
-          <a:p>
-            <a:pPr marL="0" indent="0">
-              <a:buNone/>
-            </a:pPr>
-            <a:endParaRPr lang="fr-FR" sz="2400" dirty="0"/>
-          </a:p>
-          <a:p>
-            <a:pPr marL="271463" lvl="1" indent="-271463">
-              <a:buClr>
-                <a:schemeClr val="tx2"/>
-              </a:buClr>
-              <a:buSzPct val="80000"/>
-              <a:buFont typeface="Wingdings 3" panose="05040102010807070707" pitchFamily="18" charset="2"/>
-              <a:buChar char=""/>
-            </a:pPr>
-            <a:r>
-              <a:rPr lang="fr-FR" sz="2400" dirty="0">
-                <a:solidFill>
-                  <a:schemeClr val="tx1"/>
-                </a:solidFill>
-              </a:rPr>
-              <a:t>Application fonctionnelle et utilisable</a:t>
-            </a:r>
-          </a:p>
-          <a:p>
-            <a:endParaRPr lang="fr-FR" sz="2400" dirty="0" smtClean="0"/>
-          </a:p>
-          <a:p>
-            <a:pPr lvl="1"/>
-            <a:endParaRPr lang="fr-FR" sz="2000" dirty="0"/>
-          </a:p>
-          <a:p>
-            <a:pPr lvl="1"/>
-            <a:endParaRPr lang="fr-FR" sz="2000" dirty="0" smtClean="0"/>
-          </a:p>
-          <a:p>
-            <a:pPr marL="457200" lvl="1" indent="0">
-              <a:buNone/>
-            </a:pPr>
-            <a:endParaRPr lang="fr-FR" sz="2000" dirty="0" smtClean="0"/>
-          </a:p>
-        </p:txBody>
-      </p:sp>
-      <p:sp>
-        <p:nvSpPr>
-          <p:cNvPr id="4" name="Titre 1"/>
-          <p:cNvSpPr txBox="1">
-            <a:spLocks/>
-          </p:cNvSpPr>
-          <p:nvPr/>
-        </p:nvSpPr>
-        <p:spPr>
-          <a:xfrm>
-            <a:off x="633806" y="270681"/>
-            <a:ext cx="7876388" cy="1143000"/>
-          </a:xfrm>
-          <a:prstGeom prst="rect">
-            <a:avLst/>
-          </a:prstGeom>
-        </p:spPr>
-        <p:txBody>
-          <a:bodyPr anchor="t">
-            <a:normAutofit/>
-          </a:bodyPr>
-          <a:lstStyle>
-            <a:lvl1pPr algn="l" defTabSz="457200" rtl="0" eaLnBrk="1" latinLnBrk="0" hangingPunct="1">
-              <a:lnSpc>
-                <a:spcPct val="90000"/>
-              </a:lnSpc>
-              <a:spcBef>
-                <a:spcPct val="0"/>
-              </a:spcBef>
-              <a:buNone/>
-              <a:defRPr sz="2700" b="1" i="0" kern="1200" cap="all" baseline="0">
-                <a:solidFill>
-                  <a:schemeClr val="bg2"/>
-                </a:solidFill>
-                <a:latin typeface="+mj-lt"/>
-                <a:ea typeface="+mj-ea"/>
-                <a:cs typeface="HelveticaNeueLT Com 57 Cn" panose="020B0506030502030204" pitchFamily="34" charset="0"/>
-              </a:defRPr>
-            </a:lvl1pPr>
-          </a:lstStyle>
-          <a:p>
-            <a:pPr algn="ctr"/>
-            <a:r>
-              <a:rPr lang="fr-FR" dirty="0" smtClean="0"/>
-              <a:t>VI. Bilan</a:t>
-            </a:r>
-            <a:endParaRPr lang="fr-FR" dirty="0"/>
-          </a:p>
-        </p:txBody>
-      </p:sp>
-      <p:sp>
-        <p:nvSpPr>
-          <p:cNvPr id="5" name="ZoneTexte 4"/>
-          <p:cNvSpPr txBox="1"/>
-          <p:nvPr/>
-        </p:nvSpPr>
-        <p:spPr>
-          <a:xfrm>
-            <a:off x="8496300" y="6296025"/>
-            <a:ext cx="495300" cy="369332"/>
-          </a:xfrm>
-          <a:prstGeom prst="rect">
-            <a:avLst/>
-          </a:prstGeom>
-          <a:noFill/>
-        </p:spPr>
-        <p:txBody>
-          <a:bodyPr wrap="square" rtlCol="0">
-            <a:spAutoFit/>
-          </a:bodyPr>
-          <a:lstStyle/>
-          <a:p>
-            <a:r>
-              <a:rPr lang="fr-FR" dirty="0" smtClean="0"/>
-              <a:t>15</a:t>
-            </a:r>
-            <a:endParaRPr lang="fr-FR" dirty="0"/>
-          </a:p>
-        </p:txBody>
-      </p:sp>
-    </p:spTree>
-    <p:extLst>
-      <p:ext uri="{BB962C8B-B14F-4D97-AF65-F5344CB8AC3E}">
-        <p14:creationId xmlns:p14="http://schemas.microsoft.com/office/powerpoint/2010/main" val="3484511506"/>
-      </p:ext>
-    </p:extLst>
-  </p:cSld>
-  <p:clrMapOvr>
-    <a:masterClrMapping/>
-  </p:clrMapOvr>
-  <mc:AlternateContent xmlns:mc="http://schemas.openxmlformats.org/markup-compatibility/2006" xmlns:p14="http://schemas.microsoft.com/office/powerpoint/2010/main">
-    <mc:Choice Requires="p14">
-      <p:transition spd="med" p14:dur="700">
-        <p:fade/>
-      </p:transition>
-    </mc:Choice>
-    <mc:Fallback xmlns="">
-      <p:transition spd="med">
-        <p:fade/>
-      </p:transition>
-    </mc:Fallback>
-  </mc:AlternateContent>
-  <p:timing>
-    <p:tnLst>
-      <p:par>
-        <p:cTn id="1" dur="indefinite" restart="never" nodeType="tmRoot"/>
-      </p:par>
-    </p:tnLst>
-  </p:timing>
-</p:sld>
-</file>
-
-<file path=ppt/slides/slide18.xml><?xml version="1.0" encoding="utf-8"?>
-<p:sld xmlns:a="http://schemas.openxmlformats.org/drawingml/2006/main" xmlns:r="http://schemas.openxmlformats.org/officeDocument/2006/relationships" xmlns:p="http://schemas.openxmlformats.org/presentationml/2006/main">
-  <p:cSld>
-    <p:spTree>
-      <p:nvGrpSpPr>
-        <p:cNvPr id="1" name=""/>
-        <p:cNvGrpSpPr/>
-        <p:nvPr/>
-      </p:nvGrpSpPr>
-      <p:grpSpPr>
-        <a:xfrm>
-          <a:off x="0" y="0"/>
-          <a:ext cx="0" cy="0"/>
-          <a:chOff x="0" y="0"/>
-          <a:chExt cx="0" cy="0"/>
-        </a:xfrm>
-      </p:grpSpPr>
-      <p:sp>
-        <p:nvSpPr>
-          <p:cNvPr id="3" name="Espace réservé du texte 2"/>
-          <p:cNvSpPr>
-            <a:spLocks noGrp="1"/>
-          </p:cNvSpPr>
-          <p:nvPr>
-            <p:ph type="body" sz="quarter" idx="10"/>
-          </p:nvPr>
-        </p:nvSpPr>
-        <p:spPr/>
-        <p:txBody>
-          <a:bodyPr/>
-          <a:lstStyle/>
-          <a:p>
-            <a:endParaRPr lang="fr-FR" sz="2400" dirty="0" smtClean="0"/>
-          </a:p>
-          <a:p>
-            <a:r>
-              <a:rPr lang="fr-FR" sz="2400" dirty="0" smtClean="0"/>
-              <a:t>Challenge</a:t>
-            </a:r>
-          </a:p>
-          <a:p>
-            <a:endParaRPr lang="fr-FR" sz="2400" dirty="0" smtClean="0"/>
-          </a:p>
-          <a:p>
-            <a:endParaRPr lang="fr-FR" sz="2400" dirty="0"/>
-          </a:p>
-          <a:p>
-            <a:endParaRPr lang="fr-FR" sz="2400" dirty="0" smtClean="0"/>
-          </a:p>
-          <a:p>
-            <a:r>
-              <a:rPr lang="fr-FR" sz="2400" dirty="0"/>
-              <a:t>Projet concret</a:t>
-            </a:r>
-          </a:p>
-          <a:p>
-            <a:endParaRPr lang="fr-FR" sz="2400" dirty="0"/>
-          </a:p>
-          <a:p>
-            <a:endParaRPr lang="fr-FR" sz="2400" dirty="0" smtClean="0"/>
-          </a:p>
-          <a:p>
-            <a:endParaRPr lang="fr-FR" sz="2400" dirty="0" smtClean="0"/>
-          </a:p>
-          <a:p>
-            <a:pPr marL="0" indent="0">
-              <a:buNone/>
-            </a:pPr>
-            <a:r>
-              <a:rPr lang="fr-FR" dirty="0"/>
-              <a:t>	</a:t>
-            </a:r>
-          </a:p>
-          <a:p>
-            <a:pPr marL="0" indent="0">
-              <a:buNone/>
-            </a:pPr>
-            <a:endParaRPr lang="fr-FR" dirty="0" smtClean="0"/>
-          </a:p>
-        </p:txBody>
-      </p:sp>
-      <p:sp>
-        <p:nvSpPr>
-          <p:cNvPr id="6" name="Titre 1"/>
-          <p:cNvSpPr txBox="1">
-            <a:spLocks/>
-          </p:cNvSpPr>
-          <p:nvPr/>
-        </p:nvSpPr>
-        <p:spPr>
-          <a:xfrm>
-            <a:off x="633806" y="270681"/>
-            <a:ext cx="7876388" cy="1143000"/>
-          </a:xfrm>
-          <a:prstGeom prst="rect">
-            <a:avLst/>
-          </a:prstGeom>
-        </p:spPr>
-        <p:txBody>
-          <a:bodyPr anchor="t">
-            <a:normAutofit/>
-          </a:bodyPr>
-          <a:lstStyle>
-            <a:lvl1pPr algn="l" defTabSz="457200" rtl="0" eaLnBrk="1" latinLnBrk="0" hangingPunct="1">
-              <a:lnSpc>
-                <a:spcPct val="90000"/>
-              </a:lnSpc>
-              <a:spcBef>
-                <a:spcPct val="0"/>
-              </a:spcBef>
-              <a:buNone/>
-              <a:defRPr sz="2700" b="1" i="0" kern="1200" cap="all" baseline="0">
-                <a:solidFill>
-                  <a:schemeClr val="bg2"/>
-                </a:solidFill>
-                <a:latin typeface="+mj-lt"/>
-                <a:ea typeface="+mj-ea"/>
-                <a:cs typeface="HelveticaNeueLT Com 57 Cn" panose="020B0506030502030204" pitchFamily="34" charset="0"/>
-              </a:defRPr>
-            </a:lvl1pPr>
-          </a:lstStyle>
-          <a:p>
-            <a:pPr algn="ctr"/>
-            <a:r>
-              <a:rPr lang="fr-FR" dirty="0" smtClean="0"/>
-              <a:t>conclusion</a:t>
-            </a:r>
-            <a:endParaRPr lang="fr-FR" dirty="0"/>
-          </a:p>
-        </p:txBody>
-      </p:sp>
-      <p:sp>
-        <p:nvSpPr>
-          <p:cNvPr id="7" name="ZoneTexte 6"/>
-          <p:cNvSpPr txBox="1"/>
-          <p:nvPr/>
-        </p:nvSpPr>
-        <p:spPr>
-          <a:xfrm>
-            <a:off x="8496300" y="6296025"/>
-            <a:ext cx="495300" cy="369332"/>
-          </a:xfrm>
-          <a:prstGeom prst="rect">
-            <a:avLst/>
-          </a:prstGeom>
-          <a:noFill/>
-        </p:spPr>
-        <p:txBody>
-          <a:bodyPr wrap="square" rtlCol="0">
-            <a:spAutoFit/>
-          </a:bodyPr>
-          <a:lstStyle/>
-          <a:p>
-            <a:r>
-              <a:rPr lang="fr-FR" dirty="0" smtClean="0"/>
-              <a:t>16</a:t>
-            </a:r>
-            <a:endParaRPr lang="fr-FR" dirty="0"/>
-          </a:p>
-        </p:txBody>
-      </p:sp>
-    </p:spTree>
-    <p:extLst>
-      <p:ext uri="{BB962C8B-B14F-4D97-AF65-F5344CB8AC3E}">
-        <p14:creationId xmlns:p14="http://schemas.microsoft.com/office/powerpoint/2010/main" val="640009553"/>
-      </p:ext>
-    </p:extLst>
-  </p:cSld>
-  <p:clrMapOvr>
-    <a:masterClrMapping/>
-  </p:clrMapOvr>
-  <mc:AlternateContent xmlns:mc="http://schemas.openxmlformats.org/markup-compatibility/2006" xmlns:p14="http://schemas.microsoft.com/office/powerpoint/2010/main">
-    <mc:Choice Requires="p14">
-      <p:transition spd="med" p14:dur="700">
-        <p:fade/>
-      </p:transition>
-    </mc:Choice>
-    <mc:Fallback xmlns="">
-      <p:transition spd="med">
-        <p:fade/>
-      </p:transition>
-    </mc:Fallback>
-  </mc:AlternateContent>
-  <p:timing>
-    <p:tnLst>
-      <p:par>
-        <p:cTn id="1" dur="indefinite" restart="never" nodeType="tmRoot"/>
-      </p:par>
-    </p:tnLst>
-  </p:timing>
-</p:sld>
-</file>
-
-<file path=ppt/slides/slide19.xml><?xml version="1.0" encoding="utf-8"?>
-<p:sld xmlns:a="http://schemas.openxmlformats.org/drawingml/2006/main" xmlns:r="http://schemas.openxmlformats.org/officeDocument/2006/relationships" xmlns:p="http://schemas.openxmlformats.org/presentationml/2006/main">
-  <p:cSld>
-    <p:spTree>
-      <p:nvGrpSpPr>
-        <p:cNvPr id="1" name=""/>
-        <p:cNvGrpSpPr/>
-        <p:nvPr/>
-      </p:nvGrpSpPr>
-      <p:grpSpPr>
-        <a:xfrm>
-          <a:off x="0" y="0"/>
-          <a:ext cx="0" cy="0"/>
-          <a:chOff x="0" y="0"/>
-          <a:chExt cx="0" cy="0"/>
-        </a:xfrm>
-      </p:grpSpPr>
-      <p:sp>
-        <p:nvSpPr>
-          <p:cNvPr id="4" name="Rectangle 3"/>
-          <p:cNvSpPr/>
-          <p:nvPr/>
-        </p:nvSpPr>
-        <p:spPr>
-          <a:xfrm>
-            <a:off x="2443856" y="2967335"/>
-            <a:ext cx="4256293" cy="923330"/>
-          </a:xfrm>
-          <a:prstGeom prst="rect">
-            <a:avLst/>
-          </a:prstGeom>
-          <a:noFill/>
-        </p:spPr>
-        <p:txBody>
-          <a:bodyPr wrap="none" lIns="91440" tIns="45720" rIns="91440" bIns="45720">
-            <a:spAutoFit/>
-          </a:bodyPr>
-          <a:lstStyle/>
-          <a:p>
-            <a:pPr algn="ctr"/>
-            <a:r>
-              <a:rPr lang="fr-FR" sz="5400" b="1" cap="none" spc="50" dirty="0" smtClean="0">
-                <a:ln w="0"/>
-                <a:solidFill>
-                  <a:schemeClr val="bg2"/>
-                </a:solidFill>
-                <a:effectLst>
-                  <a:innerShdw blurRad="63500" dist="50800" dir="13500000">
-                    <a:srgbClr val="000000">
-                      <a:alpha val="50000"/>
-                    </a:srgbClr>
-                  </a:innerShdw>
-                </a:effectLst>
-              </a:rPr>
-              <a:t>Questions ?</a:t>
-            </a:r>
-            <a:endParaRPr lang="fr-FR" sz="5400" b="1" cap="none" spc="50" dirty="0">
-              <a:ln w="0"/>
-              <a:solidFill>
-                <a:schemeClr val="bg2"/>
-              </a:solidFill>
-              <a:effectLst>
-                <a:innerShdw blurRad="63500" dist="50800" dir="13500000">
-                  <a:srgbClr val="000000">
-                    <a:alpha val="50000"/>
-                  </a:srgbClr>
-                </a:innerShdw>
-              </a:effectLst>
-            </a:endParaRPr>
-          </a:p>
-        </p:txBody>
-      </p:sp>
-      <p:sp>
-        <p:nvSpPr>
-          <p:cNvPr id="3" name="ZoneTexte 2"/>
-          <p:cNvSpPr txBox="1"/>
-          <p:nvPr/>
-        </p:nvSpPr>
-        <p:spPr>
-          <a:xfrm>
-            <a:off x="8496300" y="6296025"/>
-            <a:ext cx="495300" cy="369332"/>
-          </a:xfrm>
-          <a:prstGeom prst="rect">
-            <a:avLst/>
-          </a:prstGeom>
-          <a:noFill/>
-        </p:spPr>
-        <p:txBody>
-          <a:bodyPr wrap="square" rtlCol="0">
-            <a:spAutoFit/>
-          </a:bodyPr>
-          <a:lstStyle/>
-          <a:p>
-            <a:r>
-              <a:rPr lang="fr-FR" dirty="0" smtClean="0"/>
-              <a:t>17</a:t>
-            </a:r>
-            <a:endParaRPr lang="fr-FR" dirty="0"/>
-          </a:p>
-        </p:txBody>
-      </p:sp>
-    </p:spTree>
-    <p:extLst>
-      <p:ext uri="{BB962C8B-B14F-4D97-AF65-F5344CB8AC3E}">
-        <p14:creationId xmlns:p14="http://schemas.microsoft.com/office/powerpoint/2010/main" val="1828088138"/>
       </p:ext>
     </p:extLst>
   </p:cSld>
@@ -10758,6 +13012,571 @@
 </file>
 
 <file path=ppt/slides/slide20.xml><?xml version="1.0" encoding="utf-8"?>
+<p:sld xmlns:a="http://schemas.openxmlformats.org/drawingml/2006/main" xmlns:r="http://schemas.openxmlformats.org/officeDocument/2006/relationships" xmlns:p="http://schemas.openxmlformats.org/presentationml/2006/main">
+  <p:cSld>
+    <p:spTree>
+      <p:nvGrpSpPr>
+        <p:cNvPr id="1" name=""/>
+        <p:cNvGrpSpPr/>
+        <p:nvPr/>
+      </p:nvGrpSpPr>
+      <p:grpSpPr>
+        <a:xfrm>
+          <a:off x="0" y="0"/>
+          <a:ext cx="0" cy="0"/>
+          <a:chOff x="0" y="0"/>
+          <a:chExt cx="0" cy="0"/>
+        </a:xfrm>
+      </p:grpSpPr>
+      <p:sp>
+        <p:nvSpPr>
+          <p:cNvPr id="3" name="Espace réservé du texte 2"/>
+          <p:cNvSpPr>
+            <a:spLocks noGrp="1"/>
+          </p:cNvSpPr>
+          <p:nvPr>
+            <p:ph type="body" sz="quarter" idx="10"/>
+          </p:nvPr>
+        </p:nvSpPr>
+        <p:spPr/>
+        <p:txBody>
+          <a:bodyPr/>
+          <a:lstStyle/>
+          <a:p>
+            <a:pPr>
+              <a:buFont typeface="Wingdings" panose="05000000000000000000" pitchFamily="2" charset="2"/>
+              <a:buChar char="§"/>
+            </a:pPr>
+            <a:endParaRPr lang="en-US" dirty="0" smtClean="0"/>
+          </a:p>
+          <a:p>
+            <a:r>
+              <a:rPr lang="fr-FR" sz="2400" dirty="0" smtClean="0"/>
+              <a:t>Points d’amélioration :</a:t>
+            </a:r>
+          </a:p>
+          <a:p>
+            <a:pPr lvl="1"/>
+            <a:r>
+              <a:rPr lang="fr-FR" sz="2000" dirty="0">
+                <a:solidFill>
+                  <a:schemeClr val="tx1"/>
+                </a:solidFill>
+              </a:rPr>
+              <a:t>Défilement</a:t>
+            </a:r>
+          </a:p>
+          <a:p>
+            <a:pPr lvl="1"/>
+            <a:r>
+              <a:rPr lang="fr-FR" sz="2000" dirty="0">
+                <a:solidFill>
+                  <a:schemeClr val="tx1"/>
+                </a:solidFill>
+              </a:rPr>
+              <a:t>Paramétrage plus simple</a:t>
+            </a:r>
+          </a:p>
+          <a:p>
+            <a:pPr lvl="1"/>
+            <a:r>
+              <a:rPr lang="fr-FR" sz="2000" dirty="0">
+                <a:solidFill>
+                  <a:schemeClr val="tx1"/>
+                </a:solidFill>
+              </a:rPr>
+              <a:t>Sécurité</a:t>
+            </a:r>
+          </a:p>
+          <a:p>
+            <a:pPr marL="0" indent="0">
+              <a:buNone/>
+            </a:pPr>
+            <a:endParaRPr lang="fr-FR" sz="2400" dirty="0" smtClean="0"/>
+          </a:p>
+          <a:p>
+            <a:pPr marL="0" indent="0">
+              <a:buNone/>
+            </a:pPr>
+            <a:endParaRPr lang="fr-FR" sz="2400" dirty="0"/>
+          </a:p>
+          <a:p>
+            <a:pPr marL="271463" lvl="1" indent="-271463">
+              <a:buClr>
+                <a:schemeClr val="tx2"/>
+              </a:buClr>
+              <a:buSzPct val="80000"/>
+              <a:buFont typeface="Wingdings 3" panose="05040102010807070707" pitchFamily="18" charset="2"/>
+              <a:buChar char=""/>
+            </a:pPr>
+            <a:r>
+              <a:rPr lang="fr-FR" sz="2400" dirty="0">
+                <a:solidFill>
+                  <a:schemeClr val="tx1"/>
+                </a:solidFill>
+              </a:rPr>
+              <a:t>Application fonctionnelle et utilisable</a:t>
+            </a:r>
+          </a:p>
+          <a:p>
+            <a:endParaRPr lang="fr-FR" sz="2400" dirty="0" smtClean="0"/>
+          </a:p>
+          <a:p>
+            <a:pPr lvl="1"/>
+            <a:endParaRPr lang="fr-FR" sz="2000" dirty="0"/>
+          </a:p>
+          <a:p>
+            <a:pPr lvl="1"/>
+            <a:endParaRPr lang="fr-FR" sz="2000" dirty="0" smtClean="0"/>
+          </a:p>
+          <a:p>
+            <a:pPr marL="457200" lvl="1" indent="0">
+              <a:buNone/>
+            </a:pPr>
+            <a:endParaRPr lang="fr-FR" sz="2000" dirty="0" smtClean="0"/>
+          </a:p>
+        </p:txBody>
+      </p:sp>
+      <p:sp>
+        <p:nvSpPr>
+          <p:cNvPr id="4" name="Titre 1"/>
+          <p:cNvSpPr txBox="1">
+            <a:spLocks/>
+          </p:cNvSpPr>
+          <p:nvPr/>
+        </p:nvSpPr>
+        <p:spPr>
+          <a:xfrm>
+            <a:off x="633806" y="270681"/>
+            <a:ext cx="7876388" cy="1143000"/>
+          </a:xfrm>
+          <a:prstGeom prst="rect">
+            <a:avLst/>
+          </a:prstGeom>
+        </p:spPr>
+        <p:txBody>
+          <a:bodyPr anchor="t">
+            <a:normAutofit/>
+          </a:bodyPr>
+          <a:lstStyle>
+            <a:lvl1pPr algn="l" defTabSz="457200" rtl="0" eaLnBrk="1" latinLnBrk="0" hangingPunct="1">
+              <a:lnSpc>
+                <a:spcPct val="90000"/>
+              </a:lnSpc>
+              <a:spcBef>
+                <a:spcPct val="0"/>
+              </a:spcBef>
+              <a:buNone/>
+              <a:defRPr sz="2700" b="1" i="0" kern="1200" cap="all" baseline="0">
+                <a:solidFill>
+                  <a:schemeClr val="bg2"/>
+                </a:solidFill>
+                <a:latin typeface="+mj-lt"/>
+                <a:ea typeface="+mj-ea"/>
+                <a:cs typeface="HelveticaNeueLT Com 57 Cn" panose="020B0506030502030204" pitchFamily="34" charset="0"/>
+              </a:defRPr>
+            </a:lvl1pPr>
+          </a:lstStyle>
+          <a:p>
+            <a:pPr algn="ctr"/>
+            <a:r>
+              <a:rPr lang="fr-FR" dirty="0" smtClean="0"/>
+              <a:t>VI. Bilan</a:t>
+            </a:r>
+            <a:endParaRPr lang="fr-FR" dirty="0"/>
+          </a:p>
+        </p:txBody>
+      </p:sp>
+      <p:sp>
+        <p:nvSpPr>
+          <p:cNvPr id="5" name="ZoneTexte 4"/>
+          <p:cNvSpPr txBox="1"/>
+          <p:nvPr/>
+        </p:nvSpPr>
+        <p:spPr>
+          <a:xfrm>
+            <a:off x="8496300" y="6296025"/>
+            <a:ext cx="495300" cy="369332"/>
+          </a:xfrm>
+          <a:prstGeom prst="rect">
+            <a:avLst/>
+          </a:prstGeom>
+          <a:noFill/>
+        </p:spPr>
+        <p:txBody>
+          <a:bodyPr wrap="square" rtlCol="0">
+            <a:spAutoFit/>
+          </a:bodyPr>
+          <a:lstStyle/>
+          <a:p>
+            <a:r>
+              <a:rPr lang="fr-FR" dirty="0" smtClean="0"/>
+              <a:t>15</a:t>
+            </a:r>
+            <a:endParaRPr lang="fr-FR" dirty="0"/>
+          </a:p>
+        </p:txBody>
+      </p:sp>
+    </p:spTree>
+    <p:extLst>
+      <p:ext uri="{BB962C8B-B14F-4D97-AF65-F5344CB8AC3E}">
+        <p14:creationId xmlns:p14="http://schemas.microsoft.com/office/powerpoint/2010/main" val="3484511506"/>
+      </p:ext>
+    </p:extLst>
+  </p:cSld>
+  <p:clrMapOvr>
+    <a:masterClrMapping/>
+  </p:clrMapOvr>
+  <mc:AlternateContent xmlns:mc="http://schemas.openxmlformats.org/markup-compatibility/2006" xmlns:p14="http://schemas.microsoft.com/office/powerpoint/2010/main">
+    <mc:Choice Requires="p14">
+      <p:transition spd="med" p14:dur="700">
+        <p:fade/>
+      </p:transition>
+    </mc:Choice>
+    <mc:Fallback xmlns="">
+      <p:transition spd="med">
+        <p:fade/>
+      </p:transition>
+    </mc:Fallback>
+  </mc:AlternateContent>
+  <p:timing>
+    <p:tnLst>
+      <p:par>
+        <p:cTn id="1" dur="indefinite" restart="never" nodeType="tmRoot"/>
+      </p:par>
+    </p:tnLst>
+  </p:timing>
+</p:sld>
+</file>
+
+<file path=ppt/slides/slide21.xml><?xml version="1.0" encoding="utf-8"?>
+<p:sld xmlns:a="http://schemas.openxmlformats.org/drawingml/2006/main" xmlns:r="http://schemas.openxmlformats.org/officeDocument/2006/relationships" xmlns:p="http://schemas.openxmlformats.org/presentationml/2006/main">
+  <p:cSld>
+    <p:spTree>
+      <p:nvGrpSpPr>
+        <p:cNvPr id="1" name=""/>
+        <p:cNvGrpSpPr/>
+        <p:nvPr/>
+      </p:nvGrpSpPr>
+      <p:grpSpPr>
+        <a:xfrm>
+          <a:off x="0" y="0"/>
+          <a:ext cx="0" cy="0"/>
+          <a:chOff x="0" y="0"/>
+          <a:chExt cx="0" cy="0"/>
+        </a:xfrm>
+      </p:grpSpPr>
+      <p:sp>
+        <p:nvSpPr>
+          <p:cNvPr id="3" name="Espace réservé du texte 2"/>
+          <p:cNvSpPr>
+            <a:spLocks noGrp="1"/>
+          </p:cNvSpPr>
+          <p:nvPr>
+            <p:ph type="body" sz="quarter" idx="10"/>
+          </p:nvPr>
+        </p:nvSpPr>
+        <p:spPr/>
+        <p:txBody>
+          <a:bodyPr/>
+          <a:lstStyle/>
+          <a:p>
+            <a:endParaRPr lang="fr-FR" sz="2400" dirty="0" smtClean="0"/>
+          </a:p>
+          <a:p>
+            <a:r>
+              <a:rPr lang="fr-FR" sz="2400" dirty="0" smtClean="0"/>
+              <a:t>Challenge</a:t>
+            </a:r>
+          </a:p>
+          <a:p>
+            <a:endParaRPr lang="fr-FR" sz="2400" dirty="0" smtClean="0"/>
+          </a:p>
+          <a:p>
+            <a:endParaRPr lang="fr-FR" sz="2400" dirty="0"/>
+          </a:p>
+          <a:p>
+            <a:endParaRPr lang="fr-FR" sz="2400" dirty="0" smtClean="0"/>
+          </a:p>
+          <a:p>
+            <a:r>
+              <a:rPr lang="fr-FR" sz="2400" dirty="0"/>
+              <a:t>Projet concret</a:t>
+            </a:r>
+          </a:p>
+          <a:p>
+            <a:endParaRPr lang="fr-FR" sz="2400" dirty="0"/>
+          </a:p>
+          <a:p>
+            <a:endParaRPr lang="fr-FR" sz="2400" dirty="0" smtClean="0"/>
+          </a:p>
+          <a:p>
+            <a:endParaRPr lang="fr-FR" sz="2400" dirty="0" smtClean="0"/>
+          </a:p>
+          <a:p>
+            <a:pPr marL="0" indent="0">
+              <a:buNone/>
+            </a:pPr>
+            <a:r>
+              <a:rPr lang="fr-FR" dirty="0"/>
+              <a:t>	</a:t>
+            </a:r>
+          </a:p>
+          <a:p>
+            <a:pPr marL="0" indent="0">
+              <a:buNone/>
+            </a:pPr>
+            <a:endParaRPr lang="fr-FR" dirty="0" smtClean="0"/>
+          </a:p>
+        </p:txBody>
+      </p:sp>
+      <p:sp>
+        <p:nvSpPr>
+          <p:cNvPr id="6" name="Titre 1"/>
+          <p:cNvSpPr txBox="1">
+            <a:spLocks/>
+          </p:cNvSpPr>
+          <p:nvPr/>
+        </p:nvSpPr>
+        <p:spPr>
+          <a:xfrm>
+            <a:off x="633806" y="270681"/>
+            <a:ext cx="7876388" cy="1143000"/>
+          </a:xfrm>
+          <a:prstGeom prst="rect">
+            <a:avLst/>
+          </a:prstGeom>
+        </p:spPr>
+        <p:txBody>
+          <a:bodyPr anchor="t">
+            <a:normAutofit/>
+          </a:bodyPr>
+          <a:lstStyle>
+            <a:lvl1pPr algn="l" defTabSz="457200" rtl="0" eaLnBrk="1" latinLnBrk="0" hangingPunct="1">
+              <a:lnSpc>
+                <a:spcPct val="90000"/>
+              </a:lnSpc>
+              <a:spcBef>
+                <a:spcPct val="0"/>
+              </a:spcBef>
+              <a:buNone/>
+              <a:defRPr sz="2700" b="1" i="0" kern="1200" cap="all" baseline="0">
+                <a:solidFill>
+                  <a:schemeClr val="bg2"/>
+                </a:solidFill>
+                <a:latin typeface="+mj-lt"/>
+                <a:ea typeface="+mj-ea"/>
+                <a:cs typeface="HelveticaNeueLT Com 57 Cn" panose="020B0506030502030204" pitchFamily="34" charset="0"/>
+              </a:defRPr>
+            </a:lvl1pPr>
+          </a:lstStyle>
+          <a:p>
+            <a:pPr algn="ctr"/>
+            <a:r>
+              <a:rPr lang="fr-FR" dirty="0" smtClean="0"/>
+              <a:t>conclusion</a:t>
+            </a:r>
+            <a:endParaRPr lang="fr-FR" dirty="0"/>
+          </a:p>
+        </p:txBody>
+      </p:sp>
+      <p:sp>
+        <p:nvSpPr>
+          <p:cNvPr id="7" name="ZoneTexte 6"/>
+          <p:cNvSpPr txBox="1"/>
+          <p:nvPr/>
+        </p:nvSpPr>
+        <p:spPr>
+          <a:xfrm>
+            <a:off x="8496300" y="6296025"/>
+            <a:ext cx="495300" cy="369332"/>
+          </a:xfrm>
+          <a:prstGeom prst="rect">
+            <a:avLst/>
+          </a:prstGeom>
+          <a:noFill/>
+        </p:spPr>
+        <p:txBody>
+          <a:bodyPr wrap="square" rtlCol="0">
+            <a:spAutoFit/>
+          </a:bodyPr>
+          <a:lstStyle/>
+          <a:p>
+            <a:r>
+              <a:rPr lang="fr-FR" dirty="0" smtClean="0"/>
+              <a:t>16</a:t>
+            </a:r>
+            <a:endParaRPr lang="fr-FR" dirty="0"/>
+          </a:p>
+        </p:txBody>
+      </p:sp>
+    </p:spTree>
+    <p:extLst>
+      <p:ext uri="{BB962C8B-B14F-4D97-AF65-F5344CB8AC3E}">
+        <p14:creationId xmlns:p14="http://schemas.microsoft.com/office/powerpoint/2010/main" val="640009553"/>
+      </p:ext>
+    </p:extLst>
+  </p:cSld>
+  <p:clrMapOvr>
+    <a:masterClrMapping/>
+  </p:clrMapOvr>
+  <mc:AlternateContent xmlns:mc="http://schemas.openxmlformats.org/markup-compatibility/2006" xmlns:p14="http://schemas.microsoft.com/office/powerpoint/2010/main">
+    <mc:Choice Requires="p14">
+      <p:transition spd="med" p14:dur="700">
+        <p:fade/>
+      </p:transition>
+    </mc:Choice>
+    <mc:Fallback xmlns="">
+      <p:transition spd="med">
+        <p:fade/>
+      </p:transition>
+    </mc:Fallback>
+  </mc:AlternateContent>
+  <p:timing>
+    <p:tnLst>
+      <p:par>
+        <p:cTn id="1" dur="indefinite" restart="never" nodeType="tmRoot"/>
+      </p:par>
+    </p:tnLst>
+  </p:timing>
+</p:sld>
+</file>
+
+<file path=ppt/slides/slide22.xml><?xml version="1.0" encoding="utf-8"?>
+<p:sld xmlns:a="http://schemas.openxmlformats.org/drawingml/2006/main" xmlns:r="http://schemas.openxmlformats.org/officeDocument/2006/relationships" xmlns:p="http://schemas.openxmlformats.org/presentationml/2006/main">
+  <p:cSld>
+    <p:spTree>
+      <p:nvGrpSpPr>
+        <p:cNvPr id="1" name=""/>
+        <p:cNvGrpSpPr/>
+        <p:nvPr/>
+      </p:nvGrpSpPr>
+      <p:grpSpPr>
+        <a:xfrm>
+          <a:off x="0" y="0"/>
+          <a:ext cx="0" cy="0"/>
+          <a:chOff x="0" y="0"/>
+          <a:chExt cx="0" cy="0"/>
+        </a:xfrm>
+      </p:grpSpPr>
+      <p:sp>
+        <p:nvSpPr>
+          <p:cNvPr id="4" name="Rectangle 3"/>
+          <p:cNvSpPr/>
+          <p:nvPr/>
+        </p:nvSpPr>
+        <p:spPr>
+          <a:xfrm>
+            <a:off x="2443856" y="2967335"/>
+            <a:ext cx="4256293" cy="923330"/>
+          </a:xfrm>
+          <a:prstGeom prst="rect">
+            <a:avLst/>
+          </a:prstGeom>
+          <a:noFill/>
+        </p:spPr>
+        <p:txBody>
+          <a:bodyPr wrap="none" lIns="91440" tIns="45720" rIns="91440" bIns="45720">
+            <a:spAutoFit/>
+          </a:bodyPr>
+          <a:lstStyle/>
+          <a:p>
+            <a:pPr algn="ctr"/>
+            <a:r>
+              <a:rPr lang="fr-FR" sz="5400" b="1" cap="none" spc="50" dirty="0" smtClean="0">
+                <a:ln w="0"/>
+                <a:solidFill>
+                  <a:schemeClr val="bg2"/>
+                </a:solidFill>
+                <a:effectLst>
+                  <a:innerShdw blurRad="63500" dist="50800" dir="13500000">
+                    <a:srgbClr val="000000">
+                      <a:alpha val="50000"/>
+                    </a:srgbClr>
+                  </a:innerShdw>
+                </a:effectLst>
+              </a:rPr>
+              <a:t>Questions ?</a:t>
+            </a:r>
+            <a:endParaRPr lang="fr-FR" sz="5400" b="1" cap="none" spc="50" dirty="0">
+              <a:ln w="0"/>
+              <a:solidFill>
+                <a:schemeClr val="bg2"/>
+              </a:solidFill>
+              <a:effectLst>
+                <a:innerShdw blurRad="63500" dist="50800" dir="13500000">
+                  <a:srgbClr val="000000">
+                    <a:alpha val="50000"/>
+                  </a:srgbClr>
+                </a:innerShdw>
+              </a:effectLst>
+            </a:endParaRPr>
+          </a:p>
+        </p:txBody>
+      </p:sp>
+      <p:sp>
+        <p:nvSpPr>
+          <p:cNvPr id="3" name="ZoneTexte 2"/>
+          <p:cNvSpPr txBox="1"/>
+          <p:nvPr/>
+        </p:nvSpPr>
+        <p:spPr>
+          <a:xfrm>
+            <a:off x="8496300" y="6296025"/>
+            <a:ext cx="495300" cy="369332"/>
+          </a:xfrm>
+          <a:prstGeom prst="rect">
+            <a:avLst/>
+          </a:prstGeom>
+          <a:noFill/>
+        </p:spPr>
+        <p:txBody>
+          <a:bodyPr wrap="square" rtlCol="0">
+            <a:spAutoFit/>
+          </a:bodyPr>
+          <a:lstStyle/>
+          <a:p>
+            <a:r>
+              <a:rPr lang="fr-FR" dirty="0" smtClean="0"/>
+              <a:t>17</a:t>
+            </a:r>
+            <a:endParaRPr lang="fr-FR" dirty="0"/>
+          </a:p>
+        </p:txBody>
+      </p:sp>
+    </p:spTree>
+    <p:extLst>
+      <p:ext uri="{BB962C8B-B14F-4D97-AF65-F5344CB8AC3E}">
+        <p14:creationId xmlns:p14="http://schemas.microsoft.com/office/powerpoint/2010/main" val="1828088138"/>
+      </p:ext>
+    </p:extLst>
+  </p:cSld>
+  <p:clrMapOvr>
+    <a:masterClrMapping/>
+  </p:clrMapOvr>
+  <mc:AlternateContent xmlns:mc="http://schemas.openxmlformats.org/markup-compatibility/2006" xmlns:p14="http://schemas.microsoft.com/office/powerpoint/2010/main">
+    <mc:Choice Requires="p14">
+      <p:transition spd="med" p14:dur="700">
+        <p:fade/>
+      </p:transition>
+    </mc:Choice>
+    <mc:Fallback xmlns="">
+      <p:transition spd="med">
+        <p:fade/>
+      </p:transition>
+    </mc:Fallback>
+  </mc:AlternateContent>
+  <p:timing>
+    <p:tnLst>
+      <p:par>
+        <p:cTn id="1" dur="indefinite" restart="never" nodeType="tmRoot"/>
+      </p:par>
+    </p:tnLst>
+  </p:timing>
+</p:sld>
+</file>
+
+<file path=ppt/slides/slide23.xml><?xml version="1.0" encoding="utf-8"?>
 <p:sld xmlns:a="http://schemas.openxmlformats.org/drawingml/2006/main" xmlns:r="http://schemas.openxmlformats.org/officeDocument/2006/relationships" xmlns:p="http://schemas.openxmlformats.org/presentationml/2006/main" show="0">
   <p:cSld>
     <p:spTree>
@@ -12060,8 +14879,8 @@
         </p:nvSpPr>
         <p:spPr>
           <a:xfrm>
-            <a:off x="581892" y="992916"/>
-            <a:ext cx="8409708" cy="4695367"/>
+            <a:off x="581892" y="992917"/>
+            <a:ext cx="8409708" cy="541594"/>
           </a:xfrm>
         </p:spPr>
         <p:txBody>
@@ -12070,15 +14889,7 @@
           <a:p>
             <a:r>
               <a:rPr lang="fr-FR" dirty="0" smtClean="0"/>
-              <a:t>1</a:t>
-            </a:r>
-            <a:r>
-              <a:rPr lang="fr-FR" baseline="30000" dirty="0" smtClean="0"/>
-              <a:t>er</a:t>
-            </a:r>
-            <a:r>
-              <a:rPr lang="fr-FR" dirty="0" smtClean="0"/>
-              <a:t> semestre</a:t>
+              <a:t>Avant le début du projet</a:t>
             </a:r>
             <a:endParaRPr lang="fr-FR" dirty="0"/>
           </a:p>
@@ -12086,14 +14897,14 @@
       </p:sp>
       <p:pic>
         <p:nvPicPr>
-          <p:cNvPr id="4" name="Image 3"/>
+          <p:cNvPr id="14" name="Image 13"/>
           <p:cNvPicPr>
             <a:picLocks noChangeAspect="1"/>
           </p:cNvPicPr>
           <p:nvPr/>
         </p:nvPicPr>
         <p:blipFill>
-          <a:blip r:embed="rId2" cstate="screen">
+          <a:blip r:embed="rId2">
             <a:extLst>
               <a:ext uri="{28A0092B-C50C-407E-A947-70E740481C1C}">
                 <a14:useLocalDpi xmlns:a14="http://schemas.microsoft.com/office/drawing/2010/main" val="0"/>
@@ -12106,8 +14917,8 @@
         </p:blipFill>
         <p:spPr>
           <a:xfrm>
-            <a:off x="0" y="1250931"/>
-            <a:ext cx="9144000" cy="5143500"/>
+            <a:off x="3384061" y="1667920"/>
+            <a:ext cx="1418468" cy="1268691"/>
           </a:xfrm>
           <a:prstGeom prst="rect">
             <a:avLst/>
@@ -12116,14 +14927,60 @@
       </p:pic>
       <p:sp>
         <p:nvSpPr>
-          <p:cNvPr id="5" name="ZoneTexte 4"/>
+          <p:cNvPr id="23" name="Rectangle 22"/>
+          <p:cNvSpPr/>
+          <p:nvPr/>
+        </p:nvSpPr>
+        <p:spPr>
+          <a:xfrm>
+            <a:off x="2969843" y="3107703"/>
+            <a:ext cx="2194767" cy="752807"/>
+          </a:xfrm>
+          <a:prstGeom prst="rect">
+            <a:avLst/>
+          </a:prstGeom>
+          <a:noFill/>
+          <a:ln w="28575">
+            <a:solidFill>
+              <a:schemeClr val="tx2">
+                <a:lumMod val="75000"/>
+              </a:schemeClr>
+            </a:solidFill>
+          </a:ln>
+        </p:spPr>
+        <p:style>
+          <a:lnRef idx="1">
+            <a:schemeClr val="accent1"/>
+          </a:lnRef>
+          <a:fillRef idx="3">
+            <a:schemeClr val="accent1"/>
+          </a:fillRef>
+          <a:effectRef idx="2">
+            <a:schemeClr val="accent1"/>
+          </a:effectRef>
+          <a:fontRef idx="minor">
+            <a:schemeClr val="lt1"/>
+          </a:fontRef>
+        </p:style>
+        <p:txBody>
+          <a:bodyPr rtlCol="0" anchor="ctr"/>
+          <a:lstStyle/>
+          <a:p>
+            <a:pPr algn="ctr"/>
+            <a:endParaRPr lang="fr-FR"/>
+          </a:p>
+        </p:txBody>
+      </p:sp>
+      <p:sp>
+        <p:nvSpPr>
+          <p:cNvPr id="26" name="ZoneTexte 25"/>
           <p:cNvSpPr txBox="1"/>
           <p:nvPr/>
         </p:nvSpPr>
         <p:spPr>
           <a:xfrm>
-            <a:off x="1249251" y="5139657"/>
-            <a:ext cx="1790163" cy="461665"/>
+            <a:off x="3184634" y="3301842"/>
+            <a:ext cx="1818289" cy="369332"/>
           </a:xfrm>
           <a:prstGeom prst="rect">
             <a:avLst/>
@@ -12136,52 +14993,61 @@
           </a:bodyPr>
           <a:lstStyle/>
           <a:p>
-            <a:r>
-              <a:rPr lang="fr-FR" sz="2400" b="1" dirty="0" smtClean="0">
-                <a:solidFill>
-                  <a:srgbClr val="FF0000"/>
-                </a:solidFill>
+            <a:pPr algn="ctr"/>
+            <a:r>
+              <a:rPr lang="fr-FR" dirty="0" smtClean="0">
+                <a:effectLst>
+                  <a:outerShdw blurRad="50800" dist="38100" dir="2700000" algn="tl" rotWithShape="0">
+                    <a:prstClr val="black">
+                      <a:alpha val="40000"/>
+                    </a:prstClr>
+                  </a:outerShdw>
+                </a:effectLst>
               </a:rPr>
-              <a:t>Prototype</a:t>
-            </a:r>
-            <a:endParaRPr lang="fr-FR" sz="2400" b="1" dirty="0">
-              <a:solidFill>
-                <a:srgbClr val="FF0000"/>
-              </a:solidFill>
+              <a:t>IHM et Modèle</a:t>
+            </a:r>
+            <a:endParaRPr lang="fr-FR" dirty="0" smtClean="0">
+              <a:effectLst>
+                <a:outerShdw blurRad="50800" dist="38100" dir="2700000" algn="tl" rotWithShape="0">
+                  <a:prstClr val="black">
+                    <a:alpha val="40000"/>
+                  </a:prstClr>
+                </a:outerShdw>
+              </a:effectLst>
             </a:endParaRPr>
           </a:p>
         </p:txBody>
       </p:sp>
-      <p:sp>
-        <p:nvSpPr>
-          <p:cNvPr id="7" name="ZoneTexte 6"/>
-          <p:cNvSpPr txBox="1"/>
+      <p:pic>
+        <p:nvPicPr>
+          <p:cNvPr id="32" name="Image 31"/>
+          <p:cNvPicPr>
+            <a:picLocks noChangeAspect="1"/>
+          </p:cNvPicPr>
           <p:nvPr/>
-        </p:nvSpPr>
-        <p:spPr>
-          <a:xfrm>
-            <a:off x="8496300" y="6296025"/>
-            <a:ext cx="495300" cy="369332"/>
-          </a:xfrm>
-          <a:prstGeom prst="rect">
-            <a:avLst/>
-          </a:prstGeom>
-          <a:noFill/>
-        </p:spPr>
-        <p:txBody>
-          <a:bodyPr wrap="square" rtlCol="0">
-            <a:spAutoFit/>
-          </a:bodyPr>
-          <a:lstStyle/>
-          <a:p>
-            <a:r>
-              <a:rPr lang="fr-FR" dirty="0" smtClean="0"/>
-              <a:t>6</a:t>
-            </a:r>
-            <a:endParaRPr lang="fr-FR" dirty="0"/>
-          </a:p>
-        </p:txBody>
-      </p:sp>
+        </p:nvPicPr>
+        <p:blipFill>
+          <a:blip r:embed="rId3" cstate="screen">
+            <a:extLst>
+              <a:ext uri="{28A0092B-C50C-407E-A947-70E740481C1C}">
+                <a14:useLocalDpi xmlns:a14="http://schemas.microsoft.com/office/drawing/2010/main" val="0"/>
+              </a:ext>
+            </a:extLst>
+          </a:blip>
+          <a:stretch>
+            <a:fillRect/>
+          </a:stretch>
+        </p:blipFill>
+        <p:spPr>
+          <a:xfrm>
+            <a:off x="3499064" y="3671174"/>
+            <a:ext cx="1189427" cy="1138373"/>
+          </a:xfrm>
+          <a:prstGeom prst="rect">
+            <a:avLst/>
+          </a:prstGeom>
+        </p:spPr>
+      </p:pic>
     </p:spTree>
     <p:extLst>
       <p:ext uri="{BB962C8B-B14F-4D97-AF65-F5344CB8AC3E}">
@@ -12243,7 +15109,7 @@
         </p:nvSpPr>
         <p:spPr>
           <a:xfrm>
-            <a:off x="633806" y="240792"/>
+            <a:off x="633806" y="107931"/>
             <a:ext cx="7876388" cy="1143000"/>
           </a:xfrm>
         </p:spPr>
@@ -12254,300 +15120,170 @@
             <a:pPr algn="ctr"/>
             <a:r>
               <a:rPr lang="fr-FR" dirty="0" smtClean="0"/>
-              <a:t>V. CHOIX TECHNIQUES</a:t>
+              <a:t>II. </a:t>
+            </a:r>
+            <a:r>
+              <a:rPr lang="fr-FR" dirty="0" err="1" smtClean="0"/>
+              <a:t>realisation</a:t>
             </a:r>
             <a:endParaRPr lang="fr-FR" dirty="0"/>
           </a:p>
         </p:txBody>
       </p:sp>
-      <p:graphicFrame>
-        <p:nvGraphicFramePr>
-          <p:cNvPr id="4" name="Tableau 3"/>
-          <p:cNvGraphicFramePr>
-            <a:graphicFrameLocks noGrp="1"/>
-          </p:cNvGraphicFramePr>
+      <p:sp>
+        <p:nvSpPr>
+          <p:cNvPr id="3" name="Espace réservé du texte 2"/>
+          <p:cNvSpPr>
+            <a:spLocks noGrp="1"/>
+          </p:cNvSpPr>
           <p:nvPr>
-            <p:extLst/>
+            <p:ph type="body" sz="quarter" idx="10"/>
           </p:nvPr>
-        </p:nvGraphicFramePr>
-        <p:xfrm>
-          <a:off x="628648" y="1077369"/>
-          <a:ext cx="7745731" cy="4947920"/>
-        </p:xfrm>
-        <a:graphic>
-          <a:graphicData uri="http://schemas.openxmlformats.org/drawingml/2006/table">
-            <a:tbl>
-              <a:tblPr firstRow="1" bandRow="1">
-                <a:tableStyleId>{073A0DAA-6AF3-43AB-8588-CEC1D06C72B9}</a:tableStyleId>
-              </a:tblPr>
-              <a:tblGrid>
-                <a:gridCol w="1549299"/>
-                <a:gridCol w="1674962"/>
-                <a:gridCol w="1424398"/>
-                <a:gridCol w="1176759"/>
-                <a:gridCol w="1920313"/>
-              </a:tblGrid>
-              <a:tr h="1473200">
-                <a:tc>
-                  <a:txBody>
-                    <a:bodyPr/>
-                    <a:lstStyle/>
-                    <a:p>
-                      <a:pPr algn="ctr"/>
-                      <a:r>
-                        <a:rPr lang="fr-FR" sz="2400" dirty="0" smtClean="0"/>
-                        <a:t>Interface</a:t>
-                      </a:r>
-                      <a:endParaRPr lang="fr-FR" sz="2400" dirty="0"/>
-                    </a:p>
-                  </a:txBody>
-                  <a:tcPr marT="60960" marB="60960"/>
-                </a:tc>
-                <a:tc>
-                  <a:txBody>
-                    <a:bodyPr/>
-                    <a:lstStyle/>
-                    <a:p>
-                      <a:pPr algn="ctr"/>
-                      <a:r>
-                        <a:rPr lang="fr-FR" sz="2400" dirty="0" smtClean="0"/>
-                        <a:t>Modèle</a:t>
-                      </a:r>
-                    </a:p>
-                  </a:txBody>
-                  <a:tcPr marT="60960" marB="60960"/>
-                </a:tc>
-                <a:tc>
-                  <a:txBody>
-                    <a:bodyPr/>
-                    <a:lstStyle/>
-                    <a:p>
-                      <a:pPr algn="ctr"/>
-                      <a:r>
-                        <a:rPr lang="fr-FR" sz="1800" dirty="0" err="1" smtClean="0"/>
-                        <a:t>Kira</a:t>
-                      </a:r>
-                      <a:endParaRPr lang="fr-FR" sz="1800" dirty="0"/>
-                    </a:p>
-                  </a:txBody>
-                  <a:tcPr marT="60960" marB="60960"/>
-                </a:tc>
-                <a:tc>
-                  <a:txBody>
-                    <a:bodyPr/>
-                    <a:lstStyle/>
-                    <a:p>
-                      <a:pPr algn="ctr"/>
-                      <a:r>
-                        <a:rPr lang="fr-FR" sz="1800" dirty="0" err="1" smtClean="0"/>
-                        <a:t>Fibaro</a:t>
-                      </a:r>
-                      <a:endParaRPr lang="fr-FR" sz="1800" dirty="0"/>
-                    </a:p>
-                  </a:txBody>
-                  <a:tcPr marT="60960" marB="60960"/>
-                </a:tc>
-                <a:tc>
-                  <a:txBody>
-                    <a:bodyPr/>
-                    <a:lstStyle/>
-                    <a:p>
-                      <a:pPr algn="ctr"/>
-                      <a:r>
-                        <a:rPr lang="fr-FR" sz="1800" dirty="0" smtClean="0"/>
-                        <a:t>Bluetooth</a:t>
-                      </a:r>
-                      <a:endParaRPr lang="fr-FR" sz="1800" dirty="0"/>
-                    </a:p>
-                  </a:txBody>
-                  <a:tcPr marT="60960" marB="60960"/>
-                </a:tc>
-              </a:tr>
-              <a:tr h="2336800">
-                <a:tc>
-                  <a:txBody>
-                    <a:bodyPr/>
-                    <a:lstStyle/>
-                    <a:p>
-                      <a:endParaRPr lang="fr-FR" sz="2400" dirty="0" smtClean="0"/>
-                    </a:p>
-                    <a:p>
-                      <a:endParaRPr lang="fr-FR" sz="2400" dirty="0" smtClean="0"/>
-                    </a:p>
-                    <a:p>
-                      <a:endParaRPr lang="fr-FR" sz="2400" dirty="0" smtClean="0"/>
-                    </a:p>
-                    <a:p>
-                      <a:endParaRPr lang="fr-FR" sz="2400" dirty="0" smtClean="0"/>
-                    </a:p>
-                    <a:p>
-                      <a:endParaRPr lang="fr-FR" sz="2400" dirty="0" smtClean="0"/>
-                    </a:p>
-                    <a:p>
-                      <a:endParaRPr lang="fr-FR" sz="2400" dirty="0" smtClean="0"/>
-                    </a:p>
-                    <a:p>
-                      <a:r>
-                        <a:rPr lang="fr-FR" sz="2400" baseline="0" dirty="0" smtClean="0"/>
-                        <a:t>   XAML</a:t>
-                      </a:r>
-                      <a:endParaRPr lang="fr-FR" sz="2400" dirty="0"/>
-                    </a:p>
-                  </a:txBody>
-                  <a:tcPr marT="60960" marB="60960"/>
-                </a:tc>
-                <a:tc>
-                  <a:txBody>
-                    <a:bodyPr/>
-                    <a:lstStyle/>
-                    <a:p>
-                      <a:pPr algn="ctr"/>
-                      <a:r>
-                        <a:rPr lang="fr-FR" sz="2400" dirty="0" smtClean="0"/>
-                        <a:t>DLL</a:t>
-                      </a:r>
-                      <a:endParaRPr lang="fr-FR" sz="2400" dirty="0"/>
-                    </a:p>
-                  </a:txBody>
-                  <a:tcPr marT="60960" marB="60960"/>
-                </a:tc>
-                <a:tc gridSpan="2">
-                  <a:txBody>
-                    <a:bodyPr/>
-                    <a:lstStyle/>
-                    <a:p>
-                      <a:pPr algn="ctr"/>
-                      <a:r>
-                        <a:rPr lang="fr-FR" sz="2400" b="0" dirty="0" smtClean="0"/>
-                        <a:t>DLL</a:t>
-                      </a:r>
-                    </a:p>
-                    <a:p>
-                      <a:pPr algn="ctr"/>
-                      <a:endParaRPr lang="fr-FR" sz="2400" b="1" dirty="0" smtClean="0"/>
-                    </a:p>
-                    <a:p>
-                      <a:pPr algn="ctr"/>
-                      <a:endParaRPr lang="fr-FR" sz="2400" b="1" dirty="0" smtClean="0"/>
-                    </a:p>
-                    <a:p>
-                      <a:pPr algn="ctr"/>
-                      <a:endParaRPr lang="fr-FR" sz="2400" b="1" dirty="0" smtClean="0"/>
-                    </a:p>
-                    <a:p>
-                      <a:pPr algn="ctr"/>
-                      <a:endParaRPr lang="fr-FR" sz="2400" b="1" dirty="0" smtClean="0"/>
-                    </a:p>
-                    <a:p>
-                      <a:pPr algn="ctr"/>
-                      <a:endParaRPr lang="fr-FR" sz="2400" b="1" dirty="0" smtClean="0"/>
-                    </a:p>
-                    <a:p>
-                      <a:pPr algn="ctr"/>
-                      <a:r>
-                        <a:rPr lang="fr-FR" sz="2000" b="0" dirty="0" smtClean="0"/>
-                        <a:t>Requêtes</a:t>
-                      </a:r>
-                      <a:r>
-                        <a:rPr lang="fr-FR" sz="2000" b="0" baseline="0" dirty="0" smtClean="0"/>
-                        <a:t> HTTP</a:t>
-                      </a:r>
-                      <a:endParaRPr lang="fr-FR" sz="2000" b="0" dirty="0" smtClean="0"/>
-                    </a:p>
-                    <a:p>
-                      <a:pPr algn="ctr"/>
-                      <a:r>
-                        <a:rPr lang="fr-FR" sz="2000" b="0" dirty="0" smtClean="0"/>
-                        <a:t>Librairie</a:t>
-                      </a:r>
-                      <a:r>
-                        <a:rPr lang="fr-FR" sz="2000" b="0" baseline="0" dirty="0" smtClean="0"/>
-                        <a:t> : </a:t>
-                      </a:r>
-                      <a:r>
-                        <a:rPr lang="fr-FR" sz="2000" b="0" dirty="0" err="1" smtClean="0"/>
-                        <a:t>HappyHttp</a:t>
-                      </a:r>
-                      <a:endParaRPr lang="fr-FR" sz="2000" b="0" dirty="0" smtClean="0"/>
-                    </a:p>
-                  </a:txBody>
-                  <a:tcPr marT="60960" marB="60960"/>
-                </a:tc>
-                <a:tc hMerge="1">
-                  <a:txBody>
-                    <a:bodyPr/>
-                    <a:lstStyle/>
-                    <a:p>
-                      <a:endParaRPr lang="fr-FR" dirty="0"/>
-                    </a:p>
-                  </a:txBody>
-                  <a:tcPr/>
-                </a:tc>
-                <a:tc>
-                  <a:txBody>
-                    <a:bodyPr/>
-                    <a:lstStyle/>
-                    <a:p>
-                      <a:pPr algn="ctr"/>
-                      <a:r>
-                        <a:rPr lang="fr-FR" sz="2000" b="0" dirty="0" smtClean="0"/>
-                        <a:t>DLL</a:t>
-                      </a:r>
-                    </a:p>
-                    <a:p>
-                      <a:pPr algn="ctr"/>
-                      <a:endParaRPr lang="fr-FR" sz="2000" b="0" dirty="0" smtClean="0"/>
-                    </a:p>
-                    <a:p>
-                      <a:pPr algn="ctr"/>
-                      <a:endParaRPr lang="fr-FR" sz="2000" b="0" dirty="0" smtClean="0"/>
-                    </a:p>
-                    <a:p>
-                      <a:pPr algn="ctr"/>
-                      <a:endParaRPr lang="fr-FR" sz="2000" b="0" dirty="0" smtClean="0"/>
-                    </a:p>
-                    <a:p>
-                      <a:pPr algn="ctr"/>
-                      <a:endParaRPr lang="fr-FR" sz="2000" b="0" dirty="0" smtClean="0"/>
-                    </a:p>
-                    <a:p>
-                      <a:pPr algn="ctr"/>
-                      <a:endParaRPr lang="fr-FR" sz="2000" b="0" dirty="0" smtClean="0"/>
-                    </a:p>
-                    <a:p>
-                      <a:pPr algn="ctr"/>
-                      <a:endParaRPr lang="fr-FR" sz="2000" b="0" dirty="0" smtClean="0"/>
-                    </a:p>
-                    <a:p>
-                      <a:pPr algn="ctr"/>
-                      <a:r>
-                        <a:rPr lang="fr-FR" sz="2000" b="0" dirty="0" smtClean="0"/>
-                        <a:t>Librairie :</a:t>
-                      </a:r>
-                    </a:p>
-                    <a:p>
-                      <a:pPr algn="ctr"/>
-                      <a:endParaRPr lang="fr-FR" sz="2000" b="0" dirty="0" smtClean="0"/>
-                    </a:p>
-                    <a:p>
-                      <a:pPr algn="ctr"/>
-                      <a:endParaRPr lang="fr-FR" sz="2000" b="0" dirty="0" smtClean="0"/>
-                    </a:p>
-                    <a:p>
-                      <a:pPr algn="ctr"/>
-                      <a:endParaRPr lang="fr-FR" sz="2000" b="0" dirty="0" smtClean="0"/>
-                    </a:p>
-                  </a:txBody>
-                  <a:tcPr marT="60960" marB="60960"/>
-                </a:tc>
-              </a:tr>
-            </a:tbl>
-          </a:graphicData>
-        </a:graphic>
-      </p:graphicFrame>
+        </p:nvSpPr>
+        <p:spPr>
+          <a:xfrm>
+            <a:off x="581892" y="992917"/>
+            <a:ext cx="8409708" cy="541594"/>
+          </a:xfrm>
+        </p:spPr>
+        <p:txBody>
+          <a:bodyPr/>
+          <a:lstStyle/>
+          <a:p>
+            <a:r>
+              <a:rPr lang="fr-FR" dirty="0" smtClean="0"/>
+              <a:t>En janvier</a:t>
+            </a:r>
+            <a:endParaRPr lang="fr-FR" dirty="0"/>
+          </a:p>
+        </p:txBody>
+      </p:sp>
       <p:pic>
         <p:nvPicPr>
-          <p:cNvPr id="5" name="Image 4"/>
+          <p:cNvPr id="14" name="Image 13"/>
+          <p:cNvPicPr>
+            <a:picLocks noChangeAspect="1"/>
+          </p:cNvPicPr>
+          <p:nvPr/>
+        </p:nvPicPr>
+        <p:blipFill>
+          <a:blip r:embed="rId2">
+            <a:extLst>
+              <a:ext uri="{28A0092B-C50C-407E-A947-70E740481C1C}">
+                <a14:useLocalDpi xmlns:a14="http://schemas.microsoft.com/office/drawing/2010/main" val="0"/>
+              </a:ext>
+            </a:extLst>
+          </a:blip>
+          <a:stretch>
+            <a:fillRect/>
+          </a:stretch>
+        </p:blipFill>
+        <p:spPr>
+          <a:xfrm>
+            <a:off x="3384061" y="1667920"/>
+            <a:ext cx="1418468" cy="1268691"/>
+          </a:xfrm>
+          <a:prstGeom prst="rect">
+            <a:avLst/>
+          </a:prstGeom>
+        </p:spPr>
+      </p:pic>
+      <p:sp>
+        <p:nvSpPr>
+          <p:cNvPr id="23" name="Rectangle 22"/>
+          <p:cNvSpPr/>
+          <p:nvPr/>
+        </p:nvSpPr>
+        <p:spPr>
+          <a:xfrm>
+            <a:off x="2969843" y="3107703"/>
+            <a:ext cx="2194767" cy="752807"/>
+          </a:xfrm>
+          <a:prstGeom prst="rect">
+            <a:avLst/>
+          </a:prstGeom>
+          <a:noFill/>
+          <a:ln w="28575">
+            <a:solidFill>
+              <a:schemeClr val="tx2">
+                <a:lumMod val="75000"/>
+              </a:schemeClr>
+            </a:solidFill>
+          </a:ln>
+        </p:spPr>
+        <p:style>
+          <a:lnRef idx="1">
+            <a:schemeClr val="accent1"/>
+          </a:lnRef>
+          <a:fillRef idx="3">
+            <a:schemeClr val="accent1"/>
+          </a:fillRef>
+          <a:effectRef idx="2">
+            <a:schemeClr val="accent1"/>
+          </a:effectRef>
+          <a:fontRef idx="minor">
+            <a:schemeClr val="lt1"/>
+          </a:fontRef>
+        </p:style>
+        <p:txBody>
+          <a:bodyPr rtlCol="0" anchor="ctr"/>
+          <a:lstStyle/>
+          <a:p>
+            <a:pPr algn="ctr"/>
+            <a:endParaRPr lang="fr-FR"/>
+          </a:p>
+        </p:txBody>
+      </p:sp>
+      <p:sp>
+        <p:nvSpPr>
+          <p:cNvPr id="26" name="ZoneTexte 25"/>
+          <p:cNvSpPr txBox="1"/>
+          <p:nvPr/>
+        </p:nvSpPr>
+        <p:spPr>
+          <a:xfrm>
+            <a:off x="3184634" y="3301842"/>
+            <a:ext cx="1818289" cy="369332"/>
+          </a:xfrm>
+          <a:prstGeom prst="rect">
+            <a:avLst/>
+          </a:prstGeom>
+          <a:noFill/>
+        </p:spPr>
+        <p:txBody>
+          <a:bodyPr wrap="square" rtlCol="0">
+            <a:spAutoFit/>
+          </a:bodyPr>
+          <a:lstStyle/>
+          <a:p>
+            <a:pPr algn="ctr"/>
+            <a:r>
+              <a:rPr lang="fr-FR" dirty="0" smtClean="0">
+                <a:effectLst>
+                  <a:outerShdw blurRad="50800" dist="38100" dir="2700000" algn="tl" rotWithShape="0">
+                    <a:prstClr val="black">
+                      <a:alpha val="40000"/>
+                    </a:prstClr>
+                  </a:outerShdw>
+                </a:effectLst>
+              </a:rPr>
+              <a:t>IHM et Modèle</a:t>
+            </a:r>
+            <a:endParaRPr lang="fr-FR" dirty="0" smtClean="0">
+              <a:effectLst>
+                <a:outerShdw blurRad="50800" dist="38100" dir="2700000" algn="tl" rotWithShape="0">
+                  <a:prstClr val="black">
+                    <a:alpha val="40000"/>
+                  </a:prstClr>
+                </a:outerShdw>
+              </a:effectLst>
+            </a:endParaRPr>
+          </a:p>
+        </p:txBody>
+      </p:sp>
+      <p:pic>
+        <p:nvPicPr>
+          <p:cNvPr id="32" name="Image 31"/>
           <p:cNvPicPr>
             <a:picLocks noChangeAspect="1"/>
           </p:cNvPicPr>
@@ -12567,8 +15303,8 @@
         </p:blipFill>
         <p:spPr>
           <a:xfrm>
-            <a:off x="578204" y="3024342"/>
-            <a:ext cx="1603375" cy="1534553"/>
+            <a:off x="3498581" y="3680385"/>
+            <a:ext cx="1189427" cy="1138373"/>
           </a:xfrm>
           <a:prstGeom prst="rect">
             <a:avLst/>
@@ -12577,14 +15313,14 @@
       </p:pic>
       <p:pic>
         <p:nvPicPr>
-          <p:cNvPr id="9" name="Image 8"/>
+          <p:cNvPr id="19" name="Image 18"/>
           <p:cNvPicPr>
             <a:picLocks noChangeAspect="1"/>
           </p:cNvPicPr>
           <p:nvPr/>
         </p:nvPicPr>
         <p:blipFill>
-          <a:blip r:embed="rId4">
+          <a:blip r:embed="rId4" cstate="screen">
             <a:extLst>
               <a:ext uri="{28A0092B-C50C-407E-A947-70E740481C1C}">
                 <a14:useLocalDpi xmlns:a14="http://schemas.microsoft.com/office/drawing/2010/main" val="0"/>
@@ -12597,68 +15333,8 @@
         </p:blipFill>
         <p:spPr>
           <a:xfrm>
-            <a:off x="2279233" y="3059002"/>
-            <a:ext cx="1504795" cy="1465236"/>
-          </a:xfrm>
-          <a:prstGeom prst="rect">
-            <a:avLst/>
-          </a:prstGeom>
-        </p:spPr>
-      </p:pic>
-      <p:sp>
-        <p:nvSpPr>
-          <p:cNvPr id="10" name="ZoneTexte 9"/>
-          <p:cNvSpPr txBox="1"/>
-          <p:nvPr/>
-        </p:nvSpPr>
-        <p:spPr>
-          <a:xfrm>
-            <a:off x="8496300" y="6296025"/>
-            <a:ext cx="495300" cy="369332"/>
-          </a:xfrm>
-          <a:prstGeom prst="rect">
-            <a:avLst/>
-          </a:prstGeom>
-          <a:noFill/>
-        </p:spPr>
-        <p:txBody>
-          <a:bodyPr wrap="square" rtlCol="0">
-            <a:spAutoFit/>
-          </a:bodyPr>
-          <a:lstStyle/>
-          <a:p>
-            <a:r>
-              <a:rPr lang="fr-FR" dirty="0" smtClean="0"/>
-              <a:t>13</a:t>
-            </a:r>
-            <a:endParaRPr lang="fr-FR" dirty="0"/>
-          </a:p>
-        </p:txBody>
-      </p:sp>
-      <p:pic>
-        <p:nvPicPr>
-          <p:cNvPr id="7" name="Image 6"/>
-          <p:cNvPicPr>
-            <a:picLocks noChangeAspect="1"/>
-          </p:cNvPicPr>
-          <p:nvPr/>
-        </p:nvPicPr>
-        <p:blipFill>
-          <a:blip r:embed="rId4">
-            <a:extLst>
-              <a:ext uri="{28A0092B-C50C-407E-A947-70E740481C1C}">
-                <a14:useLocalDpi xmlns:a14="http://schemas.microsoft.com/office/drawing/2010/main" val="0"/>
-              </a:ext>
-            </a:extLst>
-          </a:blip>
-          <a:stretch>
-            <a:fillRect/>
-          </a:stretch>
-        </p:blipFill>
-        <p:spPr>
-          <a:xfrm>
-            <a:off x="4446589" y="3059001"/>
-            <a:ext cx="1504795" cy="1465236"/>
+            <a:off x="7853061" y="1429364"/>
+            <a:ext cx="679366" cy="510883"/>
           </a:xfrm>
           <a:prstGeom prst="rect">
             <a:avLst/>
@@ -12667,9 +15343,9 @@
       </p:pic>
       <p:pic>
         <p:nvPicPr>
-          <p:cNvPr id="1026" name="Picture 2"/>
+          <p:cNvPr id="20" name="Image 19"/>
           <p:cNvPicPr>
-            <a:picLocks noChangeAspect="1" noChangeArrowheads="1"/>
+            <a:picLocks noChangeAspect="1"/>
           </p:cNvPicPr>
           <p:nvPr/>
         </p:nvPicPr>
@@ -12681,54 +15357,30 @@
               </a:ext>
             </a:extLst>
           </a:blip>
-          <a:srcRect/>
           <a:stretch>
             <a:fillRect/>
           </a:stretch>
         </p:blipFill>
-        <p:spPr bwMode="auto">
-          <a:xfrm>
-            <a:off x="6964339" y="5132144"/>
-            <a:ext cx="728709" cy="728709"/>
-          </a:xfrm>
-          <a:prstGeom prst="rect">
-            <a:avLst/>
-          </a:prstGeom>
-          <a:noFill/>
-          <a:ln>
-            <a:noFill/>
-          </a:ln>
-          <a:extLst>
-            <a:ext uri="{909E8E84-426E-40DD-AFC4-6F175D3DCCD1}">
-              <a14:hiddenFill xmlns:a14="http://schemas.microsoft.com/office/drawing/2010/main">
-                <a:solidFill>
-                  <a:schemeClr val="accent1"/>
-                </a:solidFill>
-              </a14:hiddenFill>
-            </a:ext>
-            <a:ext uri="{91240B29-F687-4F45-9708-019B960494DF}">
-              <a14:hiddenLine xmlns:a14="http://schemas.microsoft.com/office/drawing/2010/main" w="9525">
-                <a:solidFill>
-                  <a:schemeClr val="tx1"/>
-                </a:solidFill>
-                <a:miter lim="800000"/>
-                <a:headEnd/>
-                <a:tailEnd/>
-              </a14:hiddenLine>
-            </a:ext>
-          </a:extLst>
+        <p:spPr>
+          <a:xfrm rot="10800000">
+            <a:off x="7007672" y="1477671"/>
+            <a:ext cx="402652" cy="402652"/>
+          </a:xfrm>
+          <a:prstGeom prst="rect">
+            <a:avLst/>
+          </a:prstGeom>
         </p:spPr>
       </p:pic>
       <p:pic>
         <p:nvPicPr>
-          <p:cNvPr id="11" name="Image 10"/>
+          <p:cNvPr id="21" name="Image 20"/>
           <p:cNvPicPr>
             <a:picLocks noChangeAspect="1"/>
           </p:cNvPicPr>
           <p:nvPr/>
         </p:nvPicPr>
         <p:blipFill>
-          <a:blip r:embed="rId4">
+          <a:blip r:embed="rId6" cstate="screen">
             <a:extLst>
               <a:ext uri="{28A0092B-C50C-407E-A947-70E740481C1C}">
                 <a14:useLocalDpi xmlns:a14="http://schemas.microsoft.com/office/drawing/2010/main" val="0"/>
@@ -12741,8 +15393,264 @@
         </p:blipFill>
         <p:spPr>
           <a:xfrm>
-            <a:off x="6572139" y="3085566"/>
-            <a:ext cx="1513107" cy="1473329"/>
+            <a:off x="5820537" y="1345601"/>
+            <a:ext cx="794871" cy="678410"/>
+          </a:xfrm>
+          <a:prstGeom prst="rect">
+            <a:avLst/>
+          </a:prstGeom>
+        </p:spPr>
+      </p:pic>
+      <p:pic>
+        <p:nvPicPr>
+          <p:cNvPr id="22" name="Image 21"/>
+          <p:cNvPicPr>
+            <a:picLocks noChangeAspect="1"/>
+          </p:cNvPicPr>
+          <p:nvPr/>
+        </p:nvPicPr>
+        <p:blipFill>
+          <a:blip r:embed="rId7" cstate="screen">
+            <a:extLst>
+              <a:ext uri="{28A0092B-C50C-407E-A947-70E740481C1C}">
+                <a14:useLocalDpi xmlns:a14="http://schemas.microsoft.com/office/drawing/2010/main" val="0"/>
+              </a:ext>
+            </a:extLst>
+          </a:blip>
+          <a:stretch>
+            <a:fillRect/>
+          </a:stretch>
+        </p:blipFill>
+        <p:spPr>
+          <a:xfrm>
+            <a:off x="5770113" y="2955379"/>
+            <a:ext cx="884715" cy="782731"/>
+          </a:xfrm>
+          <a:prstGeom prst="rect">
+            <a:avLst/>
+          </a:prstGeom>
+        </p:spPr>
+      </p:pic>
+      <p:pic>
+        <p:nvPicPr>
+          <p:cNvPr id="24" name="Image 23"/>
+          <p:cNvPicPr>
+            <a:picLocks noChangeAspect="1"/>
+          </p:cNvPicPr>
+          <p:nvPr/>
+        </p:nvPicPr>
+        <p:blipFill>
+          <a:blip r:embed="rId8" cstate="screen">
+            <a:extLst>
+              <a:ext uri="{28A0092B-C50C-407E-A947-70E740481C1C}">
+                <a14:useLocalDpi xmlns:a14="http://schemas.microsoft.com/office/drawing/2010/main" val="0"/>
+              </a:ext>
+            </a:extLst>
+          </a:blip>
+          <a:stretch>
+            <a:fillRect/>
+          </a:stretch>
+        </p:blipFill>
+        <p:spPr>
+          <a:xfrm>
+            <a:off x="5924313" y="2249583"/>
+            <a:ext cx="609960" cy="609960"/>
+          </a:xfrm>
+          <a:prstGeom prst="rect">
+            <a:avLst/>
+          </a:prstGeom>
+        </p:spPr>
+      </p:pic>
+      <p:pic>
+        <p:nvPicPr>
+          <p:cNvPr id="25" name="Image 24"/>
+          <p:cNvPicPr>
+            <a:picLocks noChangeAspect="1"/>
+          </p:cNvPicPr>
+          <p:nvPr/>
+        </p:nvPicPr>
+        <p:blipFill>
+          <a:blip r:embed="rId9" cstate="screen">
+            <a:extLst>
+              <a:ext uri="{28A0092B-C50C-407E-A947-70E740481C1C}">
+                <a14:useLocalDpi xmlns:a14="http://schemas.microsoft.com/office/drawing/2010/main" val="0"/>
+              </a:ext>
+            </a:extLst>
+          </a:blip>
+          <a:stretch>
+            <a:fillRect/>
+          </a:stretch>
+        </p:blipFill>
+        <p:spPr>
+          <a:xfrm>
+            <a:off x="7495922" y="3029753"/>
+            <a:ext cx="914419" cy="890380"/>
+          </a:xfrm>
+          <a:prstGeom prst="rect">
+            <a:avLst/>
+          </a:prstGeom>
+        </p:spPr>
+      </p:pic>
+      <p:sp>
+        <p:nvSpPr>
+          <p:cNvPr id="27" name="ZoneTexte 26"/>
+          <p:cNvSpPr txBox="1"/>
+          <p:nvPr/>
+        </p:nvSpPr>
+        <p:spPr>
+          <a:xfrm>
+            <a:off x="7012180" y="2213212"/>
+            <a:ext cx="1881906" cy="646331"/>
+          </a:xfrm>
+          <a:prstGeom prst="rect">
+            <a:avLst/>
+          </a:prstGeom>
+          <a:noFill/>
+        </p:spPr>
+        <p:txBody>
+          <a:bodyPr wrap="square" rtlCol="0">
+            <a:spAutoFit/>
+          </a:bodyPr>
+          <a:lstStyle/>
+          <a:p>
+            <a:pPr algn="ctr"/>
+            <a:r>
+              <a:rPr lang="fr-FR" dirty="0" smtClean="0">
+                <a:effectLst>
+                  <a:outerShdw blurRad="50800" dist="38100" dir="2700000" algn="tl" rotWithShape="0">
+                    <a:prstClr val="black">
+                      <a:alpha val="40000"/>
+                    </a:prstClr>
+                  </a:outerShdw>
+                </a:effectLst>
+              </a:rPr>
+              <a:t>RequeteHttp</a:t>
+            </a:r>
+          </a:p>
+          <a:p>
+            <a:pPr algn="ctr"/>
+            <a:r>
+              <a:rPr lang="fr-FR" dirty="0" smtClean="0">
+                <a:effectLst>
+                  <a:outerShdw blurRad="50800" dist="38100" dir="2700000" algn="tl" rotWithShape="0">
+                    <a:prstClr val="black">
+                      <a:alpha val="40000"/>
+                    </a:prstClr>
+                  </a:outerShdw>
+                </a:effectLst>
+              </a:rPr>
+              <a:t>DLL</a:t>
+            </a:r>
+            <a:endParaRPr lang="fr-FR" dirty="0" smtClean="0">
+              <a:effectLst>
+                <a:outerShdw blurRad="50800" dist="38100" dir="2700000" algn="tl" rotWithShape="0">
+                  <a:prstClr val="black">
+                    <a:alpha val="40000"/>
+                  </a:prstClr>
+                </a:outerShdw>
+              </a:effectLst>
+            </a:endParaRPr>
+          </a:p>
+        </p:txBody>
+      </p:sp>
+      <p:sp>
+        <p:nvSpPr>
+          <p:cNvPr id="28" name="Rectangle 27"/>
+          <p:cNvSpPr/>
+          <p:nvPr/>
+        </p:nvSpPr>
+        <p:spPr>
+          <a:xfrm>
+            <a:off x="7315779" y="4142516"/>
+            <a:ext cx="1274708" cy="369332"/>
+          </a:xfrm>
+          <a:prstGeom prst="rect">
+            <a:avLst/>
+          </a:prstGeom>
+        </p:spPr>
+        <p:txBody>
+          <a:bodyPr wrap="none">
+            <a:spAutoFit/>
+          </a:bodyPr>
+          <a:lstStyle/>
+          <a:p>
+            <a:pPr algn="ctr"/>
+            <a:r>
+              <a:rPr lang="fr-FR" dirty="0" err="1"/>
+              <a:t>HappyHttp</a:t>
+            </a:r>
+            <a:endParaRPr lang="fr-FR" dirty="0"/>
+          </a:p>
+        </p:txBody>
+      </p:sp>
+      <p:sp>
+        <p:nvSpPr>
+          <p:cNvPr id="29" name="Rectangle 28"/>
+          <p:cNvSpPr/>
+          <p:nvPr/>
+        </p:nvSpPr>
+        <p:spPr>
+          <a:xfrm>
+            <a:off x="5607347" y="1104253"/>
+            <a:ext cx="3263885" cy="4484982"/>
+          </a:xfrm>
+          <a:prstGeom prst="rect">
+            <a:avLst/>
+          </a:prstGeom>
+          <a:noFill/>
+          <a:ln w="28575">
+            <a:solidFill>
+              <a:srgbClr val="00B050"/>
+            </a:solidFill>
+          </a:ln>
+        </p:spPr>
+        <p:style>
+          <a:lnRef idx="1">
+            <a:schemeClr val="accent1"/>
+          </a:lnRef>
+          <a:fillRef idx="3">
+            <a:schemeClr val="accent1"/>
+          </a:fillRef>
+          <a:effectRef idx="2">
+            <a:schemeClr val="accent1"/>
+          </a:effectRef>
+          <a:fontRef idx="minor">
+            <a:schemeClr val="lt1"/>
+          </a:fontRef>
+        </p:style>
+        <p:txBody>
+          <a:bodyPr rtlCol="0" anchor="ctr"/>
+          <a:lstStyle/>
+          <a:p>
+            <a:pPr algn="ctr"/>
+            <a:endParaRPr lang="fr-FR"/>
+          </a:p>
+        </p:txBody>
+      </p:sp>
+      <p:pic>
+        <p:nvPicPr>
+          <p:cNvPr id="30" name="Image 29"/>
+          <p:cNvPicPr>
+            <a:picLocks noChangeAspect="1"/>
+          </p:cNvPicPr>
+          <p:nvPr/>
+        </p:nvPicPr>
+        <p:blipFill>
+          <a:blip r:embed="rId10" cstate="screen">
+            <a:extLst>
+              <a:ext uri="{28A0092B-C50C-407E-A947-70E740481C1C}">
+                <a14:useLocalDpi xmlns:a14="http://schemas.microsoft.com/office/drawing/2010/main" val="0"/>
+              </a:ext>
+            </a:extLst>
+          </a:blip>
+          <a:stretch>
+            <a:fillRect/>
+          </a:stretch>
+        </p:blipFill>
+        <p:spPr>
+          <a:xfrm rot="5400000">
+            <a:off x="5164610" y="3115808"/>
+            <a:ext cx="684643" cy="684643"/>
           </a:xfrm>
           <a:prstGeom prst="rect">
             <a:avLst/>
@@ -12752,7 +15660,7 @@
     </p:spTree>
     <p:extLst>
       <p:ext uri="{BB962C8B-B14F-4D97-AF65-F5344CB8AC3E}">
-        <p14:creationId xmlns:p14="http://schemas.microsoft.com/office/powerpoint/2010/main" val="3621920736"/>
+        <p14:creationId xmlns:p14="http://schemas.microsoft.com/office/powerpoint/2010/main" val="1667047114"/>
       </p:ext>
     </p:extLst>
   </p:cSld>
@@ -12800,49 +15708,32 @@
       </p:grpSpPr>
       <p:sp>
         <p:nvSpPr>
-          <p:cNvPr id="5" name="Titre 1"/>
-          <p:cNvSpPr txBox="1">
-            <a:spLocks/>
+          <p:cNvPr id="2" name="Titre 1"/>
+          <p:cNvSpPr>
+            <a:spLocks noGrp="1"/>
           </p:cNvSpPr>
-          <p:nvPr/>
-        </p:nvSpPr>
-        <p:spPr>
-          <a:xfrm>
-            <a:off x="633806" y="270929"/>
-            <a:ext cx="7876388" cy="571500"/>
-          </a:xfrm>
-          <a:prstGeom prst="rect">
-            <a:avLst/>
-          </a:prstGeom>
-        </p:spPr>
-        <p:txBody>
-          <a:bodyPr anchor="t">
-            <a:normAutofit/>
-          </a:bodyPr>
-          <a:lstStyle>
-            <a:lvl1pPr algn="l" defTabSz="457200" rtl="0" eaLnBrk="1" latinLnBrk="0" hangingPunct="1">
-              <a:lnSpc>
-                <a:spcPct val="90000"/>
-              </a:lnSpc>
-              <a:spcBef>
-                <a:spcPct val="0"/>
-              </a:spcBef>
-              <a:buNone/>
-              <a:defRPr sz="2700" b="1" i="0" kern="1200" cap="all" baseline="0">
-                <a:solidFill>
-                  <a:schemeClr val="bg2"/>
-                </a:solidFill>
-                <a:latin typeface="+mj-lt"/>
-                <a:ea typeface="+mj-ea"/>
-                <a:cs typeface="HelveticaNeueLT Com 57 Cn" panose="020B0506030502030204" pitchFamily="34" charset="0"/>
-              </a:defRPr>
-            </a:lvl1pPr>
-          </a:lstStyle>
+          <p:nvPr>
+            <p:ph type="title"/>
+          </p:nvPr>
+        </p:nvSpPr>
+        <p:spPr>
+          <a:xfrm>
+            <a:off x="633806" y="107931"/>
+            <a:ext cx="7876388" cy="1143000"/>
+          </a:xfrm>
+        </p:spPr>
+        <p:txBody>
+          <a:bodyPr/>
+          <a:lstStyle/>
           <a:p>
             <a:pPr algn="ctr"/>
             <a:r>
               <a:rPr lang="fr-FR" dirty="0" smtClean="0"/>
-              <a:t>III. Architecture</a:t>
+              <a:t>II. </a:t>
+            </a:r>
+            <a:r>
+              <a:rPr lang="fr-FR" dirty="0" err="1" smtClean="0"/>
+              <a:t>realisation</a:t>
             </a:r>
             <a:endParaRPr lang="fr-FR" dirty="0"/>
           </a:p>
@@ -12850,36 +15741,65 @@
       </p:sp>
       <p:sp>
         <p:nvSpPr>
-          <p:cNvPr id="7" name="ZoneTexte 6"/>
-          <p:cNvSpPr txBox="1"/>
-          <p:nvPr/>
-        </p:nvSpPr>
-        <p:spPr>
-          <a:xfrm>
-            <a:off x="8496300" y="6296025"/>
-            <a:ext cx="495300" cy="369332"/>
-          </a:xfrm>
-          <a:prstGeom prst="rect">
-            <a:avLst/>
-          </a:prstGeom>
-          <a:noFill/>
-        </p:spPr>
-        <p:txBody>
-          <a:bodyPr wrap="square" rtlCol="0">
-            <a:spAutoFit/>
-          </a:bodyPr>
+          <p:cNvPr id="3" name="Espace réservé du texte 2"/>
+          <p:cNvSpPr>
+            <a:spLocks noGrp="1"/>
+          </p:cNvSpPr>
+          <p:nvPr>
+            <p:ph type="body" sz="quarter" idx="10"/>
+          </p:nvPr>
+        </p:nvSpPr>
+        <p:spPr>
+          <a:xfrm>
+            <a:off x="581892" y="992917"/>
+            <a:ext cx="8409708" cy="541594"/>
+          </a:xfrm>
+        </p:spPr>
+        <p:txBody>
+          <a:bodyPr/>
           <a:lstStyle/>
           <a:p>
             <a:r>
-              <a:rPr lang="fr-FR" dirty="0"/>
-              <a:t>7</a:t>
-            </a:r>
+              <a:rPr lang="fr-FR" dirty="0" smtClean="0"/>
+              <a:t>Ce deuxième semestre</a:t>
+            </a:r>
+            <a:endParaRPr lang="fr-FR" dirty="0"/>
           </a:p>
         </p:txBody>
       </p:sp>
       <p:pic>
         <p:nvPicPr>
-          <p:cNvPr id="3" name="Image 2"/>
+          <p:cNvPr id="14" name="Image 13"/>
+          <p:cNvPicPr>
+            <a:picLocks noChangeAspect="1"/>
+          </p:cNvPicPr>
+          <p:nvPr/>
+        </p:nvPicPr>
+        <p:blipFill>
+          <a:blip r:embed="rId2">
+            <a:extLst>
+              <a:ext uri="{28A0092B-C50C-407E-A947-70E740481C1C}">
+                <a14:useLocalDpi xmlns:a14="http://schemas.microsoft.com/office/drawing/2010/main" val="0"/>
+              </a:ext>
+            </a:extLst>
+          </a:blip>
+          <a:stretch>
+            <a:fillRect/>
+          </a:stretch>
+        </p:blipFill>
+        <p:spPr>
+          <a:xfrm>
+            <a:off x="3384061" y="1667920"/>
+            <a:ext cx="1418468" cy="1268691"/>
+          </a:xfrm>
+          <a:prstGeom prst="rect">
+            <a:avLst/>
+          </a:prstGeom>
+        </p:spPr>
+      </p:pic>
+      <p:pic>
+        <p:nvPicPr>
+          <p:cNvPr id="8" name="Image 7"/>
           <p:cNvPicPr>
             <a:picLocks noChangeAspect="1"/>
           </p:cNvPicPr>
@@ -12909,7 +15829,7 @@
       </p:pic>
       <p:pic>
         <p:nvPicPr>
-          <p:cNvPr id="4" name="Image 3"/>
+          <p:cNvPr id="9" name="Image 8"/>
           <p:cNvPicPr>
             <a:picLocks noChangeAspect="1"/>
           </p:cNvPicPr>
@@ -12928,9 +15848,9 @@
           </a:stretch>
         </p:blipFill>
         <p:spPr>
-          <a:xfrm>
-            <a:off x="5770113" y="4708770"/>
-            <a:ext cx="875600" cy="875600"/>
+          <a:xfrm rot="10800000">
+            <a:off x="7007672" y="1477671"/>
+            <a:ext cx="402652" cy="402652"/>
           </a:xfrm>
           <a:prstGeom prst="rect">
             <a:avLst/>
@@ -12939,7 +15859,7 @@
       </p:pic>
       <p:pic>
         <p:nvPicPr>
-          <p:cNvPr id="6" name="Image 5"/>
+          <p:cNvPr id="10" name="Image 9"/>
           <p:cNvPicPr>
             <a:picLocks noChangeAspect="1"/>
           </p:cNvPicPr>
@@ -12958,9 +15878,9 @@
           </a:stretch>
         </p:blipFill>
         <p:spPr>
-          <a:xfrm rot="10800000">
-            <a:off x="7007672" y="1477671"/>
-            <a:ext cx="402652" cy="402652"/>
+          <a:xfrm>
+            <a:off x="5820537" y="1345601"/>
+            <a:ext cx="794871" cy="678410"/>
           </a:xfrm>
           <a:prstGeom prst="rect">
             <a:avLst/>
@@ -12969,7 +15889,7 @@
       </p:pic>
       <p:pic>
         <p:nvPicPr>
-          <p:cNvPr id="8" name="Image 7"/>
+          <p:cNvPr id="11" name="Image 10"/>
           <p:cNvPicPr>
             <a:picLocks noChangeAspect="1"/>
           </p:cNvPicPr>
@@ -12989,8 +15909,8 @@
         </p:blipFill>
         <p:spPr>
           <a:xfrm>
-            <a:off x="5820537" y="1345601"/>
-            <a:ext cx="794871" cy="678410"/>
+            <a:off x="5770113" y="2955379"/>
+            <a:ext cx="884715" cy="782731"/>
           </a:xfrm>
           <a:prstGeom prst="rect">
             <a:avLst/>
@@ -12999,7 +15919,7 @@
       </p:pic>
       <p:pic>
         <p:nvPicPr>
-          <p:cNvPr id="9" name="Image 8"/>
+          <p:cNvPr id="12" name="Image 11"/>
           <p:cNvPicPr>
             <a:picLocks noChangeAspect="1"/>
           </p:cNvPicPr>
@@ -13019,24 +15939,254 @@
         </p:blipFill>
         <p:spPr>
           <a:xfrm>
-            <a:off x="5770113" y="2955379"/>
-            <a:ext cx="884715" cy="782731"/>
+            <a:off x="5924313" y="2249583"/>
+            <a:ext cx="609960" cy="609960"/>
           </a:xfrm>
           <a:prstGeom prst="rect">
             <a:avLst/>
           </a:prstGeom>
         </p:spPr>
       </p:pic>
+      <p:sp>
+        <p:nvSpPr>
+          <p:cNvPr id="18" name="Rectangle 17"/>
+          <p:cNvSpPr/>
+          <p:nvPr/>
+        </p:nvSpPr>
+        <p:spPr>
+          <a:xfrm>
+            <a:off x="2969843" y="3107703"/>
+            <a:ext cx="967141" cy="752807"/>
+          </a:xfrm>
+          <a:prstGeom prst="rect">
+            <a:avLst/>
+          </a:prstGeom>
+          <a:noFill/>
+          <a:ln w="28575">
+            <a:solidFill>
+              <a:schemeClr val="tx2">
+                <a:lumMod val="75000"/>
+              </a:schemeClr>
+            </a:solidFill>
+          </a:ln>
+        </p:spPr>
+        <p:style>
+          <a:lnRef idx="1">
+            <a:schemeClr val="accent1"/>
+          </a:lnRef>
+          <a:fillRef idx="3">
+            <a:schemeClr val="accent1"/>
+          </a:fillRef>
+          <a:effectRef idx="2">
+            <a:schemeClr val="accent1"/>
+          </a:effectRef>
+          <a:fontRef idx="minor">
+            <a:schemeClr val="lt1"/>
+          </a:fontRef>
+        </p:style>
+        <p:txBody>
+          <a:bodyPr rtlCol="0" anchor="ctr"/>
+          <a:lstStyle/>
+          <a:p>
+            <a:pPr algn="ctr"/>
+            <a:endParaRPr lang="fr-FR"/>
+          </a:p>
+        </p:txBody>
+      </p:sp>
+      <p:sp>
+        <p:nvSpPr>
+          <p:cNvPr id="19" name="Rectangle 18"/>
+          <p:cNvSpPr/>
+          <p:nvPr/>
+        </p:nvSpPr>
+        <p:spPr>
+          <a:xfrm>
+            <a:off x="4197469" y="3112697"/>
+            <a:ext cx="967141" cy="752807"/>
+          </a:xfrm>
+          <a:prstGeom prst="rect">
+            <a:avLst/>
+          </a:prstGeom>
+          <a:noFill/>
+          <a:ln w="28575">
+            <a:solidFill>
+              <a:schemeClr val="accent1">
+                <a:lumMod val="60000"/>
+                <a:lumOff val="40000"/>
+              </a:schemeClr>
+            </a:solidFill>
+          </a:ln>
+        </p:spPr>
+        <p:style>
+          <a:lnRef idx="1">
+            <a:schemeClr val="accent1"/>
+          </a:lnRef>
+          <a:fillRef idx="3">
+            <a:schemeClr val="accent1"/>
+          </a:fillRef>
+          <a:effectRef idx="2">
+            <a:schemeClr val="accent1"/>
+          </a:effectRef>
+          <a:fontRef idx="minor">
+            <a:schemeClr val="lt1"/>
+          </a:fontRef>
+        </p:style>
+        <p:txBody>
+          <a:bodyPr rtlCol="0" anchor="ctr"/>
+          <a:lstStyle/>
+          <a:p>
+            <a:pPr algn="ctr"/>
+            <a:endParaRPr lang="fr-FR"/>
+          </a:p>
+        </p:txBody>
+      </p:sp>
+      <p:sp>
+        <p:nvSpPr>
+          <p:cNvPr id="20" name="ZoneTexte 19"/>
+          <p:cNvSpPr txBox="1"/>
+          <p:nvPr/>
+        </p:nvSpPr>
+        <p:spPr>
+          <a:xfrm>
+            <a:off x="3105628" y="3290277"/>
+            <a:ext cx="695569" cy="369332"/>
+          </a:xfrm>
+          <a:prstGeom prst="rect">
+            <a:avLst/>
+          </a:prstGeom>
+          <a:noFill/>
+        </p:spPr>
+        <p:txBody>
+          <a:bodyPr wrap="square" rtlCol="0">
+            <a:spAutoFit/>
+          </a:bodyPr>
+          <a:lstStyle/>
+          <a:p>
+            <a:pPr algn="ctr"/>
+            <a:r>
+              <a:rPr lang="fr-FR" dirty="0" smtClean="0">
+                <a:effectLst>
+                  <a:outerShdw blurRad="50800" dist="38100" dir="2700000" algn="tl" rotWithShape="0">
+                    <a:prstClr val="black">
+                      <a:alpha val="40000"/>
+                    </a:prstClr>
+                  </a:outerShdw>
+                </a:effectLst>
+              </a:rPr>
+              <a:t>IHM</a:t>
+            </a:r>
+          </a:p>
+        </p:txBody>
+      </p:sp>
+      <p:sp>
+        <p:nvSpPr>
+          <p:cNvPr id="21" name="ZoneTexte 20"/>
+          <p:cNvSpPr txBox="1"/>
+          <p:nvPr/>
+        </p:nvSpPr>
+        <p:spPr>
+          <a:xfrm>
+            <a:off x="4213274" y="3163764"/>
+            <a:ext cx="935529" cy="646331"/>
+          </a:xfrm>
+          <a:prstGeom prst="rect">
+            <a:avLst/>
+          </a:prstGeom>
+          <a:noFill/>
+        </p:spPr>
+        <p:txBody>
+          <a:bodyPr wrap="square" rtlCol="0">
+            <a:spAutoFit/>
+          </a:bodyPr>
+          <a:lstStyle/>
+          <a:p>
+            <a:pPr algn="ctr"/>
+            <a:r>
+              <a:rPr lang="fr-FR" dirty="0" smtClean="0">
+                <a:effectLst>
+                  <a:outerShdw blurRad="50800" dist="38100" dir="2700000" algn="tl" rotWithShape="0">
+                    <a:prstClr val="black">
+                      <a:alpha val="40000"/>
+                    </a:prstClr>
+                  </a:outerShdw>
+                </a:effectLst>
+              </a:rPr>
+              <a:t>Modèle</a:t>
+            </a:r>
+          </a:p>
+          <a:p>
+            <a:pPr algn="ctr"/>
+            <a:r>
+              <a:rPr lang="fr-FR" dirty="0" smtClean="0">
+                <a:effectLst>
+                  <a:outerShdw blurRad="50800" dist="38100" dir="2700000" algn="tl" rotWithShape="0">
+                    <a:prstClr val="black">
+                      <a:alpha val="40000"/>
+                    </a:prstClr>
+                  </a:outerShdw>
+                </a:effectLst>
+              </a:rPr>
+              <a:t>DLL</a:t>
+            </a:r>
+            <a:endParaRPr lang="fr-FR" dirty="0" smtClean="0">
+              <a:effectLst>
+                <a:outerShdw blurRad="50800" dist="38100" dir="2700000" algn="tl" rotWithShape="0">
+                  <a:prstClr val="black">
+                    <a:alpha val="40000"/>
+                  </a:prstClr>
+                </a:outerShdw>
+              </a:effectLst>
+            </a:endParaRPr>
+          </a:p>
+        </p:txBody>
+      </p:sp>
+      <p:cxnSp>
+        <p:nvCxnSpPr>
+          <p:cNvPr id="22" name="Connecteur droit avec flèche 21"/>
+          <p:cNvCxnSpPr>
+            <a:stCxn id="18" idx="3"/>
+            <a:endCxn id="19" idx="1"/>
+          </p:cNvCxnSpPr>
+          <p:nvPr/>
+        </p:nvCxnSpPr>
+        <p:spPr>
+          <a:xfrm>
+            <a:off x="3936984" y="3484107"/>
+            <a:ext cx="260485" cy="4994"/>
+          </a:xfrm>
+          <a:prstGeom prst="straightConnector1">
+            <a:avLst/>
+          </a:prstGeom>
+          <a:ln>
+            <a:headEnd type="triangle"/>
+            <a:tailEnd type="triangle"/>
+          </a:ln>
+        </p:spPr>
+        <p:style>
+          <a:lnRef idx="2">
+            <a:schemeClr val="dk1"/>
+          </a:lnRef>
+          <a:fillRef idx="0">
+            <a:schemeClr val="dk1"/>
+          </a:fillRef>
+          <a:effectRef idx="1">
+            <a:schemeClr val="dk1"/>
+          </a:effectRef>
+          <a:fontRef idx="minor">
+            <a:schemeClr val="tx1"/>
+          </a:fontRef>
+        </p:style>
+      </p:cxnSp>
       <p:pic>
         <p:nvPicPr>
-          <p:cNvPr id="10" name="Image 9"/>
+          <p:cNvPr id="24" name="Image 23"/>
           <p:cNvPicPr>
             <a:picLocks noChangeAspect="1"/>
           </p:cNvPicPr>
           <p:nvPr/>
         </p:nvPicPr>
         <p:blipFill>
-          <a:blip r:embed="rId8">
+          <a:blip r:embed="rId8" cstate="screen">
             <a:extLst>
               <a:ext uri="{28A0092B-C50C-407E-A947-70E740481C1C}">
                 <a14:useLocalDpi xmlns:a14="http://schemas.microsoft.com/office/drawing/2010/main" val="0"/>
@@ -13049,8 +16199,8 @@
         </p:blipFill>
         <p:spPr>
           <a:xfrm>
-            <a:off x="3384061" y="1667920"/>
-            <a:ext cx="1418468" cy="1268691"/>
+            <a:off x="4304840" y="3975672"/>
+            <a:ext cx="752398" cy="732618"/>
           </a:xfrm>
           <a:prstGeom prst="rect">
             <a:avLst/>
@@ -13059,7 +16209,7 @@
       </p:pic>
       <p:pic>
         <p:nvPicPr>
-          <p:cNvPr id="11" name="Image 10"/>
+          <p:cNvPr id="25" name="Image 24"/>
           <p:cNvPicPr>
             <a:picLocks noChangeAspect="1"/>
           </p:cNvPicPr>
@@ -13079,8 +16229,8 @@
         </p:blipFill>
         <p:spPr>
           <a:xfrm>
-            <a:off x="244061" y="2851916"/>
-            <a:ext cx="1131791" cy="1257135"/>
+            <a:off x="2992160" y="3910739"/>
+            <a:ext cx="922503" cy="882906"/>
           </a:xfrm>
           <a:prstGeom prst="rect">
             <a:avLst/>
@@ -13089,7 +16239,7 @@
       </p:pic>
       <p:pic>
         <p:nvPicPr>
-          <p:cNvPr id="12" name="Image 11"/>
+          <p:cNvPr id="27" name="Image 26"/>
           <p:cNvPicPr>
             <a:picLocks noChangeAspect="1"/>
           </p:cNvPicPr>
@@ -13109,14 +16259,150 @@
         </p:blipFill>
         <p:spPr>
           <a:xfrm>
-            <a:off x="5924313" y="2249583"/>
-            <a:ext cx="609960" cy="609960"/>
+            <a:off x="7495922" y="3029753"/>
+            <a:ext cx="914419" cy="890380"/>
           </a:xfrm>
           <a:prstGeom prst="rect">
             <a:avLst/>
           </a:prstGeom>
         </p:spPr>
       </p:pic>
+      <p:sp>
+        <p:nvSpPr>
+          <p:cNvPr id="28" name="ZoneTexte 27"/>
+          <p:cNvSpPr txBox="1"/>
+          <p:nvPr/>
+        </p:nvSpPr>
+        <p:spPr>
+          <a:xfrm>
+            <a:off x="7012180" y="2213212"/>
+            <a:ext cx="1881906" cy="646331"/>
+          </a:xfrm>
+          <a:prstGeom prst="rect">
+            <a:avLst/>
+          </a:prstGeom>
+          <a:noFill/>
+        </p:spPr>
+        <p:txBody>
+          <a:bodyPr wrap="square" rtlCol="0">
+            <a:spAutoFit/>
+          </a:bodyPr>
+          <a:lstStyle/>
+          <a:p>
+            <a:pPr algn="ctr"/>
+            <a:r>
+              <a:rPr lang="fr-FR" dirty="0" smtClean="0">
+                <a:effectLst>
+                  <a:outerShdw blurRad="50800" dist="38100" dir="2700000" algn="tl" rotWithShape="0">
+                    <a:prstClr val="black">
+                      <a:alpha val="40000"/>
+                    </a:prstClr>
+                  </a:outerShdw>
+                </a:effectLst>
+              </a:rPr>
+              <a:t>RequeteHttp</a:t>
+            </a:r>
+          </a:p>
+          <a:p>
+            <a:pPr algn="ctr"/>
+            <a:r>
+              <a:rPr lang="fr-FR" dirty="0" smtClean="0">
+                <a:effectLst>
+                  <a:outerShdw blurRad="50800" dist="38100" dir="2700000" algn="tl" rotWithShape="0">
+                    <a:prstClr val="black">
+                      <a:alpha val="40000"/>
+                    </a:prstClr>
+                  </a:outerShdw>
+                </a:effectLst>
+              </a:rPr>
+              <a:t>DLL</a:t>
+            </a:r>
+            <a:endParaRPr lang="fr-FR" dirty="0" smtClean="0">
+              <a:effectLst>
+                <a:outerShdw blurRad="50800" dist="38100" dir="2700000" algn="tl" rotWithShape="0">
+                  <a:prstClr val="black">
+                    <a:alpha val="40000"/>
+                  </a:prstClr>
+                </a:outerShdw>
+              </a:effectLst>
+            </a:endParaRPr>
+          </a:p>
+        </p:txBody>
+      </p:sp>
+      <p:sp>
+        <p:nvSpPr>
+          <p:cNvPr id="29" name="Rectangle 28"/>
+          <p:cNvSpPr/>
+          <p:nvPr/>
+        </p:nvSpPr>
+        <p:spPr>
+          <a:xfrm>
+            <a:off x="7315779" y="4142516"/>
+            <a:ext cx="1274708" cy="369332"/>
+          </a:xfrm>
+          <a:prstGeom prst="rect">
+            <a:avLst/>
+          </a:prstGeom>
+        </p:spPr>
+        <p:txBody>
+          <a:bodyPr wrap="none">
+            <a:spAutoFit/>
+          </a:bodyPr>
+          <a:lstStyle/>
+          <a:p>
+            <a:pPr algn="ctr"/>
+            <a:r>
+              <a:rPr lang="fr-FR" dirty="0" err="1"/>
+              <a:t>HappyHttp</a:t>
+            </a:r>
+            <a:endParaRPr lang="fr-FR" dirty="0"/>
+          </a:p>
+        </p:txBody>
+      </p:sp>
+      <p:sp>
+        <p:nvSpPr>
+          <p:cNvPr id="30" name="Rectangle 29"/>
+          <p:cNvSpPr/>
+          <p:nvPr/>
+        </p:nvSpPr>
+        <p:spPr>
+          <a:xfrm>
+            <a:off x="5607347" y="1104253"/>
+            <a:ext cx="3263885" cy="4484982"/>
+          </a:xfrm>
+          <a:prstGeom prst="rect">
+            <a:avLst/>
+          </a:prstGeom>
+          <a:noFill/>
+          <a:ln w="28575">
+            <a:solidFill>
+              <a:srgbClr val="00B050"/>
+            </a:solidFill>
+          </a:ln>
+        </p:spPr>
+        <p:style>
+          <a:lnRef idx="1">
+            <a:schemeClr val="accent1"/>
+          </a:lnRef>
+          <a:fillRef idx="3">
+            <a:schemeClr val="accent1"/>
+          </a:fillRef>
+          <a:effectRef idx="2">
+            <a:schemeClr val="accent1"/>
+          </a:effectRef>
+          <a:fontRef idx="minor">
+            <a:schemeClr val="lt1"/>
+          </a:fontRef>
+        </p:style>
+        <p:txBody>
+          <a:bodyPr rtlCol="0" anchor="ctr"/>
+          <a:lstStyle/>
+          <a:p>
+            <a:pPr algn="ctr"/>
+            <a:endParaRPr lang="fr-FR"/>
+          </a:p>
+        </p:txBody>
+      </p:sp>
       <p:pic>
         <p:nvPicPr>
           <p:cNvPr id="13" name="Image 12"/>
@@ -13138,307 +16424,6 @@
           </a:stretch>
         </p:blipFill>
         <p:spPr>
-          <a:xfrm>
-            <a:off x="6885659" y="4913125"/>
-            <a:ext cx="646679" cy="409867"/>
-          </a:xfrm>
-          <a:prstGeom prst="rect">
-            <a:avLst/>
-          </a:prstGeom>
-        </p:spPr>
-      </p:pic>
-      <p:pic>
-        <p:nvPicPr>
-          <p:cNvPr id="15" name="Image 14"/>
-          <p:cNvPicPr>
-            <a:picLocks noChangeAspect="1"/>
-          </p:cNvPicPr>
-          <p:nvPr/>
-        </p:nvPicPr>
-        <p:blipFill>
-          <a:blip r:embed="rId10" cstate="screen">
-            <a:extLst>
-              <a:ext uri="{28A0092B-C50C-407E-A947-70E740481C1C}">
-                <a14:useLocalDpi xmlns:a14="http://schemas.microsoft.com/office/drawing/2010/main" val="0"/>
-              </a:ext>
-            </a:extLst>
-          </a:blip>
-          <a:stretch>
-            <a:fillRect/>
-          </a:stretch>
-        </p:blipFill>
-        <p:spPr>
-          <a:xfrm rot="10800000">
-            <a:off x="5924312" y="4037833"/>
-            <a:ext cx="609960" cy="609960"/>
-          </a:xfrm>
-          <a:prstGeom prst="rect">
-            <a:avLst/>
-          </a:prstGeom>
-        </p:spPr>
-      </p:pic>
-      <p:pic>
-        <p:nvPicPr>
-          <p:cNvPr id="18" name="Image 17"/>
-          <p:cNvPicPr>
-            <a:picLocks noChangeAspect="1"/>
-          </p:cNvPicPr>
-          <p:nvPr/>
-        </p:nvPicPr>
-        <p:blipFill>
-          <a:blip r:embed="rId12" cstate="screen">
-            <a:extLst>
-              <a:ext uri="{28A0092B-C50C-407E-A947-70E740481C1C}">
-                <a14:useLocalDpi xmlns:a14="http://schemas.microsoft.com/office/drawing/2010/main" val="0"/>
-              </a:ext>
-            </a:extLst>
-          </a:blip>
-          <a:stretch>
-            <a:fillRect/>
-          </a:stretch>
-        </p:blipFill>
-        <p:spPr>
-          <a:xfrm>
-            <a:off x="1733496" y="3558144"/>
-            <a:ext cx="920615" cy="226061"/>
-          </a:xfrm>
-          <a:prstGeom prst="rect">
-            <a:avLst/>
-          </a:prstGeom>
-        </p:spPr>
-      </p:pic>
-      <p:pic>
-        <p:nvPicPr>
-          <p:cNvPr id="19" name="Image 18"/>
-          <p:cNvPicPr>
-            <a:picLocks noChangeAspect="1"/>
-          </p:cNvPicPr>
-          <p:nvPr/>
-        </p:nvPicPr>
-        <p:blipFill>
-          <a:blip r:embed="rId13" cstate="screen">
-            <a:extLst>
-              <a:ext uri="{28A0092B-C50C-407E-A947-70E740481C1C}">
-                <a14:useLocalDpi xmlns:a14="http://schemas.microsoft.com/office/drawing/2010/main" val="0"/>
-              </a:ext>
-            </a:extLst>
-          </a:blip>
-          <a:stretch>
-            <a:fillRect/>
-          </a:stretch>
-        </p:blipFill>
-        <p:spPr>
-          <a:xfrm>
-            <a:off x="7906150" y="4823774"/>
-            <a:ext cx="613499" cy="613499"/>
-          </a:xfrm>
-          <a:prstGeom prst="rect">
-            <a:avLst/>
-          </a:prstGeom>
-        </p:spPr>
-      </p:pic>
-      <p:sp>
-        <p:nvSpPr>
-          <p:cNvPr id="20" name="Rectangle 19"/>
-          <p:cNvSpPr/>
-          <p:nvPr/>
-        </p:nvSpPr>
-        <p:spPr>
-          <a:xfrm>
-            <a:off x="5607347" y="1104253"/>
-            <a:ext cx="3263885" cy="4484982"/>
-          </a:xfrm>
-          <a:prstGeom prst="rect">
-            <a:avLst/>
-          </a:prstGeom>
-          <a:noFill/>
-          <a:ln w="28575">
-            <a:solidFill>
-              <a:srgbClr val="00B050"/>
-            </a:solidFill>
-          </a:ln>
-        </p:spPr>
-        <p:style>
-          <a:lnRef idx="1">
-            <a:schemeClr val="accent1"/>
-          </a:lnRef>
-          <a:fillRef idx="3">
-            <a:schemeClr val="accent1"/>
-          </a:fillRef>
-          <a:effectRef idx="2">
-            <a:schemeClr val="accent1"/>
-          </a:effectRef>
-          <a:fontRef idx="minor">
-            <a:schemeClr val="lt1"/>
-          </a:fontRef>
-        </p:style>
-        <p:txBody>
-          <a:bodyPr rtlCol="0" anchor="ctr"/>
-          <a:lstStyle/>
-          <a:p>
-            <a:pPr algn="ctr"/>
-            <a:endParaRPr lang="fr-FR"/>
-          </a:p>
-        </p:txBody>
-      </p:sp>
-      <p:sp>
-        <p:nvSpPr>
-          <p:cNvPr id="22" name="Rectangle 21"/>
-          <p:cNvSpPr/>
-          <p:nvPr/>
-        </p:nvSpPr>
-        <p:spPr>
-          <a:xfrm>
-            <a:off x="139158" y="2472104"/>
-            <a:ext cx="2688492" cy="2011069"/>
-          </a:xfrm>
-          <a:prstGeom prst="rect">
-            <a:avLst/>
-          </a:prstGeom>
-          <a:noFill/>
-          <a:ln w="28575">
-            <a:solidFill>
-              <a:srgbClr val="00B0F0"/>
-            </a:solidFill>
-          </a:ln>
-        </p:spPr>
-        <p:style>
-          <a:lnRef idx="1">
-            <a:schemeClr val="accent1"/>
-          </a:lnRef>
-          <a:fillRef idx="3">
-            <a:schemeClr val="accent1"/>
-          </a:fillRef>
-          <a:effectRef idx="2">
-            <a:schemeClr val="accent1"/>
-          </a:effectRef>
-          <a:fontRef idx="minor">
-            <a:schemeClr val="lt1"/>
-          </a:fontRef>
-        </p:style>
-        <p:txBody>
-          <a:bodyPr rtlCol="0" anchor="ctr"/>
-          <a:lstStyle/>
-          <a:p>
-            <a:pPr algn="ctr"/>
-            <a:endParaRPr lang="fr-FR"/>
-          </a:p>
-        </p:txBody>
-      </p:sp>
-      <p:sp>
-        <p:nvSpPr>
-          <p:cNvPr id="23" name="Rectangle 22"/>
-          <p:cNvSpPr/>
-          <p:nvPr/>
-        </p:nvSpPr>
-        <p:spPr>
-          <a:xfrm>
-            <a:off x="2969843" y="3107703"/>
-            <a:ext cx="967141" cy="752807"/>
-          </a:xfrm>
-          <a:prstGeom prst="rect">
-            <a:avLst/>
-          </a:prstGeom>
-          <a:noFill/>
-          <a:ln w="28575">
-            <a:solidFill>
-              <a:schemeClr val="tx2">
-                <a:lumMod val="75000"/>
-              </a:schemeClr>
-            </a:solidFill>
-          </a:ln>
-        </p:spPr>
-        <p:style>
-          <a:lnRef idx="1">
-            <a:schemeClr val="accent1"/>
-          </a:lnRef>
-          <a:fillRef idx="3">
-            <a:schemeClr val="accent1"/>
-          </a:fillRef>
-          <a:effectRef idx="2">
-            <a:schemeClr val="accent1"/>
-          </a:effectRef>
-          <a:fontRef idx="minor">
-            <a:schemeClr val="lt1"/>
-          </a:fontRef>
-        </p:style>
-        <p:txBody>
-          <a:bodyPr rtlCol="0" anchor="ctr"/>
-          <a:lstStyle/>
-          <a:p>
-            <a:pPr algn="ctr"/>
-            <a:endParaRPr lang="fr-FR"/>
-          </a:p>
-        </p:txBody>
-      </p:sp>
-      <p:sp>
-        <p:nvSpPr>
-          <p:cNvPr id="24" name="Rectangle 23"/>
-          <p:cNvSpPr/>
-          <p:nvPr/>
-        </p:nvSpPr>
-        <p:spPr>
-          <a:xfrm>
-            <a:off x="4197469" y="3112697"/>
-            <a:ext cx="967141" cy="752807"/>
-          </a:xfrm>
-          <a:prstGeom prst="rect">
-            <a:avLst/>
-          </a:prstGeom>
-          <a:noFill/>
-          <a:ln w="28575">
-            <a:solidFill>
-              <a:schemeClr val="accent1">
-                <a:lumMod val="60000"/>
-                <a:lumOff val="40000"/>
-              </a:schemeClr>
-            </a:solidFill>
-          </a:ln>
-        </p:spPr>
-        <p:style>
-          <a:lnRef idx="1">
-            <a:schemeClr val="accent1"/>
-          </a:lnRef>
-          <a:fillRef idx="3">
-            <a:schemeClr val="accent1"/>
-          </a:fillRef>
-          <a:effectRef idx="2">
-            <a:schemeClr val="accent1"/>
-          </a:effectRef>
-          <a:fontRef idx="minor">
-            <a:schemeClr val="lt1"/>
-          </a:fontRef>
-        </p:style>
-        <p:txBody>
-          <a:bodyPr rtlCol="0" anchor="ctr"/>
-          <a:lstStyle/>
-          <a:p>
-            <a:pPr algn="ctr"/>
-            <a:endParaRPr lang="fr-FR"/>
-          </a:p>
-        </p:txBody>
-      </p:sp>
-      <p:pic>
-        <p:nvPicPr>
-          <p:cNvPr id="14" name="Image 13"/>
-          <p:cNvPicPr>
-            <a:picLocks noChangeAspect="1"/>
-          </p:cNvPicPr>
-          <p:nvPr/>
-        </p:nvPicPr>
-        <p:blipFill>
-          <a:blip r:embed="rId14" cstate="screen">
-            <a:extLst>
-              <a:ext uri="{28A0092B-C50C-407E-A947-70E740481C1C}">
-                <a14:useLocalDpi xmlns:a14="http://schemas.microsoft.com/office/drawing/2010/main" val="0"/>
-              </a:ext>
-            </a:extLst>
-          </a:blip>
-          <a:stretch>
-            <a:fillRect/>
-          </a:stretch>
-        </p:blipFill>
-        <p:spPr>
           <a:xfrm rot="5400000">
             <a:off x="5164610" y="3115808"/>
             <a:ext cx="684643" cy="684643"/>
@@ -13448,250 +16433,10 @@
           </a:prstGeom>
         </p:spPr>
       </p:pic>
-      <p:sp>
-        <p:nvSpPr>
-          <p:cNvPr id="25" name="ZoneTexte 24"/>
-          <p:cNvSpPr txBox="1"/>
-          <p:nvPr/>
-        </p:nvSpPr>
-        <p:spPr>
-          <a:xfrm>
-            <a:off x="3105628" y="3290277"/>
-            <a:ext cx="695569" cy="369332"/>
-          </a:xfrm>
-          <a:prstGeom prst="rect">
-            <a:avLst/>
-          </a:prstGeom>
-          <a:noFill/>
-        </p:spPr>
-        <p:txBody>
-          <a:bodyPr wrap="square" rtlCol="0">
-            <a:spAutoFit/>
-          </a:bodyPr>
-          <a:lstStyle/>
-          <a:p>
-            <a:pPr algn="ctr"/>
-            <a:r>
-              <a:rPr lang="fr-FR" dirty="0" smtClean="0">
-                <a:effectLst>
-                  <a:outerShdw blurRad="50800" dist="38100" dir="2700000" algn="tl" rotWithShape="0">
-                    <a:prstClr val="black">
-                      <a:alpha val="40000"/>
-                    </a:prstClr>
-                  </a:outerShdw>
-                </a:effectLst>
-              </a:rPr>
-              <a:t>IHM</a:t>
-            </a:r>
-          </a:p>
-        </p:txBody>
-      </p:sp>
-      <p:sp>
-        <p:nvSpPr>
-          <p:cNvPr id="26" name="ZoneTexte 25"/>
-          <p:cNvSpPr txBox="1"/>
-          <p:nvPr/>
-        </p:nvSpPr>
-        <p:spPr>
-          <a:xfrm>
-            <a:off x="4213274" y="3163764"/>
-            <a:ext cx="935529" cy="646331"/>
-          </a:xfrm>
-          <a:prstGeom prst="rect">
-            <a:avLst/>
-          </a:prstGeom>
-          <a:noFill/>
-        </p:spPr>
-        <p:txBody>
-          <a:bodyPr wrap="square" rtlCol="0">
-            <a:spAutoFit/>
-          </a:bodyPr>
-          <a:lstStyle/>
-          <a:p>
-            <a:pPr algn="ctr"/>
-            <a:r>
-              <a:rPr lang="fr-FR" dirty="0" smtClean="0">
-                <a:effectLst>
-                  <a:outerShdw blurRad="50800" dist="38100" dir="2700000" algn="tl" rotWithShape="0">
-                    <a:prstClr val="black">
-                      <a:alpha val="40000"/>
-                    </a:prstClr>
-                  </a:outerShdw>
-                </a:effectLst>
-              </a:rPr>
-              <a:t>Modèle</a:t>
-            </a:r>
-          </a:p>
-          <a:p>
-            <a:pPr algn="ctr"/>
-            <a:r>
-              <a:rPr lang="fr-FR" dirty="0" smtClean="0">
-                <a:effectLst>
-                  <a:outerShdw blurRad="50800" dist="38100" dir="2700000" algn="tl" rotWithShape="0">
-                    <a:prstClr val="black">
-                      <a:alpha val="40000"/>
-                    </a:prstClr>
-                  </a:outerShdw>
-                </a:effectLst>
-              </a:rPr>
-              <a:t>(DLL)</a:t>
-            </a:r>
-          </a:p>
-        </p:txBody>
-      </p:sp>
-      <p:sp>
-        <p:nvSpPr>
-          <p:cNvPr id="27" name="ZoneTexte 26"/>
-          <p:cNvSpPr txBox="1"/>
-          <p:nvPr/>
-        </p:nvSpPr>
-        <p:spPr>
-          <a:xfrm>
-            <a:off x="945744" y="2523558"/>
-            <a:ext cx="1881906" cy="369332"/>
-          </a:xfrm>
-          <a:prstGeom prst="rect">
-            <a:avLst/>
-          </a:prstGeom>
-          <a:noFill/>
-        </p:spPr>
-        <p:txBody>
-          <a:bodyPr wrap="square" rtlCol="0">
-            <a:spAutoFit/>
-          </a:bodyPr>
-          <a:lstStyle/>
-          <a:p>
-            <a:pPr algn="ctr"/>
-            <a:r>
-              <a:rPr lang="fr-FR" dirty="0" smtClean="0">
-                <a:effectLst>
-                  <a:outerShdw blurRad="50800" dist="38100" dir="2700000" algn="tl" rotWithShape="0">
-                    <a:prstClr val="black">
-                      <a:alpha val="40000"/>
-                    </a:prstClr>
-                  </a:outerShdw>
-                </a:effectLst>
-              </a:rPr>
-              <a:t>Bluetooth_com</a:t>
-            </a:r>
-          </a:p>
-        </p:txBody>
-      </p:sp>
-      <p:sp>
-        <p:nvSpPr>
-          <p:cNvPr id="28" name="ZoneTexte 27"/>
-          <p:cNvSpPr txBox="1"/>
-          <p:nvPr/>
-        </p:nvSpPr>
-        <p:spPr>
-          <a:xfrm>
-            <a:off x="7037964" y="3161325"/>
-            <a:ext cx="1881906" cy="369332"/>
-          </a:xfrm>
-          <a:prstGeom prst="rect">
-            <a:avLst/>
-          </a:prstGeom>
-          <a:noFill/>
-        </p:spPr>
-        <p:txBody>
-          <a:bodyPr wrap="square" rtlCol="0">
-            <a:spAutoFit/>
-          </a:bodyPr>
-          <a:lstStyle/>
-          <a:p>
-            <a:pPr algn="ctr"/>
-            <a:r>
-              <a:rPr lang="fr-FR" dirty="0" smtClean="0">
-                <a:effectLst>
-                  <a:outerShdw blurRad="50800" dist="38100" dir="2700000" algn="tl" rotWithShape="0">
-                    <a:prstClr val="black">
-                      <a:alpha val="40000"/>
-                    </a:prstClr>
-                  </a:outerShdw>
-                </a:effectLst>
-              </a:rPr>
-              <a:t>RequeteHttp</a:t>
-            </a:r>
-          </a:p>
-        </p:txBody>
-      </p:sp>
-      <p:cxnSp>
-        <p:nvCxnSpPr>
-          <p:cNvPr id="16" name="Connecteur droit avec flèche 15"/>
-          <p:cNvCxnSpPr>
-            <a:stCxn id="23" idx="3"/>
-            <a:endCxn id="24" idx="1"/>
-          </p:cNvCxnSpPr>
-          <p:nvPr/>
-        </p:nvCxnSpPr>
-        <p:spPr>
-          <a:xfrm>
-            <a:off x="3936984" y="3484107"/>
-            <a:ext cx="260485" cy="4994"/>
-          </a:xfrm>
-          <a:prstGeom prst="straightConnector1">
-            <a:avLst/>
-          </a:prstGeom>
-          <a:ln>
-            <a:headEnd type="triangle"/>
-            <a:tailEnd type="triangle"/>
-          </a:ln>
-        </p:spPr>
-        <p:style>
-          <a:lnRef idx="2">
-            <a:schemeClr val="dk1"/>
-          </a:lnRef>
-          <a:fillRef idx="0">
-            <a:schemeClr val="dk1"/>
-          </a:fillRef>
-          <a:effectRef idx="1">
-            <a:schemeClr val="dk1"/>
-          </a:effectRef>
-          <a:fontRef idx="minor">
-            <a:schemeClr val="tx1"/>
-          </a:fontRef>
-        </p:style>
-      </p:cxnSp>
-      <p:cxnSp>
-        <p:nvCxnSpPr>
-          <p:cNvPr id="42" name="Connecteur droit avec flèche 41"/>
-          <p:cNvCxnSpPr>
-            <a:stCxn id="23" idx="1"/>
-            <a:endCxn id="11" idx="3"/>
-          </p:cNvCxnSpPr>
-          <p:nvPr/>
-        </p:nvCxnSpPr>
-        <p:spPr>
-          <a:xfrm flipH="1" flipV="1">
-            <a:off x="1375852" y="3480484"/>
-            <a:ext cx="1593991" cy="3623"/>
-          </a:xfrm>
-          <a:prstGeom prst="straightConnector1">
-            <a:avLst/>
-          </a:prstGeom>
-          <a:ln>
-            <a:tailEnd type="triangle"/>
-          </a:ln>
-        </p:spPr>
-        <p:style>
-          <a:lnRef idx="2">
-            <a:schemeClr val="dk1"/>
-          </a:lnRef>
-          <a:fillRef idx="0">
-            <a:schemeClr val="dk1"/>
-          </a:fillRef>
-          <a:effectRef idx="1">
-            <a:schemeClr val="dk1"/>
-          </a:effectRef>
-          <a:fontRef idx="minor">
-            <a:schemeClr val="tx1"/>
-          </a:fontRef>
-        </p:style>
-      </p:cxnSp>
     </p:spTree>
     <p:extLst>
       <p:ext uri="{BB962C8B-B14F-4D97-AF65-F5344CB8AC3E}">
-        <p14:creationId xmlns:p14="http://schemas.microsoft.com/office/powerpoint/2010/main" val="301261152"/>
+        <p14:creationId xmlns:p14="http://schemas.microsoft.com/office/powerpoint/2010/main" val="260101699"/>
       </p:ext>
     </p:extLst>
   </p:cSld>

--- a/Rendu/Diapo_soutenance.pptx
+++ b/Rendu/Diapo_soutenance.pptx
@@ -5,10 +5,10 @@
     <p:sldMasterId id="2147483648" r:id="rId1"/>
   </p:sldMasterIdLst>
   <p:notesMasterIdLst>
-    <p:notesMasterId r:id="rId25"/>
+    <p:notesMasterId r:id="rId24"/>
   </p:notesMasterIdLst>
   <p:handoutMasterIdLst>
-    <p:handoutMasterId r:id="rId26"/>
+    <p:handoutMasterId r:id="rId25"/>
   </p:handoutMasterIdLst>
   <p:sldIdLst>
     <p:sldId id="303" r:id="rId2"/>
@@ -22,18 +22,17 @@
     <p:sldId id="327" r:id="rId10"/>
     <p:sldId id="328" r:id="rId11"/>
     <p:sldId id="311" r:id="rId12"/>
-    <p:sldId id="318" r:id="rId13"/>
-    <p:sldId id="312" r:id="rId14"/>
-    <p:sldId id="313" r:id="rId15"/>
-    <p:sldId id="314" r:id="rId16"/>
-    <p:sldId id="315" r:id="rId17"/>
-    <p:sldId id="316" r:id="rId18"/>
-    <p:sldId id="317" r:id="rId19"/>
-    <p:sldId id="319" r:id="rId20"/>
-    <p:sldId id="320" r:id="rId21"/>
-    <p:sldId id="321" r:id="rId22"/>
-    <p:sldId id="306" r:id="rId23"/>
-    <p:sldId id="325" r:id="rId24"/>
+    <p:sldId id="312" r:id="rId13"/>
+    <p:sldId id="313" r:id="rId14"/>
+    <p:sldId id="314" r:id="rId15"/>
+    <p:sldId id="315" r:id="rId16"/>
+    <p:sldId id="316" r:id="rId17"/>
+    <p:sldId id="317" r:id="rId18"/>
+    <p:sldId id="319" r:id="rId19"/>
+    <p:sldId id="320" r:id="rId20"/>
+    <p:sldId id="321" r:id="rId21"/>
+    <p:sldId id="306" r:id="rId22"/>
+    <p:sldId id="325" r:id="rId23"/>
   </p:sldIdLst>
   <p:sldSz cx="9144000" cy="6858000" type="screen4x3"/>
   <p:notesSz cx="6799263" cy="9929813"/>
@@ -844,13 +843,15 @@
           <a:p>
             <a:r>
               <a:rPr lang="fr-FR" dirty="0" smtClean="0"/>
-              <a:t>Rajouter intégration, tests</a:t>
-            </a:r>
-          </a:p>
-          <a:p>
-            <a:r>
-              <a:rPr lang="fr-FR" dirty="0" smtClean="0"/>
-              <a:t>Rendu -&gt; Livraison</a:t>
+              <a:t>Difficultés</a:t>
+            </a:r>
+            <a:r>
+              <a:rPr lang="fr-FR" baseline="0" dirty="0" smtClean="0"/>
+              <a:t> -&gt; ce qu’on a mis en place pour les surpasser : bilan </a:t>
+            </a:r>
+            <a:r>
+              <a:rPr lang="fr-FR" baseline="0" dirty="0" err="1" smtClean="0"/>
+              <a:t>GdP</a:t>
             </a:r>
             <a:endParaRPr lang="fr-FR" dirty="0"/>
           </a:p>
@@ -883,7 +884,7 @@
     </p:spTree>
     <p:extLst>
       <p:ext uri="{BB962C8B-B14F-4D97-AF65-F5344CB8AC3E}">
-        <p14:creationId xmlns:p14="http://schemas.microsoft.com/office/powerpoint/2010/main" val="2052621434"/>
+        <p14:creationId xmlns:p14="http://schemas.microsoft.com/office/powerpoint/2010/main" val="47610137"/>
       </p:ext>
     </p:extLst>
   </p:cSld>
@@ -939,15 +940,38 @@
           <a:p>
             <a:r>
               <a:rPr lang="fr-FR" dirty="0" smtClean="0"/>
-              <a:t>Difficultés</a:t>
-            </a:r>
-            <a:r>
-              <a:rPr lang="fr-FR" baseline="0" dirty="0" smtClean="0"/>
-              <a:t> -&gt; ce qu’on a mis en place pour les surpasser : bilan </a:t>
-            </a:r>
-            <a:r>
-              <a:rPr lang="fr-FR" baseline="0" dirty="0" err="1" smtClean="0"/>
+              <a:t>+ relation avec industriels</a:t>
+            </a:r>
+          </a:p>
+          <a:p>
+            <a:r>
+              <a:rPr lang="fr-FR" dirty="0" smtClean="0"/>
+              <a:t>Différents types de bilan : choix techniques, </a:t>
+            </a:r>
+            <a:r>
+              <a:rPr lang="fr-FR" dirty="0" err="1" smtClean="0"/>
               <a:t>GdP</a:t>
+            </a:r>
+            <a:r>
+              <a:rPr lang="fr-FR" dirty="0" smtClean="0"/>
+              <a:t>, perso </a:t>
+            </a:r>
+            <a:r>
+              <a:rPr lang="fr-FR" dirty="0" err="1" smtClean="0"/>
+              <a:t>etc</a:t>
+            </a:r>
+            <a:endParaRPr lang="fr-FR" dirty="0" smtClean="0"/>
+          </a:p>
+          <a:p>
+            <a:r>
+              <a:rPr lang="fr-FR" dirty="0" smtClean="0"/>
+              <a:t>Dire que CA MARCHE</a:t>
+            </a:r>
+          </a:p>
+          <a:p>
+            <a:r>
+              <a:rPr lang="fr-FR" dirty="0" smtClean="0"/>
+              <a:t>SWAP</a:t>
             </a:r>
             <a:endParaRPr lang="fr-FR" dirty="0"/>
           </a:p>
@@ -971,127 +995,7 @@
             <a:fld id="{39168679-7C28-4FFB-8A08-9AACB039AAD4}" type="slidenum">
               <a:rPr lang="fr-FR" smtClean="0"/>
               <a:pPr/>
-              <a:t>18</a:t>
-            </a:fld>
-            <a:endParaRPr lang="fr-FR"/>
-          </a:p>
-        </p:txBody>
-      </p:sp>
-    </p:spTree>
-    <p:extLst>
-      <p:ext uri="{BB962C8B-B14F-4D97-AF65-F5344CB8AC3E}">
-        <p14:creationId xmlns:p14="http://schemas.microsoft.com/office/powerpoint/2010/main" val="47610137"/>
-      </p:ext>
-    </p:extLst>
-  </p:cSld>
-  <p:clrMapOvr>
-    <a:masterClrMapping/>
-  </p:clrMapOvr>
-</p:notes>
-</file>
-
-<file path=ppt/notesSlides/notesSlide12.xml><?xml version="1.0" encoding="utf-8"?>
-<p:notes xmlns:a="http://schemas.openxmlformats.org/drawingml/2006/main" xmlns:r="http://schemas.openxmlformats.org/officeDocument/2006/relationships" xmlns:p="http://schemas.openxmlformats.org/presentationml/2006/main">
-  <p:cSld>
-    <p:spTree>
-      <p:nvGrpSpPr>
-        <p:cNvPr id="1" name=""/>
-        <p:cNvGrpSpPr/>
-        <p:nvPr/>
-      </p:nvGrpSpPr>
-      <p:grpSpPr>
-        <a:xfrm>
-          <a:off x="0" y="0"/>
-          <a:ext cx="0" cy="0"/>
-          <a:chOff x="0" y="0"/>
-          <a:chExt cx="0" cy="0"/>
-        </a:xfrm>
-      </p:grpSpPr>
-      <p:sp>
-        <p:nvSpPr>
-          <p:cNvPr id="2" name="Espace réservé de l'image des diapositives 1"/>
-          <p:cNvSpPr>
-            <a:spLocks noGrp="1" noRot="1" noChangeAspect="1"/>
-          </p:cNvSpPr>
-          <p:nvPr>
-            <p:ph type="sldImg"/>
-          </p:nvPr>
-        </p:nvSpPr>
-        <p:spPr/>
-      </p:sp>
-      <p:sp>
-        <p:nvSpPr>
-          <p:cNvPr id="3" name="Espace réservé des commentaires 2"/>
-          <p:cNvSpPr>
-            <a:spLocks noGrp="1"/>
-          </p:cNvSpPr>
-          <p:nvPr>
-            <p:ph type="body" idx="1"/>
-          </p:nvPr>
-        </p:nvSpPr>
-        <p:spPr/>
-        <p:txBody>
-          <a:bodyPr/>
-          <a:lstStyle/>
-          <a:p>
-            <a:r>
-              <a:rPr lang="fr-FR" dirty="0" smtClean="0"/>
-              <a:t>+ relation avec industriels</a:t>
-            </a:r>
-          </a:p>
-          <a:p>
-            <a:r>
-              <a:rPr lang="fr-FR" dirty="0" smtClean="0"/>
-              <a:t>Différents types de bilan : choix techniques, </a:t>
-            </a:r>
-            <a:r>
-              <a:rPr lang="fr-FR" dirty="0" err="1" smtClean="0"/>
-              <a:t>GdP</a:t>
-            </a:r>
-            <a:r>
-              <a:rPr lang="fr-FR" dirty="0" smtClean="0"/>
-              <a:t>, perso </a:t>
-            </a:r>
-            <a:r>
-              <a:rPr lang="fr-FR" dirty="0" err="1" smtClean="0"/>
-              <a:t>etc</a:t>
-            </a:r>
-            <a:endParaRPr lang="fr-FR" dirty="0" smtClean="0"/>
-          </a:p>
-          <a:p>
-            <a:r>
-              <a:rPr lang="fr-FR" dirty="0" smtClean="0"/>
-              <a:t>Dire que CA MARCHE</a:t>
-            </a:r>
-          </a:p>
-          <a:p>
-            <a:r>
-              <a:rPr lang="fr-FR" dirty="0" smtClean="0"/>
-              <a:t>SWAP</a:t>
-            </a:r>
-            <a:endParaRPr lang="fr-FR" dirty="0"/>
-          </a:p>
-        </p:txBody>
-      </p:sp>
-      <p:sp>
-        <p:nvSpPr>
-          <p:cNvPr id="4" name="Espace réservé du numéro de diapositive 3"/>
-          <p:cNvSpPr>
-            <a:spLocks noGrp="1"/>
-          </p:cNvSpPr>
-          <p:nvPr>
-            <p:ph type="sldNum" sz="quarter" idx="10"/>
-          </p:nvPr>
-        </p:nvSpPr>
-        <p:spPr/>
-        <p:txBody>
-          <a:bodyPr/>
-          <a:lstStyle/>
-          <a:p>
-            <a:fld id="{39168679-7C28-4FFB-8A08-9AACB039AAD4}" type="slidenum">
-              <a:rPr lang="fr-FR" smtClean="0"/>
-              <a:pPr/>
-              <a:t>20</a:t>
+              <a:t>19</a:t>
             </a:fld>
             <a:endParaRPr lang="fr-FR"/>
           </a:p>
@@ -1423,7 +1327,17 @@
           <a:p>
             <a:r>
               <a:rPr lang="fr-FR" dirty="0" smtClean="0"/>
-              <a:t>Avec fat schéma, mettre direct sur le schéma</a:t>
+              <a:t>2 photos, partie utilisateur et partie admin</a:t>
+            </a:r>
+          </a:p>
+          <a:p>
+            <a:r>
+              <a:rPr lang="fr-FR" dirty="0" smtClean="0"/>
+              <a:t>Fonctionnalités par type d’utilisateur, type d’handicap (cognitif,</a:t>
+            </a:r>
+            <a:r>
+              <a:rPr lang="fr-FR" baseline="0" dirty="0" smtClean="0"/>
+              <a:t> visuels, moteurs…) PARAMETRABLE pour tout handicap, pas adapté, on peut ne pas avoir un thème moche</a:t>
             </a:r>
             <a:endParaRPr lang="fr-FR" dirty="0"/>
           </a:p>
@@ -1456,7 +1370,7 @@
     </p:spTree>
     <p:extLst>
       <p:ext uri="{BB962C8B-B14F-4D97-AF65-F5344CB8AC3E}">
-        <p14:creationId xmlns:p14="http://schemas.microsoft.com/office/powerpoint/2010/main" val="2104003780"/>
+        <p14:creationId xmlns:p14="http://schemas.microsoft.com/office/powerpoint/2010/main" val="2652176069"/>
       </p:ext>
     </p:extLst>
   </p:cSld>
@@ -1512,17 +1426,11 @@
           <a:p>
             <a:r>
               <a:rPr lang="fr-FR" dirty="0" smtClean="0"/>
-              <a:t>2 photos, partie utilisateur et partie admin</a:t>
-            </a:r>
-          </a:p>
-          <a:p>
-            <a:r>
-              <a:rPr lang="fr-FR" dirty="0" smtClean="0"/>
-              <a:t>Fonctionnalités par type d’utilisateur, type d’handicap (cognitif,</a:t>
+              <a:t>Placer</a:t>
             </a:r>
             <a:r>
               <a:rPr lang="fr-FR" baseline="0" dirty="0" smtClean="0"/>
-              <a:t> visuels, moteurs…) PARAMETRABLE pour tout handicap, pas adapté, on peut ne pas avoir un thème moche</a:t>
+              <a:t> le mot ergonomie</a:t>
             </a:r>
             <a:endParaRPr lang="fr-FR" dirty="0"/>
           </a:p>
@@ -1555,7 +1463,7 @@
     </p:spTree>
     <p:extLst>
       <p:ext uri="{BB962C8B-B14F-4D97-AF65-F5344CB8AC3E}">
-        <p14:creationId xmlns:p14="http://schemas.microsoft.com/office/powerpoint/2010/main" val="2652176069"/>
+        <p14:creationId xmlns:p14="http://schemas.microsoft.com/office/powerpoint/2010/main" val="2603849293"/>
       </p:ext>
     </p:extLst>
   </p:cSld>
@@ -1611,11 +1519,7 @@
           <a:p>
             <a:r>
               <a:rPr lang="fr-FR" dirty="0" smtClean="0"/>
-              <a:t>Placer</a:t>
-            </a:r>
-            <a:r>
-              <a:rPr lang="fr-FR" baseline="0" dirty="0" smtClean="0"/>
-              <a:t> le mot ergonomie</a:t>
+              <a:t>Rajouter PLEIN de pièces pour la démo</a:t>
             </a:r>
             <a:endParaRPr lang="fr-FR" dirty="0"/>
           </a:p>
@@ -1648,7 +1552,7 @@
     </p:spTree>
     <p:extLst>
       <p:ext uri="{BB962C8B-B14F-4D97-AF65-F5344CB8AC3E}">
-        <p14:creationId xmlns:p14="http://schemas.microsoft.com/office/powerpoint/2010/main" val="2603849293"/>
+        <p14:creationId xmlns:p14="http://schemas.microsoft.com/office/powerpoint/2010/main" val="93012229"/>
       </p:ext>
     </p:extLst>
   </p:cSld>
@@ -1704,7 +1608,15 @@
           <a:p>
             <a:r>
               <a:rPr lang="fr-FR" dirty="0" smtClean="0"/>
-              <a:t>Rajouter PLEIN de pièces pour la démo</a:t>
+              <a:t>Idem schéma archi avec noms (bien parler de toute l’année, pas seulement 2</a:t>
+            </a:r>
+            <a:r>
+              <a:rPr lang="fr-FR" baseline="30000" dirty="0" smtClean="0"/>
+              <a:t>nd</a:t>
+            </a:r>
+            <a:r>
+              <a:rPr lang="fr-FR" dirty="0" smtClean="0"/>
+              <a:t> semestre)</a:t>
             </a:r>
             <a:endParaRPr lang="fr-FR" dirty="0"/>
           </a:p>
@@ -1737,7 +1649,7 @@
     </p:spTree>
     <p:extLst>
       <p:ext uri="{BB962C8B-B14F-4D97-AF65-F5344CB8AC3E}">
-        <p14:creationId xmlns:p14="http://schemas.microsoft.com/office/powerpoint/2010/main" val="93012229"/>
+        <p14:creationId xmlns:p14="http://schemas.microsoft.com/office/powerpoint/2010/main" val="1779372493"/>
       </p:ext>
     </p:extLst>
   </p:cSld>
@@ -1793,15 +1705,13 @@
           <a:p>
             <a:r>
               <a:rPr lang="fr-FR" dirty="0" smtClean="0"/>
-              <a:t>Idem schéma archi avec noms (bien parler de toute l’année, pas seulement 2</a:t>
-            </a:r>
-            <a:r>
-              <a:rPr lang="fr-FR" baseline="30000" dirty="0" smtClean="0"/>
-              <a:t>nd</a:t>
-            </a:r>
+              <a:t>Rajouter intégration, tests</a:t>
+            </a:r>
+          </a:p>
+          <a:p>
             <a:r>
               <a:rPr lang="fr-FR" dirty="0" smtClean="0"/>
-              <a:t> semestre)</a:t>
+              <a:t>Rendu -&gt; Livraison</a:t>
             </a:r>
             <a:endParaRPr lang="fr-FR" dirty="0"/>
           </a:p>
@@ -1834,7 +1744,7 @@
     </p:spTree>
     <p:extLst>
       <p:ext uri="{BB962C8B-B14F-4D97-AF65-F5344CB8AC3E}">
-        <p14:creationId xmlns:p14="http://schemas.microsoft.com/office/powerpoint/2010/main" val="1779372493"/>
+        <p14:creationId xmlns:p14="http://schemas.microsoft.com/office/powerpoint/2010/main" val="2052621434"/>
       </p:ext>
     </p:extLst>
   </p:cSld>
@@ -9276,36 +9186,6 @@
           </a:p>
         </p:txBody>
       </p:sp>
-      <p:pic>
-        <p:nvPicPr>
-          <p:cNvPr id="13" name="Image 12"/>
-          <p:cNvPicPr>
-            <a:picLocks noChangeAspect="1"/>
-          </p:cNvPicPr>
-          <p:nvPr/>
-        </p:nvPicPr>
-        <p:blipFill>
-          <a:blip r:embed="rId14" cstate="screen">
-            <a:extLst>
-              <a:ext uri="{28A0092B-C50C-407E-A947-70E740481C1C}">
-                <a14:useLocalDpi xmlns:a14="http://schemas.microsoft.com/office/drawing/2010/main" val="0"/>
-              </a:ext>
-            </a:extLst>
-          </a:blip>
-          <a:stretch>
-            <a:fillRect/>
-          </a:stretch>
-        </p:blipFill>
-        <p:spPr>
-          <a:xfrm rot="5400000">
-            <a:off x="5164610" y="3115808"/>
-            <a:ext cx="684643" cy="684643"/>
-          </a:xfrm>
-          <a:prstGeom prst="rect">
-            <a:avLst/>
-          </a:prstGeom>
-        </p:spPr>
-      </p:pic>
       <p:sp>
         <p:nvSpPr>
           <p:cNvPr id="4" name="Rectangle 3"/>
@@ -9336,6 +9216,39 @@
           </a:p>
         </p:txBody>
       </p:sp>
+      <p:cxnSp>
+        <p:nvCxnSpPr>
+          <p:cNvPr id="38" name="Connecteur droit avec flèche 37"/>
+          <p:cNvCxnSpPr/>
+          <p:nvPr/>
+        </p:nvCxnSpPr>
+        <p:spPr>
+          <a:xfrm>
+            <a:off x="5164610" y="3484107"/>
+            <a:ext cx="442737" cy="2401"/>
+          </a:xfrm>
+          <a:prstGeom prst="straightConnector1">
+            <a:avLst/>
+          </a:prstGeom>
+          <a:ln>
+            <a:tailEnd type="arrow"/>
+          </a:ln>
+        </p:spPr>
+        <p:style>
+          <a:lnRef idx="2">
+            <a:schemeClr val="dk1"/>
+          </a:lnRef>
+          <a:fillRef idx="0">
+            <a:schemeClr val="dk1"/>
+          </a:fillRef>
+          <a:effectRef idx="1">
+            <a:schemeClr val="dk1"/>
+          </a:effectRef>
+          <a:fontRef idx="minor">
+            <a:schemeClr val="tx1"/>
+          </a:fontRef>
+        </p:style>
+      </p:cxnSp>
     </p:spTree>
     <p:extLst>
       <p:ext uri="{BB962C8B-B14F-4D97-AF65-F5344CB8AC3E}">
@@ -9955,36 +9868,6 @@
           </a:p>
         </p:txBody>
       </p:sp>
-      <p:pic>
-        <p:nvPicPr>
-          <p:cNvPr id="14" name="Image 13"/>
-          <p:cNvPicPr>
-            <a:picLocks noChangeAspect="1"/>
-          </p:cNvPicPr>
-          <p:nvPr/>
-        </p:nvPicPr>
-        <p:blipFill>
-          <a:blip r:embed="rId14" cstate="screen">
-            <a:extLst>
-              <a:ext uri="{28A0092B-C50C-407E-A947-70E740481C1C}">
-                <a14:useLocalDpi xmlns:a14="http://schemas.microsoft.com/office/drawing/2010/main" val="0"/>
-              </a:ext>
-            </a:extLst>
-          </a:blip>
-          <a:stretch>
-            <a:fillRect/>
-          </a:stretch>
-        </p:blipFill>
-        <p:spPr>
-          <a:xfrm rot="5400000">
-            <a:off x="5164610" y="3115808"/>
-            <a:ext cx="684643" cy="684643"/>
-          </a:xfrm>
-          <a:prstGeom prst="rect">
-            <a:avLst/>
-          </a:prstGeom>
-        </p:spPr>
-      </p:pic>
       <p:sp>
         <p:nvSpPr>
           <p:cNvPr id="25" name="ZoneTexte 24"/>
@@ -10257,6 +10140,69 @@
           <p:nvPr/>
         </p:nvPicPr>
         <p:blipFill>
+          <a:blip r:embed="rId14" cstate="screen">
+            <a:extLst>
+              <a:ext uri="{28A0092B-C50C-407E-A947-70E740481C1C}">
+                <a14:useLocalDpi xmlns:a14="http://schemas.microsoft.com/office/drawing/2010/main" val="0"/>
+              </a:ext>
+            </a:extLst>
+          </a:blip>
+          <a:stretch>
+            <a:fillRect/>
+          </a:stretch>
+        </p:blipFill>
+        <p:spPr>
+          <a:xfrm>
+            <a:off x="469840" y="4363507"/>
+            <a:ext cx="851211" cy="828834"/>
+          </a:xfrm>
+          <a:prstGeom prst="rect">
+            <a:avLst/>
+          </a:prstGeom>
+        </p:spPr>
+      </p:pic>
+      <p:sp>
+        <p:nvSpPr>
+          <p:cNvPr id="34" name="Titre 1"/>
+          <p:cNvSpPr>
+            <a:spLocks noGrp="1"/>
+          </p:cNvSpPr>
+          <p:nvPr>
+            <p:ph type="title"/>
+          </p:nvPr>
+        </p:nvSpPr>
+        <p:spPr>
+          <a:xfrm>
+            <a:off x="633806" y="107931"/>
+            <a:ext cx="7876388" cy="1143000"/>
+          </a:xfrm>
+        </p:spPr>
+        <p:txBody>
+          <a:bodyPr/>
+          <a:lstStyle/>
+          <a:p>
+            <a:pPr algn="ctr"/>
+            <a:r>
+              <a:rPr lang="fr-FR" dirty="0" smtClean="0"/>
+              <a:t>II. </a:t>
+            </a:r>
+            <a:r>
+              <a:rPr lang="fr-FR" dirty="0" err="1" smtClean="0"/>
+              <a:t>realisation</a:t>
+            </a:r>
+            <a:endParaRPr lang="fr-FR" dirty="0"/>
+          </a:p>
+        </p:txBody>
+      </p:sp>
+      <p:pic>
+        <p:nvPicPr>
+          <p:cNvPr id="41" name="Image 40"/>
+          <p:cNvPicPr>
+            <a:picLocks noChangeAspect="1"/>
+          </p:cNvPicPr>
+          <p:nvPr/>
+        </p:nvPicPr>
+        <p:blipFill>
           <a:blip r:embed="rId15" cstate="screen">
             <a:extLst>
               <a:ext uri="{28A0092B-C50C-407E-A947-70E740481C1C}">
@@ -10270,8 +10216,8 @@
         </p:blipFill>
         <p:spPr>
           <a:xfrm>
-            <a:off x="945744" y="4221246"/>
-            <a:ext cx="1131491" cy="1101746"/>
+            <a:off x="7495922" y="3029753"/>
+            <a:ext cx="914419" cy="890380"/>
           </a:xfrm>
           <a:prstGeom prst="rect">
             <a:avLst/>
@@ -10280,32 +10226,91 @@
       </p:pic>
       <p:sp>
         <p:nvSpPr>
-          <p:cNvPr id="34" name="Titre 1"/>
-          <p:cNvSpPr>
-            <a:spLocks noGrp="1"/>
-          </p:cNvSpPr>
-          <p:nvPr>
-            <p:ph type="title"/>
-          </p:nvPr>
-        </p:nvSpPr>
-        <p:spPr>
-          <a:xfrm>
-            <a:off x="633806" y="107931"/>
-            <a:ext cx="7876388" cy="1143000"/>
-          </a:xfrm>
-        </p:spPr>
-        <p:txBody>
-          <a:bodyPr/>
+          <p:cNvPr id="43" name="ZoneTexte 42"/>
+          <p:cNvSpPr txBox="1"/>
+          <p:nvPr/>
+        </p:nvSpPr>
+        <p:spPr>
+          <a:xfrm>
+            <a:off x="7012180" y="2213212"/>
+            <a:ext cx="1881906" cy="646331"/>
+          </a:xfrm>
+          <a:prstGeom prst="rect">
+            <a:avLst/>
+          </a:prstGeom>
+          <a:noFill/>
+        </p:spPr>
+        <p:txBody>
+          <a:bodyPr wrap="square" rtlCol="0">
+            <a:spAutoFit/>
+          </a:bodyPr>
           <a:lstStyle/>
           <a:p>
             <a:pPr algn="ctr"/>
             <a:r>
-              <a:rPr lang="fr-FR" dirty="0" smtClean="0"/>
-              <a:t>II. </a:t>
-            </a:r>
-            <a:r>
-              <a:rPr lang="fr-FR" dirty="0" err="1" smtClean="0"/>
-              <a:t>realisation</a:t>
+              <a:rPr lang="fr-FR" dirty="0" smtClean="0">
+                <a:effectLst>
+                  <a:outerShdw blurRad="50800" dist="38100" dir="2700000" algn="tl" rotWithShape="0">
+                    <a:prstClr val="black">
+                      <a:alpha val="40000"/>
+                    </a:prstClr>
+                  </a:outerShdw>
+                </a:effectLst>
+              </a:rPr>
+              <a:t>RequeteHttp</a:t>
+            </a:r>
+          </a:p>
+          <a:p>
+            <a:pPr algn="ctr"/>
+            <a:r>
+              <a:rPr lang="fr-FR" dirty="0" smtClean="0">
+                <a:effectLst>
+                  <a:outerShdw blurRad="50800" dist="38100" dir="2700000" algn="tl" rotWithShape="0">
+                    <a:prstClr val="black">
+                      <a:alpha val="40000"/>
+                    </a:prstClr>
+                  </a:outerShdw>
+                </a:effectLst>
+              </a:rPr>
+              <a:t>DLL</a:t>
+            </a:r>
+            <a:endParaRPr lang="fr-FR" dirty="0" smtClean="0">
+              <a:effectLst>
+                <a:outerShdw blurRad="50800" dist="38100" dir="2700000" algn="tl" rotWithShape="0">
+                  <a:prstClr val="black">
+                    <a:alpha val="40000"/>
+                  </a:prstClr>
+                </a:outerShdw>
+              </a:effectLst>
+            </a:endParaRPr>
+          </a:p>
+        </p:txBody>
+      </p:sp>
+      <p:sp>
+        <p:nvSpPr>
+          <p:cNvPr id="44" name="Rectangle 43"/>
+          <p:cNvSpPr/>
+          <p:nvPr/>
+        </p:nvSpPr>
+        <p:spPr>
+          <a:xfrm>
+            <a:off x="7315779" y="4142516"/>
+            <a:ext cx="1274708" cy="369332"/>
+          </a:xfrm>
+          <a:prstGeom prst="rect">
+            <a:avLst/>
+          </a:prstGeom>
+        </p:spPr>
+        <p:txBody>
+          <a:bodyPr wrap="none">
+            <a:spAutoFit/>
+          </a:bodyPr>
+          <a:lstStyle/>
+          <a:p>
+            <a:pPr algn="ctr"/>
+            <a:r>
+              <a:rPr lang="fr-FR" dirty="0" err="1"/>
+              <a:t>HappyHttp</a:t>
             </a:r>
             <a:endParaRPr lang="fr-FR" dirty="0"/>
           </a:p>
@@ -10313,9 +10318,9 @@
       </p:sp>
       <p:pic>
         <p:nvPicPr>
-          <p:cNvPr id="37" name="Picture 2"/>
+          <p:cNvPr id="45" name="Image 44"/>
           <p:cNvPicPr>
-            <a:picLocks noChangeAspect="1" noChangeArrowheads="1"/>
+            <a:picLocks noChangeAspect="1"/>
           </p:cNvPicPr>
           <p:nvPr/>
         </p:nvPicPr>
@@ -10327,47 +10332,23 @@
               </a:ext>
             </a:extLst>
           </a:blip>
-          <a:srcRect/>
           <a:stretch>
             <a:fillRect/>
           </a:stretch>
         </p:blipFill>
-        <p:spPr bwMode="auto">
-          <a:xfrm>
-            <a:off x="2065626" y="4958637"/>
-            <a:ext cx="728709" cy="728709"/>
-          </a:xfrm>
-          <a:prstGeom prst="rect">
-            <a:avLst/>
-          </a:prstGeom>
-          <a:noFill/>
-          <a:ln>
-            <a:noFill/>
-          </a:ln>
-          <a:extLst>
-            <a:ext uri="{909E8E84-426E-40DD-AFC4-6F175D3DCCD1}">
-              <a14:hiddenFill xmlns:a14="http://schemas.microsoft.com/office/drawing/2010/main">
-                <a:solidFill>
-                  <a:schemeClr val="accent1"/>
-                </a:solidFill>
-              </a14:hiddenFill>
-            </a:ext>
-            <a:ext uri="{91240B29-F687-4F45-9708-019B960494DF}">
-              <a14:hiddenLine xmlns:a14="http://schemas.microsoft.com/office/drawing/2010/main" w="9525">
-                <a:solidFill>
-                  <a:schemeClr val="tx1"/>
-                </a:solidFill>
-                <a:miter lim="800000"/>
-                <a:headEnd/>
-                <a:tailEnd/>
-              </a14:hiddenLine>
-            </a:ext>
-          </a:extLst>
+        <p:spPr>
+          <a:xfrm>
+            <a:off x="4304840" y="3975672"/>
+            <a:ext cx="752398" cy="732618"/>
+          </a:xfrm>
+          <a:prstGeom prst="rect">
+            <a:avLst/>
+          </a:prstGeom>
         </p:spPr>
       </p:pic>
       <p:pic>
         <p:nvPicPr>
-          <p:cNvPr id="41" name="Image 40"/>
+          <p:cNvPr id="46" name="Image 45"/>
           <p:cNvPicPr>
             <a:picLocks noChangeAspect="1"/>
           </p:cNvPicPr>
@@ -10387,109 +10368,17 @@
         </p:blipFill>
         <p:spPr>
           <a:xfrm>
-            <a:off x="7495922" y="3029753"/>
-            <a:ext cx="914419" cy="890380"/>
+            <a:off x="2992160" y="3910739"/>
+            <a:ext cx="922503" cy="882906"/>
           </a:xfrm>
           <a:prstGeom prst="rect">
             <a:avLst/>
           </a:prstGeom>
         </p:spPr>
       </p:pic>
-      <p:sp>
-        <p:nvSpPr>
-          <p:cNvPr id="43" name="ZoneTexte 42"/>
-          <p:cNvSpPr txBox="1"/>
-          <p:nvPr/>
-        </p:nvSpPr>
-        <p:spPr>
-          <a:xfrm>
-            <a:off x="7012180" y="2213212"/>
-            <a:ext cx="1881906" cy="646331"/>
-          </a:xfrm>
-          <a:prstGeom prst="rect">
-            <a:avLst/>
-          </a:prstGeom>
-          <a:noFill/>
-        </p:spPr>
-        <p:txBody>
-          <a:bodyPr wrap="square" rtlCol="0">
-            <a:spAutoFit/>
-          </a:bodyPr>
-          <a:lstStyle/>
-          <a:p>
-            <a:pPr algn="ctr"/>
-            <a:r>
-              <a:rPr lang="fr-FR" dirty="0" smtClean="0">
-                <a:effectLst>
-                  <a:outerShdw blurRad="50800" dist="38100" dir="2700000" algn="tl" rotWithShape="0">
-                    <a:prstClr val="black">
-                      <a:alpha val="40000"/>
-                    </a:prstClr>
-                  </a:outerShdw>
-                </a:effectLst>
-              </a:rPr>
-              <a:t>RequeteHttp</a:t>
-            </a:r>
-          </a:p>
-          <a:p>
-            <a:pPr algn="ctr"/>
-            <a:r>
-              <a:rPr lang="fr-FR" dirty="0" smtClean="0">
-                <a:effectLst>
-                  <a:outerShdw blurRad="50800" dist="38100" dir="2700000" algn="tl" rotWithShape="0">
-                    <a:prstClr val="black">
-                      <a:alpha val="40000"/>
-                    </a:prstClr>
-                  </a:outerShdw>
-                </a:effectLst>
-              </a:rPr>
-              <a:t>DLL</a:t>
-            </a:r>
-            <a:endParaRPr lang="fr-FR" dirty="0" smtClean="0">
-              <a:effectLst>
-                <a:outerShdw blurRad="50800" dist="38100" dir="2700000" algn="tl" rotWithShape="0">
-                  <a:prstClr val="black">
-                    <a:alpha val="40000"/>
-                  </a:prstClr>
-                </a:outerShdw>
-              </a:effectLst>
-            </a:endParaRPr>
-          </a:p>
-        </p:txBody>
-      </p:sp>
-      <p:sp>
-        <p:nvSpPr>
-          <p:cNvPr id="44" name="Rectangle 43"/>
-          <p:cNvSpPr/>
-          <p:nvPr/>
-        </p:nvSpPr>
-        <p:spPr>
-          <a:xfrm>
-            <a:off x="7315779" y="4142516"/>
-            <a:ext cx="1274708" cy="369332"/>
-          </a:xfrm>
-          <a:prstGeom prst="rect">
-            <a:avLst/>
-          </a:prstGeom>
-        </p:spPr>
-        <p:txBody>
-          <a:bodyPr wrap="none">
-            <a:spAutoFit/>
-          </a:bodyPr>
-          <a:lstStyle/>
-          <a:p>
-            <a:pPr algn="ctr"/>
-            <a:r>
-              <a:rPr lang="fr-FR" dirty="0" err="1"/>
-              <a:t>HappyHttp</a:t>
-            </a:r>
-            <a:endParaRPr lang="fr-FR" dirty="0"/>
-          </a:p>
-        </p:txBody>
-      </p:sp>
       <p:pic>
         <p:nvPicPr>
-          <p:cNvPr id="45" name="Image 44"/>
+          <p:cNvPr id="2" name="Image 1"/>
           <p:cNvPicPr>
             <a:picLocks noChangeAspect="1"/>
           </p:cNvPicPr>
@@ -10509,44 +10398,47 @@
         </p:blipFill>
         <p:spPr>
           <a:xfrm>
-            <a:off x="4304840" y="3975672"/>
-            <a:ext cx="752398" cy="732618"/>
+            <a:off x="1733495" y="4300297"/>
+            <a:ext cx="721023" cy="940465"/>
           </a:xfrm>
           <a:prstGeom prst="rect">
             <a:avLst/>
           </a:prstGeom>
         </p:spPr>
       </p:pic>
-      <p:pic>
-        <p:nvPicPr>
-          <p:cNvPr id="46" name="Image 45"/>
-          <p:cNvPicPr>
-            <a:picLocks noChangeAspect="1"/>
-          </p:cNvPicPr>
+      <p:cxnSp>
+        <p:nvCxnSpPr>
+          <p:cNvPr id="47" name="Connecteur droit avec flèche 46"/>
+          <p:cNvCxnSpPr/>
           <p:nvPr/>
-        </p:nvPicPr>
-        <p:blipFill>
-          <a:blip r:embed="rId19" cstate="screen">
-            <a:extLst>
-              <a:ext uri="{28A0092B-C50C-407E-A947-70E740481C1C}">
-                <a14:useLocalDpi xmlns:a14="http://schemas.microsoft.com/office/drawing/2010/main" val="0"/>
-              </a:ext>
-            </a:extLst>
-          </a:blip>
-          <a:stretch>
-            <a:fillRect/>
-          </a:stretch>
-        </p:blipFill>
-        <p:spPr>
-          <a:xfrm>
-            <a:off x="2992160" y="3910739"/>
-            <a:ext cx="922503" cy="882906"/>
-          </a:xfrm>
-          <a:prstGeom prst="rect">
-            <a:avLst/>
-          </a:prstGeom>
-        </p:spPr>
-      </p:pic>
+        </p:nvCxnSpPr>
+        <p:spPr>
+          <a:xfrm>
+            <a:off x="5164610" y="3484107"/>
+            <a:ext cx="442737" cy="2401"/>
+          </a:xfrm>
+          <a:prstGeom prst="straightConnector1">
+            <a:avLst/>
+          </a:prstGeom>
+          <a:ln>
+            <a:tailEnd type="arrow"/>
+          </a:ln>
+        </p:spPr>
+        <p:style>
+          <a:lnRef idx="2">
+            <a:schemeClr val="dk1"/>
+          </a:lnRef>
+          <a:fillRef idx="0">
+            <a:schemeClr val="dk1"/>
+          </a:fillRef>
+          <a:effectRef idx="1">
+            <a:schemeClr val="dk1"/>
+          </a:effectRef>
+          <a:fontRef idx="minor">
+            <a:schemeClr val="tx1"/>
+          </a:fontRef>
+        </p:style>
+      </p:cxnSp>
     </p:spTree>
     <p:extLst>
       <p:ext uri="{BB962C8B-B14F-4D97-AF65-F5344CB8AC3E}">
@@ -10608,7 +10500,7 @@
         </p:nvSpPr>
         <p:spPr>
           <a:xfrm>
-            <a:off x="633806" y="240792"/>
+            <a:off x="633806" y="287798"/>
             <a:ext cx="7876388" cy="1143000"/>
           </a:xfrm>
         </p:spPr>
@@ -10619,300 +10511,43 @@
             <a:pPr algn="ctr"/>
             <a:r>
               <a:rPr lang="fr-FR" dirty="0" smtClean="0"/>
-              <a:t>V. CHOIX TECHNIQUES</a:t>
+              <a:t>III. Présentation</a:t>
             </a:r>
             <a:endParaRPr lang="fr-FR" dirty="0"/>
           </a:p>
         </p:txBody>
       </p:sp>
-      <p:graphicFrame>
-        <p:nvGraphicFramePr>
-          <p:cNvPr id="4" name="Tableau 3"/>
-          <p:cNvGraphicFramePr>
-            <a:graphicFrameLocks noGrp="1"/>
-          </p:cNvGraphicFramePr>
+      <p:sp>
+        <p:nvSpPr>
+          <p:cNvPr id="3" name="Espace réservé du texte 2"/>
+          <p:cNvSpPr>
+            <a:spLocks noGrp="1"/>
+          </p:cNvSpPr>
           <p:nvPr>
-            <p:extLst/>
+            <p:ph type="body" sz="quarter" idx="10"/>
           </p:nvPr>
-        </p:nvGraphicFramePr>
-        <p:xfrm>
-          <a:off x="628648" y="1077369"/>
-          <a:ext cx="7745731" cy="4947920"/>
-        </p:xfrm>
-        <a:graphic>
-          <a:graphicData uri="http://schemas.openxmlformats.org/drawingml/2006/table">
-            <a:tbl>
-              <a:tblPr firstRow="1" bandRow="1">
-                <a:tableStyleId>{073A0DAA-6AF3-43AB-8588-CEC1D06C72B9}</a:tableStyleId>
-              </a:tblPr>
-              <a:tblGrid>
-                <a:gridCol w="1549299"/>
-                <a:gridCol w="1674962"/>
-                <a:gridCol w="1424398"/>
-                <a:gridCol w="1176759"/>
-                <a:gridCol w="1920313"/>
-              </a:tblGrid>
-              <a:tr h="1473200">
-                <a:tc>
-                  <a:txBody>
-                    <a:bodyPr/>
-                    <a:lstStyle/>
-                    <a:p>
-                      <a:pPr algn="ctr"/>
-                      <a:r>
-                        <a:rPr lang="fr-FR" sz="2400" dirty="0" smtClean="0"/>
-                        <a:t>Interface</a:t>
-                      </a:r>
-                      <a:endParaRPr lang="fr-FR" sz="2400" dirty="0"/>
-                    </a:p>
-                  </a:txBody>
-                  <a:tcPr marT="60960" marB="60960"/>
-                </a:tc>
-                <a:tc>
-                  <a:txBody>
-                    <a:bodyPr/>
-                    <a:lstStyle/>
-                    <a:p>
-                      <a:pPr algn="ctr"/>
-                      <a:r>
-                        <a:rPr lang="fr-FR" sz="2400" dirty="0" smtClean="0"/>
-                        <a:t>Modèle</a:t>
-                      </a:r>
-                    </a:p>
-                  </a:txBody>
-                  <a:tcPr marT="60960" marB="60960"/>
-                </a:tc>
-                <a:tc>
-                  <a:txBody>
-                    <a:bodyPr/>
-                    <a:lstStyle/>
-                    <a:p>
-                      <a:pPr algn="ctr"/>
-                      <a:r>
-                        <a:rPr lang="fr-FR" sz="1800" dirty="0" err="1" smtClean="0"/>
-                        <a:t>Kira</a:t>
-                      </a:r>
-                      <a:endParaRPr lang="fr-FR" sz="1800" dirty="0"/>
-                    </a:p>
-                  </a:txBody>
-                  <a:tcPr marT="60960" marB="60960"/>
-                </a:tc>
-                <a:tc>
-                  <a:txBody>
-                    <a:bodyPr/>
-                    <a:lstStyle/>
-                    <a:p>
-                      <a:pPr algn="ctr"/>
-                      <a:r>
-                        <a:rPr lang="fr-FR" sz="1800" dirty="0" err="1" smtClean="0"/>
-                        <a:t>Fibaro</a:t>
-                      </a:r>
-                      <a:endParaRPr lang="fr-FR" sz="1800" dirty="0"/>
-                    </a:p>
-                  </a:txBody>
-                  <a:tcPr marT="60960" marB="60960"/>
-                </a:tc>
-                <a:tc>
-                  <a:txBody>
-                    <a:bodyPr/>
-                    <a:lstStyle/>
-                    <a:p>
-                      <a:pPr algn="ctr"/>
-                      <a:r>
-                        <a:rPr lang="fr-FR" sz="1800" dirty="0" smtClean="0"/>
-                        <a:t>Bluetooth</a:t>
-                      </a:r>
-                      <a:endParaRPr lang="fr-FR" sz="1800" dirty="0"/>
-                    </a:p>
-                  </a:txBody>
-                  <a:tcPr marT="60960" marB="60960"/>
-                </a:tc>
-              </a:tr>
-              <a:tr h="2336800">
-                <a:tc>
-                  <a:txBody>
-                    <a:bodyPr/>
-                    <a:lstStyle/>
-                    <a:p>
-                      <a:endParaRPr lang="fr-FR" sz="2400" dirty="0" smtClean="0"/>
-                    </a:p>
-                    <a:p>
-                      <a:endParaRPr lang="fr-FR" sz="2400" dirty="0" smtClean="0"/>
-                    </a:p>
-                    <a:p>
-                      <a:endParaRPr lang="fr-FR" sz="2400" dirty="0" smtClean="0"/>
-                    </a:p>
-                    <a:p>
-                      <a:endParaRPr lang="fr-FR" sz="2400" dirty="0" smtClean="0"/>
-                    </a:p>
-                    <a:p>
-                      <a:endParaRPr lang="fr-FR" sz="2400" dirty="0" smtClean="0"/>
-                    </a:p>
-                    <a:p>
-                      <a:endParaRPr lang="fr-FR" sz="2400" dirty="0" smtClean="0"/>
-                    </a:p>
-                    <a:p>
-                      <a:r>
-                        <a:rPr lang="fr-FR" sz="2400" baseline="0" dirty="0" smtClean="0"/>
-                        <a:t>   XAML</a:t>
-                      </a:r>
-                      <a:endParaRPr lang="fr-FR" sz="2400" dirty="0"/>
-                    </a:p>
-                  </a:txBody>
-                  <a:tcPr marT="60960" marB="60960"/>
-                </a:tc>
-                <a:tc>
-                  <a:txBody>
-                    <a:bodyPr/>
-                    <a:lstStyle/>
-                    <a:p>
-                      <a:pPr algn="ctr"/>
-                      <a:r>
-                        <a:rPr lang="fr-FR" sz="2400" dirty="0" smtClean="0"/>
-                        <a:t>DLL</a:t>
-                      </a:r>
-                      <a:endParaRPr lang="fr-FR" sz="2400" dirty="0"/>
-                    </a:p>
-                  </a:txBody>
-                  <a:tcPr marT="60960" marB="60960"/>
-                </a:tc>
-                <a:tc gridSpan="2">
-                  <a:txBody>
-                    <a:bodyPr/>
-                    <a:lstStyle/>
-                    <a:p>
-                      <a:pPr algn="ctr"/>
-                      <a:r>
-                        <a:rPr lang="fr-FR" sz="2400" b="0" dirty="0" smtClean="0"/>
-                        <a:t>DLL</a:t>
-                      </a:r>
-                    </a:p>
-                    <a:p>
-                      <a:pPr algn="ctr"/>
-                      <a:endParaRPr lang="fr-FR" sz="2400" b="1" dirty="0" smtClean="0"/>
-                    </a:p>
-                    <a:p>
-                      <a:pPr algn="ctr"/>
-                      <a:endParaRPr lang="fr-FR" sz="2400" b="1" dirty="0" smtClean="0"/>
-                    </a:p>
-                    <a:p>
-                      <a:pPr algn="ctr"/>
-                      <a:endParaRPr lang="fr-FR" sz="2400" b="1" dirty="0" smtClean="0"/>
-                    </a:p>
-                    <a:p>
-                      <a:pPr algn="ctr"/>
-                      <a:endParaRPr lang="fr-FR" sz="2400" b="1" dirty="0" smtClean="0"/>
-                    </a:p>
-                    <a:p>
-                      <a:pPr algn="ctr"/>
-                      <a:endParaRPr lang="fr-FR" sz="2400" b="1" dirty="0" smtClean="0"/>
-                    </a:p>
-                    <a:p>
-                      <a:pPr algn="ctr"/>
-                      <a:r>
-                        <a:rPr lang="fr-FR" sz="2000" b="0" dirty="0" smtClean="0"/>
-                        <a:t>Requêtes</a:t>
-                      </a:r>
-                      <a:r>
-                        <a:rPr lang="fr-FR" sz="2000" b="0" baseline="0" dirty="0" smtClean="0"/>
-                        <a:t> HTTP</a:t>
-                      </a:r>
-                      <a:endParaRPr lang="fr-FR" sz="2000" b="0" dirty="0" smtClean="0"/>
-                    </a:p>
-                    <a:p>
-                      <a:pPr algn="ctr"/>
-                      <a:r>
-                        <a:rPr lang="fr-FR" sz="2000" b="0" dirty="0" smtClean="0"/>
-                        <a:t>Librairie</a:t>
-                      </a:r>
-                      <a:r>
-                        <a:rPr lang="fr-FR" sz="2000" b="0" baseline="0" dirty="0" smtClean="0"/>
-                        <a:t> : </a:t>
-                      </a:r>
-                      <a:r>
-                        <a:rPr lang="fr-FR" sz="2000" b="0" dirty="0" err="1" smtClean="0"/>
-                        <a:t>HappyHttp</a:t>
-                      </a:r>
-                      <a:endParaRPr lang="fr-FR" sz="2000" b="0" dirty="0" smtClean="0"/>
-                    </a:p>
-                  </a:txBody>
-                  <a:tcPr marT="60960" marB="60960"/>
-                </a:tc>
-                <a:tc hMerge="1">
-                  <a:txBody>
-                    <a:bodyPr/>
-                    <a:lstStyle/>
-                    <a:p>
-                      <a:endParaRPr lang="fr-FR" dirty="0"/>
-                    </a:p>
-                  </a:txBody>
-                  <a:tcPr/>
-                </a:tc>
-                <a:tc>
-                  <a:txBody>
-                    <a:bodyPr/>
-                    <a:lstStyle/>
-                    <a:p>
-                      <a:pPr algn="ctr"/>
-                      <a:r>
-                        <a:rPr lang="fr-FR" sz="2000" b="0" dirty="0" smtClean="0"/>
-                        <a:t>DLL</a:t>
-                      </a:r>
-                    </a:p>
-                    <a:p>
-                      <a:pPr algn="ctr"/>
-                      <a:endParaRPr lang="fr-FR" sz="2000" b="0" dirty="0" smtClean="0"/>
-                    </a:p>
-                    <a:p>
-                      <a:pPr algn="ctr"/>
-                      <a:endParaRPr lang="fr-FR" sz="2000" b="0" dirty="0" smtClean="0"/>
-                    </a:p>
-                    <a:p>
-                      <a:pPr algn="ctr"/>
-                      <a:endParaRPr lang="fr-FR" sz="2000" b="0" dirty="0" smtClean="0"/>
-                    </a:p>
-                    <a:p>
-                      <a:pPr algn="ctr"/>
-                      <a:endParaRPr lang="fr-FR" sz="2000" b="0" dirty="0" smtClean="0"/>
-                    </a:p>
-                    <a:p>
-                      <a:pPr algn="ctr"/>
-                      <a:endParaRPr lang="fr-FR" sz="2000" b="0" dirty="0" smtClean="0"/>
-                    </a:p>
-                    <a:p>
-                      <a:pPr algn="ctr"/>
-                      <a:endParaRPr lang="fr-FR" sz="2000" b="0" dirty="0" smtClean="0"/>
-                    </a:p>
-                    <a:p>
-                      <a:pPr algn="ctr"/>
-                      <a:r>
-                        <a:rPr lang="fr-FR" sz="2000" b="0" dirty="0" smtClean="0"/>
-                        <a:t>Librairie :</a:t>
-                      </a:r>
-                    </a:p>
-                    <a:p>
-                      <a:pPr algn="ctr"/>
-                      <a:endParaRPr lang="fr-FR" sz="2000" b="0" dirty="0" smtClean="0"/>
-                    </a:p>
-                    <a:p>
-                      <a:pPr algn="ctr"/>
-                      <a:endParaRPr lang="fr-FR" sz="2000" b="0" dirty="0" smtClean="0"/>
-                    </a:p>
-                    <a:p>
-                      <a:pPr algn="ctr"/>
-                      <a:endParaRPr lang="fr-FR" sz="2000" b="0" dirty="0" smtClean="0"/>
-                    </a:p>
-                  </a:txBody>
-                  <a:tcPr marT="60960" marB="60960"/>
-                </a:tc>
-              </a:tr>
-            </a:tbl>
-          </a:graphicData>
-        </a:graphic>
-      </p:graphicFrame>
+        </p:nvSpPr>
+        <p:spPr>
+          <a:xfrm>
+            <a:off x="581892" y="1094704"/>
+            <a:ext cx="8409708" cy="5031461"/>
+          </a:xfrm>
+        </p:spPr>
+        <p:txBody>
+          <a:bodyPr/>
+          <a:lstStyle/>
+          <a:p>
+            <a:r>
+              <a:rPr lang="fr-FR" dirty="0" smtClean="0"/>
+              <a:t>Page principale</a:t>
+            </a:r>
+            <a:endParaRPr lang="fr-FR" dirty="0"/>
+          </a:p>
+        </p:txBody>
+      </p:sp>
       <p:pic>
         <p:nvPicPr>
-          <p:cNvPr id="5" name="Image 4"/>
+          <p:cNvPr id="4" name="Image 3"/>
           <p:cNvPicPr>
             <a:picLocks noChangeAspect="1"/>
           </p:cNvPicPr>
@@ -10932,47 +10567,17 @@
         </p:blipFill>
         <p:spPr>
           <a:xfrm>
-            <a:off x="578204" y="3024342"/>
-            <a:ext cx="1603375" cy="1534553"/>
+            <a:off x="607649" y="1750899"/>
+            <a:ext cx="7712103" cy="4335941"/>
           </a:xfrm>
           <a:prstGeom prst="rect">
             <a:avLst/>
           </a:prstGeom>
         </p:spPr>
       </p:pic>
-      <p:pic>
-        <p:nvPicPr>
-          <p:cNvPr id="9" name="Image 8"/>
-          <p:cNvPicPr>
-            <a:picLocks noChangeAspect="1"/>
-          </p:cNvPicPr>
-          <p:nvPr/>
-        </p:nvPicPr>
-        <p:blipFill>
-          <a:blip r:embed="rId4">
-            <a:extLst>
-              <a:ext uri="{28A0092B-C50C-407E-A947-70E740481C1C}">
-                <a14:useLocalDpi xmlns:a14="http://schemas.microsoft.com/office/drawing/2010/main" val="0"/>
-              </a:ext>
-            </a:extLst>
-          </a:blip>
-          <a:stretch>
-            <a:fillRect/>
-          </a:stretch>
-        </p:blipFill>
-        <p:spPr>
-          <a:xfrm>
-            <a:off x="2279233" y="3059002"/>
-            <a:ext cx="1504795" cy="1465236"/>
-          </a:xfrm>
-          <a:prstGeom prst="rect">
-            <a:avLst/>
-          </a:prstGeom>
-        </p:spPr>
-      </p:pic>
-      <p:sp>
-        <p:nvSpPr>
-          <p:cNvPr id="10" name="ZoneTexte 9"/>
+      <p:sp>
+        <p:nvSpPr>
+          <p:cNvPr id="5" name="ZoneTexte 4"/>
           <p:cNvSpPr txBox="1"/>
           <p:nvPr/>
         </p:nvSpPr>
@@ -10993,131 +10598,16 @@
           <a:lstStyle/>
           <a:p>
             <a:r>
-              <a:rPr lang="fr-FR" dirty="0" smtClean="0"/>
-              <a:t>13</a:t>
-            </a:r>
-            <a:endParaRPr lang="fr-FR" dirty="0"/>
-          </a:p>
-        </p:txBody>
-      </p:sp>
-      <p:pic>
-        <p:nvPicPr>
-          <p:cNvPr id="7" name="Image 6"/>
-          <p:cNvPicPr>
-            <a:picLocks noChangeAspect="1"/>
-          </p:cNvPicPr>
-          <p:nvPr/>
-        </p:nvPicPr>
-        <p:blipFill>
-          <a:blip r:embed="rId4">
-            <a:extLst>
-              <a:ext uri="{28A0092B-C50C-407E-A947-70E740481C1C}">
-                <a14:useLocalDpi xmlns:a14="http://schemas.microsoft.com/office/drawing/2010/main" val="0"/>
-              </a:ext>
-            </a:extLst>
-          </a:blip>
-          <a:stretch>
-            <a:fillRect/>
-          </a:stretch>
-        </p:blipFill>
-        <p:spPr>
-          <a:xfrm>
-            <a:off x="4446589" y="3059001"/>
-            <a:ext cx="1504795" cy="1465236"/>
-          </a:xfrm>
-          <a:prstGeom prst="rect">
-            <a:avLst/>
-          </a:prstGeom>
-        </p:spPr>
-      </p:pic>
-      <p:pic>
-        <p:nvPicPr>
-          <p:cNvPr id="1026" name="Picture 2"/>
-          <p:cNvPicPr>
-            <a:picLocks noChangeAspect="1" noChangeArrowheads="1"/>
-          </p:cNvPicPr>
-          <p:nvPr/>
-        </p:nvPicPr>
-        <p:blipFill>
-          <a:blip r:embed="rId5" cstate="screen">
-            <a:extLst>
-              <a:ext uri="{28A0092B-C50C-407E-A947-70E740481C1C}">
-                <a14:useLocalDpi xmlns:a14="http://schemas.microsoft.com/office/drawing/2010/main" val="0"/>
-              </a:ext>
-            </a:extLst>
-          </a:blip>
-          <a:srcRect/>
-          <a:stretch>
-            <a:fillRect/>
-          </a:stretch>
-        </p:blipFill>
-        <p:spPr bwMode="auto">
-          <a:xfrm>
-            <a:off x="6964339" y="5132144"/>
-            <a:ext cx="728709" cy="728709"/>
-          </a:xfrm>
-          <a:prstGeom prst="rect">
-            <a:avLst/>
-          </a:prstGeom>
-          <a:noFill/>
-          <a:ln>
-            <a:noFill/>
-          </a:ln>
-          <a:extLst>
-            <a:ext uri="{909E8E84-426E-40DD-AFC4-6F175D3DCCD1}">
-              <a14:hiddenFill xmlns:a14="http://schemas.microsoft.com/office/drawing/2010/main">
-                <a:solidFill>
-                  <a:schemeClr val="accent1"/>
-                </a:solidFill>
-              </a14:hiddenFill>
-            </a:ext>
-            <a:ext uri="{91240B29-F687-4F45-9708-019B960494DF}">
-              <a14:hiddenLine xmlns:a14="http://schemas.microsoft.com/office/drawing/2010/main" w="9525">
-                <a:solidFill>
-                  <a:schemeClr val="tx1"/>
-                </a:solidFill>
-                <a:miter lim="800000"/>
-                <a:headEnd/>
-                <a:tailEnd/>
-              </a14:hiddenLine>
-            </a:ext>
-          </a:extLst>
-        </p:spPr>
-      </p:pic>
-      <p:pic>
-        <p:nvPicPr>
-          <p:cNvPr id="11" name="Image 10"/>
-          <p:cNvPicPr>
-            <a:picLocks noChangeAspect="1"/>
-          </p:cNvPicPr>
-          <p:nvPr/>
-        </p:nvPicPr>
-        <p:blipFill>
-          <a:blip r:embed="rId4">
-            <a:extLst>
-              <a:ext uri="{28A0092B-C50C-407E-A947-70E740481C1C}">
-                <a14:useLocalDpi xmlns:a14="http://schemas.microsoft.com/office/drawing/2010/main" val="0"/>
-              </a:ext>
-            </a:extLst>
-          </a:blip>
-          <a:stretch>
-            <a:fillRect/>
-          </a:stretch>
-        </p:blipFill>
-        <p:spPr>
-          <a:xfrm>
-            <a:off x="6572139" y="3085566"/>
-            <a:ext cx="1513107" cy="1473329"/>
-          </a:xfrm>
-          <a:prstGeom prst="rect">
-            <a:avLst/>
-          </a:prstGeom>
-        </p:spPr>
-      </p:pic>
+              <a:rPr lang="fr-FR" dirty="0"/>
+              <a:t>8</a:t>
+            </a:r>
+          </a:p>
+        </p:txBody>
+      </p:sp>
     </p:spTree>
     <p:extLst>
       <p:ext uri="{BB962C8B-B14F-4D97-AF65-F5344CB8AC3E}">
-        <p14:creationId xmlns:p14="http://schemas.microsoft.com/office/powerpoint/2010/main" val="3621920736"/>
+        <p14:creationId xmlns:p14="http://schemas.microsoft.com/office/powerpoint/2010/main" val="4041002445"/>
       </p:ext>
     </p:extLst>
   </p:cSld>
@@ -11165,35 +10655,6 @@
       </p:grpSpPr>
       <p:sp>
         <p:nvSpPr>
-          <p:cNvPr id="2" name="Titre 1"/>
-          <p:cNvSpPr>
-            <a:spLocks noGrp="1"/>
-          </p:cNvSpPr>
-          <p:nvPr>
-            <p:ph type="title"/>
-          </p:nvPr>
-        </p:nvSpPr>
-        <p:spPr>
-          <a:xfrm>
-            <a:off x="633806" y="287798"/>
-            <a:ext cx="7876388" cy="1143000"/>
-          </a:xfrm>
-        </p:spPr>
-        <p:txBody>
-          <a:bodyPr/>
-          <a:lstStyle/>
-          <a:p>
-            <a:pPr algn="ctr"/>
-            <a:r>
-              <a:rPr lang="fr-FR" dirty="0" smtClean="0"/>
-              <a:t>III. Présentation</a:t>
-            </a:r>
-            <a:endParaRPr lang="fr-FR" dirty="0"/>
-          </a:p>
-        </p:txBody>
-      </p:sp>
-      <p:sp>
-        <p:nvSpPr>
           <p:cNvPr id="3" name="Espace réservé du texte 2"/>
           <p:cNvSpPr>
             <a:spLocks noGrp="1"/>
@@ -11202,57 +10663,181 @@
             <p:ph type="body" sz="quarter" idx="10"/>
           </p:nvPr>
         </p:nvSpPr>
-        <p:spPr>
-          <a:xfrm>
-            <a:off x="581892" y="1094704"/>
-            <a:ext cx="8409708" cy="5031461"/>
-          </a:xfrm>
-        </p:spPr>
+        <p:spPr/>
         <p:txBody>
           <a:bodyPr/>
           <a:lstStyle/>
           <a:p>
             <a:r>
               <a:rPr lang="fr-FR" dirty="0" smtClean="0"/>
-              <a:t>Page principale</a:t>
-            </a:r>
+              <a:t>Adaptations de l’application :</a:t>
+            </a:r>
+          </a:p>
+          <a:p>
+            <a:pPr lvl="1">
+              <a:buFont typeface="Wingdings" panose="05000000000000000000" pitchFamily="2" charset="2"/>
+              <a:buChar char="v"/>
+            </a:pPr>
+            <a:endParaRPr lang="fr-FR" dirty="0" smtClean="0"/>
+          </a:p>
+          <a:p>
+            <a:pPr lvl="1">
+              <a:buFont typeface="Wingdings" panose="05000000000000000000" pitchFamily="2" charset="2"/>
+              <a:buChar char="v"/>
+            </a:pPr>
             <a:endParaRPr lang="fr-FR" dirty="0"/>
           </a:p>
-        </p:txBody>
-      </p:sp>
-      <p:pic>
-        <p:nvPicPr>
-          <p:cNvPr id="4" name="Image 3"/>
-          <p:cNvPicPr>
-            <a:picLocks noChangeAspect="1"/>
-          </p:cNvPicPr>
+          <a:p>
+            <a:pPr lvl="1">
+              <a:buFont typeface="Wingdings" panose="05000000000000000000" pitchFamily="2" charset="2"/>
+              <a:buChar char="v"/>
+            </a:pPr>
+            <a:r>
+              <a:rPr lang="fr-FR" dirty="0"/>
+              <a:t>Modification du thème</a:t>
+            </a:r>
+          </a:p>
+          <a:p>
+            <a:pPr lvl="1">
+              <a:buFont typeface="Wingdings" panose="05000000000000000000" pitchFamily="2" charset="2"/>
+              <a:buChar char="v"/>
+            </a:pPr>
+            <a:endParaRPr lang="fr-FR" dirty="0"/>
+          </a:p>
+          <a:p>
+            <a:pPr lvl="1">
+              <a:buFont typeface="Wingdings" panose="05000000000000000000" pitchFamily="2" charset="2"/>
+              <a:buChar char="v"/>
+            </a:pPr>
+            <a:r>
+              <a:rPr lang="fr-FR" dirty="0"/>
+              <a:t>Modification de la taille des </a:t>
+            </a:r>
+            <a:r>
+              <a:rPr lang="fr-FR" dirty="0" smtClean="0"/>
+              <a:t>icônes</a:t>
+            </a:r>
+          </a:p>
+          <a:p>
+            <a:pPr lvl="1">
+              <a:buFont typeface="Wingdings" panose="05000000000000000000" pitchFamily="2" charset="2"/>
+              <a:buChar char="v"/>
+            </a:pPr>
+            <a:endParaRPr lang="fr-FR" dirty="0"/>
+          </a:p>
+          <a:p>
+            <a:pPr lvl="1">
+              <a:buFont typeface="Wingdings" panose="05000000000000000000" pitchFamily="2" charset="2"/>
+              <a:buChar char="v"/>
+            </a:pPr>
+            <a:r>
+              <a:rPr lang="fr-FR" dirty="0"/>
+              <a:t>Modification des paramètres </a:t>
+            </a:r>
+            <a:r>
+              <a:rPr lang="fr-FR" dirty="0" smtClean="0"/>
+              <a:t>réseau</a:t>
+            </a:r>
+          </a:p>
+          <a:p>
+            <a:pPr lvl="1">
+              <a:buFont typeface="Wingdings" panose="05000000000000000000" pitchFamily="2" charset="2"/>
+              <a:buChar char="v"/>
+            </a:pPr>
+            <a:endParaRPr lang="fr-FR" dirty="0"/>
+          </a:p>
+          <a:p>
+            <a:pPr lvl="1">
+              <a:buFont typeface="Wingdings" panose="05000000000000000000" pitchFamily="2" charset="2"/>
+              <a:buChar char="v"/>
+            </a:pPr>
+            <a:r>
+              <a:rPr lang="fr-FR" dirty="0"/>
+              <a:t>Ajout de pièces et d'équipements </a:t>
+            </a:r>
+            <a:r>
+              <a:rPr lang="fr-FR" dirty="0" smtClean="0"/>
+              <a:t>contrôlables</a:t>
+            </a:r>
+          </a:p>
+          <a:p>
+            <a:pPr lvl="1">
+              <a:buFont typeface="Wingdings" panose="05000000000000000000" pitchFamily="2" charset="2"/>
+              <a:buChar char="v"/>
+            </a:pPr>
+            <a:endParaRPr lang="fr-FR" dirty="0"/>
+          </a:p>
+          <a:p>
+            <a:pPr lvl="1">
+              <a:buFont typeface="Wingdings" panose="05000000000000000000" pitchFamily="2" charset="2"/>
+              <a:buChar char="v"/>
+            </a:pPr>
+            <a:r>
+              <a:rPr lang="fr-FR" dirty="0"/>
+              <a:t>Personnalisation des icônes représentant les pièces et les équipements</a:t>
+            </a:r>
+          </a:p>
+          <a:p>
+            <a:endParaRPr lang="fr-FR" dirty="0" smtClean="0"/>
+          </a:p>
+          <a:p>
+            <a:endParaRPr lang="fr-FR" dirty="0" smtClean="0"/>
+          </a:p>
+        </p:txBody>
+      </p:sp>
+      <p:sp>
+        <p:nvSpPr>
+          <p:cNvPr id="5" name="Titre 1"/>
+          <p:cNvSpPr txBox="1">
+            <a:spLocks/>
+          </p:cNvSpPr>
           <p:nvPr/>
-        </p:nvPicPr>
-        <p:blipFill>
-          <a:blip r:embed="rId3" cstate="screen">
-            <a:extLst>
-              <a:ext uri="{28A0092B-C50C-407E-A947-70E740481C1C}">
-                <a14:useLocalDpi xmlns:a14="http://schemas.microsoft.com/office/drawing/2010/main" val="0"/>
-              </a:ext>
-            </a:extLst>
-          </a:blip>
-          <a:stretch>
-            <a:fillRect/>
-          </a:stretch>
-        </p:blipFill>
-        <p:spPr>
-          <a:xfrm>
-            <a:off x="607649" y="1750899"/>
-            <a:ext cx="7712103" cy="4335941"/>
-          </a:xfrm>
-          <a:prstGeom prst="rect">
-            <a:avLst/>
-          </a:prstGeom>
-        </p:spPr>
-      </p:pic>
-      <p:sp>
-        <p:nvSpPr>
-          <p:cNvPr id="5" name="ZoneTexte 4"/>
+        </p:nvSpPr>
+        <p:spPr>
+          <a:xfrm>
+            <a:off x="633806" y="287798"/>
+            <a:ext cx="7876388" cy="1143000"/>
+          </a:xfrm>
+          <a:prstGeom prst="rect">
+            <a:avLst/>
+          </a:prstGeom>
+        </p:spPr>
+        <p:txBody>
+          <a:bodyPr anchor="t">
+            <a:normAutofit/>
+          </a:bodyPr>
+          <a:lstStyle>
+            <a:lvl1pPr algn="l" defTabSz="457200" rtl="0" eaLnBrk="1" latinLnBrk="0" hangingPunct="1">
+              <a:lnSpc>
+                <a:spcPct val="90000"/>
+              </a:lnSpc>
+              <a:spcBef>
+                <a:spcPct val="0"/>
+              </a:spcBef>
+              <a:buNone/>
+              <a:defRPr sz="2700" b="1" i="0" kern="1200" cap="all" baseline="0">
+                <a:solidFill>
+                  <a:schemeClr val="bg2"/>
+                </a:solidFill>
+                <a:latin typeface="+mj-lt"/>
+                <a:ea typeface="+mj-ea"/>
+                <a:cs typeface="HelveticaNeueLT Com 57 Cn" panose="020B0506030502030204" pitchFamily="34" charset="0"/>
+              </a:defRPr>
+            </a:lvl1pPr>
+          </a:lstStyle>
+          <a:p>
+            <a:pPr algn="ctr"/>
+            <a:r>
+              <a:rPr lang="fr-FR" smtClean="0"/>
+              <a:t>III. Présentation</a:t>
+            </a:r>
+            <a:endParaRPr lang="fr-FR" dirty="0"/>
+          </a:p>
+        </p:txBody>
+      </p:sp>
+      <p:sp>
+        <p:nvSpPr>
+          <p:cNvPr id="6" name="ZoneTexte 5"/>
           <p:cNvSpPr txBox="1"/>
           <p:nvPr/>
         </p:nvSpPr>
@@ -11274,7 +10859,7 @@
           <a:p>
             <a:r>
               <a:rPr lang="fr-FR" dirty="0"/>
-              <a:t>8</a:t>
+              <a:t>9</a:t>
             </a:r>
           </a:p>
         </p:txBody>
@@ -11282,7 +10867,7 @@
     </p:spTree>
     <p:extLst>
       <p:ext uri="{BB962C8B-B14F-4D97-AF65-F5344CB8AC3E}">
-        <p14:creationId xmlns:p14="http://schemas.microsoft.com/office/powerpoint/2010/main" val="4041002445"/>
+        <p14:creationId xmlns:p14="http://schemas.microsoft.com/office/powerpoint/2010/main" val="3795733035"/>
       </p:ext>
     </p:extLst>
   </p:cSld>
@@ -11330,189 +10915,36 @@
       </p:grpSpPr>
       <p:sp>
         <p:nvSpPr>
-          <p:cNvPr id="3" name="Espace réservé du texte 2"/>
+          <p:cNvPr id="2" name="Titre 1"/>
           <p:cNvSpPr>
             <a:spLocks noGrp="1"/>
           </p:cNvSpPr>
           <p:nvPr>
-            <p:ph type="body" sz="quarter" idx="10"/>
+            <p:ph type="title"/>
           </p:nvPr>
         </p:nvSpPr>
-        <p:spPr/>
+        <p:spPr>
+          <a:xfrm>
+            <a:off x="628650" y="240792"/>
+            <a:ext cx="7876388" cy="1143000"/>
+          </a:xfrm>
+        </p:spPr>
         <p:txBody>
           <a:bodyPr/>
           <a:lstStyle/>
           <a:p>
+            <a:pPr algn="ctr"/>
             <a:r>
               <a:rPr lang="fr-FR" dirty="0" smtClean="0"/>
-              <a:t>Adaptations de l’application :</a:t>
-            </a:r>
-          </a:p>
-          <a:p>
-            <a:pPr lvl="1">
-              <a:buFont typeface="Wingdings" panose="05000000000000000000" pitchFamily="2" charset="2"/>
-              <a:buChar char="v"/>
-            </a:pPr>
-            <a:endParaRPr lang="fr-FR" dirty="0" smtClean="0"/>
-          </a:p>
-          <a:p>
-            <a:pPr lvl="1">
-              <a:buFont typeface="Wingdings" panose="05000000000000000000" pitchFamily="2" charset="2"/>
-              <a:buChar char="v"/>
-            </a:pPr>
+              <a:t>DEMONSTRATION</a:t>
+            </a:r>
             <a:endParaRPr lang="fr-FR" dirty="0"/>
           </a:p>
-          <a:p>
-            <a:pPr lvl="1">
-              <a:buFont typeface="Wingdings" panose="05000000000000000000" pitchFamily="2" charset="2"/>
-              <a:buChar char="v"/>
-            </a:pPr>
-            <a:r>
-              <a:rPr lang="fr-FR" dirty="0"/>
-              <a:t>Modification du thème</a:t>
-            </a:r>
-          </a:p>
-          <a:p>
-            <a:pPr lvl="1">
-              <a:buFont typeface="Wingdings" panose="05000000000000000000" pitchFamily="2" charset="2"/>
-              <a:buChar char="v"/>
-            </a:pPr>
-            <a:endParaRPr lang="fr-FR" dirty="0"/>
-          </a:p>
-          <a:p>
-            <a:pPr lvl="1">
-              <a:buFont typeface="Wingdings" panose="05000000000000000000" pitchFamily="2" charset="2"/>
-              <a:buChar char="v"/>
-            </a:pPr>
-            <a:r>
-              <a:rPr lang="fr-FR" dirty="0"/>
-              <a:t>Modification de la taille des </a:t>
-            </a:r>
-            <a:r>
-              <a:rPr lang="fr-FR" dirty="0" smtClean="0"/>
-              <a:t>icônes</a:t>
-            </a:r>
-          </a:p>
-          <a:p>
-            <a:pPr lvl="1">
-              <a:buFont typeface="Wingdings" panose="05000000000000000000" pitchFamily="2" charset="2"/>
-              <a:buChar char="v"/>
-            </a:pPr>
-            <a:endParaRPr lang="fr-FR" dirty="0"/>
-          </a:p>
-          <a:p>
-            <a:pPr lvl="1">
-              <a:buFont typeface="Wingdings" panose="05000000000000000000" pitchFamily="2" charset="2"/>
-              <a:buChar char="v"/>
-            </a:pPr>
-            <a:r>
-              <a:rPr lang="fr-FR" dirty="0"/>
-              <a:t>Modification des paramètres </a:t>
-            </a:r>
-            <a:r>
-              <a:rPr lang="fr-FR" dirty="0" smtClean="0"/>
-              <a:t>réseau</a:t>
-            </a:r>
-          </a:p>
-          <a:p>
-            <a:pPr lvl="1">
-              <a:buFont typeface="Wingdings" panose="05000000000000000000" pitchFamily="2" charset="2"/>
-              <a:buChar char="v"/>
-            </a:pPr>
-            <a:endParaRPr lang="fr-FR" dirty="0"/>
-          </a:p>
-          <a:p>
-            <a:pPr lvl="1">
-              <a:buFont typeface="Wingdings" panose="05000000000000000000" pitchFamily="2" charset="2"/>
-              <a:buChar char="v"/>
-            </a:pPr>
-            <a:r>
-              <a:rPr lang="fr-FR" dirty="0"/>
-              <a:t>Ajout de pièces et d'équipements </a:t>
-            </a:r>
-            <a:r>
-              <a:rPr lang="fr-FR" dirty="0" smtClean="0"/>
-              <a:t>contrôlables</a:t>
-            </a:r>
-          </a:p>
-          <a:p>
-            <a:pPr lvl="1">
-              <a:buFont typeface="Wingdings" panose="05000000000000000000" pitchFamily="2" charset="2"/>
-              <a:buChar char="v"/>
-            </a:pPr>
-            <a:endParaRPr lang="fr-FR" dirty="0"/>
-          </a:p>
-          <a:p>
-            <a:pPr lvl="1">
-              <a:buFont typeface="Wingdings" panose="05000000000000000000" pitchFamily="2" charset="2"/>
-              <a:buChar char="v"/>
-            </a:pPr>
-            <a:r>
-              <a:rPr lang="fr-FR" dirty="0"/>
-              <a:t>Personnalisation des icônes représentant les pièces et les équipements</a:t>
-            </a:r>
-          </a:p>
-          <a:p>
-            <a:endParaRPr lang="fr-FR" dirty="0" smtClean="0"/>
-          </a:p>
-          <a:p>
-            <a:endParaRPr lang="fr-FR" dirty="0" smtClean="0"/>
-          </a:p>
-        </p:txBody>
-      </p:sp>
-      <p:sp>
-        <p:nvSpPr>
-          <p:cNvPr id="5" name="Titre 1"/>
-          <p:cNvSpPr txBox="1">
-            <a:spLocks/>
-          </p:cNvSpPr>
-          <p:nvPr/>
-        </p:nvSpPr>
-        <p:spPr>
-          <a:xfrm>
-            <a:off x="633806" y="287798"/>
-            <a:ext cx="7876388" cy="1143000"/>
-          </a:xfrm>
-          <a:prstGeom prst="rect">
-            <a:avLst/>
-          </a:prstGeom>
-        </p:spPr>
-        <p:txBody>
-          <a:bodyPr anchor="t">
-            <a:normAutofit/>
-          </a:bodyPr>
-          <a:lstStyle>
-            <a:lvl1pPr algn="l" defTabSz="457200" rtl="0" eaLnBrk="1" latinLnBrk="0" hangingPunct="1">
-              <a:lnSpc>
-                <a:spcPct val="90000"/>
-              </a:lnSpc>
-              <a:spcBef>
-                <a:spcPct val="0"/>
-              </a:spcBef>
-              <a:buNone/>
-              <a:defRPr sz="2700" b="1" i="0" kern="1200" cap="all" baseline="0">
-                <a:solidFill>
-                  <a:schemeClr val="bg2"/>
-                </a:solidFill>
-                <a:latin typeface="+mj-lt"/>
-                <a:ea typeface="+mj-ea"/>
-                <a:cs typeface="HelveticaNeueLT Com 57 Cn" panose="020B0506030502030204" pitchFamily="34" charset="0"/>
-              </a:defRPr>
-            </a:lvl1pPr>
-          </a:lstStyle>
-          <a:p>
-            <a:pPr algn="ctr"/>
-            <a:r>
-              <a:rPr lang="fr-FR" smtClean="0"/>
-              <a:t>III. Présentation</a:t>
-            </a:r>
-            <a:endParaRPr lang="fr-FR" dirty="0"/>
-          </a:p>
-        </p:txBody>
-      </p:sp>
-      <p:sp>
-        <p:nvSpPr>
-          <p:cNvPr id="6" name="ZoneTexte 5"/>
+        </p:txBody>
+      </p:sp>
+      <p:sp>
+        <p:nvSpPr>
+          <p:cNvPr id="10" name="ZoneTexte 9"/>
           <p:cNvSpPr txBox="1"/>
           <p:nvPr/>
         </p:nvSpPr>
@@ -11533,16 +10965,71 @@
           <a:lstStyle/>
           <a:p>
             <a:r>
-              <a:rPr lang="fr-FR" dirty="0"/>
-              <a:t>9</a:t>
-            </a:r>
-          </a:p>
-        </p:txBody>
-      </p:sp>
+              <a:rPr lang="fr-FR" dirty="0" smtClean="0"/>
+              <a:t>10</a:t>
+            </a:r>
+            <a:endParaRPr lang="fr-FR" dirty="0"/>
+          </a:p>
+        </p:txBody>
+      </p:sp>
+      <p:pic>
+        <p:nvPicPr>
+          <p:cNvPr id="2050" name="Picture 2"/>
+          <p:cNvPicPr>
+            <a:picLocks noChangeAspect="1" noChangeArrowheads="1"/>
+          </p:cNvPicPr>
+          <p:nvPr/>
+        </p:nvPicPr>
+        <p:blipFill>
+          <a:blip r:embed="rId3">
+            <a:extLst>
+              <a:ext uri="{28A0092B-C50C-407E-A947-70E740481C1C}">
+                <a14:useLocalDpi xmlns:a14="http://schemas.microsoft.com/office/drawing/2010/main" val="0"/>
+              </a:ext>
+            </a:extLst>
+          </a:blip>
+          <a:srcRect/>
+          <a:stretch>
+            <a:fillRect/>
+          </a:stretch>
+        </p:blipFill>
+        <p:spPr bwMode="auto">
+          <a:xfrm>
+            <a:off x="2676525" y="2062163"/>
+            <a:ext cx="3790950" cy="2733675"/>
+          </a:xfrm>
+          <a:prstGeom prst="rect">
+            <a:avLst/>
+          </a:prstGeom>
+          <a:noFill/>
+          <a:ln>
+            <a:noFill/>
+          </a:ln>
+          <a:extLst>
+            <a:ext uri="{909E8E84-426E-40DD-AFC4-6F175D3DCCD1}">
+              <a14:hiddenFill xmlns:a14="http://schemas.microsoft.com/office/drawing/2010/main">
+                <a:solidFill>
+                  <a:schemeClr val="accent1"/>
+                </a:solidFill>
+              </a14:hiddenFill>
+            </a:ext>
+            <a:ext uri="{91240B29-F687-4F45-9708-019B960494DF}">
+              <a14:hiddenLine xmlns:a14="http://schemas.microsoft.com/office/drawing/2010/main" w="9525">
+                <a:solidFill>
+                  <a:schemeClr val="tx1"/>
+                </a:solidFill>
+                <a:miter lim="800000"/>
+                <a:headEnd/>
+                <a:tailEnd/>
+              </a14:hiddenLine>
+            </a:ext>
+          </a:extLst>
+        </p:spPr>
+      </p:pic>
     </p:spTree>
     <p:extLst>
       <p:ext uri="{BB962C8B-B14F-4D97-AF65-F5344CB8AC3E}">
-        <p14:creationId xmlns:p14="http://schemas.microsoft.com/office/powerpoint/2010/main" val="3795733035"/>
+        <p14:creationId xmlns:p14="http://schemas.microsoft.com/office/powerpoint/2010/main" val="3312382938"/>
       </p:ext>
     </p:extLst>
   </p:cSld>
@@ -11600,8 +11087,8 @@
         </p:nvSpPr>
         <p:spPr>
           <a:xfrm>
-            <a:off x="628650" y="240792"/>
-            <a:ext cx="7876388" cy="1143000"/>
+            <a:off x="633806" y="231501"/>
+            <a:ext cx="7876388" cy="732328"/>
           </a:xfrm>
         </p:spPr>
         <p:txBody>
@@ -11611,7 +11098,7 @@
             <a:pPr algn="ctr"/>
             <a:r>
               <a:rPr lang="fr-FR" dirty="0" smtClean="0"/>
-              <a:t>DEMONSTRATION</a:t>
+              <a:t>IV. Organisation</a:t>
             </a:r>
             <a:endParaRPr lang="fr-FR" dirty="0"/>
           </a:p>
@@ -11619,7 +11106,99 @@
       </p:sp>
       <p:sp>
         <p:nvSpPr>
-          <p:cNvPr id="10" name="ZoneTexte 9"/>
+          <p:cNvPr id="3" name="Espace réservé du texte 2"/>
+          <p:cNvSpPr>
+            <a:spLocks noGrp="1"/>
+          </p:cNvSpPr>
+          <p:nvPr>
+            <p:ph type="body" sz="quarter" idx="10"/>
+          </p:nvPr>
+        </p:nvSpPr>
+        <p:spPr/>
+        <p:txBody>
+          <a:bodyPr/>
+          <a:lstStyle/>
+          <a:p>
+            <a:r>
+              <a:rPr lang="fr-FR" dirty="0" smtClean="0"/>
+              <a:t>Corentin : communication avec la </a:t>
+            </a:r>
+            <a:r>
+              <a:rPr lang="fr-FR" dirty="0" err="1" smtClean="0"/>
+              <a:t>Kira</a:t>
+            </a:r>
+            <a:r>
+              <a:rPr lang="fr-FR" dirty="0" smtClean="0"/>
+              <a:t> et la </a:t>
+            </a:r>
+            <a:r>
+              <a:rPr lang="fr-FR" dirty="0" err="1" smtClean="0"/>
+              <a:t>Fibaro</a:t>
+            </a:r>
+            <a:endParaRPr lang="fr-FR" dirty="0" smtClean="0"/>
+          </a:p>
+          <a:p>
+            <a:endParaRPr lang="fr-FR" dirty="0"/>
+          </a:p>
+          <a:p>
+            <a:endParaRPr lang="fr-FR" dirty="0" smtClean="0"/>
+          </a:p>
+          <a:p>
+            <a:r>
+              <a:rPr lang="fr-FR" dirty="0" smtClean="0"/>
+              <a:t>Iman et </a:t>
+            </a:r>
+            <a:r>
+              <a:rPr lang="fr-FR" dirty="0" err="1" smtClean="0"/>
+              <a:t>Enora</a:t>
+            </a:r>
+            <a:r>
+              <a:rPr lang="fr-FR" dirty="0" smtClean="0"/>
+              <a:t> : modification de l’interface graphique</a:t>
+            </a:r>
+          </a:p>
+          <a:p>
+            <a:endParaRPr lang="fr-FR" dirty="0"/>
+          </a:p>
+          <a:p>
+            <a:endParaRPr lang="fr-FR" dirty="0" smtClean="0"/>
+          </a:p>
+          <a:p>
+            <a:r>
+              <a:rPr lang="fr-FR" dirty="0" err="1" smtClean="0"/>
+              <a:t>Meven</a:t>
+            </a:r>
+            <a:r>
+              <a:rPr lang="fr-FR" dirty="0" smtClean="0"/>
+              <a:t> : refonte </a:t>
+            </a:r>
+            <a:r>
+              <a:rPr lang="fr-FR" smtClean="0"/>
+              <a:t>du modèle </a:t>
+            </a:r>
+            <a:r>
+              <a:rPr lang="fr-FR" dirty="0" smtClean="0"/>
+              <a:t>en C++</a:t>
+            </a:r>
+          </a:p>
+          <a:p>
+            <a:endParaRPr lang="fr-FR" dirty="0"/>
+          </a:p>
+          <a:p>
+            <a:endParaRPr lang="fr-FR" dirty="0" smtClean="0"/>
+          </a:p>
+          <a:p>
+            <a:r>
+              <a:rPr lang="fr-FR" dirty="0" smtClean="0"/>
+              <a:t>Diane : communication en Bluetooth avec le fauteuil</a:t>
+            </a:r>
+            <a:endParaRPr lang="fr-FR" dirty="0"/>
+          </a:p>
+        </p:txBody>
+      </p:sp>
+      <p:sp>
+        <p:nvSpPr>
+          <p:cNvPr id="4" name="ZoneTexte 3"/>
           <p:cNvSpPr txBox="1"/>
           <p:nvPr/>
         </p:nvSpPr>
@@ -11641,70 +11220,16 @@
           <a:p>
             <a:r>
               <a:rPr lang="fr-FR" dirty="0" smtClean="0"/>
-              <a:t>10</a:t>
+              <a:t>11</a:t>
             </a:r>
             <a:endParaRPr lang="fr-FR" dirty="0"/>
           </a:p>
         </p:txBody>
       </p:sp>
-      <p:pic>
-        <p:nvPicPr>
-          <p:cNvPr id="2050" name="Picture 2"/>
-          <p:cNvPicPr>
-            <a:picLocks noChangeAspect="1" noChangeArrowheads="1"/>
-          </p:cNvPicPr>
-          <p:nvPr/>
-        </p:nvPicPr>
-        <p:blipFill>
-          <a:blip r:embed="rId3">
-            <a:extLst>
-              <a:ext uri="{28A0092B-C50C-407E-A947-70E740481C1C}">
-                <a14:useLocalDpi xmlns:a14="http://schemas.microsoft.com/office/drawing/2010/main" val="0"/>
-              </a:ext>
-            </a:extLst>
-          </a:blip>
-          <a:srcRect/>
-          <a:stretch>
-            <a:fillRect/>
-          </a:stretch>
-        </p:blipFill>
-        <p:spPr bwMode="auto">
-          <a:xfrm>
-            <a:off x="2676525" y="2062163"/>
-            <a:ext cx="3790950" cy="2733675"/>
-          </a:xfrm>
-          <a:prstGeom prst="rect">
-            <a:avLst/>
-          </a:prstGeom>
-          <a:noFill/>
-          <a:ln>
-            <a:noFill/>
-          </a:ln>
-          <a:extLst>
-            <a:ext uri="{909E8E84-426E-40DD-AFC4-6F175D3DCCD1}">
-              <a14:hiddenFill xmlns:a14="http://schemas.microsoft.com/office/drawing/2010/main">
-                <a:solidFill>
-                  <a:schemeClr val="accent1"/>
-                </a:solidFill>
-              </a14:hiddenFill>
-            </a:ext>
-            <a:ext uri="{91240B29-F687-4F45-9708-019B960494DF}">
-              <a14:hiddenLine xmlns:a14="http://schemas.microsoft.com/office/drawing/2010/main" w="9525">
-                <a:solidFill>
-                  <a:schemeClr val="tx1"/>
-                </a:solidFill>
-                <a:miter lim="800000"/>
-                <a:headEnd/>
-                <a:tailEnd/>
-              </a14:hiddenLine>
-            </a:ext>
-          </a:extLst>
-        </p:spPr>
-      </p:pic>
     </p:spTree>
     <p:extLst>
       <p:ext uri="{BB962C8B-B14F-4D97-AF65-F5344CB8AC3E}">
-        <p14:creationId xmlns:p14="http://schemas.microsoft.com/office/powerpoint/2010/main" val="3312382938"/>
+        <p14:creationId xmlns:p14="http://schemas.microsoft.com/office/powerpoint/2010/main" val="286653282"/>
       </p:ext>
     </p:extLst>
   </p:cSld>
@@ -11752,206 +11277,6 @@
       </p:grpSpPr>
       <p:sp>
         <p:nvSpPr>
-          <p:cNvPr id="2" name="Titre 1"/>
-          <p:cNvSpPr>
-            <a:spLocks noGrp="1"/>
-          </p:cNvSpPr>
-          <p:nvPr>
-            <p:ph type="title"/>
-          </p:nvPr>
-        </p:nvSpPr>
-        <p:spPr>
-          <a:xfrm>
-            <a:off x="633806" y="231501"/>
-            <a:ext cx="7876388" cy="732328"/>
-          </a:xfrm>
-        </p:spPr>
-        <p:txBody>
-          <a:bodyPr/>
-          <a:lstStyle/>
-          <a:p>
-            <a:pPr algn="ctr"/>
-            <a:r>
-              <a:rPr lang="fr-FR" dirty="0" smtClean="0"/>
-              <a:t>IV. Organisation</a:t>
-            </a:r>
-            <a:endParaRPr lang="fr-FR" dirty="0"/>
-          </a:p>
-        </p:txBody>
-      </p:sp>
-      <p:sp>
-        <p:nvSpPr>
-          <p:cNvPr id="3" name="Espace réservé du texte 2"/>
-          <p:cNvSpPr>
-            <a:spLocks noGrp="1"/>
-          </p:cNvSpPr>
-          <p:nvPr>
-            <p:ph type="body" sz="quarter" idx="10"/>
-          </p:nvPr>
-        </p:nvSpPr>
-        <p:spPr/>
-        <p:txBody>
-          <a:bodyPr/>
-          <a:lstStyle/>
-          <a:p>
-            <a:r>
-              <a:rPr lang="fr-FR" dirty="0" smtClean="0"/>
-              <a:t>Corentin : communication avec la </a:t>
-            </a:r>
-            <a:r>
-              <a:rPr lang="fr-FR" dirty="0" err="1" smtClean="0"/>
-              <a:t>Kira</a:t>
-            </a:r>
-            <a:r>
-              <a:rPr lang="fr-FR" dirty="0" smtClean="0"/>
-              <a:t> et la </a:t>
-            </a:r>
-            <a:r>
-              <a:rPr lang="fr-FR" dirty="0" err="1" smtClean="0"/>
-              <a:t>Fibaro</a:t>
-            </a:r>
-            <a:endParaRPr lang="fr-FR" dirty="0" smtClean="0"/>
-          </a:p>
-          <a:p>
-            <a:endParaRPr lang="fr-FR" dirty="0"/>
-          </a:p>
-          <a:p>
-            <a:endParaRPr lang="fr-FR" dirty="0" smtClean="0"/>
-          </a:p>
-          <a:p>
-            <a:r>
-              <a:rPr lang="fr-FR" dirty="0" smtClean="0"/>
-              <a:t>Iman et </a:t>
-            </a:r>
-            <a:r>
-              <a:rPr lang="fr-FR" dirty="0" err="1" smtClean="0"/>
-              <a:t>Enora</a:t>
-            </a:r>
-            <a:r>
-              <a:rPr lang="fr-FR" dirty="0" smtClean="0"/>
-              <a:t> : modification de l’interface graphique</a:t>
-            </a:r>
-          </a:p>
-          <a:p>
-            <a:endParaRPr lang="fr-FR" dirty="0"/>
-          </a:p>
-          <a:p>
-            <a:endParaRPr lang="fr-FR" dirty="0" smtClean="0"/>
-          </a:p>
-          <a:p>
-            <a:r>
-              <a:rPr lang="fr-FR" dirty="0" err="1" smtClean="0"/>
-              <a:t>Meven</a:t>
-            </a:r>
-            <a:r>
-              <a:rPr lang="fr-FR" dirty="0" smtClean="0"/>
-              <a:t> : refonte </a:t>
-            </a:r>
-            <a:r>
-              <a:rPr lang="fr-FR" smtClean="0"/>
-              <a:t>du modèle </a:t>
-            </a:r>
-            <a:r>
-              <a:rPr lang="fr-FR" dirty="0" smtClean="0"/>
-              <a:t>en C++</a:t>
-            </a:r>
-          </a:p>
-          <a:p>
-            <a:endParaRPr lang="fr-FR" dirty="0"/>
-          </a:p>
-          <a:p>
-            <a:endParaRPr lang="fr-FR" dirty="0" smtClean="0"/>
-          </a:p>
-          <a:p>
-            <a:r>
-              <a:rPr lang="fr-FR" dirty="0" smtClean="0"/>
-              <a:t>Diane : communication en Bluetooth avec le fauteuil</a:t>
-            </a:r>
-            <a:endParaRPr lang="fr-FR" dirty="0"/>
-          </a:p>
-        </p:txBody>
-      </p:sp>
-      <p:sp>
-        <p:nvSpPr>
-          <p:cNvPr id="4" name="ZoneTexte 3"/>
-          <p:cNvSpPr txBox="1"/>
-          <p:nvPr/>
-        </p:nvSpPr>
-        <p:spPr>
-          <a:xfrm>
-            <a:off x="8496300" y="6296025"/>
-            <a:ext cx="495300" cy="369332"/>
-          </a:xfrm>
-          <a:prstGeom prst="rect">
-            <a:avLst/>
-          </a:prstGeom>
-          <a:noFill/>
-        </p:spPr>
-        <p:txBody>
-          <a:bodyPr wrap="square" rtlCol="0">
-            <a:spAutoFit/>
-          </a:bodyPr>
-          <a:lstStyle/>
-          <a:p>
-            <a:r>
-              <a:rPr lang="fr-FR" dirty="0" smtClean="0"/>
-              <a:t>11</a:t>
-            </a:r>
-            <a:endParaRPr lang="fr-FR" dirty="0"/>
-          </a:p>
-        </p:txBody>
-      </p:sp>
-    </p:spTree>
-    <p:extLst>
-      <p:ext uri="{BB962C8B-B14F-4D97-AF65-F5344CB8AC3E}">
-        <p14:creationId xmlns:p14="http://schemas.microsoft.com/office/powerpoint/2010/main" val="286653282"/>
-      </p:ext>
-    </p:extLst>
-  </p:cSld>
-  <p:clrMapOvr>
-    <a:masterClrMapping/>
-  </p:clrMapOvr>
-  <mc:AlternateContent xmlns:mc="http://schemas.openxmlformats.org/markup-compatibility/2006" xmlns:p14="http://schemas.microsoft.com/office/powerpoint/2010/main">
-    <mc:Choice Requires="p14">
-      <p:transition spd="med" p14:dur="700">
-        <p:fade/>
-      </p:transition>
-    </mc:Choice>
-    <mc:Fallback xmlns="">
-      <p:transition spd="med">
-        <p:fade/>
-      </p:transition>
-    </mc:Fallback>
-  </mc:AlternateContent>
-  <p:timing>
-    <p:tnLst>
-      <p:par>
-        <p:cTn id="1" dur="indefinite" restart="never" nodeType="tmRoot"/>
-      </p:par>
-    </p:tnLst>
-  </p:timing>
-</p:sld>
-</file>
-
-<file path=ppt/slides/slide17.xml><?xml version="1.0" encoding="utf-8"?>
-<p:sld xmlns:a="http://schemas.openxmlformats.org/drawingml/2006/main" xmlns:r="http://schemas.openxmlformats.org/officeDocument/2006/relationships" xmlns:p="http://schemas.openxmlformats.org/presentationml/2006/main">
-  <p:cSld>
-    <p:spTree>
-      <p:nvGrpSpPr>
-        <p:cNvPr id="1" name=""/>
-        <p:cNvGrpSpPr/>
-        <p:nvPr/>
-      </p:nvGrpSpPr>
-      <p:grpSpPr>
-        <a:xfrm>
-          <a:off x="0" y="0"/>
-          <a:ext cx="0" cy="0"/>
-          <a:chOff x="0" y="0"/>
-          <a:chExt cx="0" cy="0"/>
-        </a:xfrm>
-      </p:grpSpPr>
-      <p:sp>
-        <p:nvSpPr>
           <p:cNvPr id="3" name="Espace réservé du texte 2"/>
           <p:cNvSpPr>
             <a:spLocks noGrp="1"/>
@@ -12201,7 +11526,7 @@
 </p:sld>
 </file>
 
-<file path=ppt/slides/slide18.xml><?xml version="1.0" encoding="utf-8"?>
+<file path=ppt/slides/slide17.xml><?xml version="1.0" encoding="utf-8"?>
 <p:sld xmlns:a="http://schemas.openxmlformats.org/drawingml/2006/main" xmlns:r="http://schemas.openxmlformats.org/officeDocument/2006/relationships" xmlns:p="http://schemas.openxmlformats.org/presentationml/2006/main">
   <p:cSld>
     <p:spTree>
@@ -12538,7 +11863,7 @@
 </p:sld>
 </file>
 
-<file path=ppt/slides/slide19.xml><?xml version="1.0" encoding="utf-8"?>
+<file path=ppt/slides/slide18.xml><?xml version="1.0" encoding="utf-8"?>
 <p:sld xmlns:a="http://schemas.openxmlformats.org/drawingml/2006/main" xmlns:r="http://schemas.openxmlformats.org/officeDocument/2006/relationships" xmlns:p="http://schemas.openxmlformats.org/presentationml/2006/main">
   <p:cSld>
     <p:spTree>
@@ -12790,6 +12115,244 @@
     <p:extLst>
       <p:ext uri="{BB962C8B-B14F-4D97-AF65-F5344CB8AC3E}">
         <p14:creationId xmlns:p14="http://schemas.microsoft.com/office/powerpoint/2010/main" val="2207254702"/>
+      </p:ext>
+    </p:extLst>
+  </p:cSld>
+  <p:clrMapOvr>
+    <a:masterClrMapping/>
+  </p:clrMapOvr>
+  <mc:AlternateContent xmlns:mc="http://schemas.openxmlformats.org/markup-compatibility/2006" xmlns:p14="http://schemas.microsoft.com/office/powerpoint/2010/main">
+    <mc:Choice Requires="p14">
+      <p:transition spd="med" p14:dur="700">
+        <p:fade/>
+      </p:transition>
+    </mc:Choice>
+    <mc:Fallback xmlns="">
+      <p:transition spd="med">
+        <p:fade/>
+      </p:transition>
+    </mc:Fallback>
+  </mc:AlternateContent>
+  <p:timing>
+    <p:tnLst>
+      <p:par>
+        <p:cTn id="1" dur="indefinite" restart="never" nodeType="tmRoot"/>
+      </p:par>
+    </p:tnLst>
+  </p:timing>
+</p:sld>
+</file>
+
+<file path=ppt/slides/slide19.xml><?xml version="1.0" encoding="utf-8"?>
+<p:sld xmlns:a="http://schemas.openxmlformats.org/drawingml/2006/main" xmlns:r="http://schemas.openxmlformats.org/officeDocument/2006/relationships" xmlns:p="http://schemas.openxmlformats.org/presentationml/2006/main">
+  <p:cSld>
+    <p:spTree>
+      <p:nvGrpSpPr>
+        <p:cNvPr id="1" name=""/>
+        <p:cNvGrpSpPr/>
+        <p:nvPr/>
+      </p:nvGrpSpPr>
+      <p:grpSpPr>
+        <a:xfrm>
+          <a:off x="0" y="0"/>
+          <a:ext cx="0" cy="0"/>
+          <a:chOff x="0" y="0"/>
+          <a:chExt cx="0" cy="0"/>
+        </a:xfrm>
+      </p:grpSpPr>
+      <p:sp>
+        <p:nvSpPr>
+          <p:cNvPr id="3" name="Espace réservé du texte 2"/>
+          <p:cNvSpPr>
+            <a:spLocks noGrp="1"/>
+          </p:cNvSpPr>
+          <p:nvPr>
+            <p:ph type="body" sz="quarter" idx="10"/>
+          </p:nvPr>
+        </p:nvSpPr>
+        <p:spPr/>
+        <p:txBody>
+          <a:bodyPr/>
+          <a:lstStyle/>
+          <a:p>
+            <a:pPr>
+              <a:buFont typeface="Wingdings" panose="05000000000000000000" pitchFamily="2" charset="2"/>
+              <a:buChar char="§"/>
+            </a:pPr>
+            <a:endParaRPr lang="en-US" dirty="0" smtClean="0"/>
+          </a:p>
+          <a:p>
+            <a:r>
+              <a:rPr lang="fr-FR" sz="2400" dirty="0" smtClean="0"/>
+              <a:t>Points d’amélioration :</a:t>
+            </a:r>
+          </a:p>
+          <a:p>
+            <a:pPr lvl="1"/>
+            <a:r>
+              <a:rPr lang="fr-FR" sz="2000" dirty="0">
+                <a:solidFill>
+                  <a:schemeClr val="tx1"/>
+                </a:solidFill>
+              </a:rPr>
+              <a:t>Défilement</a:t>
+            </a:r>
+          </a:p>
+          <a:p>
+            <a:pPr lvl="1"/>
+            <a:r>
+              <a:rPr lang="fr-FR" sz="2000" dirty="0">
+                <a:solidFill>
+                  <a:schemeClr val="tx1"/>
+                </a:solidFill>
+              </a:rPr>
+              <a:t>Paramétrage plus simple</a:t>
+            </a:r>
+          </a:p>
+          <a:p>
+            <a:pPr lvl="1"/>
+            <a:r>
+              <a:rPr lang="fr-FR" sz="2000" dirty="0">
+                <a:solidFill>
+                  <a:schemeClr val="tx1"/>
+                </a:solidFill>
+              </a:rPr>
+              <a:t>Sécurité</a:t>
+            </a:r>
+          </a:p>
+          <a:p>
+            <a:pPr marL="0" indent="0">
+              <a:buNone/>
+            </a:pPr>
+            <a:endParaRPr lang="fr-FR" sz="2400" dirty="0" smtClean="0"/>
+          </a:p>
+          <a:p>
+            <a:pPr marL="0" indent="0">
+              <a:buNone/>
+            </a:pPr>
+            <a:endParaRPr lang="fr-FR" sz="2400" dirty="0"/>
+          </a:p>
+          <a:p>
+            <a:pPr marL="271463" lvl="1" indent="-271463">
+              <a:buClr>
+                <a:schemeClr val="tx2"/>
+              </a:buClr>
+              <a:buSzPct val="80000"/>
+              <a:buFont typeface="Wingdings 3" panose="05040102010807070707" pitchFamily="18" charset="2"/>
+              <a:buChar char=""/>
+            </a:pPr>
+            <a:r>
+              <a:rPr lang="fr-FR" sz="2400" dirty="0">
+                <a:solidFill>
+                  <a:schemeClr val="tx1"/>
+                </a:solidFill>
+              </a:rPr>
+              <a:t>Application fonctionnelle et utilisable</a:t>
+            </a:r>
+          </a:p>
+          <a:p>
+            <a:endParaRPr lang="fr-FR" sz="2400" dirty="0" smtClean="0"/>
+          </a:p>
+          <a:p>
+            <a:pPr lvl="1"/>
+            <a:endParaRPr lang="fr-FR" sz="2000" dirty="0"/>
+          </a:p>
+          <a:p>
+            <a:pPr lvl="1"/>
+            <a:endParaRPr lang="fr-FR" sz="2000" dirty="0" smtClean="0"/>
+          </a:p>
+          <a:p>
+            <a:pPr marL="457200" lvl="1" indent="0">
+              <a:buNone/>
+            </a:pPr>
+            <a:endParaRPr lang="fr-FR" sz="2000" dirty="0" smtClean="0"/>
+          </a:p>
+        </p:txBody>
+      </p:sp>
+      <p:sp>
+        <p:nvSpPr>
+          <p:cNvPr id="4" name="Titre 1"/>
+          <p:cNvSpPr txBox="1">
+            <a:spLocks/>
+          </p:cNvSpPr>
+          <p:nvPr/>
+        </p:nvSpPr>
+        <p:spPr>
+          <a:xfrm>
+            <a:off x="633806" y="270681"/>
+            <a:ext cx="7876388" cy="1143000"/>
+          </a:xfrm>
+          <a:prstGeom prst="rect">
+            <a:avLst/>
+          </a:prstGeom>
+        </p:spPr>
+        <p:txBody>
+          <a:bodyPr anchor="t">
+            <a:normAutofit/>
+          </a:bodyPr>
+          <a:lstStyle>
+            <a:lvl1pPr algn="l" defTabSz="457200" rtl="0" eaLnBrk="1" latinLnBrk="0" hangingPunct="1">
+              <a:lnSpc>
+                <a:spcPct val="90000"/>
+              </a:lnSpc>
+              <a:spcBef>
+                <a:spcPct val="0"/>
+              </a:spcBef>
+              <a:buNone/>
+              <a:defRPr sz="2700" b="1" i="0" kern="1200" cap="all" baseline="0">
+                <a:solidFill>
+                  <a:schemeClr val="bg2"/>
+                </a:solidFill>
+                <a:latin typeface="+mj-lt"/>
+                <a:ea typeface="+mj-ea"/>
+                <a:cs typeface="HelveticaNeueLT Com 57 Cn" panose="020B0506030502030204" pitchFamily="34" charset="0"/>
+              </a:defRPr>
+            </a:lvl1pPr>
+          </a:lstStyle>
+          <a:p>
+            <a:pPr algn="ctr"/>
+            <a:r>
+              <a:rPr lang="fr-FR" dirty="0" smtClean="0"/>
+              <a:t>VI. Bilan</a:t>
+            </a:r>
+            <a:endParaRPr lang="fr-FR" dirty="0"/>
+          </a:p>
+        </p:txBody>
+      </p:sp>
+      <p:sp>
+        <p:nvSpPr>
+          <p:cNvPr id="5" name="ZoneTexte 4"/>
+          <p:cNvSpPr txBox="1"/>
+          <p:nvPr/>
+        </p:nvSpPr>
+        <p:spPr>
+          <a:xfrm>
+            <a:off x="8496300" y="6296025"/>
+            <a:ext cx="495300" cy="369332"/>
+          </a:xfrm>
+          <a:prstGeom prst="rect">
+            <a:avLst/>
+          </a:prstGeom>
+          <a:noFill/>
+        </p:spPr>
+        <p:txBody>
+          <a:bodyPr wrap="square" rtlCol="0">
+            <a:spAutoFit/>
+          </a:bodyPr>
+          <a:lstStyle/>
+          <a:p>
+            <a:r>
+              <a:rPr lang="fr-FR" dirty="0" smtClean="0"/>
+              <a:t>15</a:t>
+            </a:r>
+            <a:endParaRPr lang="fr-FR" dirty="0"/>
+          </a:p>
+        </p:txBody>
+      </p:sp>
+    </p:spTree>
+    <p:extLst>
+      <p:ext uri="{BB962C8B-B14F-4D97-AF65-F5344CB8AC3E}">
+        <p14:creationId xmlns:p14="http://schemas.microsoft.com/office/powerpoint/2010/main" val="3484511506"/>
       </p:ext>
     </p:extLst>
   </p:cSld>
@@ -13043,103 +12606,58 @@
           <a:bodyPr/>
           <a:lstStyle/>
           <a:p>
-            <a:pPr>
-              <a:buFont typeface="Wingdings" panose="05000000000000000000" pitchFamily="2" charset="2"/>
-              <a:buChar char="§"/>
-            </a:pPr>
-            <a:endParaRPr lang="en-US" dirty="0" smtClean="0"/>
+            <a:endParaRPr lang="fr-FR" sz="2400" dirty="0" smtClean="0"/>
           </a:p>
           <a:p>
             <a:r>
               <a:rPr lang="fr-FR" sz="2400" dirty="0" smtClean="0"/>
-              <a:t>Points d’amélioration :</a:t>
-            </a:r>
-          </a:p>
-          <a:p>
-            <a:pPr lvl="1"/>
-            <a:r>
-              <a:rPr lang="fr-FR" sz="2000" dirty="0">
-                <a:solidFill>
-                  <a:schemeClr val="tx1"/>
-                </a:solidFill>
-              </a:rPr>
-              <a:t>Défilement</a:t>
-            </a:r>
-          </a:p>
-          <a:p>
-            <a:pPr lvl="1"/>
-            <a:r>
-              <a:rPr lang="fr-FR" sz="2000" dirty="0">
-                <a:solidFill>
-                  <a:schemeClr val="tx1"/>
-                </a:solidFill>
-              </a:rPr>
-              <a:t>Paramétrage plus simple</a:t>
-            </a:r>
-          </a:p>
-          <a:p>
-            <a:pPr lvl="1"/>
-            <a:r>
-              <a:rPr lang="fr-FR" sz="2000" dirty="0">
-                <a:solidFill>
-                  <a:schemeClr val="tx1"/>
-                </a:solidFill>
-              </a:rPr>
-              <a:t>Sécurité</a:t>
-            </a:r>
+              <a:t>Challenge</a:t>
+            </a:r>
+          </a:p>
+          <a:p>
+            <a:endParaRPr lang="fr-FR" sz="2400" dirty="0" smtClean="0"/>
+          </a:p>
+          <a:p>
+            <a:endParaRPr lang="fr-FR" sz="2400" dirty="0"/>
+          </a:p>
+          <a:p>
+            <a:endParaRPr lang="fr-FR" sz="2400" dirty="0" smtClean="0"/>
+          </a:p>
+          <a:p>
+            <a:r>
+              <a:rPr lang="fr-FR" sz="2400" dirty="0"/>
+              <a:t>Projet concret</a:t>
+            </a:r>
+          </a:p>
+          <a:p>
+            <a:endParaRPr lang="fr-FR" sz="2400" dirty="0"/>
+          </a:p>
+          <a:p>
+            <a:endParaRPr lang="fr-FR" sz="2400" dirty="0" smtClean="0"/>
+          </a:p>
+          <a:p>
+            <a:endParaRPr lang="fr-FR" sz="2400" dirty="0" smtClean="0"/>
           </a:p>
           <a:p>
             <a:pPr marL="0" indent="0">
               <a:buNone/>
             </a:pPr>
-            <a:endParaRPr lang="fr-FR" sz="2400" dirty="0" smtClean="0"/>
+            <a:r>
+              <a:rPr lang="fr-FR" dirty="0"/>
+              <a:t>	</a:t>
+            </a:r>
           </a:p>
           <a:p>
             <a:pPr marL="0" indent="0">
               <a:buNone/>
             </a:pPr>
-            <a:endParaRPr lang="fr-FR" sz="2400" dirty="0"/>
-          </a:p>
-          <a:p>
-            <a:pPr marL="271463" lvl="1" indent="-271463">
-              <a:buClr>
-                <a:schemeClr val="tx2"/>
-              </a:buClr>
-              <a:buSzPct val="80000"/>
-              <a:buFont typeface="Wingdings 3" panose="05040102010807070707" pitchFamily="18" charset="2"/>
-              <a:buChar char=""/>
-            </a:pPr>
-            <a:r>
-              <a:rPr lang="fr-FR" sz="2400" dirty="0">
-                <a:solidFill>
-                  <a:schemeClr val="tx1"/>
-                </a:solidFill>
-              </a:rPr>
-              <a:t>Application fonctionnelle et utilisable</a:t>
-            </a:r>
-          </a:p>
-          <a:p>
-            <a:endParaRPr lang="fr-FR" sz="2400" dirty="0" smtClean="0"/>
-          </a:p>
-          <a:p>
-            <a:pPr lvl="1"/>
-            <a:endParaRPr lang="fr-FR" sz="2000" dirty="0"/>
-          </a:p>
-          <a:p>
-            <a:pPr lvl="1"/>
-            <a:endParaRPr lang="fr-FR" sz="2000" dirty="0" smtClean="0"/>
-          </a:p>
-          <a:p>
-            <a:pPr marL="457200" lvl="1" indent="0">
-              <a:buNone/>
-            </a:pPr>
-            <a:endParaRPr lang="fr-FR" sz="2000" dirty="0" smtClean="0"/>
-          </a:p>
-        </p:txBody>
-      </p:sp>
-      <p:sp>
-        <p:nvSpPr>
-          <p:cNvPr id="4" name="Titre 1"/>
+            <a:endParaRPr lang="fr-FR" dirty="0" smtClean="0"/>
+          </a:p>
+        </p:txBody>
+      </p:sp>
+      <p:sp>
+        <p:nvSpPr>
+          <p:cNvPr id="6" name="Titre 1"/>
           <p:cNvSpPr txBox="1">
             <a:spLocks/>
           </p:cNvSpPr>
@@ -13181,7 +12699,7 @@
             <a:pPr algn="ctr"/>
             <a:r>
               <a:rPr lang="fr-FR" dirty="0" smtClean="0"/>
-              <a:t>VI. Bilan</a:t>
+              <a:t>conclusion</a:t>
             </a:r>
             <a:endParaRPr lang="fr-FR" dirty="0"/>
           </a:p>
@@ -13189,7 +12707,7 @@
       </p:sp>
       <p:sp>
         <p:nvSpPr>
-          <p:cNvPr id="5" name="ZoneTexte 4"/>
+          <p:cNvPr id="7" name="ZoneTexte 6"/>
           <p:cNvSpPr txBox="1"/>
           <p:nvPr/>
         </p:nvSpPr>
@@ -13211,7 +12729,7 @@
           <a:p>
             <a:r>
               <a:rPr lang="fr-FR" dirty="0" smtClean="0"/>
-              <a:t>15</a:t>
+              <a:t>16</a:t>
             </a:r>
             <a:endParaRPr lang="fr-FR" dirty="0"/>
           </a:p>
@@ -13220,7 +12738,7 @@
     </p:spTree>
     <p:extLst>
       <p:ext uri="{BB962C8B-B14F-4D97-AF65-F5344CB8AC3E}">
-        <p14:creationId xmlns:p14="http://schemas.microsoft.com/office/powerpoint/2010/main" val="3484511506"/>
+        <p14:creationId xmlns:p14="http://schemas.microsoft.com/office/powerpoint/2010/main" val="640009553"/>
       </p:ext>
     </p:extLst>
   </p:cSld>
@@ -13268,199 +12786,6 @@
       </p:grpSpPr>
       <p:sp>
         <p:nvSpPr>
-          <p:cNvPr id="3" name="Espace réservé du texte 2"/>
-          <p:cNvSpPr>
-            <a:spLocks noGrp="1"/>
-          </p:cNvSpPr>
-          <p:nvPr>
-            <p:ph type="body" sz="quarter" idx="10"/>
-          </p:nvPr>
-        </p:nvSpPr>
-        <p:spPr/>
-        <p:txBody>
-          <a:bodyPr/>
-          <a:lstStyle/>
-          <a:p>
-            <a:endParaRPr lang="fr-FR" sz="2400" dirty="0" smtClean="0"/>
-          </a:p>
-          <a:p>
-            <a:r>
-              <a:rPr lang="fr-FR" sz="2400" dirty="0" smtClean="0"/>
-              <a:t>Challenge</a:t>
-            </a:r>
-          </a:p>
-          <a:p>
-            <a:endParaRPr lang="fr-FR" sz="2400" dirty="0" smtClean="0"/>
-          </a:p>
-          <a:p>
-            <a:endParaRPr lang="fr-FR" sz="2400" dirty="0"/>
-          </a:p>
-          <a:p>
-            <a:endParaRPr lang="fr-FR" sz="2400" dirty="0" smtClean="0"/>
-          </a:p>
-          <a:p>
-            <a:r>
-              <a:rPr lang="fr-FR" sz="2400" dirty="0"/>
-              <a:t>Projet concret</a:t>
-            </a:r>
-          </a:p>
-          <a:p>
-            <a:endParaRPr lang="fr-FR" sz="2400" dirty="0"/>
-          </a:p>
-          <a:p>
-            <a:endParaRPr lang="fr-FR" sz="2400" dirty="0" smtClean="0"/>
-          </a:p>
-          <a:p>
-            <a:endParaRPr lang="fr-FR" sz="2400" dirty="0" smtClean="0"/>
-          </a:p>
-          <a:p>
-            <a:pPr marL="0" indent="0">
-              <a:buNone/>
-            </a:pPr>
-            <a:r>
-              <a:rPr lang="fr-FR" dirty="0"/>
-              <a:t>	</a:t>
-            </a:r>
-          </a:p>
-          <a:p>
-            <a:pPr marL="0" indent="0">
-              <a:buNone/>
-            </a:pPr>
-            <a:endParaRPr lang="fr-FR" dirty="0" smtClean="0"/>
-          </a:p>
-        </p:txBody>
-      </p:sp>
-      <p:sp>
-        <p:nvSpPr>
-          <p:cNvPr id="6" name="Titre 1"/>
-          <p:cNvSpPr txBox="1">
-            <a:spLocks/>
-          </p:cNvSpPr>
-          <p:nvPr/>
-        </p:nvSpPr>
-        <p:spPr>
-          <a:xfrm>
-            <a:off x="633806" y="270681"/>
-            <a:ext cx="7876388" cy="1143000"/>
-          </a:xfrm>
-          <a:prstGeom prst="rect">
-            <a:avLst/>
-          </a:prstGeom>
-        </p:spPr>
-        <p:txBody>
-          <a:bodyPr anchor="t">
-            <a:normAutofit/>
-          </a:bodyPr>
-          <a:lstStyle>
-            <a:lvl1pPr algn="l" defTabSz="457200" rtl="0" eaLnBrk="1" latinLnBrk="0" hangingPunct="1">
-              <a:lnSpc>
-                <a:spcPct val="90000"/>
-              </a:lnSpc>
-              <a:spcBef>
-                <a:spcPct val="0"/>
-              </a:spcBef>
-              <a:buNone/>
-              <a:defRPr sz="2700" b="1" i="0" kern="1200" cap="all" baseline="0">
-                <a:solidFill>
-                  <a:schemeClr val="bg2"/>
-                </a:solidFill>
-                <a:latin typeface="+mj-lt"/>
-                <a:ea typeface="+mj-ea"/>
-                <a:cs typeface="HelveticaNeueLT Com 57 Cn" panose="020B0506030502030204" pitchFamily="34" charset="0"/>
-              </a:defRPr>
-            </a:lvl1pPr>
-          </a:lstStyle>
-          <a:p>
-            <a:pPr algn="ctr"/>
-            <a:r>
-              <a:rPr lang="fr-FR" dirty="0" smtClean="0"/>
-              <a:t>conclusion</a:t>
-            </a:r>
-            <a:endParaRPr lang="fr-FR" dirty="0"/>
-          </a:p>
-        </p:txBody>
-      </p:sp>
-      <p:sp>
-        <p:nvSpPr>
-          <p:cNvPr id="7" name="ZoneTexte 6"/>
-          <p:cNvSpPr txBox="1"/>
-          <p:nvPr/>
-        </p:nvSpPr>
-        <p:spPr>
-          <a:xfrm>
-            <a:off x="8496300" y="6296025"/>
-            <a:ext cx="495300" cy="369332"/>
-          </a:xfrm>
-          <a:prstGeom prst="rect">
-            <a:avLst/>
-          </a:prstGeom>
-          <a:noFill/>
-        </p:spPr>
-        <p:txBody>
-          <a:bodyPr wrap="square" rtlCol="0">
-            <a:spAutoFit/>
-          </a:bodyPr>
-          <a:lstStyle/>
-          <a:p>
-            <a:r>
-              <a:rPr lang="fr-FR" dirty="0" smtClean="0"/>
-              <a:t>16</a:t>
-            </a:r>
-            <a:endParaRPr lang="fr-FR" dirty="0"/>
-          </a:p>
-        </p:txBody>
-      </p:sp>
-    </p:spTree>
-    <p:extLst>
-      <p:ext uri="{BB962C8B-B14F-4D97-AF65-F5344CB8AC3E}">
-        <p14:creationId xmlns:p14="http://schemas.microsoft.com/office/powerpoint/2010/main" val="640009553"/>
-      </p:ext>
-    </p:extLst>
-  </p:cSld>
-  <p:clrMapOvr>
-    <a:masterClrMapping/>
-  </p:clrMapOvr>
-  <mc:AlternateContent xmlns:mc="http://schemas.openxmlformats.org/markup-compatibility/2006" xmlns:p14="http://schemas.microsoft.com/office/powerpoint/2010/main">
-    <mc:Choice Requires="p14">
-      <p:transition spd="med" p14:dur="700">
-        <p:fade/>
-      </p:transition>
-    </mc:Choice>
-    <mc:Fallback xmlns="">
-      <p:transition spd="med">
-        <p:fade/>
-      </p:transition>
-    </mc:Fallback>
-  </mc:AlternateContent>
-  <p:timing>
-    <p:tnLst>
-      <p:par>
-        <p:cTn id="1" dur="indefinite" restart="never" nodeType="tmRoot"/>
-      </p:par>
-    </p:tnLst>
-  </p:timing>
-</p:sld>
-</file>
-
-<file path=ppt/slides/slide22.xml><?xml version="1.0" encoding="utf-8"?>
-<p:sld xmlns:a="http://schemas.openxmlformats.org/drawingml/2006/main" xmlns:r="http://schemas.openxmlformats.org/officeDocument/2006/relationships" xmlns:p="http://schemas.openxmlformats.org/presentationml/2006/main">
-  <p:cSld>
-    <p:spTree>
-      <p:nvGrpSpPr>
-        <p:cNvPr id="1" name=""/>
-        <p:cNvGrpSpPr/>
-        <p:nvPr/>
-      </p:nvGrpSpPr>
-      <p:grpSpPr>
-        <a:xfrm>
-          <a:off x="0" y="0"/>
-          <a:ext cx="0" cy="0"/>
-          <a:chOff x="0" y="0"/>
-          <a:chExt cx="0" cy="0"/>
-        </a:xfrm>
-      </p:grpSpPr>
-      <p:sp>
-        <p:nvSpPr>
           <p:cNvPr id="4" name="Rectangle 3"/>
           <p:cNvSpPr/>
           <p:nvPr/>
@@ -13576,7 +12901,7 @@
 </p:sld>
 </file>
 
-<file path=ppt/slides/slide23.xml><?xml version="1.0" encoding="utf-8"?>
+<file path=ppt/slides/slide22.xml><?xml version="1.0" encoding="utf-8"?>
 <p:sld xmlns:a="http://schemas.openxmlformats.org/drawingml/2006/main" xmlns:r="http://schemas.openxmlformats.org/officeDocument/2006/relationships" xmlns:p="http://schemas.openxmlformats.org/presentationml/2006/main" show="0">
   <p:cSld>
     <p:spTree>
@@ -15627,36 +14952,41 @@
           </a:p>
         </p:txBody>
       </p:sp>
-      <p:pic>
-        <p:nvPicPr>
-          <p:cNvPr id="30" name="Image 29"/>
-          <p:cNvPicPr>
-            <a:picLocks noChangeAspect="1"/>
-          </p:cNvPicPr>
+      <p:cxnSp>
+        <p:nvCxnSpPr>
+          <p:cNvPr id="5" name="Connecteur droit avec flèche 4"/>
+          <p:cNvCxnSpPr>
+            <a:stCxn id="23" idx="3"/>
+          </p:cNvCxnSpPr>
           <p:nvPr/>
-        </p:nvPicPr>
-        <p:blipFill>
-          <a:blip r:embed="rId10" cstate="screen">
-            <a:extLst>
-              <a:ext uri="{28A0092B-C50C-407E-A947-70E740481C1C}">
-                <a14:useLocalDpi xmlns:a14="http://schemas.microsoft.com/office/drawing/2010/main" val="0"/>
-              </a:ext>
-            </a:extLst>
-          </a:blip>
-          <a:stretch>
-            <a:fillRect/>
-          </a:stretch>
-        </p:blipFill>
-        <p:spPr>
-          <a:xfrm rot="5400000">
-            <a:off x="5164610" y="3115808"/>
-            <a:ext cx="684643" cy="684643"/>
-          </a:xfrm>
-          <a:prstGeom prst="rect">
-            <a:avLst/>
-          </a:prstGeom>
-        </p:spPr>
-      </p:pic>
+        </p:nvCxnSpPr>
+        <p:spPr>
+          <a:xfrm>
+            <a:off x="5164610" y="3484107"/>
+            <a:ext cx="442737" cy="2401"/>
+          </a:xfrm>
+          <a:prstGeom prst="straightConnector1">
+            <a:avLst/>
+          </a:prstGeom>
+          <a:ln>
+            <a:tailEnd type="arrow"/>
+          </a:ln>
+        </p:spPr>
+        <p:style>
+          <a:lnRef idx="2">
+            <a:schemeClr val="dk1"/>
+          </a:lnRef>
+          <a:fillRef idx="0">
+            <a:schemeClr val="dk1"/>
+          </a:fillRef>
+          <a:effectRef idx="1">
+            <a:schemeClr val="dk1"/>
+          </a:effectRef>
+          <a:fontRef idx="minor">
+            <a:schemeClr val="tx1"/>
+          </a:fontRef>
+        </p:style>
+      </p:cxnSp>
     </p:spTree>
     <p:extLst>
       <p:ext uri="{BB962C8B-B14F-4D97-AF65-F5344CB8AC3E}">
@@ -16403,36 +15733,39 @@
           </a:p>
         </p:txBody>
       </p:sp>
-      <p:pic>
-        <p:nvPicPr>
-          <p:cNvPr id="13" name="Image 12"/>
-          <p:cNvPicPr>
-            <a:picLocks noChangeAspect="1"/>
-          </p:cNvPicPr>
+      <p:cxnSp>
+        <p:nvCxnSpPr>
+          <p:cNvPr id="31" name="Connecteur droit avec flèche 30"/>
+          <p:cNvCxnSpPr/>
           <p:nvPr/>
-        </p:nvPicPr>
-        <p:blipFill>
-          <a:blip r:embed="rId11" cstate="screen">
-            <a:extLst>
-              <a:ext uri="{28A0092B-C50C-407E-A947-70E740481C1C}">
-                <a14:useLocalDpi xmlns:a14="http://schemas.microsoft.com/office/drawing/2010/main" val="0"/>
-              </a:ext>
-            </a:extLst>
-          </a:blip>
-          <a:stretch>
-            <a:fillRect/>
-          </a:stretch>
-        </p:blipFill>
-        <p:spPr>
-          <a:xfrm rot="5400000">
-            <a:off x="5164610" y="3115808"/>
-            <a:ext cx="684643" cy="684643"/>
-          </a:xfrm>
-          <a:prstGeom prst="rect">
-            <a:avLst/>
-          </a:prstGeom>
-        </p:spPr>
-      </p:pic>
+        </p:nvCxnSpPr>
+        <p:spPr>
+          <a:xfrm>
+            <a:off x="5164610" y="3484107"/>
+            <a:ext cx="442737" cy="2401"/>
+          </a:xfrm>
+          <a:prstGeom prst="straightConnector1">
+            <a:avLst/>
+          </a:prstGeom>
+          <a:ln>
+            <a:tailEnd type="arrow"/>
+          </a:ln>
+        </p:spPr>
+        <p:style>
+          <a:lnRef idx="2">
+            <a:schemeClr val="dk1"/>
+          </a:lnRef>
+          <a:fillRef idx="0">
+            <a:schemeClr val="dk1"/>
+          </a:fillRef>
+          <a:effectRef idx="1">
+            <a:schemeClr val="dk1"/>
+          </a:effectRef>
+          <a:fontRef idx="minor">
+            <a:schemeClr val="tx1"/>
+          </a:fontRef>
+        </p:style>
+      </p:cxnSp>
     </p:spTree>
     <p:extLst>
       <p:ext uri="{BB962C8B-B14F-4D97-AF65-F5344CB8AC3E}">

--- a/Rendu/Diapo_soutenance.pptx
+++ b/Rendu/Diapo_soutenance.pptx
@@ -5,34 +5,33 @@
     <p:sldMasterId id="2147483648" r:id="rId1"/>
   </p:sldMasterIdLst>
   <p:notesMasterIdLst>
-    <p:notesMasterId r:id="rId24"/>
+    <p:notesMasterId r:id="rId23"/>
   </p:notesMasterIdLst>
   <p:handoutMasterIdLst>
-    <p:handoutMasterId r:id="rId25"/>
+    <p:handoutMasterId r:id="rId24"/>
   </p:handoutMasterIdLst>
   <p:sldIdLst>
     <p:sldId id="303" r:id="rId2"/>
     <p:sldId id="322" r:id="rId3"/>
     <p:sldId id="307" r:id="rId4"/>
-    <p:sldId id="324" r:id="rId5"/>
-    <p:sldId id="308" r:id="rId6"/>
-    <p:sldId id="309" r:id="rId7"/>
-    <p:sldId id="323" r:id="rId8"/>
-    <p:sldId id="326" r:id="rId9"/>
-    <p:sldId id="327" r:id="rId10"/>
-    <p:sldId id="328" r:id="rId11"/>
-    <p:sldId id="311" r:id="rId12"/>
+    <p:sldId id="308" r:id="rId5"/>
+    <p:sldId id="309" r:id="rId6"/>
+    <p:sldId id="323" r:id="rId7"/>
+    <p:sldId id="326" r:id="rId8"/>
+    <p:sldId id="327" r:id="rId9"/>
+    <p:sldId id="328" r:id="rId10"/>
+    <p:sldId id="311" r:id="rId11"/>
+    <p:sldId id="319" r:id="rId12"/>
     <p:sldId id="312" r:id="rId13"/>
     <p:sldId id="313" r:id="rId14"/>
     <p:sldId id="314" r:id="rId15"/>
     <p:sldId id="315" r:id="rId16"/>
     <p:sldId id="316" r:id="rId17"/>
     <p:sldId id="317" r:id="rId18"/>
-    <p:sldId id="319" r:id="rId19"/>
-    <p:sldId id="320" r:id="rId20"/>
-    <p:sldId id="321" r:id="rId21"/>
-    <p:sldId id="306" r:id="rId22"/>
-    <p:sldId id="325" r:id="rId23"/>
+    <p:sldId id="320" r:id="rId19"/>
+    <p:sldId id="321" r:id="rId20"/>
+    <p:sldId id="306" r:id="rId21"/>
+    <p:sldId id="325" r:id="rId22"/>
   </p:sldIdLst>
   <p:sldSz cx="9144000" cy="6858000" type="screen4x3"/>
   <p:notesSz cx="6799263" cy="9929813"/>
@@ -133,7 +132,7 @@
   </p:defaultTextStyle>
   <p:extLst>
     <p:ext uri="{EFAFB233-063F-42B5-8137-9DF3F51BA10A}">
-      <p15:sldGuideLst xmlns:p15="http://schemas.microsoft.com/office/powerpoint/2012/main" xmlns="">
+      <p15:sldGuideLst xmlns="" xmlns:p15="http://schemas.microsoft.com/office/powerpoint/2012/main">
         <p15:guide id="1" orient="horz" pos="1620">
           <p15:clr>
             <a:srgbClr val="A4A3A4"/>
@@ -268,7 +267,7 @@
             <a:fld id="{1FF860C4-84CC-4ED2-86B7-24C0345B37D5}" type="datetimeFigureOut">
               <a:rPr lang="fr-FR" smtClean="0"/>
               <a:pPr/>
-              <a:t>21/05/2016</a:t>
+              <a:t>22/05/2016</a:t>
             </a:fld>
             <a:endParaRPr lang="fr-FR"/>
           </a:p>
@@ -435,7 +434,7 @@
             <a:fld id="{C2C2714D-4FF2-4E25-9D9C-3A52AC0061D5}" type="datetimeFigureOut">
               <a:rPr lang="fr-FR" smtClean="0"/>
               <a:pPr/>
-              <a:t>21/05/2016</a:t>
+              <a:t>22/05/2016</a:t>
             </a:fld>
             <a:endParaRPr lang="fr-FR"/>
           </a:p>
@@ -843,15 +842,13 @@
           <a:p>
             <a:r>
               <a:rPr lang="fr-FR" dirty="0" smtClean="0"/>
-              <a:t>Difficultés</a:t>
-            </a:r>
-            <a:r>
-              <a:rPr lang="fr-FR" baseline="0" dirty="0" smtClean="0"/>
-              <a:t> -&gt; ce qu’on a mis en place pour les surpasser : bilan </a:t>
-            </a:r>
-            <a:r>
-              <a:rPr lang="fr-FR" baseline="0" dirty="0" err="1" smtClean="0"/>
-              <a:t>GdP</a:t>
+              <a:t>Rajouter intégration, tests</a:t>
+            </a:r>
+          </a:p>
+          <a:p>
+            <a:r>
+              <a:rPr lang="fr-FR" dirty="0" smtClean="0"/>
+              <a:t>Rendu -&gt; Livraison</a:t>
             </a:r>
             <a:endParaRPr lang="fr-FR" dirty="0"/>
           </a:p>
@@ -875,7 +872,7 @@
             <a:fld id="{39168679-7C28-4FFB-8A08-9AACB039AAD4}" type="slidenum">
               <a:rPr lang="fr-FR" smtClean="0"/>
               <a:pPr/>
-              <a:t>17</a:t>
+              <a:t>16</a:t>
             </a:fld>
             <a:endParaRPr lang="fr-FR"/>
           </a:p>
@@ -884,7 +881,7 @@
     </p:spTree>
     <p:extLst>
       <p:ext uri="{BB962C8B-B14F-4D97-AF65-F5344CB8AC3E}">
-        <p14:creationId xmlns:p14="http://schemas.microsoft.com/office/powerpoint/2010/main" val="47610137"/>
+        <p14:creationId xmlns:p14="http://schemas.microsoft.com/office/powerpoint/2010/main" val="2052621434"/>
       </p:ext>
     </p:extLst>
   </p:cSld>
@@ -940,38 +937,15 @@
           <a:p>
             <a:r>
               <a:rPr lang="fr-FR" dirty="0" smtClean="0"/>
-              <a:t>+ relation avec industriels</a:t>
-            </a:r>
-          </a:p>
-          <a:p>
-            <a:r>
-              <a:rPr lang="fr-FR" dirty="0" smtClean="0"/>
-              <a:t>Différents types de bilan : choix techniques, </a:t>
-            </a:r>
-            <a:r>
-              <a:rPr lang="fr-FR" dirty="0" err="1" smtClean="0"/>
+              <a:t>Difficultés</a:t>
+            </a:r>
+            <a:r>
+              <a:rPr lang="fr-FR" baseline="0" dirty="0" smtClean="0"/>
+              <a:t> -&gt; ce qu’on a mis en place pour les surpasser : bilan </a:t>
+            </a:r>
+            <a:r>
+              <a:rPr lang="fr-FR" baseline="0" dirty="0" err="1" smtClean="0"/>
               <a:t>GdP</a:t>
-            </a:r>
-            <a:r>
-              <a:rPr lang="fr-FR" dirty="0" smtClean="0"/>
-              <a:t>, perso </a:t>
-            </a:r>
-            <a:r>
-              <a:rPr lang="fr-FR" dirty="0" err="1" smtClean="0"/>
-              <a:t>etc</a:t>
-            </a:r>
-            <a:endParaRPr lang="fr-FR" dirty="0" smtClean="0"/>
-          </a:p>
-          <a:p>
-            <a:r>
-              <a:rPr lang="fr-FR" dirty="0" smtClean="0"/>
-              <a:t>Dire que CA MARCHE</a:t>
-            </a:r>
-          </a:p>
-          <a:p>
-            <a:r>
-              <a:rPr lang="fr-FR" dirty="0" smtClean="0"/>
-              <a:t>SWAP</a:t>
             </a:r>
             <a:endParaRPr lang="fr-FR" dirty="0"/>
           </a:p>
@@ -995,7 +969,127 @@
             <a:fld id="{39168679-7C28-4FFB-8A08-9AACB039AAD4}" type="slidenum">
               <a:rPr lang="fr-FR" smtClean="0"/>
               <a:pPr/>
-              <a:t>19</a:t>
+              <a:t>17</a:t>
+            </a:fld>
+            <a:endParaRPr lang="fr-FR"/>
+          </a:p>
+        </p:txBody>
+      </p:sp>
+    </p:spTree>
+    <p:extLst>
+      <p:ext uri="{BB962C8B-B14F-4D97-AF65-F5344CB8AC3E}">
+        <p14:creationId xmlns:p14="http://schemas.microsoft.com/office/powerpoint/2010/main" val="47610137"/>
+      </p:ext>
+    </p:extLst>
+  </p:cSld>
+  <p:clrMapOvr>
+    <a:masterClrMapping/>
+  </p:clrMapOvr>
+</p:notes>
+</file>
+
+<file path=ppt/notesSlides/notesSlide12.xml><?xml version="1.0" encoding="utf-8"?>
+<p:notes xmlns:a="http://schemas.openxmlformats.org/drawingml/2006/main" xmlns:r="http://schemas.openxmlformats.org/officeDocument/2006/relationships" xmlns:p="http://schemas.openxmlformats.org/presentationml/2006/main">
+  <p:cSld>
+    <p:spTree>
+      <p:nvGrpSpPr>
+        <p:cNvPr id="1" name=""/>
+        <p:cNvGrpSpPr/>
+        <p:nvPr/>
+      </p:nvGrpSpPr>
+      <p:grpSpPr>
+        <a:xfrm>
+          <a:off x="0" y="0"/>
+          <a:ext cx="0" cy="0"/>
+          <a:chOff x="0" y="0"/>
+          <a:chExt cx="0" cy="0"/>
+        </a:xfrm>
+      </p:grpSpPr>
+      <p:sp>
+        <p:nvSpPr>
+          <p:cNvPr id="2" name="Espace réservé de l'image des diapositives 1"/>
+          <p:cNvSpPr>
+            <a:spLocks noGrp="1" noRot="1" noChangeAspect="1"/>
+          </p:cNvSpPr>
+          <p:nvPr>
+            <p:ph type="sldImg"/>
+          </p:nvPr>
+        </p:nvSpPr>
+        <p:spPr/>
+      </p:sp>
+      <p:sp>
+        <p:nvSpPr>
+          <p:cNvPr id="3" name="Espace réservé des commentaires 2"/>
+          <p:cNvSpPr>
+            <a:spLocks noGrp="1"/>
+          </p:cNvSpPr>
+          <p:nvPr>
+            <p:ph type="body" idx="1"/>
+          </p:nvPr>
+        </p:nvSpPr>
+        <p:spPr/>
+        <p:txBody>
+          <a:bodyPr/>
+          <a:lstStyle/>
+          <a:p>
+            <a:r>
+              <a:rPr lang="fr-FR" dirty="0" smtClean="0"/>
+              <a:t>+ relation avec industriels</a:t>
+            </a:r>
+          </a:p>
+          <a:p>
+            <a:r>
+              <a:rPr lang="fr-FR" dirty="0" smtClean="0"/>
+              <a:t>Différents types de bilan : choix techniques, </a:t>
+            </a:r>
+            <a:r>
+              <a:rPr lang="fr-FR" dirty="0" err="1" smtClean="0"/>
+              <a:t>GdP</a:t>
+            </a:r>
+            <a:r>
+              <a:rPr lang="fr-FR" dirty="0" smtClean="0"/>
+              <a:t>, perso </a:t>
+            </a:r>
+            <a:r>
+              <a:rPr lang="fr-FR" dirty="0" err="1" smtClean="0"/>
+              <a:t>etc</a:t>
+            </a:r>
+            <a:endParaRPr lang="fr-FR" dirty="0" smtClean="0"/>
+          </a:p>
+          <a:p>
+            <a:r>
+              <a:rPr lang="fr-FR" dirty="0" smtClean="0"/>
+              <a:t>Dire que CA MARCHE</a:t>
+            </a:r>
+          </a:p>
+          <a:p>
+            <a:r>
+              <a:rPr lang="fr-FR" dirty="0" smtClean="0"/>
+              <a:t>SWAP</a:t>
+            </a:r>
+            <a:endParaRPr lang="fr-FR" dirty="0"/>
+          </a:p>
+        </p:txBody>
+      </p:sp>
+      <p:sp>
+        <p:nvSpPr>
+          <p:cNvPr id="4" name="Espace réservé du numéro de diapositive 3"/>
+          <p:cNvSpPr>
+            <a:spLocks noGrp="1"/>
+          </p:cNvSpPr>
+          <p:nvPr>
+            <p:ph type="sldNum" sz="quarter" idx="10"/>
+          </p:nvPr>
+        </p:nvSpPr>
+        <p:spPr/>
+        <p:txBody>
+          <a:bodyPr/>
+          <a:lstStyle/>
+          <a:p>
+            <a:fld id="{39168679-7C28-4FFB-8A08-9AACB039AAD4}" type="slidenum">
+              <a:rPr lang="fr-FR" smtClean="0"/>
+              <a:pPr/>
+              <a:t>18</a:t>
             </a:fld>
             <a:endParaRPr lang="fr-FR"/>
           </a:p>
@@ -1084,7 +1178,7 @@
             <a:fld id="{39168679-7C28-4FFB-8A08-9AACB039AAD4}" type="slidenum">
               <a:rPr lang="fr-FR" smtClean="0"/>
               <a:pPr/>
-              <a:t>5</a:t>
+              <a:t>4</a:t>
             </a:fld>
             <a:endParaRPr lang="fr-FR"/>
           </a:p>
@@ -1173,7 +1267,7 @@
             <a:fld id="{39168679-7C28-4FFB-8A08-9AACB039AAD4}" type="slidenum">
               <a:rPr lang="fr-FR" smtClean="0"/>
               <a:pPr/>
-              <a:t>6</a:t>
+              <a:t>5</a:t>
             </a:fld>
             <a:endParaRPr lang="fr-FR"/>
           </a:p>
@@ -1262,7 +1356,7 @@
             <a:fld id="{39168679-7C28-4FFB-8A08-9AACB039AAD4}" type="slidenum">
               <a:rPr lang="fr-FR" smtClean="0"/>
               <a:pPr/>
-              <a:t>11</a:t>
+              <a:t>10</a:t>
             </a:fld>
             <a:endParaRPr lang="fr-FR"/>
           </a:p>
@@ -1325,20 +1419,6 @@
           <a:bodyPr/>
           <a:lstStyle/>
           <a:p>
-            <a:r>
-              <a:rPr lang="fr-FR" dirty="0" smtClean="0"/>
-              <a:t>2 photos, partie utilisateur et partie admin</a:t>
-            </a:r>
-          </a:p>
-          <a:p>
-            <a:r>
-              <a:rPr lang="fr-FR" dirty="0" smtClean="0"/>
-              <a:t>Fonctionnalités par type d’utilisateur, type d’handicap (cognitif,</a:t>
-            </a:r>
-            <a:r>
-              <a:rPr lang="fr-FR" baseline="0" dirty="0" smtClean="0"/>
-              <a:t> visuels, moteurs…) PARAMETRABLE pour tout handicap, pas adapté, on peut ne pas avoir un thème moche</a:t>
-            </a:r>
             <a:endParaRPr lang="fr-FR" dirty="0"/>
           </a:p>
         </p:txBody>
@@ -1361,7 +1441,7 @@
             <a:fld id="{39168679-7C28-4FFB-8A08-9AACB039AAD4}" type="slidenum">
               <a:rPr lang="fr-FR" smtClean="0"/>
               <a:pPr/>
-              <a:t>12</a:t>
+              <a:t>11</a:t>
             </a:fld>
             <a:endParaRPr lang="fr-FR"/>
           </a:p>
@@ -1370,7 +1450,7 @@
     </p:spTree>
     <p:extLst>
       <p:ext uri="{BB962C8B-B14F-4D97-AF65-F5344CB8AC3E}">
-        <p14:creationId xmlns:p14="http://schemas.microsoft.com/office/powerpoint/2010/main" val="2652176069"/>
+        <p14:creationId xmlns:p14="http://schemas.microsoft.com/office/powerpoint/2010/main" val="1500129752"/>
       </p:ext>
     </p:extLst>
   </p:cSld>
@@ -1426,11 +1506,17 @@
           <a:p>
             <a:r>
               <a:rPr lang="fr-FR" dirty="0" smtClean="0"/>
-              <a:t>Placer</a:t>
+              <a:t>2 photos, partie utilisateur et partie admin</a:t>
+            </a:r>
+          </a:p>
+          <a:p>
+            <a:r>
+              <a:rPr lang="fr-FR" dirty="0" smtClean="0"/>
+              <a:t>Fonctionnalités par type d’utilisateur, type d’handicap (cognitif,</a:t>
             </a:r>
             <a:r>
               <a:rPr lang="fr-FR" baseline="0" dirty="0" smtClean="0"/>
-              <a:t> le mot ergonomie</a:t>
+              <a:t> visuels, moteurs…) PARAMETRABLE pour tout handicap, pas adapté, on peut ne pas avoir un thème moche</a:t>
             </a:r>
             <a:endParaRPr lang="fr-FR" dirty="0"/>
           </a:p>
@@ -1454,7 +1540,7 @@
             <a:fld id="{39168679-7C28-4FFB-8A08-9AACB039AAD4}" type="slidenum">
               <a:rPr lang="fr-FR" smtClean="0"/>
               <a:pPr/>
-              <a:t>13</a:t>
+              <a:t>12</a:t>
             </a:fld>
             <a:endParaRPr lang="fr-FR"/>
           </a:p>
@@ -1463,7 +1549,7 @@
     </p:spTree>
     <p:extLst>
       <p:ext uri="{BB962C8B-B14F-4D97-AF65-F5344CB8AC3E}">
-        <p14:creationId xmlns:p14="http://schemas.microsoft.com/office/powerpoint/2010/main" val="2603849293"/>
+        <p14:creationId xmlns:p14="http://schemas.microsoft.com/office/powerpoint/2010/main" val="2652176069"/>
       </p:ext>
     </p:extLst>
   </p:cSld>
@@ -1519,7 +1605,11 @@
           <a:p>
             <a:r>
               <a:rPr lang="fr-FR" dirty="0" smtClean="0"/>
-              <a:t>Rajouter PLEIN de pièces pour la démo</a:t>
+              <a:t>Placer</a:t>
+            </a:r>
+            <a:r>
+              <a:rPr lang="fr-FR" baseline="0" dirty="0" smtClean="0"/>
+              <a:t> le mot ergonomie</a:t>
             </a:r>
             <a:endParaRPr lang="fr-FR" dirty="0"/>
           </a:p>
@@ -1543,7 +1633,7 @@
             <a:fld id="{39168679-7C28-4FFB-8A08-9AACB039AAD4}" type="slidenum">
               <a:rPr lang="fr-FR" smtClean="0"/>
               <a:pPr/>
-              <a:t>14</a:t>
+              <a:t>13</a:t>
             </a:fld>
             <a:endParaRPr lang="fr-FR"/>
           </a:p>
@@ -1552,7 +1642,7 @@
     </p:spTree>
     <p:extLst>
       <p:ext uri="{BB962C8B-B14F-4D97-AF65-F5344CB8AC3E}">
-        <p14:creationId xmlns:p14="http://schemas.microsoft.com/office/powerpoint/2010/main" val="93012229"/>
+        <p14:creationId xmlns:p14="http://schemas.microsoft.com/office/powerpoint/2010/main" val="2603849293"/>
       </p:ext>
     </p:extLst>
   </p:cSld>
@@ -1608,15 +1698,7 @@
           <a:p>
             <a:r>
               <a:rPr lang="fr-FR" dirty="0" smtClean="0"/>
-              <a:t>Idem schéma archi avec noms (bien parler de toute l’année, pas seulement 2</a:t>
-            </a:r>
-            <a:r>
-              <a:rPr lang="fr-FR" baseline="30000" dirty="0" smtClean="0"/>
-              <a:t>nd</a:t>
-            </a:r>
-            <a:r>
-              <a:rPr lang="fr-FR" dirty="0" smtClean="0"/>
-              <a:t> semestre)</a:t>
+              <a:t>Rajouter PLEIN de pièces pour la démo</a:t>
             </a:r>
             <a:endParaRPr lang="fr-FR" dirty="0"/>
           </a:p>
@@ -1640,7 +1722,7 @@
             <a:fld id="{39168679-7C28-4FFB-8A08-9AACB039AAD4}" type="slidenum">
               <a:rPr lang="fr-FR" smtClean="0"/>
               <a:pPr/>
-              <a:t>15</a:t>
+              <a:t>14</a:t>
             </a:fld>
             <a:endParaRPr lang="fr-FR"/>
           </a:p>
@@ -1649,7 +1731,7 @@
     </p:spTree>
     <p:extLst>
       <p:ext uri="{BB962C8B-B14F-4D97-AF65-F5344CB8AC3E}">
-        <p14:creationId xmlns:p14="http://schemas.microsoft.com/office/powerpoint/2010/main" val="1779372493"/>
+        <p14:creationId xmlns:p14="http://schemas.microsoft.com/office/powerpoint/2010/main" val="93012229"/>
       </p:ext>
     </p:extLst>
   </p:cSld>
@@ -1705,14 +1787,88 @@
           <a:p>
             <a:r>
               <a:rPr lang="fr-FR" dirty="0" smtClean="0"/>
-              <a:t>Rajouter intégration, tests</a:t>
-            </a:r>
-          </a:p>
-          <a:p>
+              <a:t>Idem schéma archi avec noms (bien parler de toute l’année, pas seulement 2</a:t>
+            </a:r>
+            <a:r>
+              <a:rPr lang="fr-FR" baseline="30000" dirty="0" smtClean="0"/>
+              <a:t>nd</a:t>
+            </a:r>
             <a:r>
               <a:rPr lang="fr-FR" dirty="0" smtClean="0"/>
-              <a:t>Rendu -&gt; Livraison</a:t>
-            </a:r>
+              <a:t> </a:t>
+            </a:r>
+            <a:r>
+              <a:rPr lang="fr-FR" dirty="0" smtClean="0"/>
+              <a:t>semestre</a:t>
+            </a:r>
+          </a:p>
+          <a:p>
+            <a:endParaRPr lang="fr-FR" dirty="0" smtClean="0"/>
+          </a:p>
+          <a:p>
+            <a:r>
+              <a:rPr lang="fr-FR" dirty="0" smtClean="0"/>
+              <a:t>Corentin : communication avec la </a:t>
+            </a:r>
+            <a:r>
+              <a:rPr lang="fr-FR" dirty="0" err="1" smtClean="0"/>
+              <a:t>Kira</a:t>
+            </a:r>
+            <a:r>
+              <a:rPr lang="fr-FR" dirty="0" smtClean="0"/>
+              <a:t> et la </a:t>
+            </a:r>
+            <a:r>
+              <a:rPr lang="fr-FR" dirty="0" err="1" smtClean="0"/>
+              <a:t>Fibaro</a:t>
+            </a:r>
+            <a:endParaRPr lang="fr-FR" dirty="0" smtClean="0"/>
+          </a:p>
+          <a:p>
+            <a:endParaRPr lang="fr-FR" dirty="0" smtClean="0"/>
+          </a:p>
+          <a:p>
+            <a:endParaRPr lang="fr-FR" dirty="0" smtClean="0"/>
+          </a:p>
+          <a:p>
+            <a:r>
+              <a:rPr lang="fr-FR" dirty="0" smtClean="0"/>
+              <a:t>Iman et </a:t>
+            </a:r>
+            <a:r>
+              <a:rPr lang="fr-FR" dirty="0" err="1" smtClean="0"/>
+              <a:t>Enora</a:t>
+            </a:r>
+            <a:r>
+              <a:rPr lang="fr-FR" dirty="0" smtClean="0"/>
+              <a:t> : modification de l’interface graphique</a:t>
+            </a:r>
+          </a:p>
+          <a:p>
+            <a:endParaRPr lang="fr-FR" dirty="0" smtClean="0"/>
+          </a:p>
+          <a:p>
+            <a:endParaRPr lang="fr-FR" dirty="0" smtClean="0"/>
+          </a:p>
+          <a:p>
+            <a:r>
+              <a:rPr lang="fr-FR" dirty="0" smtClean="0"/>
+              <a:t>Meven : refonte du modèle en C++</a:t>
+            </a:r>
+          </a:p>
+          <a:p>
+            <a:endParaRPr lang="fr-FR" dirty="0" smtClean="0"/>
+          </a:p>
+          <a:p>
+            <a:endParaRPr lang="fr-FR" dirty="0" smtClean="0"/>
+          </a:p>
+          <a:p>
+            <a:r>
+              <a:rPr lang="fr-FR" dirty="0" smtClean="0"/>
+              <a:t>Diane : communication en Bluetooth avec le fauteuil</a:t>
+            </a:r>
+          </a:p>
+          <a:p>
             <a:endParaRPr lang="fr-FR" dirty="0"/>
           </a:p>
         </p:txBody>
@@ -1735,7 +1891,7 @@
             <a:fld id="{39168679-7C28-4FFB-8A08-9AACB039AAD4}" type="slidenum">
               <a:rPr lang="fr-FR" smtClean="0"/>
               <a:pPr/>
-              <a:t>16</a:t>
+              <a:t>15</a:t>
             </a:fld>
             <a:endParaRPr lang="fr-FR"/>
           </a:p>
@@ -1744,7 +1900,7 @@
     </p:spTree>
     <p:extLst>
       <p:ext uri="{BB962C8B-B14F-4D97-AF65-F5344CB8AC3E}">
-        <p14:creationId xmlns:p14="http://schemas.microsoft.com/office/powerpoint/2010/main" val="2052621434"/>
+        <p14:creationId xmlns:p14="http://schemas.microsoft.com/office/powerpoint/2010/main" val="1779372493"/>
       </p:ext>
     </p:extLst>
   </p:cSld>
@@ -8251,98 +8407,36 @@
       </p:grpSpPr>
       <p:sp>
         <p:nvSpPr>
-          <p:cNvPr id="2" name="Titre 1"/>
-          <p:cNvSpPr>
-            <a:spLocks noGrp="1"/>
-          </p:cNvSpPr>
-          <p:nvPr>
-            <p:ph type="title"/>
-          </p:nvPr>
-        </p:nvSpPr>
-        <p:spPr>
-          <a:xfrm>
-            <a:off x="633806" y="107931"/>
-            <a:ext cx="7876388" cy="1143000"/>
-          </a:xfrm>
-        </p:spPr>
-        <p:txBody>
-          <a:bodyPr/>
+          <p:cNvPr id="7" name="ZoneTexte 6"/>
+          <p:cNvSpPr txBox="1"/>
+          <p:nvPr/>
+        </p:nvSpPr>
+        <p:spPr>
+          <a:xfrm>
+            <a:off x="8496300" y="6296025"/>
+            <a:ext cx="495300" cy="369332"/>
+          </a:xfrm>
+          <a:prstGeom prst="rect">
+            <a:avLst/>
+          </a:prstGeom>
+          <a:noFill/>
+        </p:spPr>
+        <p:txBody>
+          <a:bodyPr wrap="square" rtlCol="0">
+            <a:spAutoFit/>
+          </a:bodyPr>
           <a:lstStyle/>
           <a:p>
-            <a:pPr algn="ctr"/>
-            <a:r>
-              <a:rPr lang="fr-FR" dirty="0" smtClean="0"/>
-              <a:t>II. </a:t>
-            </a:r>
-            <a:r>
-              <a:rPr lang="fr-FR" dirty="0" err="1" smtClean="0"/>
-              <a:t>realisation</a:t>
-            </a:r>
-            <a:endParaRPr lang="fr-FR" dirty="0"/>
-          </a:p>
-        </p:txBody>
-      </p:sp>
-      <p:sp>
-        <p:nvSpPr>
-          <p:cNvPr id="3" name="Espace réservé du texte 2"/>
-          <p:cNvSpPr>
-            <a:spLocks noGrp="1"/>
-          </p:cNvSpPr>
-          <p:nvPr>
-            <p:ph type="body" sz="quarter" idx="10"/>
-          </p:nvPr>
-        </p:nvSpPr>
-        <p:spPr>
-          <a:xfrm>
-            <a:off x="581892" y="992917"/>
-            <a:ext cx="8409708" cy="541594"/>
-          </a:xfrm>
-        </p:spPr>
-        <p:txBody>
-          <a:bodyPr/>
-          <a:lstStyle/>
-          <a:p>
-            <a:r>
-              <a:rPr lang="fr-FR" dirty="0" smtClean="0"/>
-              <a:t>Ce deuxième semestre</a:t>
-            </a:r>
-            <a:endParaRPr lang="fr-FR" dirty="0"/>
+            <a:r>
+              <a:rPr lang="fr-FR" dirty="0"/>
+              <a:t>7</a:t>
+            </a:r>
           </a:p>
         </p:txBody>
       </p:sp>
       <p:pic>
         <p:nvPicPr>
-          <p:cNvPr id="14" name="Image 13"/>
-          <p:cNvPicPr>
-            <a:picLocks noChangeAspect="1"/>
-          </p:cNvPicPr>
-          <p:nvPr/>
-        </p:nvPicPr>
-        <p:blipFill>
-          <a:blip r:embed="rId2">
-            <a:extLst>
-              <a:ext uri="{28A0092B-C50C-407E-A947-70E740481C1C}">
-                <a14:useLocalDpi xmlns:a14="http://schemas.microsoft.com/office/drawing/2010/main" val="0"/>
-              </a:ext>
-            </a:extLst>
-          </a:blip>
-          <a:stretch>
-            <a:fillRect/>
-          </a:stretch>
-        </p:blipFill>
-        <p:spPr>
-          <a:xfrm>
-            <a:off x="3384061" y="1667920"/>
-            <a:ext cx="1418468" cy="1268691"/>
-          </a:xfrm>
-          <a:prstGeom prst="rect">
-            <a:avLst/>
-          </a:prstGeom>
-        </p:spPr>
-      </p:pic>
-      <p:pic>
-        <p:nvPicPr>
-          <p:cNvPr id="8" name="Image 7"/>
+          <p:cNvPr id="3" name="Image 2"/>
           <p:cNvPicPr>
             <a:picLocks noChangeAspect="1"/>
           </p:cNvPicPr>
@@ -8372,7 +8466,7 @@
       </p:pic>
       <p:pic>
         <p:nvPicPr>
-          <p:cNvPr id="9" name="Image 8"/>
+          <p:cNvPr id="4" name="Image 3"/>
           <p:cNvPicPr>
             <a:picLocks noChangeAspect="1"/>
           </p:cNvPicPr>
@@ -8391,9 +8485,9 @@
           </a:stretch>
         </p:blipFill>
         <p:spPr>
-          <a:xfrm rot="10800000">
-            <a:off x="7007672" y="1477671"/>
-            <a:ext cx="402652" cy="402652"/>
+          <a:xfrm>
+            <a:off x="5770113" y="4708770"/>
+            <a:ext cx="875600" cy="875600"/>
           </a:xfrm>
           <a:prstGeom prst="rect">
             <a:avLst/>
@@ -8402,7 +8496,7 @@
       </p:pic>
       <p:pic>
         <p:nvPicPr>
-          <p:cNvPr id="10" name="Image 9"/>
+          <p:cNvPr id="6" name="Image 5"/>
           <p:cNvPicPr>
             <a:picLocks noChangeAspect="1"/>
           </p:cNvPicPr>
@@ -8421,9 +8515,9 @@
           </a:stretch>
         </p:blipFill>
         <p:spPr>
-          <a:xfrm>
-            <a:off x="5820537" y="1345601"/>
-            <a:ext cx="794871" cy="678410"/>
+          <a:xfrm rot="10800000">
+            <a:off x="7007672" y="1477671"/>
+            <a:ext cx="402652" cy="402652"/>
           </a:xfrm>
           <a:prstGeom prst="rect">
             <a:avLst/>
@@ -8432,7 +8526,7 @@
       </p:pic>
       <p:pic>
         <p:nvPicPr>
-          <p:cNvPr id="11" name="Image 10"/>
+          <p:cNvPr id="8" name="Image 7"/>
           <p:cNvPicPr>
             <a:picLocks noChangeAspect="1"/>
           </p:cNvPicPr>
@@ -8452,8 +8546,8 @@
         </p:blipFill>
         <p:spPr>
           <a:xfrm>
-            <a:off x="5770113" y="2955379"/>
-            <a:ext cx="884715" cy="782731"/>
+            <a:off x="5820537" y="1345601"/>
+            <a:ext cx="794871" cy="678410"/>
           </a:xfrm>
           <a:prstGeom prst="rect">
             <a:avLst/>
@@ -8462,7 +8556,7 @@
       </p:pic>
       <p:pic>
         <p:nvPicPr>
-          <p:cNvPr id="12" name="Image 11"/>
+          <p:cNvPr id="9" name="Image 8"/>
           <p:cNvPicPr>
             <a:picLocks noChangeAspect="1"/>
           </p:cNvPicPr>
@@ -8482,8 +8576,8 @@
         </p:blipFill>
         <p:spPr>
           <a:xfrm>
-            <a:off x="5924313" y="2249583"/>
-            <a:ext cx="609960" cy="609960"/>
+            <a:off x="5770113" y="2955379"/>
+            <a:ext cx="884715" cy="782731"/>
           </a:xfrm>
           <a:prstGeom prst="rect">
             <a:avLst/>
@@ -8492,14 +8586,14 @@
       </p:pic>
       <p:pic>
         <p:nvPicPr>
-          <p:cNvPr id="17" name="Image 16"/>
+          <p:cNvPr id="10" name="Image 9"/>
           <p:cNvPicPr>
             <a:picLocks noChangeAspect="1"/>
           </p:cNvPicPr>
           <p:nvPr/>
         </p:nvPicPr>
         <p:blipFill>
-          <a:blip r:embed="rId8" cstate="screen">
+          <a:blip r:embed="rId8">
             <a:extLst>
               <a:ext uri="{28A0092B-C50C-407E-A947-70E740481C1C}">
                 <a14:useLocalDpi xmlns:a14="http://schemas.microsoft.com/office/drawing/2010/main" val="0"/>
@@ -8512,247 +8606,17 @@
         </p:blipFill>
         <p:spPr>
           <a:xfrm>
-            <a:off x="7495922" y="3029753"/>
-            <a:ext cx="914419" cy="890380"/>
+            <a:off x="3384061" y="1667920"/>
+            <a:ext cx="1418468" cy="1268691"/>
           </a:xfrm>
           <a:prstGeom prst="rect">
             <a:avLst/>
           </a:prstGeom>
         </p:spPr>
       </p:pic>
-      <p:sp>
-        <p:nvSpPr>
-          <p:cNvPr id="18" name="Rectangle 17"/>
-          <p:cNvSpPr/>
-          <p:nvPr/>
-        </p:nvSpPr>
-        <p:spPr>
-          <a:xfrm>
-            <a:off x="2969843" y="3107703"/>
-            <a:ext cx="967141" cy="752807"/>
-          </a:xfrm>
-          <a:prstGeom prst="rect">
-            <a:avLst/>
-          </a:prstGeom>
-          <a:noFill/>
-          <a:ln w="28575">
-            <a:solidFill>
-              <a:schemeClr val="tx2">
-                <a:lumMod val="75000"/>
-              </a:schemeClr>
-            </a:solidFill>
-          </a:ln>
-        </p:spPr>
-        <p:style>
-          <a:lnRef idx="1">
-            <a:schemeClr val="accent1"/>
-          </a:lnRef>
-          <a:fillRef idx="3">
-            <a:schemeClr val="accent1"/>
-          </a:fillRef>
-          <a:effectRef idx="2">
-            <a:schemeClr val="accent1"/>
-          </a:effectRef>
-          <a:fontRef idx="minor">
-            <a:schemeClr val="lt1"/>
-          </a:fontRef>
-        </p:style>
-        <p:txBody>
-          <a:bodyPr rtlCol="0" anchor="ctr"/>
-          <a:lstStyle/>
-          <a:p>
-            <a:pPr algn="ctr"/>
-            <a:endParaRPr lang="fr-FR"/>
-          </a:p>
-        </p:txBody>
-      </p:sp>
-      <p:sp>
-        <p:nvSpPr>
-          <p:cNvPr id="19" name="Rectangle 18"/>
-          <p:cNvSpPr/>
-          <p:nvPr/>
-        </p:nvSpPr>
-        <p:spPr>
-          <a:xfrm>
-            <a:off x="4197469" y="3112697"/>
-            <a:ext cx="967141" cy="752807"/>
-          </a:xfrm>
-          <a:prstGeom prst="rect">
-            <a:avLst/>
-          </a:prstGeom>
-          <a:noFill/>
-          <a:ln w="28575">
-            <a:solidFill>
-              <a:schemeClr val="accent1">
-                <a:lumMod val="60000"/>
-                <a:lumOff val="40000"/>
-              </a:schemeClr>
-            </a:solidFill>
-          </a:ln>
-        </p:spPr>
-        <p:style>
-          <a:lnRef idx="1">
-            <a:schemeClr val="accent1"/>
-          </a:lnRef>
-          <a:fillRef idx="3">
-            <a:schemeClr val="accent1"/>
-          </a:fillRef>
-          <a:effectRef idx="2">
-            <a:schemeClr val="accent1"/>
-          </a:effectRef>
-          <a:fontRef idx="minor">
-            <a:schemeClr val="lt1"/>
-          </a:fontRef>
-        </p:style>
-        <p:txBody>
-          <a:bodyPr rtlCol="0" anchor="ctr"/>
-          <a:lstStyle/>
-          <a:p>
-            <a:pPr algn="ctr"/>
-            <a:endParaRPr lang="fr-FR"/>
-          </a:p>
-        </p:txBody>
-      </p:sp>
-      <p:sp>
-        <p:nvSpPr>
-          <p:cNvPr id="20" name="ZoneTexte 19"/>
-          <p:cNvSpPr txBox="1"/>
-          <p:nvPr/>
-        </p:nvSpPr>
-        <p:spPr>
-          <a:xfrm>
-            <a:off x="3105628" y="3290277"/>
-            <a:ext cx="695569" cy="369332"/>
-          </a:xfrm>
-          <a:prstGeom prst="rect">
-            <a:avLst/>
-          </a:prstGeom>
-          <a:noFill/>
-        </p:spPr>
-        <p:txBody>
-          <a:bodyPr wrap="square" rtlCol="0">
-            <a:spAutoFit/>
-          </a:bodyPr>
-          <a:lstStyle/>
-          <a:p>
-            <a:pPr algn="ctr"/>
-            <a:r>
-              <a:rPr lang="fr-FR" dirty="0" smtClean="0">
-                <a:effectLst>
-                  <a:outerShdw blurRad="50800" dist="38100" dir="2700000" algn="tl" rotWithShape="0">
-                    <a:prstClr val="black">
-                      <a:alpha val="40000"/>
-                    </a:prstClr>
-                  </a:outerShdw>
-                </a:effectLst>
-              </a:rPr>
-              <a:t>IHM</a:t>
-            </a:r>
-          </a:p>
-        </p:txBody>
-      </p:sp>
-      <p:sp>
-        <p:nvSpPr>
-          <p:cNvPr id="21" name="ZoneTexte 20"/>
-          <p:cNvSpPr txBox="1"/>
-          <p:nvPr/>
-        </p:nvSpPr>
-        <p:spPr>
-          <a:xfrm>
-            <a:off x="4213274" y="3163764"/>
-            <a:ext cx="935529" cy="646331"/>
-          </a:xfrm>
-          <a:prstGeom prst="rect">
-            <a:avLst/>
-          </a:prstGeom>
-          <a:noFill/>
-        </p:spPr>
-        <p:txBody>
-          <a:bodyPr wrap="square" rtlCol="0">
-            <a:spAutoFit/>
-          </a:bodyPr>
-          <a:lstStyle/>
-          <a:p>
-            <a:pPr algn="ctr"/>
-            <a:r>
-              <a:rPr lang="fr-FR" dirty="0" smtClean="0">
-                <a:effectLst>
-                  <a:outerShdw blurRad="50800" dist="38100" dir="2700000" algn="tl" rotWithShape="0">
-                    <a:prstClr val="black">
-                      <a:alpha val="40000"/>
-                    </a:prstClr>
-                  </a:outerShdw>
-                </a:effectLst>
-              </a:rPr>
-              <a:t>Modèle</a:t>
-            </a:r>
-          </a:p>
-          <a:p>
-            <a:pPr algn="ctr"/>
-            <a:r>
-              <a:rPr lang="fr-FR" dirty="0" smtClean="0">
-                <a:effectLst>
-                  <a:outerShdw blurRad="50800" dist="38100" dir="2700000" algn="tl" rotWithShape="0">
-                    <a:prstClr val="black">
-                      <a:alpha val="40000"/>
-                    </a:prstClr>
-                  </a:outerShdw>
-                </a:effectLst>
-              </a:rPr>
-              <a:t>DLL</a:t>
-            </a:r>
-            <a:endParaRPr lang="fr-FR" dirty="0" smtClean="0">
-              <a:effectLst>
-                <a:outerShdw blurRad="50800" dist="38100" dir="2700000" algn="tl" rotWithShape="0">
-                  <a:prstClr val="black">
-                    <a:alpha val="40000"/>
-                  </a:prstClr>
-                </a:outerShdw>
-              </a:effectLst>
-            </a:endParaRPr>
-          </a:p>
-        </p:txBody>
-      </p:sp>
-      <p:cxnSp>
-        <p:nvCxnSpPr>
-          <p:cNvPr id="22" name="Connecteur droit avec flèche 21"/>
-          <p:cNvCxnSpPr>
-            <a:stCxn id="18" idx="3"/>
-            <a:endCxn id="19" idx="1"/>
-          </p:cNvCxnSpPr>
-          <p:nvPr/>
-        </p:nvCxnSpPr>
-        <p:spPr>
-          <a:xfrm>
-            <a:off x="3936984" y="3484107"/>
-            <a:ext cx="260485" cy="4994"/>
-          </a:xfrm>
-          <a:prstGeom prst="straightConnector1">
-            <a:avLst/>
-          </a:prstGeom>
-          <a:ln>
-            <a:headEnd type="triangle"/>
-            <a:tailEnd type="triangle"/>
-          </a:ln>
-        </p:spPr>
-        <p:style>
-          <a:lnRef idx="2">
-            <a:schemeClr val="dk1"/>
-          </a:lnRef>
-          <a:fillRef idx="0">
-            <a:schemeClr val="dk1"/>
-          </a:fillRef>
-          <a:effectRef idx="1">
-            <a:schemeClr val="dk1"/>
-          </a:effectRef>
-          <a:fontRef idx="minor">
-            <a:schemeClr val="tx1"/>
-          </a:fontRef>
-        </p:style>
-      </p:cxnSp>
       <p:pic>
         <p:nvPicPr>
-          <p:cNvPr id="24" name="Image 23"/>
+          <p:cNvPr id="11" name="Image 10"/>
           <p:cNvPicPr>
             <a:picLocks noChangeAspect="1"/>
           </p:cNvPicPr>
@@ -8772,8 +8636,8 @@
         </p:blipFill>
         <p:spPr>
           <a:xfrm>
-            <a:off x="4304840" y="3975672"/>
-            <a:ext cx="752398" cy="732618"/>
+            <a:off x="244061" y="2851916"/>
+            <a:ext cx="1131791" cy="1257135"/>
           </a:xfrm>
           <a:prstGeom prst="rect">
             <a:avLst/>
@@ -8782,7 +8646,7 @@
       </p:pic>
       <p:pic>
         <p:nvPicPr>
-          <p:cNvPr id="25" name="Image 24"/>
+          <p:cNvPr id="12" name="Image 11"/>
           <p:cNvPicPr>
             <a:picLocks noChangeAspect="1"/>
           </p:cNvPicPr>
@@ -8802,8 +8666,8 @@
         </p:blipFill>
         <p:spPr>
           <a:xfrm>
-            <a:off x="2992160" y="3910739"/>
-            <a:ext cx="922503" cy="882906"/>
+            <a:off x="5924313" y="2249583"/>
+            <a:ext cx="609960" cy="609960"/>
           </a:xfrm>
           <a:prstGeom prst="rect">
             <a:avLst/>
@@ -8812,37 +8676,7 @@
       </p:pic>
       <p:pic>
         <p:nvPicPr>
-          <p:cNvPr id="23" name="Image 22"/>
-          <p:cNvPicPr>
-            <a:picLocks noChangeAspect="1"/>
-          </p:cNvPicPr>
-          <p:nvPr/>
-        </p:nvPicPr>
-        <p:blipFill>
-          <a:blip r:embed="rId3" cstate="screen">
-            <a:extLst>
-              <a:ext uri="{28A0092B-C50C-407E-A947-70E740481C1C}">
-                <a14:useLocalDpi xmlns:a14="http://schemas.microsoft.com/office/drawing/2010/main" val="0"/>
-              </a:ext>
-            </a:extLst>
-          </a:blip>
-          <a:stretch>
-            <a:fillRect/>
-          </a:stretch>
-        </p:blipFill>
-        <p:spPr>
-          <a:xfrm>
-            <a:off x="7853061" y="1429364"/>
-            <a:ext cx="679366" cy="510883"/>
-          </a:xfrm>
-          <a:prstGeom prst="rect">
-            <a:avLst/>
-          </a:prstGeom>
-        </p:spPr>
-      </p:pic>
-      <p:pic>
-        <p:nvPicPr>
-          <p:cNvPr id="26" name="Image 25"/>
+          <p:cNvPr id="13" name="Image 12"/>
           <p:cNvPicPr>
             <a:picLocks noChangeAspect="1"/>
           </p:cNvPicPr>
@@ -8862,8 +8696,8 @@
         </p:blipFill>
         <p:spPr>
           <a:xfrm>
-            <a:off x="5770113" y="4708770"/>
-            <a:ext cx="875600" cy="875600"/>
+            <a:off x="6885659" y="4913125"/>
+            <a:ext cx="646679" cy="409867"/>
           </a:xfrm>
           <a:prstGeom prst="rect">
             <a:avLst/>
@@ -8872,14 +8706,14 @@
       </p:pic>
       <p:pic>
         <p:nvPicPr>
-          <p:cNvPr id="27" name="Image 26"/>
+          <p:cNvPr id="15" name="Image 14"/>
           <p:cNvPicPr>
             <a:picLocks noChangeAspect="1"/>
           </p:cNvPicPr>
           <p:nvPr/>
         </p:nvPicPr>
         <p:blipFill>
-          <a:blip r:embed="rId4" cstate="screen">
+          <a:blip r:embed="rId10" cstate="screen">
             <a:extLst>
               <a:ext uri="{28A0092B-C50C-407E-A947-70E740481C1C}">
                 <a14:useLocalDpi xmlns:a14="http://schemas.microsoft.com/office/drawing/2010/main" val="0"/>
@@ -8892,8 +8726,8 @@
         </p:blipFill>
         <p:spPr>
           <a:xfrm rot="10800000">
-            <a:off x="7007672" y="1477671"/>
-            <a:ext cx="402652" cy="402652"/>
+            <a:off x="5924312" y="4037833"/>
+            <a:ext cx="609960" cy="609960"/>
           </a:xfrm>
           <a:prstGeom prst="rect">
             <a:avLst/>
@@ -8902,97 +8736,7 @@
       </p:pic>
       <p:pic>
         <p:nvPicPr>
-          <p:cNvPr id="28" name="Image 27"/>
-          <p:cNvPicPr>
-            <a:picLocks noChangeAspect="1"/>
-          </p:cNvPicPr>
-          <p:nvPr/>
-        </p:nvPicPr>
-        <p:blipFill>
-          <a:blip r:embed="rId5" cstate="screen">
-            <a:extLst>
-              <a:ext uri="{28A0092B-C50C-407E-A947-70E740481C1C}">
-                <a14:useLocalDpi xmlns:a14="http://schemas.microsoft.com/office/drawing/2010/main" val="0"/>
-              </a:ext>
-            </a:extLst>
-          </a:blip>
-          <a:stretch>
-            <a:fillRect/>
-          </a:stretch>
-        </p:blipFill>
-        <p:spPr>
-          <a:xfrm>
-            <a:off x="5820537" y="1345601"/>
-            <a:ext cx="794871" cy="678410"/>
-          </a:xfrm>
-          <a:prstGeom prst="rect">
-            <a:avLst/>
-          </a:prstGeom>
-        </p:spPr>
-      </p:pic>
-      <p:pic>
-        <p:nvPicPr>
-          <p:cNvPr id="29" name="Image 28"/>
-          <p:cNvPicPr>
-            <a:picLocks noChangeAspect="1"/>
-          </p:cNvPicPr>
-          <p:nvPr/>
-        </p:nvPicPr>
-        <p:blipFill>
-          <a:blip r:embed="rId6" cstate="screen">
-            <a:extLst>
-              <a:ext uri="{28A0092B-C50C-407E-A947-70E740481C1C}">
-                <a14:useLocalDpi xmlns:a14="http://schemas.microsoft.com/office/drawing/2010/main" val="0"/>
-              </a:ext>
-            </a:extLst>
-          </a:blip>
-          <a:stretch>
-            <a:fillRect/>
-          </a:stretch>
-        </p:blipFill>
-        <p:spPr>
-          <a:xfrm>
-            <a:off x="5770113" y="2955379"/>
-            <a:ext cx="884715" cy="782731"/>
-          </a:xfrm>
-          <a:prstGeom prst="rect">
-            <a:avLst/>
-          </a:prstGeom>
-        </p:spPr>
-      </p:pic>
-      <p:pic>
-        <p:nvPicPr>
-          <p:cNvPr id="30" name="Image 29"/>
-          <p:cNvPicPr>
-            <a:picLocks noChangeAspect="1"/>
-          </p:cNvPicPr>
-          <p:nvPr/>
-        </p:nvPicPr>
-        <p:blipFill>
-          <a:blip r:embed="rId7" cstate="screen">
-            <a:extLst>
-              <a:ext uri="{28A0092B-C50C-407E-A947-70E740481C1C}">
-                <a14:useLocalDpi xmlns:a14="http://schemas.microsoft.com/office/drawing/2010/main" val="0"/>
-              </a:ext>
-            </a:extLst>
-          </a:blip>
-          <a:stretch>
-            <a:fillRect/>
-          </a:stretch>
-        </p:blipFill>
-        <p:spPr>
-          <a:xfrm>
-            <a:off x="5924313" y="2249583"/>
-            <a:ext cx="609960" cy="609960"/>
-          </a:xfrm>
-          <a:prstGeom prst="rect">
-            <a:avLst/>
-          </a:prstGeom>
-        </p:spPr>
-      </p:pic>
-      <p:pic>
-        <p:nvPicPr>
-          <p:cNvPr id="31" name="Image 30"/>
+          <p:cNvPr id="18" name="Image 17"/>
           <p:cNvPicPr>
             <a:picLocks noChangeAspect="1"/>
           </p:cNvPicPr>
@@ -9012,8 +8756,8 @@
         </p:blipFill>
         <p:spPr>
           <a:xfrm>
-            <a:off x="6885659" y="4913125"/>
-            <a:ext cx="646679" cy="409867"/>
+            <a:off x="1733496" y="3558144"/>
+            <a:ext cx="920615" cy="226061"/>
           </a:xfrm>
           <a:prstGeom prst="rect">
             <a:avLst/>
@@ -9022,37 +8766,7 @@
       </p:pic>
       <p:pic>
         <p:nvPicPr>
-          <p:cNvPr id="32" name="Image 31"/>
-          <p:cNvPicPr>
-            <a:picLocks noChangeAspect="1"/>
-          </p:cNvPicPr>
-          <p:nvPr/>
-        </p:nvPicPr>
-        <p:blipFill>
-          <a:blip r:embed="rId7" cstate="screen">
-            <a:extLst>
-              <a:ext uri="{28A0092B-C50C-407E-A947-70E740481C1C}">
-                <a14:useLocalDpi xmlns:a14="http://schemas.microsoft.com/office/drawing/2010/main" val="0"/>
-              </a:ext>
-            </a:extLst>
-          </a:blip>
-          <a:stretch>
-            <a:fillRect/>
-          </a:stretch>
-        </p:blipFill>
-        <p:spPr>
-          <a:xfrm rot="10800000">
-            <a:off x="5924312" y="4037833"/>
-            <a:ext cx="609960" cy="609960"/>
-          </a:xfrm>
-          <a:prstGeom prst="rect">
-            <a:avLst/>
-          </a:prstGeom>
-        </p:spPr>
-      </p:pic>
-      <p:pic>
-        <p:nvPicPr>
-          <p:cNvPr id="33" name="Image 32"/>
+          <p:cNvPr id="19" name="Image 18"/>
           <p:cNvPicPr>
             <a:picLocks noChangeAspect="1"/>
           </p:cNvPicPr>
@@ -9082,7 +8796,7 @@
       </p:pic>
       <p:sp>
         <p:nvSpPr>
-          <p:cNvPr id="34" name="Rectangle 33"/>
+          <p:cNvPr id="20" name="Rectangle 19"/>
           <p:cNvSpPr/>
           <p:nvPr/>
         </p:nvSpPr>
@@ -9126,7 +8840,482 @@
       </p:sp>
       <p:sp>
         <p:nvSpPr>
-          <p:cNvPr id="36" name="ZoneTexte 35"/>
+          <p:cNvPr id="22" name="Rectangle 21"/>
+          <p:cNvSpPr/>
+          <p:nvPr/>
+        </p:nvSpPr>
+        <p:spPr>
+          <a:xfrm>
+            <a:off x="139158" y="2472104"/>
+            <a:ext cx="2688492" cy="2011069"/>
+          </a:xfrm>
+          <a:prstGeom prst="rect">
+            <a:avLst/>
+          </a:prstGeom>
+          <a:noFill/>
+          <a:ln w="28575">
+            <a:solidFill>
+              <a:srgbClr val="00B0F0"/>
+            </a:solidFill>
+          </a:ln>
+        </p:spPr>
+        <p:style>
+          <a:lnRef idx="1">
+            <a:schemeClr val="accent1"/>
+          </a:lnRef>
+          <a:fillRef idx="3">
+            <a:schemeClr val="accent1"/>
+          </a:fillRef>
+          <a:effectRef idx="2">
+            <a:schemeClr val="accent1"/>
+          </a:effectRef>
+          <a:fontRef idx="minor">
+            <a:schemeClr val="lt1"/>
+          </a:fontRef>
+        </p:style>
+        <p:txBody>
+          <a:bodyPr rtlCol="0" anchor="ctr"/>
+          <a:lstStyle/>
+          <a:p>
+            <a:pPr algn="ctr"/>
+            <a:endParaRPr lang="fr-FR"/>
+          </a:p>
+        </p:txBody>
+      </p:sp>
+      <p:sp>
+        <p:nvSpPr>
+          <p:cNvPr id="23" name="Rectangle 22"/>
+          <p:cNvSpPr/>
+          <p:nvPr/>
+        </p:nvSpPr>
+        <p:spPr>
+          <a:xfrm>
+            <a:off x="2969843" y="3107703"/>
+            <a:ext cx="967141" cy="752807"/>
+          </a:xfrm>
+          <a:prstGeom prst="rect">
+            <a:avLst/>
+          </a:prstGeom>
+          <a:noFill/>
+          <a:ln w="28575">
+            <a:solidFill>
+              <a:schemeClr val="tx2">
+                <a:lumMod val="75000"/>
+              </a:schemeClr>
+            </a:solidFill>
+          </a:ln>
+        </p:spPr>
+        <p:style>
+          <a:lnRef idx="1">
+            <a:schemeClr val="accent1"/>
+          </a:lnRef>
+          <a:fillRef idx="3">
+            <a:schemeClr val="accent1"/>
+          </a:fillRef>
+          <a:effectRef idx="2">
+            <a:schemeClr val="accent1"/>
+          </a:effectRef>
+          <a:fontRef idx="minor">
+            <a:schemeClr val="lt1"/>
+          </a:fontRef>
+        </p:style>
+        <p:txBody>
+          <a:bodyPr rtlCol="0" anchor="ctr"/>
+          <a:lstStyle/>
+          <a:p>
+            <a:pPr algn="ctr"/>
+            <a:endParaRPr lang="fr-FR"/>
+          </a:p>
+        </p:txBody>
+      </p:sp>
+      <p:sp>
+        <p:nvSpPr>
+          <p:cNvPr id="24" name="Rectangle 23"/>
+          <p:cNvSpPr/>
+          <p:nvPr/>
+        </p:nvSpPr>
+        <p:spPr>
+          <a:xfrm>
+            <a:off x="4197469" y="3112697"/>
+            <a:ext cx="967141" cy="752807"/>
+          </a:xfrm>
+          <a:prstGeom prst="rect">
+            <a:avLst/>
+          </a:prstGeom>
+          <a:noFill/>
+          <a:ln w="28575">
+            <a:solidFill>
+              <a:schemeClr val="accent1">
+                <a:lumMod val="60000"/>
+                <a:lumOff val="40000"/>
+              </a:schemeClr>
+            </a:solidFill>
+          </a:ln>
+        </p:spPr>
+        <p:style>
+          <a:lnRef idx="1">
+            <a:schemeClr val="accent1"/>
+          </a:lnRef>
+          <a:fillRef idx="3">
+            <a:schemeClr val="accent1"/>
+          </a:fillRef>
+          <a:effectRef idx="2">
+            <a:schemeClr val="accent1"/>
+          </a:effectRef>
+          <a:fontRef idx="minor">
+            <a:schemeClr val="lt1"/>
+          </a:fontRef>
+        </p:style>
+        <p:txBody>
+          <a:bodyPr rtlCol="0" anchor="ctr"/>
+          <a:lstStyle/>
+          <a:p>
+            <a:pPr algn="ctr"/>
+            <a:endParaRPr lang="fr-FR"/>
+          </a:p>
+        </p:txBody>
+      </p:sp>
+      <p:sp>
+        <p:nvSpPr>
+          <p:cNvPr id="25" name="ZoneTexte 24"/>
+          <p:cNvSpPr txBox="1"/>
+          <p:nvPr/>
+        </p:nvSpPr>
+        <p:spPr>
+          <a:xfrm>
+            <a:off x="3105628" y="3290277"/>
+            <a:ext cx="695569" cy="369332"/>
+          </a:xfrm>
+          <a:prstGeom prst="rect">
+            <a:avLst/>
+          </a:prstGeom>
+          <a:noFill/>
+        </p:spPr>
+        <p:txBody>
+          <a:bodyPr wrap="square" rtlCol="0">
+            <a:spAutoFit/>
+          </a:bodyPr>
+          <a:lstStyle/>
+          <a:p>
+            <a:pPr algn="ctr"/>
+            <a:r>
+              <a:rPr lang="fr-FR" dirty="0" smtClean="0">
+                <a:effectLst>
+                  <a:outerShdw blurRad="50800" dist="38100" dir="2700000" algn="tl" rotWithShape="0">
+                    <a:prstClr val="black">
+                      <a:alpha val="40000"/>
+                    </a:prstClr>
+                  </a:outerShdw>
+                </a:effectLst>
+              </a:rPr>
+              <a:t>IHM</a:t>
+            </a:r>
+          </a:p>
+        </p:txBody>
+      </p:sp>
+      <p:sp>
+        <p:nvSpPr>
+          <p:cNvPr id="26" name="ZoneTexte 25"/>
+          <p:cNvSpPr txBox="1"/>
+          <p:nvPr/>
+        </p:nvSpPr>
+        <p:spPr>
+          <a:xfrm>
+            <a:off x="4213274" y="3163764"/>
+            <a:ext cx="935529" cy="646331"/>
+          </a:xfrm>
+          <a:prstGeom prst="rect">
+            <a:avLst/>
+          </a:prstGeom>
+          <a:noFill/>
+        </p:spPr>
+        <p:txBody>
+          <a:bodyPr wrap="square" rtlCol="0">
+            <a:spAutoFit/>
+          </a:bodyPr>
+          <a:lstStyle/>
+          <a:p>
+            <a:pPr algn="ctr"/>
+            <a:r>
+              <a:rPr lang="fr-FR" dirty="0" smtClean="0">
+                <a:effectLst>
+                  <a:outerShdw blurRad="50800" dist="38100" dir="2700000" algn="tl" rotWithShape="0">
+                    <a:prstClr val="black">
+                      <a:alpha val="40000"/>
+                    </a:prstClr>
+                  </a:outerShdw>
+                </a:effectLst>
+              </a:rPr>
+              <a:t>Modèle</a:t>
+            </a:r>
+          </a:p>
+          <a:p>
+            <a:pPr algn="ctr"/>
+            <a:r>
+              <a:rPr lang="fr-FR" dirty="0" smtClean="0">
+                <a:effectLst>
+                  <a:outerShdw blurRad="50800" dist="38100" dir="2700000" algn="tl" rotWithShape="0">
+                    <a:prstClr val="black">
+                      <a:alpha val="40000"/>
+                    </a:prstClr>
+                  </a:outerShdw>
+                </a:effectLst>
+              </a:rPr>
+              <a:t>DLL</a:t>
+            </a:r>
+          </a:p>
+        </p:txBody>
+      </p:sp>
+      <p:sp>
+        <p:nvSpPr>
+          <p:cNvPr id="27" name="ZoneTexte 26"/>
+          <p:cNvSpPr txBox="1"/>
+          <p:nvPr/>
+        </p:nvSpPr>
+        <p:spPr>
+          <a:xfrm>
+            <a:off x="945744" y="2523558"/>
+            <a:ext cx="1881906" cy="646331"/>
+          </a:xfrm>
+          <a:prstGeom prst="rect">
+            <a:avLst/>
+          </a:prstGeom>
+          <a:noFill/>
+        </p:spPr>
+        <p:txBody>
+          <a:bodyPr wrap="square" rtlCol="0">
+            <a:spAutoFit/>
+          </a:bodyPr>
+          <a:lstStyle/>
+          <a:p>
+            <a:pPr algn="ctr"/>
+            <a:r>
+              <a:rPr lang="fr-FR" dirty="0" smtClean="0">
+                <a:effectLst>
+                  <a:outerShdw blurRad="50800" dist="38100" dir="2700000" algn="tl" rotWithShape="0">
+                    <a:prstClr val="black">
+                      <a:alpha val="40000"/>
+                    </a:prstClr>
+                  </a:outerShdw>
+                </a:effectLst>
+              </a:rPr>
+              <a:t>Bluetooth_com</a:t>
+            </a:r>
+          </a:p>
+          <a:p>
+            <a:pPr algn="ctr"/>
+            <a:r>
+              <a:rPr lang="fr-FR" dirty="0" smtClean="0">
+                <a:effectLst>
+                  <a:outerShdw blurRad="50800" dist="38100" dir="2700000" algn="tl" rotWithShape="0">
+                    <a:prstClr val="black">
+                      <a:alpha val="40000"/>
+                    </a:prstClr>
+                  </a:outerShdw>
+                </a:effectLst>
+              </a:rPr>
+              <a:t>DLL</a:t>
+            </a:r>
+          </a:p>
+        </p:txBody>
+      </p:sp>
+      <p:cxnSp>
+        <p:nvCxnSpPr>
+          <p:cNvPr id="16" name="Connecteur droit avec flèche 15"/>
+          <p:cNvCxnSpPr>
+            <a:stCxn id="23" idx="3"/>
+            <a:endCxn id="24" idx="1"/>
+          </p:cNvCxnSpPr>
+          <p:nvPr/>
+        </p:nvCxnSpPr>
+        <p:spPr>
+          <a:xfrm>
+            <a:off x="3936984" y="3484107"/>
+            <a:ext cx="260485" cy="4994"/>
+          </a:xfrm>
+          <a:prstGeom prst="straightConnector1">
+            <a:avLst/>
+          </a:prstGeom>
+          <a:ln>
+            <a:headEnd type="triangle"/>
+            <a:tailEnd type="triangle"/>
+          </a:ln>
+        </p:spPr>
+        <p:style>
+          <a:lnRef idx="2">
+            <a:schemeClr val="dk1"/>
+          </a:lnRef>
+          <a:fillRef idx="0">
+            <a:schemeClr val="dk1"/>
+          </a:fillRef>
+          <a:effectRef idx="1">
+            <a:schemeClr val="dk1"/>
+          </a:effectRef>
+          <a:fontRef idx="minor">
+            <a:schemeClr val="tx1"/>
+          </a:fontRef>
+        </p:style>
+      </p:cxnSp>
+      <p:cxnSp>
+        <p:nvCxnSpPr>
+          <p:cNvPr id="42" name="Connecteur droit avec flèche 41"/>
+          <p:cNvCxnSpPr>
+            <a:stCxn id="23" idx="1"/>
+            <a:endCxn id="11" idx="3"/>
+          </p:cNvCxnSpPr>
+          <p:nvPr/>
+        </p:nvCxnSpPr>
+        <p:spPr>
+          <a:xfrm flipH="1" flipV="1">
+            <a:off x="1375852" y="3480484"/>
+            <a:ext cx="1593991" cy="3623"/>
+          </a:xfrm>
+          <a:prstGeom prst="straightConnector1">
+            <a:avLst/>
+          </a:prstGeom>
+          <a:ln>
+            <a:tailEnd type="triangle"/>
+          </a:ln>
+        </p:spPr>
+        <p:style>
+          <a:lnRef idx="2">
+            <a:schemeClr val="dk1"/>
+          </a:lnRef>
+          <a:fillRef idx="0">
+            <a:schemeClr val="dk1"/>
+          </a:fillRef>
+          <a:effectRef idx="1">
+            <a:schemeClr val="dk1"/>
+          </a:effectRef>
+          <a:fontRef idx="minor">
+            <a:schemeClr val="tx1"/>
+          </a:fontRef>
+        </p:style>
+      </p:cxnSp>
+      <p:sp>
+        <p:nvSpPr>
+          <p:cNvPr id="29" name="Espace réservé du texte 2"/>
+          <p:cNvSpPr>
+            <a:spLocks noGrp="1"/>
+          </p:cNvSpPr>
+          <p:nvPr>
+            <p:ph type="body" sz="quarter" idx="10"/>
+          </p:nvPr>
+        </p:nvSpPr>
+        <p:spPr>
+          <a:xfrm>
+            <a:off x="581892" y="992917"/>
+            <a:ext cx="8409708" cy="541594"/>
+          </a:xfrm>
+        </p:spPr>
+        <p:txBody>
+          <a:bodyPr/>
+          <a:lstStyle/>
+          <a:p>
+            <a:r>
+              <a:rPr lang="fr-FR" dirty="0" smtClean="0"/>
+              <a:t>Maintenant</a:t>
+            </a:r>
+            <a:endParaRPr lang="fr-FR" dirty="0"/>
+          </a:p>
+        </p:txBody>
+      </p:sp>
+      <p:pic>
+        <p:nvPicPr>
+          <p:cNvPr id="30" name="Image 29"/>
+          <p:cNvPicPr>
+            <a:picLocks noChangeAspect="1"/>
+          </p:cNvPicPr>
+          <p:nvPr/>
+        </p:nvPicPr>
+        <p:blipFill>
+          <a:blip r:embed="rId14" cstate="screen">
+            <a:extLst>
+              <a:ext uri="{28A0092B-C50C-407E-A947-70E740481C1C}">
+                <a14:useLocalDpi xmlns:a14="http://schemas.microsoft.com/office/drawing/2010/main" val="0"/>
+              </a:ext>
+            </a:extLst>
+          </a:blip>
+          <a:stretch>
+            <a:fillRect/>
+          </a:stretch>
+        </p:blipFill>
+        <p:spPr>
+          <a:xfrm>
+            <a:off x="469840" y="4363507"/>
+            <a:ext cx="851211" cy="828834"/>
+          </a:xfrm>
+          <a:prstGeom prst="rect">
+            <a:avLst/>
+          </a:prstGeom>
+        </p:spPr>
+      </p:pic>
+      <p:sp>
+        <p:nvSpPr>
+          <p:cNvPr id="34" name="Titre 1"/>
+          <p:cNvSpPr>
+            <a:spLocks noGrp="1"/>
+          </p:cNvSpPr>
+          <p:nvPr>
+            <p:ph type="title"/>
+          </p:nvPr>
+        </p:nvSpPr>
+        <p:spPr>
+          <a:xfrm>
+            <a:off x="633806" y="107931"/>
+            <a:ext cx="7876388" cy="1143000"/>
+          </a:xfrm>
+        </p:spPr>
+        <p:txBody>
+          <a:bodyPr/>
+          <a:lstStyle/>
+          <a:p>
+            <a:pPr algn="ctr"/>
+            <a:r>
+              <a:rPr lang="fr-FR" dirty="0" smtClean="0"/>
+              <a:t>II. </a:t>
+            </a:r>
+            <a:r>
+              <a:rPr lang="fr-FR" dirty="0" err="1" smtClean="0"/>
+              <a:t>realisation</a:t>
+            </a:r>
+            <a:endParaRPr lang="fr-FR" dirty="0"/>
+          </a:p>
+        </p:txBody>
+      </p:sp>
+      <p:pic>
+        <p:nvPicPr>
+          <p:cNvPr id="41" name="Image 40"/>
+          <p:cNvPicPr>
+            <a:picLocks noChangeAspect="1"/>
+          </p:cNvPicPr>
+          <p:nvPr/>
+        </p:nvPicPr>
+        <p:blipFill>
+          <a:blip r:embed="rId15" cstate="screen">
+            <a:extLst>
+              <a:ext uri="{28A0092B-C50C-407E-A947-70E740481C1C}">
+                <a14:useLocalDpi xmlns:a14="http://schemas.microsoft.com/office/drawing/2010/main" val="0"/>
+              </a:ext>
+            </a:extLst>
+          </a:blip>
+          <a:stretch>
+            <a:fillRect/>
+          </a:stretch>
+        </p:blipFill>
+        <p:spPr>
+          <a:xfrm>
+            <a:off x="7495922" y="3029753"/>
+            <a:ext cx="914419" cy="890380"/>
+          </a:xfrm>
+          <a:prstGeom prst="rect">
+            <a:avLst/>
+          </a:prstGeom>
+        </p:spPr>
+      </p:pic>
+      <p:sp>
+        <p:nvSpPr>
+          <p:cNvPr id="43" name="ZoneTexte 42"/>
           <p:cNvSpPr txBox="1"/>
           <p:nvPr/>
         </p:nvSpPr>
@@ -9174,21 +9363,12 @@
               </a:rPr>
               <a:t>DLL</a:t>
             </a:r>
-            <a:endParaRPr lang="fr-FR" dirty="0" smtClean="0">
-              <a:effectLst>
-                <a:outerShdw blurRad="50800" dist="38100" dir="2700000" algn="tl" rotWithShape="0">
-                  <a:prstClr val="black">
-                    <a:alpha val="40000"/>
-                  </a:prstClr>
-                </a:outerShdw>
-              </a:effectLst>
-            </a:endParaRPr>
-          </a:p>
-        </p:txBody>
-      </p:sp>
-      <p:sp>
-        <p:nvSpPr>
-          <p:cNvPr id="4" name="Rectangle 3"/>
+          </a:p>
+        </p:txBody>
+      </p:sp>
+      <p:sp>
+        <p:nvSpPr>
+          <p:cNvPr id="44" name="Rectangle 43"/>
           <p:cNvSpPr/>
           <p:nvPr/>
         </p:nvSpPr>
@@ -9216,9 +9396,99 @@
           </a:p>
         </p:txBody>
       </p:sp>
+      <p:pic>
+        <p:nvPicPr>
+          <p:cNvPr id="45" name="Image 44"/>
+          <p:cNvPicPr>
+            <a:picLocks noChangeAspect="1"/>
+          </p:cNvPicPr>
+          <p:nvPr/>
+        </p:nvPicPr>
+        <p:blipFill>
+          <a:blip r:embed="rId16" cstate="screen">
+            <a:extLst>
+              <a:ext uri="{28A0092B-C50C-407E-A947-70E740481C1C}">
+                <a14:useLocalDpi xmlns:a14="http://schemas.microsoft.com/office/drawing/2010/main" val="0"/>
+              </a:ext>
+            </a:extLst>
+          </a:blip>
+          <a:stretch>
+            <a:fillRect/>
+          </a:stretch>
+        </p:blipFill>
+        <p:spPr>
+          <a:xfrm>
+            <a:off x="4304840" y="3975672"/>
+            <a:ext cx="752398" cy="732618"/>
+          </a:xfrm>
+          <a:prstGeom prst="rect">
+            <a:avLst/>
+          </a:prstGeom>
+        </p:spPr>
+      </p:pic>
+      <p:pic>
+        <p:nvPicPr>
+          <p:cNvPr id="46" name="Image 45"/>
+          <p:cNvPicPr>
+            <a:picLocks noChangeAspect="1"/>
+          </p:cNvPicPr>
+          <p:nvPr/>
+        </p:nvPicPr>
+        <p:blipFill>
+          <a:blip r:embed="rId17" cstate="screen">
+            <a:extLst>
+              <a:ext uri="{28A0092B-C50C-407E-A947-70E740481C1C}">
+                <a14:useLocalDpi xmlns:a14="http://schemas.microsoft.com/office/drawing/2010/main" val="0"/>
+              </a:ext>
+            </a:extLst>
+          </a:blip>
+          <a:stretch>
+            <a:fillRect/>
+          </a:stretch>
+        </p:blipFill>
+        <p:spPr>
+          <a:xfrm>
+            <a:off x="2992160" y="3910739"/>
+            <a:ext cx="922503" cy="882906"/>
+          </a:xfrm>
+          <a:prstGeom prst="rect">
+            <a:avLst/>
+          </a:prstGeom>
+        </p:spPr>
+      </p:pic>
+      <p:pic>
+        <p:nvPicPr>
+          <p:cNvPr id="2" name="Image 1"/>
+          <p:cNvPicPr>
+            <a:picLocks noChangeAspect="1"/>
+          </p:cNvPicPr>
+          <p:nvPr/>
+        </p:nvPicPr>
+        <p:blipFill>
+          <a:blip r:embed="rId18" cstate="screen">
+            <a:extLst>
+              <a:ext uri="{28A0092B-C50C-407E-A947-70E740481C1C}">
+                <a14:useLocalDpi xmlns:a14="http://schemas.microsoft.com/office/drawing/2010/main" val="0"/>
+              </a:ext>
+            </a:extLst>
+          </a:blip>
+          <a:stretch>
+            <a:fillRect/>
+          </a:stretch>
+        </p:blipFill>
+        <p:spPr>
+          <a:xfrm>
+            <a:off x="1733495" y="4300297"/>
+            <a:ext cx="721023" cy="940465"/>
+          </a:xfrm>
+          <a:prstGeom prst="rect">
+            <a:avLst/>
+          </a:prstGeom>
+        </p:spPr>
+      </p:pic>
       <p:cxnSp>
         <p:nvCxnSpPr>
-          <p:cNvPr id="38" name="Connecteur droit avec flèche 37"/>
+          <p:cNvPr id="47" name="Connecteur droit avec flèche 46"/>
           <p:cNvCxnSpPr/>
           <p:nvPr/>
         </p:nvCxnSpPr>
@@ -9252,7 +9522,7 @@
     </p:spTree>
     <p:extLst>
       <p:ext uri="{BB962C8B-B14F-4D97-AF65-F5344CB8AC3E}">
-        <p14:creationId xmlns:p14="http://schemas.microsoft.com/office/powerpoint/2010/main" val="2170586702"/>
+        <p14:creationId xmlns:p14="http://schemas.microsoft.com/office/powerpoint/2010/main" val="301261152"/>
       </p:ext>
     </p:extLst>
   </p:cSld>
@@ -9300,812 +9570,7 @@
       </p:grpSpPr>
       <p:sp>
         <p:nvSpPr>
-          <p:cNvPr id="7" name="ZoneTexte 6"/>
-          <p:cNvSpPr txBox="1"/>
-          <p:nvPr/>
-        </p:nvSpPr>
-        <p:spPr>
-          <a:xfrm>
-            <a:off x="8496300" y="6296025"/>
-            <a:ext cx="495300" cy="369332"/>
-          </a:xfrm>
-          <a:prstGeom prst="rect">
-            <a:avLst/>
-          </a:prstGeom>
-          <a:noFill/>
-        </p:spPr>
-        <p:txBody>
-          <a:bodyPr wrap="square" rtlCol="0">
-            <a:spAutoFit/>
-          </a:bodyPr>
-          <a:lstStyle/>
-          <a:p>
-            <a:r>
-              <a:rPr lang="fr-FR" dirty="0"/>
-              <a:t>7</a:t>
-            </a:r>
-          </a:p>
-        </p:txBody>
-      </p:sp>
-      <p:pic>
-        <p:nvPicPr>
-          <p:cNvPr id="3" name="Image 2"/>
-          <p:cNvPicPr>
-            <a:picLocks noChangeAspect="1"/>
-          </p:cNvPicPr>
-          <p:nvPr/>
-        </p:nvPicPr>
-        <p:blipFill>
-          <a:blip r:embed="rId3" cstate="screen">
-            <a:extLst>
-              <a:ext uri="{28A0092B-C50C-407E-A947-70E740481C1C}">
-                <a14:useLocalDpi xmlns:a14="http://schemas.microsoft.com/office/drawing/2010/main" val="0"/>
-              </a:ext>
-            </a:extLst>
-          </a:blip>
-          <a:stretch>
-            <a:fillRect/>
-          </a:stretch>
-        </p:blipFill>
-        <p:spPr>
-          <a:xfrm>
-            <a:off x="7853061" y="1429364"/>
-            <a:ext cx="679366" cy="510883"/>
-          </a:xfrm>
-          <a:prstGeom prst="rect">
-            <a:avLst/>
-          </a:prstGeom>
-        </p:spPr>
-      </p:pic>
-      <p:pic>
-        <p:nvPicPr>
-          <p:cNvPr id="4" name="Image 3"/>
-          <p:cNvPicPr>
-            <a:picLocks noChangeAspect="1"/>
-          </p:cNvPicPr>
-          <p:nvPr/>
-        </p:nvPicPr>
-        <p:blipFill>
-          <a:blip r:embed="rId4" cstate="screen">
-            <a:extLst>
-              <a:ext uri="{28A0092B-C50C-407E-A947-70E740481C1C}">
-                <a14:useLocalDpi xmlns:a14="http://schemas.microsoft.com/office/drawing/2010/main" val="0"/>
-              </a:ext>
-            </a:extLst>
-          </a:blip>
-          <a:stretch>
-            <a:fillRect/>
-          </a:stretch>
-        </p:blipFill>
-        <p:spPr>
-          <a:xfrm>
-            <a:off x="5770113" y="4708770"/>
-            <a:ext cx="875600" cy="875600"/>
-          </a:xfrm>
-          <a:prstGeom prst="rect">
-            <a:avLst/>
-          </a:prstGeom>
-        </p:spPr>
-      </p:pic>
-      <p:pic>
-        <p:nvPicPr>
-          <p:cNvPr id="6" name="Image 5"/>
-          <p:cNvPicPr>
-            <a:picLocks noChangeAspect="1"/>
-          </p:cNvPicPr>
-          <p:nvPr/>
-        </p:nvPicPr>
-        <p:blipFill>
-          <a:blip r:embed="rId5" cstate="screen">
-            <a:extLst>
-              <a:ext uri="{28A0092B-C50C-407E-A947-70E740481C1C}">
-                <a14:useLocalDpi xmlns:a14="http://schemas.microsoft.com/office/drawing/2010/main" val="0"/>
-              </a:ext>
-            </a:extLst>
-          </a:blip>
-          <a:stretch>
-            <a:fillRect/>
-          </a:stretch>
-        </p:blipFill>
-        <p:spPr>
-          <a:xfrm rot="10800000">
-            <a:off x="7007672" y="1477671"/>
-            <a:ext cx="402652" cy="402652"/>
-          </a:xfrm>
-          <a:prstGeom prst="rect">
-            <a:avLst/>
-          </a:prstGeom>
-        </p:spPr>
-      </p:pic>
-      <p:pic>
-        <p:nvPicPr>
-          <p:cNvPr id="8" name="Image 7"/>
-          <p:cNvPicPr>
-            <a:picLocks noChangeAspect="1"/>
-          </p:cNvPicPr>
-          <p:nvPr/>
-        </p:nvPicPr>
-        <p:blipFill>
-          <a:blip r:embed="rId6" cstate="screen">
-            <a:extLst>
-              <a:ext uri="{28A0092B-C50C-407E-A947-70E740481C1C}">
-                <a14:useLocalDpi xmlns:a14="http://schemas.microsoft.com/office/drawing/2010/main" val="0"/>
-              </a:ext>
-            </a:extLst>
-          </a:blip>
-          <a:stretch>
-            <a:fillRect/>
-          </a:stretch>
-        </p:blipFill>
-        <p:spPr>
-          <a:xfrm>
-            <a:off x="5820537" y="1345601"/>
-            <a:ext cx="794871" cy="678410"/>
-          </a:xfrm>
-          <a:prstGeom prst="rect">
-            <a:avLst/>
-          </a:prstGeom>
-        </p:spPr>
-      </p:pic>
-      <p:pic>
-        <p:nvPicPr>
-          <p:cNvPr id="9" name="Image 8"/>
-          <p:cNvPicPr>
-            <a:picLocks noChangeAspect="1"/>
-          </p:cNvPicPr>
-          <p:nvPr/>
-        </p:nvPicPr>
-        <p:blipFill>
-          <a:blip r:embed="rId7" cstate="screen">
-            <a:extLst>
-              <a:ext uri="{28A0092B-C50C-407E-A947-70E740481C1C}">
-                <a14:useLocalDpi xmlns:a14="http://schemas.microsoft.com/office/drawing/2010/main" val="0"/>
-              </a:ext>
-            </a:extLst>
-          </a:blip>
-          <a:stretch>
-            <a:fillRect/>
-          </a:stretch>
-        </p:blipFill>
-        <p:spPr>
-          <a:xfrm>
-            <a:off x="5770113" y="2955379"/>
-            <a:ext cx="884715" cy="782731"/>
-          </a:xfrm>
-          <a:prstGeom prst="rect">
-            <a:avLst/>
-          </a:prstGeom>
-        </p:spPr>
-      </p:pic>
-      <p:pic>
-        <p:nvPicPr>
-          <p:cNvPr id="10" name="Image 9"/>
-          <p:cNvPicPr>
-            <a:picLocks noChangeAspect="1"/>
-          </p:cNvPicPr>
-          <p:nvPr/>
-        </p:nvPicPr>
-        <p:blipFill>
-          <a:blip r:embed="rId8">
-            <a:extLst>
-              <a:ext uri="{28A0092B-C50C-407E-A947-70E740481C1C}">
-                <a14:useLocalDpi xmlns:a14="http://schemas.microsoft.com/office/drawing/2010/main" val="0"/>
-              </a:ext>
-            </a:extLst>
-          </a:blip>
-          <a:stretch>
-            <a:fillRect/>
-          </a:stretch>
-        </p:blipFill>
-        <p:spPr>
-          <a:xfrm>
-            <a:off x="3384061" y="1667920"/>
-            <a:ext cx="1418468" cy="1268691"/>
-          </a:xfrm>
-          <a:prstGeom prst="rect">
-            <a:avLst/>
-          </a:prstGeom>
-        </p:spPr>
-      </p:pic>
-      <p:pic>
-        <p:nvPicPr>
-          <p:cNvPr id="11" name="Image 10"/>
-          <p:cNvPicPr>
-            <a:picLocks noChangeAspect="1"/>
-          </p:cNvPicPr>
-          <p:nvPr/>
-        </p:nvPicPr>
-        <p:blipFill>
-          <a:blip r:embed="rId9" cstate="screen">
-            <a:extLst>
-              <a:ext uri="{28A0092B-C50C-407E-A947-70E740481C1C}">
-                <a14:useLocalDpi xmlns:a14="http://schemas.microsoft.com/office/drawing/2010/main" val="0"/>
-              </a:ext>
-            </a:extLst>
-          </a:blip>
-          <a:stretch>
-            <a:fillRect/>
-          </a:stretch>
-        </p:blipFill>
-        <p:spPr>
-          <a:xfrm>
-            <a:off x="244061" y="2851916"/>
-            <a:ext cx="1131791" cy="1257135"/>
-          </a:xfrm>
-          <a:prstGeom prst="rect">
-            <a:avLst/>
-          </a:prstGeom>
-        </p:spPr>
-      </p:pic>
-      <p:pic>
-        <p:nvPicPr>
-          <p:cNvPr id="12" name="Image 11"/>
-          <p:cNvPicPr>
-            <a:picLocks noChangeAspect="1"/>
-          </p:cNvPicPr>
-          <p:nvPr/>
-        </p:nvPicPr>
-        <p:blipFill>
-          <a:blip r:embed="rId10" cstate="screen">
-            <a:extLst>
-              <a:ext uri="{28A0092B-C50C-407E-A947-70E740481C1C}">
-                <a14:useLocalDpi xmlns:a14="http://schemas.microsoft.com/office/drawing/2010/main" val="0"/>
-              </a:ext>
-            </a:extLst>
-          </a:blip>
-          <a:stretch>
-            <a:fillRect/>
-          </a:stretch>
-        </p:blipFill>
-        <p:spPr>
-          <a:xfrm>
-            <a:off x="5924313" y="2249583"/>
-            <a:ext cx="609960" cy="609960"/>
-          </a:xfrm>
-          <a:prstGeom prst="rect">
-            <a:avLst/>
-          </a:prstGeom>
-        </p:spPr>
-      </p:pic>
-      <p:pic>
-        <p:nvPicPr>
-          <p:cNvPr id="13" name="Image 12"/>
-          <p:cNvPicPr>
-            <a:picLocks noChangeAspect="1"/>
-          </p:cNvPicPr>
-          <p:nvPr/>
-        </p:nvPicPr>
-        <p:blipFill>
-          <a:blip r:embed="rId11" cstate="screen">
-            <a:extLst>
-              <a:ext uri="{28A0092B-C50C-407E-A947-70E740481C1C}">
-                <a14:useLocalDpi xmlns:a14="http://schemas.microsoft.com/office/drawing/2010/main" val="0"/>
-              </a:ext>
-            </a:extLst>
-          </a:blip>
-          <a:stretch>
-            <a:fillRect/>
-          </a:stretch>
-        </p:blipFill>
-        <p:spPr>
-          <a:xfrm>
-            <a:off x="6885659" y="4913125"/>
-            <a:ext cx="646679" cy="409867"/>
-          </a:xfrm>
-          <a:prstGeom prst="rect">
-            <a:avLst/>
-          </a:prstGeom>
-        </p:spPr>
-      </p:pic>
-      <p:pic>
-        <p:nvPicPr>
-          <p:cNvPr id="15" name="Image 14"/>
-          <p:cNvPicPr>
-            <a:picLocks noChangeAspect="1"/>
-          </p:cNvPicPr>
-          <p:nvPr/>
-        </p:nvPicPr>
-        <p:blipFill>
-          <a:blip r:embed="rId10" cstate="screen">
-            <a:extLst>
-              <a:ext uri="{28A0092B-C50C-407E-A947-70E740481C1C}">
-                <a14:useLocalDpi xmlns:a14="http://schemas.microsoft.com/office/drawing/2010/main" val="0"/>
-              </a:ext>
-            </a:extLst>
-          </a:blip>
-          <a:stretch>
-            <a:fillRect/>
-          </a:stretch>
-        </p:blipFill>
-        <p:spPr>
-          <a:xfrm rot="10800000">
-            <a:off x="5924312" y="4037833"/>
-            <a:ext cx="609960" cy="609960"/>
-          </a:xfrm>
-          <a:prstGeom prst="rect">
-            <a:avLst/>
-          </a:prstGeom>
-        </p:spPr>
-      </p:pic>
-      <p:pic>
-        <p:nvPicPr>
-          <p:cNvPr id="18" name="Image 17"/>
-          <p:cNvPicPr>
-            <a:picLocks noChangeAspect="1"/>
-          </p:cNvPicPr>
-          <p:nvPr/>
-        </p:nvPicPr>
-        <p:blipFill>
-          <a:blip r:embed="rId12" cstate="screen">
-            <a:extLst>
-              <a:ext uri="{28A0092B-C50C-407E-A947-70E740481C1C}">
-                <a14:useLocalDpi xmlns:a14="http://schemas.microsoft.com/office/drawing/2010/main" val="0"/>
-              </a:ext>
-            </a:extLst>
-          </a:blip>
-          <a:stretch>
-            <a:fillRect/>
-          </a:stretch>
-        </p:blipFill>
-        <p:spPr>
-          <a:xfrm>
-            <a:off x="1733496" y="3558144"/>
-            <a:ext cx="920615" cy="226061"/>
-          </a:xfrm>
-          <a:prstGeom prst="rect">
-            <a:avLst/>
-          </a:prstGeom>
-        </p:spPr>
-      </p:pic>
-      <p:pic>
-        <p:nvPicPr>
-          <p:cNvPr id="19" name="Image 18"/>
-          <p:cNvPicPr>
-            <a:picLocks noChangeAspect="1"/>
-          </p:cNvPicPr>
-          <p:nvPr/>
-        </p:nvPicPr>
-        <p:blipFill>
-          <a:blip r:embed="rId13" cstate="screen">
-            <a:extLst>
-              <a:ext uri="{28A0092B-C50C-407E-A947-70E740481C1C}">
-                <a14:useLocalDpi xmlns:a14="http://schemas.microsoft.com/office/drawing/2010/main" val="0"/>
-              </a:ext>
-            </a:extLst>
-          </a:blip>
-          <a:stretch>
-            <a:fillRect/>
-          </a:stretch>
-        </p:blipFill>
-        <p:spPr>
-          <a:xfrm>
-            <a:off x="7906150" y="4823774"/>
-            <a:ext cx="613499" cy="613499"/>
-          </a:xfrm>
-          <a:prstGeom prst="rect">
-            <a:avLst/>
-          </a:prstGeom>
-        </p:spPr>
-      </p:pic>
-      <p:sp>
-        <p:nvSpPr>
-          <p:cNvPr id="20" name="Rectangle 19"/>
-          <p:cNvSpPr/>
-          <p:nvPr/>
-        </p:nvSpPr>
-        <p:spPr>
-          <a:xfrm>
-            <a:off x="5607347" y="1104253"/>
-            <a:ext cx="3263885" cy="4484982"/>
-          </a:xfrm>
-          <a:prstGeom prst="rect">
-            <a:avLst/>
-          </a:prstGeom>
-          <a:noFill/>
-          <a:ln w="28575">
-            <a:solidFill>
-              <a:srgbClr val="00B050"/>
-            </a:solidFill>
-          </a:ln>
-        </p:spPr>
-        <p:style>
-          <a:lnRef idx="1">
-            <a:schemeClr val="accent1"/>
-          </a:lnRef>
-          <a:fillRef idx="3">
-            <a:schemeClr val="accent1"/>
-          </a:fillRef>
-          <a:effectRef idx="2">
-            <a:schemeClr val="accent1"/>
-          </a:effectRef>
-          <a:fontRef idx="minor">
-            <a:schemeClr val="lt1"/>
-          </a:fontRef>
-        </p:style>
-        <p:txBody>
-          <a:bodyPr rtlCol="0" anchor="ctr"/>
-          <a:lstStyle/>
-          <a:p>
-            <a:pPr algn="ctr"/>
-            <a:endParaRPr lang="fr-FR"/>
-          </a:p>
-        </p:txBody>
-      </p:sp>
-      <p:sp>
-        <p:nvSpPr>
-          <p:cNvPr id="22" name="Rectangle 21"/>
-          <p:cNvSpPr/>
-          <p:nvPr/>
-        </p:nvSpPr>
-        <p:spPr>
-          <a:xfrm>
-            <a:off x="139158" y="2472104"/>
-            <a:ext cx="2688492" cy="2011069"/>
-          </a:xfrm>
-          <a:prstGeom prst="rect">
-            <a:avLst/>
-          </a:prstGeom>
-          <a:noFill/>
-          <a:ln w="28575">
-            <a:solidFill>
-              <a:srgbClr val="00B0F0"/>
-            </a:solidFill>
-          </a:ln>
-        </p:spPr>
-        <p:style>
-          <a:lnRef idx="1">
-            <a:schemeClr val="accent1"/>
-          </a:lnRef>
-          <a:fillRef idx="3">
-            <a:schemeClr val="accent1"/>
-          </a:fillRef>
-          <a:effectRef idx="2">
-            <a:schemeClr val="accent1"/>
-          </a:effectRef>
-          <a:fontRef idx="minor">
-            <a:schemeClr val="lt1"/>
-          </a:fontRef>
-        </p:style>
-        <p:txBody>
-          <a:bodyPr rtlCol="0" anchor="ctr"/>
-          <a:lstStyle/>
-          <a:p>
-            <a:pPr algn="ctr"/>
-            <a:endParaRPr lang="fr-FR"/>
-          </a:p>
-        </p:txBody>
-      </p:sp>
-      <p:sp>
-        <p:nvSpPr>
-          <p:cNvPr id="23" name="Rectangle 22"/>
-          <p:cNvSpPr/>
-          <p:nvPr/>
-        </p:nvSpPr>
-        <p:spPr>
-          <a:xfrm>
-            <a:off x="2969843" y="3107703"/>
-            <a:ext cx="967141" cy="752807"/>
-          </a:xfrm>
-          <a:prstGeom prst="rect">
-            <a:avLst/>
-          </a:prstGeom>
-          <a:noFill/>
-          <a:ln w="28575">
-            <a:solidFill>
-              <a:schemeClr val="tx2">
-                <a:lumMod val="75000"/>
-              </a:schemeClr>
-            </a:solidFill>
-          </a:ln>
-        </p:spPr>
-        <p:style>
-          <a:lnRef idx="1">
-            <a:schemeClr val="accent1"/>
-          </a:lnRef>
-          <a:fillRef idx="3">
-            <a:schemeClr val="accent1"/>
-          </a:fillRef>
-          <a:effectRef idx="2">
-            <a:schemeClr val="accent1"/>
-          </a:effectRef>
-          <a:fontRef idx="minor">
-            <a:schemeClr val="lt1"/>
-          </a:fontRef>
-        </p:style>
-        <p:txBody>
-          <a:bodyPr rtlCol="0" anchor="ctr"/>
-          <a:lstStyle/>
-          <a:p>
-            <a:pPr algn="ctr"/>
-            <a:endParaRPr lang="fr-FR"/>
-          </a:p>
-        </p:txBody>
-      </p:sp>
-      <p:sp>
-        <p:nvSpPr>
-          <p:cNvPr id="24" name="Rectangle 23"/>
-          <p:cNvSpPr/>
-          <p:nvPr/>
-        </p:nvSpPr>
-        <p:spPr>
-          <a:xfrm>
-            <a:off x="4197469" y="3112697"/>
-            <a:ext cx="967141" cy="752807"/>
-          </a:xfrm>
-          <a:prstGeom prst="rect">
-            <a:avLst/>
-          </a:prstGeom>
-          <a:noFill/>
-          <a:ln w="28575">
-            <a:solidFill>
-              <a:schemeClr val="accent1">
-                <a:lumMod val="60000"/>
-                <a:lumOff val="40000"/>
-              </a:schemeClr>
-            </a:solidFill>
-          </a:ln>
-        </p:spPr>
-        <p:style>
-          <a:lnRef idx="1">
-            <a:schemeClr val="accent1"/>
-          </a:lnRef>
-          <a:fillRef idx="3">
-            <a:schemeClr val="accent1"/>
-          </a:fillRef>
-          <a:effectRef idx="2">
-            <a:schemeClr val="accent1"/>
-          </a:effectRef>
-          <a:fontRef idx="minor">
-            <a:schemeClr val="lt1"/>
-          </a:fontRef>
-        </p:style>
-        <p:txBody>
-          <a:bodyPr rtlCol="0" anchor="ctr"/>
-          <a:lstStyle/>
-          <a:p>
-            <a:pPr algn="ctr"/>
-            <a:endParaRPr lang="fr-FR"/>
-          </a:p>
-        </p:txBody>
-      </p:sp>
-      <p:sp>
-        <p:nvSpPr>
-          <p:cNvPr id="25" name="ZoneTexte 24"/>
-          <p:cNvSpPr txBox="1"/>
-          <p:nvPr/>
-        </p:nvSpPr>
-        <p:spPr>
-          <a:xfrm>
-            <a:off x="3105628" y="3290277"/>
-            <a:ext cx="695569" cy="369332"/>
-          </a:xfrm>
-          <a:prstGeom prst="rect">
-            <a:avLst/>
-          </a:prstGeom>
-          <a:noFill/>
-        </p:spPr>
-        <p:txBody>
-          <a:bodyPr wrap="square" rtlCol="0">
-            <a:spAutoFit/>
-          </a:bodyPr>
-          <a:lstStyle/>
-          <a:p>
-            <a:pPr algn="ctr"/>
-            <a:r>
-              <a:rPr lang="fr-FR" dirty="0" smtClean="0">
-                <a:effectLst>
-                  <a:outerShdw blurRad="50800" dist="38100" dir="2700000" algn="tl" rotWithShape="0">
-                    <a:prstClr val="black">
-                      <a:alpha val="40000"/>
-                    </a:prstClr>
-                  </a:outerShdw>
-                </a:effectLst>
-              </a:rPr>
-              <a:t>IHM</a:t>
-            </a:r>
-          </a:p>
-        </p:txBody>
-      </p:sp>
-      <p:sp>
-        <p:nvSpPr>
-          <p:cNvPr id="26" name="ZoneTexte 25"/>
-          <p:cNvSpPr txBox="1"/>
-          <p:nvPr/>
-        </p:nvSpPr>
-        <p:spPr>
-          <a:xfrm>
-            <a:off x="4213274" y="3163764"/>
-            <a:ext cx="935529" cy="646331"/>
-          </a:xfrm>
-          <a:prstGeom prst="rect">
-            <a:avLst/>
-          </a:prstGeom>
-          <a:noFill/>
-        </p:spPr>
-        <p:txBody>
-          <a:bodyPr wrap="square" rtlCol="0">
-            <a:spAutoFit/>
-          </a:bodyPr>
-          <a:lstStyle/>
-          <a:p>
-            <a:pPr algn="ctr"/>
-            <a:r>
-              <a:rPr lang="fr-FR" dirty="0" smtClean="0">
-                <a:effectLst>
-                  <a:outerShdw blurRad="50800" dist="38100" dir="2700000" algn="tl" rotWithShape="0">
-                    <a:prstClr val="black">
-                      <a:alpha val="40000"/>
-                    </a:prstClr>
-                  </a:outerShdw>
-                </a:effectLst>
-              </a:rPr>
-              <a:t>Modèle</a:t>
-            </a:r>
-          </a:p>
-          <a:p>
-            <a:pPr algn="ctr"/>
-            <a:r>
-              <a:rPr lang="fr-FR" dirty="0" smtClean="0">
-                <a:effectLst>
-                  <a:outerShdw blurRad="50800" dist="38100" dir="2700000" algn="tl" rotWithShape="0">
-                    <a:prstClr val="black">
-                      <a:alpha val="40000"/>
-                    </a:prstClr>
-                  </a:outerShdw>
-                </a:effectLst>
-              </a:rPr>
-              <a:t>DLL</a:t>
-            </a:r>
-            <a:endParaRPr lang="fr-FR" dirty="0" smtClean="0">
-              <a:effectLst>
-                <a:outerShdw blurRad="50800" dist="38100" dir="2700000" algn="tl" rotWithShape="0">
-                  <a:prstClr val="black">
-                    <a:alpha val="40000"/>
-                  </a:prstClr>
-                </a:outerShdw>
-              </a:effectLst>
-            </a:endParaRPr>
-          </a:p>
-        </p:txBody>
-      </p:sp>
-      <p:sp>
-        <p:nvSpPr>
-          <p:cNvPr id="27" name="ZoneTexte 26"/>
-          <p:cNvSpPr txBox="1"/>
-          <p:nvPr/>
-        </p:nvSpPr>
-        <p:spPr>
-          <a:xfrm>
-            <a:off x="945744" y="2523558"/>
-            <a:ext cx="1881906" cy="646331"/>
-          </a:xfrm>
-          <a:prstGeom prst="rect">
-            <a:avLst/>
-          </a:prstGeom>
-          <a:noFill/>
-        </p:spPr>
-        <p:txBody>
-          <a:bodyPr wrap="square" rtlCol="0">
-            <a:spAutoFit/>
-          </a:bodyPr>
-          <a:lstStyle/>
-          <a:p>
-            <a:pPr algn="ctr"/>
-            <a:r>
-              <a:rPr lang="fr-FR" dirty="0" smtClean="0">
-                <a:effectLst>
-                  <a:outerShdw blurRad="50800" dist="38100" dir="2700000" algn="tl" rotWithShape="0">
-                    <a:prstClr val="black">
-                      <a:alpha val="40000"/>
-                    </a:prstClr>
-                  </a:outerShdw>
-                </a:effectLst>
-              </a:rPr>
-              <a:t>Bluetooth_com</a:t>
-            </a:r>
-          </a:p>
-          <a:p>
-            <a:pPr algn="ctr"/>
-            <a:r>
-              <a:rPr lang="fr-FR" dirty="0" smtClean="0">
-                <a:effectLst>
-                  <a:outerShdw blurRad="50800" dist="38100" dir="2700000" algn="tl" rotWithShape="0">
-                    <a:prstClr val="black">
-                      <a:alpha val="40000"/>
-                    </a:prstClr>
-                  </a:outerShdw>
-                </a:effectLst>
-              </a:rPr>
-              <a:t>DLL</a:t>
-            </a:r>
-            <a:endParaRPr lang="fr-FR" dirty="0" smtClean="0">
-              <a:effectLst>
-                <a:outerShdw blurRad="50800" dist="38100" dir="2700000" algn="tl" rotWithShape="0">
-                  <a:prstClr val="black">
-                    <a:alpha val="40000"/>
-                  </a:prstClr>
-                </a:outerShdw>
-              </a:effectLst>
-            </a:endParaRPr>
-          </a:p>
-        </p:txBody>
-      </p:sp>
-      <p:cxnSp>
-        <p:nvCxnSpPr>
-          <p:cNvPr id="16" name="Connecteur droit avec flèche 15"/>
-          <p:cNvCxnSpPr>
-            <a:stCxn id="23" idx="3"/>
-            <a:endCxn id="24" idx="1"/>
-          </p:cNvCxnSpPr>
-          <p:nvPr/>
-        </p:nvCxnSpPr>
-        <p:spPr>
-          <a:xfrm>
-            <a:off x="3936984" y="3484107"/>
-            <a:ext cx="260485" cy="4994"/>
-          </a:xfrm>
-          <a:prstGeom prst="straightConnector1">
-            <a:avLst/>
-          </a:prstGeom>
-          <a:ln>
-            <a:headEnd type="triangle"/>
-            <a:tailEnd type="triangle"/>
-          </a:ln>
-        </p:spPr>
-        <p:style>
-          <a:lnRef idx="2">
-            <a:schemeClr val="dk1"/>
-          </a:lnRef>
-          <a:fillRef idx="0">
-            <a:schemeClr val="dk1"/>
-          </a:fillRef>
-          <a:effectRef idx="1">
-            <a:schemeClr val="dk1"/>
-          </a:effectRef>
-          <a:fontRef idx="minor">
-            <a:schemeClr val="tx1"/>
-          </a:fontRef>
-        </p:style>
-      </p:cxnSp>
-      <p:cxnSp>
-        <p:nvCxnSpPr>
-          <p:cNvPr id="42" name="Connecteur droit avec flèche 41"/>
-          <p:cNvCxnSpPr>
-            <a:stCxn id="23" idx="1"/>
-            <a:endCxn id="11" idx="3"/>
-          </p:cNvCxnSpPr>
-          <p:nvPr/>
-        </p:nvCxnSpPr>
-        <p:spPr>
-          <a:xfrm flipH="1" flipV="1">
-            <a:off x="1375852" y="3480484"/>
-            <a:ext cx="1593991" cy="3623"/>
-          </a:xfrm>
-          <a:prstGeom prst="straightConnector1">
-            <a:avLst/>
-          </a:prstGeom>
-          <a:ln>
-            <a:tailEnd type="triangle"/>
-          </a:ln>
-        </p:spPr>
-        <p:style>
-          <a:lnRef idx="2">
-            <a:schemeClr val="dk1"/>
-          </a:lnRef>
-          <a:fillRef idx="0">
-            <a:schemeClr val="dk1"/>
-          </a:fillRef>
-          <a:effectRef idx="1">
-            <a:schemeClr val="dk1"/>
-          </a:effectRef>
-          <a:fontRef idx="minor">
-            <a:schemeClr val="tx1"/>
-          </a:fontRef>
-        </p:style>
-      </p:cxnSp>
-      <p:sp>
-        <p:nvSpPr>
-          <p:cNvPr id="29" name="Espace réservé du texte 2"/>
+          <p:cNvPr id="3" name="Espace réservé du texte 2"/>
           <p:cNvSpPr>
             <a:spLocks noGrp="1"/>
           </p:cNvSpPr>
@@ -10115,125 +9580,161 @@
         </p:nvSpPr>
         <p:spPr>
           <a:xfrm>
-            <a:off x="581892" y="992917"/>
-            <a:ext cx="8409708" cy="541594"/>
+            <a:off x="367146" y="1383792"/>
+            <a:ext cx="8409708" cy="4695367"/>
           </a:xfrm>
         </p:spPr>
         <p:txBody>
           <a:bodyPr/>
           <a:lstStyle/>
           <a:p>
+            <a:pPr marL="0" indent="0">
+              <a:buNone/>
+            </a:pPr>
+            <a:endParaRPr lang="fr-FR" dirty="0"/>
+          </a:p>
+          <a:p>
             <a:r>
               <a:rPr lang="fr-FR" dirty="0" smtClean="0"/>
-              <a:t>Maintenant</a:t>
-            </a:r>
+              <a:t>Suivis </a:t>
+            </a:r>
+            <a:r>
+              <a:rPr lang="fr-FR" dirty="0" smtClean="0"/>
+              <a:t>jusqu’à la fin du projet =&gt; plutôt bons</a:t>
+            </a:r>
+          </a:p>
+          <a:p>
             <a:endParaRPr lang="fr-FR" dirty="0"/>
           </a:p>
-        </p:txBody>
-      </p:sp>
-      <p:pic>
-        <p:nvPicPr>
-          <p:cNvPr id="30" name="Image 29"/>
-          <p:cNvPicPr>
-            <a:picLocks noChangeAspect="1"/>
-          </p:cNvPicPr>
-          <p:nvPr/>
-        </p:nvPicPr>
-        <p:blipFill>
-          <a:blip r:embed="rId14" cstate="screen">
-            <a:extLst>
-              <a:ext uri="{28A0092B-C50C-407E-A947-70E740481C1C}">
-                <a14:useLocalDpi xmlns:a14="http://schemas.microsoft.com/office/drawing/2010/main" val="0"/>
-              </a:ext>
-            </a:extLst>
-          </a:blip>
-          <a:stretch>
-            <a:fillRect/>
-          </a:stretch>
-        </p:blipFill>
-        <p:spPr>
-          <a:xfrm>
-            <a:off x="469840" y="4363507"/>
-            <a:ext cx="851211" cy="828834"/>
-          </a:xfrm>
-          <a:prstGeom prst="rect">
-            <a:avLst/>
-          </a:prstGeom>
-        </p:spPr>
-      </p:pic>
-      <p:sp>
-        <p:nvSpPr>
-          <p:cNvPr id="34" name="Titre 1"/>
-          <p:cNvSpPr>
-            <a:spLocks noGrp="1"/>
-          </p:cNvSpPr>
-          <p:nvPr>
-            <p:ph type="title"/>
-          </p:nvPr>
-        </p:nvSpPr>
-        <p:spPr>
-          <a:xfrm>
-            <a:off x="633806" y="107931"/>
-            <a:ext cx="7876388" cy="1143000"/>
-          </a:xfrm>
-        </p:spPr>
-        <p:txBody>
-          <a:bodyPr/>
-          <a:lstStyle/>
-          <a:p>
-            <a:pPr algn="ctr"/>
+          <a:p>
             <a:r>
               <a:rPr lang="fr-FR" dirty="0" smtClean="0"/>
-              <a:t>II. </a:t>
-            </a:r>
+              <a:t>Intégration </a:t>
+            </a:r>
+            <a:r>
+              <a:rPr lang="fr-FR" dirty="0"/>
+              <a:t>facile des </a:t>
+            </a:r>
+            <a:r>
+              <a:rPr lang="fr-FR" dirty="0" err="1"/>
+              <a:t>DLLs</a:t>
+            </a:r>
+            <a:r>
+              <a:rPr lang="fr-FR" dirty="0"/>
+              <a:t> en C#</a:t>
+            </a:r>
+          </a:p>
+          <a:p>
+            <a:pPr marL="0" indent="0">
+              <a:buNone/>
+            </a:pPr>
+            <a:endParaRPr lang="fr-FR" dirty="0" smtClean="0"/>
+          </a:p>
+          <a:p>
             <a:r>
               <a:rPr lang="fr-FR" dirty="0" err="1" smtClean="0"/>
-              <a:t>realisation</a:t>
-            </a:r>
+              <a:t>Qt</a:t>
+            </a:r>
+            <a:r>
+              <a:rPr lang="fr-FR" dirty="0" smtClean="0"/>
+              <a:t> et </a:t>
+            </a:r>
+            <a:r>
+              <a:rPr lang="fr-FR" dirty="0" err="1" smtClean="0"/>
+              <a:t>HappyHttp</a:t>
+            </a:r>
+            <a:r>
+              <a:rPr lang="fr-FR" dirty="0" smtClean="0"/>
+              <a:t> portables</a:t>
+            </a:r>
+          </a:p>
+          <a:p>
+            <a:pPr marL="0" indent="0">
+              <a:buNone/>
+            </a:pPr>
+            <a:r>
+              <a:rPr lang="fr-FR" dirty="0" smtClean="0"/>
+              <a:t>	</a:t>
+            </a:r>
+            <a:r>
+              <a:rPr lang="fr-FR" dirty="0" err="1" smtClean="0"/>
+              <a:t>HappyHttp.h</a:t>
+            </a:r>
+            <a:r>
+              <a:rPr lang="fr-FR" dirty="0"/>
+              <a:t>		</a:t>
+            </a:r>
+            <a:r>
+              <a:rPr lang="fr-FR" dirty="0" smtClean="0"/>
+              <a:t>HappyHttp.cpp</a:t>
+            </a:r>
+          </a:p>
+          <a:p>
+            <a:pPr marL="0" indent="0">
+              <a:buNone/>
+            </a:pPr>
             <a:endParaRPr lang="fr-FR" dirty="0"/>
           </a:p>
-        </p:txBody>
-      </p:sp>
-      <p:pic>
-        <p:nvPicPr>
-          <p:cNvPr id="41" name="Image 40"/>
-          <p:cNvPicPr>
-            <a:picLocks noChangeAspect="1"/>
-          </p:cNvPicPr>
-          <p:nvPr/>
-        </p:nvPicPr>
-        <p:blipFill>
-          <a:blip r:embed="rId15" cstate="screen">
-            <a:extLst>
-              <a:ext uri="{28A0092B-C50C-407E-A947-70E740481C1C}">
-                <a14:useLocalDpi xmlns:a14="http://schemas.microsoft.com/office/drawing/2010/main" val="0"/>
-              </a:ext>
-            </a:extLst>
-          </a:blip>
-          <a:stretch>
-            <a:fillRect/>
-          </a:stretch>
-        </p:blipFill>
-        <p:spPr>
-          <a:xfrm>
-            <a:off x="7495922" y="3029753"/>
-            <a:ext cx="914419" cy="890380"/>
-          </a:xfrm>
-          <a:prstGeom prst="rect">
-            <a:avLst/>
-          </a:prstGeom>
-        </p:spPr>
-      </p:pic>
-      <p:sp>
-        <p:nvSpPr>
-          <p:cNvPr id="43" name="ZoneTexte 42"/>
+          <a:p>
+            <a:r>
+              <a:rPr lang="fr-FR" dirty="0" smtClean="0"/>
+              <a:t>Nouveau modèle aussi performant et portable (C++)</a:t>
+            </a:r>
+          </a:p>
+          <a:p>
+            <a:endParaRPr lang="fr-FR" dirty="0"/>
+          </a:p>
+          <a:p>
+            <a:r>
+              <a:rPr lang="fr-FR" dirty="0" smtClean="0"/>
+              <a:t>Bonne segmentation du code à l’aide des </a:t>
+            </a:r>
+            <a:r>
+              <a:rPr lang="fr-FR" dirty="0" err="1" smtClean="0"/>
+              <a:t>DLLs</a:t>
+            </a:r>
+            <a:r>
+              <a:rPr lang="fr-FR" dirty="0" smtClean="0"/>
+              <a:t>, </a:t>
+            </a:r>
+          </a:p>
+          <a:p>
+            <a:pPr marL="0" indent="0">
+              <a:buNone/>
+            </a:pPr>
+            <a:r>
+              <a:rPr lang="fr-FR" dirty="0"/>
+              <a:t>	</a:t>
+            </a:r>
+            <a:r>
+              <a:rPr lang="fr-FR" dirty="0" smtClean="0"/>
+              <a:t>facilite l’ajout d’équipement dans le futur</a:t>
+            </a:r>
+          </a:p>
+          <a:p>
+            <a:endParaRPr lang="fr-FR" dirty="0"/>
+          </a:p>
+          <a:p>
+            <a:pPr marL="0" indent="0">
+              <a:buNone/>
+            </a:pPr>
+            <a:r>
+              <a:rPr lang="fr-FR" dirty="0"/>
+              <a:t>	</a:t>
+            </a:r>
+          </a:p>
+        </p:txBody>
+      </p:sp>
+      <p:sp>
+        <p:nvSpPr>
+          <p:cNvPr id="4" name="ZoneTexte 3"/>
           <p:cNvSpPr txBox="1"/>
           <p:nvPr/>
         </p:nvSpPr>
         <p:spPr>
           <a:xfrm>
-            <a:off x="7012180" y="2213212"/>
-            <a:ext cx="1881906" cy="646331"/>
+            <a:off x="8496300" y="6296025"/>
+            <a:ext cx="495300" cy="369332"/>
           </a:xfrm>
           <a:prstGeom prst="rect">
             <a:avLst/>
@@ -10246,203 +9747,72 @@
           </a:bodyPr>
           <a:lstStyle/>
           <a:p>
+            <a:r>
+              <a:rPr lang="fr-FR" dirty="0" smtClean="0"/>
+              <a:t>14</a:t>
+            </a:r>
+            <a:endParaRPr lang="fr-FR" dirty="0"/>
+          </a:p>
+        </p:txBody>
+      </p:sp>
+      <p:sp>
+        <p:nvSpPr>
+          <p:cNvPr id="6" name="Titre 1"/>
+          <p:cNvSpPr txBox="1">
+            <a:spLocks/>
+          </p:cNvSpPr>
+          <p:nvPr/>
+        </p:nvSpPr>
+        <p:spPr>
+          <a:xfrm>
+            <a:off x="633806" y="240792"/>
+            <a:ext cx="7876388" cy="1143000"/>
+          </a:xfrm>
+          <a:prstGeom prst="rect">
+            <a:avLst/>
+          </a:prstGeom>
+        </p:spPr>
+        <p:txBody>
+          <a:bodyPr anchor="t">
+            <a:normAutofit/>
+          </a:bodyPr>
+          <a:lstStyle>
+            <a:lvl1pPr algn="l" defTabSz="457200" rtl="0" eaLnBrk="1" latinLnBrk="0" hangingPunct="1">
+              <a:lnSpc>
+                <a:spcPct val="90000"/>
+              </a:lnSpc>
+              <a:spcBef>
+                <a:spcPct val="0"/>
+              </a:spcBef>
+              <a:buNone/>
+              <a:defRPr sz="2700" b="1" i="0" kern="1200" cap="all" baseline="0">
+                <a:solidFill>
+                  <a:schemeClr val="bg2"/>
+                </a:solidFill>
+                <a:latin typeface="+mj-lt"/>
+                <a:ea typeface="+mj-ea"/>
+                <a:cs typeface="HelveticaNeueLT Com 57 Cn" panose="020B0506030502030204" pitchFamily="34" charset="0"/>
+              </a:defRPr>
+            </a:lvl1pPr>
+          </a:lstStyle>
+          <a:p>
             <a:pPr algn="ctr"/>
             <a:r>
-              <a:rPr lang="fr-FR" dirty="0" smtClean="0">
-                <a:effectLst>
-                  <a:outerShdw blurRad="50800" dist="38100" dir="2700000" algn="tl" rotWithShape="0">
-                    <a:prstClr val="black">
-                      <a:alpha val="40000"/>
-                    </a:prstClr>
-                  </a:outerShdw>
-                </a:effectLst>
-              </a:rPr>
-              <a:t>RequeteHttp</a:t>
-            </a:r>
-          </a:p>
-          <a:p>
-            <a:pPr algn="ctr"/>
-            <a:r>
-              <a:rPr lang="fr-FR" dirty="0" smtClean="0">
-                <a:effectLst>
-                  <a:outerShdw blurRad="50800" dist="38100" dir="2700000" algn="tl" rotWithShape="0">
-                    <a:prstClr val="black">
-                      <a:alpha val="40000"/>
-                    </a:prstClr>
-                  </a:outerShdw>
-                </a:effectLst>
-              </a:rPr>
-              <a:t>DLL</a:t>
-            </a:r>
-            <a:endParaRPr lang="fr-FR" dirty="0" smtClean="0">
-              <a:effectLst>
-                <a:outerShdw blurRad="50800" dist="38100" dir="2700000" algn="tl" rotWithShape="0">
-                  <a:prstClr val="black">
-                    <a:alpha val="40000"/>
-                  </a:prstClr>
-                </a:outerShdw>
-              </a:effectLst>
-            </a:endParaRPr>
-          </a:p>
-        </p:txBody>
-      </p:sp>
-      <p:sp>
-        <p:nvSpPr>
-          <p:cNvPr id="44" name="Rectangle 43"/>
-          <p:cNvSpPr/>
-          <p:nvPr/>
-        </p:nvSpPr>
-        <p:spPr>
-          <a:xfrm>
-            <a:off x="7315779" y="4142516"/>
-            <a:ext cx="1274708" cy="369332"/>
-          </a:xfrm>
-          <a:prstGeom prst="rect">
-            <a:avLst/>
-          </a:prstGeom>
-        </p:spPr>
-        <p:txBody>
-          <a:bodyPr wrap="none">
-            <a:spAutoFit/>
-          </a:bodyPr>
-          <a:lstStyle/>
-          <a:p>
-            <a:pPr algn="ctr"/>
-            <a:r>
-              <a:rPr lang="fr-FR" dirty="0" err="1"/>
-              <a:t>HappyHttp</a:t>
+              <a:rPr lang="fr-FR" dirty="0" smtClean="0"/>
+              <a:t>V. CHOIX </a:t>
+            </a:r>
+            <a:r>
+              <a:rPr lang="fr-FR" dirty="0" smtClean="0"/>
+              <a:t>Techniques</a:t>
             </a:r>
             <a:endParaRPr lang="fr-FR" dirty="0"/>
           </a:p>
         </p:txBody>
       </p:sp>
-      <p:pic>
-        <p:nvPicPr>
-          <p:cNvPr id="45" name="Image 44"/>
-          <p:cNvPicPr>
-            <a:picLocks noChangeAspect="1"/>
-          </p:cNvPicPr>
-          <p:nvPr/>
-        </p:nvPicPr>
-        <p:blipFill>
-          <a:blip r:embed="rId16" cstate="screen">
-            <a:extLst>
-              <a:ext uri="{28A0092B-C50C-407E-A947-70E740481C1C}">
-                <a14:useLocalDpi xmlns:a14="http://schemas.microsoft.com/office/drawing/2010/main" val="0"/>
-              </a:ext>
-            </a:extLst>
-          </a:blip>
-          <a:stretch>
-            <a:fillRect/>
-          </a:stretch>
-        </p:blipFill>
-        <p:spPr>
-          <a:xfrm>
-            <a:off x="4304840" y="3975672"/>
-            <a:ext cx="752398" cy="732618"/>
-          </a:xfrm>
-          <a:prstGeom prst="rect">
-            <a:avLst/>
-          </a:prstGeom>
-        </p:spPr>
-      </p:pic>
-      <p:pic>
-        <p:nvPicPr>
-          <p:cNvPr id="46" name="Image 45"/>
-          <p:cNvPicPr>
-            <a:picLocks noChangeAspect="1"/>
-          </p:cNvPicPr>
-          <p:nvPr/>
-        </p:nvPicPr>
-        <p:blipFill>
-          <a:blip r:embed="rId17" cstate="screen">
-            <a:extLst>
-              <a:ext uri="{28A0092B-C50C-407E-A947-70E740481C1C}">
-                <a14:useLocalDpi xmlns:a14="http://schemas.microsoft.com/office/drawing/2010/main" val="0"/>
-              </a:ext>
-            </a:extLst>
-          </a:blip>
-          <a:stretch>
-            <a:fillRect/>
-          </a:stretch>
-        </p:blipFill>
-        <p:spPr>
-          <a:xfrm>
-            <a:off x="2992160" y="3910739"/>
-            <a:ext cx="922503" cy="882906"/>
-          </a:xfrm>
-          <a:prstGeom prst="rect">
-            <a:avLst/>
-          </a:prstGeom>
-        </p:spPr>
-      </p:pic>
-      <p:pic>
-        <p:nvPicPr>
-          <p:cNvPr id="2" name="Image 1"/>
-          <p:cNvPicPr>
-            <a:picLocks noChangeAspect="1"/>
-          </p:cNvPicPr>
-          <p:nvPr/>
-        </p:nvPicPr>
-        <p:blipFill>
-          <a:blip r:embed="rId18" cstate="screen">
-            <a:extLst>
-              <a:ext uri="{28A0092B-C50C-407E-A947-70E740481C1C}">
-                <a14:useLocalDpi xmlns:a14="http://schemas.microsoft.com/office/drawing/2010/main" val="0"/>
-              </a:ext>
-            </a:extLst>
-          </a:blip>
-          <a:stretch>
-            <a:fillRect/>
-          </a:stretch>
-        </p:blipFill>
-        <p:spPr>
-          <a:xfrm>
-            <a:off x="1733495" y="4300297"/>
-            <a:ext cx="721023" cy="940465"/>
-          </a:xfrm>
-          <a:prstGeom prst="rect">
-            <a:avLst/>
-          </a:prstGeom>
-        </p:spPr>
-      </p:pic>
-      <p:cxnSp>
-        <p:nvCxnSpPr>
-          <p:cNvPr id="47" name="Connecteur droit avec flèche 46"/>
-          <p:cNvCxnSpPr/>
-          <p:nvPr/>
-        </p:nvCxnSpPr>
-        <p:spPr>
-          <a:xfrm>
-            <a:off x="5164610" y="3484107"/>
-            <a:ext cx="442737" cy="2401"/>
-          </a:xfrm>
-          <a:prstGeom prst="straightConnector1">
-            <a:avLst/>
-          </a:prstGeom>
-          <a:ln>
-            <a:tailEnd type="arrow"/>
-          </a:ln>
-        </p:spPr>
-        <p:style>
-          <a:lnRef idx="2">
-            <a:schemeClr val="dk1"/>
-          </a:lnRef>
-          <a:fillRef idx="0">
-            <a:schemeClr val="dk1"/>
-          </a:fillRef>
-          <a:effectRef idx="1">
-            <a:schemeClr val="dk1"/>
-          </a:effectRef>
-          <a:fontRef idx="minor">
-            <a:schemeClr val="tx1"/>
-          </a:fontRef>
-        </p:style>
-      </p:cxnSp>
     </p:spTree>
     <p:extLst>
       <p:ext uri="{BB962C8B-B14F-4D97-AF65-F5344CB8AC3E}">
-        <p14:creationId xmlns:p14="http://schemas.microsoft.com/office/powerpoint/2010/main" val="301261152"/>
+        <p14:creationId xmlns:p14="http://schemas.microsoft.com/office/powerpoint/2010/main" val="2207254702"/>
       </p:ext>
     </p:extLst>
   </p:cSld>
@@ -11092,105 +10462,23 @@
           </a:xfrm>
         </p:spPr>
         <p:txBody>
-          <a:bodyPr/>
+          <a:bodyPr>
+            <a:normAutofit/>
+          </a:bodyPr>
           <a:lstStyle/>
           <a:p>
             <a:pPr algn="ctr"/>
             <a:r>
               <a:rPr lang="fr-FR" dirty="0" smtClean="0"/>
-              <a:t>IV. Organisation</a:t>
-            </a:r>
-            <a:endParaRPr lang="fr-FR" dirty="0"/>
-          </a:p>
-        </p:txBody>
-      </p:sp>
-      <p:sp>
-        <p:nvSpPr>
-          <p:cNvPr id="3" name="Espace réservé du texte 2"/>
-          <p:cNvSpPr>
-            <a:spLocks noGrp="1"/>
-          </p:cNvSpPr>
-          <p:nvPr>
-            <p:ph type="body" sz="quarter" idx="10"/>
-          </p:nvPr>
-        </p:nvSpPr>
-        <p:spPr/>
-        <p:txBody>
-          <a:bodyPr/>
-          <a:lstStyle/>
-          <a:p>
+              <a:t>IV</a:t>
+            </a:r>
+            <a:r>
+              <a:rPr lang="fr-FR" dirty="0"/>
+              <a:t>. Gestion de </a:t>
+            </a:r>
             <a:r>
               <a:rPr lang="fr-FR" dirty="0" smtClean="0"/>
-              <a:t>Corentin : communication avec la </a:t>
-            </a:r>
-            <a:r>
-              <a:rPr lang="fr-FR" dirty="0" err="1" smtClean="0"/>
-              <a:t>Kira</a:t>
-            </a:r>
-            <a:r>
-              <a:rPr lang="fr-FR" dirty="0" smtClean="0"/>
-              <a:t> et la </a:t>
-            </a:r>
-            <a:r>
-              <a:rPr lang="fr-FR" dirty="0" err="1" smtClean="0"/>
-              <a:t>Fibaro</a:t>
-            </a:r>
-            <a:endParaRPr lang="fr-FR" dirty="0" smtClean="0"/>
-          </a:p>
-          <a:p>
-            <a:endParaRPr lang="fr-FR" dirty="0"/>
-          </a:p>
-          <a:p>
-            <a:endParaRPr lang="fr-FR" dirty="0" smtClean="0"/>
-          </a:p>
-          <a:p>
-            <a:r>
-              <a:rPr lang="fr-FR" dirty="0" smtClean="0"/>
-              <a:t>Iman et </a:t>
-            </a:r>
-            <a:r>
-              <a:rPr lang="fr-FR" dirty="0" err="1" smtClean="0"/>
-              <a:t>Enora</a:t>
-            </a:r>
-            <a:r>
-              <a:rPr lang="fr-FR" dirty="0" smtClean="0"/>
-              <a:t> : modification de l’interface graphique</a:t>
-            </a:r>
-          </a:p>
-          <a:p>
-            <a:endParaRPr lang="fr-FR" dirty="0"/>
-          </a:p>
-          <a:p>
-            <a:endParaRPr lang="fr-FR" dirty="0" smtClean="0"/>
-          </a:p>
-          <a:p>
-            <a:r>
-              <a:rPr lang="fr-FR" dirty="0" err="1" smtClean="0"/>
-              <a:t>Meven</a:t>
-            </a:r>
-            <a:r>
-              <a:rPr lang="fr-FR" dirty="0" smtClean="0"/>
-              <a:t> : refonte </a:t>
-            </a:r>
-            <a:r>
-              <a:rPr lang="fr-FR" smtClean="0"/>
-              <a:t>du modèle </a:t>
-            </a:r>
-            <a:r>
-              <a:rPr lang="fr-FR" dirty="0" smtClean="0"/>
-              <a:t>en C++</a:t>
-            </a:r>
-          </a:p>
-          <a:p>
-            <a:endParaRPr lang="fr-FR" dirty="0"/>
-          </a:p>
-          <a:p>
-            <a:endParaRPr lang="fr-FR" dirty="0" smtClean="0"/>
-          </a:p>
-          <a:p>
-            <a:r>
-              <a:rPr lang="fr-FR" dirty="0" smtClean="0"/>
-              <a:t>Diane : communication en Bluetooth avec le fauteuil</a:t>
+              <a:t>projet</a:t>
             </a:r>
             <a:endParaRPr lang="fr-FR" dirty="0"/>
           </a:p>
@@ -11221,6 +10509,977 @@
             <a:r>
               <a:rPr lang="fr-FR" dirty="0" smtClean="0"/>
               <a:t>11</a:t>
+            </a:r>
+            <a:endParaRPr lang="fr-FR" dirty="0"/>
+          </a:p>
+        </p:txBody>
+      </p:sp>
+      <p:pic>
+        <p:nvPicPr>
+          <p:cNvPr id="5" name="Image 4"/>
+          <p:cNvPicPr>
+            <a:picLocks noChangeAspect="1"/>
+          </p:cNvPicPr>
+          <p:nvPr/>
+        </p:nvPicPr>
+        <p:blipFill>
+          <a:blip r:embed="rId3" cstate="screen">
+            <a:extLst>
+              <a:ext uri="{28A0092B-C50C-407E-A947-70E740481C1C}">
+                <a14:useLocalDpi xmlns:a14="http://schemas.microsoft.com/office/drawing/2010/main" val="0"/>
+              </a:ext>
+            </a:extLst>
+          </a:blip>
+          <a:stretch>
+            <a:fillRect/>
+          </a:stretch>
+        </p:blipFill>
+        <p:spPr>
+          <a:xfrm>
+            <a:off x="7853061" y="1429364"/>
+            <a:ext cx="679366" cy="510883"/>
+          </a:xfrm>
+          <a:prstGeom prst="rect">
+            <a:avLst/>
+          </a:prstGeom>
+        </p:spPr>
+      </p:pic>
+      <p:pic>
+        <p:nvPicPr>
+          <p:cNvPr id="6" name="Image 5"/>
+          <p:cNvPicPr>
+            <a:picLocks noChangeAspect="1"/>
+          </p:cNvPicPr>
+          <p:nvPr/>
+        </p:nvPicPr>
+        <p:blipFill>
+          <a:blip r:embed="rId4" cstate="screen">
+            <a:extLst>
+              <a:ext uri="{28A0092B-C50C-407E-A947-70E740481C1C}">
+                <a14:useLocalDpi xmlns:a14="http://schemas.microsoft.com/office/drawing/2010/main" val="0"/>
+              </a:ext>
+            </a:extLst>
+          </a:blip>
+          <a:stretch>
+            <a:fillRect/>
+          </a:stretch>
+        </p:blipFill>
+        <p:spPr>
+          <a:xfrm>
+            <a:off x="5770113" y="4708770"/>
+            <a:ext cx="875600" cy="875600"/>
+          </a:xfrm>
+          <a:prstGeom prst="rect">
+            <a:avLst/>
+          </a:prstGeom>
+        </p:spPr>
+      </p:pic>
+      <p:pic>
+        <p:nvPicPr>
+          <p:cNvPr id="7" name="Image 6"/>
+          <p:cNvPicPr>
+            <a:picLocks noChangeAspect="1"/>
+          </p:cNvPicPr>
+          <p:nvPr/>
+        </p:nvPicPr>
+        <p:blipFill>
+          <a:blip r:embed="rId5" cstate="screen">
+            <a:extLst>
+              <a:ext uri="{28A0092B-C50C-407E-A947-70E740481C1C}">
+                <a14:useLocalDpi xmlns:a14="http://schemas.microsoft.com/office/drawing/2010/main" val="0"/>
+              </a:ext>
+            </a:extLst>
+          </a:blip>
+          <a:stretch>
+            <a:fillRect/>
+          </a:stretch>
+        </p:blipFill>
+        <p:spPr>
+          <a:xfrm rot="10800000">
+            <a:off x="7007672" y="1477671"/>
+            <a:ext cx="402652" cy="402652"/>
+          </a:xfrm>
+          <a:prstGeom prst="rect">
+            <a:avLst/>
+          </a:prstGeom>
+        </p:spPr>
+      </p:pic>
+      <p:pic>
+        <p:nvPicPr>
+          <p:cNvPr id="8" name="Image 7"/>
+          <p:cNvPicPr>
+            <a:picLocks noChangeAspect="1"/>
+          </p:cNvPicPr>
+          <p:nvPr/>
+        </p:nvPicPr>
+        <p:blipFill>
+          <a:blip r:embed="rId6" cstate="screen">
+            <a:extLst>
+              <a:ext uri="{28A0092B-C50C-407E-A947-70E740481C1C}">
+                <a14:useLocalDpi xmlns:a14="http://schemas.microsoft.com/office/drawing/2010/main" val="0"/>
+              </a:ext>
+            </a:extLst>
+          </a:blip>
+          <a:stretch>
+            <a:fillRect/>
+          </a:stretch>
+        </p:blipFill>
+        <p:spPr>
+          <a:xfrm>
+            <a:off x="5820537" y="1345601"/>
+            <a:ext cx="794871" cy="678410"/>
+          </a:xfrm>
+          <a:prstGeom prst="rect">
+            <a:avLst/>
+          </a:prstGeom>
+        </p:spPr>
+      </p:pic>
+      <p:pic>
+        <p:nvPicPr>
+          <p:cNvPr id="9" name="Image 8"/>
+          <p:cNvPicPr>
+            <a:picLocks noChangeAspect="1"/>
+          </p:cNvPicPr>
+          <p:nvPr/>
+        </p:nvPicPr>
+        <p:blipFill>
+          <a:blip r:embed="rId7" cstate="screen">
+            <a:extLst>
+              <a:ext uri="{28A0092B-C50C-407E-A947-70E740481C1C}">
+                <a14:useLocalDpi xmlns:a14="http://schemas.microsoft.com/office/drawing/2010/main" val="0"/>
+              </a:ext>
+            </a:extLst>
+          </a:blip>
+          <a:stretch>
+            <a:fillRect/>
+          </a:stretch>
+        </p:blipFill>
+        <p:spPr>
+          <a:xfrm>
+            <a:off x="5770113" y="2955379"/>
+            <a:ext cx="884715" cy="782731"/>
+          </a:xfrm>
+          <a:prstGeom prst="rect">
+            <a:avLst/>
+          </a:prstGeom>
+        </p:spPr>
+      </p:pic>
+      <p:pic>
+        <p:nvPicPr>
+          <p:cNvPr id="10" name="Image 9"/>
+          <p:cNvPicPr>
+            <a:picLocks noChangeAspect="1"/>
+          </p:cNvPicPr>
+          <p:nvPr/>
+        </p:nvPicPr>
+        <p:blipFill>
+          <a:blip r:embed="rId8">
+            <a:extLst>
+              <a:ext uri="{28A0092B-C50C-407E-A947-70E740481C1C}">
+                <a14:useLocalDpi xmlns:a14="http://schemas.microsoft.com/office/drawing/2010/main" val="0"/>
+              </a:ext>
+            </a:extLst>
+          </a:blip>
+          <a:stretch>
+            <a:fillRect/>
+          </a:stretch>
+        </p:blipFill>
+        <p:spPr>
+          <a:xfrm>
+            <a:off x="3384061" y="1667920"/>
+            <a:ext cx="1418468" cy="1268691"/>
+          </a:xfrm>
+          <a:prstGeom prst="rect">
+            <a:avLst/>
+          </a:prstGeom>
+        </p:spPr>
+      </p:pic>
+      <p:pic>
+        <p:nvPicPr>
+          <p:cNvPr id="11" name="Image 10"/>
+          <p:cNvPicPr>
+            <a:picLocks noChangeAspect="1"/>
+          </p:cNvPicPr>
+          <p:nvPr/>
+        </p:nvPicPr>
+        <p:blipFill>
+          <a:blip r:embed="rId9" cstate="screen">
+            <a:extLst>
+              <a:ext uri="{28A0092B-C50C-407E-A947-70E740481C1C}">
+                <a14:useLocalDpi xmlns:a14="http://schemas.microsoft.com/office/drawing/2010/main" val="0"/>
+              </a:ext>
+            </a:extLst>
+          </a:blip>
+          <a:stretch>
+            <a:fillRect/>
+          </a:stretch>
+        </p:blipFill>
+        <p:spPr>
+          <a:xfrm>
+            <a:off x="244061" y="2851916"/>
+            <a:ext cx="1131791" cy="1257135"/>
+          </a:xfrm>
+          <a:prstGeom prst="rect">
+            <a:avLst/>
+          </a:prstGeom>
+        </p:spPr>
+      </p:pic>
+      <p:pic>
+        <p:nvPicPr>
+          <p:cNvPr id="12" name="Image 11"/>
+          <p:cNvPicPr>
+            <a:picLocks noChangeAspect="1"/>
+          </p:cNvPicPr>
+          <p:nvPr/>
+        </p:nvPicPr>
+        <p:blipFill>
+          <a:blip r:embed="rId10" cstate="screen">
+            <a:extLst>
+              <a:ext uri="{28A0092B-C50C-407E-A947-70E740481C1C}">
+                <a14:useLocalDpi xmlns:a14="http://schemas.microsoft.com/office/drawing/2010/main" val="0"/>
+              </a:ext>
+            </a:extLst>
+          </a:blip>
+          <a:stretch>
+            <a:fillRect/>
+          </a:stretch>
+        </p:blipFill>
+        <p:spPr>
+          <a:xfrm>
+            <a:off x="5924313" y="2249583"/>
+            <a:ext cx="609960" cy="609960"/>
+          </a:xfrm>
+          <a:prstGeom prst="rect">
+            <a:avLst/>
+          </a:prstGeom>
+        </p:spPr>
+      </p:pic>
+      <p:pic>
+        <p:nvPicPr>
+          <p:cNvPr id="13" name="Image 12"/>
+          <p:cNvPicPr>
+            <a:picLocks noChangeAspect="1"/>
+          </p:cNvPicPr>
+          <p:nvPr/>
+        </p:nvPicPr>
+        <p:blipFill>
+          <a:blip r:embed="rId11" cstate="screen">
+            <a:extLst>
+              <a:ext uri="{28A0092B-C50C-407E-A947-70E740481C1C}">
+                <a14:useLocalDpi xmlns:a14="http://schemas.microsoft.com/office/drawing/2010/main" val="0"/>
+              </a:ext>
+            </a:extLst>
+          </a:blip>
+          <a:stretch>
+            <a:fillRect/>
+          </a:stretch>
+        </p:blipFill>
+        <p:spPr>
+          <a:xfrm>
+            <a:off x="6885659" y="4913125"/>
+            <a:ext cx="646679" cy="409867"/>
+          </a:xfrm>
+          <a:prstGeom prst="rect">
+            <a:avLst/>
+          </a:prstGeom>
+        </p:spPr>
+      </p:pic>
+      <p:pic>
+        <p:nvPicPr>
+          <p:cNvPr id="14" name="Image 13"/>
+          <p:cNvPicPr>
+            <a:picLocks noChangeAspect="1"/>
+          </p:cNvPicPr>
+          <p:nvPr/>
+        </p:nvPicPr>
+        <p:blipFill>
+          <a:blip r:embed="rId10" cstate="screen">
+            <a:extLst>
+              <a:ext uri="{28A0092B-C50C-407E-A947-70E740481C1C}">
+                <a14:useLocalDpi xmlns:a14="http://schemas.microsoft.com/office/drawing/2010/main" val="0"/>
+              </a:ext>
+            </a:extLst>
+          </a:blip>
+          <a:stretch>
+            <a:fillRect/>
+          </a:stretch>
+        </p:blipFill>
+        <p:spPr>
+          <a:xfrm rot="10800000">
+            <a:off x="5924312" y="4037833"/>
+            <a:ext cx="609960" cy="609960"/>
+          </a:xfrm>
+          <a:prstGeom prst="rect">
+            <a:avLst/>
+          </a:prstGeom>
+        </p:spPr>
+      </p:pic>
+      <p:pic>
+        <p:nvPicPr>
+          <p:cNvPr id="15" name="Image 14"/>
+          <p:cNvPicPr>
+            <a:picLocks noChangeAspect="1"/>
+          </p:cNvPicPr>
+          <p:nvPr/>
+        </p:nvPicPr>
+        <p:blipFill>
+          <a:blip r:embed="rId12" cstate="screen">
+            <a:extLst>
+              <a:ext uri="{28A0092B-C50C-407E-A947-70E740481C1C}">
+                <a14:useLocalDpi xmlns:a14="http://schemas.microsoft.com/office/drawing/2010/main" val="0"/>
+              </a:ext>
+            </a:extLst>
+          </a:blip>
+          <a:stretch>
+            <a:fillRect/>
+          </a:stretch>
+        </p:blipFill>
+        <p:spPr>
+          <a:xfrm>
+            <a:off x="1733496" y="3558144"/>
+            <a:ext cx="920615" cy="226061"/>
+          </a:xfrm>
+          <a:prstGeom prst="rect">
+            <a:avLst/>
+          </a:prstGeom>
+        </p:spPr>
+      </p:pic>
+      <p:pic>
+        <p:nvPicPr>
+          <p:cNvPr id="16" name="Image 15"/>
+          <p:cNvPicPr>
+            <a:picLocks noChangeAspect="1"/>
+          </p:cNvPicPr>
+          <p:nvPr/>
+        </p:nvPicPr>
+        <p:blipFill>
+          <a:blip r:embed="rId13" cstate="screen">
+            <a:extLst>
+              <a:ext uri="{28A0092B-C50C-407E-A947-70E740481C1C}">
+                <a14:useLocalDpi xmlns:a14="http://schemas.microsoft.com/office/drawing/2010/main" val="0"/>
+              </a:ext>
+            </a:extLst>
+          </a:blip>
+          <a:stretch>
+            <a:fillRect/>
+          </a:stretch>
+        </p:blipFill>
+        <p:spPr>
+          <a:xfrm>
+            <a:off x="7906150" y="4823774"/>
+            <a:ext cx="613499" cy="613499"/>
+          </a:xfrm>
+          <a:prstGeom prst="rect">
+            <a:avLst/>
+          </a:prstGeom>
+        </p:spPr>
+      </p:pic>
+      <p:sp>
+        <p:nvSpPr>
+          <p:cNvPr id="17" name="Rectangle 16"/>
+          <p:cNvSpPr/>
+          <p:nvPr/>
+        </p:nvSpPr>
+        <p:spPr>
+          <a:xfrm>
+            <a:off x="5607347" y="1104253"/>
+            <a:ext cx="3263885" cy="4484982"/>
+          </a:xfrm>
+          <a:prstGeom prst="rect">
+            <a:avLst/>
+          </a:prstGeom>
+          <a:noFill/>
+          <a:ln w="28575">
+            <a:solidFill>
+              <a:srgbClr val="00B050"/>
+            </a:solidFill>
+          </a:ln>
+        </p:spPr>
+        <p:style>
+          <a:lnRef idx="1">
+            <a:schemeClr val="accent1"/>
+          </a:lnRef>
+          <a:fillRef idx="3">
+            <a:schemeClr val="accent1"/>
+          </a:fillRef>
+          <a:effectRef idx="2">
+            <a:schemeClr val="accent1"/>
+          </a:effectRef>
+          <a:fontRef idx="minor">
+            <a:schemeClr val="lt1"/>
+          </a:fontRef>
+        </p:style>
+        <p:txBody>
+          <a:bodyPr rtlCol="0" anchor="ctr"/>
+          <a:lstStyle/>
+          <a:p>
+            <a:pPr algn="ctr"/>
+            <a:endParaRPr lang="fr-FR"/>
+          </a:p>
+        </p:txBody>
+      </p:sp>
+      <p:sp>
+        <p:nvSpPr>
+          <p:cNvPr id="18" name="Rectangle 17"/>
+          <p:cNvSpPr/>
+          <p:nvPr/>
+        </p:nvSpPr>
+        <p:spPr>
+          <a:xfrm>
+            <a:off x="139158" y="2472104"/>
+            <a:ext cx="2688492" cy="2011069"/>
+          </a:xfrm>
+          <a:prstGeom prst="rect">
+            <a:avLst/>
+          </a:prstGeom>
+          <a:noFill/>
+          <a:ln w="28575">
+            <a:solidFill>
+              <a:srgbClr val="00B0F0"/>
+            </a:solidFill>
+          </a:ln>
+        </p:spPr>
+        <p:style>
+          <a:lnRef idx="1">
+            <a:schemeClr val="accent1"/>
+          </a:lnRef>
+          <a:fillRef idx="3">
+            <a:schemeClr val="accent1"/>
+          </a:fillRef>
+          <a:effectRef idx="2">
+            <a:schemeClr val="accent1"/>
+          </a:effectRef>
+          <a:fontRef idx="minor">
+            <a:schemeClr val="lt1"/>
+          </a:fontRef>
+        </p:style>
+        <p:txBody>
+          <a:bodyPr rtlCol="0" anchor="ctr"/>
+          <a:lstStyle/>
+          <a:p>
+            <a:pPr algn="ctr"/>
+            <a:endParaRPr lang="fr-FR"/>
+          </a:p>
+        </p:txBody>
+      </p:sp>
+      <p:sp>
+        <p:nvSpPr>
+          <p:cNvPr id="19" name="Rectangle 18"/>
+          <p:cNvSpPr/>
+          <p:nvPr/>
+        </p:nvSpPr>
+        <p:spPr>
+          <a:xfrm>
+            <a:off x="2969843" y="3107703"/>
+            <a:ext cx="967141" cy="752807"/>
+          </a:xfrm>
+          <a:prstGeom prst="rect">
+            <a:avLst/>
+          </a:prstGeom>
+          <a:noFill/>
+          <a:ln w="28575">
+            <a:solidFill>
+              <a:schemeClr val="tx2">
+                <a:lumMod val="75000"/>
+              </a:schemeClr>
+            </a:solidFill>
+          </a:ln>
+        </p:spPr>
+        <p:style>
+          <a:lnRef idx="1">
+            <a:schemeClr val="accent1"/>
+          </a:lnRef>
+          <a:fillRef idx="3">
+            <a:schemeClr val="accent1"/>
+          </a:fillRef>
+          <a:effectRef idx="2">
+            <a:schemeClr val="accent1"/>
+          </a:effectRef>
+          <a:fontRef idx="minor">
+            <a:schemeClr val="lt1"/>
+          </a:fontRef>
+        </p:style>
+        <p:txBody>
+          <a:bodyPr rtlCol="0" anchor="ctr"/>
+          <a:lstStyle/>
+          <a:p>
+            <a:pPr algn="ctr"/>
+            <a:endParaRPr lang="fr-FR"/>
+          </a:p>
+        </p:txBody>
+      </p:sp>
+      <p:sp>
+        <p:nvSpPr>
+          <p:cNvPr id="20" name="Rectangle 19"/>
+          <p:cNvSpPr/>
+          <p:nvPr/>
+        </p:nvSpPr>
+        <p:spPr>
+          <a:xfrm>
+            <a:off x="4197469" y="3112697"/>
+            <a:ext cx="967141" cy="752807"/>
+          </a:xfrm>
+          <a:prstGeom prst="rect">
+            <a:avLst/>
+          </a:prstGeom>
+          <a:noFill/>
+          <a:ln w="28575">
+            <a:solidFill>
+              <a:schemeClr val="accent1">
+                <a:lumMod val="60000"/>
+                <a:lumOff val="40000"/>
+              </a:schemeClr>
+            </a:solidFill>
+          </a:ln>
+        </p:spPr>
+        <p:style>
+          <a:lnRef idx="1">
+            <a:schemeClr val="accent1"/>
+          </a:lnRef>
+          <a:fillRef idx="3">
+            <a:schemeClr val="accent1"/>
+          </a:fillRef>
+          <a:effectRef idx="2">
+            <a:schemeClr val="accent1"/>
+          </a:effectRef>
+          <a:fontRef idx="minor">
+            <a:schemeClr val="lt1"/>
+          </a:fontRef>
+        </p:style>
+        <p:txBody>
+          <a:bodyPr rtlCol="0" anchor="ctr"/>
+          <a:lstStyle/>
+          <a:p>
+            <a:pPr algn="ctr"/>
+            <a:endParaRPr lang="fr-FR"/>
+          </a:p>
+        </p:txBody>
+      </p:sp>
+      <p:sp>
+        <p:nvSpPr>
+          <p:cNvPr id="21" name="ZoneTexte 20"/>
+          <p:cNvSpPr txBox="1"/>
+          <p:nvPr/>
+        </p:nvSpPr>
+        <p:spPr>
+          <a:xfrm>
+            <a:off x="3105628" y="3290277"/>
+            <a:ext cx="695569" cy="369332"/>
+          </a:xfrm>
+          <a:prstGeom prst="rect">
+            <a:avLst/>
+          </a:prstGeom>
+          <a:noFill/>
+        </p:spPr>
+        <p:txBody>
+          <a:bodyPr wrap="square" rtlCol="0">
+            <a:spAutoFit/>
+          </a:bodyPr>
+          <a:lstStyle/>
+          <a:p>
+            <a:pPr algn="ctr"/>
+            <a:r>
+              <a:rPr lang="fr-FR" dirty="0" smtClean="0">
+                <a:effectLst>
+                  <a:outerShdw blurRad="50800" dist="38100" dir="2700000" algn="tl" rotWithShape="0">
+                    <a:prstClr val="black">
+                      <a:alpha val="40000"/>
+                    </a:prstClr>
+                  </a:outerShdw>
+                </a:effectLst>
+              </a:rPr>
+              <a:t>IHM</a:t>
+            </a:r>
+          </a:p>
+        </p:txBody>
+      </p:sp>
+      <p:sp>
+        <p:nvSpPr>
+          <p:cNvPr id="22" name="ZoneTexte 21"/>
+          <p:cNvSpPr txBox="1"/>
+          <p:nvPr/>
+        </p:nvSpPr>
+        <p:spPr>
+          <a:xfrm>
+            <a:off x="4213274" y="3163764"/>
+            <a:ext cx="935529" cy="646331"/>
+          </a:xfrm>
+          <a:prstGeom prst="rect">
+            <a:avLst/>
+          </a:prstGeom>
+          <a:noFill/>
+        </p:spPr>
+        <p:txBody>
+          <a:bodyPr wrap="square" rtlCol="0">
+            <a:spAutoFit/>
+          </a:bodyPr>
+          <a:lstStyle/>
+          <a:p>
+            <a:pPr algn="ctr"/>
+            <a:r>
+              <a:rPr lang="fr-FR" dirty="0" smtClean="0">
+                <a:effectLst>
+                  <a:outerShdw blurRad="50800" dist="38100" dir="2700000" algn="tl" rotWithShape="0">
+                    <a:prstClr val="black">
+                      <a:alpha val="40000"/>
+                    </a:prstClr>
+                  </a:outerShdw>
+                </a:effectLst>
+              </a:rPr>
+              <a:t>Modèle</a:t>
+            </a:r>
+          </a:p>
+          <a:p>
+            <a:pPr algn="ctr"/>
+            <a:r>
+              <a:rPr lang="fr-FR" dirty="0" smtClean="0">
+                <a:effectLst>
+                  <a:outerShdw blurRad="50800" dist="38100" dir="2700000" algn="tl" rotWithShape="0">
+                    <a:prstClr val="black">
+                      <a:alpha val="40000"/>
+                    </a:prstClr>
+                  </a:outerShdw>
+                </a:effectLst>
+              </a:rPr>
+              <a:t>DLL</a:t>
+            </a:r>
+          </a:p>
+        </p:txBody>
+      </p:sp>
+      <p:sp>
+        <p:nvSpPr>
+          <p:cNvPr id="23" name="ZoneTexte 22"/>
+          <p:cNvSpPr txBox="1"/>
+          <p:nvPr/>
+        </p:nvSpPr>
+        <p:spPr>
+          <a:xfrm>
+            <a:off x="945744" y="2523558"/>
+            <a:ext cx="1881906" cy="646331"/>
+          </a:xfrm>
+          <a:prstGeom prst="rect">
+            <a:avLst/>
+          </a:prstGeom>
+          <a:noFill/>
+        </p:spPr>
+        <p:txBody>
+          <a:bodyPr wrap="square" rtlCol="0">
+            <a:spAutoFit/>
+          </a:bodyPr>
+          <a:lstStyle/>
+          <a:p>
+            <a:pPr algn="ctr"/>
+            <a:r>
+              <a:rPr lang="fr-FR" dirty="0" smtClean="0">
+                <a:effectLst>
+                  <a:outerShdw blurRad="50800" dist="38100" dir="2700000" algn="tl" rotWithShape="0">
+                    <a:prstClr val="black">
+                      <a:alpha val="40000"/>
+                    </a:prstClr>
+                  </a:outerShdw>
+                </a:effectLst>
+              </a:rPr>
+              <a:t>Bluetooth_com</a:t>
+            </a:r>
+          </a:p>
+          <a:p>
+            <a:pPr algn="ctr"/>
+            <a:r>
+              <a:rPr lang="fr-FR" dirty="0" smtClean="0">
+                <a:effectLst>
+                  <a:outerShdw blurRad="50800" dist="38100" dir="2700000" algn="tl" rotWithShape="0">
+                    <a:prstClr val="black">
+                      <a:alpha val="40000"/>
+                    </a:prstClr>
+                  </a:outerShdw>
+                </a:effectLst>
+              </a:rPr>
+              <a:t>DLL</a:t>
+            </a:r>
+          </a:p>
+        </p:txBody>
+      </p:sp>
+      <p:cxnSp>
+        <p:nvCxnSpPr>
+          <p:cNvPr id="24" name="Connecteur droit avec flèche 23"/>
+          <p:cNvCxnSpPr>
+            <a:stCxn id="19" idx="3"/>
+            <a:endCxn id="20" idx="1"/>
+          </p:cNvCxnSpPr>
+          <p:nvPr/>
+        </p:nvCxnSpPr>
+        <p:spPr>
+          <a:xfrm>
+            <a:off x="3936984" y="3484107"/>
+            <a:ext cx="260485" cy="4994"/>
+          </a:xfrm>
+          <a:prstGeom prst="straightConnector1">
+            <a:avLst/>
+          </a:prstGeom>
+          <a:ln>
+            <a:headEnd type="triangle"/>
+            <a:tailEnd type="triangle"/>
+          </a:ln>
+        </p:spPr>
+        <p:style>
+          <a:lnRef idx="2">
+            <a:schemeClr val="dk1"/>
+          </a:lnRef>
+          <a:fillRef idx="0">
+            <a:schemeClr val="dk1"/>
+          </a:fillRef>
+          <a:effectRef idx="1">
+            <a:schemeClr val="dk1"/>
+          </a:effectRef>
+          <a:fontRef idx="minor">
+            <a:schemeClr val="tx1"/>
+          </a:fontRef>
+        </p:style>
+      </p:cxnSp>
+      <p:cxnSp>
+        <p:nvCxnSpPr>
+          <p:cNvPr id="25" name="Connecteur droit avec flèche 24"/>
+          <p:cNvCxnSpPr>
+            <a:stCxn id="19" idx="1"/>
+            <a:endCxn id="11" idx="3"/>
+          </p:cNvCxnSpPr>
+          <p:nvPr/>
+        </p:nvCxnSpPr>
+        <p:spPr>
+          <a:xfrm flipH="1" flipV="1">
+            <a:off x="1375852" y="3480484"/>
+            <a:ext cx="1593991" cy="3623"/>
+          </a:xfrm>
+          <a:prstGeom prst="straightConnector1">
+            <a:avLst/>
+          </a:prstGeom>
+          <a:ln>
+            <a:tailEnd type="triangle"/>
+          </a:ln>
+        </p:spPr>
+        <p:style>
+          <a:lnRef idx="2">
+            <a:schemeClr val="dk1"/>
+          </a:lnRef>
+          <a:fillRef idx="0">
+            <a:schemeClr val="dk1"/>
+          </a:fillRef>
+          <a:effectRef idx="1">
+            <a:schemeClr val="dk1"/>
+          </a:effectRef>
+          <a:fontRef idx="minor">
+            <a:schemeClr val="tx1"/>
+          </a:fontRef>
+        </p:style>
+      </p:cxnSp>
+      <p:sp>
+        <p:nvSpPr>
+          <p:cNvPr id="28" name="ZoneTexte 27"/>
+          <p:cNvSpPr txBox="1"/>
+          <p:nvPr/>
+        </p:nvSpPr>
+        <p:spPr>
+          <a:xfrm>
+            <a:off x="7012180" y="2213212"/>
+            <a:ext cx="1881906" cy="646331"/>
+          </a:xfrm>
+          <a:prstGeom prst="rect">
+            <a:avLst/>
+          </a:prstGeom>
+          <a:noFill/>
+        </p:spPr>
+        <p:txBody>
+          <a:bodyPr wrap="square" rtlCol="0">
+            <a:spAutoFit/>
+          </a:bodyPr>
+          <a:lstStyle/>
+          <a:p>
+            <a:pPr algn="ctr"/>
+            <a:r>
+              <a:rPr lang="fr-FR" dirty="0" smtClean="0">
+                <a:effectLst>
+                  <a:outerShdw blurRad="50800" dist="38100" dir="2700000" algn="tl" rotWithShape="0">
+                    <a:prstClr val="black">
+                      <a:alpha val="40000"/>
+                    </a:prstClr>
+                  </a:outerShdw>
+                </a:effectLst>
+              </a:rPr>
+              <a:t>RequeteHttp</a:t>
+            </a:r>
+          </a:p>
+          <a:p>
+            <a:pPr algn="ctr"/>
+            <a:r>
+              <a:rPr lang="fr-FR" dirty="0" smtClean="0">
+                <a:effectLst>
+                  <a:outerShdw blurRad="50800" dist="38100" dir="2700000" algn="tl" rotWithShape="0">
+                    <a:prstClr val="black">
+                      <a:alpha val="40000"/>
+                    </a:prstClr>
+                  </a:outerShdw>
+                </a:effectLst>
+              </a:rPr>
+              <a:t>DLL</a:t>
+            </a:r>
+          </a:p>
+        </p:txBody>
+      </p:sp>
+      <p:sp>
+        <p:nvSpPr>
+          <p:cNvPr id="29" name="Rectangle 28"/>
+          <p:cNvSpPr/>
+          <p:nvPr/>
+        </p:nvSpPr>
+        <p:spPr>
+          <a:xfrm>
+            <a:off x="7424785" y="4142516"/>
+            <a:ext cx="1056701" cy="369332"/>
+          </a:xfrm>
+          <a:prstGeom prst="rect">
+            <a:avLst/>
+          </a:prstGeom>
+        </p:spPr>
+        <p:txBody>
+          <a:bodyPr wrap="none">
+            <a:spAutoFit/>
+          </a:bodyPr>
+          <a:lstStyle/>
+          <a:p>
+            <a:pPr algn="ctr"/>
+            <a:r>
+              <a:rPr lang="fr-FR" dirty="0" smtClean="0"/>
+              <a:t>Corentin</a:t>
+            </a:r>
+            <a:endParaRPr lang="fr-FR" dirty="0"/>
+          </a:p>
+        </p:txBody>
+      </p:sp>
+      <p:cxnSp>
+        <p:nvCxnSpPr>
+          <p:cNvPr id="33" name="Connecteur droit avec flèche 32"/>
+          <p:cNvCxnSpPr/>
+          <p:nvPr/>
+        </p:nvCxnSpPr>
+        <p:spPr>
+          <a:xfrm>
+            <a:off x="5164610" y="3484107"/>
+            <a:ext cx="442737" cy="2401"/>
+          </a:xfrm>
+          <a:prstGeom prst="straightConnector1">
+            <a:avLst/>
+          </a:prstGeom>
+          <a:ln>
+            <a:tailEnd type="arrow"/>
+          </a:ln>
+        </p:spPr>
+        <p:style>
+          <a:lnRef idx="2">
+            <a:schemeClr val="dk1"/>
+          </a:lnRef>
+          <a:fillRef idx="0">
+            <a:schemeClr val="dk1"/>
+          </a:fillRef>
+          <a:effectRef idx="1">
+            <a:schemeClr val="dk1"/>
+          </a:effectRef>
+          <a:fontRef idx="minor">
+            <a:schemeClr val="tx1"/>
+          </a:fontRef>
+        </p:style>
+      </p:cxnSp>
+      <p:sp>
+        <p:nvSpPr>
+          <p:cNvPr id="34" name="Rectangle 33"/>
+          <p:cNvSpPr/>
+          <p:nvPr/>
+        </p:nvSpPr>
+        <p:spPr>
+          <a:xfrm>
+            <a:off x="1091134" y="4639108"/>
+            <a:ext cx="787395" cy="369332"/>
+          </a:xfrm>
+          <a:prstGeom prst="rect">
+            <a:avLst/>
+          </a:prstGeom>
+        </p:spPr>
+        <p:txBody>
+          <a:bodyPr wrap="none">
+            <a:spAutoFit/>
+          </a:bodyPr>
+          <a:lstStyle/>
+          <a:p>
+            <a:pPr algn="ctr"/>
+            <a:r>
+              <a:rPr lang="fr-FR" dirty="0" smtClean="0"/>
+              <a:t>Diane</a:t>
+            </a:r>
+            <a:endParaRPr lang="fr-FR" dirty="0"/>
+          </a:p>
+        </p:txBody>
+      </p:sp>
+      <p:sp>
+        <p:nvSpPr>
+          <p:cNvPr id="35" name="Rectangle 34"/>
+          <p:cNvSpPr/>
+          <p:nvPr/>
+        </p:nvSpPr>
+        <p:spPr>
+          <a:xfrm>
+            <a:off x="4242456" y="3973481"/>
+            <a:ext cx="877163" cy="369332"/>
+          </a:xfrm>
+          <a:prstGeom prst="rect">
+            <a:avLst/>
+          </a:prstGeom>
+        </p:spPr>
+        <p:txBody>
+          <a:bodyPr wrap="none">
+            <a:spAutoFit/>
+          </a:bodyPr>
+          <a:lstStyle/>
+          <a:p>
+            <a:pPr algn="ctr"/>
+            <a:r>
+              <a:rPr lang="fr-FR" dirty="0" smtClean="0"/>
+              <a:t>Meven</a:t>
+            </a:r>
+            <a:endParaRPr lang="fr-FR" dirty="0"/>
+          </a:p>
+        </p:txBody>
+      </p:sp>
+      <p:sp>
+        <p:nvSpPr>
+          <p:cNvPr id="36" name="Rectangle 35"/>
+          <p:cNvSpPr/>
+          <p:nvPr/>
+        </p:nvSpPr>
+        <p:spPr>
+          <a:xfrm>
+            <a:off x="2995596" y="3986847"/>
+            <a:ext cx="915635" cy="646331"/>
+          </a:xfrm>
+          <a:prstGeom prst="rect">
+            <a:avLst/>
+          </a:prstGeom>
+        </p:spPr>
+        <p:txBody>
+          <a:bodyPr wrap="none">
+            <a:spAutoFit/>
+          </a:bodyPr>
+          <a:lstStyle/>
+          <a:p>
+            <a:pPr algn="ctr"/>
+            <a:r>
+              <a:rPr lang="fr-FR" dirty="0" smtClean="0"/>
+              <a:t>Iman &amp;</a:t>
+            </a:r>
+          </a:p>
+          <a:p>
+            <a:pPr algn="ctr"/>
+            <a:r>
+              <a:rPr lang="fr-FR" dirty="0" err="1" smtClean="0"/>
+              <a:t>Enora</a:t>
             </a:r>
             <a:endParaRPr lang="fr-FR" dirty="0"/>
           </a:p>
@@ -11277,145 +11536,6 @@
       </p:grpSpPr>
       <p:sp>
         <p:nvSpPr>
-          <p:cNvPr id="3" name="Espace réservé du texte 2"/>
-          <p:cNvSpPr>
-            <a:spLocks noGrp="1"/>
-          </p:cNvSpPr>
-          <p:nvPr>
-            <p:ph type="body" sz="quarter" idx="10"/>
-          </p:nvPr>
-        </p:nvSpPr>
-        <p:spPr/>
-        <p:txBody>
-          <a:bodyPr/>
-          <a:lstStyle/>
-          <a:p>
-            <a:endParaRPr lang="fr-FR" dirty="0" smtClean="0"/>
-          </a:p>
-          <a:p>
-            <a:endParaRPr lang="fr-FR" dirty="0"/>
-          </a:p>
-          <a:p>
-            <a:endParaRPr lang="fr-FR" dirty="0" smtClean="0"/>
-          </a:p>
-          <a:p>
-            <a:endParaRPr lang="fr-FR" dirty="0"/>
-          </a:p>
-          <a:p>
-            <a:endParaRPr lang="fr-FR" dirty="0" smtClean="0"/>
-          </a:p>
-          <a:p>
-            <a:endParaRPr lang="fr-FR" dirty="0"/>
-          </a:p>
-          <a:p>
-            <a:endParaRPr lang="fr-FR" dirty="0" smtClean="0"/>
-          </a:p>
-          <a:p>
-            <a:endParaRPr lang="fr-FR" dirty="0"/>
-          </a:p>
-          <a:p>
-            <a:endParaRPr lang="fr-FR" dirty="0"/>
-          </a:p>
-        </p:txBody>
-      </p:sp>
-      <p:pic>
-        <p:nvPicPr>
-          <p:cNvPr id="4" name="Image 3"/>
-          <p:cNvPicPr>
-            <a:picLocks noChangeAspect="1"/>
-          </p:cNvPicPr>
-          <p:nvPr/>
-        </p:nvPicPr>
-        <p:blipFill rotWithShape="1">
-          <a:blip r:embed="rId3">
-            <a:extLst>
-              <a:ext uri="{28A0092B-C50C-407E-A947-70E740481C1C}">
-                <a14:useLocalDpi xmlns:a14="http://schemas.microsoft.com/office/drawing/2010/main" val="0"/>
-              </a:ext>
-            </a:extLst>
-          </a:blip>
-          <a:srcRect l="48229" t="-331"/>
-          <a:stretch/>
-        </p:blipFill>
-        <p:spPr>
-          <a:xfrm>
-            <a:off x="3590926" y="1250931"/>
-            <a:ext cx="5553074" cy="3639247"/>
-          </a:xfrm>
-          <a:prstGeom prst="rect">
-            <a:avLst/>
-          </a:prstGeom>
-        </p:spPr>
-      </p:pic>
-      <p:pic>
-        <p:nvPicPr>
-          <p:cNvPr id="6" name="Image 5"/>
-          <p:cNvPicPr>
-            <a:picLocks noChangeAspect="1"/>
-          </p:cNvPicPr>
-          <p:nvPr/>
-        </p:nvPicPr>
-        <p:blipFill rotWithShape="1">
-          <a:blip r:embed="rId3">
-            <a:extLst>
-              <a:ext uri="{28A0092B-C50C-407E-A947-70E740481C1C}">
-                <a14:useLocalDpi xmlns:a14="http://schemas.microsoft.com/office/drawing/2010/main" val="0"/>
-              </a:ext>
-            </a:extLst>
-          </a:blip>
-          <a:srcRect r="73854"/>
-          <a:stretch/>
-        </p:blipFill>
-        <p:spPr>
-          <a:xfrm>
-            <a:off x="0" y="1250931"/>
-            <a:ext cx="3590926" cy="3627245"/>
-          </a:xfrm>
-          <a:prstGeom prst="rect">
-            <a:avLst/>
-          </a:prstGeom>
-        </p:spPr>
-      </p:pic>
-      <p:cxnSp>
-        <p:nvCxnSpPr>
-          <p:cNvPr id="8" name="Connecteur droit 7"/>
-          <p:cNvCxnSpPr/>
-          <p:nvPr/>
-        </p:nvCxnSpPr>
-        <p:spPr>
-          <a:xfrm>
-            <a:off x="3590926" y="1600200"/>
-            <a:ext cx="0" cy="2781300"/>
-          </a:xfrm>
-          <a:prstGeom prst="line">
-            <a:avLst/>
-          </a:prstGeom>
-          <a:ln w="6350">
-            <a:solidFill>
-              <a:schemeClr val="tx2">
-                <a:lumMod val="40000"/>
-                <a:lumOff val="60000"/>
-              </a:schemeClr>
-            </a:solidFill>
-          </a:ln>
-        </p:spPr>
-        <p:style>
-          <a:lnRef idx="2">
-            <a:schemeClr val="accent1"/>
-          </a:lnRef>
-          <a:fillRef idx="0">
-            <a:schemeClr val="accent1"/>
-          </a:fillRef>
-          <a:effectRef idx="1">
-            <a:schemeClr val="accent1"/>
-          </a:effectRef>
-          <a:fontRef idx="minor">
-            <a:schemeClr val="tx1"/>
-          </a:fontRef>
-        </p:style>
-      </p:cxnSp>
-      <p:sp>
-        <p:nvSpPr>
           <p:cNvPr id="9" name="Titre 1"/>
           <p:cNvSpPr txBox="1">
             <a:spLocks/>
@@ -11457,8 +11577,16 @@
           <a:p>
             <a:pPr algn="ctr"/>
             <a:r>
-              <a:rPr lang="fr-FR" smtClean="0"/>
-              <a:t>IV. Organisation</a:t>
+              <a:rPr lang="fr-FR" dirty="0" smtClean="0"/>
+              <a:t>IV. </a:t>
+            </a:r>
+            <a:r>
+              <a:rPr lang="fr-FR" dirty="0"/>
+              <a:t>Gestion de </a:t>
+            </a:r>
+            <a:r>
+              <a:rPr lang="fr-FR" dirty="0" smtClean="0"/>
+              <a:t>projet</a:t>
             </a:r>
             <a:endParaRPr lang="fr-FR" dirty="0"/>
           </a:p>
@@ -11494,6 +11622,64 @@
           </a:p>
         </p:txBody>
       </p:sp>
+      <p:pic>
+        <p:nvPicPr>
+          <p:cNvPr id="2" name="Image 1"/>
+          <p:cNvPicPr>
+            <a:picLocks noChangeAspect="1"/>
+          </p:cNvPicPr>
+          <p:nvPr/>
+        </p:nvPicPr>
+        <p:blipFill rotWithShape="1">
+          <a:blip r:embed="rId3">
+            <a:extLst>
+              <a:ext uri="{28A0092B-C50C-407E-A947-70E740481C1C}">
+                <a14:useLocalDpi xmlns:a14="http://schemas.microsoft.com/office/drawing/2010/main" val="0"/>
+              </a:ext>
+            </a:extLst>
+          </a:blip>
+          <a:srcRect r="73793"/>
+          <a:stretch/>
+        </p:blipFill>
+        <p:spPr>
+          <a:xfrm>
+            <a:off x="437884" y="1394103"/>
+            <a:ext cx="2805605" cy="3551715"/>
+          </a:xfrm>
+          <a:prstGeom prst="rect">
+            <a:avLst/>
+          </a:prstGeom>
+        </p:spPr>
+      </p:pic>
+      <p:pic>
+        <p:nvPicPr>
+          <p:cNvPr id="5" name="Image 4"/>
+          <p:cNvPicPr>
+            <a:picLocks noChangeAspect="1"/>
+          </p:cNvPicPr>
+          <p:nvPr/>
+        </p:nvPicPr>
+        <p:blipFill rotWithShape="1">
+          <a:blip r:embed="rId3">
+            <a:extLst>
+              <a:ext uri="{28A0092B-C50C-407E-A947-70E740481C1C}">
+                <a14:useLocalDpi xmlns:a14="http://schemas.microsoft.com/office/drawing/2010/main" val="0"/>
+              </a:ext>
+            </a:extLst>
+          </a:blip>
+          <a:srcRect l="48620"/>
+          <a:stretch/>
+        </p:blipFill>
+        <p:spPr>
+          <a:xfrm>
+            <a:off x="3243489" y="1394103"/>
+            <a:ext cx="5500461" cy="3551715"/>
+          </a:xfrm>
+          <a:prstGeom prst="rect">
+            <a:avLst/>
+          </a:prstGeom>
+        </p:spPr>
+      </p:pic>
     </p:spTree>
     <p:extLst>
       <p:ext uri="{BB962C8B-B14F-4D97-AF65-F5344CB8AC3E}">
@@ -11890,180 +12076,97 @@
             <p:ph type="body" sz="quarter" idx="10"/>
           </p:nvPr>
         </p:nvSpPr>
-        <p:spPr>
-          <a:xfrm>
-            <a:off x="1709355" y="1663016"/>
-            <a:ext cx="8409708" cy="4695367"/>
-          </a:xfrm>
-        </p:spPr>
+        <p:spPr/>
         <p:txBody>
           <a:bodyPr/>
           <a:lstStyle/>
           <a:p>
-            <a:r>
-              <a:rPr lang="fr-FR" dirty="0"/>
-              <a:t>S</a:t>
-            </a:r>
-            <a:r>
-              <a:rPr lang="fr-FR" dirty="0" smtClean="0"/>
-              <a:t>uivis jusqu’à la fin du projet =&gt; plutôt bons</a:t>
-            </a:r>
-          </a:p>
-          <a:p>
-            <a:endParaRPr lang="fr-FR" dirty="0"/>
-          </a:p>
-          <a:p>
-            <a:r>
-              <a:rPr lang="fr-FR" dirty="0" smtClean="0"/>
-              <a:t>Intégration </a:t>
-            </a:r>
-            <a:r>
-              <a:rPr lang="fr-FR" dirty="0"/>
-              <a:t>facile des </a:t>
-            </a:r>
-            <a:r>
-              <a:rPr lang="fr-FR" dirty="0" err="1"/>
-              <a:t>DLLs</a:t>
-            </a:r>
-            <a:r>
-              <a:rPr lang="fr-FR" dirty="0"/>
-              <a:t> en C#</a:t>
-            </a:r>
+            <a:pPr>
+              <a:buFont typeface="Wingdings" panose="05000000000000000000" pitchFamily="2" charset="2"/>
+              <a:buChar char="§"/>
+            </a:pPr>
+            <a:endParaRPr lang="en-US" dirty="0" smtClean="0"/>
           </a:p>
           <a:p>
             <a:pPr marL="0" indent="0">
               <a:buNone/>
             </a:pPr>
-            <a:endParaRPr lang="fr-FR" dirty="0" smtClean="0"/>
-          </a:p>
-          <a:p>
-            <a:r>
-              <a:rPr lang="fr-FR" dirty="0" err="1" smtClean="0"/>
-              <a:t>Qt</a:t>
-            </a:r>
-            <a:r>
-              <a:rPr lang="fr-FR" dirty="0" smtClean="0"/>
-              <a:t> et </a:t>
-            </a:r>
-            <a:r>
-              <a:rPr lang="fr-FR" dirty="0" err="1" smtClean="0"/>
-              <a:t>HappyHttp</a:t>
-            </a:r>
-            <a:r>
-              <a:rPr lang="fr-FR" dirty="0" smtClean="0"/>
-              <a:t> portables</a:t>
-            </a:r>
-          </a:p>
-          <a:p>
-            <a:pPr marL="0" indent="0">
-              <a:buNone/>
+            <a:endParaRPr lang="fr-FR" sz="2400" dirty="0"/>
+          </a:p>
+          <a:p>
+            <a:pPr marL="271463" lvl="1" indent="-271463">
+              <a:buClr>
+                <a:schemeClr val="tx2"/>
+              </a:buClr>
+              <a:buSzPct val="80000"/>
+              <a:buFont typeface="Wingdings 3" panose="05040102010807070707" pitchFamily="18" charset="2"/>
+              <a:buChar char=""/>
             </a:pPr>
             <a:r>
-              <a:rPr lang="fr-FR" dirty="0" smtClean="0"/>
-              <a:t>	</a:t>
-            </a:r>
-            <a:r>
-              <a:rPr lang="fr-FR" dirty="0" err="1" smtClean="0"/>
-              <a:t>HappyHttp.h</a:t>
-            </a:r>
-            <a:r>
-              <a:rPr lang="fr-FR" dirty="0"/>
-              <a:t>		</a:t>
-            </a:r>
-            <a:r>
-              <a:rPr lang="fr-FR" dirty="0" smtClean="0"/>
-              <a:t>HappyHttp.cpp</a:t>
-            </a:r>
-          </a:p>
-          <a:p>
-            <a:pPr marL="0" indent="0">
-              <a:buNone/>
-            </a:pPr>
-            <a:endParaRPr lang="fr-FR" dirty="0"/>
-          </a:p>
-          <a:p>
-            <a:r>
-              <a:rPr lang="fr-FR" dirty="0" smtClean="0"/>
-              <a:t>Nouveau modèle aussi performant et portable (C++)</a:t>
-            </a:r>
-          </a:p>
-          <a:p>
-            <a:endParaRPr lang="fr-FR" dirty="0"/>
-          </a:p>
-          <a:p>
-            <a:r>
-              <a:rPr lang="fr-FR" dirty="0" smtClean="0"/>
-              <a:t>Bonne segmentation du code à l’aide des </a:t>
-            </a:r>
-            <a:r>
-              <a:rPr lang="fr-FR" dirty="0" err="1" smtClean="0"/>
-              <a:t>DLLs</a:t>
-            </a:r>
-            <a:r>
-              <a:rPr lang="fr-FR" dirty="0" smtClean="0"/>
-              <a:t>, </a:t>
-            </a:r>
-          </a:p>
-          <a:p>
-            <a:pPr marL="0" indent="0">
-              <a:buNone/>
-            </a:pPr>
-            <a:r>
-              <a:rPr lang="fr-FR" dirty="0"/>
-              <a:t>	</a:t>
-            </a:r>
-            <a:r>
-              <a:rPr lang="fr-FR" dirty="0" smtClean="0"/>
-              <a:t>facilite l’ajout d’équipement dans le futur</a:t>
-            </a:r>
-          </a:p>
-          <a:p>
-            <a:endParaRPr lang="fr-FR" dirty="0"/>
-          </a:p>
-          <a:p>
-            <a:pPr marL="0" indent="0">
-              <a:buNone/>
-            </a:pPr>
-            <a:r>
-              <a:rPr lang="fr-FR" dirty="0"/>
-              <a:t>	</a:t>
-            </a:r>
-          </a:p>
-        </p:txBody>
-      </p:sp>
-      <p:sp>
-        <p:nvSpPr>
-          <p:cNvPr id="4" name="ZoneTexte 3"/>
-          <p:cNvSpPr txBox="1"/>
-          <p:nvPr/>
-        </p:nvSpPr>
-        <p:spPr>
-          <a:xfrm>
-            <a:off x="8496300" y="6296025"/>
-            <a:ext cx="495300" cy="369332"/>
-          </a:xfrm>
-          <a:prstGeom prst="rect">
-            <a:avLst/>
-          </a:prstGeom>
-          <a:noFill/>
-        </p:spPr>
-        <p:txBody>
-          <a:bodyPr wrap="square" rtlCol="0">
-            <a:spAutoFit/>
-          </a:bodyPr>
-          <a:lstStyle/>
-          <a:p>
-            <a:r>
-              <a:rPr lang="fr-FR" dirty="0" smtClean="0"/>
-              <a:t>14</a:t>
-            </a:r>
-            <a:endParaRPr lang="fr-FR" dirty="0"/>
-          </a:p>
-        </p:txBody>
-      </p:sp>
-      <p:sp>
-        <p:nvSpPr>
-          <p:cNvPr id="6" name="Titre 1"/>
+              <a:rPr lang="fr-FR" sz="2400" dirty="0">
+                <a:solidFill>
+                  <a:schemeClr val="tx1"/>
+                </a:solidFill>
+              </a:rPr>
+              <a:t>Application fonctionnelle et utilisable</a:t>
+            </a:r>
+          </a:p>
+          <a:p>
+            <a:endParaRPr lang="fr-FR" sz="2400" dirty="0" smtClean="0"/>
+          </a:p>
+          <a:p>
+            <a:pPr lvl="1"/>
+            <a:endParaRPr lang="fr-FR" sz="2000" dirty="0"/>
+          </a:p>
+          <a:p>
+            <a:r>
+              <a:rPr lang="fr-FR" sz="2400" dirty="0"/>
+              <a:t>Points d’amélioration :</a:t>
+            </a:r>
+          </a:p>
+          <a:p>
+            <a:pPr lvl="1"/>
+            <a:r>
+              <a:rPr lang="fr-FR" sz="2000" dirty="0">
+                <a:solidFill>
+                  <a:schemeClr val="tx1"/>
+                </a:solidFill>
+              </a:rPr>
+              <a:t>Défilement</a:t>
+            </a:r>
+          </a:p>
+          <a:p>
+            <a:pPr lvl="1"/>
+            <a:r>
+              <a:rPr lang="fr-FR" sz="2000" dirty="0">
+                <a:solidFill>
+                  <a:schemeClr val="tx1"/>
+                </a:solidFill>
+              </a:rPr>
+              <a:t>Paramétrage plus simple</a:t>
+            </a:r>
+          </a:p>
+          <a:p>
+            <a:pPr lvl="1"/>
+            <a:r>
+              <a:rPr lang="fr-FR" sz="2000" dirty="0" smtClean="0">
+                <a:solidFill>
+                  <a:schemeClr val="tx1"/>
+                </a:solidFill>
+              </a:rPr>
+              <a:t>Sécurité</a:t>
+            </a:r>
+            <a:endParaRPr lang="fr-FR" sz="2000" dirty="0">
+              <a:solidFill>
+                <a:schemeClr val="tx1"/>
+              </a:solidFill>
+            </a:endParaRPr>
+          </a:p>
+        </p:txBody>
+      </p:sp>
+      <p:sp>
+        <p:nvSpPr>
+          <p:cNvPr id="4" name="Titre 1"/>
           <p:cNvSpPr txBox="1">
             <a:spLocks/>
           </p:cNvSpPr>
@@ -12071,7 +12174,7 @@
         </p:nvSpPr>
         <p:spPr>
           <a:xfrm>
-            <a:off x="633806" y="240792"/>
+            <a:off x="633806" y="102515"/>
             <a:ext cx="7876388" cy="1143000"/>
           </a:xfrm>
           <a:prstGeom prst="rect">
@@ -12104,8 +12207,42 @@
           <a:p>
             <a:pPr algn="ctr"/>
             <a:r>
-              <a:rPr lang="fr-FR" smtClean="0"/>
-              <a:t>V. CHOIX TECHNIQUES</a:t>
+              <a:rPr lang="fr-FR" dirty="0" smtClean="0"/>
+              <a:t>V. </a:t>
+            </a:r>
+            <a:r>
+              <a:rPr lang="fr-FR" dirty="0" smtClean="0"/>
+              <a:t>Bilan</a:t>
+            </a:r>
+            <a:endParaRPr lang="fr-FR" dirty="0"/>
+          </a:p>
+        </p:txBody>
+      </p:sp>
+      <p:sp>
+        <p:nvSpPr>
+          <p:cNvPr id="5" name="ZoneTexte 4"/>
+          <p:cNvSpPr txBox="1"/>
+          <p:nvPr/>
+        </p:nvSpPr>
+        <p:spPr>
+          <a:xfrm>
+            <a:off x="8496300" y="6296025"/>
+            <a:ext cx="495300" cy="369332"/>
+          </a:xfrm>
+          <a:prstGeom prst="rect">
+            <a:avLst/>
+          </a:prstGeom>
+          <a:noFill/>
+        </p:spPr>
+        <p:txBody>
+          <a:bodyPr wrap="square" rtlCol="0">
+            <a:spAutoFit/>
+          </a:bodyPr>
+          <a:lstStyle/>
+          <a:p>
+            <a:r>
+              <a:rPr lang="fr-FR" dirty="0" smtClean="0"/>
+              <a:t>15</a:t>
             </a:r>
             <a:endParaRPr lang="fr-FR" dirty="0"/>
           </a:p>
@@ -12114,7 +12251,7 @@
     </p:spTree>
     <p:extLst>
       <p:ext uri="{BB962C8B-B14F-4D97-AF65-F5344CB8AC3E}">
-        <p14:creationId xmlns:p14="http://schemas.microsoft.com/office/powerpoint/2010/main" val="2207254702"/>
+        <p14:creationId xmlns:p14="http://schemas.microsoft.com/office/powerpoint/2010/main" val="3484511506"/>
       </p:ext>
     </p:extLst>
   </p:cSld>
@@ -12175,103 +12312,58 @@
           <a:bodyPr/>
           <a:lstStyle/>
           <a:p>
-            <a:pPr>
-              <a:buFont typeface="Wingdings" panose="05000000000000000000" pitchFamily="2" charset="2"/>
-              <a:buChar char="§"/>
-            </a:pPr>
-            <a:endParaRPr lang="en-US" dirty="0" smtClean="0"/>
+            <a:endParaRPr lang="fr-FR" sz="2400" dirty="0" smtClean="0"/>
           </a:p>
           <a:p>
             <a:r>
               <a:rPr lang="fr-FR" sz="2400" dirty="0" smtClean="0"/>
-              <a:t>Points d’amélioration :</a:t>
-            </a:r>
-          </a:p>
-          <a:p>
-            <a:pPr lvl="1"/>
-            <a:r>
-              <a:rPr lang="fr-FR" sz="2000" dirty="0">
-                <a:solidFill>
-                  <a:schemeClr val="tx1"/>
-                </a:solidFill>
-              </a:rPr>
-              <a:t>Défilement</a:t>
-            </a:r>
-          </a:p>
-          <a:p>
-            <a:pPr lvl="1"/>
-            <a:r>
-              <a:rPr lang="fr-FR" sz="2000" dirty="0">
-                <a:solidFill>
-                  <a:schemeClr val="tx1"/>
-                </a:solidFill>
-              </a:rPr>
-              <a:t>Paramétrage plus simple</a:t>
-            </a:r>
-          </a:p>
-          <a:p>
-            <a:pPr lvl="1"/>
-            <a:r>
-              <a:rPr lang="fr-FR" sz="2000" dirty="0">
-                <a:solidFill>
-                  <a:schemeClr val="tx1"/>
-                </a:solidFill>
-              </a:rPr>
-              <a:t>Sécurité</a:t>
-            </a:r>
+              <a:t>Challenge</a:t>
+            </a:r>
+          </a:p>
+          <a:p>
+            <a:endParaRPr lang="fr-FR" sz="2400" dirty="0" smtClean="0"/>
+          </a:p>
+          <a:p>
+            <a:endParaRPr lang="fr-FR" sz="2400" dirty="0"/>
+          </a:p>
+          <a:p>
+            <a:endParaRPr lang="fr-FR" sz="2400" dirty="0" smtClean="0"/>
+          </a:p>
+          <a:p>
+            <a:r>
+              <a:rPr lang="fr-FR" sz="2400" dirty="0"/>
+              <a:t>Projet concret</a:t>
+            </a:r>
+          </a:p>
+          <a:p>
+            <a:endParaRPr lang="fr-FR" sz="2400" dirty="0"/>
+          </a:p>
+          <a:p>
+            <a:endParaRPr lang="fr-FR" sz="2400" dirty="0" smtClean="0"/>
+          </a:p>
+          <a:p>
+            <a:endParaRPr lang="fr-FR" sz="2400" dirty="0" smtClean="0"/>
           </a:p>
           <a:p>
             <a:pPr marL="0" indent="0">
               <a:buNone/>
             </a:pPr>
-            <a:endParaRPr lang="fr-FR" sz="2400" dirty="0" smtClean="0"/>
+            <a:r>
+              <a:rPr lang="fr-FR" dirty="0"/>
+              <a:t>	</a:t>
+            </a:r>
           </a:p>
           <a:p>
             <a:pPr marL="0" indent="0">
               <a:buNone/>
             </a:pPr>
-            <a:endParaRPr lang="fr-FR" sz="2400" dirty="0"/>
-          </a:p>
-          <a:p>
-            <a:pPr marL="271463" lvl="1" indent="-271463">
-              <a:buClr>
-                <a:schemeClr val="tx2"/>
-              </a:buClr>
-              <a:buSzPct val="80000"/>
-              <a:buFont typeface="Wingdings 3" panose="05040102010807070707" pitchFamily="18" charset="2"/>
-              <a:buChar char=""/>
-            </a:pPr>
-            <a:r>
-              <a:rPr lang="fr-FR" sz="2400" dirty="0">
-                <a:solidFill>
-                  <a:schemeClr val="tx1"/>
-                </a:solidFill>
-              </a:rPr>
-              <a:t>Application fonctionnelle et utilisable</a:t>
-            </a:r>
-          </a:p>
-          <a:p>
-            <a:endParaRPr lang="fr-FR" sz="2400" dirty="0" smtClean="0"/>
-          </a:p>
-          <a:p>
-            <a:pPr lvl="1"/>
-            <a:endParaRPr lang="fr-FR" sz="2000" dirty="0"/>
-          </a:p>
-          <a:p>
-            <a:pPr lvl="1"/>
-            <a:endParaRPr lang="fr-FR" sz="2000" dirty="0" smtClean="0"/>
-          </a:p>
-          <a:p>
-            <a:pPr marL="457200" lvl="1" indent="0">
-              <a:buNone/>
-            </a:pPr>
-            <a:endParaRPr lang="fr-FR" sz="2000" dirty="0" smtClean="0"/>
-          </a:p>
-        </p:txBody>
-      </p:sp>
-      <p:sp>
-        <p:nvSpPr>
-          <p:cNvPr id="4" name="Titre 1"/>
+            <a:endParaRPr lang="fr-FR" dirty="0" smtClean="0"/>
+          </a:p>
+        </p:txBody>
+      </p:sp>
+      <p:sp>
+        <p:nvSpPr>
+          <p:cNvPr id="6" name="Titre 1"/>
           <p:cNvSpPr txBox="1">
             <a:spLocks/>
           </p:cNvSpPr>
@@ -12313,7 +12405,7 @@
             <a:pPr algn="ctr"/>
             <a:r>
               <a:rPr lang="fr-FR" dirty="0" smtClean="0"/>
-              <a:t>VI. Bilan</a:t>
+              <a:t>conclusion</a:t>
             </a:r>
             <a:endParaRPr lang="fr-FR" dirty="0"/>
           </a:p>
@@ -12321,7 +12413,7 @@
       </p:sp>
       <p:sp>
         <p:nvSpPr>
-          <p:cNvPr id="5" name="ZoneTexte 4"/>
+          <p:cNvPr id="7" name="ZoneTexte 6"/>
           <p:cNvSpPr txBox="1"/>
           <p:nvPr/>
         </p:nvSpPr>
@@ -12343,7 +12435,7 @@
           <a:p>
             <a:r>
               <a:rPr lang="fr-FR" dirty="0" smtClean="0"/>
-              <a:t>15</a:t>
+              <a:t>16</a:t>
             </a:r>
             <a:endParaRPr lang="fr-FR" dirty="0"/>
           </a:p>
@@ -12352,7 +12444,7 @@
     </p:spTree>
     <p:extLst>
       <p:ext uri="{BB962C8B-B14F-4D97-AF65-F5344CB8AC3E}">
-        <p14:creationId xmlns:p14="http://schemas.microsoft.com/office/powerpoint/2010/main" val="3484511506"/>
+        <p14:creationId xmlns:p14="http://schemas.microsoft.com/office/powerpoint/2010/main" val="640009553"/>
       </p:ext>
     </p:extLst>
   </p:cSld>
@@ -12593,199 +12685,6 @@
       </p:grpSpPr>
       <p:sp>
         <p:nvSpPr>
-          <p:cNvPr id="3" name="Espace réservé du texte 2"/>
-          <p:cNvSpPr>
-            <a:spLocks noGrp="1"/>
-          </p:cNvSpPr>
-          <p:nvPr>
-            <p:ph type="body" sz="quarter" idx="10"/>
-          </p:nvPr>
-        </p:nvSpPr>
-        <p:spPr/>
-        <p:txBody>
-          <a:bodyPr/>
-          <a:lstStyle/>
-          <a:p>
-            <a:endParaRPr lang="fr-FR" sz="2400" dirty="0" smtClean="0"/>
-          </a:p>
-          <a:p>
-            <a:r>
-              <a:rPr lang="fr-FR" sz="2400" dirty="0" smtClean="0"/>
-              <a:t>Challenge</a:t>
-            </a:r>
-          </a:p>
-          <a:p>
-            <a:endParaRPr lang="fr-FR" sz="2400" dirty="0" smtClean="0"/>
-          </a:p>
-          <a:p>
-            <a:endParaRPr lang="fr-FR" sz="2400" dirty="0"/>
-          </a:p>
-          <a:p>
-            <a:endParaRPr lang="fr-FR" sz="2400" dirty="0" smtClean="0"/>
-          </a:p>
-          <a:p>
-            <a:r>
-              <a:rPr lang="fr-FR" sz="2400" dirty="0"/>
-              <a:t>Projet concret</a:t>
-            </a:r>
-          </a:p>
-          <a:p>
-            <a:endParaRPr lang="fr-FR" sz="2400" dirty="0"/>
-          </a:p>
-          <a:p>
-            <a:endParaRPr lang="fr-FR" sz="2400" dirty="0" smtClean="0"/>
-          </a:p>
-          <a:p>
-            <a:endParaRPr lang="fr-FR" sz="2400" dirty="0" smtClean="0"/>
-          </a:p>
-          <a:p>
-            <a:pPr marL="0" indent="0">
-              <a:buNone/>
-            </a:pPr>
-            <a:r>
-              <a:rPr lang="fr-FR" dirty="0"/>
-              <a:t>	</a:t>
-            </a:r>
-          </a:p>
-          <a:p>
-            <a:pPr marL="0" indent="0">
-              <a:buNone/>
-            </a:pPr>
-            <a:endParaRPr lang="fr-FR" dirty="0" smtClean="0"/>
-          </a:p>
-        </p:txBody>
-      </p:sp>
-      <p:sp>
-        <p:nvSpPr>
-          <p:cNvPr id="6" name="Titre 1"/>
-          <p:cNvSpPr txBox="1">
-            <a:spLocks/>
-          </p:cNvSpPr>
-          <p:nvPr/>
-        </p:nvSpPr>
-        <p:spPr>
-          <a:xfrm>
-            <a:off x="633806" y="270681"/>
-            <a:ext cx="7876388" cy="1143000"/>
-          </a:xfrm>
-          <a:prstGeom prst="rect">
-            <a:avLst/>
-          </a:prstGeom>
-        </p:spPr>
-        <p:txBody>
-          <a:bodyPr anchor="t">
-            <a:normAutofit/>
-          </a:bodyPr>
-          <a:lstStyle>
-            <a:lvl1pPr algn="l" defTabSz="457200" rtl="0" eaLnBrk="1" latinLnBrk="0" hangingPunct="1">
-              <a:lnSpc>
-                <a:spcPct val="90000"/>
-              </a:lnSpc>
-              <a:spcBef>
-                <a:spcPct val="0"/>
-              </a:spcBef>
-              <a:buNone/>
-              <a:defRPr sz="2700" b="1" i="0" kern="1200" cap="all" baseline="0">
-                <a:solidFill>
-                  <a:schemeClr val="bg2"/>
-                </a:solidFill>
-                <a:latin typeface="+mj-lt"/>
-                <a:ea typeface="+mj-ea"/>
-                <a:cs typeface="HelveticaNeueLT Com 57 Cn" panose="020B0506030502030204" pitchFamily="34" charset="0"/>
-              </a:defRPr>
-            </a:lvl1pPr>
-          </a:lstStyle>
-          <a:p>
-            <a:pPr algn="ctr"/>
-            <a:r>
-              <a:rPr lang="fr-FR" dirty="0" smtClean="0"/>
-              <a:t>conclusion</a:t>
-            </a:r>
-            <a:endParaRPr lang="fr-FR" dirty="0"/>
-          </a:p>
-        </p:txBody>
-      </p:sp>
-      <p:sp>
-        <p:nvSpPr>
-          <p:cNvPr id="7" name="ZoneTexte 6"/>
-          <p:cNvSpPr txBox="1"/>
-          <p:nvPr/>
-        </p:nvSpPr>
-        <p:spPr>
-          <a:xfrm>
-            <a:off x="8496300" y="6296025"/>
-            <a:ext cx="495300" cy="369332"/>
-          </a:xfrm>
-          <a:prstGeom prst="rect">
-            <a:avLst/>
-          </a:prstGeom>
-          <a:noFill/>
-        </p:spPr>
-        <p:txBody>
-          <a:bodyPr wrap="square" rtlCol="0">
-            <a:spAutoFit/>
-          </a:bodyPr>
-          <a:lstStyle/>
-          <a:p>
-            <a:r>
-              <a:rPr lang="fr-FR" dirty="0" smtClean="0"/>
-              <a:t>16</a:t>
-            </a:r>
-            <a:endParaRPr lang="fr-FR" dirty="0"/>
-          </a:p>
-        </p:txBody>
-      </p:sp>
-    </p:spTree>
-    <p:extLst>
-      <p:ext uri="{BB962C8B-B14F-4D97-AF65-F5344CB8AC3E}">
-        <p14:creationId xmlns:p14="http://schemas.microsoft.com/office/powerpoint/2010/main" val="640009553"/>
-      </p:ext>
-    </p:extLst>
-  </p:cSld>
-  <p:clrMapOvr>
-    <a:masterClrMapping/>
-  </p:clrMapOvr>
-  <mc:AlternateContent xmlns:mc="http://schemas.openxmlformats.org/markup-compatibility/2006" xmlns:p14="http://schemas.microsoft.com/office/powerpoint/2010/main">
-    <mc:Choice Requires="p14">
-      <p:transition spd="med" p14:dur="700">
-        <p:fade/>
-      </p:transition>
-    </mc:Choice>
-    <mc:Fallback xmlns="">
-      <p:transition spd="med">
-        <p:fade/>
-      </p:transition>
-    </mc:Fallback>
-  </mc:AlternateContent>
-  <p:timing>
-    <p:tnLst>
-      <p:par>
-        <p:cTn id="1" dur="indefinite" restart="never" nodeType="tmRoot"/>
-      </p:par>
-    </p:tnLst>
-  </p:timing>
-</p:sld>
-</file>
-
-<file path=ppt/slides/slide21.xml><?xml version="1.0" encoding="utf-8"?>
-<p:sld xmlns:a="http://schemas.openxmlformats.org/drawingml/2006/main" xmlns:r="http://schemas.openxmlformats.org/officeDocument/2006/relationships" xmlns:p="http://schemas.openxmlformats.org/presentationml/2006/main">
-  <p:cSld>
-    <p:spTree>
-      <p:nvGrpSpPr>
-        <p:cNvPr id="1" name=""/>
-        <p:cNvGrpSpPr/>
-        <p:nvPr/>
-      </p:nvGrpSpPr>
-      <p:grpSpPr>
-        <a:xfrm>
-          <a:off x="0" y="0"/>
-          <a:ext cx="0" cy="0"/>
-          <a:chOff x="0" y="0"/>
-          <a:chExt cx="0" cy="0"/>
-        </a:xfrm>
-      </p:grpSpPr>
-      <p:sp>
-        <p:nvSpPr>
           <p:cNvPr id="4" name="Rectangle 3"/>
           <p:cNvSpPr/>
           <p:nvPr/>
@@ -12901,7 +12800,7 @@
 </p:sld>
 </file>
 
-<file path=ppt/slides/slide22.xml><?xml version="1.0" encoding="utf-8"?>
+<file path=ppt/slides/slide21.xml><?xml version="1.0" encoding="utf-8"?>
 <p:sld xmlns:a="http://schemas.openxmlformats.org/drawingml/2006/main" xmlns:r="http://schemas.openxmlformats.org/officeDocument/2006/relationships" xmlns:p="http://schemas.openxmlformats.org/presentationml/2006/main" show="0">
   <p:cSld>
     <p:spTree>
@@ -13399,204 +13298,6 @@
       </p:grpSpPr>
       <p:sp>
         <p:nvSpPr>
-          <p:cNvPr id="2" name="Titre 1"/>
-          <p:cNvSpPr>
-            <a:spLocks noGrp="1"/>
-          </p:cNvSpPr>
-          <p:nvPr>
-            <p:ph type="title"/>
-          </p:nvPr>
-        </p:nvSpPr>
-        <p:spPr>
-          <a:xfrm>
-            <a:off x="633806" y="107931"/>
-            <a:ext cx="7876388" cy="1143000"/>
-          </a:xfrm>
-        </p:spPr>
-        <p:txBody>
-          <a:bodyPr/>
-          <a:lstStyle/>
-          <a:p>
-            <a:pPr algn="ctr"/>
-            <a:r>
-              <a:rPr lang="fr-FR" dirty="0" smtClean="0"/>
-              <a:t>I. contexte</a:t>
-            </a:r>
-            <a:endParaRPr lang="fr-FR" dirty="0"/>
-          </a:p>
-        </p:txBody>
-      </p:sp>
-      <p:sp>
-        <p:nvSpPr>
-          <p:cNvPr id="3" name="Espace réservé du texte 2"/>
-          <p:cNvSpPr>
-            <a:spLocks noGrp="1"/>
-          </p:cNvSpPr>
-          <p:nvPr>
-            <p:ph type="body" sz="quarter" idx="10"/>
-          </p:nvPr>
-        </p:nvSpPr>
-        <p:spPr/>
-        <p:txBody>
-          <a:bodyPr/>
-          <a:lstStyle/>
-          <a:p>
-            <a:r>
-              <a:rPr lang="fr-FR" dirty="0" smtClean="0"/>
-              <a:t>Tout (matériel) chercher le nom exact, schéma général</a:t>
-            </a:r>
-          </a:p>
-          <a:p>
-            <a:r>
-              <a:rPr lang="fr-FR" dirty="0" smtClean="0"/>
-              <a:t>Avant : schéma avec seulement </a:t>
-            </a:r>
-            <a:r>
-              <a:rPr lang="fr-FR" dirty="0" err="1" smtClean="0"/>
-              <a:t>ihm</a:t>
-            </a:r>
-            <a:endParaRPr lang="fr-FR" dirty="0" smtClean="0"/>
-          </a:p>
-          <a:p>
-            <a:r>
-              <a:rPr lang="fr-FR" dirty="0" smtClean="0"/>
-              <a:t>1</a:t>
-            </a:r>
-            <a:r>
-              <a:rPr lang="fr-FR" baseline="30000" dirty="0" smtClean="0"/>
-              <a:t>er</a:t>
-            </a:r>
-            <a:r>
-              <a:rPr lang="fr-FR" dirty="0" smtClean="0"/>
-              <a:t> semestre : avec prototype</a:t>
-            </a:r>
-          </a:p>
-          <a:p>
-            <a:r>
-              <a:rPr lang="fr-FR" dirty="0" smtClean="0"/>
-              <a:t>Après : the </a:t>
-            </a:r>
-            <a:r>
-              <a:rPr lang="fr-FR" dirty="0" err="1" smtClean="0"/>
-              <a:t>big</a:t>
-            </a:r>
-            <a:r>
-              <a:rPr lang="fr-FR" dirty="0" smtClean="0"/>
-              <a:t> schéma</a:t>
-            </a:r>
-          </a:p>
-          <a:p>
-            <a:endParaRPr lang="fr-FR" dirty="0"/>
-          </a:p>
-          <a:p>
-            <a:pPr marL="0" indent="0">
-              <a:buNone/>
-            </a:pPr>
-            <a:endParaRPr lang="fr-FR" dirty="0"/>
-          </a:p>
-        </p:txBody>
-      </p:sp>
-    </p:spTree>
-    <p:extLst>
-      <p:ext uri="{BB962C8B-B14F-4D97-AF65-F5344CB8AC3E}">
-        <p14:creationId xmlns:p14="http://schemas.microsoft.com/office/powerpoint/2010/main" val="403331560"/>
-      </p:ext>
-    </p:extLst>
-  </p:cSld>
-  <p:clrMapOvr>
-    <a:masterClrMapping/>
-  </p:clrMapOvr>
-  <mc:AlternateContent xmlns:mc="http://schemas.openxmlformats.org/markup-compatibility/2006" xmlns:p14="http://schemas.microsoft.com/office/powerpoint/2010/main">
-    <mc:Choice Requires="p14">
-      <p:transition spd="med" p14:dur="700">
-        <p:fade/>
-      </p:transition>
-    </mc:Choice>
-    <mc:Fallback xmlns="">
-      <p:transition spd="med">
-        <p:fade/>
-      </p:transition>
-    </mc:Fallback>
-  </mc:AlternateContent>
-  <p:timing>
-    <p:tnLst>
-      <p:par>
-        <p:cTn id="1" dur="indefinite" restart="never" nodeType="tmRoot"/>
-      </p:par>
-    </p:tnLst>
-  </p:timing>
-</p:sld>
-</file>
-
-<file path=ppt/slides/slide5.xml><?xml version="1.0" encoding="utf-8"?>
-<p:sld xmlns:a="http://schemas.openxmlformats.org/drawingml/2006/main" xmlns:r="http://schemas.openxmlformats.org/officeDocument/2006/relationships" xmlns:p="http://schemas.openxmlformats.org/presentationml/2006/main">
-  <p:cSld>
-    <p:spTree>
-      <p:nvGrpSpPr>
-        <p:cNvPr id="1" name=""/>
-        <p:cNvGrpSpPr/>
-        <p:nvPr/>
-      </p:nvGrpSpPr>
-      <p:grpSpPr>
-        <a:xfrm>
-          <a:off x="0" y="0"/>
-          <a:ext cx="0" cy="0"/>
-          <a:chOff x="0" y="0"/>
-          <a:chExt cx="0" cy="0"/>
-        </a:xfrm>
-      </p:grpSpPr>
-      <p:sp>
-        <p:nvSpPr>
-          <p:cNvPr id="5" name="Titre 1"/>
-          <p:cNvSpPr txBox="1">
-            <a:spLocks/>
-          </p:cNvSpPr>
-          <p:nvPr/>
-        </p:nvSpPr>
-        <p:spPr>
-          <a:xfrm>
-            <a:off x="633806" y="396597"/>
-            <a:ext cx="7876388" cy="1143000"/>
-          </a:xfrm>
-          <a:prstGeom prst="rect">
-            <a:avLst/>
-          </a:prstGeom>
-        </p:spPr>
-        <p:txBody>
-          <a:bodyPr anchor="t">
-            <a:normAutofit/>
-          </a:bodyPr>
-          <a:lstStyle>
-            <a:lvl1pPr algn="l" defTabSz="457200" rtl="0" eaLnBrk="1" latinLnBrk="0" hangingPunct="1">
-              <a:lnSpc>
-                <a:spcPct val="90000"/>
-              </a:lnSpc>
-              <a:spcBef>
-                <a:spcPct val="0"/>
-              </a:spcBef>
-              <a:buNone/>
-              <a:defRPr sz="2700" b="1" i="0" kern="1200" cap="all" baseline="0">
-                <a:solidFill>
-                  <a:schemeClr val="bg2"/>
-                </a:solidFill>
-                <a:latin typeface="+mj-lt"/>
-                <a:ea typeface="+mj-ea"/>
-                <a:cs typeface="HelveticaNeueLT Com 57 Cn" panose="020B0506030502030204" pitchFamily="34" charset="0"/>
-              </a:defRPr>
-            </a:lvl1pPr>
-          </a:lstStyle>
-          <a:p>
-            <a:pPr algn="ctr"/>
-            <a:r>
-              <a:rPr lang="fr-FR" dirty="0" smtClean="0"/>
-              <a:t>I. Contexte</a:t>
-            </a:r>
-            <a:endParaRPr lang="fr-FR" dirty="0"/>
-          </a:p>
-        </p:txBody>
-      </p:sp>
-      <p:sp>
-        <p:nvSpPr>
           <p:cNvPr id="7" name="ZoneTexte 6"/>
           <p:cNvSpPr txBox="1"/>
           <p:nvPr/>
@@ -13626,7 +13327,7 @@
       </p:sp>
       <p:pic>
         <p:nvPicPr>
-          <p:cNvPr id="2" name="Image 1"/>
+          <p:cNvPr id="6" name="Image 5"/>
           <p:cNvPicPr>
             <a:picLocks noChangeAspect="1"/>
           </p:cNvPicPr>
@@ -13646,14 +13347,443 @@
         </p:blipFill>
         <p:spPr>
           <a:xfrm>
-            <a:off x="0" y="857250"/>
-            <a:ext cx="9144000" cy="5143500"/>
+            <a:off x="7853061" y="1429364"/>
+            <a:ext cx="679366" cy="510883"/>
           </a:xfrm>
           <a:prstGeom prst="rect">
             <a:avLst/>
           </a:prstGeom>
         </p:spPr>
       </p:pic>
+      <p:pic>
+        <p:nvPicPr>
+          <p:cNvPr id="8" name="Image 7"/>
+          <p:cNvPicPr>
+            <a:picLocks noChangeAspect="1"/>
+          </p:cNvPicPr>
+          <p:nvPr/>
+        </p:nvPicPr>
+        <p:blipFill>
+          <a:blip r:embed="rId4" cstate="screen">
+            <a:extLst>
+              <a:ext uri="{28A0092B-C50C-407E-A947-70E740481C1C}">
+                <a14:useLocalDpi xmlns:a14="http://schemas.microsoft.com/office/drawing/2010/main" val="0"/>
+              </a:ext>
+            </a:extLst>
+          </a:blip>
+          <a:stretch>
+            <a:fillRect/>
+          </a:stretch>
+        </p:blipFill>
+        <p:spPr>
+          <a:xfrm>
+            <a:off x="5770113" y="4708770"/>
+            <a:ext cx="875600" cy="875600"/>
+          </a:xfrm>
+          <a:prstGeom prst="rect">
+            <a:avLst/>
+          </a:prstGeom>
+        </p:spPr>
+      </p:pic>
+      <p:pic>
+        <p:nvPicPr>
+          <p:cNvPr id="9" name="Image 8"/>
+          <p:cNvPicPr>
+            <a:picLocks noChangeAspect="1"/>
+          </p:cNvPicPr>
+          <p:nvPr/>
+        </p:nvPicPr>
+        <p:blipFill>
+          <a:blip r:embed="rId5" cstate="screen">
+            <a:extLst>
+              <a:ext uri="{28A0092B-C50C-407E-A947-70E740481C1C}">
+                <a14:useLocalDpi xmlns:a14="http://schemas.microsoft.com/office/drawing/2010/main" val="0"/>
+              </a:ext>
+            </a:extLst>
+          </a:blip>
+          <a:stretch>
+            <a:fillRect/>
+          </a:stretch>
+        </p:blipFill>
+        <p:spPr>
+          <a:xfrm rot="10800000">
+            <a:off x="7007672" y="1477671"/>
+            <a:ext cx="402652" cy="402652"/>
+          </a:xfrm>
+          <a:prstGeom prst="rect">
+            <a:avLst/>
+          </a:prstGeom>
+        </p:spPr>
+      </p:pic>
+      <p:pic>
+        <p:nvPicPr>
+          <p:cNvPr id="10" name="Image 9"/>
+          <p:cNvPicPr>
+            <a:picLocks noChangeAspect="1"/>
+          </p:cNvPicPr>
+          <p:nvPr/>
+        </p:nvPicPr>
+        <p:blipFill>
+          <a:blip r:embed="rId6" cstate="screen">
+            <a:extLst>
+              <a:ext uri="{28A0092B-C50C-407E-A947-70E740481C1C}">
+                <a14:useLocalDpi xmlns:a14="http://schemas.microsoft.com/office/drawing/2010/main" val="0"/>
+              </a:ext>
+            </a:extLst>
+          </a:blip>
+          <a:stretch>
+            <a:fillRect/>
+          </a:stretch>
+        </p:blipFill>
+        <p:spPr>
+          <a:xfrm>
+            <a:off x="5820537" y="1345601"/>
+            <a:ext cx="794871" cy="678410"/>
+          </a:xfrm>
+          <a:prstGeom prst="rect">
+            <a:avLst/>
+          </a:prstGeom>
+        </p:spPr>
+      </p:pic>
+      <p:pic>
+        <p:nvPicPr>
+          <p:cNvPr id="11" name="Image 10"/>
+          <p:cNvPicPr>
+            <a:picLocks noChangeAspect="1"/>
+          </p:cNvPicPr>
+          <p:nvPr/>
+        </p:nvPicPr>
+        <p:blipFill>
+          <a:blip r:embed="rId7" cstate="screen">
+            <a:extLst>
+              <a:ext uri="{28A0092B-C50C-407E-A947-70E740481C1C}">
+                <a14:useLocalDpi xmlns:a14="http://schemas.microsoft.com/office/drawing/2010/main" val="0"/>
+              </a:ext>
+            </a:extLst>
+          </a:blip>
+          <a:stretch>
+            <a:fillRect/>
+          </a:stretch>
+        </p:blipFill>
+        <p:spPr>
+          <a:xfrm>
+            <a:off x="5770113" y="2955379"/>
+            <a:ext cx="884715" cy="782731"/>
+          </a:xfrm>
+          <a:prstGeom prst="rect">
+            <a:avLst/>
+          </a:prstGeom>
+        </p:spPr>
+      </p:pic>
+      <p:pic>
+        <p:nvPicPr>
+          <p:cNvPr id="12" name="Image 11"/>
+          <p:cNvPicPr>
+            <a:picLocks noChangeAspect="1"/>
+          </p:cNvPicPr>
+          <p:nvPr/>
+        </p:nvPicPr>
+        <p:blipFill>
+          <a:blip r:embed="rId8">
+            <a:extLst>
+              <a:ext uri="{28A0092B-C50C-407E-A947-70E740481C1C}">
+                <a14:useLocalDpi xmlns:a14="http://schemas.microsoft.com/office/drawing/2010/main" val="0"/>
+              </a:ext>
+            </a:extLst>
+          </a:blip>
+          <a:stretch>
+            <a:fillRect/>
+          </a:stretch>
+        </p:blipFill>
+        <p:spPr>
+          <a:xfrm>
+            <a:off x="3352530" y="2846137"/>
+            <a:ext cx="1418468" cy="1268691"/>
+          </a:xfrm>
+          <a:prstGeom prst="rect">
+            <a:avLst/>
+          </a:prstGeom>
+        </p:spPr>
+      </p:pic>
+      <p:pic>
+        <p:nvPicPr>
+          <p:cNvPr id="13" name="Image 12"/>
+          <p:cNvPicPr>
+            <a:picLocks noChangeAspect="1"/>
+          </p:cNvPicPr>
+          <p:nvPr/>
+        </p:nvPicPr>
+        <p:blipFill>
+          <a:blip r:embed="rId9" cstate="screen">
+            <a:extLst>
+              <a:ext uri="{28A0092B-C50C-407E-A947-70E740481C1C}">
+                <a14:useLocalDpi xmlns:a14="http://schemas.microsoft.com/office/drawing/2010/main" val="0"/>
+              </a:ext>
+            </a:extLst>
+          </a:blip>
+          <a:stretch>
+            <a:fillRect/>
+          </a:stretch>
+        </p:blipFill>
+        <p:spPr>
+          <a:xfrm>
+            <a:off x="244061" y="2851916"/>
+            <a:ext cx="1131791" cy="1257135"/>
+          </a:xfrm>
+          <a:prstGeom prst="rect">
+            <a:avLst/>
+          </a:prstGeom>
+        </p:spPr>
+      </p:pic>
+      <p:pic>
+        <p:nvPicPr>
+          <p:cNvPr id="14" name="Image 13"/>
+          <p:cNvPicPr>
+            <a:picLocks noChangeAspect="1"/>
+          </p:cNvPicPr>
+          <p:nvPr/>
+        </p:nvPicPr>
+        <p:blipFill>
+          <a:blip r:embed="rId10" cstate="screen">
+            <a:extLst>
+              <a:ext uri="{28A0092B-C50C-407E-A947-70E740481C1C}">
+                <a14:useLocalDpi xmlns:a14="http://schemas.microsoft.com/office/drawing/2010/main" val="0"/>
+              </a:ext>
+            </a:extLst>
+          </a:blip>
+          <a:stretch>
+            <a:fillRect/>
+          </a:stretch>
+        </p:blipFill>
+        <p:spPr>
+          <a:xfrm>
+            <a:off x="5924313" y="2249583"/>
+            <a:ext cx="609960" cy="609960"/>
+          </a:xfrm>
+          <a:prstGeom prst="rect">
+            <a:avLst/>
+          </a:prstGeom>
+        </p:spPr>
+      </p:pic>
+      <p:pic>
+        <p:nvPicPr>
+          <p:cNvPr id="15" name="Image 14"/>
+          <p:cNvPicPr>
+            <a:picLocks noChangeAspect="1"/>
+          </p:cNvPicPr>
+          <p:nvPr/>
+        </p:nvPicPr>
+        <p:blipFill>
+          <a:blip r:embed="rId11" cstate="screen">
+            <a:extLst>
+              <a:ext uri="{28A0092B-C50C-407E-A947-70E740481C1C}">
+                <a14:useLocalDpi xmlns:a14="http://schemas.microsoft.com/office/drawing/2010/main" val="0"/>
+              </a:ext>
+            </a:extLst>
+          </a:blip>
+          <a:stretch>
+            <a:fillRect/>
+          </a:stretch>
+        </p:blipFill>
+        <p:spPr>
+          <a:xfrm>
+            <a:off x="6885659" y="4913125"/>
+            <a:ext cx="646679" cy="409867"/>
+          </a:xfrm>
+          <a:prstGeom prst="rect">
+            <a:avLst/>
+          </a:prstGeom>
+        </p:spPr>
+      </p:pic>
+      <p:pic>
+        <p:nvPicPr>
+          <p:cNvPr id="16" name="Image 15"/>
+          <p:cNvPicPr>
+            <a:picLocks noChangeAspect="1"/>
+          </p:cNvPicPr>
+          <p:nvPr/>
+        </p:nvPicPr>
+        <p:blipFill>
+          <a:blip r:embed="rId10" cstate="screen">
+            <a:extLst>
+              <a:ext uri="{28A0092B-C50C-407E-A947-70E740481C1C}">
+                <a14:useLocalDpi xmlns:a14="http://schemas.microsoft.com/office/drawing/2010/main" val="0"/>
+              </a:ext>
+            </a:extLst>
+          </a:blip>
+          <a:stretch>
+            <a:fillRect/>
+          </a:stretch>
+        </p:blipFill>
+        <p:spPr>
+          <a:xfrm rot="10800000">
+            <a:off x="5924312" y="4037833"/>
+            <a:ext cx="609960" cy="609960"/>
+          </a:xfrm>
+          <a:prstGeom prst="rect">
+            <a:avLst/>
+          </a:prstGeom>
+        </p:spPr>
+      </p:pic>
+      <p:pic>
+        <p:nvPicPr>
+          <p:cNvPr id="17" name="Image 16"/>
+          <p:cNvPicPr>
+            <a:picLocks noChangeAspect="1"/>
+          </p:cNvPicPr>
+          <p:nvPr/>
+        </p:nvPicPr>
+        <p:blipFill>
+          <a:blip r:embed="rId12" cstate="screen">
+            <a:extLst>
+              <a:ext uri="{28A0092B-C50C-407E-A947-70E740481C1C}">
+                <a14:useLocalDpi xmlns:a14="http://schemas.microsoft.com/office/drawing/2010/main" val="0"/>
+              </a:ext>
+            </a:extLst>
+          </a:blip>
+          <a:stretch>
+            <a:fillRect/>
+          </a:stretch>
+        </p:blipFill>
+        <p:spPr>
+          <a:xfrm>
+            <a:off x="1733496" y="3558144"/>
+            <a:ext cx="920615" cy="226061"/>
+          </a:xfrm>
+          <a:prstGeom prst="rect">
+            <a:avLst/>
+          </a:prstGeom>
+        </p:spPr>
+      </p:pic>
+      <p:pic>
+        <p:nvPicPr>
+          <p:cNvPr id="18" name="Image 17"/>
+          <p:cNvPicPr>
+            <a:picLocks noChangeAspect="1"/>
+          </p:cNvPicPr>
+          <p:nvPr/>
+        </p:nvPicPr>
+        <p:blipFill>
+          <a:blip r:embed="rId13" cstate="screen">
+            <a:extLst>
+              <a:ext uri="{28A0092B-C50C-407E-A947-70E740481C1C}">
+                <a14:useLocalDpi xmlns:a14="http://schemas.microsoft.com/office/drawing/2010/main" val="0"/>
+              </a:ext>
+            </a:extLst>
+          </a:blip>
+          <a:stretch>
+            <a:fillRect/>
+          </a:stretch>
+        </p:blipFill>
+        <p:spPr>
+          <a:xfrm>
+            <a:off x="7906150" y="4823774"/>
+            <a:ext cx="613499" cy="613499"/>
+          </a:xfrm>
+          <a:prstGeom prst="rect">
+            <a:avLst/>
+          </a:prstGeom>
+        </p:spPr>
+      </p:pic>
+      <p:cxnSp>
+        <p:nvCxnSpPr>
+          <p:cNvPr id="27" name="Connecteur droit avec flèche 26"/>
+          <p:cNvCxnSpPr>
+            <a:endCxn id="13" idx="3"/>
+          </p:cNvCxnSpPr>
+          <p:nvPr/>
+        </p:nvCxnSpPr>
+        <p:spPr>
+          <a:xfrm flipH="1" flipV="1">
+            <a:off x="1375852" y="3480484"/>
+            <a:ext cx="1593991" cy="3623"/>
+          </a:xfrm>
+          <a:prstGeom prst="straightConnector1">
+            <a:avLst/>
+          </a:prstGeom>
+          <a:ln>
+            <a:tailEnd type="triangle"/>
+          </a:ln>
+        </p:spPr>
+        <p:style>
+          <a:lnRef idx="2">
+            <a:schemeClr val="dk1"/>
+          </a:lnRef>
+          <a:fillRef idx="0">
+            <a:schemeClr val="dk1"/>
+          </a:fillRef>
+          <a:effectRef idx="1">
+            <a:schemeClr val="dk1"/>
+          </a:effectRef>
+          <a:fontRef idx="minor">
+            <a:schemeClr val="tx1"/>
+          </a:fontRef>
+        </p:style>
+      </p:cxnSp>
+      <p:cxnSp>
+        <p:nvCxnSpPr>
+          <p:cNvPr id="37" name="Connecteur droit avec flèche 36"/>
+          <p:cNvCxnSpPr>
+            <a:stCxn id="12" idx="3"/>
+          </p:cNvCxnSpPr>
+          <p:nvPr/>
+        </p:nvCxnSpPr>
+        <p:spPr>
+          <a:xfrm>
+            <a:off x="4770998" y="3480483"/>
+            <a:ext cx="836349" cy="6025"/>
+          </a:xfrm>
+          <a:prstGeom prst="straightConnector1">
+            <a:avLst/>
+          </a:prstGeom>
+          <a:ln>
+            <a:tailEnd type="arrow"/>
+          </a:ln>
+        </p:spPr>
+        <p:style>
+          <a:lnRef idx="2">
+            <a:schemeClr val="dk1"/>
+          </a:lnRef>
+          <a:fillRef idx="0">
+            <a:schemeClr val="dk1"/>
+          </a:fillRef>
+          <a:effectRef idx="1">
+            <a:schemeClr val="dk1"/>
+          </a:effectRef>
+          <a:fontRef idx="minor">
+            <a:schemeClr val="tx1"/>
+          </a:fontRef>
+        </p:style>
+      </p:cxnSp>
+      <p:sp>
+        <p:nvSpPr>
+          <p:cNvPr id="38" name="Titre 1"/>
+          <p:cNvSpPr>
+            <a:spLocks noGrp="1"/>
+          </p:cNvSpPr>
+          <p:nvPr>
+            <p:ph type="title"/>
+          </p:nvPr>
+        </p:nvSpPr>
+        <p:spPr>
+          <a:xfrm>
+            <a:off x="633806" y="107931"/>
+            <a:ext cx="7876388" cy="1143000"/>
+          </a:xfrm>
+        </p:spPr>
+        <p:txBody>
+          <a:bodyPr/>
+          <a:lstStyle/>
+          <a:p>
+            <a:pPr algn="ctr"/>
+            <a:r>
+              <a:rPr lang="fr-FR" dirty="0" smtClean="0"/>
+              <a:t>I. contexte</a:t>
+            </a:r>
+            <a:endParaRPr lang="fr-FR" dirty="0"/>
+          </a:p>
+        </p:txBody>
+      </p:sp>
     </p:spTree>
     <p:extLst>
       <p:ext uri="{BB962C8B-B14F-4D97-AF65-F5344CB8AC3E}">
@@ -13686,7 +13816,7 @@
 </p:sld>
 </file>
 
-<file path=ppt/slides/slide6.xml><?xml version="1.0" encoding="utf-8"?>
+<file path=ppt/slides/slide5.xml><?xml version="1.0" encoding="utf-8"?>
 <p:sld xmlns:a="http://schemas.openxmlformats.org/drawingml/2006/main" xmlns:r="http://schemas.openxmlformats.org/officeDocument/2006/relationships" xmlns:p="http://schemas.openxmlformats.org/presentationml/2006/main">
   <p:cSld>
     <p:spTree>
@@ -13941,7 +14071,7 @@
           <p:nvPr>
             <p:extLst>
               <p:ext uri="{D42A27DB-BD31-4B8C-83A1-F6EECF244321}">
-                <p14:modId xmlns:p14="http://schemas.microsoft.com/office/powerpoint/2010/main" val="4191307083"/>
+                <p14:modId xmlns:p14="http://schemas.microsoft.com/office/powerpoint/2010/main" val="457019645"/>
               </p:ext>
             </p:extLst>
           </p:nvPr>
@@ -14096,8 +14226,9 @@
                       </a:pPr>
                       <a:r>
                         <a:rPr lang="fr-FR" dirty="0" smtClean="0"/>
-                        <a:t>Portable</a:t>
+                        <a:t>Portable : portage du modèle</a:t>
                       </a:r>
+                      <a:endParaRPr lang="fr-FR" dirty="0" smtClean="0"/>
                     </a:p>
                     <a:p>
                       <a:endParaRPr lang="fr-FR" dirty="0"/>
@@ -14114,6 +14245,260 @@
     <p:extLst>
       <p:ext uri="{BB962C8B-B14F-4D97-AF65-F5344CB8AC3E}">
         <p14:creationId xmlns:p14="http://schemas.microsoft.com/office/powerpoint/2010/main" val="3613355933"/>
+      </p:ext>
+    </p:extLst>
+  </p:cSld>
+  <p:clrMapOvr>
+    <a:masterClrMapping/>
+  </p:clrMapOvr>
+  <mc:AlternateContent xmlns:mc="http://schemas.openxmlformats.org/markup-compatibility/2006" xmlns:p14="http://schemas.microsoft.com/office/powerpoint/2010/main">
+    <mc:Choice Requires="p14">
+      <p:transition spd="med" p14:dur="700">
+        <p:fade/>
+      </p:transition>
+    </mc:Choice>
+    <mc:Fallback xmlns="">
+      <p:transition spd="med">
+        <p:fade/>
+      </p:transition>
+    </mc:Fallback>
+  </mc:AlternateContent>
+  <p:timing>
+    <p:tnLst>
+      <p:par>
+        <p:cTn id="1" dur="indefinite" restart="never" nodeType="tmRoot"/>
+      </p:par>
+    </p:tnLst>
+  </p:timing>
+</p:sld>
+</file>
+
+<file path=ppt/slides/slide6.xml><?xml version="1.0" encoding="utf-8"?>
+<p:sld xmlns:a="http://schemas.openxmlformats.org/drawingml/2006/main" xmlns:r="http://schemas.openxmlformats.org/officeDocument/2006/relationships" xmlns:p="http://schemas.openxmlformats.org/presentationml/2006/main">
+  <p:cSld>
+    <p:spTree>
+      <p:nvGrpSpPr>
+        <p:cNvPr id="1" name=""/>
+        <p:cNvGrpSpPr/>
+        <p:nvPr/>
+      </p:nvGrpSpPr>
+      <p:grpSpPr>
+        <a:xfrm>
+          <a:off x="0" y="0"/>
+          <a:ext cx="0" cy="0"/>
+          <a:chOff x="0" y="0"/>
+          <a:chExt cx="0" cy="0"/>
+        </a:xfrm>
+      </p:grpSpPr>
+      <p:sp>
+        <p:nvSpPr>
+          <p:cNvPr id="2" name="Titre 1"/>
+          <p:cNvSpPr>
+            <a:spLocks noGrp="1"/>
+          </p:cNvSpPr>
+          <p:nvPr>
+            <p:ph type="title"/>
+          </p:nvPr>
+        </p:nvSpPr>
+        <p:spPr>
+          <a:xfrm>
+            <a:off x="633806" y="107931"/>
+            <a:ext cx="7876388" cy="1143000"/>
+          </a:xfrm>
+        </p:spPr>
+        <p:txBody>
+          <a:bodyPr/>
+          <a:lstStyle/>
+          <a:p>
+            <a:pPr algn="ctr"/>
+            <a:r>
+              <a:rPr lang="fr-FR" dirty="0" smtClean="0"/>
+              <a:t>II. </a:t>
+            </a:r>
+            <a:r>
+              <a:rPr lang="fr-FR" dirty="0" err="1" smtClean="0"/>
+              <a:t>realisation</a:t>
+            </a:r>
+            <a:endParaRPr lang="fr-FR" dirty="0"/>
+          </a:p>
+        </p:txBody>
+      </p:sp>
+      <p:sp>
+        <p:nvSpPr>
+          <p:cNvPr id="3" name="Espace réservé du texte 2"/>
+          <p:cNvSpPr>
+            <a:spLocks noGrp="1"/>
+          </p:cNvSpPr>
+          <p:nvPr>
+            <p:ph type="body" sz="quarter" idx="10"/>
+          </p:nvPr>
+        </p:nvSpPr>
+        <p:spPr>
+          <a:xfrm>
+            <a:off x="581892" y="992917"/>
+            <a:ext cx="8409708" cy="541594"/>
+          </a:xfrm>
+        </p:spPr>
+        <p:txBody>
+          <a:bodyPr/>
+          <a:lstStyle/>
+          <a:p>
+            <a:r>
+              <a:rPr lang="fr-FR" dirty="0" smtClean="0"/>
+              <a:t>Avant le début du projet</a:t>
+            </a:r>
+            <a:endParaRPr lang="fr-FR" dirty="0"/>
+          </a:p>
+        </p:txBody>
+      </p:sp>
+      <p:pic>
+        <p:nvPicPr>
+          <p:cNvPr id="14" name="Image 13"/>
+          <p:cNvPicPr>
+            <a:picLocks noChangeAspect="1"/>
+          </p:cNvPicPr>
+          <p:nvPr/>
+        </p:nvPicPr>
+        <p:blipFill>
+          <a:blip r:embed="rId2">
+            <a:extLst>
+              <a:ext uri="{28A0092B-C50C-407E-A947-70E740481C1C}">
+                <a14:useLocalDpi xmlns:a14="http://schemas.microsoft.com/office/drawing/2010/main" val="0"/>
+              </a:ext>
+            </a:extLst>
+          </a:blip>
+          <a:stretch>
+            <a:fillRect/>
+          </a:stretch>
+        </p:blipFill>
+        <p:spPr>
+          <a:xfrm>
+            <a:off x="3384061" y="1667920"/>
+            <a:ext cx="1418468" cy="1268691"/>
+          </a:xfrm>
+          <a:prstGeom prst="rect">
+            <a:avLst/>
+          </a:prstGeom>
+        </p:spPr>
+      </p:pic>
+      <p:sp>
+        <p:nvSpPr>
+          <p:cNvPr id="23" name="Rectangle 22"/>
+          <p:cNvSpPr/>
+          <p:nvPr/>
+        </p:nvSpPr>
+        <p:spPr>
+          <a:xfrm>
+            <a:off x="2969843" y="3107703"/>
+            <a:ext cx="2194767" cy="752807"/>
+          </a:xfrm>
+          <a:prstGeom prst="rect">
+            <a:avLst/>
+          </a:prstGeom>
+          <a:noFill/>
+          <a:ln w="28575">
+            <a:solidFill>
+              <a:schemeClr val="tx2">
+                <a:lumMod val="75000"/>
+              </a:schemeClr>
+            </a:solidFill>
+          </a:ln>
+        </p:spPr>
+        <p:style>
+          <a:lnRef idx="1">
+            <a:schemeClr val="accent1"/>
+          </a:lnRef>
+          <a:fillRef idx="3">
+            <a:schemeClr val="accent1"/>
+          </a:fillRef>
+          <a:effectRef idx="2">
+            <a:schemeClr val="accent1"/>
+          </a:effectRef>
+          <a:fontRef idx="minor">
+            <a:schemeClr val="lt1"/>
+          </a:fontRef>
+        </p:style>
+        <p:txBody>
+          <a:bodyPr rtlCol="0" anchor="ctr"/>
+          <a:lstStyle/>
+          <a:p>
+            <a:pPr algn="ctr"/>
+            <a:endParaRPr lang="fr-FR"/>
+          </a:p>
+        </p:txBody>
+      </p:sp>
+      <p:sp>
+        <p:nvSpPr>
+          <p:cNvPr id="26" name="ZoneTexte 25"/>
+          <p:cNvSpPr txBox="1"/>
+          <p:nvPr/>
+        </p:nvSpPr>
+        <p:spPr>
+          <a:xfrm>
+            <a:off x="3184634" y="3301842"/>
+            <a:ext cx="1818289" cy="369332"/>
+          </a:xfrm>
+          <a:prstGeom prst="rect">
+            <a:avLst/>
+          </a:prstGeom>
+          <a:noFill/>
+        </p:spPr>
+        <p:txBody>
+          <a:bodyPr wrap="square" rtlCol="0">
+            <a:spAutoFit/>
+          </a:bodyPr>
+          <a:lstStyle/>
+          <a:p>
+            <a:pPr algn="ctr"/>
+            <a:r>
+              <a:rPr lang="fr-FR" dirty="0" smtClean="0">
+                <a:effectLst>
+                  <a:outerShdw blurRad="50800" dist="38100" dir="2700000" algn="tl" rotWithShape="0">
+                    <a:prstClr val="black">
+                      <a:alpha val="40000"/>
+                    </a:prstClr>
+                  </a:outerShdw>
+                </a:effectLst>
+              </a:rPr>
+              <a:t>IHM et Modèle</a:t>
+            </a:r>
+          </a:p>
+        </p:txBody>
+      </p:sp>
+      <p:pic>
+        <p:nvPicPr>
+          <p:cNvPr id="32" name="Image 31"/>
+          <p:cNvPicPr>
+            <a:picLocks noChangeAspect="1"/>
+          </p:cNvPicPr>
+          <p:nvPr/>
+        </p:nvPicPr>
+        <p:blipFill>
+          <a:blip r:embed="rId3" cstate="screen">
+            <a:extLst>
+              <a:ext uri="{28A0092B-C50C-407E-A947-70E740481C1C}">
+                <a14:useLocalDpi xmlns:a14="http://schemas.microsoft.com/office/drawing/2010/main" val="0"/>
+              </a:ext>
+            </a:extLst>
+          </a:blip>
+          <a:stretch>
+            <a:fillRect/>
+          </a:stretch>
+        </p:blipFill>
+        <p:spPr>
+          <a:xfrm>
+            <a:off x="3499064" y="3671174"/>
+            <a:ext cx="1189427" cy="1138373"/>
+          </a:xfrm>
+          <a:prstGeom prst="rect">
+            <a:avLst/>
+          </a:prstGeom>
+        </p:spPr>
+      </p:pic>
+    </p:spTree>
+    <p:extLst>
+      <p:ext uri="{BB962C8B-B14F-4D97-AF65-F5344CB8AC3E}">
+        <p14:creationId xmlns:p14="http://schemas.microsoft.com/office/powerpoint/2010/main" val="1581685946"/>
       </p:ext>
     </p:extLst>
   </p:cSld>
@@ -14214,7 +14599,7 @@
           <a:p>
             <a:r>
               <a:rPr lang="fr-FR" dirty="0" smtClean="0"/>
-              <a:t>Avant le début du projet</a:t>
+              <a:t>En janvier</a:t>
             </a:r>
             <a:endParaRPr lang="fr-FR" dirty="0"/>
           </a:p>
@@ -14331,278 +14716,6 @@
               </a:rPr>
               <a:t>IHM et Modèle</a:t>
             </a:r>
-            <a:endParaRPr lang="fr-FR" dirty="0" smtClean="0">
-              <a:effectLst>
-                <a:outerShdw blurRad="50800" dist="38100" dir="2700000" algn="tl" rotWithShape="0">
-                  <a:prstClr val="black">
-                    <a:alpha val="40000"/>
-                  </a:prstClr>
-                </a:outerShdw>
-              </a:effectLst>
-            </a:endParaRPr>
-          </a:p>
-        </p:txBody>
-      </p:sp>
-      <p:pic>
-        <p:nvPicPr>
-          <p:cNvPr id="32" name="Image 31"/>
-          <p:cNvPicPr>
-            <a:picLocks noChangeAspect="1"/>
-          </p:cNvPicPr>
-          <p:nvPr/>
-        </p:nvPicPr>
-        <p:blipFill>
-          <a:blip r:embed="rId3" cstate="screen">
-            <a:extLst>
-              <a:ext uri="{28A0092B-C50C-407E-A947-70E740481C1C}">
-                <a14:useLocalDpi xmlns:a14="http://schemas.microsoft.com/office/drawing/2010/main" val="0"/>
-              </a:ext>
-            </a:extLst>
-          </a:blip>
-          <a:stretch>
-            <a:fillRect/>
-          </a:stretch>
-        </p:blipFill>
-        <p:spPr>
-          <a:xfrm>
-            <a:off x="3499064" y="3671174"/>
-            <a:ext cx="1189427" cy="1138373"/>
-          </a:xfrm>
-          <a:prstGeom prst="rect">
-            <a:avLst/>
-          </a:prstGeom>
-        </p:spPr>
-      </p:pic>
-    </p:spTree>
-    <p:extLst>
-      <p:ext uri="{BB962C8B-B14F-4D97-AF65-F5344CB8AC3E}">
-        <p14:creationId xmlns:p14="http://schemas.microsoft.com/office/powerpoint/2010/main" val="1581685946"/>
-      </p:ext>
-    </p:extLst>
-  </p:cSld>
-  <p:clrMapOvr>
-    <a:masterClrMapping/>
-  </p:clrMapOvr>
-  <mc:AlternateContent xmlns:mc="http://schemas.openxmlformats.org/markup-compatibility/2006" xmlns:p14="http://schemas.microsoft.com/office/powerpoint/2010/main">
-    <mc:Choice Requires="p14">
-      <p:transition spd="med" p14:dur="700">
-        <p:fade/>
-      </p:transition>
-    </mc:Choice>
-    <mc:Fallback xmlns="">
-      <p:transition spd="med">
-        <p:fade/>
-      </p:transition>
-    </mc:Fallback>
-  </mc:AlternateContent>
-  <p:timing>
-    <p:tnLst>
-      <p:par>
-        <p:cTn id="1" dur="indefinite" restart="never" nodeType="tmRoot"/>
-      </p:par>
-    </p:tnLst>
-  </p:timing>
-</p:sld>
-</file>
-
-<file path=ppt/slides/slide8.xml><?xml version="1.0" encoding="utf-8"?>
-<p:sld xmlns:a="http://schemas.openxmlformats.org/drawingml/2006/main" xmlns:r="http://schemas.openxmlformats.org/officeDocument/2006/relationships" xmlns:p="http://schemas.openxmlformats.org/presentationml/2006/main">
-  <p:cSld>
-    <p:spTree>
-      <p:nvGrpSpPr>
-        <p:cNvPr id="1" name=""/>
-        <p:cNvGrpSpPr/>
-        <p:nvPr/>
-      </p:nvGrpSpPr>
-      <p:grpSpPr>
-        <a:xfrm>
-          <a:off x="0" y="0"/>
-          <a:ext cx="0" cy="0"/>
-          <a:chOff x="0" y="0"/>
-          <a:chExt cx="0" cy="0"/>
-        </a:xfrm>
-      </p:grpSpPr>
-      <p:sp>
-        <p:nvSpPr>
-          <p:cNvPr id="2" name="Titre 1"/>
-          <p:cNvSpPr>
-            <a:spLocks noGrp="1"/>
-          </p:cNvSpPr>
-          <p:nvPr>
-            <p:ph type="title"/>
-          </p:nvPr>
-        </p:nvSpPr>
-        <p:spPr>
-          <a:xfrm>
-            <a:off x="633806" y="107931"/>
-            <a:ext cx="7876388" cy="1143000"/>
-          </a:xfrm>
-        </p:spPr>
-        <p:txBody>
-          <a:bodyPr/>
-          <a:lstStyle/>
-          <a:p>
-            <a:pPr algn="ctr"/>
-            <a:r>
-              <a:rPr lang="fr-FR" dirty="0" smtClean="0"/>
-              <a:t>II. </a:t>
-            </a:r>
-            <a:r>
-              <a:rPr lang="fr-FR" dirty="0" err="1" smtClean="0"/>
-              <a:t>realisation</a:t>
-            </a:r>
-            <a:endParaRPr lang="fr-FR" dirty="0"/>
-          </a:p>
-        </p:txBody>
-      </p:sp>
-      <p:sp>
-        <p:nvSpPr>
-          <p:cNvPr id="3" name="Espace réservé du texte 2"/>
-          <p:cNvSpPr>
-            <a:spLocks noGrp="1"/>
-          </p:cNvSpPr>
-          <p:nvPr>
-            <p:ph type="body" sz="quarter" idx="10"/>
-          </p:nvPr>
-        </p:nvSpPr>
-        <p:spPr>
-          <a:xfrm>
-            <a:off x="581892" y="992917"/>
-            <a:ext cx="8409708" cy="541594"/>
-          </a:xfrm>
-        </p:spPr>
-        <p:txBody>
-          <a:bodyPr/>
-          <a:lstStyle/>
-          <a:p>
-            <a:r>
-              <a:rPr lang="fr-FR" dirty="0" smtClean="0"/>
-              <a:t>En janvier</a:t>
-            </a:r>
-            <a:endParaRPr lang="fr-FR" dirty="0"/>
-          </a:p>
-        </p:txBody>
-      </p:sp>
-      <p:pic>
-        <p:nvPicPr>
-          <p:cNvPr id="14" name="Image 13"/>
-          <p:cNvPicPr>
-            <a:picLocks noChangeAspect="1"/>
-          </p:cNvPicPr>
-          <p:nvPr/>
-        </p:nvPicPr>
-        <p:blipFill>
-          <a:blip r:embed="rId2">
-            <a:extLst>
-              <a:ext uri="{28A0092B-C50C-407E-A947-70E740481C1C}">
-                <a14:useLocalDpi xmlns:a14="http://schemas.microsoft.com/office/drawing/2010/main" val="0"/>
-              </a:ext>
-            </a:extLst>
-          </a:blip>
-          <a:stretch>
-            <a:fillRect/>
-          </a:stretch>
-        </p:blipFill>
-        <p:spPr>
-          <a:xfrm>
-            <a:off x="3384061" y="1667920"/>
-            <a:ext cx="1418468" cy="1268691"/>
-          </a:xfrm>
-          <a:prstGeom prst="rect">
-            <a:avLst/>
-          </a:prstGeom>
-        </p:spPr>
-      </p:pic>
-      <p:sp>
-        <p:nvSpPr>
-          <p:cNvPr id="23" name="Rectangle 22"/>
-          <p:cNvSpPr/>
-          <p:nvPr/>
-        </p:nvSpPr>
-        <p:spPr>
-          <a:xfrm>
-            <a:off x="2969843" y="3107703"/>
-            <a:ext cx="2194767" cy="752807"/>
-          </a:xfrm>
-          <a:prstGeom prst="rect">
-            <a:avLst/>
-          </a:prstGeom>
-          <a:noFill/>
-          <a:ln w="28575">
-            <a:solidFill>
-              <a:schemeClr val="tx2">
-                <a:lumMod val="75000"/>
-              </a:schemeClr>
-            </a:solidFill>
-          </a:ln>
-        </p:spPr>
-        <p:style>
-          <a:lnRef idx="1">
-            <a:schemeClr val="accent1"/>
-          </a:lnRef>
-          <a:fillRef idx="3">
-            <a:schemeClr val="accent1"/>
-          </a:fillRef>
-          <a:effectRef idx="2">
-            <a:schemeClr val="accent1"/>
-          </a:effectRef>
-          <a:fontRef idx="minor">
-            <a:schemeClr val="lt1"/>
-          </a:fontRef>
-        </p:style>
-        <p:txBody>
-          <a:bodyPr rtlCol="0" anchor="ctr"/>
-          <a:lstStyle/>
-          <a:p>
-            <a:pPr algn="ctr"/>
-            <a:endParaRPr lang="fr-FR"/>
-          </a:p>
-        </p:txBody>
-      </p:sp>
-      <p:sp>
-        <p:nvSpPr>
-          <p:cNvPr id="26" name="ZoneTexte 25"/>
-          <p:cNvSpPr txBox="1"/>
-          <p:nvPr/>
-        </p:nvSpPr>
-        <p:spPr>
-          <a:xfrm>
-            <a:off x="3184634" y="3301842"/>
-            <a:ext cx="1818289" cy="369332"/>
-          </a:xfrm>
-          <a:prstGeom prst="rect">
-            <a:avLst/>
-          </a:prstGeom>
-          <a:noFill/>
-        </p:spPr>
-        <p:txBody>
-          <a:bodyPr wrap="square" rtlCol="0">
-            <a:spAutoFit/>
-          </a:bodyPr>
-          <a:lstStyle/>
-          <a:p>
-            <a:pPr algn="ctr"/>
-            <a:r>
-              <a:rPr lang="fr-FR" dirty="0" smtClean="0">
-                <a:effectLst>
-                  <a:outerShdw blurRad="50800" dist="38100" dir="2700000" algn="tl" rotWithShape="0">
-                    <a:prstClr val="black">
-                      <a:alpha val="40000"/>
-                    </a:prstClr>
-                  </a:outerShdw>
-                </a:effectLst>
-              </a:rPr>
-              <a:t>IHM et Modèle</a:t>
-            </a:r>
-            <a:endParaRPr lang="fr-FR" dirty="0" smtClean="0">
-              <a:effectLst>
-                <a:outerShdw blurRad="50800" dist="38100" dir="2700000" algn="tl" rotWithShape="0">
-                  <a:prstClr val="black">
-                    <a:alpha val="40000"/>
-                  </a:prstClr>
-                </a:outerShdw>
-              </a:effectLst>
-            </a:endParaRPr>
           </a:p>
         </p:txBody>
       </p:sp>
@@ -14866,15 +14979,6 @@
               </a:rPr>
               <a:t>DLL</a:t>
             </a:r>
-            <a:endParaRPr lang="fr-FR" dirty="0" smtClean="0">
-              <a:effectLst>
-                <a:outerShdw blurRad="50800" dist="38100" dir="2700000" algn="tl" rotWithShape="0">
-                  <a:prstClr val="black">
-                    <a:alpha val="40000"/>
-                  </a:prstClr>
-                </a:outerShdw>
-              </a:effectLst>
-            </a:endParaRPr>
           </a:p>
         </p:txBody>
       </p:sp>
@@ -15019,7 +15123,7 @@
 </p:sld>
 </file>
 
-<file path=ppt/slides/slide9.xml><?xml version="1.0" encoding="utf-8"?>
+<file path=ppt/slides/slide8.xml><?xml version="1.0" encoding="utf-8"?>
 <p:sld xmlns:a="http://schemas.openxmlformats.org/drawingml/2006/main" xmlns:r="http://schemas.openxmlformats.org/officeDocument/2006/relationships" xmlns:p="http://schemas.openxmlformats.org/presentationml/2006/main">
   <p:cSld>
     <p:spTree>
@@ -15458,15 +15562,6 @@
               </a:rPr>
               <a:t>DLL</a:t>
             </a:r>
-            <a:endParaRPr lang="fr-FR" dirty="0" smtClean="0">
-              <a:effectLst>
-                <a:outerShdw blurRad="50800" dist="38100" dir="2700000" algn="tl" rotWithShape="0">
-                  <a:prstClr val="black">
-                    <a:alpha val="40000"/>
-                  </a:prstClr>
-                </a:outerShdw>
-              </a:effectLst>
-            </a:endParaRPr>
           </a:p>
         </p:txBody>
       </p:sp>
@@ -15647,15 +15742,6 @@
               </a:rPr>
               <a:t>DLL</a:t>
             </a:r>
-            <a:endParaRPr lang="fr-FR" dirty="0" smtClean="0">
-              <a:effectLst>
-                <a:outerShdw blurRad="50800" dist="38100" dir="2700000" algn="tl" rotWithShape="0">
-                  <a:prstClr val="black">
-                    <a:alpha val="40000"/>
-                  </a:prstClr>
-                </a:outerShdw>
-              </a:effectLst>
-            </a:endParaRPr>
           </a:p>
         </p:txBody>
       </p:sp>
@@ -15770,6 +15856,1037 @@
     <p:extLst>
       <p:ext uri="{BB962C8B-B14F-4D97-AF65-F5344CB8AC3E}">
         <p14:creationId xmlns:p14="http://schemas.microsoft.com/office/powerpoint/2010/main" val="260101699"/>
+      </p:ext>
+    </p:extLst>
+  </p:cSld>
+  <p:clrMapOvr>
+    <a:masterClrMapping/>
+  </p:clrMapOvr>
+  <mc:AlternateContent xmlns:mc="http://schemas.openxmlformats.org/markup-compatibility/2006" xmlns:p14="http://schemas.microsoft.com/office/powerpoint/2010/main">
+    <mc:Choice Requires="p14">
+      <p:transition spd="med" p14:dur="700">
+        <p:fade/>
+      </p:transition>
+    </mc:Choice>
+    <mc:Fallback xmlns="">
+      <p:transition spd="med">
+        <p:fade/>
+      </p:transition>
+    </mc:Fallback>
+  </mc:AlternateContent>
+  <p:timing>
+    <p:tnLst>
+      <p:par>
+        <p:cTn id="1" dur="indefinite" restart="never" nodeType="tmRoot"/>
+      </p:par>
+    </p:tnLst>
+  </p:timing>
+</p:sld>
+</file>
+
+<file path=ppt/slides/slide9.xml><?xml version="1.0" encoding="utf-8"?>
+<p:sld xmlns:a="http://schemas.openxmlformats.org/drawingml/2006/main" xmlns:r="http://schemas.openxmlformats.org/officeDocument/2006/relationships" xmlns:p="http://schemas.openxmlformats.org/presentationml/2006/main">
+  <p:cSld>
+    <p:spTree>
+      <p:nvGrpSpPr>
+        <p:cNvPr id="1" name=""/>
+        <p:cNvGrpSpPr/>
+        <p:nvPr/>
+      </p:nvGrpSpPr>
+      <p:grpSpPr>
+        <a:xfrm>
+          <a:off x="0" y="0"/>
+          <a:ext cx="0" cy="0"/>
+          <a:chOff x="0" y="0"/>
+          <a:chExt cx="0" cy="0"/>
+        </a:xfrm>
+      </p:grpSpPr>
+      <p:sp>
+        <p:nvSpPr>
+          <p:cNvPr id="2" name="Titre 1"/>
+          <p:cNvSpPr>
+            <a:spLocks noGrp="1"/>
+          </p:cNvSpPr>
+          <p:nvPr>
+            <p:ph type="title"/>
+          </p:nvPr>
+        </p:nvSpPr>
+        <p:spPr>
+          <a:xfrm>
+            <a:off x="633806" y="107931"/>
+            <a:ext cx="7876388" cy="1143000"/>
+          </a:xfrm>
+        </p:spPr>
+        <p:txBody>
+          <a:bodyPr/>
+          <a:lstStyle/>
+          <a:p>
+            <a:pPr algn="ctr"/>
+            <a:r>
+              <a:rPr lang="fr-FR" dirty="0" smtClean="0"/>
+              <a:t>II. </a:t>
+            </a:r>
+            <a:r>
+              <a:rPr lang="fr-FR" dirty="0" err="1" smtClean="0"/>
+              <a:t>realisation</a:t>
+            </a:r>
+            <a:endParaRPr lang="fr-FR" dirty="0"/>
+          </a:p>
+        </p:txBody>
+      </p:sp>
+      <p:sp>
+        <p:nvSpPr>
+          <p:cNvPr id="3" name="Espace réservé du texte 2"/>
+          <p:cNvSpPr>
+            <a:spLocks noGrp="1"/>
+          </p:cNvSpPr>
+          <p:nvPr>
+            <p:ph type="body" sz="quarter" idx="10"/>
+          </p:nvPr>
+        </p:nvSpPr>
+        <p:spPr>
+          <a:xfrm>
+            <a:off x="581892" y="992917"/>
+            <a:ext cx="8409708" cy="541594"/>
+          </a:xfrm>
+        </p:spPr>
+        <p:txBody>
+          <a:bodyPr/>
+          <a:lstStyle/>
+          <a:p>
+            <a:r>
+              <a:rPr lang="fr-FR" dirty="0" smtClean="0"/>
+              <a:t>Ce deuxième semestre</a:t>
+            </a:r>
+            <a:endParaRPr lang="fr-FR" dirty="0"/>
+          </a:p>
+        </p:txBody>
+      </p:sp>
+      <p:pic>
+        <p:nvPicPr>
+          <p:cNvPr id="14" name="Image 13"/>
+          <p:cNvPicPr>
+            <a:picLocks noChangeAspect="1"/>
+          </p:cNvPicPr>
+          <p:nvPr/>
+        </p:nvPicPr>
+        <p:blipFill>
+          <a:blip r:embed="rId2">
+            <a:extLst>
+              <a:ext uri="{28A0092B-C50C-407E-A947-70E740481C1C}">
+                <a14:useLocalDpi xmlns:a14="http://schemas.microsoft.com/office/drawing/2010/main" val="0"/>
+              </a:ext>
+            </a:extLst>
+          </a:blip>
+          <a:stretch>
+            <a:fillRect/>
+          </a:stretch>
+        </p:blipFill>
+        <p:spPr>
+          <a:xfrm>
+            <a:off x="3384061" y="1667920"/>
+            <a:ext cx="1418468" cy="1268691"/>
+          </a:xfrm>
+          <a:prstGeom prst="rect">
+            <a:avLst/>
+          </a:prstGeom>
+        </p:spPr>
+      </p:pic>
+      <p:pic>
+        <p:nvPicPr>
+          <p:cNvPr id="8" name="Image 7"/>
+          <p:cNvPicPr>
+            <a:picLocks noChangeAspect="1"/>
+          </p:cNvPicPr>
+          <p:nvPr/>
+        </p:nvPicPr>
+        <p:blipFill>
+          <a:blip r:embed="rId3" cstate="screen">
+            <a:extLst>
+              <a:ext uri="{28A0092B-C50C-407E-A947-70E740481C1C}">
+                <a14:useLocalDpi xmlns:a14="http://schemas.microsoft.com/office/drawing/2010/main" val="0"/>
+              </a:ext>
+            </a:extLst>
+          </a:blip>
+          <a:stretch>
+            <a:fillRect/>
+          </a:stretch>
+        </p:blipFill>
+        <p:spPr>
+          <a:xfrm>
+            <a:off x="7853061" y="1429364"/>
+            <a:ext cx="679366" cy="510883"/>
+          </a:xfrm>
+          <a:prstGeom prst="rect">
+            <a:avLst/>
+          </a:prstGeom>
+        </p:spPr>
+      </p:pic>
+      <p:pic>
+        <p:nvPicPr>
+          <p:cNvPr id="9" name="Image 8"/>
+          <p:cNvPicPr>
+            <a:picLocks noChangeAspect="1"/>
+          </p:cNvPicPr>
+          <p:nvPr/>
+        </p:nvPicPr>
+        <p:blipFill>
+          <a:blip r:embed="rId4" cstate="screen">
+            <a:extLst>
+              <a:ext uri="{28A0092B-C50C-407E-A947-70E740481C1C}">
+                <a14:useLocalDpi xmlns:a14="http://schemas.microsoft.com/office/drawing/2010/main" val="0"/>
+              </a:ext>
+            </a:extLst>
+          </a:blip>
+          <a:stretch>
+            <a:fillRect/>
+          </a:stretch>
+        </p:blipFill>
+        <p:spPr>
+          <a:xfrm rot="10800000">
+            <a:off x="7007672" y="1477671"/>
+            <a:ext cx="402652" cy="402652"/>
+          </a:xfrm>
+          <a:prstGeom prst="rect">
+            <a:avLst/>
+          </a:prstGeom>
+        </p:spPr>
+      </p:pic>
+      <p:pic>
+        <p:nvPicPr>
+          <p:cNvPr id="10" name="Image 9"/>
+          <p:cNvPicPr>
+            <a:picLocks noChangeAspect="1"/>
+          </p:cNvPicPr>
+          <p:nvPr/>
+        </p:nvPicPr>
+        <p:blipFill>
+          <a:blip r:embed="rId5" cstate="screen">
+            <a:extLst>
+              <a:ext uri="{28A0092B-C50C-407E-A947-70E740481C1C}">
+                <a14:useLocalDpi xmlns:a14="http://schemas.microsoft.com/office/drawing/2010/main" val="0"/>
+              </a:ext>
+            </a:extLst>
+          </a:blip>
+          <a:stretch>
+            <a:fillRect/>
+          </a:stretch>
+        </p:blipFill>
+        <p:spPr>
+          <a:xfrm>
+            <a:off x="5820537" y="1345601"/>
+            <a:ext cx="794871" cy="678410"/>
+          </a:xfrm>
+          <a:prstGeom prst="rect">
+            <a:avLst/>
+          </a:prstGeom>
+        </p:spPr>
+      </p:pic>
+      <p:pic>
+        <p:nvPicPr>
+          <p:cNvPr id="11" name="Image 10"/>
+          <p:cNvPicPr>
+            <a:picLocks noChangeAspect="1"/>
+          </p:cNvPicPr>
+          <p:nvPr/>
+        </p:nvPicPr>
+        <p:blipFill>
+          <a:blip r:embed="rId6" cstate="screen">
+            <a:extLst>
+              <a:ext uri="{28A0092B-C50C-407E-A947-70E740481C1C}">
+                <a14:useLocalDpi xmlns:a14="http://schemas.microsoft.com/office/drawing/2010/main" val="0"/>
+              </a:ext>
+            </a:extLst>
+          </a:blip>
+          <a:stretch>
+            <a:fillRect/>
+          </a:stretch>
+        </p:blipFill>
+        <p:spPr>
+          <a:xfrm>
+            <a:off x="5770113" y="2955379"/>
+            <a:ext cx="884715" cy="782731"/>
+          </a:xfrm>
+          <a:prstGeom prst="rect">
+            <a:avLst/>
+          </a:prstGeom>
+        </p:spPr>
+      </p:pic>
+      <p:pic>
+        <p:nvPicPr>
+          <p:cNvPr id="12" name="Image 11"/>
+          <p:cNvPicPr>
+            <a:picLocks noChangeAspect="1"/>
+          </p:cNvPicPr>
+          <p:nvPr/>
+        </p:nvPicPr>
+        <p:blipFill>
+          <a:blip r:embed="rId7" cstate="screen">
+            <a:extLst>
+              <a:ext uri="{28A0092B-C50C-407E-A947-70E740481C1C}">
+                <a14:useLocalDpi xmlns:a14="http://schemas.microsoft.com/office/drawing/2010/main" val="0"/>
+              </a:ext>
+            </a:extLst>
+          </a:blip>
+          <a:stretch>
+            <a:fillRect/>
+          </a:stretch>
+        </p:blipFill>
+        <p:spPr>
+          <a:xfrm>
+            <a:off x="5924313" y="2249583"/>
+            <a:ext cx="609960" cy="609960"/>
+          </a:xfrm>
+          <a:prstGeom prst="rect">
+            <a:avLst/>
+          </a:prstGeom>
+        </p:spPr>
+      </p:pic>
+      <p:pic>
+        <p:nvPicPr>
+          <p:cNvPr id="17" name="Image 16"/>
+          <p:cNvPicPr>
+            <a:picLocks noChangeAspect="1"/>
+          </p:cNvPicPr>
+          <p:nvPr/>
+        </p:nvPicPr>
+        <p:blipFill>
+          <a:blip r:embed="rId8" cstate="screen">
+            <a:extLst>
+              <a:ext uri="{28A0092B-C50C-407E-A947-70E740481C1C}">
+                <a14:useLocalDpi xmlns:a14="http://schemas.microsoft.com/office/drawing/2010/main" val="0"/>
+              </a:ext>
+            </a:extLst>
+          </a:blip>
+          <a:stretch>
+            <a:fillRect/>
+          </a:stretch>
+        </p:blipFill>
+        <p:spPr>
+          <a:xfrm>
+            <a:off x="7495922" y="3029753"/>
+            <a:ext cx="914419" cy="890380"/>
+          </a:xfrm>
+          <a:prstGeom prst="rect">
+            <a:avLst/>
+          </a:prstGeom>
+        </p:spPr>
+      </p:pic>
+      <p:sp>
+        <p:nvSpPr>
+          <p:cNvPr id="18" name="Rectangle 17"/>
+          <p:cNvSpPr/>
+          <p:nvPr/>
+        </p:nvSpPr>
+        <p:spPr>
+          <a:xfrm>
+            <a:off x="2969843" y="3107703"/>
+            <a:ext cx="967141" cy="752807"/>
+          </a:xfrm>
+          <a:prstGeom prst="rect">
+            <a:avLst/>
+          </a:prstGeom>
+          <a:noFill/>
+          <a:ln w="28575">
+            <a:solidFill>
+              <a:schemeClr val="tx2">
+                <a:lumMod val="75000"/>
+              </a:schemeClr>
+            </a:solidFill>
+          </a:ln>
+        </p:spPr>
+        <p:style>
+          <a:lnRef idx="1">
+            <a:schemeClr val="accent1"/>
+          </a:lnRef>
+          <a:fillRef idx="3">
+            <a:schemeClr val="accent1"/>
+          </a:fillRef>
+          <a:effectRef idx="2">
+            <a:schemeClr val="accent1"/>
+          </a:effectRef>
+          <a:fontRef idx="minor">
+            <a:schemeClr val="lt1"/>
+          </a:fontRef>
+        </p:style>
+        <p:txBody>
+          <a:bodyPr rtlCol="0" anchor="ctr"/>
+          <a:lstStyle/>
+          <a:p>
+            <a:pPr algn="ctr"/>
+            <a:endParaRPr lang="fr-FR"/>
+          </a:p>
+        </p:txBody>
+      </p:sp>
+      <p:sp>
+        <p:nvSpPr>
+          <p:cNvPr id="19" name="Rectangle 18"/>
+          <p:cNvSpPr/>
+          <p:nvPr/>
+        </p:nvSpPr>
+        <p:spPr>
+          <a:xfrm>
+            <a:off x="4197469" y="3112697"/>
+            <a:ext cx="967141" cy="752807"/>
+          </a:xfrm>
+          <a:prstGeom prst="rect">
+            <a:avLst/>
+          </a:prstGeom>
+          <a:noFill/>
+          <a:ln w="28575">
+            <a:solidFill>
+              <a:schemeClr val="accent1">
+                <a:lumMod val="60000"/>
+                <a:lumOff val="40000"/>
+              </a:schemeClr>
+            </a:solidFill>
+          </a:ln>
+        </p:spPr>
+        <p:style>
+          <a:lnRef idx="1">
+            <a:schemeClr val="accent1"/>
+          </a:lnRef>
+          <a:fillRef idx="3">
+            <a:schemeClr val="accent1"/>
+          </a:fillRef>
+          <a:effectRef idx="2">
+            <a:schemeClr val="accent1"/>
+          </a:effectRef>
+          <a:fontRef idx="minor">
+            <a:schemeClr val="lt1"/>
+          </a:fontRef>
+        </p:style>
+        <p:txBody>
+          <a:bodyPr rtlCol="0" anchor="ctr"/>
+          <a:lstStyle/>
+          <a:p>
+            <a:pPr algn="ctr"/>
+            <a:endParaRPr lang="fr-FR"/>
+          </a:p>
+        </p:txBody>
+      </p:sp>
+      <p:sp>
+        <p:nvSpPr>
+          <p:cNvPr id="20" name="ZoneTexte 19"/>
+          <p:cNvSpPr txBox="1"/>
+          <p:nvPr/>
+        </p:nvSpPr>
+        <p:spPr>
+          <a:xfrm>
+            <a:off x="3105628" y="3290277"/>
+            <a:ext cx="695569" cy="369332"/>
+          </a:xfrm>
+          <a:prstGeom prst="rect">
+            <a:avLst/>
+          </a:prstGeom>
+          <a:noFill/>
+        </p:spPr>
+        <p:txBody>
+          <a:bodyPr wrap="square" rtlCol="0">
+            <a:spAutoFit/>
+          </a:bodyPr>
+          <a:lstStyle/>
+          <a:p>
+            <a:pPr algn="ctr"/>
+            <a:r>
+              <a:rPr lang="fr-FR" dirty="0" smtClean="0">
+                <a:effectLst>
+                  <a:outerShdw blurRad="50800" dist="38100" dir="2700000" algn="tl" rotWithShape="0">
+                    <a:prstClr val="black">
+                      <a:alpha val="40000"/>
+                    </a:prstClr>
+                  </a:outerShdw>
+                </a:effectLst>
+              </a:rPr>
+              <a:t>IHM</a:t>
+            </a:r>
+          </a:p>
+        </p:txBody>
+      </p:sp>
+      <p:sp>
+        <p:nvSpPr>
+          <p:cNvPr id="21" name="ZoneTexte 20"/>
+          <p:cNvSpPr txBox="1"/>
+          <p:nvPr/>
+        </p:nvSpPr>
+        <p:spPr>
+          <a:xfrm>
+            <a:off x="4213274" y="3163764"/>
+            <a:ext cx="935529" cy="646331"/>
+          </a:xfrm>
+          <a:prstGeom prst="rect">
+            <a:avLst/>
+          </a:prstGeom>
+          <a:noFill/>
+        </p:spPr>
+        <p:txBody>
+          <a:bodyPr wrap="square" rtlCol="0">
+            <a:spAutoFit/>
+          </a:bodyPr>
+          <a:lstStyle/>
+          <a:p>
+            <a:pPr algn="ctr"/>
+            <a:r>
+              <a:rPr lang="fr-FR" dirty="0" smtClean="0">
+                <a:effectLst>
+                  <a:outerShdw blurRad="50800" dist="38100" dir="2700000" algn="tl" rotWithShape="0">
+                    <a:prstClr val="black">
+                      <a:alpha val="40000"/>
+                    </a:prstClr>
+                  </a:outerShdw>
+                </a:effectLst>
+              </a:rPr>
+              <a:t>Modèle</a:t>
+            </a:r>
+          </a:p>
+          <a:p>
+            <a:pPr algn="ctr"/>
+            <a:r>
+              <a:rPr lang="fr-FR" dirty="0" smtClean="0">
+                <a:effectLst>
+                  <a:outerShdw blurRad="50800" dist="38100" dir="2700000" algn="tl" rotWithShape="0">
+                    <a:prstClr val="black">
+                      <a:alpha val="40000"/>
+                    </a:prstClr>
+                  </a:outerShdw>
+                </a:effectLst>
+              </a:rPr>
+              <a:t>DLL</a:t>
+            </a:r>
+          </a:p>
+        </p:txBody>
+      </p:sp>
+      <p:cxnSp>
+        <p:nvCxnSpPr>
+          <p:cNvPr id="22" name="Connecteur droit avec flèche 21"/>
+          <p:cNvCxnSpPr>
+            <a:stCxn id="18" idx="3"/>
+            <a:endCxn id="19" idx="1"/>
+          </p:cNvCxnSpPr>
+          <p:nvPr/>
+        </p:nvCxnSpPr>
+        <p:spPr>
+          <a:xfrm>
+            <a:off x="3936984" y="3484107"/>
+            <a:ext cx="260485" cy="4994"/>
+          </a:xfrm>
+          <a:prstGeom prst="straightConnector1">
+            <a:avLst/>
+          </a:prstGeom>
+          <a:ln>
+            <a:headEnd type="triangle"/>
+            <a:tailEnd type="triangle"/>
+          </a:ln>
+        </p:spPr>
+        <p:style>
+          <a:lnRef idx="2">
+            <a:schemeClr val="dk1"/>
+          </a:lnRef>
+          <a:fillRef idx="0">
+            <a:schemeClr val="dk1"/>
+          </a:fillRef>
+          <a:effectRef idx="1">
+            <a:schemeClr val="dk1"/>
+          </a:effectRef>
+          <a:fontRef idx="minor">
+            <a:schemeClr val="tx1"/>
+          </a:fontRef>
+        </p:style>
+      </p:cxnSp>
+      <p:pic>
+        <p:nvPicPr>
+          <p:cNvPr id="24" name="Image 23"/>
+          <p:cNvPicPr>
+            <a:picLocks noChangeAspect="1"/>
+          </p:cNvPicPr>
+          <p:nvPr/>
+        </p:nvPicPr>
+        <p:blipFill>
+          <a:blip r:embed="rId9" cstate="screen">
+            <a:extLst>
+              <a:ext uri="{28A0092B-C50C-407E-A947-70E740481C1C}">
+                <a14:useLocalDpi xmlns:a14="http://schemas.microsoft.com/office/drawing/2010/main" val="0"/>
+              </a:ext>
+            </a:extLst>
+          </a:blip>
+          <a:stretch>
+            <a:fillRect/>
+          </a:stretch>
+        </p:blipFill>
+        <p:spPr>
+          <a:xfrm>
+            <a:off x="4304840" y="3975672"/>
+            <a:ext cx="752398" cy="732618"/>
+          </a:xfrm>
+          <a:prstGeom prst="rect">
+            <a:avLst/>
+          </a:prstGeom>
+        </p:spPr>
+      </p:pic>
+      <p:pic>
+        <p:nvPicPr>
+          <p:cNvPr id="25" name="Image 24"/>
+          <p:cNvPicPr>
+            <a:picLocks noChangeAspect="1"/>
+          </p:cNvPicPr>
+          <p:nvPr/>
+        </p:nvPicPr>
+        <p:blipFill>
+          <a:blip r:embed="rId10" cstate="screen">
+            <a:extLst>
+              <a:ext uri="{28A0092B-C50C-407E-A947-70E740481C1C}">
+                <a14:useLocalDpi xmlns:a14="http://schemas.microsoft.com/office/drawing/2010/main" val="0"/>
+              </a:ext>
+            </a:extLst>
+          </a:blip>
+          <a:stretch>
+            <a:fillRect/>
+          </a:stretch>
+        </p:blipFill>
+        <p:spPr>
+          <a:xfrm>
+            <a:off x="2992160" y="3910739"/>
+            <a:ext cx="922503" cy="882906"/>
+          </a:xfrm>
+          <a:prstGeom prst="rect">
+            <a:avLst/>
+          </a:prstGeom>
+        </p:spPr>
+      </p:pic>
+      <p:pic>
+        <p:nvPicPr>
+          <p:cNvPr id="23" name="Image 22"/>
+          <p:cNvPicPr>
+            <a:picLocks noChangeAspect="1"/>
+          </p:cNvPicPr>
+          <p:nvPr/>
+        </p:nvPicPr>
+        <p:blipFill>
+          <a:blip r:embed="rId3" cstate="screen">
+            <a:extLst>
+              <a:ext uri="{28A0092B-C50C-407E-A947-70E740481C1C}">
+                <a14:useLocalDpi xmlns:a14="http://schemas.microsoft.com/office/drawing/2010/main" val="0"/>
+              </a:ext>
+            </a:extLst>
+          </a:blip>
+          <a:stretch>
+            <a:fillRect/>
+          </a:stretch>
+        </p:blipFill>
+        <p:spPr>
+          <a:xfrm>
+            <a:off x="7853061" y="1429364"/>
+            <a:ext cx="679366" cy="510883"/>
+          </a:xfrm>
+          <a:prstGeom prst="rect">
+            <a:avLst/>
+          </a:prstGeom>
+        </p:spPr>
+      </p:pic>
+      <p:pic>
+        <p:nvPicPr>
+          <p:cNvPr id="26" name="Image 25"/>
+          <p:cNvPicPr>
+            <a:picLocks noChangeAspect="1"/>
+          </p:cNvPicPr>
+          <p:nvPr/>
+        </p:nvPicPr>
+        <p:blipFill>
+          <a:blip r:embed="rId11" cstate="screen">
+            <a:extLst>
+              <a:ext uri="{28A0092B-C50C-407E-A947-70E740481C1C}">
+                <a14:useLocalDpi xmlns:a14="http://schemas.microsoft.com/office/drawing/2010/main" val="0"/>
+              </a:ext>
+            </a:extLst>
+          </a:blip>
+          <a:stretch>
+            <a:fillRect/>
+          </a:stretch>
+        </p:blipFill>
+        <p:spPr>
+          <a:xfrm>
+            <a:off x="5770113" y="4708770"/>
+            <a:ext cx="875600" cy="875600"/>
+          </a:xfrm>
+          <a:prstGeom prst="rect">
+            <a:avLst/>
+          </a:prstGeom>
+        </p:spPr>
+      </p:pic>
+      <p:pic>
+        <p:nvPicPr>
+          <p:cNvPr id="27" name="Image 26"/>
+          <p:cNvPicPr>
+            <a:picLocks noChangeAspect="1"/>
+          </p:cNvPicPr>
+          <p:nvPr/>
+        </p:nvPicPr>
+        <p:blipFill>
+          <a:blip r:embed="rId4" cstate="screen">
+            <a:extLst>
+              <a:ext uri="{28A0092B-C50C-407E-A947-70E740481C1C}">
+                <a14:useLocalDpi xmlns:a14="http://schemas.microsoft.com/office/drawing/2010/main" val="0"/>
+              </a:ext>
+            </a:extLst>
+          </a:blip>
+          <a:stretch>
+            <a:fillRect/>
+          </a:stretch>
+        </p:blipFill>
+        <p:spPr>
+          <a:xfrm rot="10800000">
+            <a:off x="7007672" y="1477671"/>
+            <a:ext cx="402652" cy="402652"/>
+          </a:xfrm>
+          <a:prstGeom prst="rect">
+            <a:avLst/>
+          </a:prstGeom>
+        </p:spPr>
+      </p:pic>
+      <p:pic>
+        <p:nvPicPr>
+          <p:cNvPr id="28" name="Image 27"/>
+          <p:cNvPicPr>
+            <a:picLocks noChangeAspect="1"/>
+          </p:cNvPicPr>
+          <p:nvPr/>
+        </p:nvPicPr>
+        <p:blipFill>
+          <a:blip r:embed="rId5" cstate="screen">
+            <a:extLst>
+              <a:ext uri="{28A0092B-C50C-407E-A947-70E740481C1C}">
+                <a14:useLocalDpi xmlns:a14="http://schemas.microsoft.com/office/drawing/2010/main" val="0"/>
+              </a:ext>
+            </a:extLst>
+          </a:blip>
+          <a:stretch>
+            <a:fillRect/>
+          </a:stretch>
+        </p:blipFill>
+        <p:spPr>
+          <a:xfrm>
+            <a:off x="5820537" y="1345601"/>
+            <a:ext cx="794871" cy="678410"/>
+          </a:xfrm>
+          <a:prstGeom prst="rect">
+            <a:avLst/>
+          </a:prstGeom>
+        </p:spPr>
+      </p:pic>
+      <p:pic>
+        <p:nvPicPr>
+          <p:cNvPr id="29" name="Image 28"/>
+          <p:cNvPicPr>
+            <a:picLocks noChangeAspect="1"/>
+          </p:cNvPicPr>
+          <p:nvPr/>
+        </p:nvPicPr>
+        <p:blipFill>
+          <a:blip r:embed="rId6" cstate="screen">
+            <a:extLst>
+              <a:ext uri="{28A0092B-C50C-407E-A947-70E740481C1C}">
+                <a14:useLocalDpi xmlns:a14="http://schemas.microsoft.com/office/drawing/2010/main" val="0"/>
+              </a:ext>
+            </a:extLst>
+          </a:blip>
+          <a:stretch>
+            <a:fillRect/>
+          </a:stretch>
+        </p:blipFill>
+        <p:spPr>
+          <a:xfrm>
+            <a:off x="5770113" y="2955379"/>
+            <a:ext cx="884715" cy="782731"/>
+          </a:xfrm>
+          <a:prstGeom prst="rect">
+            <a:avLst/>
+          </a:prstGeom>
+        </p:spPr>
+      </p:pic>
+      <p:pic>
+        <p:nvPicPr>
+          <p:cNvPr id="30" name="Image 29"/>
+          <p:cNvPicPr>
+            <a:picLocks noChangeAspect="1"/>
+          </p:cNvPicPr>
+          <p:nvPr/>
+        </p:nvPicPr>
+        <p:blipFill>
+          <a:blip r:embed="rId7" cstate="screen">
+            <a:extLst>
+              <a:ext uri="{28A0092B-C50C-407E-A947-70E740481C1C}">
+                <a14:useLocalDpi xmlns:a14="http://schemas.microsoft.com/office/drawing/2010/main" val="0"/>
+              </a:ext>
+            </a:extLst>
+          </a:blip>
+          <a:stretch>
+            <a:fillRect/>
+          </a:stretch>
+        </p:blipFill>
+        <p:spPr>
+          <a:xfrm>
+            <a:off x="5924313" y="2249583"/>
+            <a:ext cx="609960" cy="609960"/>
+          </a:xfrm>
+          <a:prstGeom prst="rect">
+            <a:avLst/>
+          </a:prstGeom>
+        </p:spPr>
+      </p:pic>
+      <p:pic>
+        <p:nvPicPr>
+          <p:cNvPr id="31" name="Image 30"/>
+          <p:cNvPicPr>
+            <a:picLocks noChangeAspect="1"/>
+          </p:cNvPicPr>
+          <p:nvPr/>
+        </p:nvPicPr>
+        <p:blipFill>
+          <a:blip r:embed="rId12" cstate="screen">
+            <a:extLst>
+              <a:ext uri="{28A0092B-C50C-407E-A947-70E740481C1C}">
+                <a14:useLocalDpi xmlns:a14="http://schemas.microsoft.com/office/drawing/2010/main" val="0"/>
+              </a:ext>
+            </a:extLst>
+          </a:blip>
+          <a:stretch>
+            <a:fillRect/>
+          </a:stretch>
+        </p:blipFill>
+        <p:spPr>
+          <a:xfrm>
+            <a:off x="6885659" y="4913125"/>
+            <a:ext cx="646679" cy="409867"/>
+          </a:xfrm>
+          <a:prstGeom prst="rect">
+            <a:avLst/>
+          </a:prstGeom>
+        </p:spPr>
+      </p:pic>
+      <p:pic>
+        <p:nvPicPr>
+          <p:cNvPr id="32" name="Image 31"/>
+          <p:cNvPicPr>
+            <a:picLocks noChangeAspect="1"/>
+          </p:cNvPicPr>
+          <p:nvPr/>
+        </p:nvPicPr>
+        <p:blipFill>
+          <a:blip r:embed="rId7" cstate="screen">
+            <a:extLst>
+              <a:ext uri="{28A0092B-C50C-407E-A947-70E740481C1C}">
+                <a14:useLocalDpi xmlns:a14="http://schemas.microsoft.com/office/drawing/2010/main" val="0"/>
+              </a:ext>
+            </a:extLst>
+          </a:blip>
+          <a:stretch>
+            <a:fillRect/>
+          </a:stretch>
+        </p:blipFill>
+        <p:spPr>
+          <a:xfrm rot="10800000">
+            <a:off x="5924312" y="4037833"/>
+            <a:ext cx="609960" cy="609960"/>
+          </a:xfrm>
+          <a:prstGeom prst="rect">
+            <a:avLst/>
+          </a:prstGeom>
+        </p:spPr>
+      </p:pic>
+      <p:pic>
+        <p:nvPicPr>
+          <p:cNvPr id="33" name="Image 32"/>
+          <p:cNvPicPr>
+            <a:picLocks noChangeAspect="1"/>
+          </p:cNvPicPr>
+          <p:nvPr/>
+        </p:nvPicPr>
+        <p:blipFill>
+          <a:blip r:embed="rId13" cstate="screen">
+            <a:extLst>
+              <a:ext uri="{28A0092B-C50C-407E-A947-70E740481C1C}">
+                <a14:useLocalDpi xmlns:a14="http://schemas.microsoft.com/office/drawing/2010/main" val="0"/>
+              </a:ext>
+            </a:extLst>
+          </a:blip>
+          <a:stretch>
+            <a:fillRect/>
+          </a:stretch>
+        </p:blipFill>
+        <p:spPr>
+          <a:xfrm>
+            <a:off x="7906150" y="4823774"/>
+            <a:ext cx="613499" cy="613499"/>
+          </a:xfrm>
+          <a:prstGeom prst="rect">
+            <a:avLst/>
+          </a:prstGeom>
+        </p:spPr>
+      </p:pic>
+      <p:sp>
+        <p:nvSpPr>
+          <p:cNvPr id="34" name="Rectangle 33"/>
+          <p:cNvSpPr/>
+          <p:nvPr/>
+        </p:nvSpPr>
+        <p:spPr>
+          <a:xfrm>
+            <a:off x="5607347" y="1104253"/>
+            <a:ext cx="3263885" cy="4484982"/>
+          </a:xfrm>
+          <a:prstGeom prst="rect">
+            <a:avLst/>
+          </a:prstGeom>
+          <a:noFill/>
+          <a:ln w="28575">
+            <a:solidFill>
+              <a:srgbClr val="00B050"/>
+            </a:solidFill>
+          </a:ln>
+        </p:spPr>
+        <p:style>
+          <a:lnRef idx="1">
+            <a:schemeClr val="accent1"/>
+          </a:lnRef>
+          <a:fillRef idx="3">
+            <a:schemeClr val="accent1"/>
+          </a:fillRef>
+          <a:effectRef idx="2">
+            <a:schemeClr val="accent1"/>
+          </a:effectRef>
+          <a:fontRef idx="minor">
+            <a:schemeClr val="lt1"/>
+          </a:fontRef>
+        </p:style>
+        <p:txBody>
+          <a:bodyPr rtlCol="0" anchor="ctr"/>
+          <a:lstStyle/>
+          <a:p>
+            <a:pPr algn="ctr"/>
+            <a:endParaRPr lang="fr-FR"/>
+          </a:p>
+        </p:txBody>
+      </p:sp>
+      <p:sp>
+        <p:nvSpPr>
+          <p:cNvPr id="36" name="ZoneTexte 35"/>
+          <p:cNvSpPr txBox="1"/>
+          <p:nvPr/>
+        </p:nvSpPr>
+        <p:spPr>
+          <a:xfrm>
+            <a:off x="7012180" y="2213212"/>
+            <a:ext cx="1881906" cy="646331"/>
+          </a:xfrm>
+          <a:prstGeom prst="rect">
+            <a:avLst/>
+          </a:prstGeom>
+          <a:noFill/>
+        </p:spPr>
+        <p:txBody>
+          <a:bodyPr wrap="square" rtlCol="0">
+            <a:spAutoFit/>
+          </a:bodyPr>
+          <a:lstStyle/>
+          <a:p>
+            <a:pPr algn="ctr"/>
+            <a:r>
+              <a:rPr lang="fr-FR" dirty="0" smtClean="0">
+                <a:effectLst>
+                  <a:outerShdw blurRad="50800" dist="38100" dir="2700000" algn="tl" rotWithShape="0">
+                    <a:prstClr val="black">
+                      <a:alpha val="40000"/>
+                    </a:prstClr>
+                  </a:outerShdw>
+                </a:effectLst>
+              </a:rPr>
+              <a:t>RequeteHttp</a:t>
+            </a:r>
+          </a:p>
+          <a:p>
+            <a:pPr algn="ctr"/>
+            <a:r>
+              <a:rPr lang="fr-FR" dirty="0" smtClean="0">
+                <a:effectLst>
+                  <a:outerShdw blurRad="50800" dist="38100" dir="2700000" algn="tl" rotWithShape="0">
+                    <a:prstClr val="black">
+                      <a:alpha val="40000"/>
+                    </a:prstClr>
+                  </a:outerShdw>
+                </a:effectLst>
+              </a:rPr>
+              <a:t>DLL</a:t>
+            </a:r>
+          </a:p>
+        </p:txBody>
+      </p:sp>
+      <p:sp>
+        <p:nvSpPr>
+          <p:cNvPr id="4" name="Rectangle 3"/>
+          <p:cNvSpPr/>
+          <p:nvPr/>
+        </p:nvSpPr>
+        <p:spPr>
+          <a:xfrm>
+            <a:off x="7315779" y="4142516"/>
+            <a:ext cx="1274708" cy="369332"/>
+          </a:xfrm>
+          <a:prstGeom prst="rect">
+            <a:avLst/>
+          </a:prstGeom>
+        </p:spPr>
+        <p:txBody>
+          <a:bodyPr wrap="none">
+            <a:spAutoFit/>
+          </a:bodyPr>
+          <a:lstStyle/>
+          <a:p>
+            <a:pPr algn="ctr"/>
+            <a:r>
+              <a:rPr lang="fr-FR" dirty="0" err="1"/>
+              <a:t>HappyHttp</a:t>
+            </a:r>
+            <a:endParaRPr lang="fr-FR" dirty="0"/>
+          </a:p>
+        </p:txBody>
+      </p:sp>
+      <p:cxnSp>
+        <p:nvCxnSpPr>
+          <p:cNvPr id="38" name="Connecteur droit avec flèche 37"/>
+          <p:cNvCxnSpPr/>
+          <p:nvPr/>
+        </p:nvCxnSpPr>
+        <p:spPr>
+          <a:xfrm>
+            <a:off x="5164610" y="3484107"/>
+            <a:ext cx="442737" cy="2401"/>
+          </a:xfrm>
+          <a:prstGeom prst="straightConnector1">
+            <a:avLst/>
+          </a:prstGeom>
+          <a:ln>
+            <a:tailEnd type="arrow"/>
+          </a:ln>
+        </p:spPr>
+        <p:style>
+          <a:lnRef idx="2">
+            <a:schemeClr val="dk1"/>
+          </a:lnRef>
+          <a:fillRef idx="0">
+            <a:schemeClr val="dk1"/>
+          </a:fillRef>
+          <a:effectRef idx="1">
+            <a:schemeClr val="dk1"/>
+          </a:effectRef>
+          <a:fontRef idx="minor">
+            <a:schemeClr val="tx1"/>
+          </a:fontRef>
+        </p:style>
+      </p:cxnSp>
+    </p:spTree>
+    <p:extLst>
+      <p:ext uri="{BB962C8B-B14F-4D97-AF65-F5344CB8AC3E}">
+        <p14:creationId xmlns:p14="http://schemas.microsoft.com/office/powerpoint/2010/main" val="2170586702"/>
       </p:ext>
     </p:extLst>
   </p:cSld>

--- a/Rendu/Diapo_soutenance.pptx
+++ b/Rendu/Diapo_soutenance.pptx
@@ -5,10 +5,10 @@
     <p:sldMasterId id="2147483648" r:id="rId1"/>
   </p:sldMasterIdLst>
   <p:notesMasterIdLst>
-    <p:notesMasterId r:id="rId23"/>
+    <p:notesMasterId r:id="rId22"/>
   </p:notesMasterIdLst>
   <p:handoutMasterIdLst>
-    <p:handoutMasterId r:id="rId24"/>
+    <p:handoutMasterId r:id="rId23"/>
   </p:handoutMasterIdLst>
   <p:sldIdLst>
     <p:sldId id="303" r:id="rId2"/>
@@ -31,7 +31,6 @@
     <p:sldId id="320" r:id="rId19"/>
     <p:sldId id="321" r:id="rId20"/>
     <p:sldId id="306" r:id="rId21"/>
-    <p:sldId id="325" r:id="rId22"/>
   </p:sldIdLst>
   <p:sldSz cx="9144000" cy="6858000" type="screen4x3"/>
   <p:notesSz cx="6799263" cy="9929813"/>
@@ -132,7 +131,7 @@
   </p:defaultTextStyle>
   <p:extLst>
     <p:ext uri="{EFAFB233-063F-42B5-8137-9DF3F51BA10A}">
-      <p15:sldGuideLst xmlns="" xmlns:p15="http://schemas.microsoft.com/office/powerpoint/2012/main">
+      <p15:sldGuideLst xmlns:p15="http://schemas.microsoft.com/office/powerpoint/2012/main">
         <p15:guide id="1" orient="horz" pos="1620">
           <p15:clr>
             <a:srgbClr val="A4A3A4"/>
@@ -747,14 +746,6 @@
           <a:bodyPr/>
           <a:lstStyle/>
           <a:p>
-            <a:r>
-              <a:rPr lang="fr-FR" dirty="0" smtClean="0"/>
-              <a:t>Encadrants</a:t>
-            </a:r>
-            <a:r>
-              <a:rPr lang="fr-FR" baseline="0" dirty="0" smtClean="0"/>
-              <a:t> = clients</a:t>
-            </a:r>
             <a:endParaRPr lang="fr-FR" dirty="0"/>
           </a:p>
         </p:txBody>
@@ -840,16 +831,6 @@
           <a:bodyPr/>
           <a:lstStyle/>
           <a:p>
-            <a:r>
-              <a:rPr lang="fr-FR" dirty="0" smtClean="0"/>
-              <a:t>Rajouter intégration, tests</a:t>
-            </a:r>
-          </a:p>
-          <a:p>
-            <a:r>
-              <a:rPr lang="fr-FR" dirty="0" smtClean="0"/>
-              <a:t>Rendu -&gt; Livraison</a:t>
-            </a:r>
             <a:endParaRPr lang="fr-FR" dirty="0"/>
           </a:p>
         </p:txBody>
@@ -936,16 +917,36 @@
           <a:lstStyle/>
           <a:p>
             <a:r>
+              <a:rPr lang="fr-FR" dirty="0" err="1" smtClean="0"/>
+              <a:t>Strengths</a:t>
+            </a:r>
+            <a:r>
               <a:rPr lang="fr-FR" dirty="0" smtClean="0"/>
-              <a:t>Difficultés</a:t>
+              <a:t>,</a:t>
             </a:r>
             <a:r>
               <a:rPr lang="fr-FR" baseline="0" dirty="0" smtClean="0"/>
-              <a:t> -&gt; ce qu’on a mis en place pour les surpasser : bilan </a:t>
+              <a:t> </a:t>
             </a:r>
             <a:r>
               <a:rPr lang="fr-FR" baseline="0" dirty="0" err="1" smtClean="0"/>
-              <a:t>GdP</a:t>
+              <a:t>Weaknesses</a:t>
+            </a:r>
+            <a:r>
+              <a:rPr lang="fr-FR" baseline="0" dirty="0" smtClean="0"/>
+              <a:t>, </a:t>
+            </a:r>
+            <a:r>
+              <a:rPr lang="fr-FR" baseline="0" dirty="0" err="1" smtClean="0"/>
+              <a:t>Opportunities</a:t>
+            </a:r>
+            <a:r>
+              <a:rPr lang="fr-FR" baseline="0" dirty="0" smtClean="0"/>
+              <a:t>, </a:t>
+            </a:r>
+            <a:r>
+              <a:rPr lang="fr-FR" baseline="0" dirty="0" err="1" smtClean="0"/>
+              <a:t>Threats</a:t>
             </a:r>
             <a:endParaRPr lang="fr-FR" dirty="0"/>
           </a:p>
@@ -1032,41 +1033,6 @@
           <a:bodyPr/>
           <a:lstStyle/>
           <a:p>
-            <a:r>
-              <a:rPr lang="fr-FR" dirty="0" smtClean="0"/>
-              <a:t>+ relation avec industriels</a:t>
-            </a:r>
-          </a:p>
-          <a:p>
-            <a:r>
-              <a:rPr lang="fr-FR" dirty="0" smtClean="0"/>
-              <a:t>Différents types de bilan : choix techniques, </a:t>
-            </a:r>
-            <a:r>
-              <a:rPr lang="fr-FR" dirty="0" err="1" smtClean="0"/>
-              <a:t>GdP</a:t>
-            </a:r>
-            <a:r>
-              <a:rPr lang="fr-FR" dirty="0" smtClean="0"/>
-              <a:t>, perso </a:t>
-            </a:r>
-            <a:r>
-              <a:rPr lang="fr-FR" dirty="0" err="1" smtClean="0"/>
-              <a:t>etc</a:t>
-            </a:r>
-            <a:endParaRPr lang="fr-FR" dirty="0" smtClean="0"/>
-          </a:p>
-          <a:p>
-            <a:r>
-              <a:rPr lang="fr-FR" dirty="0" smtClean="0"/>
-              <a:t>Dire que CA MARCHE</a:t>
-            </a:r>
-          </a:p>
-          <a:p>
-            <a:r>
-              <a:rPr lang="fr-FR" dirty="0" smtClean="0"/>
-              <a:t>SWAP</a:t>
-            </a:r>
             <a:endParaRPr lang="fr-FR" dirty="0"/>
           </a:p>
         </p:txBody>
@@ -1152,10 +1118,6 @@
           <a:bodyPr/>
           <a:lstStyle/>
           <a:p>
-            <a:r>
-              <a:rPr lang="fr-FR" dirty="0" smtClean="0"/>
-              <a:t>Parler tôt du nouveau modèle en C++</a:t>
-            </a:r>
             <a:endParaRPr lang="fr-FR" dirty="0"/>
           </a:p>
         </p:txBody>
@@ -1243,7 +1205,7 @@
           <a:p>
             <a:r>
               <a:rPr lang="fr-FR" dirty="0" smtClean="0"/>
-              <a:t>Code « modulable »</a:t>
+              <a:t>A masquer ?</a:t>
             </a:r>
             <a:endParaRPr lang="fr-FR" dirty="0"/>
           </a:p>
@@ -1506,19 +1468,13 @@
           <a:p>
             <a:r>
               <a:rPr lang="fr-FR" dirty="0" smtClean="0"/>
-              <a:t>2 photos, partie utilisateur et partie admin</a:t>
-            </a:r>
-          </a:p>
-          <a:p>
+              <a:t>2 photos, partie utilisateur et partie </a:t>
+            </a:r>
             <a:r>
               <a:rPr lang="fr-FR" dirty="0" smtClean="0"/>
-              <a:t>Fonctionnalités par type d’utilisateur, type d’handicap (cognitif,</a:t>
-            </a:r>
-            <a:r>
-              <a:rPr lang="fr-FR" baseline="0" dirty="0" smtClean="0"/>
-              <a:t> visuels, moteurs…) PARAMETRABLE pour tout handicap, pas adapté, on peut ne pas avoir un thème moche</a:t>
-            </a:r>
-            <a:endParaRPr lang="fr-FR" dirty="0"/>
+              <a:t>admin</a:t>
+            </a:r>
+            <a:endParaRPr lang="fr-FR" dirty="0" smtClean="0"/>
           </a:p>
         </p:txBody>
       </p:sp>
@@ -1603,14 +1559,6 @@
           <a:bodyPr/>
           <a:lstStyle/>
           <a:p>
-            <a:r>
-              <a:rPr lang="fr-FR" dirty="0" smtClean="0"/>
-              <a:t>Placer</a:t>
-            </a:r>
-            <a:r>
-              <a:rPr lang="fr-FR" baseline="0" dirty="0" smtClean="0"/>
-              <a:t> le mot ergonomie</a:t>
-            </a:r>
             <a:endParaRPr lang="fr-FR" dirty="0"/>
           </a:p>
         </p:txBody>
@@ -1696,10 +1644,6 @@
           <a:bodyPr/>
           <a:lstStyle/>
           <a:p>
-            <a:r>
-              <a:rPr lang="fr-FR" dirty="0" smtClean="0"/>
-              <a:t>Rajouter PLEIN de pièces pour la démo</a:t>
-            </a:r>
             <a:endParaRPr lang="fr-FR" dirty="0"/>
           </a:p>
         </p:txBody>
@@ -1784,27 +1728,6 @@
         <p:txBody>
           <a:bodyPr/>
           <a:lstStyle/>
-          <a:p>
-            <a:r>
-              <a:rPr lang="fr-FR" dirty="0" smtClean="0"/>
-              <a:t>Idem schéma archi avec noms (bien parler de toute l’année, pas seulement 2</a:t>
-            </a:r>
-            <a:r>
-              <a:rPr lang="fr-FR" baseline="30000" dirty="0" smtClean="0"/>
-              <a:t>nd</a:t>
-            </a:r>
-            <a:r>
-              <a:rPr lang="fr-FR" dirty="0" smtClean="0"/>
-              <a:t> </a:t>
-            </a:r>
-            <a:r>
-              <a:rPr lang="fr-FR" dirty="0" smtClean="0"/>
-              <a:t>semestre</a:t>
-            </a:r>
-          </a:p>
-          <a:p>
-            <a:endParaRPr lang="fr-FR" dirty="0" smtClean="0"/>
-          </a:p>
           <a:p>
             <a:r>
               <a:rPr lang="fr-FR" dirty="0" smtClean="0"/>
@@ -9209,8 +9132,13 @@
           </a:xfrm>
         </p:spPr>
         <p:txBody>
-          <a:bodyPr/>
+          <a:bodyPr>
+            <a:normAutofit fontScale="92500" lnSpcReduction="20000"/>
+          </a:bodyPr>
           <a:lstStyle/>
+          <a:p>
+            <a:endParaRPr lang="fr-FR" dirty="0" smtClean="0"/>
+          </a:p>
           <a:p>
             <a:r>
               <a:rPr lang="fr-FR" dirty="0" smtClean="0"/>
@@ -9596,11 +9524,7 @@
           <a:p>
             <a:r>
               <a:rPr lang="fr-FR" dirty="0" smtClean="0"/>
-              <a:t>Suivis </a:t>
-            </a:r>
-            <a:r>
-              <a:rPr lang="fr-FR" dirty="0" smtClean="0"/>
-              <a:t>jusqu’à la fin du projet =&gt; plutôt bons</a:t>
+              <a:t>Suivis jusqu’à la fin du projet =&gt; plutôt bons</a:t>
             </a:r>
           </a:p>
           <a:p>
@@ -9799,11 +9723,19 @@
             <a:pPr algn="ctr"/>
             <a:r>
               <a:rPr lang="fr-FR" dirty="0" smtClean="0"/>
-              <a:t>V. CHOIX </a:t>
+              <a:t>III</a:t>
             </a:r>
             <a:r>
               <a:rPr lang="fr-FR" dirty="0" smtClean="0"/>
-              <a:t>Techniques</a:t>
+              <a:t>. </a:t>
+            </a:r>
+            <a:r>
+              <a:rPr lang="fr-FR" dirty="0" smtClean="0"/>
+              <a:t>CHOIX </a:t>
+            </a:r>
+            <a:r>
+              <a:rPr lang="fr-FR" dirty="0" smtClean="0"/>
+              <a:t>Techniques : bilan</a:t>
             </a:r>
             <a:endParaRPr lang="fr-FR" dirty="0"/>
           </a:p>
@@ -9881,7 +9813,11 @@
             <a:pPr algn="ctr"/>
             <a:r>
               <a:rPr lang="fr-FR" dirty="0" smtClean="0"/>
-              <a:t>III. Présentation</a:t>
+              <a:t>IV. </a:t>
+            </a:r>
+            <a:r>
+              <a:rPr lang="fr-FR" dirty="0" smtClean="0"/>
+              <a:t>L’application finale</a:t>
             </a:r>
             <a:endParaRPr lang="fr-FR" dirty="0"/>
           </a:p>
@@ -10198,8 +10134,8 @@
           <a:p>
             <a:pPr algn="ctr"/>
             <a:r>
-              <a:rPr lang="fr-FR" smtClean="0"/>
-              <a:t>III. Présentation</a:t>
+              <a:rPr lang="fr-FR" dirty="0"/>
+              <a:t>IV. L’application finale</a:t>
             </a:r>
             <a:endParaRPr lang="fr-FR" dirty="0"/>
           </a:p>
@@ -10470,7 +10406,7 @@
             <a:pPr algn="ctr"/>
             <a:r>
               <a:rPr lang="fr-FR" dirty="0" smtClean="0"/>
-              <a:t>IV</a:t>
+              <a:t>V</a:t>
             </a:r>
             <a:r>
               <a:rPr lang="fr-FR" dirty="0"/>
@@ -11481,6 +11417,39 @@
               <a:rPr lang="fr-FR" dirty="0" err="1" smtClean="0"/>
               <a:t>Enora</a:t>
             </a:r>
+            <a:endParaRPr lang="fr-FR" dirty="0"/>
+          </a:p>
+        </p:txBody>
+      </p:sp>
+      <p:sp>
+        <p:nvSpPr>
+          <p:cNvPr id="32" name="Espace réservé du texte 9"/>
+          <p:cNvSpPr>
+            <a:spLocks noGrp="1"/>
+          </p:cNvSpPr>
+          <p:nvPr>
+            <p:ph type="body" sz="quarter" idx="10"/>
+          </p:nvPr>
+        </p:nvSpPr>
+        <p:spPr>
+          <a:xfrm>
+            <a:off x="281073" y="1104253"/>
+            <a:ext cx="8409708" cy="4695367"/>
+          </a:xfrm>
+        </p:spPr>
+        <p:txBody>
+          <a:bodyPr/>
+          <a:lstStyle/>
+          <a:p>
+            <a:r>
+              <a:rPr lang="fr-FR" dirty="0" smtClean="0"/>
+              <a:t>Répartition des tâches</a:t>
+            </a:r>
+          </a:p>
+          <a:p>
+            <a:pPr marL="0" indent="0">
+              <a:buNone/>
+            </a:pPr>
             <a:endParaRPr lang="fr-FR" dirty="0"/>
           </a:p>
         </p:txBody>
@@ -11578,7 +11547,11 @@
             <a:pPr algn="ctr"/>
             <a:r>
               <a:rPr lang="fr-FR" dirty="0" smtClean="0"/>
-              <a:t>IV. </a:t>
+              <a:t>V</a:t>
+            </a:r>
+            <a:r>
+              <a:rPr lang="fr-FR" dirty="0" smtClean="0"/>
+              <a:t>. </a:t>
             </a:r>
             <a:r>
               <a:rPr lang="fr-FR" dirty="0"/>
@@ -11680,6 +11653,34 @@
           </a:prstGeom>
         </p:spPr>
       </p:pic>
+      <p:sp>
+        <p:nvSpPr>
+          <p:cNvPr id="6" name="Espace réservé du texte 9"/>
+          <p:cNvSpPr>
+            <a:spLocks noGrp="1"/>
+          </p:cNvSpPr>
+          <p:nvPr>
+            <p:ph type="body" sz="quarter" idx="10"/>
+          </p:nvPr>
+        </p:nvSpPr>
+        <p:spPr>
+          <a:xfrm>
+            <a:off x="334242" y="994958"/>
+            <a:ext cx="8409708" cy="4695367"/>
+          </a:xfrm>
+        </p:spPr>
+        <p:txBody>
+          <a:bodyPr/>
+          <a:lstStyle/>
+          <a:p>
+            <a:r>
+              <a:rPr lang="fr-FR" dirty="0" smtClean="0"/>
+              <a:t>Planification du projet</a:t>
+            </a:r>
+            <a:endParaRPr lang="fr-FR" dirty="0"/>
+          </a:p>
+        </p:txBody>
+      </p:sp>
     </p:spTree>
     <p:extLst>
       <p:ext uri="{BB962C8B-B14F-4D97-AF65-F5344CB8AC3E}">
@@ -11713,7 +11714,7 @@
 </file>
 
 <file path=ppt/slides/slide17.xml><?xml version="1.0" encoding="utf-8"?>
-<p:sld xmlns:a="http://schemas.openxmlformats.org/drawingml/2006/main" xmlns:r="http://schemas.openxmlformats.org/officeDocument/2006/relationships" xmlns:p="http://schemas.openxmlformats.org/presentationml/2006/main">
+<p:sld xmlns:a="http://schemas.openxmlformats.org/drawingml/2006/main" xmlns:r="http://schemas.openxmlformats.org/officeDocument/2006/relationships" xmlns:p="http://schemas.openxmlformats.org/presentationml/2006/main" show="0">
   <p:cSld>
     <p:spTree>
       <p:nvGrpSpPr>
@@ -11739,7 +11740,12 @@
             <p:ph type="body" sz="quarter" idx="10"/>
           </p:nvPr>
         </p:nvSpPr>
-        <p:spPr/>
+        <p:spPr>
+          <a:xfrm>
+            <a:off x="581892" y="1495954"/>
+            <a:ext cx="8409708" cy="4695367"/>
+          </a:xfrm>
+        </p:spPr>
         <p:txBody>
           <a:bodyPr/>
           <a:lstStyle/>
@@ -11761,12 +11767,16 @@
             <a:graphicFrameLocks noGrp="1"/>
           </p:cNvGraphicFramePr>
           <p:nvPr>
-            <p:extLst/>
+            <p:extLst>
+              <p:ext uri="{D42A27DB-BD31-4B8C-83A1-F6EECF244321}">
+                <p14:modId xmlns:p14="http://schemas.microsoft.com/office/powerpoint/2010/main" val="3117513101"/>
+              </p:ext>
+            </p:extLst>
           </p:nvPr>
         </p:nvGraphicFramePr>
         <p:xfrm>
-          <a:off x="1524000" y="1397000"/>
-          <a:ext cx="6096000" cy="2296160"/>
+          <a:off x="1524000" y="1504827"/>
+          <a:ext cx="6096000" cy="4942840"/>
         </p:xfrm>
         <a:graphic>
           <a:graphicData uri="http://schemas.openxmlformats.org/drawingml/2006/table">
@@ -11816,13 +11826,29 @@
                     <a:p>
                       <a:r>
                         <a:rPr lang="fr-FR" dirty="0" smtClean="0"/>
-                        <a:t>Entraide</a:t>
+                        <a:t>Planification car tâches finies pour passer à autre chose</a:t>
                       </a:r>
                       <a:endParaRPr lang="fr-FR" dirty="0"/>
                     </a:p>
                   </a:txBody>
                   <a:tcPr/>
                 </a:tc>
+                <a:tc>
+                  <a:txBody>
+                    <a:bodyPr/>
+                    <a:lstStyle/>
+                    <a:p>
+                      <a:r>
+                        <a:rPr lang="fr-FR" dirty="0" smtClean="0"/>
+                        <a:t>Bonne répartition des tâches</a:t>
+                      </a:r>
+                      <a:endParaRPr lang="fr-FR" dirty="0"/>
+                    </a:p>
+                  </a:txBody>
+                  <a:tcPr/>
+                </a:tc>
+              </a:tr>
+              <a:tr h="370840">
                 <a:tc>
                   <a:txBody>
                     <a:bodyPr/>
@@ -11847,17 +11873,17 @@
                       </a:pPr>
                       <a:r>
                         <a:rPr lang="fr-FR" dirty="0" smtClean="0"/>
-                        <a:t>Enchaînement des tâches à réaliser</a:t>
+                        <a:t>Avoir une vue d’ensemble du projet, relier</a:t>
                       </a:r>
-                    </a:p>
-                    <a:p>
-                      <a:endParaRPr lang="fr-FR" dirty="0"/>
+                      <a:r>
+                        <a:rPr lang="fr-FR" baseline="0" dirty="0" smtClean="0"/>
+                        <a:t> les différentes parties</a:t>
+                      </a:r>
+                      <a:endParaRPr lang="fr-FR" baseline="0" dirty="0" smtClean="0"/>
                     </a:p>
                   </a:txBody>
                   <a:tcPr/>
                 </a:tc>
-              </a:tr>
-              <a:tr h="370840">
                 <a:tc>
                   <a:txBody>
                     <a:bodyPr/>
@@ -11869,29 +11895,19 @@
                       </a:r>
                       <a:r>
                         <a:rPr lang="fr-FR" dirty="0" smtClean="0"/>
-                        <a:t> (176 </a:t>
+                        <a:t> (presque</a:t>
                       </a:r>
                       <a:r>
-                        <a:rPr lang="fr-FR" dirty="0" err="1" smtClean="0"/>
+                        <a:rPr lang="fr-FR" baseline="0" dirty="0" smtClean="0"/>
+                        <a:t> 200 </a:t>
+                      </a:r>
+                      <a:r>
+                        <a:rPr lang="fr-FR" baseline="0" dirty="0" err="1" smtClean="0"/>
                         <a:t>commits</a:t>
                       </a:r>
                       <a:r>
-                        <a:rPr lang="fr-FR" dirty="0" smtClean="0"/>
+                        <a:rPr lang="fr-FR" baseline="0" dirty="0" smtClean="0"/>
                         <a:t>)</a:t>
-                      </a:r>
-                      <a:endParaRPr lang="fr-FR" dirty="0"/>
-                    </a:p>
-                  </a:txBody>
-                  <a:tcPr/>
-                </a:tc>
-                <a:tc>
-                  <a:txBody>
-                    <a:bodyPr/>
-                    <a:lstStyle/>
-                    <a:p>
-                      <a:r>
-                        <a:rPr lang="fr-FR" dirty="0" smtClean="0"/>
-                        <a:t>Avoir une vue d’ensemble du projet</a:t>
                       </a:r>
                       <a:endParaRPr lang="fr-FR" dirty="0"/>
                     </a:p>
@@ -11907,7 +11923,11 @@
                     <a:p>
                       <a:r>
                         <a:rPr lang="fr-FR" dirty="0" smtClean="0"/>
-                        <a:t>Répartition des tâches</a:t>
+                        <a:t>Beaucoup</a:t>
+                      </a:r>
+                      <a:r>
+                        <a:rPr lang="fr-FR" baseline="0" dirty="0" smtClean="0"/>
+                        <a:t> de connaissances à assimiler</a:t>
                       </a:r>
                       <a:endParaRPr lang="fr-FR" dirty="0"/>
                     </a:p>
@@ -11920,14 +11940,82 @@
                     <a:lstStyle/>
                     <a:p>
                       <a:r>
-                        <a:rPr lang="fr-FR" dirty="0" smtClean="0"/>
-                        <a:t>Relier</a:t>
+                        <a:rPr lang="fr-FR" baseline="0" dirty="0" smtClean="0"/>
+                        <a:t>Entraide, utilisation des points forts de chacun</a:t>
+                      </a:r>
+                    </a:p>
+                  </a:txBody>
+                  <a:tcPr/>
+                </a:tc>
+              </a:tr>
+              <a:tr h="370840">
+                <a:tc>
+                  <a:txBody>
+                    <a:bodyPr/>
+                    <a:lstStyle/>
+                    <a:p>
+                      <a:r>
+                        <a:rPr lang="fr-FR" baseline="0" dirty="0" smtClean="0"/>
+                        <a:t>Code complexe de l’année dernière</a:t>
+                      </a:r>
+                    </a:p>
+                  </a:txBody>
+                  <a:tcPr/>
+                </a:tc>
+                <a:tc>
+                  <a:txBody>
+                    <a:bodyPr/>
+                    <a:lstStyle/>
+                    <a:p>
+                      <a:r>
+                        <a:rPr lang="fr-FR" baseline="0" dirty="0" smtClean="0"/>
+                        <a:t>Temps accordé à la compréhension, </a:t>
+                      </a:r>
+                      <a:r>
+                        <a:rPr lang="fr-FR" baseline="0" dirty="0" err="1" smtClean="0"/>
+                        <a:t>diagrames</a:t>
                       </a:r>
                       <a:r>
                         <a:rPr lang="fr-FR" baseline="0" dirty="0" smtClean="0"/>
-                        <a:t> les différentes parties</a:t>
+                        <a:t> UML, simplification du modèle</a:t>
                       </a:r>
-                      <a:endParaRPr lang="fr-FR" dirty="0"/>
+                    </a:p>
+                  </a:txBody>
+                  <a:tcPr/>
+                </a:tc>
+              </a:tr>
+              <a:tr h="370840">
+                <a:tc>
+                  <a:txBody>
+                    <a:bodyPr/>
+                    <a:lstStyle/>
+                    <a:p>
+                      <a:r>
+                        <a:rPr lang="fr-FR" dirty="0" smtClean="0"/>
+                        <a:t>Peu de temps pour la partie communication</a:t>
+                      </a:r>
+                      <a:r>
+                        <a:rPr lang="fr-FR" baseline="0" dirty="0" smtClean="0"/>
+                        <a:t> avec le fauteuil</a:t>
+                      </a:r>
+                    </a:p>
+                  </a:txBody>
+                  <a:tcPr/>
+                </a:tc>
+                <a:tc>
+                  <a:txBody>
+                    <a:bodyPr/>
+                    <a:lstStyle/>
+                    <a:p>
+                      <a:r>
+                        <a:rPr lang="fr-FR" baseline="0" dirty="0" smtClean="0"/>
+                        <a:t>Choix d’une libraire simple d’utilisation : </a:t>
+                      </a:r>
+                      <a:r>
+                        <a:rPr lang="fr-FR" baseline="0" dirty="0" err="1" smtClean="0"/>
+                        <a:t>Qt</a:t>
+                      </a:r>
+                      <a:endParaRPr lang="fr-FR" baseline="0" dirty="0" smtClean="0"/>
                     </a:p>
                   </a:txBody>
                   <a:tcPr/>
@@ -11981,7 +12069,19 @@
             <a:pPr algn="ctr"/>
             <a:r>
               <a:rPr lang="fr-FR" dirty="0" smtClean="0"/>
-              <a:t>IV. Gestion de projet</a:t>
+              <a:t>V</a:t>
+            </a:r>
+            <a:r>
+              <a:rPr lang="fr-FR" dirty="0" smtClean="0"/>
+              <a:t>. </a:t>
+            </a:r>
+            <a:r>
+              <a:rPr lang="fr-FR" dirty="0" smtClean="0"/>
+              <a:t>Gestion </a:t>
+            </a:r>
+            <a:r>
+              <a:rPr lang="fr-FR" dirty="0" smtClean="0"/>
+              <a:t>de projet</a:t>
             </a:r>
             <a:endParaRPr lang="fr-FR" dirty="0"/>
           </a:p>
@@ -12012,6 +12112,195 @@
             <a:r>
               <a:rPr lang="fr-FR" dirty="0" smtClean="0"/>
               <a:t>13</a:t>
+            </a:r>
+            <a:endParaRPr lang="fr-FR" dirty="0"/>
+          </a:p>
+        </p:txBody>
+      </p:sp>
+      <p:sp>
+        <p:nvSpPr>
+          <p:cNvPr id="8" name="Espace réservé du texte 9"/>
+          <p:cNvSpPr txBox="1">
+            <a:spLocks/>
+          </p:cNvSpPr>
+          <p:nvPr/>
+        </p:nvSpPr>
+        <p:spPr>
+          <a:xfrm>
+            <a:off x="334242" y="994958"/>
+            <a:ext cx="8409708" cy="4695367"/>
+          </a:xfrm>
+          <a:prstGeom prst="rect">
+            <a:avLst/>
+          </a:prstGeom>
+        </p:spPr>
+        <p:txBody>
+          <a:bodyPr vert="horz" lIns="91440" tIns="45720" rIns="91440" bIns="45720" rtlCol="0">
+            <a:normAutofit/>
+          </a:bodyPr>
+          <a:lstStyle>
+            <a:lvl1pPr marL="271463" indent="-271463" algn="l" defTabSz="457200" rtl="0" eaLnBrk="1" latinLnBrk="0" hangingPunct="1">
+              <a:lnSpc>
+                <a:spcPct val="90000"/>
+              </a:lnSpc>
+              <a:spcBef>
+                <a:spcPct val="20000"/>
+              </a:spcBef>
+              <a:buClr>
+                <a:schemeClr val="tx2"/>
+              </a:buClr>
+              <a:buSzPct val="80000"/>
+              <a:buFont typeface="Wingdings 3" panose="05040102010807070707" pitchFamily="18" charset="2"/>
+              <a:buChar char=""/>
+              <a:defRPr sz="1800" b="0" i="0" kern="1200">
+                <a:solidFill>
+                  <a:schemeClr val="tx1"/>
+                </a:solidFill>
+                <a:latin typeface="+mj-lt"/>
+                <a:ea typeface="+mn-ea"/>
+                <a:cs typeface="HelveticaNeueLT Com 67 MdCn" panose="020B0606030502030204" pitchFamily="34" charset="0"/>
+              </a:defRPr>
+            </a:lvl1pPr>
+            <a:lvl2pPr marL="742950" indent="-285750" algn="l" defTabSz="457200" rtl="0" eaLnBrk="1" latinLnBrk="0" hangingPunct="1">
+              <a:lnSpc>
+                <a:spcPct val="90000"/>
+              </a:lnSpc>
+              <a:spcBef>
+                <a:spcPct val="20000"/>
+              </a:spcBef>
+              <a:buSzPct val="100000"/>
+              <a:buFontTx/>
+              <a:buBlip>
+                <a:blip r:embed="rId3"/>
+              </a:buBlip>
+              <a:defRPr sz="1600" b="0" i="0" kern="1200">
+                <a:solidFill>
+                  <a:schemeClr val="tx2"/>
+                </a:solidFill>
+                <a:latin typeface="+mj-lt"/>
+                <a:ea typeface="+mn-ea"/>
+                <a:cs typeface="HelveticaNeueLT Com 57 Cn" panose="020B0506030502030204" pitchFamily="34" charset="0"/>
+              </a:defRPr>
+            </a:lvl2pPr>
+            <a:lvl3pPr marL="1143000" indent="-228600" algn="l" defTabSz="457200" rtl="0" eaLnBrk="1" latinLnBrk="0" hangingPunct="1">
+              <a:lnSpc>
+                <a:spcPct val="90000"/>
+              </a:lnSpc>
+              <a:spcBef>
+                <a:spcPct val="20000"/>
+              </a:spcBef>
+              <a:buFont typeface="Arial"/>
+              <a:buChar char="•"/>
+              <a:defRPr sz="1400" b="0" i="0" kern="1200">
+                <a:solidFill>
+                  <a:schemeClr val="tx2"/>
+                </a:solidFill>
+                <a:latin typeface="+mj-lt"/>
+                <a:ea typeface="+mn-ea"/>
+                <a:cs typeface="HelveticaNeueLT Com 57 Cn" panose="020B0506030502030204" pitchFamily="34" charset="0"/>
+              </a:defRPr>
+            </a:lvl3pPr>
+            <a:lvl4pPr marL="1600200" indent="-228600" algn="l" defTabSz="457200" rtl="0" eaLnBrk="1" latinLnBrk="0" hangingPunct="1">
+              <a:lnSpc>
+                <a:spcPct val="90000"/>
+              </a:lnSpc>
+              <a:spcBef>
+                <a:spcPct val="20000"/>
+              </a:spcBef>
+              <a:buFont typeface="Arial"/>
+              <a:buChar char="–"/>
+              <a:defRPr sz="1200" b="0" i="0" kern="1200">
+                <a:solidFill>
+                  <a:schemeClr val="tx2"/>
+                </a:solidFill>
+                <a:latin typeface="+mj-lt"/>
+                <a:ea typeface="+mn-ea"/>
+                <a:cs typeface="HelveticaNeueLT Com 57 Cn" panose="020B0506030502030204" pitchFamily="34" charset="0"/>
+              </a:defRPr>
+            </a:lvl4pPr>
+            <a:lvl5pPr marL="2057400" indent="-228600" algn="l" defTabSz="457200" rtl="0" eaLnBrk="1" latinLnBrk="0" hangingPunct="1">
+              <a:lnSpc>
+                <a:spcPct val="90000"/>
+              </a:lnSpc>
+              <a:spcBef>
+                <a:spcPct val="20000"/>
+              </a:spcBef>
+              <a:buFont typeface="Arial"/>
+              <a:buChar char="»"/>
+              <a:defRPr sz="1200" b="0" i="0" kern="1200">
+                <a:solidFill>
+                  <a:schemeClr val="tx2"/>
+                </a:solidFill>
+                <a:latin typeface="+mj-lt"/>
+                <a:ea typeface="+mn-ea"/>
+                <a:cs typeface="HelveticaNeueLT Com 57 Cn" panose="020B0506030502030204" pitchFamily="34" charset="0"/>
+              </a:defRPr>
+            </a:lvl5pPr>
+            <a:lvl6pPr marL="2514600" indent="-228600" algn="l" defTabSz="457200" rtl="0" eaLnBrk="1" latinLnBrk="0" hangingPunct="1">
+              <a:spcBef>
+                <a:spcPct val="20000"/>
+              </a:spcBef>
+              <a:buFont typeface="Arial"/>
+              <a:buChar char="•"/>
+              <a:defRPr sz="2000" kern="1200">
+                <a:solidFill>
+                  <a:schemeClr val="tx1"/>
+                </a:solidFill>
+                <a:latin typeface="+mn-lt"/>
+                <a:ea typeface="+mn-ea"/>
+                <a:cs typeface="+mn-cs"/>
+              </a:defRPr>
+            </a:lvl6pPr>
+            <a:lvl7pPr marL="2971800" indent="-228600" algn="l" defTabSz="457200" rtl="0" eaLnBrk="1" latinLnBrk="0" hangingPunct="1">
+              <a:spcBef>
+                <a:spcPct val="20000"/>
+              </a:spcBef>
+              <a:buFont typeface="Arial"/>
+              <a:buChar char="•"/>
+              <a:defRPr sz="2000" kern="1200">
+                <a:solidFill>
+                  <a:schemeClr val="tx1"/>
+                </a:solidFill>
+                <a:latin typeface="+mn-lt"/>
+                <a:ea typeface="+mn-ea"/>
+                <a:cs typeface="+mn-cs"/>
+              </a:defRPr>
+            </a:lvl7pPr>
+            <a:lvl8pPr marL="3429000" indent="-228600" algn="l" defTabSz="457200" rtl="0" eaLnBrk="1" latinLnBrk="0" hangingPunct="1">
+              <a:spcBef>
+                <a:spcPct val="20000"/>
+              </a:spcBef>
+              <a:buFont typeface="Arial"/>
+              <a:buChar char="•"/>
+              <a:defRPr sz="2000" kern="1200">
+                <a:solidFill>
+                  <a:schemeClr val="tx1"/>
+                </a:solidFill>
+                <a:latin typeface="+mn-lt"/>
+                <a:ea typeface="+mn-ea"/>
+                <a:cs typeface="+mn-cs"/>
+              </a:defRPr>
+            </a:lvl8pPr>
+            <a:lvl9pPr marL="3886200" indent="-228600" algn="l" defTabSz="457200" rtl="0" eaLnBrk="1" latinLnBrk="0" hangingPunct="1">
+              <a:spcBef>
+                <a:spcPct val="20000"/>
+              </a:spcBef>
+              <a:buFont typeface="Arial"/>
+              <a:buChar char="•"/>
+              <a:defRPr sz="2000" kern="1200">
+                <a:solidFill>
+                  <a:schemeClr val="tx1"/>
+                </a:solidFill>
+                <a:latin typeface="+mn-lt"/>
+                <a:ea typeface="+mn-ea"/>
+                <a:cs typeface="+mn-cs"/>
+              </a:defRPr>
+            </a:lvl9pPr>
+          </a:lstStyle>
+          <a:p>
+            <a:r>
+              <a:rPr lang="fr-FR" dirty="0" smtClean="0"/>
+              <a:t>Bilan</a:t>
             </a:r>
             <a:endParaRPr lang="fr-FR" dirty="0"/>
           </a:p>
@@ -12027,13 +12316,13 @@
   <p:clrMapOvr>
     <a:masterClrMapping/>
   </p:clrMapOvr>
-  <mc:AlternateContent xmlns:mc="http://schemas.openxmlformats.org/markup-compatibility/2006" xmlns:p14="http://schemas.microsoft.com/office/powerpoint/2010/main">
-    <mc:Choice Requires="p14">
+  <mc:AlternateContent xmlns:mc="http://schemas.openxmlformats.org/markup-compatibility/2006">
+    <mc:Choice xmlns:p14="http://schemas.microsoft.com/office/powerpoint/2010/main" Requires="p14">
       <p:transition spd="med" p14:dur="700">
         <p:fade/>
       </p:transition>
     </mc:Choice>
-    <mc:Fallback xmlns="">
+    <mc:Fallback>
       <p:transition spd="med">
         <p:fade/>
       </p:transition>
@@ -12156,6 +12445,9 @@
               </a:rPr>
               <a:t>Sécurité</a:t>
             </a:r>
+          </a:p>
+          <a:p>
+            <a:pPr lvl="1"/>
             <a:endParaRPr lang="fr-FR" sz="2000" dirty="0">
               <a:solidFill>
                 <a:schemeClr val="tx1"/>
@@ -12174,7 +12466,7 @@
         </p:nvSpPr>
         <p:spPr>
           <a:xfrm>
-            <a:off x="633806" y="102515"/>
+            <a:off x="633806" y="287798"/>
             <a:ext cx="7876388" cy="1143000"/>
           </a:xfrm>
           <a:prstGeom prst="rect">
@@ -12208,11 +12500,7 @@
             <a:pPr algn="ctr"/>
             <a:r>
               <a:rPr lang="fr-FR" dirty="0" smtClean="0"/>
-              <a:t>V. </a:t>
-            </a:r>
-            <a:r>
-              <a:rPr lang="fr-FR" dirty="0" smtClean="0"/>
-              <a:t>Bilan</a:t>
+              <a:t>VI. Bilan technique</a:t>
             </a:r>
             <a:endParaRPr lang="fr-FR" dirty="0"/>
           </a:p>
@@ -12309,7 +12597,9 @@
         </p:nvSpPr>
         <p:spPr/>
         <p:txBody>
-          <a:bodyPr/>
+          <a:bodyPr>
+            <a:normAutofit fontScale="92500" lnSpcReduction="20000"/>
+          </a:bodyPr>
           <a:lstStyle/>
           <a:p>
             <a:endParaRPr lang="fr-FR" sz="2400" dirty="0" smtClean="0"/>
@@ -12332,8 +12622,33 @@
           <a:p>
             <a:r>
               <a:rPr lang="fr-FR" sz="2400" dirty="0"/>
-              <a:t>Projet concret</a:t>
-            </a:r>
+              <a:t>Projet </a:t>
+            </a:r>
+            <a:r>
+              <a:rPr lang="fr-FR" sz="2400" dirty="0" smtClean="0"/>
+              <a:t>concret</a:t>
+            </a:r>
+          </a:p>
+          <a:p>
+            <a:endParaRPr lang="fr-FR" sz="2400" dirty="0"/>
+          </a:p>
+          <a:p>
+            <a:endParaRPr lang="fr-FR" sz="2400" dirty="0" smtClean="0"/>
+          </a:p>
+          <a:p>
+            <a:endParaRPr lang="fr-FR" sz="2400" dirty="0"/>
+          </a:p>
+          <a:p>
+            <a:r>
+              <a:rPr lang="fr-FR" sz="2400" dirty="0" smtClean="0"/>
+              <a:t>Travail avec des industriels</a:t>
+            </a:r>
+          </a:p>
+          <a:p>
+            <a:pPr marL="0" indent="0">
+              <a:buNone/>
+            </a:pPr>
+            <a:endParaRPr lang="fr-FR" sz="2400" dirty="0"/>
           </a:p>
           <a:p>
             <a:endParaRPr lang="fr-FR" sz="2400" dirty="0"/>
@@ -12405,7 +12720,7 @@
             <a:pPr algn="ctr"/>
             <a:r>
               <a:rPr lang="fr-FR" dirty="0" smtClean="0"/>
-              <a:t>conclusion</a:t>
+              <a:t>VII Conclusion : bilan personnel</a:t>
             </a:r>
             <a:endParaRPr lang="fr-FR" dirty="0"/>
           </a:p>
@@ -12800,217 +13115,6 @@
 </p:sld>
 </file>
 
-<file path=ppt/slides/slide21.xml><?xml version="1.0" encoding="utf-8"?>
-<p:sld xmlns:a="http://schemas.openxmlformats.org/drawingml/2006/main" xmlns:r="http://schemas.openxmlformats.org/officeDocument/2006/relationships" xmlns:p="http://schemas.openxmlformats.org/presentationml/2006/main" show="0">
-  <p:cSld>
-    <p:spTree>
-      <p:nvGrpSpPr>
-        <p:cNvPr id="1" name=""/>
-        <p:cNvGrpSpPr/>
-        <p:nvPr/>
-      </p:nvGrpSpPr>
-      <p:grpSpPr>
-        <a:xfrm>
-          <a:off x="0" y="0"/>
-          <a:ext cx="0" cy="0"/>
-          <a:chOff x="0" y="0"/>
-          <a:chExt cx="0" cy="0"/>
-        </a:xfrm>
-      </p:grpSpPr>
-      <p:sp>
-        <p:nvSpPr>
-          <p:cNvPr id="2" name="Titre 1"/>
-          <p:cNvSpPr>
-            <a:spLocks noGrp="1"/>
-          </p:cNvSpPr>
-          <p:nvPr>
-            <p:ph type="title"/>
-          </p:nvPr>
-        </p:nvSpPr>
-        <p:spPr/>
-        <p:txBody>
-          <a:bodyPr/>
-          <a:lstStyle/>
-          <a:p>
-            <a:endParaRPr lang="fr-FR"/>
-          </a:p>
-        </p:txBody>
-      </p:sp>
-      <p:sp>
-        <p:nvSpPr>
-          <p:cNvPr id="3" name="Espace réservé du texte 2"/>
-          <p:cNvSpPr>
-            <a:spLocks noGrp="1"/>
-          </p:cNvSpPr>
-          <p:nvPr>
-            <p:ph type="body" sz="quarter" idx="10"/>
-          </p:nvPr>
-        </p:nvSpPr>
-        <p:spPr/>
-        <p:txBody>
-          <a:bodyPr/>
-          <a:lstStyle/>
-          <a:p>
-            <a:r>
-              <a:rPr lang="fr-FR" dirty="0" smtClean="0"/>
-              <a:t>Est-ce qu’on aurait fait une répartition différente des tâches ? (</a:t>
-            </a:r>
-            <a:r>
-              <a:rPr lang="fr-FR" dirty="0" err="1" smtClean="0"/>
-              <a:t>rép</a:t>
-            </a:r>
-            <a:r>
-              <a:rPr lang="fr-FR" dirty="0" smtClean="0"/>
-              <a:t> : pas de cours de gestion de projet, importance de la gestion de projet </a:t>
-            </a:r>
-            <a:r>
-              <a:rPr lang="fr-FR" dirty="0" err="1" smtClean="0"/>
-              <a:t>blabla</a:t>
-            </a:r>
-            <a:r>
-              <a:rPr lang="fr-FR" dirty="0" smtClean="0"/>
-              <a:t>)</a:t>
-            </a:r>
-          </a:p>
-          <a:p>
-            <a:r>
-              <a:rPr lang="fr-FR" dirty="0" smtClean="0"/>
-              <a:t>Pourquoi la </a:t>
-            </a:r>
-            <a:r>
-              <a:rPr lang="fr-FR" dirty="0" err="1" smtClean="0"/>
-              <a:t>bluetooth</a:t>
-            </a:r>
-            <a:r>
-              <a:rPr lang="fr-FR" dirty="0" smtClean="0"/>
-              <a:t> dll ne </a:t>
-            </a:r>
-            <a:r>
-              <a:rPr lang="fr-FR" dirty="0" err="1" smtClean="0"/>
-              <a:t>com</a:t>
-            </a:r>
-            <a:r>
-              <a:rPr lang="fr-FR" dirty="0" smtClean="0"/>
-              <a:t> pas avec le modèle</a:t>
-            </a:r>
-          </a:p>
-          <a:p>
-            <a:r>
-              <a:rPr lang="fr-FR" dirty="0" smtClean="0"/>
-              <a:t>Même bouton pour allumer, éteindre, état de l’appareil</a:t>
-            </a:r>
-          </a:p>
-          <a:p>
-            <a:r>
-              <a:rPr lang="fr-FR" dirty="0" smtClean="0"/>
-              <a:t>Retour visuel, lampe allumée, éteinte ?</a:t>
-            </a:r>
-          </a:p>
-          <a:p>
-            <a:r>
-              <a:rPr lang="fr-FR" dirty="0" smtClean="0"/>
-              <a:t>Différence utilisateur/admin (pas encore de </a:t>
-            </a:r>
-            <a:r>
-              <a:rPr lang="fr-FR" dirty="0" err="1" smtClean="0"/>
-              <a:t>mdp</a:t>
-            </a:r>
-            <a:r>
-              <a:rPr lang="fr-FR" dirty="0" smtClean="0"/>
-              <a:t>, double clic)</a:t>
-            </a:r>
-          </a:p>
-          <a:p>
-            <a:r>
-              <a:rPr lang="fr-FR" dirty="0" smtClean="0"/>
-              <a:t>Capteurs </a:t>
-            </a:r>
-            <a:r>
-              <a:rPr lang="fr-FR" dirty="0" err="1" smtClean="0"/>
-              <a:t>fibaro</a:t>
-            </a:r>
-            <a:r>
-              <a:rPr lang="fr-FR" dirty="0" smtClean="0"/>
-              <a:t>, est-ce que notre dll </a:t>
-            </a:r>
-            <a:r>
-              <a:rPr lang="fr-FR" dirty="0" err="1" smtClean="0"/>
-              <a:t>requeteHttp</a:t>
-            </a:r>
-            <a:r>
-              <a:rPr lang="fr-FR" dirty="0" smtClean="0"/>
-              <a:t> récup (dll ok, modèle réalisable, </a:t>
-            </a:r>
-            <a:r>
-              <a:rPr lang="fr-FR" dirty="0" err="1" smtClean="0"/>
-              <a:t>ihm</a:t>
-            </a:r>
-            <a:r>
-              <a:rPr lang="fr-FR" dirty="0" smtClean="0"/>
-              <a:t> compliqué)</a:t>
-            </a:r>
-          </a:p>
-          <a:p>
-            <a:r>
-              <a:rPr lang="fr-FR" dirty="0" smtClean="0"/>
-              <a:t>Tests clients : bah on donne à </a:t>
-            </a:r>
-            <a:r>
-              <a:rPr lang="fr-FR" dirty="0" err="1" smtClean="0"/>
-              <a:t>Ergovie</a:t>
-            </a:r>
-            <a:r>
-              <a:rPr lang="fr-FR" dirty="0" smtClean="0"/>
-              <a:t> et ils se démerdent</a:t>
-            </a:r>
-          </a:p>
-          <a:p>
-            <a:endParaRPr lang="fr-FR" dirty="0"/>
-          </a:p>
-          <a:p>
-            <a:endParaRPr lang="fr-FR" dirty="0" smtClean="0"/>
-          </a:p>
-          <a:p>
-            <a:r>
-              <a:rPr lang="fr-FR" dirty="0" smtClean="0"/>
-              <a:t>Ne pas oublier : les encadrants peuvent prendre cher</a:t>
-            </a:r>
-            <a:endParaRPr lang="fr-FR" dirty="0"/>
-          </a:p>
-        </p:txBody>
-      </p:sp>
-    </p:spTree>
-    <p:extLst>
-      <p:ext uri="{BB962C8B-B14F-4D97-AF65-F5344CB8AC3E}">
-        <p14:creationId xmlns:p14="http://schemas.microsoft.com/office/powerpoint/2010/main" val="698748401"/>
-      </p:ext>
-    </p:extLst>
-  </p:cSld>
-  <p:clrMapOvr>
-    <a:masterClrMapping/>
-  </p:clrMapOvr>
-  <mc:AlternateContent xmlns:mc="http://schemas.openxmlformats.org/markup-compatibility/2006" xmlns:p14="http://schemas.microsoft.com/office/powerpoint/2010/main">
-    <mc:Choice Requires="p14">
-      <p:transition spd="med" p14:dur="700">
-        <p:fade/>
-      </p:transition>
-    </mc:Choice>
-    <mc:Fallback xmlns="">
-      <p:transition spd="med">
-        <p:fade/>
-      </p:transition>
-    </mc:Fallback>
-  </mc:AlternateContent>
-  <p:timing>
-    <p:tnLst>
-      <p:par>
-        <p:cTn id="1" dur="indefinite" restart="never" nodeType="tmRoot"/>
-      </p:par>
-    </p:tnLst>
-  </p:timing>
-</p:sld>
-</file>
-
 <file path=ppt/slides/slide3.xml><?xml version="1.0" encoding="utf-8"?>
 <p:sld xmlns:a="http://schemas.openxmlformats.org/drawingml/2006/main" xmlns:r="http://schemas.openxmlformats.org/officeDocument/2006/relationships" xmlns:p="http://schemas.openxmlformats.org/presentationml/2006/main">
   <p:cSld>
@@ -13040,8 +13144,8 @@
         </p:nvSpPr>
         <p:spPr>
           <a:xfrm>
-            <a:off x="633806" y="333227"/>
-            <a:ext cx="7876388" cy="946131"/>
+            <a:off x="633806" y="350798"/>
+            <a:ext cx="7876388" cy="1080000"/>
           </a:xfrm>
         </p:spPr>
         <p:txBody>
@@ -13767,8 +13871,8 @@
         </p:nvSpPr>
         <p:spPr>
           <a:xfrm>
-            <a:off x="633806" y="107931"/>
-            <a:ext cx="7876388" cy="1143000"/>
+            <a:off x="661520" y="259782"/>
+            <a:ext cx="7876388" cy="946800"/>
           </a:xfrm>
         </p:spPr>
         <p:txBody>
@@ -13845,7 +13949,7 @@
         </p:nvSpPr>
         <p:spPr>
           <a:xfrm>
-            <a:off x="633806" y="107931"/>
+            <a:off x="633806" y="299551"/>
             <a:ext cx="7876388" cy="1143000"/>
           </a:xfrm>
         </p:spPr>
@@ -14228,7 +14332,6 @@
                         <a:rPr lang="fr-FR" dirty="0" smtClean="0"/>
                         <a:t>Portable : portage du modèle</a:t>
                       </a:r>
-                      <a:endParaRPr lang="fr-FR" dirty="0" smtClean="0"/>
                     </a:p>
                     <a:p>
                       <a:endParaRPr lang="fr-FR" dirty="0"/>
@@ -14251,13 +14354,13 @@
   <p:clrMapOvr>
     <a:masterClrMapping/>
   </p:clrMapOvr>
-  <mc:AlternateContent xmlns:mc="http://schemas.openxmlformats.org/markup-compatibility/2006" xmlns:p14="http://schemas.microsoft.com/office/powerpoint/2010/main">
-    <mc:Choice Requires="p14">
+  <mc:AlternateContent xmlns:mc="http://schemas.openxmlformats.org/markup-compatibility/2006">
+    <mc:Choice xmlns:p14="http://schemas.microsoft.com/office/powerpoint/2010/main" Requires="p14">
       <p:transition spd="med" p14:dur="700">
         <p:fade/>
       </p:transition>
     </mc:Choice>
-    <mc:Fallback xmlns="">
+    <mc:Fallback>
       <p:transition spd="med">
         <p:fade/>
       </p:transition>
@@ -14302,8 +14405,8 @@
         </p:nvSpPr>
         <p:spPr>
           <a:xfrm>
-            <a:off x="633806" y="107931"/>
-            <a:ext cx="7876388" cy="1143000"/>
+            <a:off x="633806" y="270197"/>
+            <a:ext cx="7876388" cy="946800"/>
           </a:xfrm>
         </p:spPr>
         <p:txBody>
@@ -14340,12 +14443,21 @@
           </a:xfrm>
         </p:spPr>
         <p:txBody>
-          <a:bodyPr/>
+          <a:bodyPr>
+            <a:normAutofit fontScale="92500" lnSpcReduction="20000"/>
+          </a:bodyPr>
           <a:lstStyle/>
           <a:p>
+            <a:endParaRPr lang="fr-FR" dirty="0" smtClean="0"/>
+          </a:p>
+          <a:p>
             <a:r>
               <a:rPr lang="fr-FR" dirty="0" smtClean="0"/>
-              <a:t>Avant le début du projet</a:t>
+              <a:t>Avant </a:t>
+            </a:r>
+            <a:r>
+              <a:rPr lang="fr-FR" dirty="0" smtClean="0"/>
+              <a:t>le début du projet</a:t>
             </a:r>
             <a:endParaRPr lang="fr-FR" dirty="0"/>
           </a:p>
@@ -14373,7 +14485,7 @@
         </p:blipFill>
         <p:spPr>
           <a:xfrm>
-            <a:off x="3384061" y="1667920"/>
+            <a:off x="3826986" y="2033151"/>
             <a:ext cx="1418468" cy="1268691"/>
           </a:xfrm>
           <a:prstGeom prst="rect">
@@ -14389,7 +14501,7 @@
         </p:nvSpPr>
         <p:spPr>
           <a:xfrm>
-            <a:off x="2969843" y="3107703"/>
+            <a:off x="3438836" y="3314971"/>
             <a:ext cx="2194767" cy="752807"/>
           </a:xfrm>
           <a:prstGeom prst="rect">
@@ -14435,7 +14547,7 @@
         </p:nvSpPr>
         <p:spPr>
           <a:xfrm>
-            <a:off x="3184634" y="3301842"/>
+            <a:off x="3662855" y="3506708"/>
             <a:ext cx="1818289" cy="369332"/>
           </a:xfrm>
           <a:prstGeom prst="rect">
@@ -14487,7 +14599,7 @@
         </p:blipFill>
         <p:spPr>
           <a:xfrm>
-            <a:off x="3499064" y="3671174"/>
+            <a:off x="3977285" y="3876040"/>
             <a:ext cx="1189427" cy="1138373"/>
           </a:xfrm>
           <a:prstGeom prst="rect">
@@ -14556,8 +14668,8 @@
         </p:nvSpPr>
         <p:spPr>
           <a:xfrm>
-            <a:off x="633806" y="107931"/>
-            <a:ext cx="7876388" cy="1143000"/>
+            <a:off x="656039" y="230646"/>
+            <a:ext cx="7876388" cy="946800"/>
           </a:xfrm>
         </p:spPr>
         <p:txBody>
@@ -14594,12 +14706,21 @@
           </a:xfrm>
         </p:spPr>
         <p:txBody>
-          <a:bodyPr/>
+          <a:bodyPr>
+            <a:normAutofit fontScale="92500" lnSpcReduction="20000"/>
+          </a:bodyPr>
           <a:lstStyle/>
           <a:p>
+            <a:endParaRPr lang="fr-FR" dirty="0" smtClean="0"/>
+          </a:p>
+          <a:p>
             <a:r>
               <a:rPr lang="fr-FR" dirty="0" smtClean="0"/>
-              <a:t>En janvier</a:t>
+              <a:t>En </a:t>
+            </a:r>
+            <a:r>
+              <a:rPr lang="fr-FR" dirty="0" smtClean="0"/>
+              <a:t>janvier</a:t>
             </a:r>
             <a:endParaRPr lang="fr-FR" dirty="0"/>
           </a:p>
@@ -15190,8 +15311,13 @@
           </a:xfrm>
         </p:spPr>
         <p:txBody>
-          <a:bodyPr/>
+          <a:bodyPr>
+            <a:normAutofit fontScale="92500" lnSpcReduction="20000"/>
+          </a:bodyPr>
           <a:lstStyle/>
+          <a:p>
+            <a:endParaRPr lang="fr-FR" dirty="0" smtClean="0"/>
+          </a:p>
           <a:p>
             <a:r>
               <a:rPr lang="fr-FR" dirty="0" smtClean="0"/>
@@ -15951,12 +16077,21 @@
           </a:xfrm>
         </p:spPr>
         <p:txBody>
-          <a:bodyPr/>
+          <a:bodyPr>
+            <a:normAutofit fontScale="92500" lnSpcReduction="20000"/>
+          </a:bodyPr>
           <a:lstStyle/>
           <a:p>
+            <a:endParaRPr lang="fr-FR" dirty="0" smtClean="0"/>
+          </a:p>
+          <a:p>
             <a:r>
               <a:rPr lang="fr-FR" dirty="0" smtClean="0"/>
-              <a:t>Ce deuxième semestre</a:t>
+              <a:t>Ce </a:t>
+            </a:r>
+            <a:r>
+              <a:rPr lang="fr-FR" dirty="0" smtClean="0"/>
+              <a:t>deuxième semestre</a:t>
             </a:r>
             <a:endParaRPr lang="fr-FR" dirty="0"/>
           </a:p>

--- a/Rendu/Diapo_soutenance.pptx
+++ b/Rendu/Diapo_soutenance.pptx
@@ -1292,10 +1292,6 @@
           <a:bodyPr/>
           <a:lstStyle/>
           <a:p>
-            <a:r>
-              <a:rPr lang="fr-FR" dirty="0" smtClean="0"/>
-              <a:t>Rajouter .dll</a:t>
-            </a:r>
             <a:endParaRPr lang="fr-FR" dirty="0"/>
           </a:p>
         </p:txBody>
@@ -1468,13 +1464,8 @@
           <a:p>
             <a:r>
               <a:rPr lang="fr-FR" dirty="0" smtClean="0"/>
-              <a:t>2 photos, partie utilisateur et partie </a:t>
-            </a:r>
-            <a:r>
-              <a:rPr lang="fr-FR" dirty="0" smtClean="0"/>
-              <a:t>admin</a:t>
-            </a:r>
-            <a:endParaRPr lang="fr-FR" dirty="0" smtClean="0"/>
+              <a:t>2 photos, partie utilisateur et partie admin</a:t>
+            </a:r>
           </a:p>
         </p:txBody>
       </p:sp>
@@ -9723,19 +9714,7 @@
             <a:pPr algn="ctr"/>
             <a:r>
               <a:rPr lang="fr-FR" dirty="0" smtClean="0"/>
-              <a:t>III</a:t>
-            </a:r>
-            <a:r>
-              <a:rPr lang="fr-FR" dirty="0" smtClean="0"/>
-              <a:t>. </a:t>
-            </a:r>
-            <a:r>
-              <a:rPr lang="fr-FR" dirty="0" smtClean="0"/>
-              <a:t>CHOIX </a:t>
-            </a:r>
-            <a:r>
-              <a:rPr lang="fr-FR" dirty="0" smtClean="0"/>
-              <a:t>Techniques : bilan</a:t>
+              <a:t>III. CHOIX Techniques : bilan</a:t>
             </a:r>
             <a:endParaRPr lang="fr-FR" dirty="0"/>
           </a:p>
@@ -9813,11 +9792,7 @@
             <a:pPr algn="ctr"/>
             <a:r>
               <a:rPr lang="fr-FR" dirty="0" smtClean="0"/>
-              <a:t>IV. </a:t>
-            </a:r>
-            <a:r>
-              <a:rPr lang="fr-FR" dirty="0" smtClean="0"/>
-              <a:t>L’application finale</a:t>
+              <a:t>IV. L’application finale</a:t>
             </a:r>
             <a:endParaRPr lang="fr-FR" dirty="0"/>
           </a:p>
@@ -10137,7 +10112,6 @@
               <a:rPr lang="fr-FR" dirty="0"/>
               <a:t>IV. L’application finale</a:t>
             </a:r>
-            <a:endParaRPr lang="fr-FR" dirty="0"/>
           </a:p>
         </p:txBody>
       </p:sp>
@@ -11547,11 +11521,7 @@
             <a:pPr algn="ctr"/>
             <a:r>
               <a:rPr lang="fr-FR" dirty="0" smtClean="0"/>
-              <a:t>V</a:t>
-            </a:r>
-            <a:r>
-              <a:rPr lang="fr-FR" dirty="0" smtClean="0"/>
-              <a:t>. </a:t>
+              <a:t>V. </a:t>
             </a:r>
             <a:r>
               <a:rPr lang="fr-FR" dirty="0"/>
@@ -11879,7 +11849,6 @@
                         <a:rPr lang="fr-FR" baseline="0" dirty="0" smtClean="0"/>
                         <a:t> les différentes parties</a:t>
                       </a:r>
-                      <a:endParaRPr lang="fr-FR" baseline="0" dirty="0" smtClean="0"/>
                     </a:p>
                   </a:txBody>
                   <a:tcPr/>
@@ -12069,19 +12038,7 @@
             <a:pPr algn="ctr"/>
             <a:r>
               <a:rPr lang="fr-FR" dirty="0" smtClean="0"/>
-              <a:t>V</a:t>
-            </a:r>
-            <a:r>
-              <a:rPr lang="fr-FR" dirty="0" smtClean="0"/>
-              <a:t>. </a:t>
-            </a:r>
-            <a:r>
-              <a:rPr lang="fr-FR" dirty="0" smtClean="0"/>
-              <a:t>Gestion </a:t>
-            </a:r>
-            <a:r>
-              <a:rPr lang="fr-FR" dirty="0" smtClean="0"/>
-              <a:t>de projet</a:t>
+              <a:t>V. Gestion de projet</a:t>
             </a:r>
             <a:endParaRPr lang="fr-FR" dirty="0"/>
           </a:p>
@@ -12316,13 +12273,13 @@
   <p:clrMapOvr>
     <a:masterClrMapping/>
   </p:clrMapOvr>
-  <mc:AlternateContent xmlns:mc="http://schemas.openxmlformats.org/markup-compatibility/2006">
-    <mc:Choice xmlns:p14="http://schemas.microsoft.com/office/powerpoint/2010/main" Requires="p14">
+  <mc:AlternateContent xmlns:mc="http://schemas.openxmlformats.org/markup-compatibility/2006" xmlns:p14="http://schemas.microsoft.com/office/powerpoint/2010/main">
+    <mc:Choice Requires="p14">
       <p:transition spd="med" p14:dur="700">
         <p:fade/>
       </p:transition>
     </mc:Choice>
-    <mc:Fallback>
+    <mc:Fallback xmlns="">
       <p:transition spd="med">
         <p:fade/>
       </p:transition>
@@ -12720,7 +12677,11 @@
             <a:pPr algn="ctr"/>
             <a:r>
               <a:rPr lang="fr-FR" dirty="0" smtClean="0"/>
-              <a:t>VII Conclusion : bilan personnel</a:t>
+              <a:t>VII. </a:t>
+            </a:r>
+            <a:r>
+              <a:rPr lang="fr-FR" dirty="0" smtClean="0"/>
+              <a:t>Conclusion : bilan personnel</a:t>
             </a:r>
             <a:endParaRPr lang="fr-FR" dirty="0"/>
           </a:p>
@@ -12814,7 +12775,7 @@
         <p:spPr>
           <a:xfrm>
             <a:off x="589006" y="1536174"/>
-            <a:ext cx="7965989" cy="3785652"/>
+            <a:ext cx="7965989" cy="4401205"/>
           </a:xfrm>
           <a:prstGeom prst="rect">
             <a:avLst/>
@@ -12847,7 +12808,7 @@
             </a:pPr>
             <a:r>
               <a:rPr lang="fr-FR" sz="2000" dirty="0" smtClean="0"/>
-              <a:t>Architecture du projet</a:t>
+              <a:t>Réalisation</a:t>
             </a:r>
           </a:p>
           <a:p>
@@ -12862,7 +12823,7 @@
             </a:pPr>
             <a:r>
               <a:rPr lang="fr-FR" sz="2000" dirty="0" smtClean="0"/>
-              <a:t>Présentation de l’application et démonstration</a:t>
+              <a:t>Choix techniques : bilan</a:t>
             </a:r>
           </a:p>
           <a:p>
@@ -12877,8 +12838,9 @@
             </a:pPr>
             <a:r>
               <a:rPr lang="fr-FR" sz="2000" dirty="0" smtClean="0"/>
-              <a:t>Organisation</a:t>
-            </a:r>
+              <a:t>L’application finale et démonstration</a:t>
+            </a:r>
+            <a:endParaRPr lang="fr-FR" sz="2000" dirty="0" smtClean="0"/>
           </a:p>
           <a:p>
             <a:pPr marL="400050" indent="-400050">
@@ -12892,8 +12854,9 @@
             </a:pPr>
             <a:r>
               <a:rPr lang="fr-FR" sz="2000" dirty="0" smtClean="0"/>
-              <a:t>Choix techniques</a:t>
-            </a:r>
+              <a:t>Gestion de projet</a:t>
+            </a:r>
+            <a:endParaRPr lang="fr-FR" sz="2000" dirty="0" smtClean="0"/>
           </a:p>
           <a:p>
             <a:pPr marL="400050" indent="-400050">
@@ -12907,7 +12870,27 @@
             </a:pPr>
             <a:r>
               <a:rPr lang="fr-FR" sz="2000" dirty="0" smtClean="0"/>
-              <a:t>Bilan et conclusion</a:t>
+              <a:t>Bilan </a:t>
+            </a:r>
+            <a:r>
+              <a:rPr lang="fr-FR" sz="2000" dirty="0" smtClean="0"/>
+              <a:t>technique</a:t>
+            </a:r>
+            <a:endParaRPr lang="fr-FR" sz="2000" dirty="0"/>
+          </a:p>
+          <a:p>
+            <a:pPr marL="400050" indent="-400050">
+              <a:buAutoNum type="romanUcPeriod"/>
+            </a:pPr>
+            <a:endParaRPr lang="fr-FR" sz="2000" dirty="0" smtClean="0"/>
+          </a:p>
+          <a:p>
+            <a:pPr marL="400050" indent="-400050">
+              <a:buAutoNum type="romanUcPeriod"/>
+            </a:pPr>
+            <a:r>
+              <a:rPr lang="fr-FR" sz="2000" dirty="0" smtClean="0"/>
+              <a:t>Conclusion : bilan personnel</a:t>
             </a:r>
             <a:endParaRPr lang="fr-FR" sz="2000" dirty="0"/>
           </a:p>
@@ -14354,13 +14337,13 @@
   <p:clrMapOvr>
     <a:masterClrMapping/>
   </p:clrMapOvr>
-  <mc:AlternateContent xmlns:mc="http://schemas.openxmlformats.org/markup-compatibility/2006">
-    <mc:Choice xmlns:p14="http://schemas.microsoft.com/office/powerpoint/2010/main" Requires="p14">
+  <mc:AlternateContent xmlns:mc="http://schemas.openxmlformats.org/markup-compatibility/2006" xmlns:p14="http://schemas.microsoft.com/office/powerpoint/2010/main">
+    <mc:Choice Requires="p14">
       <p:transition spd="med" p14:dur="700">
         <p:fade/>
       </p:transition>
     </mc:Choice>
-    <mc:Fallback>
+    <mc:Fallback xmlns="">
       <p:transition spd="med">
         <p:fade/>
       </p:transition>
@@ -14453,11 +14436,7 @@
           <a:p>
             <a:r>
               <a:rPr lang="fr-FR" dirty="0" smtClean="0"/>
-              <a:t>Avant </a:t>
-            </a:r>
-            <a:r>
-              <a:rPr lang="fr-FR" dirty="0" smtClean="0"/>
-              <a:t>le début du projet</a:t>
+              <a:t>Avant le début du projet</a:t>
             </a:r>
             <a:endParaRPr lang="fr-FR" dirty="0"/>
           </a:p>
@@ -14716,11 +14695,7 @@
           <a:p>
             <a:r>
               <a:rPr lang="fr-FR" dirty="0" smtClean="0"/>
-              <a:t>En </a:t>
-            </a:r>
-            <a:r>
-              <a:rPr lang="fr-FR" dirty="0" smtClean="0"/>
-              <a:t>janvier</a:t>
+              <a:t>En janvier</a:t>
             </a:r>
             <a:endParaRPr lang="fr-FR" dirty="0"/>
           </a:p>
@@ -16087,11 +16062,7 @@
           <a:p>
             <a:r>
               <a:rPr lang="fr-FR" dirty="0" smtClean="0"/>
-              <a:t>Ce </a:t>
-            </a:r>
-            <a:r>
-              <a:rPr lang="fr-FR" dirty="0" smtClean="0"/>
-              <a:t>deuxième semestre</a:t>
+              <a:t>Ce deuxième semestre</a:t>
             </a:r>
             <a:endParaRPr lang="fr-FR" dirty="0"/>
           </a:p>

--- a/Rendu/Diapo_soutenance.pptx
+++ b/Rendu/Diapo_soutenance.pptx
@@ -5,10 +5,10 @@
     <p:sldMasterId id="2147483648" r:id="rId1"/>
   </p:sldMasterIdLst>
   <p:notesMasterIdLst>
-    <p:notesMasterId r:id="rId22"/>
+    <p:notesMasterId r:id="rId25"/>
   </p:notesMasterIdLst>
   <p:handoutMasterIdLst>
-    <p:handoutMasterId r:id="rId23"/>
+    <p:handoutMasterId r:id="rId26"/>
   </p:handoutMasterIdLst>
   <p:sldIdLst>
     <p:sldId id="303" r:id="rId2"/>
@@ -23,14 +23,17 @@
     <p:sldId id="311" r:id="rId11"/>
     <p:sldId id="319" r:id="rId12"/>
     <p:sldId id="312" r:id="rId13"/>
-    <p:sldId id="313" r:id="rId14"/>
-    <p:sldId id="314" r:id="rId15"/>
-    <p:sldId id="315" r:id="rId16"/>
-    <p:sldId id="316" r:id="rId17"/>
-    <p:sldId id="317" r:id="rId18"/>
-    <p:sldId id="320" r:id="rId19"/>
-    <p:sldId id="321" r:id="rId20"/>
-    <p:sldId id="306" r:id="rId21"/>
+    <p:sldId id="329" r:id="rId14"/>
+    <p:sldId id="313" r:id="rId15"/>
+    <p:sldId id="314" r:id="rId16"/>
+    <p:sldId id="315" r:id="rId17"/>
+    <p:sldId id="316" r:id="rId18"/>
+    <p:sldId id="317" r:id="rId19"/>
+    <p:sldId id="320" r:id="rId20"/>
+    <p:sldId id="321" r:id="rId21"/>
+    <p:sldId id="306" r:id="rId22"/>
+    <p:sldId id="330" r:id="rId23"/>
+    <p:sldId id="331" r:id="rId24"/>
   </p:sldIdLst>
   <p:sldSz cx="9144000" cy="6858000" type="screen4x3"/>
   <p:notesSz cx="6799263" cy="9929813"/>
@@ -131,7 +134,7 @@
   </p:defaultTextStyle>
   <p:extLst>
     <p:ext uri="{EFAFB233-063F-42B5-8137-9DF3F51BA10A}">
-      <p15:sldGuideLst xmlns:p15="http://schemas.microsoft.com/office/powerpoint/2012/main">
+      <p15:sldGuideLst xmlns:p15="http://schemas.microsoft.com/office/powerpoint/2012/main" xmlns="">
         <p15:guide id="1" orient="horz" pos="1620">
           <p15:clr>
             <a:srgbClr val="A4A3A4"/>
@@ -266,7 +269,7 @@
             <a:fld id="{1FF860C4-84CC-4ED2-86B7-24C0345B37D5}" type="datetimeFigureOut">
               <a:rPr lang="fr-FR" smtClean="0"/>
               <a:pPr/>
-              <a:t>22/05/2016</a:t>
+              <a:t>23/05/2016</a:t>
             </a:fld>
             <a:endParaRPr lang="fr-FR"/>
           </a:p>
@@ -433,7 +436,7 @@
             <a:fld id="{C2C2714D-4FF2-4E25-9D9C-3A52AC0061D5}" type="datetimeFigureOut">
               <a:rPr lang="fr-FR" smtClean="0"/>
               <a:pPr/>
-              <a:t>22/05/2016</a:t>
+              <a:t>23/05/2016</a:t>
             </a:fld>
             <a:endParaRPr lang="fr-FR"/>
           </a:p>
@@ -853,7 +856,7 @@
             <a:fld id="{39168679-7C28-4FFB-8A08-9AACB039AAD4}" type="slidenum">
               <a:rPr lang="fr-FR" smtClean="0"/>
               <a:pPr/>
-              <a:t>16</a:t>
+              <a:t>17</a:t>
             </a:fld>
             <a:endParaRPr lang="fr-FR"/>
           </a:p>
@@ -970,7 +973,7 @@
             <a:fld id="{39168679-7C28-4FFB-8A08-9AACB039AAD4}" type="slidenum">
               <a:rPr lang="fr-FR" smtClean="0"/>
               <a:pPr/>
-              <a:t>17</a:t>
+              <a:t>18</a:t>
             </a:fld>
             <a:endParaRPr lang="fr-FR"/>
           </a:p>
@@ -1055,7 +1058,7 @@
             <a:fld id="{39168679-7C28-4FFB-8A08-9AACB039AAD4}" type="slidenum">
               <a:rPr lang="fr-FR" smtClean="0"/>
               <a:pPr/>
-              <a:t>18</a:t>
+              <a:t>19</a:t>
             </a:fld>
             <a:endParaRPr lang="fr-FR"/>
           </a:p>
@@ -1377,6 +1380,114 @@
           <a:bodyPr/>
           <a:lstStyle/>
           <a:p>
+            <a:pPr marL="0" indent="0">
+              <a:buNone/>
+            </a:pPr>
+            <a:endParaRPr lang="fr-FR" dirty="0" smtClean="0"/>
+          </a:p>
+          <a:p>
+            <a:r>
+              <a:rPr lang="fr-FR" dirty="0" smtClean="0"/>
+              <a:t>Suivis jusqu’à la fin du projet =&gt; plutôt bons</a:t>
+            </a:r>
+          </a:p>
+          <a:p>
+            <a:endParaRPr lang="fr-FR" dirty="0" smtClean="0"/>
+          </a:p>
+          <a:p>
+            <a:r>
+              <a:rPr lang="fr-FR" dirty="0" smtClean="0"/>
+              <a:t>Intégration facile des </a:t>
+            </a:r>
+            <a:r>
+              <a:rPr lang="fr-FR" dirty="0" err="1" smtClean="0"/>
+              <a:t>DLLs</a:t>
+            </a:r>
+            <a:r>
+              <a:rPr lang="fr-FR" dirty="0" smtClean="0"/>
+              <a:t> en C#</a:t>
+            </a:r>
+          </a:p>
+          <a:p>
+            <a:pPr marL="0" indent="0">
+              <a:buNone/>
+            </a:pPr>
+            <a:endParaRPr lang="fr-FR" dirty="0" smtClean="0"/>
+          </a:p>
+          <a:p>
+            <a:r>
+              <a:rPr lang="fr-FR" dirty="0" err="1" smtClean="0"/>
+              <a:t>Qt</a:t>
+            </a:r>
+            <a:r>
+              <a:rPr lang="fr-FR" dirty="0" smtClean="0"/>
+              <a:t> et </a:t>
+            </a:r>
+            <a:r>
+              <a:rPr lang="fr-FR" dirty="0" err="1" smtClean="0"/>
+              <a:t>HappyHttp</a:t>
+            </a:r>
+            <a:r>
+              <a:rPr lang="fr-FR" dirty="0" smtClean="0"/>
+              <a:t> portables</a:t>
+            </a:r>
+          </a:p>
+          <a:p>
+            <a:pPr marL="0" indent="0">
+              <a:buNone/>
+            </a:pPr>
+            <a:r>
+              <a:rPr lang="fr-FR" dirty="0" smtClean="0"/>
+              <a:t>	</a:t>
+            </a:r>
+            <a:r>
+              <a:rPr lang="fr-FR" dirty="0" err="1" smtClean="0"/>
+              <a:t>HappyHttp.h</a:t>
+            </a:r>
+            <a:r>
+              <a:rPr lang="fr-FR" dirty="0" smtClean="0"/>
+              <a:t>		HappyHttp.cpp</a:t>
+            </a:r>
+          </a:p>
+          <a:p>
+            <a:pPr marL="0" indent="0">
+              <a:buNone/>
+            </a:pPr>
+            <a:endParaRPr lang="fr-FR" dirty="0" smtClean="0"/>
+          </a:p>
+          <a:p>
+            <a:r>
+              <a:rPr lang="fr-FR" dirty="0" smtClean="0"/>
+              <a:t>Nouveau modèle aussi performant et portable (C++)</a:t>
+            </a:r>
+          </a:p>
+          <a:p>
+            <a:endParaRPr lang="fr-FR" dirty="0" smtClean="0"/>
+          </a:p>
+          <a:p>
+            <a:r>
+              <a:rPr lang="fr-FR" dirty="0" smtClean="0"/>
+              <a:t>Bonne segmentation du code à l’aide des </a:t>
+            </a:r>
+            <a:r>
+              <a:rPr lang="fr-FR" dirty="0" err="1" smtClean="0"/>
+              <a:t>DLLs</a:t>
+            </a:r>
+            <a:r>
+              <a:rPr lang="fr-FR" dirty="0" smtClean="0"/>
+              <a:t>, </a:t>
+            </a:r>
+          </a:p>
+          <a:p>
+            <a:pPr marL="0" indent="0">
+              <a:buNone/>
+            </a:pPr>
+            <a:r>
+              <a:rPr lang="fr-FR" dirty="0" smtClean="0"/>
+              <a:t>	facilite l’ajout d’équipement dans le futur</a:t>
+            </a:r>
+          </a:p>
+          <a:p>
             <a:endParaRPr lang="fr-FR" dirty="0"/>
           </a:p>
         </p:txBody>
@@ -1572,7 +1683,7 @@
             <a:fld id="{39168679-7C28-4FFB-8A08-9AACB039AAD4}" type="slidenum">
               <a:rPr lang="fr-FR" smtClean="0"/>
               <a:pPr/>
-              <a:t>13</a:t>
+              <a:t>14</a:t>
             </a:fld>
             <a:endParaRPr lang="fr-FR"/>
           </a:p>
@@ -1657,7 +1768,7 @@
             <a:fld id="{39168679-7C28-4FFB-8A08-9AACB039AAD4}" type="slidenum">
               <a:rPr lang="fr-FR" smtClean="0"/>
               <a:pPr/>
-              <a:t>14</a:t>
+              <a:t>15</a:t>
             </a:fld>
             <a:endParaRPr lang="fr-FR"/>
           </a:p>
@@ -1805,7 +1916,7 @@
             <a:fld id="{39168679-7C28-4FFB-8A08-9AACB039AAD4}" type="slidenum">
               <a:rPr lang="fr-FR" smtClean="0"/>
               <a:pPr/>
-              <a:t>15</a:t>
+              <a:t>16</a:t>
             </a:fld>
             <a:endParaRPr lang="fr-FR"/>
           </a:p>
@@ -8348,764 +8459,6 @@
           </a:p>
         </p:txBody>
       </p:sp>
-      <p:pic>
-        <p:nvPicPr>
-          <p:cNvPr id="3" name="Image 2"/>
-          <p:cNvPicPr>
-            <a:picLocks noChangeAspect="1"/>
-          </p:cNvPicPr>
-          <p:nvPr/>
-        </p:nvPicPr>
-        <p:blipFill>
-          <a:blip r:embed="rId3" cstate="screen">
-            <a:extLst>
-              <a:ext uri="{28A0092B-C50C-407E-A947-70E740481C1C}">
-                <a14:useLocalDpi xmlns:a14="http://schemas.microsoft.com/office/drawing/2010/main" val="0"/>
-              </a:ext>
-            </a:extLst>
-          </a:blip>
-          <a:stretch>
-            <a:fillRect/>
-          </a:stretch>
-        </p:blipFill>
-        <p:spPr>
-          <a:xfrm>
-            <a:off x="7853061" y="1429364"/>
-            <a:ext cx="679366" cy="510883"/>
-          </a:xfrm>
-          <a:prstGeom prst="rect">
-            <a:avLst/>
-          </a:prstGeom>
-        </p:spPr>
-      </p:pic>
-      <p:pic>
-        <p:nvPicPr>
-          <p:cNvPr id="4" name="Image 3"/>
-          <p:cNvPicPr>
-            <a:picLocks noChangeAspect="1"/>
-          </p:cNvPicPr>
-          <p:nvPr/>
-        </p:nvPicPr>
-        <p:blipFill>
-          <a:blip r:embed="rId4" cstate="screen">
-            <a:extLst>
-              <a:ext uri="{28A0092B-C50C-407E-A947-70E740481C1C}">
-                <a14:useLocalDpi xmlns:a14="http://schemas.microsoft.com/office/drawing/2010/main" val="0"/>
-              </a:ext>
-            </a:extLst>
-          </a:blip>
-          <a:stretch>
-            <a:fillRect/>
-          </a:stretch>
-        </p:blipFill>
-        <p:spPr>
-          <a:xfrm>
-            <a:off x="5770113" y="4708770"/>
-            <a:ext cx="875600" cy="875600"/>
-          </a:xfrm>
-          <a:prstGeom prst="rect">
-            <a:avLst/>
-          </a:prstGeom>
-        </p:spPr>
-      </p:pic>
-      <p:pic>
-        <p:nvPicPr>
-          <p:cNvPr id="6" name="Image 5"/>
-          <p:cNvPicPr>
-            <a:picLocks noChangeAspect="1"/>
-          </p:cNvPicPr>
-          <p:nvPr/>
-        </p:nvPicPr>
-        <p:blipFill>
-          <a:blip r:embed="rId5" cstate="screen">
-            <a:extLst>
-              <a:ext uri="{28A0092B-C50C-407E-A947-70E740481C1C}">
-                <a14:useLocalDpi xmlns:a14="http://schemas.microsoft.com/office/drawing/2010/main" val="0"/>
-              </a:ext>
-            </a:extLst>
-          </a:blip>
-          <a:stretch>
-            <a:fillRect/>
-          </a:stretch>
-        </p:blipFill>
-        <p:spPr>
-          <a:xfrm rot="10800000">
-            <a:off x="7007672" y="1477671"/>
-            <a:ext cx="402652" cy="402652"/>
-          </a:xfrm>
-          <a:prstGeom prst="rect">
-            <a:avLst/>
-          </a:prstGeom>
-        </p:spPr>
-      </p:pic>
-      <p:pic>
-        <p:nvPicPr>
-          <p:cNvPr id="8" name="Image 7"/>
-          <p:cNvPicPr>
-            <a:picLocks noChangeAspect="1"/>
-          </p:cNvPicPr>
-          <p:nvPr/>
-        </p:nvPicPr>
-        <p:blipFill>
-          <a:blip r:embed="rId6" cstate="screen">
-            <a:extLst>
-              <a:ext uri="{28A0092B-C50C-407E-A947-70E740481C1C}">
-                <a14:useLocalDpi xmlns:a14="http://schemas.microsoft.com/office/drawing/2010/main" val="0"/>
-              </a:ext>
-            </a:extLst>
-          </a:blip>
-          <a:stretch>
-            <a:fillRect/>
-          </a:stretch>
-        </p:blipFill>
-        <p:spPr>
-          <a:xfrm>
-            <a:off x="5820537" y="1345601"/>
-            <a:ext cx="794871" cy="678410"/>
-          </a:xfrm>
-          <a:prstGeom prst="rect">
-            <a:avLst/>
-          </a:prstGeom>
-        </p:spPr>
-      </p:pic>
-      <p:pic>
-        <p:nvPicPr>
-          <p:cNvPr id="9" name="Image 8"/>
-          <p:cNvPicPr>
-            <a:picLocks noChangeAspect="1"/>
-          </p:cNvPicPr>
-          <p:nvPr/>
-        </p:nvPicPr>
-        <p:blipFill>
-          <a:blip r:embed="rId7" cstate="screen">
-            <a:extLst>
-              <a:ext uri="{28A0092B-C50C-407E-A947-70E740481C1C}">
-                <a14:useLocalDpi xmlns:a14="http://schemas.microsoft.com/office/drawing/2010/main" val="0"/>
-              </a:ext>
-            </a:extLst>
-          </a:blip>
-          <a:stretch>
-            <a:fillRect/>
-          </a:stretch>
-        </p:blipFill>
-        <p:spPr>
-          <a:xfrm>
-            <a:off x="5770113" y="2955379"/>
-            <a:ext cx="884715" cy="782731"/>
-          </a:xfrm>
-          <a:prstGeom prst="rect">
-            <a:avLst/>
-          </a:prstGeom>
-        </p:spPr>
-      </p:pic>
-      <p:pic>
-        <p:nvPicPr>
-          <p:cNvPr id="10" name="Image 9"/>
-          <p:cNvPicPr>
-            <a:picLocks noChangeAspect="1"/>
-          </p:cNvPicPr>
-          <p:nvPr/>
-        </p:nvPicPr>
-        <p:blipFill>
-          <a:blip r:embed="rId8">
-            <a:extLst>
-              <a:ext uri="{28A0092B-C50C-407E-A947-70E740481C1C}">
-                <a14:useLocalDpi xmlns:a14="http://schemas.microsoft.com/office/drawing/2010/main" val="0"/>
-              </a:ext>
-            </a:extLst>
-          </a:blip>
-          <a:stretch>
-            <a:fillRect/>
-          </a:stretch>
-        </p:blipFill>
-        <p:spPr>
-          <a:xfrm>
-            <a:off x="3384061" y="1667920"/>
-            <a:ext cx="1418468" cy="1268691"/>
-          </a:xfrm>
-          <a:prstGeom prst="rect">
-            <a:avLst/>
-          </a:prstGeom>
-        </p:spPr>
-      </p:pic>
-      <p:pic>
-        <p:nvPicPr>
-          <p:cNvPr id="11" name="Image 10"/>
-          <p:cNvPicPr>
-            <a:picLocks noChangeAspect="1"/>
-          </p:cNvPicPr>
-          <p:nvPr/>
-        </p:nvPicPr>
-        <p:blipFill>
-          <a:blip r:embed="rId9" cstate="screen">
-            <a:extLst>
-              <a:ext uri="{28A0092B-C50C-407E-A947-70E740481C1C}">
-                <a14:useLocalDpi xmlns:a14="http://schemas.microsoft.com/office/drawing/2010/main" val="0"/>
-              </a:ext>
-            </a:extLst>
-          </a:blip>
-          <a:stretch>
-            <a:fillRect/>
-          </a:stretch>
-        </p:blipFill>
-        <p:spPr>
-          <a:xfrm>
-            <a:off x="244061" y="2851916"/>
-            <a:ext cx="1131791" cy="1257135"/>
-          </a:xfrm>
-          <a:prstGeom prst="rect">
-            <a:avLst/>
-          </a:prstGeom>
-        </p:spPr>
-      </p:pic>
-      <p:pic>
-        <p:nvPicPr>
-          <p:cNvPr id="12" name="Image 11"/>
-          <p:cNvPicPr>
-            <a:picLocks noChangeAspect="1"/>
-          </p:cNvPicPr>
-          <p:nvPr/>
-        </p:nvPicPr>
-        <p:blipFill>
-          <a:blip r:embed="rId10" cstate="screen">
-            <a:extLst>
-              <a:ext uri="{28A0092B-C50C-407E-A947-70E740481C1C}">
-                <a14:useLocalDpi xmlns:a14="http://schemas.microsoft.com/office/drawing/2010/main" val="0"/>
-              </a:ext>
-            </a:extLst>
-          </a:blip>
-          <a:stretch>
-            <a:fillRect/>
-          </a:stretch>
-        </p:blipFill>
-        <p:spPr>
-          <a:xfrm>
-            <a:off x="5924313" y="2249583"/>
-            <a:ext cx="609960" cy="609960"/>
-          </a:xfrm>
-          <a:prstGeom prst="rect">
-            <a:avLst/>
-          </a:prstGeom>
-        </p:spPr>
-      </p:pic>
-      <p:pic>
-        <p:nvPicPr>
-          <p:cNvPr id="13" name="Image 12"/>
-          <p:cNvPicPr>
-            <a:picLocks noChangeAspect="1"/>
-          </p:cNvPicPr>
-          <p:nvPr/>
-        </p:nvPicPr>
-        <p:blipFill>
-          <a:blip r:embed="rId11" cstate="screen">
-            <a:extLst>
-              <a:ext uri="{28A0092B-C50C-407E-A947-70E740481C1C}">
-                <a14:useLocalDpi xmlns:a14="http://schemas.microsoft.com/office/drawing/2010/main" val="0"/>
-              </a:ext>
-            </a:extLst>
-          </a:blip>
-          <a:stretch>
-            <a:fillRect/>
-          </a:stretch>
-        </p:blipFill>
-        <p:spPr>
-          <a:xfrm>
-            <a:off x="6885659" y="4913125"/>
-            <a:ext cx="646679" cy="409867"/>
-          </a:xfrm>
-          <a:prstGeom prst="rect">
-            <a:avLst/>
-          </a:prstGeom>
-        </p:spPr>
-      </p:pic>
-      <p:pic>
-        <p:nvPicPr>
-          <p:cNvPr id="15" name="Image 14"/>
-          <p:cNvPicPr>
-            <a:picLocks noChangeAspect="1"/>
-          </p:cNvPicPr>
-          <p:nvPr/>
-        </p:nvPicPr>
-        <p:blipFill>
-          <a:blip r:embed="rId10" cstate="screen">
-            <a:extLst>
-              <a:ext uri="{28A0092B-C50C-407E-A947-70E740481C1C}">
-                <a14:useLocalDpi xmlns:a14="http://schemas.microsoft.com/office/drawing/2010/main" val="0"/>
-              </a:ext>
-            </a:extLst>
-          </a:blip>
-          <a:stretch>
-            <a:fillRect/>
-          </a:stretch>
-        </p:blipFill>
-        <p:spPr>
-          <a:xfrm rot="10800000">
-            <a:off x="5924312" y="4037833"/>
-            <a:ext cx="609960" cy="609960"/>
-          </a:xfrm>
-          <a:prstGeom prst="rect">
-            <a:avLst/>
-          </a:prstGeom>
-        </p:spPr>
-      </p:pic>
-      <p:pic>
-        <p:nvPicPr>
-          <p:cNvPr id="18" name="Image 17"/>
-          <p:cNvPicPr>
-            <a:picLocks noChangeAspect="1"/>
-          </p:cNvPicPr>
-          <p:nvPr/>
-        </p:nvPicPr>
-        <p:blipFill>
-          <a:blip r:embed="rId12" cstate="screen">
-            <a:extLst>
-              <a:ext uri="{28A0092B-C50C-407E-A947-70E740481C1C}">
-                <a14:useLocalDpi xmlns:a14="http://schemas.microsoft.com/office/drawing/2010/main" val="0"/>
-              </a:ext>
-            </a:extLst>
-          </a:blip>
-          <a:stretch>
-            <a:fillRect/>
-          </a:stretch>
-        </p:blipFill>
-        <p:spPr>
-          <a:xfrm>
-            <a:off x="1733496" y="3558144"/>
-            <a:ext cx="920615" cy="226061"/>
-          </a:xfrm>
-          <a:prstGeom prst="rect">
-            <a:avLst/>
-          </a:prstGeom>
-        </p:spPr>
-      </p:pic>
-      <p:pic>
-        <p:nvPicPr>
-          <p:cNvPr id="19" name="Image 18"/>
-          <p:cNvPicPr>
-            <a:picLocks noChangeAspect="1"/>
-          </p:cNvPicPr>
-          <p:nvPr/>
-        </p:nvPicPr>
-        <p:blipFill>
-          <a:blip r:embed="rId13" cstate="screen">
-            <a:extLst>
-              <a:ext uri="{28A0092B-C50C-407E-A947-70E740481C1C}">
-                <a14:useLocalDpi xmlns:a14="http://schemas.microsoft.com/office/drawing/2010/main" val="0"/>
-              </a:ext>
-            </a:extLst>
-          </a:blip>
-          <a:stretch>
-            <a:fillRect/>
-          </a:stretch>
-        </p:blipFill>
-        <p:spPr>
-          <a:xfrm>
-            <a:off x="7906150" y="4823774"/>
-            <a:ext cx="613499" cy="613499"/>
-          </a:xfrm>
-          <a:prstGeom prst="rect">
-            <a:avLst/>
-          </a:prstGeom>
-        </p:spPr>
-      </p:pic>
-      <p:sp>
-        <p:nvSpPr>
-          <p:cNvPr id="20" name="Rectangle 19"/>
-          <p:cNvSpPr/>
-          <p:nvPr/>
-        </p:nvSpPr>
-        <p:spPr>
-          <a:xfrm>
-            <a:off x="5607347" y="1104253"/>
-            <a:ext cx="3263885" cy="4484982"/>
-          </a:xfrm>
-          <a:prstGeom prst="rect">
-            <a:avLst/>
-          </a:prstGeom>
-          <a:noFill/>
-          <a:ln w="28575">
-            <a:solidFill>
-              <a:srgbClr val="00B050"/>
-            </a:solidFill>
-          </a:ln>
-        </p:spPr>
-        <p:style>
-          <a:lnRef idx="1">
-            <a:schemeClr val="accent1"/>
-          </a:lnRef>
-          <a:fillRef idx="3">
-            <a:schemeClr val="accent1"/>
-          </a:fillRef>
-          <a:effectRef idx="2">
-            <a:schemeClr val="accent1"/>
-          </a:effectRef>
-          <a:fontRef idx="minor">
-            <a:schemeClr val="lt1"/>
-          </a:fontRef>
-        </p:style>
-        <p:txBody>
-          <a:bodyPr rtlCol="0" anchor="ctr"/>
-          <a:lstStyle/>
-          <a:p>
-            <a:pPr algn="ctr"/>
-            <a:endParaRPr lang="fr-FR"/>
-          </a:p>
-        </p:txBody>
-      </p:sp>
-      <p:sp>
-        <p:nvSpPr>
-          <p:cNvPr id="22" name="Rectangle 21"/>
-          <p:cNvSpPr/>
-          <p:nvPr/>
-        </p:nvSpPr>
-        <p:spPr>
-          <a:xfrm>
-            <a:off x="139158" y="2472104"/>
-            <a:ext cx="2688492" cy="2011069"/>
-          </a:xfrm>
-          <a:prstGeom prst="rect">
-            <a:avLst/>
-          </a:prstGeom>
-          <a:noFill/>
-          <a:ln w="28575">
-            <a:solidFill>
-              <a:srgbClr val="00B0F0"/>
-            </a:solidFill>
-          </a:ln>
-        </p:spPr>
-        <p:style>
-          <a:lnRef idx="1">
-            <a:schemeClr val="accent1"/>
-          </a:lnRef>
-          <a:fillRef idx="3">
-            <a:schemeClr val="accent1"/>
-          </a:fillRef>
-          <a:effectRef idx="2">
-            <a:schemeClr val="accent1"/>
-          </a:effectRef>
-          <a:fontRef idx="minor">
-            <a:schemeClr val="lt1"/>
-          </a:fontRef>
-        </p:style>
-        <p:txBody>
-          <a:bodyPr rtlCol="0" anchor="ctr"/>
-          <a:lstStyle/>
-          <a:p>
-            <a:pPr algn="ctr"/>
-            <a:endParaRPr lang="fr-FR"/>
-          </a:p>
-        </p:txBody>
-      </p:sp>
-      <p:sp>
-        <p:nvSpPr>
-          <p:cNvPr id="23" name="Rectangle 22"/>
-          <p:cNvSpPr/>
-          <p:nvPr/>
-        </p:nvSpPr>
-        <p:spPr>
-          <a:xfrm>
-            <a:off x="2969843" y="3107703"/>
-            <a:ext cx="967141" cy="752807"/>
-          </a:xfrm>
-          <a:prstGeom prst="rect">
-            <a:avLst/>
-          </a:prstGeom>
-          <a:noFill/>
-          <a:ln w="28575">
-            <a:solidFill>
-              <a:schemeClr val="tx2">
-                <a:lumMod val="75000"/>
-              </a:schemeClr>
-            </a:solidFill>
-          </a:ln>
-        </p:spPr>
-        <p:style>
-          <a:lnRef idx="1">
-            <a:schemeClr val="accent1"/>
-          </a:lnRef>
-          <a:fillRef idx="3">
-            <a:schemeClr val="accent1"/>
-          </a:fillRef>
-          <a:effectRef idx="2">
-            <a:schemeClr val="accent1"/>
-          </a:effectRef>
-          <a:fontRef idx="minor">
-            <a:schemeClr val="lt1"/>
-          </a:fontRef>
-        </p:style>
-        <p:txBody>
-          <a:bodyPr rtlCol="0" anchor="ctr"/>
-          <a:lstStyle/>
-          <a:p>
-            <a:pPr algn="ctr"/>
-            <a:endParaRPr lang="fr-FR"/>
-          </a:p>
-        </p:txBody>
-      </p:sp>
-      <p:sp>
-        <p:nvSpPr>
-          <p:cNvPr id="24" name="Rectangle 23"/>
-          <p:cNvSpPr/>
-          <p:nvPr/>
-        </p:nvSpPr>
-        <p:spPr>
-          <a:xfrm>
-            <a:off x="4197469" y="3112697"/>
-            <a:ext cx="967141" cy="752807"/>
-          </a:xfrm>
-          <a:prstGeom prst="rect">
-            <a:avLst/>
-          </a:prstGeom>
-          <a:noFill/>
-          <a:ln w="28575">
-            <a:solidFill>
-              <a:schemeClr val="accent1">
-                <a:lumMod val="60000"/>
-                <a:lumOff val="40000"/>
-              </a:schemeClr>
-            </a:solidFill>
-          </a:ln>
-        </p:spPr>
-        <p:style>
-          <a:lnRef idx="1">
-            <a:schemeClr val="accent1"/>
-          </a:lnRef>
-          <a:fillRef idx="3">
-            <a:schemeClr val="accent1"/>
-          </a:fillRef>
-          <a:effectRef idx="2">
-            <a:schemeClr val="accent1"/>
-          </a:effectRef>
-          <a:fontRef idx="minor">
-            <a:schemeClr val="lt1"/>
-          </a:fontRef>
-        </p:style>
-        <p:txBody>
-          <a:bodyPr rtlCol="0" anchor="ctr"/>
-          <a:lstStyle/>
-          <a:p>
-            <a:pPr algn="ctr"/>
-            <a:endParaRPr lang="fr-FR"/>
-          </a:p>
-        </p:txBody>
-      </p:sp>
-      <p:sp>
-        <p:nvSpPr>
-          <p:cNvPr id="25" name="ZoneTexte 24"/>
-          <p:cNvSpPr txBox="1"/>
-          <p:nvPr/>
-        </p:nvSpPr>
-        <p:spPr>
-          <a:xfrm>
-            <a:off x="3105628" y="3290277"/>
-            <a:ext cx="695569" cy="369332"/>
-          </a:xfrm>
-          <a:prstGeom prst="rect">
-            <a:avLst/>
-          </a:prstGeom>
-          <a:noFill/>
-        </p:spPr>
-        <p:txBody>
-          <a:bodyPr wrap="square" rtlCol="0">
-            <a:spAutoFit/>
-          </a:bodyPr>
-          <a:lstStyle/>
-          <a:p>
-            <a:pPr algn="ctr"/>
-            <a:r>
-              <a:rPr lang="fr-FR" dirty="0" smtClean="0">
-                <a:effectLst>
-                  <a:outerShdw blurRad="50800" dist="38100" dir="2700000" algn="tl" rotWithShape="0">
-                    <a:prstClr val="black">
-                      <a:alpha val="40000"/>
-                    </a:prstClr>
-                  </a:outerShdw>
-                </a:effectLst>
-              </a:rPr>
-              <a:t>IHM</a:t>
-            </a:r>
-          </a:p>
-        </p:txBody>
-      </p:sp>
-      <p:sp>
-        <p:nvSpPr>
-          <p:cNvPr id="26" name="ZoneTexte 25"/>
-          <p:cNvSpPr txBox="1"/>
-          <p:nvPr/>
-        </p:nvSpPr>
-        <p:spPr>
-          <a:xfrm>
-            <a:off x="4213274" y="3163764"/>
-            <a:ext cx="935529" cy="646331"/>
-          </a:xfrm>
-          <a:prstGeom prst="rect">
-            <a:avLst/>
-          </a:prstGeom>
-          <a:noFill/>
-        </p:spPr>
-        <p:txBody>
-          <a:bodyPr wrap="square" rtlCol="0">
-            <a:spAutoFit/>
-          </a:bodyPr>
-          <a:lstStyle/>
-          <a:p>
-            <a:pPr algn="ctr"/>
-            <a:r>
-              <a:rPr lang="fr-FR" dirty="0" smtClean="0">
-                <a:effectLst>
-                  <a:outerShdw blurRad="50800" dist="38100" dir="2700000" algn="tl" rotWithShape="0">
-                    <a:prstClr val="black">
-                      <a:alpha val="40000"/>
-                    </a:prstClr>
-                  </a:outerShdw>
-                </a:effectLst>
-              </a:rPr>
-              <a:t>Modèle</a:t>
-            </a:r>
-          </a:p>
-          <a:p>
-            <a:pPr algn="ctr"/>
-            <a:r>
-              <a:rPr lang="fr-FR" dirty="0" smtClean="0">
-                <a:effectLst>
-                  <a:outerShdw blurRad="50800" dist="38100" dir="2700000" algn="tl" rotWithShape="0">
-                    <a:prstClr val="black">
-                      <a:alpha val="40000"/>
-                    </a:prstClr>
-                  </a:outerShdw>
-                </a:effectLst>
-              </a:rPr>
-              <a:t>DLL</a:t>
-            </a:r>
-          </a:p>
-        </p:txBody>
-      </p:sp>
-      <p:sp>
-        <p:nvSpPr>
-          <p:cNvPr id="27" name="ZoneTexte 26"/>
-          <p:cNvSpPr txBox="1"/>
-          <p:nvPr/>
-        </p:nvSpPr>
-        <p:spPr>
-          <a:xfrm>
-            <a:off x="945744" y="2523558"/>
-            <a:ext cx="1881906" cy="646331"/>
-          </a:xfrm>
-          <a:prstGeom prst="rect">
-            <a:avLst/>
-          </a:prstGeom>
-          <a:noFill/>
-        </p:spPr>
-        <p:txBody>
-          <a:bodyPr wrap="square" rtlCol="0">
-            <a:spAutoFit/>
-          </a:bodyPr>
-          <a:lstStyle/>
-          <a:p>
-            <a:pPr algn="ctr"/>
-            <a:r>
-              <a:rPr lang="fr-FR" dirty="0" smtClean="0">
-                <a:effectLst>
-                  <a:outerShdw blurRad="50800" dist="38100" dir="2700000" algn="tl" rotWithShape="0">
-                    <a:prstClr val="black">
-                      <a:alpha val="40000"/>
-                    </a:prstClr>
-                  </a:outerShdw>
-                </a:effectLst>
-              </a:rPr>
-              <a:t>Bluetooth_com</a:t>
-            </a:r>
-          </a:p>
-          <a:p>
-            <a:pPr algn="ctr"/>
-            <a:r>
-              <a:rPr lang="fr-FR" dirty="0" smtClean="0">
-                <a:effectLst>
-                  <a:outerShdw blurRad="50800" dist="38100" dir="2700000" algn="tl" rotWithShape="0">
-                    <a:prstClr val="black">
-                      <a:alpha val="40000"/>
-                    </a:prstClr>
-                  </a:outerShdw>
-                </a:effectLst>
-              </a:rPr>
-              <a:t>DLL</a:t>
-            </a:r>
-          </a:p>
-        </p:txBody>
-      </p:sp>
-      <p:cxnSp>
-        <p:nvCxnSpPr>
-          <p:cNvPr id="16" name="Connecteur droit avec flèche 15"/>
-          <p:cNvCxnSpPr>
-            <a:stCxn id="23" idx="3"/>
-            <a:endCxn id="24" idx="1"/>
-          </p:cNvCxnSpPr>
-          <p:nvPr/>
-        </p:nvCxnSpPr>
-        <p:spPr>
-          <a:xfrm>
-            <a:off x="3936984" y="3484107"/>
-            <a:ext cx="260485" cy="4994"/>
-          </a:xfrm>
-          <a:prstGeom prst="straightConnector1">
-            <a:avLst/>
-          </a:prstGeom>
-          <a:ln>
-            <a:headEnd type="triangle"/>
-            <a:tailEnd type="triangle"/>
-          </a:ln>
-        </p:spPr>
-        <p:style>
-          <a:lnRef idx="2">
-            <a:schemeClr val="dk1"/>
-          </a:lnRef>
-          <a:fillRef idx="0">
-            <a:schemeClr val="dk1"/>
-          </a:fillRef>
-          <a:effectRef idx="1">
-            <a:schemeClr val="dk1"/>
-          </a:effectRef>
-          <a:fontRef idx="minor">
-            <a:schemeClr val="tx1"/>
-          </a:fontRef>
-        </p:style>
-      </p:cxnSp>
-      <p:cxnSp>
-        <p:nvCxnSpPr>
-          <p:cNvPr id="42" name="Connecteur droit avec flèche 41"/>
-          <p:cNvCxnSpPr>
-            <a:stCxn id="23" idx="1"/>
-            <a:endCxn id="11" idx="3"/>
-          </p:cNvCxnSpPr>
-          <p:nvPr/>
-        </p:nvCxnSpPr>
-        <p:spPr>
-          <a:xfrm flipH="1" flipV="1">
-            <a:off x="1375852" y="3480484"/>
-            <a:ext cx="1593991" cy="3623"/>
-          </a:xfrm>
-          <a:prstGeom prst="straightConnector1">
-            <a:avLst/>
-          </a:prstGeom>
-          <a:ln>
-            <a:tailEnd type="triangle"/>
-          </a:ln>
-        </p:spPr>
-        <p:style>
-          <a:lnRef idx="2">
-            <a:schemeClr val="dk1"/>
-          </a:lnRef>
-          <a:fillRef idx="0">
-            <a:schemeClr val="dk1"/>
-          </a:fillRef>
-          <a:effectRef idx="1">
-            <a:schemeClr val="dk1"/>
-          </a:effectRef>
-          <a:fontRef idx="minor">
-            <a:schemeClr val="tx1"/>
-          </a:fontRef>
-        </p:style>
-      </p:cxnSp>
       <p:sp>
         <p:nvSpPr>
           <p:cNvPr id="29" name="Espace réservé du texte 2"/>
@@ -9139,36 +8492,6 @@
           </a:p>
         </p:txBody>
       </p:sp>
-      <p:pic>
-        <p:nvPicPr>
-          <p:cNvPr id="30" name="Image 29"/>
-          <p:cNvPicPr>
-            <a:picLocks noChangeAspect="1"/>
-          </p:cNvPicPr>
-          <p:nvPr/>
-        </p:nvPicPr>
-        <p:blipFill>
-          <a:blip r:embed="rId14" cstate="screen">
-            <a:extLst>
-              <a:ext uri="{28A0092B-C50C-407E-A947-70E740481C1C}">
-                <a14:useLocalDpi xmlns:a14="http://schemas.microsoft.com/office/drawing/2010/main" val="0"/>
-              </a:ext>
-            </a:extLst>
-          </a:blip>
-          <a:stretch>
-            <a:fillRect/>
-          </a:stretch>
-        </p:blipFill>
-        <p:spPr>
-          <a:xfrm>
-            <a:off x="469840" y="4363507"/>
-            <a:ext cx="851211" cy="828834"/>
-          </a:xfrm>
-          <a:prstGeom prst="rect">
-            <a:avLst/>
-          </a:prstGeom>
-        </p:spPr>
-      </p:pic>
       <p:sp>
         <p:nvSpPr>
           <p:cNvPr id="34" name="Titre 1"/>
@@ -9202,242 +8525,1060 @@
           </a:p>
         </p:txBody>
       </p:sp>
-      <p:pic>
-        <p:nvPicPr>
-          <p:cNvPr id="41" name="Image 40"/>
-          <p:cNvPicPr>
-            <a:picLocks noChangeAspect="1"/>
-          </p:cNvPicPr>
+      <p:grpSp>
+        <p:nvGrpSpPr>
+          <p:cNvPr id="14" name="Groupe 13"/>
+          <p:cNvGrpSpPr/>
           <p:nvPr/>
-        </p:nvPicPr>
-        <p:blipFill>
-          <a:blip r:embed="rId15" cstate="screen">
-            <a:extLst>
-              <a:ext uri="{28A0092B-C50C-407E-A947-70E740481C1C}">
-                <a14:useLocalDpi xmlns:a14="http://schemas.microsoft.com/office/drawing/2010/main" val="0"/>
-              </a:ext>
-            </a:extLst>
-          </a:blip>
-          <a:stretch>
-            <a:fillRect/>
-          </a:stretch>
-        </p:blipFill>
-        <p:spPr>
-          <a:xfrm>
-            <a:off x="7495922" y="3029753"/>
-            <a:ext cx="914419" cy="890380"/>
-          </a:xfrm>
-          <a:prstGeom prst="rect">
-            <a:avLst/>
-          </a:prstGeom>
-        </p:spPr>
-      </p:pic>
-      <p:sp>
-        <p:nvSpPr>
-          <p:cNvPr id="43" name="ZoneTexte 42"/>
-          <p:cNvSpPr txBox="1"/>
-          <p:nvPr/>
-        </p:nvSpPr>
-        <p:spPr>
-          <a:xfrm>
-            <a:off x="7012180" y="2213212"/>
-            <a:ext cx="1881906" cy="646331"/>
-          </a:xfrm>
-          <a:prstGeom prst="rect">
-            <a:avLst/>
-          </a:prstGeom>
-          <a:noFill/>
-        </p:spPr>
-        <p:txBody>
-          <a:bodyPr wrap="square" rtlCol="0">
-            <a:spAutoFit/>
-          </a:bodyPr>
-          <a:lstStyle/>
-          <a:p>
-            <a:pPr algn="ctr"/>
-            <a:r>
-              <a:rPr lang="fr-FR" dirty="0" smtClean="0">
-                <a:effectLst>
-                  <a:outerShdw blurRad="50800" dist="38100" dir="2700000" algn="tl" rotWithShape="0">
-                    <a:prstClr val="black">
-                      <a:alpha val="40000"/>
-                    </a:prstClr>
-                  </a:outerShdw>
-                </a:effectLst>
-              </a:rPr>
-              <a:t>RequeteHttp</a:t>
-            </a:r>
-          </a:p>
-          <a:p>
-            <a:pPr algn="ctr"/>
-            <a:r>
-              <a:rPr lang="fr-FR" dirty="0" smtClean="0">
-                <a:effectLst>
-                  <a:outerShdw blurRad="50800" dist="38100" dir="2700000" algn="tl" rotWithShape="0">
-                    <a:prstClr val="black">
-                      <a:alpha val="40000"/>
-                    </a:prstClr>
-                  </a:outerShdw>
-                </a:effectLst>
-              </a:rPr>
-              <a:t>DLL</a:t>
-            </a:r>
-          </a:p>
-        </p:txBody>
-      </p:sp>
-      <p:sp>
-        <p:nvSpPr>
-          <p:cNvPr id="44" name="Rectangle 43"/>
-          <p:cNvSpPr/>
-          <p:nvPr/>
-        </p:nvSpPr>
-        <p:spPr>
-          <a:xfrm>
-            <a:off x="7315779" y="4142516"/>
-            <a:ext cx="1274708" cy="369332"/>
-          </a:xfrm>
-          <a:prstGeom prst="rect">
-            <a:avLst/>
-          </a:prstGeom>
-        </p:spPr>
-        <p:txBody>
-          <a:bodyPr wrap="none">
-            <a:spAutoFit/>
-          </a:bodyPr>
-          <a:lstStyle/>
-          <a:p>
-            <a:pPr algn="ctr"/>
-            <a:r>
-              <a:rPr lang="fr-FR" dirty="0" err="1"/>
-              <a:t>HappyHttp</a:t>
-            </a:r>
-            <a:endParaRPr lang="fr-FR" dirty="0"/>
-          </a:p>
-        </p:txBody>
-      </p:sp>
-      <p:pic>
-        <p:nvPicPr>
-          <p:cNvPr id="45" name="Image 44"/>
-          <p:cNvPicPr>
-            <a:picLocks noChangeAspect="1"/>
-          </p:cNvPicPr>
-          <p:nvPr/>
-        </p:nvPicPr>
-        <p:blipFill>
-          <a:blip r:embed="rId16" cstate="screen">
-            <a:extLst>
-              <a:ext uri="{28A0092B-C50C-407E-A947-70E740481C1C}">
-                <a14:useLocalDpi xmlns:a14="http://schemas.microsoft.com/office/drawing/2010/main" val="0"/>
-              </a:ext>
-            </a:extLst>
-          </a:blip>
-          <a:stretch>
-            <a:fillRect/>
-          </a:stretch>
-        </p:blipFill>
-        <p:spPr>
-          <a:xfrm>
-            <a:off x="4304840" y="3975672"/>
-            <a:ext cx="752398" cy="732618"/>
-          </a:xfrm>
-          <a:prstGeom prst="rect">
-            <a:avLst/>
-          </a:prstGeom>
-        </p:spPr>
-      </p:pic>
-      <p:pic>
-        <p:nvPicPr>
-          <p:cNvPr id="46" name="Image 45"/>
-          <p:cNvPicPr>
-            <a:picLocks noChangeAspect="1"/>
-          </p:cNvPicPr>
-          <p:nvPr/>
-        </p:nvPicPr>
-        <p:blipFill>
-          <a:blip r:embed="rId17" cstate="screen">
-            <a:extLst>
-              <a:ext uri="{28A0092B-C50C-407E-A947-70E740481C1C}">
-                <a14:useLocalDpi xmlns:a14="http://schemas.microsoft.com/office/drawing/2010/main" val="0"/>
-              </a:ext>
-            </a:extLst>
-          </a:blip>
-          <a:stretch>
-            <a:fillRect/>
-          </a:stretch>
-        </p:blipFill>
-        <p:spPr>
-          <a:xfrm>
-            <a:off x="2992160" y="3910739"/>
-            <a:ext cx="922503" cy="882906"/>
-          </a:xfrm>
-          <a:prstGeom prst="rect">
-            <a:avLst/>
-          </a:prstGeom>
-        </p:spPr>
-      </p:pic>
-      <p:pic>
-        <p:nvPicPr>
-          <p:cNvPr id="2" name="Image 1"/>
-          <p:cNvPicPr>
-            <a:picLocks noChangeAspect="1"/>
-          </p:cNvPicPr>
-          <p:nvPr/>
-        </p:nvPicPr>
-        <p:blipFill>
-          <a:blip r:embed="rId18" cstate="screen">
-            <a:extLst>
-              <a:ext uri="{28A0092B-C50C-407E-A947-70E740481C1C}">
-                <a14:useLocalDpi xmlns:a14="http://schemas.microsoft.com/office/drawing/2010/main" val="0"/>
-              </a:ext>
-            </a:extLst>
-          </a:blip>
-          <a:stretch>
-            <a:fillRect/>
-          </a:stretch>
-        </p:blipFill>
-        <p:spPr>
-          <a:xfrm>
-            <a:off x="1733495" y="4300297"/>
-            <a:ext cx="721023" cy="940465"/>
-          </a:xfrm>
-          <a:prstGeom prst="rect">
-            <a:avLst/>
-          </a:prstGeom>
-        </p:spPr>
-      </p:pic>
-      <p:cxnSp>
-        <p:nvCxnSpPr>
-          <p:cNvPr id="47" name="Connecteur droit avec flèche 46"/>
-          <p:cNvCxnSpPr/>
-          <p:nvPr/>
-        </p:nvCxnSpPr>
-        <p:spPr>
-          <a:xfrm>
-            <a:off x="5164610" y="3484107"/>
-            <a:ext cx="442737" cy="2401"/>
-          </a:xfrm>
-          <a:prstGeom prst="straightConnector1">
-            <a:avLst/>
-          </a:prstGeom>
-          <a:ln>
-            <a:tailEnd type="arrow"/>
-          </a:ln>
-        </p:spPr>
-        <p:style>
-          <a:lnRef idx="2">
-            <a:schemeClr val="dk1"/>
-          </a:lnRef>
-          <a:fillRef idx="0">
-            <a:schemeClr val="dk1"/>
-          </a:fillRef>
-          <a:effectRef idx="1">
-            <a:schemeClr val="dk1"/>
-          </a:effectRef>
-          <a:fontRef idx="minor">
-            <a:schemeClr val="tx1"/>
-          </a:fontRef>
-        </p:style>
-      </p:cxnSp>
+        </p:nvGrpSpPr>
+        <p:grpSpPr>
+          <a:xfrm>
+            <a:off x="139158" y="1104253"/>
+            <a:ext cx="8753543" cy="4484982"/>
+            <a:chOff x="139158" y="1104253"/>
+            <a:chExt cx="8753543" cy="4484982"/>
+          </a:xfrm>
+        </p:grpSpPr>
+        <p:sp>
+          <p:nvSpPr>
+            <p:cNvPr id="20" name="Rectangle 19"/>
+            <p:cNvSpPr/>
+            <p:nvPr/>
+          </p:nvSpPr>
+          <p:spPr>
+            <a:xfrm>
+              <a:off x="5607347" y="1104253"/>
+              <a:ext cx="3263885" cy="4484982"/>
+            </a:xfrm>
+            <a:prstGeom prst="rect">
+              <a:avLst/>
+            </a:prstGeom>
+            <a:noFill/>
+            <a:ln w="28575">
+              <a:solidFill>
+                <a:srgbClr val="00B050"/>
+              </a:solidFill>
+            </a:ln>
+          </p:spPr>
+          <p:style>
+            <a:lnRef idx="1">
+              <a:schemeClr val="accent1"/>
+            </a:lnRef>
+            <a:fillRef idx="3">
+              <a:schemeClr val="accent1"/>
+            </a:fillRef>
+            <a:effectRef idx="2">
+              <a:schemeClr val="accent1"/>
+            </a:effectRef>
+            <a:fontRef idx="minor">
+              <a:schemeClr val="lt1"/>
+            </a:fontRef>
+          </p:style>
+          <p:txBody>
+            <a:bodyPr rtlCol="0" anchor="ctr"/>
+            <a:lstStyle/>
+            <a:p>
+              <a:pPr algn="ctr"/>
+              <a:endParaRPr lang="fr-FR"/>
+            </a:p>
+          </p:txBody>
+        </p:sp>
+        <p:sp>
+          <p:nvSpPr>
+            <p:cNvPr id="22" name="Rectangle 21"/>
+            <p:cNvSpPr/>
+            <p:nvPr/>
+          </p:nvSpPr>
+          <p:spPr>
+            <a:xfrm>
+              <a:off x="139158" y="2472104"/>
+              <a:ext cx="2688492" cy="2011069"/>
+            </a:xfrm>
+            <a:prstGeom prst="rect">
+              <a:avLst/>
+            </a:prstGeom>
+            <a:noFill/>
+            <a:ln w="28575">
+              <a:solidFill>
+                <a:srgbClr val="00B0F0"/>
+              </a:solidFill>
+            </a:ln>
+          </p:spPr>
+          <p:style>
+            <a:lnRef idx="1">
+              <a:schemeClr val="accent1"/>
+            </a:lnRef>
+            <a:fillRef idx="3">
+              <a:schemeClr val="accent1"/>
+            </a:fillRef>
+            <a:effectRef idx="2">
+              <a:schemeClr val="accent1"/>
+            </a:effectRef>
+            <a:fontRef idx="minor">
+              <a:schemeClr val="lt1"/>
+            </a:fontRef>
+          </p:style>
+          <p:txBody>
+            <a:bodyPr rtlCol="0" anchor="ctr"/>
+            <a:lstStyle/>
+            <a:p>
+              <a:pPr algn="ctr"/>
+              <a:endParaRPr lang="fr-FR"/>
+            </a:p>
+          </p:txBody>
+        </p:sp>
+        <p:grpSp>
+          <p:nvGrpSpPr>
+            <p:cNvPr id="5" name="Groupe 4"/>
+            <p:cNvGrpSpPr/>
+            <p:nvPr/>
+          </p:nvGrpSpPr>
+          <p:grpSpPr>
+            <a:xfrm>
+              <a:off x="242676" y="1250931"/>
+              <a:ext cx="8650025" cy="4238769"/>
+              <a:chOff x="244061" y="1345601"/>
+              <a:chExt cx="8650025" cy="4238769"/>
+            </a:xfrm>
+          </p:grpSpPr>
+          <p:pic>
+            <p:nvPicPr>
+              <p:cNvPr id="3" name="Image 2"/>
+              <p:cNvPicPr>
+                <a:picLocks noChangeAspect="1"/>
+              </p:cNvPicPr>
+              <p:nvPr/>
+            </p:nvPicPr>
+            <p:blipFill>
+              <a:blip r:embed="rId3" cstate="screen">
+                <a:extLst>
+                  <a:ext uri="{28A0092B-C50C-407E-A947-70E740481C1C}">
+                    <a14:useLocalDpi xmlns:a14="http://schemas.microsoft.com/office/drawing/2010/main" val="0"/>
+                  </a:ext>
+                </a:extLst>
+              </a:blip>
+              <a:stretch>
+                <a:fillRect/>
+              </a:stretch>
+            </p:blipFill>
+            <p:spPr>
+              <a:xfrm>
+                <a:off x="7853061" y="1429364"/>
+                <a:ext cx="679366" cy="510883"/>
+              </a:xfrm>
+              <a:prstGeom prst="rect">
+                <a:avLst/>
+              </a:prstGeom>
+            </p:spPr>
+          </p:pic>
+          <p:pic>
+            <p:nvPicPr>
+              <p:cNvPr id="4" name="Image 3"/>
+              <p:cNvPicPr>
+                <a:picLocks noChangeAspect="1"/>
+              </p:cNvPicPr>
+              <p:nvPr/>
+            </p:nvPicPr>
+            <p:blipFill>
+              <a:blip r:embed="rId4" cstate="screen">
+                <a:extLst>
+                  <a:ext uri="{28A0092B-C50C-407E-A947-70E740481C1C}">
+                    <a14:useLocalDpi xmlns:a14="http://schemas.microsoft.com/office/drawing/2010/main" val="0"/>
+                  </a:ext>
+                </a:extLst>
+              </a:blip>
+              <a:stretch>
+                <a:fillRect/>
+              </a:stretch>
+            </p:blipFill>
+            <p:spPr>
+              <a:xfrm>
+                <a:off x="5770113" y="4708770"/>
+                <a:ext cx="875600" cy="875600"/>
+              </a:xfrm>
+              <a:prstGeom prst="rect">
+                <a:avLst/>
+              </a:prstGeom>
+            </p:spPr>
+          </p:pic>
+          <p:pic>
+            <p:nvPicPr>
+              <p:cNvPr id="6" name="Image 5"/>
+              <p:cNvPicPr>
+                <a:picLocks noChangeAspect="1"/>
+              </p:cNvPicPr>
+              <p:nvPr/>
+            </p:nvPicPr>
+            <p:blipFill>
+              <a:blip r:embed="rId5" cstate="screen">
+                <a:extLst>
+                  <a:ext uri="{28A0092B-C50C-407E-A947-70E740481C1C}">
+                    <a14:useLocalDpi xmlns:a14="http://schemas.microsoft.com/office/drawing/2010/main" val="0"/>
+                  </a:ext>
+                </a:extLst>
+              </a:blip>
+              <a:stretch>
+                <a:fillRect/>
+              </a:stretch>
+            </p:blipFill>
+            <p:spPr>
+              <a:xfrm rot="10800000">
+                <a:off x="7007672" y="1477671"/>
+                <a:ext cx="402652" cy="402652"/>
+              </a:xfrm>
+              <a:prstGeom prst="rect">
+                <a:avLst/>
+              </a:prstGeom>
+            </p:spPr>
+          </p:pic>
+          <p:pic>
+            <p:nvPicPr>
+              <p:cNvPr id="8" name="Image 7"/>
+              <p:cNvPicPr>
+                <a:picLocks noChangeAspect="1"/>
+              </p:cNvPicPr>
+              <p:nvPr/>
+            </p:nvPicPr>
+            <p:blipFill>
+              <a:blip r:embed="rId6" cstate="screen">
+                <a:extLst>
+                  <a:ext uri="{28A0092B-C50C-407E-A947-70E740481C1C}">
+                    <a14:useLocalDpi xmlns:a14="http://schemas.microsoft.com/office/drawing/2010/main" val="0"/>
+                  </a:ext>
+                </a:extLst>
+              </a:blip>
+              <a:stretch>
+                <a:fillRect/>
+              </a:stretch>
+            </p:blipFill>
+            <p:spPr>
+              <a:xfrm>
+                <a:off x="5820537" y="1345601"/>
+                <a:ext cx="794871" cy="678410"/>
+              </a:xfrm>
+              <a:prstGeom prst="rect">
+                <a:avLst/>
+              </a:prstGeom>
+            </p:spPr>
+          </p:pic>
+          <p:pic>
+            <p:nvPicPr>
+              <p:cNvPr id="9" name="Image 8"/>
+              <p:cNvPicPr>
+                <a:picLocks noChangeAspect="1"/>
+              </p:cNvPicPr>
+              <p:nvPr/>
+            </p:nvPicPr>
+            <p:blipFill>
+              <a:blip r:embed="rId7" cstate="screen">
+                <a:extLst>
+                  <a:ext uri="{28A0092B-C50C-407E-A947-70E740481C1C}">
+                    <a14:useLocalDpi xmlns:a14="http://schemas.microsoft.com/office/drawing/2010/main" val="0"/>
+                  </a:ext>
+                </a:extLst>
+              </a:blip>
+              <a:stretch>
+                <a:fillRect/>
+              </a:stretch>
+            </p:blipFill>
+            <p:spPr>
+              <a:xfrm>
+                <a:off x="5770113" y="2955379"/>
+                <a:ext cx="884715" cy="782731"/>
+              </a:xfrm>
+              <a:prstGeom prst="rect">
+                <a:avLst/>
+              </a:prstGeom>
+            </p:spPr>
+          </p:pic>
+          <p:pic>
+            <p:nvPicPr>
+              <p:cNvPr id="10" name="Image 9"/>
+              <p:cNvPicPr>
+                <a:picLocks noChangeAspect="1"/>
+              </p:cNvPicPr>
+              <p:nvPr/>
+            </p:nvPicPr>
+            <p:blipFill>
+              <a:blip r:embed="rId8">
+                <a:extLst>
+                  <a:ext uri="{28A0092B-C50C-407E-A947-70E740481C1C}">
+                    <a14:useLocalDpi xmlns:a14="http://schemas.microsoft.com/office/drawing/2010/main" val="0"/>
+                  </a:ext>
+                </a:extLst>
+              </a:blip>
+              <a:stretch>
+                <a:fillRect/>
+              </a:stretch>
+            </p:blipFill>
+            <p:spPr>
+              <a:xfrm>
+                <a:off x="3384061" y="1667920"/>
+                <a:ext cx="1418468" cy="1268691"/>
+              </a:xfrm>
+              <a:prstGeom prst="rect">
+                <a:avLst/>
+              </a:prstGeom>
+            </p:spPr>
+          </p:pic>
+          <p:pic>
+            <p:nvPicPr>
+              <p:cNvPr id="11" name="Image 10"/>
+              <p:cNvPicPr>
+                <a:picLocks noChangeAspect="1"/>
+              </p:cNvPicPr>
+              <p:nvPr/>
+            </p:nvPicPr>
+            <p:blipFill>
+              <a:blip r:embed="rId9" cstate="screen">
+                <a:extLst>
+                  <a:ext uri="{28A0092B-C50C-407E-A947-70E740481C1C}">
+                    <a14:useLocalDpi xmlns:a14="http://schemas.microsoft.com/office/drawing/2010/main" val="0"/>
+                  </a:ext>
+                </a:extLst>
+              </a:blip>
+              <a:stretch>
+                <a:fillRect/>
+              </a:stretch>
+            </p:blipFill>
+            <p:spPr>
+              <a:xfrm>
+                <a:off x="244061" y="2851916"/>
+                <a:ext cx="1131791" cy="1257135"/>
+              </a:xfrm>
+              <a:prstGeom prst="rect">
+                <a:avLst/>
+              </a:prstGeom>
+            </p:spPr>
+          </p:pic>
+          <p:pic>
+            <p:nvPicPr>
+              <p:cNvPr id="12" name="Image 11"/>
+              <p:cNvPicPr>
+                <a:picLocks noChangeAspect="1"/>
+              </p:cNvPicPr>
+              <p:nvPr/>
+            </p:nvPicPr>
+            <p:blipFill>
+              <a:blip r:embed="rId10" cstate="screen">
+                <a:extLst>
+                  <a:ext uri="{28A0092B-C50C-407E-A947-70E740481C1C}">
+                    <a14:useLocalDpi xmlns:a14="http://schemas.microsoft.com/office/drawing/2010/main" val="0"/>
+                  </a:ext>
+                </a:extLst>
+              </a:blip>
+              <a:stretch>
+                <a:fillRect/>
+              </a:stretch>
+            </p:blipFill>
+            <p:spPr>
+              <a:xfrm>
+                <a:off x="5924313" y="2249583"/>
+                <a:ext cx="609960" cy="609960"/>
+              </a:xfrm>
+              <a:prstGeom prst="rect">
+                <a:avLst/>
+              </a:prstGeom>
+            </p:spPr>
+          </p:pic>
+          <p:pic>
+            <p:nvPicPr>
+              <p:cNvPr id="13" name="Image 12"/>
+              <p:cNvPicPr>
+                <a:picLocks noChangeAspect="1"/>
+              </p:cNvPicPr>
+              <p:nvPr/>
+            </p:nvPicPr>
+            <p:blipFill>
+              <a:blip r:embed="rId11" cstate="screen">
+                <a:extLst>
+                  <a:ext uri="{28A0092B-C50C-407E-A947-70E740481C1C}">
+                    <a14:useLocalDpi xmlns:a14="http://schemas.microsoft.com/office/drawing/2010/main" val="0"/>
+                  </a:ext>
+                </a:extLst>
+              </a:blip>
+              <a:stretch>
+                <a:fillRect/>
+              </a:stretch>
+            </p:blipFill>
+            <p:spPr>
+              <a:xfrm>
+                <a:off x="6885659" y="4913125"/>
+                <a:ext cx="646679" cy="409867"/>
+              </a:xfrm>
+              <a:prstGeom prst="rect">
+                <a:avLst/>
+              </a:prstGeom>
+            </p:spPr>
+          </p:pic>
+          <p:pic>
+            <p:nvPicPr>
+              <p:cNvPr id="15" name="Image 14"/>
+              <p:cNvPicPr>
+                <a:picLocks noChangeAspect="1"/>
+              </p:cNvPicPr>
+              <p:nvPr/>
+            </p:nvPicPr>
+            <p:blipFill>
+              <a:blip r:embed="rId10" cstate="screen">
+                <a:extLst>
+                  <a:ext uri="{28A0092B-C50C-407E-A947-70E740481C1C}">
+                    <a14:useLocalDpi xmlns:a14="http://schemas.microsoft.com/office/drawing/2010/main" val="0"/>
+                  </a:ext>
+                </a:extLst>
+              </a:blip>
+              <a:stretch>
+                <a:fillRect/>
+              </a:stretch>
+            </p:blipFill>
+            <p:spPr>
+              <a:xfrm rot="10800000">
+                <a:off x="5924312" y="4037833"/>
+                <a:ext cx="609960" cy="609960"/>
+              </a:xfrm>
+              <a:prstGeom prst="rect">
+                <a:avLst/>
+              </a:prstGeom>
+            </p:spPr>
+          </p:pic>
+          <p:pic>
+            <p:nvPicPr>
+              <p:cNvPr id="18" name="Image 17"/>
+              <p:cNvPicPr>
+                <a:picLocks noChangeAspect="1"/>
+              </p:cNvPicPr>
+              <p:nvPr/>
+            </p:nvPicPr>
+            <p:blipFill>
+              <a:blip r:embed="rId12" cstate="screen">
+                <a:extLst>
+                  <a:ext uri="{28A0092B-C50C-407E-A947-70E740481C1C}">
+                    <a14:useLocalDpi xmlns:a14="http://schemas.microsoft.com/office/drawing/2010/main" val="0"/>
+                  </a:ext>
+                </a:extLst>
+              </a:blip>
+              <a:stretch>
+                <a:fillRect/>
+              </a:stretch>
+            </p:blipFill>
+            <p:spPr>
+              <a:xfrm>
+                <a:off x="1733496" y="3558144"/>
+                <a:ext cx="920615" cy="226061"/>
+              </a:xfrm>
+              <a:prstGeom prst="rect">
+                <a:avLst/>
+              </a:prstGeom>
+            </p:spPr>
+          </p:pic>
+          <p:pic>
+            <p:nvPicPr>
+              <p:cNvPr id="19" name="Image 18"/>
+              <p:cNvPicPr>
+                <a:picLocks noChangeAspect="1"/>
+              </p:cNvPicPr>
+              <p:nvPr/>
+            </p:nvPicPr>
+            <p:blipFill>
+              <a:blip r:embed="rId13" cstate="screen">
+                <a:extLst>
+                  <a:ext uri="{28A0092B-C50C-407E-A947-70E740481C1C}">
+                    <a14:useLocalDpi xmlns:a14="http://schemas.microsoft.com/office/drawing/2010/main" val="0"/>
+                  </a:ext>
+                </a:extLst>
+              </a:blip>
+              <a:stretch>
+                <a:fillRect/>
+              </a:stretch>
+            </p:blipFill>
+            <p:spPr>
+              <a:xfrm>
+                <a:off x="7906150" y="4823774"/>
+                <a:ext cx="613499" cy="613499"/>
+              </a:xfrm>
+              <a:prstGeom prst="rect">
+                <a:avLst/>
+              </a:prstGeom>
+            </p:spPr>
+          </p:pic>
+          <p:sp>
+            <p:nvSpPr>
+              <p:cNvPr id="23" name="Rectangle 22"/>
+              <p:cNvSpPr/>
+              <p:nvPr/>
+            </p:nvSpPr>
+            <p:spPr>
+              <a:xfrm>
+                <a:off x="2969843" y="3107703"/>
+                <a:ext cx="967141" cy="752807"/>
+              </a:xfrm>
+              <a:prstGeom prst="rect">
+                <a:avLst/>
+              </a:prstGeom>
+              <a:noFill/>
+              <a:ln w="28575">
+                <a:solidFill>
+                  <a:schemeClr val="tx2">
+                    <a:lumMod val="75000"/>
+                  </a:schemeClr>
+                </a:solidFill>
+              </a:ln>
+            </p:spPr>
+            <p:style>
+              <a:lnRef idx="1">
+                <a:schemeClr val="accent1"/>
+              </a:lnRef>
+              <a:fillRef idx="3">
+                <a:schemeClr val="accent1"/>
+              </a:fillRef>
+              <a:effectRef idx="2">
+                <a:schemeClr val="accent1"/>
+              </a:effectRef>
+              <a:fontRef idx="minor">
+                <a:schemeClr val="lt1"/>
+              </a:fontRef>
+            </p:style>
+            <p:txBody>
+              <a:bodyPr rtlCol="0" anchor="ctr"/>
+              <a:lstStyle/>
+              <a:p>
+                <a:pPr algn="ctr"/>
+                <a:endParaRPr lang="fr-FR"/>
+              </a:p>
+            </p:txBody>
+          </p:sp>
+          <p:sp>
+            <p:nvSpPr>
+              <p:cNvPr id="24" name="Rectangle 23"/>
+              <p:cNvSpPr/>
+              <p:nvPr/>
+            </p:nvSpPr>
+            <p:spPr>
+              <a:xfrm>
+                <a:off x="4197469" y="3112697"/>
+                <a:ext cx="967141" cy="752807"/>
+              </a:xfrm>
+              <a:prstGeom prst="rect">
+                <a:avLst/>
+              </a:prstGeom>
+              <a:noFill/>
+              <a:ln w="28575">
+                <a:solidFill>
+                  <a:schemeClr val="accent1">
+                    <a:lumMod val="60000"/>
+                    <a:lumOff val="40000"/>
+                  </a:schemeClr>
+                </a:solidFill>
+              </a:ln>
+            </p:spPr>
+            <p:style>
+              <a:lnRef idx="1">
+                <a:schemeClr val="accent1"/>
+              </a:lnRef>
+              <a:fillRef idx="3">
+                <a:schemeClr val="accent1"/>
+              </a:fillRef>
+              <a:effectRef idx="2">
+                <a:schemeClr val="accent1"/>
+              </a:effectRef>
+              <a:fontRef idx="minor">
+                <a:schemeClr val="lt1"/>
+              </a:fontRef>
+            </p:style>
+            <p:txBody>
+              <a:bodyPr rtlCol="0" anchor="ctr"/>
+              <a:lstStyle/>
+              <a:p>
+                <a:pPr algn="ctr"/>
+                <a:endParaRPr lang="fr-FR"/>
+              </a:p>
+            </p:txBody>
+          </p:sp>
+          <p:sp>
+            <p:nvSpPr>
+              <p:cNvPr id="25" name="ZoneTexte 24"/>
+              <p:cNvSpPr txBox="1"/>
+              <p:nvPr/>
+            </p:nvSpPr>
+            <p:spPr>
+              <a:xfrm>
+                <a:off x="3105628" y="3290277"/>
+                <a:ext cx="695569" cy="369332"/>
+              </a:xfrm>
+              <a:prstGeom prst="rect">
+                <a:avLst/>
+              </a:prstGeom>
+              <a:noFill/>
+            </p:spPr>
+            <p:txBody>
+              <a:bodyPr wrap="square" rtlCol="0">
+                <a:spAutoFit/>
+              </a:bodyPr>
+              <a:lstStyle/>
+              <a:p>
+                <a:pPr algn="ctr"/>
+                <a:r>
+                  <a:rPr lang="fr-FR" dirty="0" smtClean="0">
+                    <a:effectLst>
+                      <a:outerShdw blurRad="50800" dist="38100" dir="2700000" algn="tl" rotWithShape="0">
+                        <a:prstClr val="black">
+                          <a:alpha val="40000"/>
+                        </a:prstClr>
+                      </a:outerShdw>
+                    </a:effectLst>
+                  </a:rPr>
+                  <a:t>IHM</a:t>
+                </a:r>
+              </a:p>
+            </p:txBody>
+          </p:sp>
+          <p:sp>
+            <p:nvSpPr>
+              <p:cNvPr id="26" name="ZoneTexte 25"/>
+              <p:cNvSpPr txBox="1"/>
+              <p:nvPr/>
+            </p:nvSpPr>
+            <p:spPr>
+              <a:xfrm>
+                <a:off x="4213274" y="3163764"/>
+                <a:ext cx="935529" cy="646331"/>
+              </a:xfrm>
+              <a:prstGeom prst="rect">
+                <a:avLst/>
+              </a:prstGeom>
+              <a:noFill/>
+            </p:spPr>
+            <p:txBody>
+              <a:bodyPr wrap="square" rtlCol="0">
+                <a:spAutoFit/>
+              </a:bodyPr>
+              <a:lstStyle/>
+              <a:p>
+                <a:pPr algn="ctr"/>
+                <a:r>
+                  <a:rPr lang="fr-FR" dirty="0" smtClean="0">
+                    <a:effectLst>
+                      <a:outerShdw blurRad="50800" dist="38100" dir="2700000" algn="tl" rotWithShape="0">
+                        <a:prstClr val="black">
+                          <a:alpha val="40000"/>
+                        </a:prstClr>
+                      </a:outerShdw>
+                    </a:effectLst>
+                  </a:rPr>
+                  <a:t>Modèle</a:t>
+                </a:r>
+              </a:p>
+              <a:p>
+                <a:pPr algn="ctr"/>
+                <a:r>
+                  <a:rPr lang="fr-FR" dirty="0" smtClean="0">
+                    <a:effectLst>
+                      <a:outerShdw blurRad="50800" dist="38100" dir="2700000" algn="tl" rotWithShape="0">
+                        <a:prstClr val="black">
+                          <a:alpha val="40000"/>
+                        </a:prstClr>
+                      </a:outerShdw>
+                    </a:effectLst>
+                  </a:rPr>
+                  <a:t>DLL</a:t>
+                </a:r>
+              </a:p>
+            </p:txBody>
+          </p:sp>
+          <p:sp>
+            <p:nvSpPr>
+              <p:cNvPr id="27" name="ZoneTexte 26"/>
+              <p:cNvSpPr txBox="1"/>
+              <p:nvPr/>
+            </p:nvSpPr>
+            <p:spPr>
+              <a:xfrm>
+                <a:off x="945744" y="2523558"/>
+                <a:ext cx="1881906" cy="646331"/>
+              </a:xfrm>
+              <a:prstGeom prst="rect">
+                <a:avLst/>
+              </a:prstGeom>
+              <a:noFill/>
+            </p:spPr>
+            <p:txBody>
+              <a:bodyPr wrap="square" rtlCol="0">
+                <a:spAutoFit/>
+              </a:bodyPr>
+              <a:lstStyle/>
+              <a:p>
+                <a:pPr algn="ctr"/>
+                <a:r>
+                  <a:rPr lang="fr-FR" dirty="0" smtClean="0">
+                    <a:effectLst>
+                      <a:outerShdw blurRad="50800" dist="38100" dir="2700000" algn="tl" rotWithShape="0">
+                        <a:prstClr val="black">
+                          <a:alpha val="40000"/>
+                        </a:prstClr>
+                      </a:outerShdw>
+                    </a:effectLst>
+                  </a:rPr>
+                  <a:t>Bluetooth_com</a:t>
+                </a:r>
+              </a:p>
+              <a:p>
+                <a:pPr algn="ctr"/>
+                <a:r>
+                  <a:rPr lang="fr-FR" dirty="0" smtClean="0">
+                    <a:effectLst>
+                      <a:outerShdw blurRad="50800" dist="38100" dir="2700000" algn="tl" rotWithShape="0">
+                        <a:prstClr val="black">
+                          <a:alpha val="40000"/>
+                        </a:prstClr>
+                      </a:outerShdw>
+                    </a:effectLst>
+                  </a:rPr>
+                  <a:t>DLL</a:t>
+                </a:r>
+              </a:p>
+            </p:txBody>
+          </p:sp>
+          <p:cxnSp>
+            <p:nvCxnSpPr>
+              <p:cNvPr id="16" name="Connecteur droit avec flèche 15"/>
+              <p:cNvCxnSpPr>
+                <a:stCxn id="23" idx="3"/>
+                <a:endCxn id="24" idx="1"/>
+              </p:cNvCxnSpPr>
+              <p:nvPr/>
+            </p:nvCxnSpPr>
+            <p:spPr>
+              <a:xfrm>
+                <a:off x="3936984" y="3484107"/>
+                <a:ext cx="260485" cy="4994"/>
+              </a:xfrm>
+              <a:prstGeom prst="straightConnector1">
+                <a:avLst/>
+              </a:prstGeom>
+              <a:ln>
+                <a:headEnd type="triangle"/>
+                <a:tailEnd type="triangle"/>
+              </a:ln>
+            </p:spPr>
+            <p:style>
+              <a:lnRef idx="2">
+                <a:schemeClr val="dk1"/>
+              </a:lnRef>
+              <a:fillRef idx="0">
+                <a:schemeClr val="dk1"/>
+              </a:fillRef>
+              <a:effectRef idx="1">
+                <a:schemeClr val="dk1"/>
+              </a:effectRef>
+              <a:fontRef idx="minor">
+                <a:schemeClr val="tx1"/>
+              </a:fontRef>
+            </p:style>
+          </p:cxnSp>
+          <p:cxnSp>
+            <p:nvCxnSpPr>
+              <p:cNvPr id="42" name="Connecteur droit avec flèche 41"/>
+              <p:cNvCxnSpPr>
+                <a:stCxn id="23" idx="1"/>
+                <a:endCxn id="11" idx="3"/>
+              </p:cNvCxnSpPr>
+              <p:nvPr/>
+            </p:nvCxnSpPr>
+            <p:spPr>
+              <a:xfrm flipH="1" flipV="1">
+                <a:off x="1375852" y="3480484"/>
+                <a:ext cx="1593991" cy="3623"/>
+              </a:xfrm>
+              <a:prstGeom prst="straightConnector1">
+                <a:avLst/>
+              </a:prstGeom>
+              <a:ln>
+                <a:tailEnd type="triangle"/>
+              </a:ln>
+            </p:spPr>
+            <p:style>
+              <a:lnRef idx="2">
+                <a:schemeClr val="dk1"/>
+              </a:lnRef>
+              <a:fillRef idx="0">
+                <a:schemeClr val="dk1"/>
+              </a:fillRef>
+              <a:effectRef idx="1">
+                <a:schemeClr val="dk1"/>
+              </a:effectRef>
+              <a:fontRef idx="minor">
+                <a:schemeClr val="tx1"/>
+              </a:fontRef>
+            </p:style>
+          </p:cxnSp>
+          <p:pic>
+            <p:nvPicPr>
+              <p:cNvPr id="30" name="Image 29"/>
+              <p:cNvPicPr>
+                <a:picLocks noChangeAspect="1"/>
+              </p:cNvPicPr>
+              <p:nvPr/>
+            </p:nvPicPr>
+            <p:blipFill>
+              <a:blip r:embed="rId14" cstate="screen">
+                <a:extLst>
+                  <a:ext uri="{28A0092B-C50C-407E-A947-70E740481C1C}">
+                    <a14:useLocalDpi xmlns:a14="http://schemas.microsoft.com/office/drawing/2010/main" val="0"/>
+                  </a:ext>
+                </a:extLst>
+              </a:blip>
+              <a:stretch>
+                <a:fillRect/>
+              </a:stretch>
+            </p:blipFill>
+            <p:spPr>
+              <a:xfrm>
+                <a:off x="469840" y="4363507"/>
+                <a:ext cx="851211" cy="828834"/>
+              </a:xfrm>
+              <a:prstGeom prst="rect">
+                <a:avLst/>
+              </a:prstGeom>
+            </p:spPr>
+          </p:pic>
+          <p:pic>
+            <p:nvPicPr>
+              <p:cNvPr id="41" name="Image 40"/>
+              <p:cNvPicPr>
+                <a:picLocks noChangeAspect="1"/>
+              </p:cNvPicPr>
+              <p:nvPr/>
+            </p:nvPicPr>
+            <p:blipFill>
+              <a:blip r:embed="rId15" cstate="screen">
+                <a:extLst>
+                  <a:ext uri="{28A0092B-C50C-407E-A947-70E740481C1C}">
+                    <a14:useLocalDpi xmlns:a14="http://schemas.microsoft.com/office/drawing/2010/main" val="0"/>
+                  </a:ext>
+                </a:extLst>
+              </a:blip>
+              <a:stretch>
+                <a:fillRect/>
+              </a:stretch>
+            </p:blipFill>
+            <p:spPr>
+              <a:xfrm>
+                <a:off x="7495922" y="3029753"/>
+                <a:ext cx="914419" cy="890380"/>
+              </a:xfrm>
+              <a:prstGeom prst="rect">
+                <a:avLst/>
+              </a:prstGeom>
+            </p:spPr>
+          </p:pic>
+          <p:sp>
+            <p:nvSpPr>
+              <p:cNvPr id="43" name="ZoneTexte 42"/>
+              <p:cNvSpPr txBox="1"/>
+              <p:nvPr/>
+            </p:nvSpPr>
+            <p:spPr>
+              <a:xfrm>
+                <a:off x="7012180" y="2213212"/>
+                <a:ext cx="1881906" cy="646331"/>
+              </a:xfrm>
+              <a:prstGeom prst="rect">
+                <a:avLst/>
+              </a:prstGeom>
+              <a:noFill/>
+            </p:spPr>
+            <p:txBody>
+              <a:bodyPr wrap="square" rtlCol="0">
+                <a:spAutoFit/>
+              </a:bodyPr>
+              <a:lstStyle/>
+              <a:p>
+                <a:pPr algn="ctr"/>
+                <a:r>
+                  <a:rPr lang="fr-FR" dirty="0" smtClean="0">
+                    <a:effectLst>
+                      <a:outerShdw blurRad="50800" dist="38100" dir="2700000" algn="tl" rotWithShape="0">
+                        <a:prstClr val="black">
+                          <a:alpha val="40000"/>
+                        </a:prstClr>
+                      </a:outerShdw>
+                    </a:effectLst>
+                  </a:rPr>
+                  <a:t>RequeteHttp</a:t>
+                </a:r>
+              </a:p>
+              <a:p>
+                <a:pPr algn="ctr"/>
+                <a:r>
+                  <a:rPr lang="fr-FR" dirty="0" smtClean="0">
+                    <a:effectLst>
+                      <a:outerShdw blurRad="50800" dist="38100" dir="2700000" algn="tl" rotWithShape="0">
+                        <a:prstClr val="black">
+                          <a:alpha val="40000"/>
+                        </a:prstClr>
+                      </a:outerShdw>
+                    </a:effectLst>
+                  </a:rPr>
+                  <a:t>DLL</a:t>
+                </a:r>
+              </a:p>
+            </p:txBody>
+          </p:sp>
+          <p:sp>
+            <p:nvSpPr>
+              <p:cNvPr id="44" name="Rectangle 43"/>
+              <p:cNvSpPr/>
+              <p:nvPr/>
+            </p:nvSpPr>
+            <p:spPr>
+              <a:xfrm>
+                <a:off x="7315779" y="4142516"/>
+                <a:ext cx="1274708" cy="369332"/>
+              </a:xfrm>
+              <a:prstGeom prst="rect">
+                <a:avLst/>
+              </a:prstGeom>
+            </p:spPr>
+            <p:txBody>
+              <a:bodyPr wrap="none">
+                <a:spAutoFit/>
+              </a:bodyPr>
+              <a:lstStyle/>
+              <a:p>
+                <a:pPr algn="ctr"/>
+                <a:r>
+                  <a:rPr lang="fr-FR" dirty="0" err="1"/>
+                  <a:t>HappyHttp</a:t>
+                </a:r>
+                <a:endParaRPr lang="fr-FR" dirty="0"/>
+              </a:p>
+            </p:txBody>
+          </p:sp>
+          <p:pic>
+            <p:nvPicPr>
+              <p:cNvPr id="45" name="Image 44"/>
+              <p:cNvPicPr>
+                <a:picLocks noChangeAspect="1"/>
+              </p:cNvPicPr>
+              <p:nvPr/>
+            </p:nvPicPr>
+            <p:blipFill>
+              <a:blip r:embed="rId16" cstate="screen">
+                <a:extLst>
+                  <a:ext uri="{28A0092B-C50C-407E-A947-70E740481C1C}">
+                    <a14:useLocalDpi xmlns:a14="http://schemas.microsoft.com/office/drawing/2010/main" val="0"/>
+                  </a:ext>
+                </a:extLst>
+              </a:blip>
+              <a:stretch>
+                <a:fillRect/>
+              </a:stretch>
+            </p:blipFill>
+            <p:spPr>
+              <a:xfrm>
+                <a:off x="4304840" y="3975672"/>
+                <a:ext cx="752398" cy="732618"/>
+              </a:xfrm>
+              <a:prstGeom prst="rect">
+                <a:avLst/>
+              </a:prstGeom>
+            </p:spPr>
+          </p:pic>
+          <p:pic>
+            <p:nvPicPr>
+              <p:cNvPr id="46" name="Image 45"/>
+              <p:cNvPicPr>
+                <a:picLocks noChangeAspect="1"/>
+              </p:cNvPicPr>
+              <p:nvPr/>
+            </p:nvPicPr>
+            <p:blipFill>
+              <a:blip r:embed="rId17" cstate="screen">
+                <a:extLst>
+                  <a:ext uri="{28A0092B-C50C-407E-A947-70E740481C1C}">
+                    <a14:useLocalDpi xmlns:a14="http://schemas.microsoft.com/office/drawing/2010/main" val="0"/>
+                  </a:ext>
+                </a:extLst>
+              </a:blip>
+              <a:stretch>
+                <a:fillRect/>
+              </a:stretch>
+            </p:blipFill>
+            <p:spPr>
+              <a:xfrm>
+                <a:off x="2992160" y="3910739"/>
+                <a:ext cx="922503" cy="882906"/>
+              </a:xfrm>
+              <a:prstGeom prst="rect">
+                <a:avLst/>
+              </a:prstGeom>
+            </p:spPr>
+          </p:pic>
+          <p:pic>
+            <p:nvPicPr>
+              <p:cNvPr id="2" name="Image 1"/>
+              <p:cNvPicPr>
+                <a:picLocks noChangeAspect="1"/>
+              </p:cNvPicPr>
+              <p:nvPr/>
+            </p:nvPicPr>
+            <p:blipFill>
+              <a:blip r:embed="rId18" cstate="screen">
+                <a:extLst>
+                  <a:ext uri="{28A0092B-C50C-407E-A947-70E740481C1C}">
+                    <a14:useLocalDpi xmlns:a14="http://schemas.microsoft.com/office/drawing/2010/main" val="0"/>
+                  </a:ext>
+                </a:extLst>
+              </a:blip>
+              <a:stretch>
+                <a:fillRect/>
+              </a:stretch>
+            </p:blipFill>
+            <p:spPr>
+              <a:xfrm>
+                <a:off x="1733495" y="4300297"/>
+                <a:ext cx="721023" cy="940465"/>
+              </a:xfrm>
+              <a:prstGeom prst="rect">
+                <a:avLst/>
+              </a:prstGeom>
+            </p:spPr>
+          </p:pic>
+          <p:cxnSp>
+            <p:nvCxnSpPr>
+              <p:cNvPr id="47" name="Connecteur droit avec flèche 46"/>
+              <p:cNvCxnSpPr/>
+              <p:nvPr/>
+            </p:nvCxnSpPr>
+            <p:spPr>
+              <a:xfrm>
+                <a:off x="5164610" y="3484107"/>
+                <a:ext cx="442737" cy="2401"/>
+              </a:xfrm>
+              <a:prstGeom prst="straightConnector1">
+                <a:avLst/>
+              </a:prstGeom>
+              <a:ln>
+                <a:tailEnd type="arrow"/>
+              </a:ln>
+            </p:spPr>
+            <p:style>
+              <a:lnRef idx="2">
+                <a:schemeClr val="dk1"/>
+              </a:lnRef>
+              <a:fillRef idx="0">
+                <a:schemeClr val="dk1"/>
+              </a:fillRef>
+              <a:effectRef idx="1">
+                <a:schemeClr val="dk1"/>
+              </a:effectRef>
+              <a:fontRef idx="minor">
+                <a:schemeClr val="tx1"/>
+              </a:fontRef>
+            </p:style>
+          </p:cxnSp>
+        </p:grpSp>
+      </p:grpSp>
     </p:spTree>
     <p:extLst>
       <p:ext uri="{BB962C8B-B14F-4D97-AF65-F5344CB8AC3E}">
@@ -9507,126 +9648,6 @@
           <a:bodyPr/>
           <a:lstStyle/>
           <a:p>
-            <a:pPr marL="0" indent="0">
-              <a:buNone/>
-            </a:pPr>
-            <a:endParaRPr lang="fr-FR" dirty="0"/>
-          </a:p>
-          <a:p>
-            <a:r>
-              <a:rPr lang="fr-FR" dirty="0" smtClean="0"/>
-              <a:t>Suivis jusqu’à la fin du projet =&gt; plutôt bons</a:t>
-            </a:r>
-          </a:p>
-          <a:p>
-            <a:endParaRPr lang="fr-FR" dirty="0"/>
-          </a:p>
-          <a:p>
-            <a:r>
-              <a:rPr lang="fr-FR" dirty="0" smtClean="0"/>
-              <a:t>Intégration </a:t>
-            </a:r>
-            <a:r>
-              <a:rPr lang="fr-FR" dirty="0"/>
-              <a:t>facile des </a:t>
-            </a:r>
-            <a:r>
-              <a:rPr lang="fr-FR" dirty="0" err="1"/>
-              <a:t>DLLs</a:t>
-            </a:r>
-            <a:r>
-              <a:rPr lang="fr-FR" dirty="0"/>
-              <a:t> en C#</a:t>
-            </a:r>
-          </a:p>
-          <a:p>
-            <a:pPr marL="0" indent="0">
-              <a:buNone/>
-            </a:pPr>
-            <a:endParaRPr lang="fr-FR" dirty="0" smtClean="0"/>
-          </a:p>
-          <a:p>
-            <a:r>
-              <a:rPr lang="fr-FR" dirty="0" err="1" smtClean="0"/>
-              <a:t>Qt</a:t>
-            </a:r>
-            <a:r>
-              <a:rPr lang="fr-FR" dirty="0" smtClean="0"/>
-              <a:t> et </a:t>
-            </a:r>
-            <a:r>
-              <a:rPr lang="fr-FR" dirty="0" err="1" smtClean="0"/>
-              <a:t>HappyHttp</a:t>
-            </a:r>
-            <a:r>
-              <a:rPr lang="fr-FR" dirty="0" smtClean="0"/>
-              <a:t> portables</a:t>
-            </a:r>
-          </a:p>
-          <a:p>
-            <a:pPr marL="0" indent="0">
-              <a:buNone/>
-            </a:pPr>
-            <a:r>
-              <a:rPr lang="fr-FR" dirty="0" smtClean="0"/>
-              <a:t>	</a:t>
-            </a:r>
-            <a:r>
-              <a:rPr lang="fr-FR" dirty="0" err="1" smtClean="0"/>
-              <a:t>HappyHttp.h</a:t>
-            </a:r>
-            <a:r>
-              <a:rPr lang="fr-FR" dirty="0"/>
-              <a:t>		</a:t>
-            </a:r>
-            <a:r>
-              <a:rPr lang="fr-FR" dirty="0" smtClean="0"/>
-              <a:t>HappyHttp.cpp</a:t>
-            </a:r>
-          </a:p>
-          <a:p>
-            <a:pPr marL="0" indent="0">
-              <a:buNone/>
-            </a:pPr>
-            <a:endParaRPr lang="fr-FR" dirty="0"/>
-          </a:p>
-          <a:p>
-            <a:r>
-              <a:rPr lang="fr-FR" dirty="0" smtClean="0"/>
-              <a:t>Nouveau modèle aussi performant et portable (C++)</a:t>
-            </a:r>
-          </a:p>
-          <a:p>
-            <a:endParaRPr lang="fr-FR" dirty="0"/>
-          </a:p>
-          <a:p>
-            <a:r>
-              <a:rPr lang="fr-FR" dirty="0" smtClean="0"/>
-              <a:t>Bonne segmentation du code à l’aide des </a:t>
-            </a:r>
-            <a:r>
-              <a:rPr lang="fr-FR" dirty="0" err="1" smtClean="0"/>
-              <a:t>DLLs</a:t>
-            </a:r>
-            <a:r>
-              <a:rPr lang="fr-FR" dirty="0" smtClean="0"/>
-              <a:t>, </a:t>
-            </a:r>
-          </a:p>
-          <a:p>
-            <a:pPr marL="0" indent="0">
-              <a:buNone/>
-            </a:pPr>
-            <a:r>
-              <a:rPr lang="fr-FR" dirty="0"/>
-              <a:t>	</a:t>
-            </a:r>
-            <a:r>
-              <a:rPr lang="fr-FR" dirty="0" smtClean="0"/>
-              <a:t>facilite l’ajout d’équipement dans le futur</a:t>
-            </a:r>
-          </a:p>
-          <a:p>
             <a:endParaRPr lang="fr-FR" dirty="0"/>
           </a:p>
           <a:p>
@@ -9720,6 +9741,957 @@
           </a:p>
         </p:txBody>
       </p:sp>
+      <p:grpSp>
+        <p:nvGrpSpPr>
+          <p:cNvPr id="5" name="Groupe 4"/>
+          <p:cNvGrpSpPr/>
+          <p:nvPr/>
+        </p:nvGrpSpPr>
+        <p:grpSpPr>
+          <a:xfrm>
+            <a:off x="242676" y="1250931"/>
+            <a:ext cx="8650025" cy="4238769"/>
+            <a:chOff x="244061" y="1345601"/>
+            <a:chExt cx="8650025" cy="4238769"/>
+          </a:xfrm>
+        </p:grpSpPr>
+        <p:pic>
+          <p:nvPicPr>
+            <p:cNvPr id="7" name="Image 6"/>
+            <p:cNvPicPr>
+              <a:picLocks noChangeAspect="1"/>
+            </p:cNvPicPr>
+            <p:nvPr/>
+          </p:nvPicPr>
+          <p:blipFill>
+            <a:blip r:embed="rId3" cstate="screen">
+              <a:extLst>
+                <a:ext uri="{28A0092B-C50C-407E-A947-70E740481C1C}">
+                  <a14:useLocalDpi xmlns:a14="http://schemas.microsoft.com/office/drawing/2010/main" val="0"/>
+                </a:ext>
+              </a:extLst>
+            </a:blip>
+            <a:stretch>
+              <a:fillRect/>
+            </a:stretch>
+          </p:blipFill>
+          <p:spPr>
+            <a:xfrm>
+              <a:off x="7853061" y="1429364"/>
+              <a:ext cx="679366" cy="510883"/>
+            </a:xfrm>
+            <a:prstGeom prst="rect">
+              <a:avLst/>
+            </a:prstGeom>
+          </p:spPr>
+        </p:pic>
+        <p:pic>
+          <p:nvPicPr>
+            <p:cNvPr id="8" name="Image 7"/>
+            <p:cNvPicPr>
+              <a:picLocks noChangeAspect="1"/>
+            </p:cNvPicPr>
+            <p:nvPr/>
+          </p:nvPicPr>
+          <p:blipFill>
+            <a:blip r:embed="rId4" cstate="screen">
+              <a:extLst>
+                <a:ext uri="{28A0092B-C50C-407E-A947-70E740481C1C}">
+                  <a14:useLocalDpi xmlns:a14="http://schemas.microsoft.com/office/drawing/2010/main" val="0"/>
+                </a:ext>
+              </a:extLst>
+            </a:blip>
+            <a:stretch>
+              <a:fillRect/>
+            </a:stretch>
+          </p:blipFill>
+          <p:spPr>
+            <a:xfrm>
+              <a:off x="5770113" y="4708770"/>
+              <a:ext cx="875600" cy="875600"/>
+            </a:xfrm>
+            <a:prstGeom prst="rect">
+              <a:avLst/>
+            </a:prstGeom>
+          </p:spPr>
+        </p:pic>
+        <p:pic>
+          <p:nvPicPr>
+            <p:cNvPr id="9" name="Image 8"/>
+            <p:cNvPicPr>
+              <a:picLocks noChangeAspect="1"/>
+            </p:cNvPicPr>
+            <p:nvPr/>
+          </p:nvPicPr>
+          <p:blipFill>
+            <a:blip r:embed="rId5" cstate="screen">
+              <a:extLst>
+                <a:ext uri="{28A0092B-C50C-407E-A947-70E740481C1C}">
+                  <a14:useLocalDpi xmlns:a14="http://schemas.microsoft.com/office/drawing/2010/main" val="0"/>
+                </a:ext>
+              </a:extLst>
+            </a:blip>
+            <a:stretch>
+              <a:fillRect/>
+            </a:stretch>
+          </p:blipFill>
+          <p:spPr>
+            <a:xfrm rot="10800000">
+              <a:off x="7007672" y="1477671"/>
+              <a:ext cx="402652" cy="402652"/>
+            </a:xfrm>
+            <a:prstGeom prst="rect">
+              <a:avLst/>
+            </a:prstGeom>
+          </p:spPr>
+        </p:pic>
+        <p:pic>
+          <p:nvPicPr>
+            <p:cNvPr id="10" name="Image 9"/>
+            <p:cNvPicPr>
+              <a:picLocks noChangeAspect="1"/>
+            </p:cNvPicPr>
+            <p:nvPr/>
+          </p:nvPicPr>
+          <p:blipFill>
+            <a:blip r:embed="rId6" cstate="screen">
+              <a:extLst>
+                <a:ext uri="{28A0092B-C50C-407E-A947-70E740481C1C}">
+                  <a14:useLocalDpi xmlns:a14="http://schemas.microsoft.com/office/drawing/2010/main" val="0"/>
+                </a:ext>
+              </a:extLst>
+            </a:blip>
+            <a:stretch>
+              <a:fillRect/>
+            </a:stretch>
+          </p:blipFill>
+          <p:spPr>
+            <a:xfrm>
+              <a:off x="5820537" y="1345601"/>
+              <a:ext cx="794871" cy="678410"/>
+            </a:xfrm>
+            <a:prstGeom prst="rect">
+              <a:avLst/>
+            </a:prstGeom>
+          </p:spPr>
+        </p:pic>
+        <p:pic>
+          <p:nvPicPr>
+            <p:cNvPr id="11" name="Image 10"/>
+            <p:cNvPicPr>
+              <a:picLocks noChangeAspect="1"/>
+            </p:cNvPicPr>
+            <p:nvPr/>
+          </p:nvPicPr>
+          <p:blipFill>
+            <a:blip r:embed="rId7" cstate="screen">
+              <a:extLst>
+                <a:ext uri="{28A0092B-C50C-407E-A947-70E740481C1C}">
+                  <a14:useLocalDpi xmlns:a14="http://schemas.microsoft.com/office/drawing/2010/main" val="0"/>
+                </a:ext>
+              </a:extLst>
+            </a:blip>
+            <a:stretch>
+              <a:fillRect/>
+            </a:stretch>
+          </p:blipFill>
+          <p:spPr>
+            <a:xfrm>
+              <a:off x="5770113" y="2955379"/>
+              <a:ext cx="884715" cy="782731"/>
+            </a:xfrm>
+            <a:prstGeom prst="rect">
+              <a:avLst/>
+            </a:prstGeom>
+          </p:spPr>
+        </p:pic>
+        <p:pic>
+          <p:nvPicPr>
+            <p:cNvPr id="12" name="Image 11"/>
+            <p:cNvPicPr>
+              <a:picLocks noChangeAspect="1"/>
+            </p:cNvPicPr>
+            <p:nvPr/>
+          </p:nvPicPr>
+          <p:blipFill>
+            <a:blip r:embed="rId8">
+              <a:extLst>
+                <a:ext uri="{28A0092B-C50C-407E-A947-70E740481C1C}">
+                  <a14:useLocalDpi xmlns:a14="http://schemas.microsoft.com/office/drawing/2010/main" val="0"/>
+                </a:ext>
+              </a:extLst>
+            </a:blip>
+            <a:stretch>
+              <a:fillRect/>
+            </a:stretch>
+          </p:blipFill>
+          <p:spPr>
+            <a:xfrm>
+              <a:off x="3384061" y="1667920"/>
+              <a:ext cx="1418468" cy="1268691"/>
+            </a:xfrm>
+            <a:prstGeom prst="rect">
+              <a:avLst/>
+            </a:prstGeom>
+          </p:spPr>
+        </p:pic>
+        <p:pic>
+          <p:nvPicPr>
+            <p:cNvPr id="13" name="Image 12"/>
+            <p:cNvPicPr>
+              <a:picLocks noChangeAspect="1"/>
+            </p:cNvPicPr>
+            <p:nvPr/>
+          </p:nvPicPr>
+          <p:blipFill>
+            <a:blip r:embed="rId9" cstate="screen">
+              <a:extLst>
+                <a:ext uri="{28A0092B-C50C-407E-A947-70E740481C1C}">
+                  <a14:useLocalDpi xmlns:a14="http://schemas.microsoft.com/office/drawing/2010/main" val="0"/>
+                </a:ext>
+              </a:extLst>
+            </a:blip>
+            <a:stretch>
+              <a:fillRect/>
+            </a:stretch>
+          </p:blipFill>
+          <p:spPr>
+            <a:xfrm>
+              <a:off x="244061" y="2851916"/>
+              <a:ext cx="1131791" cy="1257135"/>
+            </a:xfrm>
+            <a:prstGeom prst="rect">
+              <a:avLst/>
+            </a:prstGeom>
+          </p:spPr>
+        </p:pic>
+        <p:pic>
+          <p:nvPicPr>
+            <p:cNvPr id="14" name="Image 13"/>
+            <p:cNvPicPr>
+              <a:picLocks noChangeAspect="1"/>
+            </p:cNvPicPr>
+            <p:nvPr/>
+          </p:nvPicPr>
+          <p:blipFill>
+            <a:blip r:embed="rId10" cstate="screen">
+              <a:extLst>
+                <a:ext uri="{28A0092B-C50C-407E-A947-70E740481C1C}">
+                  <a14:useLocalDpi xmlns:a14="http://schemas.microsoft.com/office/drawing/2010/main" val="0"/>
+                </a:ext>
+              </a:extLst>
+            </a:blip>
+            <a:stretch>
+              <a:fillRect/>
+            </a:stretch>
+          </p:blipFill>
+          <p:spPr>
+            <a:xfrm>
+              <a:off x="5924313" y="2249583"/>
+              <a:ext cx="609960" cy="609960"/>
+            </a:xfrm>
+            <a:prstGeom prst="rect">
+              <a:avLst/>
+            </a:prstGeom>
+          </p:spPr>
+        </p:pic>
+        <p:pic>
+          <p:nvPicPr>
+            <p:cNvPr id="15" name="Image 14"/>
+            <p:cNvPicPr>
+              <a:picLocks noChangeAspect="1"/>
+            </p:cNvPicPr>
+            <p:nvPr/>
+          </p:nvPicPr>
+          <p:blipFill>
+            <a:blip r:embed="rId11" cstate="screen">
+              <a:extLst>
+                <a:ext uri="{28A0092B-C50C-407E-A947-70E740481C1C}">
+                  <a14:useLocalDpi xmlns:a14="http://schemas.microsoft.com/office/drawing/2010/main" val="0"/>
+                </a:ext>
+              </a:extLst>
+            </a:blip>
+            <a:stretch>
+              <a:fillRect/>
+            </a:stretch>
+          </p:blipFill>
+          <p:spPr>
+            <a:xfrm>
+              <a:off x="6885659" y="4913125"/>
+              <a:ext cx="646679" cy="409867"/>
+            </a:xfrm>
+            <a:prstGeom prst="rect">
+              <a:avLst/>
+            </a:prstGeom>
+          </p:spPr>
+        </p:pic>
+        <p:pic>
+          <p:nvPicPr>
+            <p:cNvPr id="16" name="Image 15"/>
+            <p:cNvPicPr>
+              <a:picLocks noChangeAspect="1"/>
+            </p:cNvPicPr>
+            <p:nvPr/>
+          </p:nvPicPr>
+          <p:blipFill>
+            <a:blip r:embed="rId10" cstate="screen">
+              <a:extLst>
+                <a:ext uri="{28A0092B-C50C-407E-A947-70E740481C1C}">
+                  <a14:useLocalDpi xmlns:a14="http://schemas.microsoft.com/office/drawing/2010/main" val="0"/>
+                </a:ext>
+              </a:extLst>
+            </a:blip>
+            <a:stretch>
+              <a:fillRect/>
+            </a:stretch>
+          </p:blipFill>
+          <p:spPr>
+            <a:xfrm rot="10800000">
+              <a:off x="5924312" y="4037833"/>
+              <a:ext cx="609960" cy="609960"/>
+            </a:xfrm>
+            <a:prstGeom prst="rect">
+              <a:avLst/>
+            </a:prstGeom>
+          </p:spPr>
+        </p:pic>
+        <p:pic>
+          <p:nvPicPr>
+            <p:cNvPr id="17" name="Image 16"/>
+            <p:cNvPicPr>
+              <a:picLocks noChangeAspect="1"/>
+            </p:cNvPicPr>
+            <p:nvPr/>
+          </p:nvPicPr>
+          <p:blipFill>
+            <a:blip r:embed="rId12" cstate="screen">
+              <a:extLst>
+                <a:ext uri="{28A0092B-C50C-407E-A947-70E740481C1C}">
+                  <a14:useLocalDpi xmlns:a14="http://schemas.microsoft.com/office/drawing/2010/main" val="0"/>
+                </a:ext>
+              </a:extLst>
+            </a:blip>
+            <a:stretch>
+              <a:fillRect/>
+            </a:stretch>
+          </p:blipFill>
+          <p:spPr>
+            <a:xfrm>
+              <a:off x="1733496" y="3558144"/>
+              <a:ext cx="920615" cy="226061"/>
+            </a:xfrm>
+            <a:prstGeom prst="rect">
+              <a:avLst/>
+            </a:prstGeom>
+          </p:spPr>
+        </p:pic>
+        <p:pic>
+          <p:nvPicPr>
+            <p:cNvPr id="18" name="Image 17"/>
+            <p:cNvPicPr>
+              <a:picLocks noChangeAspect="1"/>
+            </p:cNvPicPr>
+            <p:nvPr/>
+          </p:nvPicPr>
+          <p:blipFill>
+            <a:blip r:embed="rId13" cstate="screen">
+              <a:extLst>
+                <a:ext uri="{28A0092B-C50C-407E-A947-70E740481C1C}">
+                  <a14:useLocalDpi xmlns:a14="http://schemas.microsoft.com/office/drawing/2010/main" val="0"/>
+                </a:ext>
+              </a:extLst>
+            </a:blip>
+            <a:stretch>
+              <a:fillRect/>
+            </a:stretch>
+          </p:blipFill>
+          <p:spPr>
+            <a:xfrm>
+              <a:off x="7906150" y="4823774"/>
+              <a:ext cx="613499" cy="613499"/>
+            </a:xfrm>
+            <a:prstGeom prst="rect">
+              <a:avLst/>
+            </a:prstGeom>
+          </p:spPr>
+        </p:pic>
+        <p:sp>
+          <p:nvSpPr>
+            <p:cNvPr id="19" name="Rectangle 18"/>
+            <p:cNvSpPr/>
+            <p:nvPr/>
+          </p:nvSpPr>
+          <p:spPr>
+            <a:xfrm>
+              <a:off x="2969843" y="3107703"/>
+              <a:ext cx="967141" cy="752807"/>
+            </a:xfrm>
+            <a:prstGeom prst="rect">
+              <a:avLst/>
+            </a:prstGeom>
+            <a:noFill/>
+            <a:ln w="28575">
+              <a:solidFill>
+                <a:schemeClr val="tx2">
+                  <a:lumMod val="75000"/>
+                </a:schemeClr>
+              </a:solidFill>
+            </a:ln>
+          </p:spPr>
+          <p:style>
+            <a:lnRef idx="1">
+              <a:schemeClr val="accent1"/>
+            </a:lnRef>
+            <a:fillRef idx="3">
+              <a:schemeClr val="accent1"/>
+            </a:fillRef>
+            <a:effectRef idx="2">
+              <a:schemeClr val="accent1"/>
+            </a:effectRef>
+            <a:fontRef idx="minor">
+              <a:schemeClr val="lt1"/>
+            </a:fontRef>
+          </p:style>
+          <p:txBody>
+            <a:bodyPr rtlCol="0" anchor="ctr"/>
+            <a:lstStyle/>
+            <a:p>
+              <a:pPr algn="ctr"/>
+              <a:endParaRPr lang="fr-FR"/>
+            </a:p>
+          </p:txBody>
+        </p:sp>
+        <p:sp>
+          <p:nvSpPr>
+            <p:cNvPr id="20" name="Rectangle 19"/>
+            <p:cNvSpPr/>
+            <p:nvPr/>
+          </p:nvSpPr>
+          <p:spPr>
+            <a:xfrm>
+              <a:off x="4197469" y="3112697"/>
+              <a:ext cx="967141" cy="752807"/>
+            </a:xfrm>
+            <a:prstGeom prst="rect">
+              <a:avLst/>
+            </a:prstGeom>
+            <a:noFill/>
+            <a:ln w="28575">
+              <a:solidFill>
+                <a:schemeClr val="accent1">
+                  <a:lumMod val="60000"/>
+                  <a:lumOff val="40000"/>
+                </a:schemeClr>
+              </a:solidFill>
+            </a:ln>
+          </p:spPr>
+          <p:style>
+            <a:lnRef idx="1">
+              <a:schemeClr val="accent1"/>
+            </a:lnRef>
+            <a:fillRef idx="3">
+              <a:schemeClr val="accent1"/>
+            </a:fillRef>
+            <a:effectRef idx="2">
+              <a:schemeClr val="accent1"/>
+            </a:effectRef>
+            <a:fontRef idx="minor">
+              <a:schemeClr val="lt1"/>
+            </a:fontRef>
+          </p:style>
+          <p:txBody>
+            <a:bodyPr rtlCol="0" anchor="ctr"/>
+            <a:lstStyle/>
+            <a:p>
+              <a:pPr algn="ctr"/>
+              <a:endParaRPr lang="fr-FR"/>
+            </a:p>
+          </p:txBody>
+        </p:sp>
+        <p:sp>
+          <p:nvSpPr>
+            <p:cNvPr id="21" name="ZoneTexte 20"/>
+            <p:cNvSpPr txBox="1"/>
+            <p:nvPr/>
+          </p:nvSpPr>
+          <p:spPr>
+            <a:xfrm>
+              <a:off x="3105628" y="3290277"/>
+              <a:ext cx="695569" cy="369332"/>
+            </a:xfrm>
+            <a:prstGeom prst="rect">
+              <a:avLst/>
+            </a:prstGeom>
+            <a:noFill/>
+          </p:spPr>
+          <p:txBody>
+            <a:bodyPr wrap="square" rtlCol="0">
+              <a:spAutoFit/>
+            </a:bodyPr>
+            <a:lstStyle/>
+            <a:p>
+              <a:pPr algn="ctr"/>
+              <a:r>
+                <a:rPr lang="fr-FR" dirty="0" smtClean="0">
+                  <a:effectLst>
+                    <a:outerShdw blurRad="50800" dist="38100" dir="2700000" algn="tl" rotWithShape="0">
+                      <a:prstClr val="black">
+                        <a:alpha val="40000"/>
+                      </a:prstClr>
+                    </a:outerShdw>
+                  </a:effectLst>
+                </a:rPr>
+                <a:t>IHM</a:t>
+              </a:r>
+            </a:p>
+          </p:txBody>
+        </p:sp>
+        <p:sp>
+          <p:nvSpPr>
+            <p:cNvPr id="22" name="ZoneTexte 21"/>
+            <p:cNvSpPr txBox="1"/>
+            <p:nvPr/>
+          </p:nvSpPr>
+          <p:spPr>
+            <a:xfrm>
+              <a:off x="4213274" y="3163764"/>
+              <a:ext cx="935529" cy="646331"/>
+            </a:xfrm>
+            <a:prstGeom prst="rect">
+              <a:avLst/>
+            </a:prstGeom>
+            <a:noFill/>
+          </p:spPr>
+          <p:txBody>
+            <a:bodyPr wrap="square" rtlCol="0">
+              <a:spAutoFit/>
+            </a:bodyPr>
+            <a:lstStyle/>
+            <a:p>
+              <a:pPr algn="ctr"/>
+              <a:r>
+                <a:rPr lang="fr-FR" dirty="0" smtClean="0">
+                  <a:effectLst>
+                    <a:outerShdw blurRad="50800" dist="38100" dir="2700000" algn="tl" rotWithShape="0">
+                      <a:prstClr val="black">
+                        <a:alpha val="40000"/>
+                      </a:prstClr>
+                    </a:outerShdw>
+                  </a:effectLst>
+                </a:rPr>
+                <a:t>Modèle</a:t>
+              </a:r>
+            </a:p>
+            <a:p>
+              <a:pPr algn="ctr"/>
+              <a:r>
+                <a:rPr lang="fr-FR" dirty="0" smtClean="0">
+                  <a:effectLst>
+                    <a:outerShdw blurRad="50800" dist="38100" dir="2700000" algn="tl" rotWithShape="0">
+                      <a:prstClr val="black">
+                        <a:alpha val="40000"/>
+                      </a:prstClr>
+                    </a:outerShdw>
+                  </a:effectLst>
+                </a:rPr>
+                <a:t>DLL</a:t>
+              </a:r>
+            </a:p>
+          </p:txBody>
+        </p:sp>
+        <p:sp>
+          <p:nvSpPr>
+            <p:cNvPr id="23" name="ZoneTexte 22"/>
+            <p:cNvSpPr txBox="1"/>
+            <p:nvPr/>
+          </p:nvSpPr>
+          <p:spPr>
+            <a:xfrm>
+              <a:off x="945744" y="2523558"/>
+              <a:ext cx="1881906" cy="646331"/>
+            </a:xfrm>
+            <a:prstGeom prst="rect">
+              <a:avLst/>
+            </a:prstGeom>
+            <a:noFill/>
+          </p:spPr>
+          <p:txBody>
+            <a:bodyPr wrap="square" rtlCol="0">
+              <a:spAutoFit/>
+            </a:bodyPr>
+            <a:lstStyle/>
+            <a:p>
+              <a:pPr algn="ctr"/>
+              <a:r>
+                <a:rPr lang="fr-FR" dirty="0" smtClean="0">
+                  <a:effectLst>
+                    <a:outerShdw blurRad="50800" dist="38100" dir="2700000" algn="tl" rotWithShape="0">
+                      <a:prstClr val="black">
+                        <a:alpha val="40000"/>
+                      </a:prstClr>
+                    </a:outerShdw>
+                  </a:effectLst>
+                </a:rPr>
+                <a:t>Bluetooth_com</a:t>
+              </a:r>
+            </a:p>
+            <a:p>
+              <a:pPr algn="ctr"/>
+              <a:r>
+                <a:rPr lang="fr-FR" dirty="0" smtClean="0">
+                  <a:effectLst>
+                    <a:outerShdw blurRad="50800" dist="38100" dir="2700000" algn="tl" rotWithShape="0">
+                      <a:prstClr val="black">
+                        <a:alpha val="40000"/>
+                      </a:prstClr>
+                    </a:outerShdw>
+                  </a:effectLst>
+                </a:rPr>
+                <a:t>DLL</a:t>
+              </a:r>
+            </a:p>
+          </p:txBody>
+        </p:sp>
+        <p:cxnSp>
+          <p:nvCxnSpPr>
+            <p:cNvPr id="24" name="Connecteur droit avec flèche 23"/>
+            <p:cNvCxnSpPr>
+              <a:stCxn id="19" idx="3"/>
+              <a:endCxn id="20" idx="1"/>
+            </p:cNvCxnSpPr>
+            <p:nvPr/>
+          </p:nvCxnSpPr>
+          <p:spPr>
+            <a:xfrm>
+              <a:off x="3936984" y="3484107"/>
+              <a:ext cx="260485" cy="4994"/>
+            </a:xfrm>
+            <a:prstGeom prst="straightConnector1">
+              <a:avLst/>
+            </a:prstGeom>
+            <a:ln>
+              <a:headEnd type="triangle"/>
+              <a:tailEnd type="triangle"/>
+            </a:ln>
+          </p:spPr>
+          <p:style>
+            <a:lnRef idx="2">
+              <a:schemeClr val="dk1"/>
+            </a:lnRef>
+            <a:fillRef idx="0">
+              <a:schemeClr val="dk1"/>
+            </a:fillRef>
+            <a:effectRef idx="1">
+              <a:schemeClr val="dk1"/>
+            </a:effectRef>
+            <a:fontRef idx="minor">
+              <a:schemeClr val="tx1"/>
+            </a:fontRef>
+          </p:style>
+        </p:cxnSp>
+        <p:cxnSp>
+          <p:nvCxnSpPr>
+            <p:cNvPr id="25" name="Connecteur droit avec flèche 24"/>
+            <p:cNvCxnSpPr>
+              <a:stCxn id="19" idx="1"/>
+              <a:endCxn id="13" idx="3"/>
+            </p:cNvCxnSpPr>
+            <p:nvPr/>
+          </p:nvCxnSpPr>
+          <p:spPr>
+            <a:xfrm flipH="1" flipV="1">
+              <a:off x="1375852" y="3480484"/>
+              <a:ext cx="1593991" cy="3623"/>
+            </a:xfrm>
+            <a:prstGeom prst="straightConnector1">
+              <a:avLst/>
+            </a:prstGeom>
+            <a:ln>
+              <a:tailEnd type="triangle"/>
+            </a:ln>
+          </p:spPr>
+          <p:style>
+            <a:lnRef idx="2">
+              <a:schemeClr val="dk1"/>
+            </a:lnRef>
+            <a:fillRef idx="0">
+              <a:schemeClr val="dk1"/>
+            </a:fillRef>
+            <a:effectRef idx="1">
+              <a:schemeClr val="dk1"/>
+            </a:effectRef>
+            <a:fontRef idx="minor">
+              <a:schemeClr val="tx1"/>
+            </a:fontRef>
+          </p:style>
+        </p:cxnSp>
+        <p:pic>
+          <p:nvPicPr>
+            <p:cNvPr id="26" name="Image 25"/>
+            <p:cNvPicPr>
+              <a:picLocks noChangeAspect="1"/>
+            </p:cNvPicPr>
+            <p:nvPr/>
+          </p:nvPicPr>
+          <p:blipFill>
+            <a:blip r:embed="rId14" cstate="screen">
+              <a:extLst>
+                <a:ext uri="{28A0092B-C50C-407E-A947-70E740481C1C}">
+                  <a14:useLocalDpi xmlns:a14="http://schemas.microsoft.com/office/drawing/2010/main" val="0"/>
+                </a:ext>
+              </a:extLst>
+            </a:blip>
+            <a:stretch>
+              <a:fillRect/>
+            </a:stretch>
+          </p:blipFill>
+          <p:spPr>
+            <a:xfrm>
+              <a:off x="469840" y="4363507"/>
+              <a:ext cx="851211" cy="828834"/>
+            </a:xfrm>
+            <a:prstGeom prst="rect">
+              <a:avLst/>
+            </a:prstGeom>
+          </p:spPr>
+        </p:pic>
+        <p:pic>
+          <p:nvPicPr>
+            <p:cNvPr id="27" name="Image 26"/>
+            <p:cNvPicPr>
+              <a:picLocks noChangeAspect="1"/>
+            </p:cNvPicPr>
+            <p:nvPr/>
+          </p:nvPicPr>
+          <p:blipFill>
+            <a:blip r:embed="rId15" cstate="screen">
+              <a:extLst>
+                <a:ext uri="{28A0092B-C50C-407E-A947-70E740481C1C}">
+                  <a14:useLocalDpi xmlns:a14="http://schemas.microsoft.com/office/drawing/2010/main" val="0"/>
+                </a:ext>
+              </a:extLst>
+            </a:blip>
+            <a:stretch>
+              <a:fillRect/>
+            </a:stretch>
+          </p:blipFill>
+          <p:spPr>
+            <a:xfrm>
+              <a:off x="7495922" y="3029753"/>
+              <a:ext cx="914419" cy="890380"/>
+            </a:xfrm>
+            <a:prstGeom prst="rect">
+              <a:avLst/>
+            </a:prstGeom>
+          </p:spPr>
+        </p:pic>
+        <p:sp>
+          <p:nvSpPr>
+            <p:cNvPr id="28" name="ZoneTexte 27"/>
+            <p:cNvSpPr txBox="1"/>
+            <p:nvPr/>
+          </p:nvSpPr>
+          <p:spPr>
+            <a:xfrm>
+              <a:off x="7012180" y="2213212"/>
+              <a:ext cx="1881906" cy="646331"/>
+            </a:xfrm>
+            <a:prstGeom prst="rect">
+              <a:avLst/>
+            </a:prstGeom>
+            <a:noFill/>
+          </p:spPr>
+          <p:txBody>
+            <a:bodyPr wrap="square" rtlCol="0">
+              <a:spAutoFit/>
+            </a:bodyPr>
+            <a:lstStyle/>
+            <a:p>
+              <a:pPr algn="ctr"/>
+              <a:r>
+                <a:rPr lang="fr-FR" dirty="0" smtClean="0">
+                  <a:effectLst>
+                    <a:outerShdw blurRad="50800" dist="38100" dir="2700000" algn="tl" rotWithShape="0">
+                      <a:prstClr val="black">
+                        <a:alpha val="40000"/>
+                      </a:prstClr>
+                    </a:outerShdw>
+                  </a:effectLst>
+                </a:rPr>
+                <a:t>RequeteHttp</a:t>
+              </a:r>
+            </a:p>
+            <a:p>
+              <a:pPr algn="ctr"/>
+              <a:r>
+                <a:rPr lang="fr-FR" dirty="0" smtClean="0">
+                  <a:effectLst>
+                    <a:outerShdw blurRad="50800" dist="38100" dir="2700000" algn="tl" rotWithShape="0">
+                      <a:prstClr val="black">
+                        <a:alpha val="40000"/>
+                      </a:prstClr>
+                    </a:outerShdw>
+                  </a:effectLst>
+                </a:rPr>
+                <a:t>DLL</a:t>
+              </a:r>
+            </a:p>
+          </p:txBody>
+        </p:sp>
+        <p:sp>
+          <p:nvSpPr>
+            <p:cNvPr id="29" name="Rectangle 28"/>
+            <p:cNvSpPr/>
+            <p:nvPr/>
+          </p:nvSpPr>
+          <p:spPr>
+            <a:xfrm>
+              <a:off x="7315779" y="4142516"/>
+              <a:ext cx="1274708" cy="369332"/>
+            </a:xfrm>
+            <a:prstGeom prst="rect">
+              <a:avLst/>
+            </a:prstGeom>
+          </p:spPr>
+          <p:txBody>
+            <a:bodyPr wrap="none">
+              <a:spAutoFit/>
+            </a:bodyPr>
+            <a:lstStyle/>
+            <a:p>
+              <a:pPr algn="ctr"/>
+              <a:r>
+                <a:rPr lang="fr-FR" dirty="0" err="1"/>
+                <a:t>HappyHttp</a:t>
+              </a:r>
+              <a:endParaRPr lang="fr-FR" dirty="0"/>
+            </a:p>
+          </p:txBody>
+        </p:sp>
+        <p:pic>
+          <p:nvPicPr>
+            <p:cNvPr id="30" name="Image 29"/>
+            <p:cNvPicPr>
+              <a:picLocks noChangeAspect="1"/>
+            </p:cNvPicPr>
+            <p:nvPr/>
+          </p:nvPicPr>
+          <p:blipFill>
+            <a:blip r:embed="rId16" cstate="screen">
+              <a:extLst>
+                <a:ext uri="{28A0092B-C50C-407E-A947-70E740481C1C}">
+                  <a14:useLocalDpi xmlns:a14="http://schemas.microsoft.com/office/drawing/2010/main" val="0"/>
+                </a:ext>
+              </a:extLst>
+            </a:blip>
+            <a:stretch>
+              <a:fillRect/>
+            </a:stretch>
+          </p:blipFill>
+          <p:spPr>
+            <a:xfrm>
+              <a:off x="4304840" y="3975672"/>
+              <a:ext cx="752398" cy="732618"/>
+            </a:xfrm>
+            <a:prstGeom prst="rect">
+              <a:avLst/>
+            </a:prstGeom>
+          </p:spPr>
+        </p:pic>
+        <p:pic>
+          <p:nvPicPr>
+            <p:cNvPr id="31" name="Image 30"/>
+            <p:cNvPicPr>
+              <a:picLocks noChangeAspect="1"/>
+            </p:cNvPicPr>
+            <p:nvPr/>
+          </p:nvPicPr>
+          <p:blipFill>
+            <a:blip r:embed="rId17" cstate="screen">
+              <a:extLst>
+                <a:ext uri="{28A0092B-C50C-407E-A947-70E740481C1C}">
+                  <a14:useLocalDpi xmlns:a14="http://schemas.microsoft.com/office/drawing/2010/main" val="0"/>
+                </a:ext>
+              </a:extLst>
+            </a:blip>
+            <a:stretch>
+              <a:fillRect/>
+            </a:stretch>
+          </p:blipFill>
+          <p:spPr>
+            <a:xfrm>
+              <a:off x="2992160" y="3910739"/>
+              <a:ext cx="922503" cy="882906"/>
+            </a:xfrm>
+            <a:prstGeom prst="rect">
+              <a:avLst/>
+            </a:prstGeom>
+          </p:spPr>
+        </p:pic>
+        <p:pic>
+          <p:nvPicPr>
+            <p:cNvPr id="32" name="Image 31"/>
+            <p:cNvPicPr>
+              <a:picLocks noChangeAspect="1"/>
+            </p:cNvPicPr>
+            <p:nvPr/>
+          </p:nvPicPr>
+          <p:blipFill>
+            <a:blip r:embed="rId18" cstate="screen">
+              <a:extLst>
+                <a:ext uri="{28A0092B-C50C-407E-A947-70E740481C1C}">
+                  <a14:useLocalDpi xmlns:a14="http://schemas.microsoft.com/office/drawing/2010/main" val="0"/>
+                </a:ext>
+              </a:extLst>
+            </a:blip>
+            <a:stretch>
+              <a:fillRect/>
+            </a:stretch>
+          </p:blipFill>
+          <p:spPr>
+            <a:xfrm>
+              <a:off x="1733495" y="4300297"/>
+              <a:ext cx="721023" cy="940465"/>
+            </a:xfrm>
+            <a:prstGeom prst="rect">
+              <a:avLst/>
+            </a:prstGeom>
+          </p:spPr>
+        </p:pic>
+        <p:cxnSp>
+          <p:nvCxnSpPr>
+            <p:cNvPr id="33" name="Connecteur droit avec flèche 32"/>
+            <p:cNvCxnSpPr/>
+            <p:nvPr/>
+          </p:nvCxnSpPr>
+          <p:spPr>
+            <a:xfrm>
+              <a:off x="5164610" y="3484107"/>
+              <a:ext cx="442737" cy="2401"/>
+            </a:xfrm>
+            <a:prstGeom prst="straightConnector1">
+              <a:avLst/>
+            </a:prstGeom>
+            <a:ln>
+              <a:tailEnd type="arrow"/>
+            </a:ln>
+          </p:spPr>
+          <p:style>
+            <a:lnRef idx="2">
+              <a:schemeClr val="dk1"/>
+            </a:lnRef>
+            <a:fillRef idx="0">
+              <a:schemeClr val="dk1"/>
+            </a:fillRef>
+            <a:effectRef idx="1">
+              <a:schemeClr val="dk1"/>
+            </a:effectRef>
+            <a:fontRef idx="minor">
+              <a:schemeClr val="tx1"/>
+            </a:fontRef>
+          </p:style>
+        </p:cxnSp>
+      </p:grpSp>
     </p:spTree>
     <p:extLst>
       <p:ext uri="{BB962C8B-B14F-4D97-AF65-F5344CB8AC3E}">
@@ -9815,14 +10787,16 @@
           </a:xfrm>
         </p:spPr>
         <p:txBody>
-          <a:bodyPr/>
+          <a:bodyPr>
+            <a:normAutofit/>
+          </a:bodyPr>
           <a:lstStyle/>
           <a:p>
             <a:r>
-              <a:rPr lang="fr-FR" dirty="0" smtClean="0"/>
-              <a:t>Page principale</a:t>
-            </a:r>
-            <a:endParaRPr lang="fr-FR" dirty="0"/>
+              <a:rPr lang="fr-FR" sz="2400" dirty="0" smtClean="0"/>
+              <a:t>Partie utilisateur</a:t>
+            </a:r>
+            <a:endParaRPr lang="fr-FR" sz="2400" dirty="0"/>
           </a:p>
         </p:txBody>
       </p:sp>
@@ -9936,139 +10910,7 @@
       </p:grpSpPr>
       <p:sp>
         <p:nvSpPr>
-          <p:cNvPr id="3" name="Espace réservé du texte 2"/>
-          <p:cNvSpPr>
-            <a:spLocks noGrp="1"/>
-          </p:cNvSpPr>
-          <p:nvPr>
-            <p:ph type="body" sz="quarter" idx="10"/>
-          </p:nvPr>
-        </p:nvSpPr>
-        <p:spPr/>
-        <p:txBody>
-          <a:bodyPr/>
-          <a:lstStyle/>
-          <a:p>
-            <a:r>
-              <a:rPr lang="fr-FR" dirty="0" smtClean="0"/>
-              <a:t>Adaptations de l’application :</a:t>
-            </a:r>
-          </a:p>
-          <a:p>
-            <a:pPr lvl="1">
-              <a:buFont typeface="Wingdings" panose="05000000000000000000" pitchFamily="2" charset="2"/>
-              <a:buChar char="v"/>
-            </a:pPr>
-            <a:endParaRPr lang="fr-FR" dirty="0" smtClean="0"/>
-          </a:p>
-          <a:p>
-            <a:pPr lvl="1">
-              <a:buFont typeface="Wingdings" panose="05000000000000000000" pitchFamily="2" charset="2"/>
-              <a:buChar char="v"/>
-            </a:pPr>
-            <a:endParaRPr lang="fr-FR" dirty="0"/>
-          </a:p>
-          <a:p>
-            <a:pPr lvl="1">
-              <a:buFont typeface="Wingdings" panose="05000000000000000000" pitchFamily="2" charset="2"/>
-              <a:buChar char="v"/>
-            </a:pPr>
-            <a:r>
-              <a:rPr lang="fr-FR" dirty="0"/>
-              <a:t>Modification du thème</a:t>
-            </a:r>
-          </a:p>
-          <a:p>
-            <a:pPr lvl="1">
-              <a:buFont typeface="Wingdings" panose="05000000000000000000" pitchFamily="2" charset="2"/>
-              <a:buChar char="v"/>
-            </a:pPr>
-            <a:endParaRPr lang="fr-FR" dirty="0"/>
-          </a:p>
-          <a:p>
-            <a:pPr lvl="1">
-              <a:buFont typeface="Wingdings" panose="05000000000000000000" pitchFamily="2" charset="2"/>
-              <a:buChar char="v"/>
-            </a:pPr>
-            <a:r>
-              <a:rPr lang="fr-FR" dirty="0"/>
-              <a:t>Modification de la taille des </a:t>
-            </a:r>
-            <a:r>
-              <a:rPr lang="fr-FR" dirty="0" smtClean="0"/>
-              <a:t>icônes</a:t>
-            </a:r>
-          </a:p>
-          <a:p>
-            <a:pPr lvl="1">
-              <a:buFont typeface="Wingdings" panose="05000000000000000000" pitchFamily="2" charset="2"/>
-              <a:buChar char="v"/>
-            </a:pPr>
-            <a:endParaRPr lang="fr-FR" dirty="0"/>
-          </a:p>
-          <a:p>
-            <a:pPr lvl="1">
-              <a:buFont typeface="Wingdings" panose="05000000000000000000" pitchFamily="2" charset="2"/>
-              <a:buChar char="v"/>
-            </a:pPr>
-            <a:r>
-              <a:rPr lang="fr-FR" dirty="0"/>
-              <a:t>Modification des paramètres </a:t>
-            </a:r>
-            <a:r>
-              <a:rPr lang="fr-FR" dirty="0" smtClean="0"/>
-              <a:t>réseau</a:t>
-            </a:r>
-          </a:p>
-          <a:p>
-            <a:pPr lvl="1">
-              <a:buFont typeface="Wingdings" panose="05000000000000000000" pitchFamily="2" charset="2"/>
-              <a:buChar char="v"/>
-            </a:pPr>
-            <a:endParaRPr lang="fr-FR" dirty="0"/>
-          </a:p>
-          <a:p>
-            <a:pPr lvl="1">
-              <a:buFont typeface="Wingdings" panose="05000000000000000000" pitchFamily="2" charset="2"/>
-              <a:buChar char="v"/>
-            </a:pPr>
-            <a:r>
-              <a:rPr lang="fr-FR" dirty="0"/>
-              <a:t>Ajout de pièces et d'équipements </a:t>
-            </a:r>
-            <a:r>
-              <a:rPr lang="fr-FR" dirty="0" smtClean="0"/>
-              <a:t>contrôlables</a:t>
-            </a:r>
-          </a:p>
-          <a:p>
-            <a:pPr lvl="1">
-              <a:buFont typeface="Wingdings" panose="05000000000000000000" pitchFamily="2" charset="2"/>
-              <a:buChar char="v"/>
-            </a:pPr>
-            <a:endParaRPr lang="fr-FR" dirty="0"/>
-          </a:p>
-          <a:p>
-            <a:pPr lvl="1">
-              <a:buFont typeface="Wingdings" panose="05000000000000000000" pitchFamily="2" charset="2"/>
-              <a:buChar char="v"/>
-            </a:pPr>
-            <a:r>
-              <a:rPr lang="fr-FR" dirty="0"/>
-              <a:t>Personnalisation des icônes représentant les pièces et les équipements</a:t>
-            </a:r>
-          </a:p>
-          <a:p>
-            <a:endParaRPr lang="fr-FR" dirty="0" smtClean="0"/>
-          </a:p>
-          <a:p>
-            <a:endParaRPr lang="fr-FR" dirty="0" smtClean="0"/>
-          </a:p>
-        </p:txBody>
-      </p:sp>
-      <p:sp>
-        <p:nvSpPr>
-          <p:cNvPr id="5" name="Titre 1"/>
+          <p:cNvPr id="4" name="Titre 1"/>
           <p:cNvSpPr txBox="1">
             <a:spLocks/>
           </p:cNvSpPr>
@@ -10109,15 +10951,205 @@
           <a:p>
             <a:pPr algn="ctr"/>
             <a:r>
-              <a:rPr lang="fr-FR" dirty="0"/>
+              <a:rPr lang="fr-FR" dirty="0" smtClean="0"/>
               <a:t>IV. L’application finale</a:t>
             </a:r>
+            <a:endParaRPr lang="fr-FR" dirty="0"/>
           </a:p>
         </p:txBody>
       </p:sp>
       <p:sp>
         <p:nvSpPr>
-          <p:cNvPr id="6" name="ZoneTexte 5"/>
+          <p:cNvPr id="5" name="Espace réservé du texte 2"/>
+          <p:cNvSpPr txBox="1">
+            <a:spLocks/>
+          </p:cNvSpPr>
+          <p:nvPr/>
+        </p:nvSpPr>
+        <p:spPr>
+          <a:xfrm>
+            <a:off x="581892" y="1094704"/>
+            <a:ext cx="8409708" cy="5031461"/>
+          </a:xfrm>
+          <a:prstGeom prst="rect">
+            <a:avLst/>
+          </a:prstGeom>
+        </p:spPr>
+        <p:txBody>
+          <a:bodyPr vert="horz" lIns="91440" tIns="45720" rIns="91440" bIns="45720" rtlCol="0">
+            <a:normAutofit/>
+          </a:bodyPr>
+          <a:lstStyle>
+            <a:lvl1pPr marL="271463" indent="-271463" algn="l" defTabSz="457200" rtl="0" eaLnBrk="1" latinLnBrk="0" hangingPunct="1">
+              <a:lnSpc>
+                <a:spcPct val="90000"/>
+              </a:lnSpc>
+              <a:spcBef>
+                <a:spcPct val="20000"/>
+              </a:spcBef>
+              <a:buClr>
+                <a:schemeClr val="tx2"/>
+              </a:buClr>
+              <a:buSzPct val="80000"/>
+              <a:buFont typeface="Wingdings 3" panose="05040102010807070707" pitchFamily="18" charset="2"/>
+              <a:buChar char=""/>
+              <a:defRPr sz="1800" b="0" i="0" kern="1200">
+                <a:solidFill>
+                  <a:schemeClr val="tx1"/>
+                </a:solidFill>
+                <a:latin typeface="+mj-lt"/>
+                <a:ea typeface="+mn-ea"/>
+                <a:cs typeface="HelveticaNeueLT Com 67 MdCn" panose="020B0606030502030204" pitchFamily="34" charset="0"/>
+              </a:defRPr>
+            </a:lvl1pPr>
+            <a:lvl2pPr marL="742950" indent="-285750" algn="l" defTabSz="457200" rtl="0" eaLnBrk="1" latinLnBrk="0" hangingPunct="1">
+              <a:lnSpc>
+                <a:spcPct val="90000"/>
+              </a:lnSpc>
+              <a:spcBef>
+                <a:spcPct val="20000"/>
+              </a:spcBef>
+              <a:buSzPct val="100000"/>
+              <a:buFontTx/>
+              <a:buBlip>
+                <a:blip r:embed="rId2"/>
+              </a:buBlip>
+              <a:defRPr sz="1600" b="0" i="0" kern="1200">
+                <a:solidFill>
+                  <a:schemeClr val="tx2"/>
+                </a:solidFill>
+                <a:latin typeface="+mj-lt"/>
+                <a:ea typeface="+mn-ea"/>
+                <a:cs typeface="HelveticaNeueLT Com 57 Cn" panose="020B0506030502030204" pitchFamily="34" charset="0"/>
+              </a:defRPr>
+            </a:lvl2pPr>
+            <a:lvl3pPr marL="1143000" indent="-228600" algn="l" defTabSz="457200" rtl="0" eaLnBrk="1" latinLnBrk="0" hangingPunct="1">
+              <a:lnSpc>
+                <a:spcPct val="90000"/>
+              </a:lnSpc>
+              <a:spcBef>
+                <a:spcPct val="20000"/>
+              </a:spcBef>
+              <a:buFont typeface="Arial"/>
+              <a:buChar char="•"/>
+              <a:defRPr sz="1400" b="0" i="0" kern="1200">
+                <a:solidFill>
+                  <a:schemeClr val="tx2"/>
+                </a:solidFill>
+                <a:latin typeface="+mj-lt"/>
+                <a:ea typeface="+mn-ea"/>
+                <a:cs typeface="HelveticaNeueLT Com 57 Cn" panose="020B0506030502030204" pitchFamily="34" charset="0"/>
+              </a:defRPr>
+            </a:lvl3pPr>
+            <a:lvl4pPr marL="1600200" indent="-228600" algn="l" defTabSz="457200" rtl="0" eaLnBrk="1" latinLnBrk="0" hangingPunct="1">
+              <a:lnSpc>
+                <a:spcPct val="90000"/>
+              </a:lnSpc>
+              <a:spcBef>
+                <a:spcPct val="20000"/>
+              </a:spcBef>
+              <a:buFont typeface="Arial"/>
+              <a:buChar char="–"/>
+              <a:defRPr sz="1200" b="0" i="0" kern="1200">
+                <a:solidFill>
+                  <a:schemeClr val="tx2"/>
+                </a:solidFill>
+                <a:latin typeface="+mj-lt"/>
+                <a:ea typeface="+mn-ea"/>
+                <a:cs typeface="HelveticaNeueLT Com 57 Cn" panose="020B0506030502030204" pitchFamily="34" charset="0"/>
+              </a:defRPr>
+            </a:lvl4pPr>
+            <a:lvl5pPr marL="2057400" indent="-228600" algn="l" defTabSz="457200" rtl="0" eaLnBrk="1" latinLnBrk="0" hangingPunct="1">
+              <a:lnSpc>
+                <a:spcPct val="90000"/>
+              </a:lnSpc>
+              <a:spcBef>
+                <a:spcPct val="20000"/>
+              </a:spcBef>
+              <a:buFont typeface="Arial"/>
+              <a:buChar char="»"/>
+              <a:defRPr sz="1200" b="0" i="0" kern="1200">
+                <a:solidFill>
+                  <a:schemeClr val="tx2"/>
+                </a:solidFill>
+                <a:latin typeface="+mj-lt"/>
+                <a:ea typeface="+mn-ea"/>
+                <a:cs typeface="HelveticaNeueLT Com 57 Cn" panose="020B0506030502030204" pitchFamily="34" charset="0"/>
+              </a:defRPr>
+            </a:lvl5pPr>
+            <a:lvl6pPr marL="2514600" indent="-228600" algn="l" defTabSz="457200" rtl="0" eaLnBrk="1" latinLnBrk="0" hangingPunct="1">
+              <a:spcBef>
+                <a:spcPct val="20000"/>
+              </a:spcBef>
+              <a:buFont typeface="Arial"/>
+              <a:buChar char="•"/>
+              <a:defRPr sz="2000" kern="1200">
+                <a:solidFill>
+                  <a:schemeClr val="tx1"/>
+                </a:solidFill>
+                <a:latin typeface="+mn-lt"/>
+                <a:ea typeface="+mn-ea"/>
+                <a:cs typeface="+mn-cs"/>
+              </a:defRPr>
+            </a:lvl6pPr>
+            <a:lvl7pPr marL="2971800" indent="-228600" algn="l" defTabSz="457200" rtl="0" eaLnBrk="1" latinLnBrk="0" hangingPunct="1">
+              <a:spcBef>
+                <a:spcPct val="20000"/>
+              </a:spcBef>
+              <a:buFont typeface="Arial"/>
+              <a:buChar char="•"/>
+              <a:defRPr sz="2000" kern="1200">
+                <a:solidFill>
+                  <a:schemeClr val="tx1"/>
+                </a:solidFill>
+                <a:latin typeface="+mn-lt"/>
+                <a:ea typeface="+mn-ea"/>
+                <a:cs typeface="+mn-cs"/>
+              </a:defRPr>
+            </a:lvl7pPr>
+            <a:lvl8pPr marL="3429000" indent="-228600" algn="l" defTabSz="457200" rtl="0" eaLnBrk="1" latinLnBrk="0" hangingPunct="1">
+              <a:spcBef>
+                <a:spcPct val="20000"/>
+              </a:spcBef>
+              <a:buFont typeface="Arial"/>
+              <a:buChar char="•"/>
+              <a:defRPr sz="2000" kern="1200">
+                <a:solidFill>
+                  <a:schemeClr val="tx1"/>
+                </a:solidFill>
+                <a:latin typeface="+mn-lt"/>
+                <a:ea typeface="+mn-ea"/>
+                <a:cs typeface="+mn-cs"/>
+              </a:defRPr>
+            </a:lvl8pPr>
+            <a:lvl9pPr marL="3886200" indent="-228600" algn="l" defTabSz="457200" rtl="0" eaLnBrk="1" latinLnBrk="0" hangingPunct="1">
+              <a:spcBef>
+                <a:spcPct val="20000"/>
+              </a:spcBef>
+              <a:buFont typeface="Arial"/>
+              <a:buChar char="•"/>
+              <a:defRPr sz="2000" kern="1200">
+                <a:solidFill>
+                  <a:schemeClr val="tx1"/>
+                </a:solidFill>
+                <a:latin typeface="+mn-lt"/>
+                <a:ea typeface="+mn-ea"/>
+                <a:cs typeface="+mn-cs"/>
+              </a:defRPr>
+            </a:lvl9pPr>
+          </a:lstStyle>
+          <a:p>
+            <a:r>
+              <a:rPr lang="fr-FR" sz="2400" dirty="0" smtClean="0"/>
+              <a:t>Partie administrateur</a:t>
+            </a:r>
+            <a:endParaRPr lang="fr-FR" sz="2400" dirty="0"/>
+          </a:p>
+        </p:txBody>
+      </p:sp>
+      <p:sp>
+        <p:nvSpPr>
+          <p:cNvPr id="7" name="ZoneTexte 6"/>
           <p:cNvSpPr txBox="1"/>
           <p:nvPr/>
         </p:nvSpPr>
@@ -10139,15 +11171,79 @@
           <a:p>
             <a:r>
               <a:rPr lang="fr-FR" dirty="0"/>
-              <a:t>9</a:t>
+              <a:t>8</a:t>
             </a:r>
           </a:p>
         </p:txBody>
       </p:sp>
+      <p:pic>
+        <p:nvPicPr>
+          <p:cNvPr id="1026" name="Picture 2"/>
+          <p:cNvPicPr>
+            <a:picLocks noChangeAspect="1" noChangeArrowheads="1"/>
+          </p:cNvPicPr>
+          <p:nvPr/>
+        </p:nvPicPr>
+        <p:blipFill>
+          <a:blip r:embed="rId3">
+            <a:extLst>
+              <a:ext uri="{28A0092B-C50C-407E-A947-70E740481C1C}">
+                <a14:useLocalDpi xmlns:a14="http://schemas.microsoft.com/office/drawing/2010/main" val="0"/>
+              </a:ext>
+            </a:extLst>
+          </a:blip>
+          <a:srcRect/>
+          <a:stretch>
+            <a:fillRect/>
+          </a:stretch>
+        </p:blipFill>
+        <p:spPr bwMode="auto">
+          <a:xfrm>
+            <a:off x="633806" y="1666788"/>
+            <a:ext cx="7931699" cy="4459377"/>
+          </a:xfrm>
+          <a:prstGeom prst="rect">
+            <a:avLst/>
+          </a:prstGeom>
+          <a:noFill/>
+          <a:ln>
+            <a:noFill/>
+          </a:ln>
+          <a:effectLst/>
+          <a:extLst>
+            <a:ext uri="{909E8E84-426E-40DD-AFC4-6F175D3DCCD1}">
+              <a14:hiddenFill xmlns:a14="http://schemas.microsoft.com/office/drawing/2010/main">
+                <a:solidFill>
+                  <a:schemeClr val="accent1"/>
+                </a:solidFill>
+              </a14:hiddenFill>
+            </a:ext>
+            <a:ext uri="{91240B29-F687-4F45-9708-019B960494DF}">
+              <a14:hiddenLine xmlns:a14="http://schemas.microsoft.com/office/drawing/2010/main" w="9525">
+                <a:solidFill>
+                  <a:schemeClr val="tx1"/>
+                </a:solidFill>
+                <a:miter lim="800000"/>
+                <a:headEnd/>
+                <a:tailEnd/>
+              </a14:hiddenLine>
+            </a:ext>
+            <a:ext uri="{AF507438-7753-43E0-B8FC-AC1667EBCBE1}">
+              <a14:hiddenEffects xmlns:a14="http://schemas.microsoft.com/office/drawing/2010/main">
+                <a:effectLst>
+                  <a:outerShdw dist="35921" dir="2700000" algn="ctr" rotWithShape="0">
+                    <a:schemeClr val="bg2"/>
+                  </a:outerShdw>
+                </a:effectLst>
+              </a14:hiddenEffects>
+            </a:ext>
+          </a:extLst>
+        </p:spPr>
+      </p:pic>
     </p:spTree>
     <p:extLst>
       <p:ext uri="{BB962C8B-B14F-4D97-AF65-F5344CB8AC3E}">
-        <p14:creationId xmlns:p14="http://schemas.microsoft.com/office/powerpoint/2010/main" val="3795733035"/>
+        <p14:creationId xmlns:p14="http://schemas.microsoft.com/office/powerpoint/2010/main" val="112978448"/>
       </p:ext>
     </p:extLst>
   </p:cSld>
@@ -10195,36 +11291,188 @@
       </p:grpSpPr>
       <p:sp>
         <p:nvSpPr>
-          <p:cNvPr id="2" name="Titre 1"/>
+          <p:cNvPr id="3" name="Espace réservé du texte 2"/>
           <p:cNvSpPr>
             <a:spLocks noGrp="1"/>
           </p:cNvSpPr>
           <p:nvPr>
-            <p:ph type="title"/>
+            <p:ph type="body" sz="quarter" idx="10"/>
           </p:nvPr>
         </p:nvSpPr>
-        <p:spPr>
-          <a:xfrm>
-            <a:off x="628650" y="240792"/>
-            <a:ext cx="7876388" cy="1143000"/>
-          </a:xfrm>
-        </p:spPr>
+        <p:spPr/>
         <p:txBody>
           <a:bodyPr/>
           <a:lstStyle/>
           <a:p>
-            <a:pPr algn="ctr"/>
             <a:r>
               <a:rPr lang="fr-FR" dirty="0" smtClean="0"/>
-              <a:t>DEMONSTRATION</a:t>
-            </a:r>
+              <a:t>Adaptations de l’application :</a:t>
+            </a:r>
+          </a:p>
+          <a:p>
+            <a:pPr lvl="1">
+              <a:buFont typeface="Wingdings" panose="05000000000000000000" pitchFamily="2" charset="2"/>
+              <a:buChar char="v"/>
+            </a:pPr>
+            <a:endParaRPr lang="fr-FR" dirty="0" smtClean="0"/>
+          </a:p>
+          <a:p>
+            <a:pPr lvl="1">
+              <a:buFont typeface="Wingdings" panose="05000000000000000000" pitchFamily="2" charset="2"/>
+              <a:buChar char="v"/>
+            </a:pPr>
             <a:endParaRPr lang="fr-FR" dirty="0"/>
+          </a:p>
+          <a:p>
+            <a:pPr lvl="1">
+              <a:buFont typeface="Wingdings" panose="05000000000000000000" pitchFamily="2" charset="2"/>
+              <a:buChar char="v"/>
+            </a:pPr>
+            <a:r>
+              <a:rPr lang="fr-FR" dirty="0"/>
+              <a:t>Modification du thème</a:t>
+            </a:r>
+          </a:p>
+          <a:p>
+            <a:pPr lvl="1">
+              <a:buFont typeface="Wingdings" panose="05000000000000000000" pitchFamily="2" charset="2"/>
+              <a:buChar char="v"/>
+            </a:pPr>
+            <a:endParaRPr lang="fr-FR" dirty="0"/>
+          </a:p>
+          <a:p>
+            <a:pPr lvl="1">
+              <a:buFont typeface="Wingdings" panose="05000000000000000000" pitchFamily="2" charset="2"/>
+              <a:buChar char="v"/>
+            </a:pPr>
+            <a:r>
+              <a:rPr lang="fr-FR" dirty="0"/>
+              <a:t>Modification de la taille des </a:t>
+            </a:r>
+            <a:r>
+              <a:rPr lang="fr-FR" dirty="0" smtClean="0"/>
+              <a:t>icônes</a:t>
+            </a:r>
+          </a:p>
+          <a:p>
+            <a:pPr lvl="1">
+              <a:buFont typeface="Wingdings" panose="05000000000000000000" pitchFamily="2" charset="2"/>
+              <a:buChar char="v"/>
+            </a:pPr>
+            <a:endParaRPr lang="fr-FR" dirty="0"/>
+          </a:p>
+          <a:p>
+            <a:pPr lvl="1">
+              <a:buFont typeface="Wingdings" panose="05000000000000000000" pitchFamily="2" charset="2"/>
+              <a:buChar char="v"/>
+            </a:pPr>
+            <a:r>
+              <a:rPr lang="fr-FR" dirty="0"/>
+              <a:t>Modification des paramètres </a:t>
+            </a:r>
+            <a:r>
+              <a:rPr lang="fr-FR" dirty="0" smtClean="0"/>
+              <a:t>réseau</a:t>
+            </a:r>
+          </a:p>
+          <a:p>
+            <a:pPr lvl="1">
+              <a:buFont typeface="Wingdings" panose="05000000000000000000" pitchFamily="2" charset="2"/>
+              <a:buChar char="v"/>
+            </a:pPr>
+            <a:endParaRPr lang="fr-FR" dirty="0"/>
+          </a:p>
+          <a:p>
+            <a:pPr lvl="1">
+              <a:buFont typeface="Wingdings" panose="05000000000000000000" pitchFamily="2" charset="2"/>
+              <a:buChar char="v"/>
+            </a:pPr>
+            <a:r>
+              <a:rPr lang="fr-FR" dirty="0"/>
+              <a:t>Ajout de pièces et d'équipements </a:t>
+            </a:r>
+            <a:r>
+              <a:rPr lang="fr-FR" dirty="0" smtClean="0"/>
+              <a:t>contrôlables</a:t>
+            </a:r>
+          </a:p>
+          <a:p>
+            <a:pPr lvl="1">
+              <a:buFont typeface="Wingdings" panose="05000000000000000000" pitchFamily="2" charset="2"/>
+              <a:buChar char="v"/>
+            </a:pPr>
+            <a:endParaRPr lang="fr-FR" dirty="0"/>
+          </a:p>
+          <a:p>
+            <a:pPr lvl="1">
+              <a:buFont typeface="Wingdings" panose="05000000000000000000" pitchFamily="2" charset="2"/>
+              <a:buChar char="v"/>
+            </a:pPr>
+            <a:r>
+              <a:rPr lang="fr-FR" dirty="0"/>
+              <a:t>Personnalisation des icônes représentant les pièces et les équipements</a:t>
+            </a:r>
+          </a:p>
+          <a:p>
+            <a:endParaRPr lang="fr-FR" dirty="0" smtClean="0"/>
+          </a:p>
+          <a:p>
+            <a:endParaRPr lang="fr-FR" dirty="0" smtClean="0"/>
           </a:p>
         </p:txBody>
       </p:sp>
       <p:sp>
         <p:nvSpPr>
-          <p:cNvPr id="10" name="ZoneTexte 9"/>
+          <p:cNvPr id="5" name="Titre 1"/>
+          <p:cNvSpPr txBox="1">
+            <a:spLocks/>
+          </p:cNvSpPr>
+          <p:nvPr/>
+        </p:nvSpPr>
+        <p:spPr>
+          <a:xfrm>
+            <a:off x="633806" y="287798"/>
+            <a:ext cx="7876388" cy="1143000"/>
+          </a:xfrm>
+          <a:prstGeom prst="rect">
+            <a:avLst/>
+          </a:prstGeom>
+        </p:spPr>
+        <p:txBody>
+          <a:bodyPr anchor="t">
+            <a:normAutofit/>
+          </a:bodyPr>
+          <a:lstStyle>
+            <a:lvl1pPr algn="l" defTabSz="457200" rtl="0" eaLnBrk="1" latinLnBrk="0" hangingPunct="1">
+              <a:lnSpc>
+                <a:spcPct val="90000"/>
+              </a:lnSpc>
+              <a:spcBef>
+                <a:spcPct val="0"/>
+              </a:spcBef>
+              <a:buNone/>
+              <a:defRPr sz="2700" b="1" i="0" kern="1200" cap="all" baseline="0">
+                <a:solidFill>
+                  <a:schemeClr val="bg2"/>
+                </a:solidFill>
+                <a:latin typeface="+mj-lt"/>
+                <a:ea typeface="+mj-ea"/>
+                <a:cs typeface="HelveticaNeueLT Com 57 Cn" panose="020B0506030502030204" pitchFamily="34" charset="0"/>
+              </a:defRPr>
+            </a:lvl1pPr>
+          </a:lstStyle>
+          <a:p>
+            <a:pPr algn="ctr"/>
+            <a:r>
+              <a:rPr lang="fr-FR" dirty="0"/>
+              <a:t>IV. L’application finale</a:t>
+            </a:r>
+          </a:p>
+        </p:txBody>
+      </p:sp>
+      <p:sp>
+        <p:nvSpPr>
+          <p:cNvPr id="6" name="ZoneTexte 5"/>
           <p:cNvSpPr txBox="1"/>
           <p:nvPr/>
         </p:nvSpPr>
@@ -10245,71 +11493,16 @@
           <a:lstStyle/>
           <a:p>
             <a:r>
-              <a:rPr lang="fr-FR" dirty="0" smtClean="0"/>
-              <a:t>10</a:t>
-            </a:r>
-            <a:endParaRPr lang="fr-FR" dirty="0"/>
+              <a:rPr lang="fr-FR" dirty="0"/>
+              <a:t>9</a:t>
+            </a:r>
           </a:p>
         </p:txBody>
       </p:sp>
-      <p:pic>
-        <p:nvPicPr>
-          <p:cNvPr id="2050" name="Picture 2"/>
-          <p:cNvPicPr>
-            <a:picLocks noChangeAspect="1" noChangeArrowheads="1"/>
-          </p:cNvPicPr>
-          <p:nvPr/>
-        </p:nvPicPr>
-        <p:blipFill>
-          <a:blip r:embed="rId3">
-            <a:extLst>
-              <a:ext uri="{28A0092B-C50C-407E-A947-70E740481C1C}">
-                <a14:useLocalDpi xmlns:a14="http://schemas.microsoft.com/office/drawing/2010/main" val="0"/>
-              </a:ext>
-            </a:extLst>
-          </a:blip>
-          <a:srcRect/>
-          <a:stretch>
-            <a:fillRect/>
-          </a:stretch>
-        </p:blipFill>
-        <p:spPr bwMode="auto">
-          <a:xfrm>
-            <a:off x="2676525" y="2062163"/>
-            <a:ext cx="3790950" cy="2733675"/>
-          </a:xfrm>
-          <a:prstGeom prst="rect">
-            <a:avLst/>
-          </a:prstGeom>
-          <a:noFill/>
-          <a:ln>
-            <a:noFill/>
-          </a:ln>
-          <a:extLst>
-            <a:ext uri="{909E8E84-426E-40DD-AFC4-6F175D3DCCD1}">
-              <a14:hiddenFill xmlns:a14="http://schemas.microsoft.com/office/drawing/2010/main">
-                <a:solidFill>
-                  <a:schemeClr val="accent1"/>
-                </a:solidFill>
-              </a14:hiddenFill>
-            </a:ext>
-            <a:ext uri="{91240B29-F687-4F45-9708-019B960494DF}">
-              <a14:hiddenLine xmlns:a14="http://schemas.microsoft.com/office/drawing/2010/main" w="9525">
-                <a:solidFill>
-                  <a:schemeClr val="tx1"/>
-                </a:solidFill>
-                <a:miter lim="800000"/>
-                <a:headEnd/>
-                <a:tailEnd/>
-              </a14:hiddenLine>
-            </a:ext>
-          </a:extLst>
-        </p:spPr>
-      </p:pic>
     </p:spTree>
     <p:extLst>
       <p:ext uri="{BB962C8B-B14F-4D97-AF65-F5344CB8AC3E}">
-        <p14:creationId xmlns:p14="http://schemas.microsoft.com/office/powerpoint/2010/main" val="3312382938"/>
+        <p14:creationId xmlns:p14="http://schemas.microsoft.com/office/powerpoint/2010/main" val="3795733035"/>
       </p:ext>
     </p:extLst>
   </p:cSld>
@@ -10367,28 +11560,18 @@
         </p:nvSpPr>
         <p:spPr>
           <a:xfrm>
-            <a:off x="633806" y="231501"/>
-            <a:ext cx="7876388" cy="732328"/>
+            <a:off x="628650" y="240792"/>
+            <a:ext cx="7876388" cy="1143000"/>
           </a:xfrm>
         </p:spPr>
         <p:txBody>
-          <a:bodyPr>
-            <a:normAutofit/>
-          </a:bodyPr>
+          <a:bodyPr/>
           <a:lstStyle/>
           <a:p>
             <a:pPr algn="ctr"/>
             <a:r>
               <a:rPr lang="fr-FR" dirty="0" smtClean="0"/>
-              <a:t>V</a:t>
-            </a:r>
-            <a:r>
-              <a:rPr lang="fr-FR" dirty="0"/>
-              <a:t>. Gestion de </a:t>
-            </a:r>
-            <a:r>
-              <a:rPr lang="fr-FR" dirty="0" smtClean="0"/>
-              <a:t>projet</a:t>
+              <a:t>DEMONSTRATION</a:t>
             </a:r>
             <a:endParaRPr lang="fr-FR" dirty="0"/>
           </a:p>
@@ -10396,7 +11579,7 @@
       </p:sp>
       <p:sp>
         <p:nvSpPr>
-          <p:cNvPr id="4" name="ZoneTexte 3"/>
+          <p:cNvPr id="10" name="ZoneTexte 9"/>
           <p:cNvSpPr txBox="1"/>
           <p:nvPr/>
         </p:nvSpPr>
@@ -10418,7 +11601,7 @@
           <a:p>
             <a:r>
               <a:rPr lang="fr-FR" dirty="0" smtClean="0"/>
-              <a:t>11</a:t>
+              <a:t>10</a:t>
             </a:r>
             <a:endParaRPr lang="fr-FR" dirty="0"/>
           </a:p>
@@ -10426,1012 +11609,62 @@
       </p:sp>
       <p:pic>
         <p:nvPicPr>
-          <p:cNvPr id="5" name="Image 4"/>
+          <p:cNvPr id="2050" name="Picture 2"/>
           <p:cNvPicPr>
-            <a:picLocks noChangeAspect="1"/>
+            <a:picLocks noChangeAspect="1" noChangeArrowheads="1"/>
           </p:cNvPicPr>
           <p:nvPr/>
         </p:nvPicPr>
         <p:blipFill>
-          <a:blip r:embed="rId3" cstate="screen">
+          <a:blip r:embed="rId3">
             <a:extLst>
               <a:ext uri="{28A0092B-C50C-407E-A947-70E740481C1C}">
                 <a14:useLocalDpi xmlns:a14="http://schemas.microsoft.com/office/drawing/2010/main" val="0"/>
               </a:ext>
             </a:extLst>
           </a:blip>
+          <a:srcRect/>
           <a:stretch>
             <a:fillRect/>
           </a:stretch>
         </p:blipFill>
-        <p:spPr>
-          <a:xfrm>
-            <a:off x="7853061" y="1429364"/>
-            <a:ext cx="679366" cy="510883"/>
+        <p:spPr bwMode="auto">
+          <a:xfrm>
+            <a:off x="2676525" y="2062163"/>
+            <a:ext cx="3790950" cy="2733675"/>
           </a:xfrm>
           <a:prstGeom prst="rect">
             <a:avLst/>
           </a:prstGeom>
+          <a:noFill/>
+          <a:ln>
+            <a:noFill/>
+          </a:ln>
+          <a:extLst>
+            <a:ext uri="{909E8E84-426E-40DD-AFC4-6F175D3DCCD1}">
+              <a14:hiddenFill xmlns:a14="http://schemas.microsoft.com/office/drawing/2010/main">
+                <a:solidFill>
+                  <a:schemeClr val="accent1"/>
+                </a:solidFill>
+              </a14:hiddenFill>
+            </a:ext>
+            <a:ext uri="{91240B29-F687-4F45-9708-019B960494DF}">
+              <a14:hiddenLine xmlns:a14="http://schemas.microsoft.com/office/drawing/2010/main" w="9525">
+                <a:solidFill>
+                  <a:schemeClr val="tx1"/>
+                </a:solidFill>
+                <a:miter lim="800000"/>
+                <a:headEnd/>
+                <a:tailEnd/>
+              </a14:hiddenLine>
+            </a:ext>
+          </a:extLst>
         </p:spPr>
       </p:pic>
-      <p:pic>
-        <p:nvPicPr>
-          <p:cNvPr id="6" name="Image 5"/>
-          <p:cNvPicPr>
-            <a:picLocks noChangeAspect="1"/>
-          </p:cNvPicPr>
-          <p:nvPr/>
-        </p:nvPicPr>
-        <p:blipFill>
-          <a:blip r:embed="rId4" cstate="screen">
-            <a:extLst>
-              <a:ext uri="{28A0092B-C50C-407E-A947-70E740481C1C}">
-                <a14:useLocalDpi xmlns:a14="http://schemas.microsoft.com/office/drawing/2010/main" val="0"/>
-              </a:ext>
-            </a:extLst>
-          </a:blip>
-          <a:stretch>
-            <a:fillRect/>
-          </a:stretch>
-        </p:blipFill>
-        <p:spPr>
-          <a:xfrm>
-            <a:off x="5770113" y="4708770"/>
-            <a:ext cx="875600" cy="875600"/>
-          </a:xfrm>
-          <a:prstGeom prst="rect">
-            <a:avLst/>
-          </a:prstGeom>
-        </p:spPr>
-      </p:pic>
-      <p:pic>
-        <p:nvPicPr>
-          <p:cNvPr id="7" name="Image 6"/>
-          <p:cNvPicPr>
-            <a:picLocks noChangeAspect="1"/>
-          </p:cNvPicPr>
-          <p:nvPr/>
-        </p:nvPicPr>
-        <p:blipFill>
-          <a:blip r:embed="rId5" cstate="screen">
-            <a:extLst>
-              <a:ext uri="{28A0092B-C50C-407E-A947-70E740481C1C}">
-                <a14:useLocalDpi xmlns:a14="http://schemas.microsoft.com/office/drawing/2010/main" val="0"/>
-              </a:ext>
-            </a:extLst>
-          </a:blip>
-          <a:stretch>
-            <a:fillRect/>
-          </a:stretch>
-        </p:blipFill>
-        <p:spPr>
-          <a:xfrm rot="10800000">
-            <a:off x="7007672" y="1477671"/>
-            <a:ext cx="402652" cy="402652"/>
-          </a:xfrm>
-          <a:prstGeom prst="rect">
-            <a:avLst/>
-          </a:prstGeom>
-        </p:spPr>
-      </p:pic>
-      <p:pic>
-        <p:nvPicPr>
-          <p:cNvPr id="8" name="Image 7"/>
-          <p:cNvPicPr>
-            <a:picLocks noChangeAspect="1"/>
-          </p:cNvPicPr>
-          <p:nvPr/>
-        </p:nvPicPr>
-        <p:blipFill>
-          <a:blip r:embed="rId6" cstate="screen">
-            <a:extLst>
-              <a:ext uri="{28A0092B-C50C-407E-A947-70E740481C1C}">
-                <a14:useLocalDpi xmlns:a14="http://schemas.microsoft.com/office/drawing/2010/main" val="0"/>
-              </a:ext>
-            </a:extLst>
-          </a:blip>
-          <a:stretch>
-            <a:fillRect/>
-          </a:stretch>
-        </p:blipFill>
-        <p:spPr>
-          <a:xfrm>
-            <a:off x="5820537" y="1345601"/>
-            <a:ext cx="794871" cy="678410"/>
-          </a:xfrm>
-          <a:prstGeom prst="rect">
-            <a:avLst/>
-          </a:prstGeom>
-        </p:spPr>
-      </p:pic>
-      <p:pic>
-        <p:nvPicPr>
-          <p:cNvPr id="9" name="Image 8"/>
-          <p:cNvPicPr>
-            <a:picLocks noChangeAspect="1"/>
-          </p:cNvPicPr>
-          <p:nvPr/>
-        </p:nvPicPr>
-        <p:blipFill>
-          <a:blip r:embed="rId7" cstate="screen">
-            <a:extLst>
-              <a:ext uri="{28A0092B-C50C-407E-A947-70E740481C1C}">
-                <a14:useLocalDpi xmlns:a14="http://schemas.microsoft.com/office/drawing/2010/main" val="0"/>
-              </a:ext>
-            </a:extLst>
-          </a:blip>
-          <a:stretch>
-            <a:fillRect/>
-          </a:stretch>
-        </p:blipFill>
-        <p:spPr>
-          <a:xfrm>
-            <a:off x="5770113" y="2955379"/>
-            <a:ext cx="884715" cy="782731"/>
-          </a:xfrm>
-          <a:prstGeom prst="rect">
-            <a:avLst/>
-          </a:prstGeom>
-        </p:spPr>
-      </p:pic>
-      <p:pic>
-        <p:nvPicPr>
-          <p:cNvPr id="10" name="Image 9"/>
-          <p:cNvPicPr>
-            <a:picLocks noChangeAspect="1"/>
-          </p:cNvPicPr>
-          <p:nvPr/>
-        </p:nvPicPr>
-        <p:blipFill>
-          <a:blip r:embed="rId8">
-            <a:extLst>
-              <a:ext uri="{28A0092B-C50C-407E-A947-70E740481C1C}">
-                <a14:useLocalDpi xmlns:a14="http://schemas.microsoft.com/office/drawing/2010/main" val="0"/>
-              </a:ext>
-            </a:extLst>
-          </a:blip>
-          <a:stretch>
-            <a:fillRect/>
-          </a:stretch>
-        </p:blipFill>
-        <p:spPr>
-          <a:xfrm>
-            <a:off x="3384061" y="1667920"/>
-            <a:ext cx="1418468" cy="1268691"/>
-          </a:xfrm>
-          <a:prstGeom prst="rect">
-            <a:avLst/>
-          </a:prstGeom>
-        </p:spPr>
-      </p:pic>
-      <p:pic>
-        <p:nvPicPr>
-          <p:cNvPr id="11" name="Image 10"/>
-          <p:cNvPicPr>
-            <a:picLocks noChangeAspect="1"/>
-          </p:cNvPicPr>
-          <p:nvPr/>
-        </p:nvPicPr>
-        <p:blipFill>
-          <a:blip r:embed="rId9" cstate="screen">
-            <a:extLst>
-              <a:ext uri="{28A0092B-C50C-407E-A947-70E740481C1C}">
-                <a14:useLocalDpi xmlns:a14="http://schemas.microsoft.com/office/drawing/2010/main" val="0"/>
-              </a:ext>
-            </a:extLst>
-          </a:blip>
-          <a:stretch>
-            <a:fillRect/>
-          </a:stretch>
-        </p:blipFill>
-        <p:spPr>
-          <a:xfrm>
-            <a:off x="244061" y="2851916"/>
-            <a:ext cx="1131791" cy="1257135"/>
-          </a:xfrm>
-          <a:prstGeom prst="rect">
-            <a:avLst/>
-          </a:prstGeom>
-        </p:spPr>
-      </p:pic>
-      <p:pic>
-        <p:nvPicPr>
-          <p:cNvPr id="12" name="Image 11"/>
-          <p:cNvPicPr>
-            <a:picLocks noChangeAspect="1"/>
-          </p:cNvPicPr>
-          <p:nvPr/>
-        </p:nvPicPr>
-        <p:blipFill>
-          <a:blip r:embed="rId10" cstate="screen">
-            <a:extLst>
-              <a:ext uri="{28A0092B-C50C-407E-A947-70E740481C1C}">
-                <a14:useLocalDpi xmlns:a14="http://schemas.microsoft.com/office/drawing/2010/main" val="0"/>
-              </a:ext>
-            </a:extLst>
-          </a:blip>
-          <a:stretch>
-            <a:fillRect/>
-          </a:stretch>
-        </p:blipFill>
-        <p:spPr>
-          <a:xfrm>
-            <a:off x="5924313" y="2249583"/>
-            <a:ext cx="609960" cy="609960"/>
-          </a:xfrm>
-          <a:prstGeom prst="rect">
-            <a:avLst/>
-          </a:prstGeom>
-        </p:spPr>
-      </p:pic>
-      <p:pic>
-        <p:nvPicPr>
-          <p:cNvPr id="13" name="Image 12"/>
-          <p:cNvPicPr>
-            <a:picLocks noChangeAspect="1"/>
-          </p:cNvPicPr>
-          <p:nvPr/>
-        </p:nvPicPr>
-        <p:blipFill>
-          <a:blip r:embed="rId11" cstate="screen">
-            <a:extLst>
-              <a:ext uri="{28A0092B-C50C-407E-A947-70E740481C1C}">
-                <a14:useLocalDpi xmlns:a14="http://schemas.microsoft.com/office/drawing/2010/main" val="0"/>
-              </a:ext>
-            </a:extLst>
-          </a:blip>
-          <a:stretch>
-            <a:fillRect/>
-          </a:stretch>
-        </p:blipFill>
-        <p:spPr>
-          <a:xfrm>
-            <a:off x="6885659" y="4913125"/>
-            <a:ext cx="646679" cy="409867"/>
-          </a:xfrm>
-          <a:prstGeom prst="rect">
-            <a:avLst/>
-          </a:prstGeom>
-        </p:spPr>
-      </p:pic>
-      <p:pic>
-        <p:nvPicPr>
-          <p:cNvPr id="14" name="Image 13"/>
-          <p:cNvPicPr>
-            <a:picLocks noChangeAspect="1"/>
-          </p:cNvPicPr>
-          <p:nvPr/>
-        </p:nvPicPr>
-        <p:blipFill>
-          <a:blip r:embed="rId10" cstate="screen">
-            <a:extLst>
-              <a:ext uri="{28A0092B-C50C-407E-A947-70E740481C1C}">
-                <a14:useLocalDpi xmlns:a14="http://schemas.microsoft.com/office/drawing/2010/main" val="0"/>
-              </a:ext>
-            </a:extLst>
-          </a:blip>
-          <a:stretch>
-            <a:fillRect/>
-          </a:stretch>
-        </p:blipFill>
-        <p:spPr>
-          <a:xfrm rot="10800000">
-            <a:off x="5924312" y="4037833"/>
-            <a:ext cx="609960" cy="609960"/>
-          </a:xfrm>
-          <a:prstGeom prst="rect">
-            <a:avLst/>
-          </a:prstGeom>
-        </p:spPr>
-      </p:pic>
-      <p:pic>
-        <p:nvPicPr>
-          <p:cNvPr id="15" name="Image 14"/>
-          <p:cNvPicPr>
-            <a:picLocks noChangeAspect="1"/>
-          </p:cNvPicPr>
-          <p:nvPr/>
-        </p:nvPicPr>
-        <p:blipFill>
-          <a:blip r:embed="rId12" cstate="screen">
-            <a:extLst>
-              <a:ext uri="{28A0092B-C50C-407E-A947-70E740481C1C}">
-                <a14:useLocalDpi xmlns:a14="http://schemas.microsoft.com/office/drawing/2010/main" val="0"/>
-              </a:ext>
-            </a:extLst>
-          </a:blip>
-          <a:stretch>
-            <a:fillRect/>
-          </a:stretch>
-        </p:blipFill>
-        <p:spPr>
-          <a:xfrm>
-            <a:off x="1733496" y="3558144"/>
-            <a:ext cx="920615" cy="226061"/>
-          </a:xfrm>
-          <a:prstGeom prst="rect">
-            <a:avLst/>
-          </a:prstGeom>
-        </p:spPr>
-      </p:pic>
-      <p:pic>
-        <p:nvPicPr>
-          <p:cNvPr id="16" name="Image 15"/>
-          <p:cNvPicPr>
-            <a:picLocks noChangeAspect="1"/>
-          </p:cNvPicPr>
-          <p:nvPr/>
-        </p:nvPicPr>
-        <p:blipFill>
-          <a:blip r:embed="rId13" cstate="screen">
-            <a:extLst>
-              <a:ext uri="{28A0092B-C50C-407E-A947-70E740481C1C}">
-                <a14:useLocalDpi xmlns:a14="http://schemas.microsoft.com/office/drawing/2010/main" val="0"/>
-              </a:ext>
-            </a:extLst>
-          </a:blip>
-          <a:stretch>
-            <a:fillRect/>
-          </a:stretch>
-        </p:blipFill>
-        <p:spPr>
-          <a:xfrm>
-            <a:off x="7906150" y="4823774"/>
-            <a:ext cx="613499" cy="613499"/>
-          </a:xfrm>
-          <a:prstGeom prst="rect">
-            <a:avLst/>
-          </a:prstGeom>
-        </p:spPr>
-      </p:pic>
-      <p:sp>
-        <p:nvSpPr>
-          <p:cNvPr id="17" name="Rectangle 16"/>
-          <p:cNvSpPr/>
-          <p:nvPr/>
-        </p:nvSpPr>
-        <p:spPr>
-          <a:xfrm>
-            <a:off x="5607347" y="1104253"/>
-            <a:ext cx="3263885" cy="4484982"/>
-          </a:xfrm>
-          <a:prstGeom prst="rect">
-            <a:avLst/>
-          </a:prstGeom>
-          <a:noFill/>
-          <a:ln w="28575">
-            <a:solidFill>
-              <a:srgbClr val="00B050"/>
-            </a:solidFill>
-          </a:ln>
-        </p:spPr>
-        <p:style>
-          <a:lnRef idx="1">
-            <a:schemeClr val="accent1"/>
-          </a:lnRef>
-          <a:fillRef idx="3">
-            <a:schemeClr val="accent1"/>
-          </a:fillRef>
-          <a:effectRef idx="2">
-            <a:schemeClr val="accent1"/>
-          </a:effectRef>
-          <a:fontRef idx="minor">
-            <a:schemeClr val="lt1"/>
-          </a:fontRef>
-        </p:style>
-        <p:txBody>
-          <a:bodyPr rtlCol="0" anchor="ctr"/>
-          <a:lstStyle/>
-          <a:p>
-            <a:pPr algn="ctr"/>
-            <a:endParaRPr lang="fr-FR"/>
-          </a:p>
-        </p:txBody>
-      </p:sp>
-      <p:sp>
-        <p:nvSpPr>
-          <p:cNvPr id="18" name="Rectangle 17"/>
-          <p:cNvSpPr/>
-          <p:nvPr/>
-        </p:nvSpPr>
-        <p:spPr>
-          <a:xfrm>
-            <a:off x="139158" y="2472104"/>
-            <a:ext cx="2688492" cy="2011069"/>
-          </a:xfrm>
-          <a:prstGeom prst="rect">
-            <a:avLst/>
-          </a:prstGeom>
-          <a:noFill/>
-          <a:ln w="28575">
-            <a:solidFill>
-              <a:srgbClr val="00B0F0"/>
-            </a:solidFill>
-          </a:ln>
-        </p:spPr>
-        <p:style>
-          <a:lnRef idx="1">
-            <a:schemeClr val="accent1"/>
-          </a:lnRef>
-          <a:fillRef idx="3">
-            <a:schemeClr val="accent1"/>
-          </a:fillRef>
-          <a:effectRef idx="2">
-            <a:schemeClr val="accent1"/>
-          </a:effectRef>
-          <a:fontRef idx="minor">
-            <a:schemeClr val="lt1"/>
-          </a:fontRef>
-        </p:style>
-        <p:txBody>
-          <a:bodyPr rtlCol="0" anchor="ctr"/>
-          <a:lstStyle/>
-          <a:p>
-            <a:pPr algn="ctr"/>
-            <a:endParaRPr lang="fr-FR"/>
-          </a:p>
-        </p:txBody>
-      </p:sp>
-      <p:sp>
-        <p:nvSpPr>
-          <p:cNvPr id="19" name="Rectangle 18"/>
-          <p:cNvSpPr/>
-          <p:nvPr/>
-        </p:nvSpPr>
-        <p:spPr>
-          <a:xfrm>
-            <a:off x="2969843" y="3107703"/>
-            <a:ext cx="967141" cy="752807"/>
-          </a:xfrm>
-          <a:prstGeom prst="rect">
-            <a:avLst/>
-          </a:prstGeom>
-          <a:noFill/>
-          <a:ln w="28575">
-            <a:solidFill>
-              <a:schemeClr val="tx2">
-                <a:lumMod val="75000"/>
-              </a:schemeClr>
-            </a:solidFill>
-          </a:ln>
-        </p:spPr>
-        <p:style>
-          <a:lnRef idx="1">
-            <a:schemeClr val="accent1"/>
-          </a:lnRef>
-          <a:fillRef idx="3">
-            <a:schemeClr val="accent1"/>
-          </a:fillRef>
-          <a:effectRef idx="2">
-            <a:schemeClr val="accent1"/>
-          </a:effectRef>
-          <a:fontRef idx="minor">
-            <a:schemeClr val="lt1"/>
-          </a:fontRef>
-        </p:style>
-        <p:txBody>
-          <a:bodyPr rtlCol="0" anchor="ctr"/>
-          <a:lstStyle/>
-          <a:p>
-            <a:pPr algn="ctr"/>
-            <a:endParaRPr lang="fr-FR"/>
-          </a:p>
-        </p:txBody>
-      </p:sp>
-      <p:sp>
-        <p:nvSpPr>
-          <p:cNvPr id="20" name="Rectangle 19"/>
-          <p:cNvSpPr/>
-          <p:nvPr/>
-        </p:nvSpPr>
-        <p:spPr>
-          <a:xfrm>
-            <a:off x="4197469" y="3112697"/>
-            <a:ext cx="967141" cy="752807"/>
-          </a:xfrm>
-          <a:prstGeom prst="rect">
-            <a:avLst/>
-          </a:prstGeom>
-          <a:noFill/>
-          <a:ln w="28575">
-            <a:solidFill>
-              <a:schemeClr val="accent1">
-                <a:lumMod val="60000"/>
-                <a:lumOff val="40000"/>
-              </a:schemeClr>
-            </a:solidFill>
-          </a:ln>
-        </p:spPr>
-        <p:style>
-          <a:lnRef idx="1">
-            <a:schemeClr val="accent1"/>
-          </a:lnRef>
-          <a:fillRef idx="3">
-            <a:schemeClr val="accent1"/>
-          </a:fillRef>
-          <a:effectRef idx="2">
-            <a:schemeClr val="accent1"/>
-          </a:effectRef>
-          <a:fontRef idx="minor">
-            <a:schemeClr val="lt1"/>
-          </a:fontRef>
-        </p:style>
-        <p:txBody>
-          <a:bodyPr rtlCol="0" anchor="ctr"/>
-          <a:lstStyle/>
-          <a:p>
-            <a:pPr algn="ctr"/>
-            <a:endParaRPr lang="fr-FR"/>
-          </a:p>
-        </p:txBody>
-      </p:sp>
-      <p:sp>
-        <p:nvSpPr>
-          <p:cNvPr id="21" name="ZoneTexte 20"/>
-          <p:cNvSpPr txBox="1"/>
-          <p:nvPr/>
-        </p:nvSpPr>
-        <p:spPr>
-          <a:xfrm>
-            <a:off x="3105628" y="3290277"/>
-            <a:ext cx="695569" cy="369332"/>
-          </a:xfrm>
-          <a:prstGeom prst="rect">
-            <a:avLst/>
-          </a:prstGeom>
-          <a:noFill/>
-        </p:spPr>
-        <p:txBody>
-          <a:bodyPr wrap="square" rtlCol="0">
-            <a:spAutoFit/>
-          </a:bodyPr>
-          <a:lstStyle/>
-          <a:p>
-            <a:pPr algn="ctr"/>
-            <a:r>
-              <a:rPr lang="fr-FR" dirty="0" smtClean="0">
-                <a:effectLst>
-                  <a:outerShdw blurRad="50800" dist="38100" dir="2700000" algn="tl" rotWithShape="0">
-                    <a:prstClr val="black">
-                      <a:alpha val="40000"/>
-                    </a:prstClr>
-                  </a:outerShdw>
-                </a:effectLst>
-              </a:rPr>
-              <a:t>IHM</a:t>
-            </a:r>
-          </a:p>
-        </p:txBody>
-      </p:sp>
-      <p:sp>
-        <p:nvSpPr>
-          <p:cNvPr id="22" name="ZoneTexte 21"/>
-          <p:cNvSpPr txBox="1"/>
-          <p:nvPr/>
-        </p:nvSpPr>
-        <p:spPr>
-          <a:xfrm>
-            <a:off x="4213274" y="3163764"/>
-            <a:ext cx="935529" cy="646331"/>
-          </a:xfrm>
-          <a:prstGeom prst="rect">
-            <a:avLst/>
-          </a:prstGeom>
-          <a:noFill/>
-        </p:spPr>
-        <p:txBody>
-          <a:bodyPr wrap="square" rtlCol="0">
-            <a:spAutoFit/>
-          </a:bodyPr>
-          <a:lstStyle/>
-          <a:p>
-            <a:pPr algn="ctr"/>
-            <a:r>
-              <a:rPr lang="fr-FR" dirty="0" smtClean="0">
-                <a:effectLst>
-                  <a:outerShdw blurRad="50800" dist="38100" dir="2700000" algn="tl" rotWithShape="0">
-                    <a:prstClr val="black">
-                      <a:alpha val="40000"/>
-                    </a:prstClr>
-                  </a:outerShdw>
-                </a:effectLst>
-              </a:rPr>
-              <a:t>Modèle</a:t>
-            </a:r>
-          </a:p>
-          <a:p>
-            <a:pPr algn="ctr"/>
-            <a:r>
-              <a:rPr lang="fr-FR" dirty="0" smtClean="0">
-                <a:effectLst>
-                  <a:outerShdw blurRad="50800" dist="38100" dir="2700000" algn="tl" rotWithShape="0">
-                    <a:prstClr val="black">
-                      <a:alpha val="40000"/>
-                    </a:prstClr>
-                  </a:outerShdw>
-                </a:effectLst>
-              </a:rPr>
-              <a:t>DLL</a:t>
-            </a:r>
-          </a:p>
-        </p:txBody>
-      </p:sp>
-      <p:sp>
-        <p:nvSpPr>
-          <p:cNvPr id="23" name="ZoneTexte 22"/>
-          <p:cNvSpPr txBox="1"/>
-          <p:nvPr/>
-        </p:nvSpPr>
-        <p:spPr>
-          <a:xfrm>
-            <a:off x="945744" y="2523558"/>
-            <a:ext cx="1881906" cy="646331"/>
-          </a:xfrm>
-          <a:prstGeom prst="rect">
-            <a:avLst/>
-          </a:prstGeom>
-          <a:noFill/>
-        </p:spPr>
-        <p:txBody>
-          <a:bodyPr wrap="square" rtlCol="0">
-            <a:spAutoFit/>
-          </a:bodyPr>
-          <a:lstStyle/>
-          <a:p>
-            <a:pPr algn="ctr"/>
-            <a:r>
-              <a:rPr lang="fr-FR" dirty="0" smtClean="0">
-                <a:effectLst>
-                  <a:outerShdw blurRad="50800" dist="38100" dir="2700000" algn="tl" rotWithShape="0">
-                    <a:prstClr val="black">
-                      <a:alpha val="40000"/>
-                    </a:prstClr>
-                  </a:outerShdw>
-                </a:effectLst>
-              </a:rPr>
-              <a:t>Bluetooth_com</a:t>
-            </a:r>
-          </a:p>
-          <a:p>
-            <a:pPr algn="ctr"/>
-            <a:r>
-              <a:rPr lang="fr-FR" dirty="0" smtClean="0">
-                <a:effectLst>
-                  <a:outerShdw blurRad="50800" dist="38100" dir="2700000" algn="tl" rotWithShape="0">
-                    <a:prstClr val="black">
-                      <a:alpha val="40000"/>
-                    </a:prstClr>
-                  </a:outerShdw>
-                </a:effectLst>
-              </a:rPr>
-              <a:t>DLL</a:t>
-            </a:r>
-          </a:p>
-        </p:txBody>
-      </p:sp>
-      <p:cxnSp>
-        <p:nvCxnSpPr>
-          <p:cNvPr id="24" name="Connecteur droit avec flèche 23"/>
-          <p:cNvCxnSpPr>
-            <a:stCxn id="19" idx="3"/>
-            <a:endCxn id="20" idx="1"/>
-          </p:cNvCxnSpPr>
-          <p:nvPr/>
-        </p:nvCxnSpPr>
-        <p:spPr>
-          <a:xfrm>
-            <a:off x="3936984" y="3484107"/>
-            <a:ext cx="260485" cy="4994"/>
-          </a:xfrm>
-          <a:prstGeom prst="straightConnector1">
-            <a:avLst/>
-          </a:prstGeom>
-          <a:ln>
-            <a:headEnd type="triangle"/>
-            <a:tailEnd type="triangle"/>
-          </a:ln>
-        </p:spPr>
-        <p:style>
-          <a:lnRef idx="2">
-            <a:schemeClr val="dk1"/>
-          </a:lnRef>
-          <a:fillRef idx="0">
-            <a:schemeClr val="dk1"/>
-          </a:fillRef>
-          <a:effectRef idx="1">
-            <a:schemeClr val="dk1"/>
-          </a:effectRef>
-          <a:fontRef idx="minor">
-            <a:schemeClr val="tx1"/>
-          </a:fontRef>
-        </p:style>
-      </p:cxnSp>
-      <p:cxnSp>
-        <p:nvCxnSpPr>
-          <p:cNvPr id="25" name="Connecteur droit avec flèche 24"/>
-          <p:cNvCxnSpPr>
-            <a:stCxn id="19" idx="1"/>
-            <a:endCxn id="11" idx="3"/>
-          </p:cNvCxnSpPr>
-          <p:nvPr/>
-        </p:nvCxnSpPr>
-        <p:spPr>
-          <a:xfrm flipH="1" flipV="1">
-            <a:off x="1375852" y="3480484"/>
-            <a:ext cx="1593991" cy="3623"/>
-          </a:xfrm>
-          <a:prstGeom prst="straightConnector1">
-            <a:avLst/>
-          </a:prstGeom>
-          <a:ln>
-            <a:tailEnd type="triangle"/>
-          </a:ln>
-        </p:spPr>
-        <p:style>
-          <a:lnRef idx="2">
-            <a:schemeClr val="dk1"/>
-          </a:lnRef>
-          <a:fillRef idx="0">
-            <a:schemeClr val="dk1"/>
-          </a:fillRef>
-          <a:effectRef idx="1">
-            <a:schemeClr val="dk1"/>
-          </a:effectRef>
-          <a:fontRef idx="minor">
-            <a:schemeClr val="tx1"/>
-          </a:fontRef>
-        </p:style>
-      </p:cxnSp>
-      <p:sp>
-        <p:nvSpPr>
-          <p:cNvPr id="28" name="ZoneTexte 27"/>
-          <p:cNvSpPr txBox="1"/>
-          <p:nvPr/>
-        </p:nvSpPr>
-        <p:spPr>
-          <a:xfrm>
-            <a:off x="7012180" y="2213212"/>
-            <a:ext cx="1881906" cy="646331"/>
-          </a:xfrm>
-          <a:prstGeom prst="rect">
-            <a:avLst/>
-          </a:prstGeom>
-          <a:noFill/>
-        </p:spPr>
-        <p:txBody>
-          <a:bodyPr wrap="square" rtlCol="0">
-            <a:spAutoFit/>
-          </a:bodyPr>
-          <a:lstStyle/>
-          <a:p>
-            <a:pPr algn="ctr"/>
-            <a:r>
-              <a:rPr lang="fr-FR" dirty="0" smtClean="0">
-                <a:effectLst>
-                  <a:outerShdw blurRad="50800" dist="38100" dir="2700000" algn="tl" rotWithShape="0">
-                    <a:prstClr val="black">
-                      <a:alpha val="40000"/>
-                    </a:prstClr>
-                  </a:outerShdw>
-                </a:effectLst>
-              </a:rPr>
-              <a:t>RequeteHttp</a:t>
-            </a:r>
-          </a:p>
-          <a:p>
-            <a:pPr algn="ctr"/>
-            <a:r>
-              <a:rPr lang="fr-FR" dirty="0" smtClean="0">
-                <a:effectLst>
-                  <a:outerShdw blurRad="50800" dist="38100" dir="2700000" algn="tl" rotWithShape="0">
-                    <a:prstClr val="black">
-                      <a:alpha val="40000"/>
-                    </a:prstClr>
-                  </a:outerShdw>
-                </a:effectLst>
-              </a:rPr>
-              <a:t>DLL</a:t>
-            </a:r>
-          </a:p>
-        </p:txBody>
-      </p:sp>
-      <p:sp>
-        <p:nvSpPr>
-          <p:cNvPr id="29" name="Rectangle 28"/>
-          <p:cNvSpPr/>
-          <p:nvPr/>
-        </p:nvSpPr>
-        <p:spPr>
-          <a:xfrm>
-            <a:off x="7424785" y="4142516"/>
-            <a:ext cx="1056701" cy="369332"/>
-          </a:xfrm>
-          <a:prstGeom prst="rect">
-            <a:avLst/>
-          </a:prstGeom>
-        </p:spPr>
-        <p:txBody>
-          <a:bodyPr wrap="none">
-            <a:spAutoFit/>
-          </a:bodyPr>
-          <a:lstStyle/>
-          <a:p>
-            <a:pPr algn="ctr"/>
-            <a:r>
-              <a:rPr lang="fr-FR" dirty="0" smtClean="0"/>
-              <a:t>Corentin</a:t>
-            </a:r>
-            <a:endParaRPr lang="fr-FR" dirty="0"/>
-          </a:p>
-        </p:txBody>
-      </p:sp>
-      <p:cxnSp>
-        <p:nvCxnSpPr>
-          <p:cNvPr id="33" name="Connecteur droit avec flèche 32"/>
-          <p:cNvCxnSpPr/>
-          <p:nvPr/>
-        </p:nvCxnSpPr>
-        <p:spPr>
-          <a:xfrm>
-            <a:off x="5164610" y="3484107"/>
-            <a:ext cx="442737" cy="2401"/>
-          </a:xfrm>
-          <a:prstGeom prst="straightConnector1">
-            <a:avLst/>
-          </a:prstGeom>
-          <a:ln>
-            <a:tailEnd type="arrow"/>
-          </a:ln>
-        </p:spPr>
-        <p:style>
-          <a:lnRef idx="2">
-            <a:schemeClr val="dk1"/>
-          </a:lnRef>
-          <a:fillRef idx="0">
-            <a:schemeClr val="dk1"/>
-          </a:fillRef>
-          <a:effectRef idx="1">
-            <a:schemeClr val="dk1"/>
-          </a:effectRef>
-          <a:fontRef idx="minor">
-            <a:schemeClr val="tx1"/>
-          </a:fontRef>
-        </p:style>
-      </p:cxnSp>
-      <p:sp>
-        <p:nvSpPr>
-          <p:cNvPr id="34" name="Rectangle 33"/>
-          <p:cNvSpPr/>
-          <p:nvPr/>
-        </p:nvSpPr>
-        <p:spPr>
-          <a:xfrm>
-            <a:off x="1091134" y="4639108"/>
-            <a:ext cx="787395" cy="369332"/>
-          </a:xfrm>
-          <a:prstGeom prst="rect">
-            <a:avLst/>
-          </a:prstGeom>
-        </p:spPr>
-        <p:txBody>
-          <a:bodyPr wrap="none">
-            <a:spAutoFit/>
-          </a:bodyPr>
-          <a:lstStyle/>
-          <a:p>
-            <a:pPr algn="ctr"/>
-            <a:r>
-              <a:rPr lang="fr-FR" dirty="0" smtClean="0"/>
-              <a:t>Diane</a:t>
-            </a:r>
-            <a:endParaRPr lang="fr-FR" dirty="0"/>
-          </a:p>
-        </p:txBody>
-      </p:sp>
-      <p:sp>
-        <p:nvSpPr>
-          <p:cNvPr id="35" name="Rectangle 34"/>
-          <p:cNvSpPr/>
-          <p:nvPr/>
-        </p:nvSpPr>
-        <p:spPr>
-          <a:xfrm>
-            <a:off x="4242456" y="3973481"/>
-            <a:ext cx="877163" cy="369332"/>
-          </a:xfrm>
-          <a:prstGeom prst="rect">
-            <a:avLst/>
-          </a:prstGeom>
-        </p:spPr>
-        <p:txBody>
-          <a:bodyPr wrap="none">
-            <a:spAutoFit/>
-          </a:bodyPr>
-          <a:lstStyle/>
-          <a:p>
-            <a:pPr algn="ctr"/>
-            <a:r>
-              <a:rPr lang="fr-FR" dirty="0" smtClean="0"/>
-              <a:t>Meven</a:t>
-            </a:r>
-            <a:endParaRPr lang="fr-FR" dirty="0"/>
-          </a:p>
-        </p:txBody>
-      </p:sp>
-      <p:sp>
-        <p:nvSpPr>
-          <p:cNvPr id="36" name="Rectangle 35"/>
-          <p:cNvSpPr/>
-          <p:nvPr/>
-        </p:nvSpPr>
-        <p:spPr>
-          <a:xfrm>
-            <a:off x="2995596" y="3986847"/>
-            <a:ext cx="915635" cy="646331"/>
-          </a:xfrm>
-          <a:prstGeom prst="rect">
-            <a:avLst/>
-          </a:prstGeom>
-        </p:spPr>
-        <p:txBody>
-          <a:bodyPr wrap="none">
-            <a:spAutoFit/>
-          </a:bodyPr>
-          <a:lstStyle/>
-          <a:p>
-            <a:pPr algn="ctr"/>
-            <a:r>
-              <a:rPr lang="fr-FR" dirty="0" smtClean="0"/>
-              <a:t>Iman &amp;</a:t>
-            </a:r>
-          </a:p>
-          <a:p>
-            <a:pPr algn="ctr"/>
-            <a:r>
-              <a:rPr lang="fr-FR" dirty="0" err="1" smtClean="0"/>
-              <a:t>Enora</a:t>
-            </a:r>
-            <a:endParaRPr lang="fr-FR" dirty="0"/>
-          </a:p>
-        </p:txBody>
-      </p:sp>
-      <p:sp>
-        <p:nvSpPr>
-          <p:cNvPr id="32" name="Espace réservé du texte 9"/>
-          <p:cNvSpPr>
-            <a:spLocks noGrp="1"/>
-          </p:cNvSpPr>
-          <p:nvPr>
-            <p:ph type="body" sz="quarter" idx="10"/>
-          </p:nvPr>
-        </p:nvSpPr>
-        <p:spPr>
-          <a:xfrm>
-            <a:off x="281073" y="1104253"/>
-            <a:ext cx="8409708" cy="4695367"/>
-          </a:xfrm>
-        </p:spPr>
-        <p:txBody>
-          <a:bodyPr/>
-          <a:lstStyle/>
-          <a:p>
-            <a:r>
-              <a:rPr lang="fr-FR" dirty="0" smtClean="0"/>
-              <a:t>Répartition des tâches</a:t>
-            </a:r>
-          </a:p>
-          <a:p>
-            <a:pPr marL="0" indent="0">
-              <a:buNone/>
-            </a:pPr>
-            <a:endParaRPr lang="fr-FR" dirty="0"/>
-          </a:p>
-        </p:txBody>
-      </p:sp>
     </p:spTree>
     <p:extLst>
       <p:ext uri="{BB962C8B-B14F-4D97-AF65-F5344CB8AC3E}">
-        <p14:creationId xmlns:p14="http://schemas.microsoft.com/office/powerpoint/2010/main" val="286653282"/>
+        <p14:creationId xmlns:p14="http://schemas.microsoft.com/office/powerpoint/2010/main" val="3312382938"/>
       </p:ext>
     </p:extLst>
   </p:cSld>
@@ -11479,6 +11712,1128 @@
       </p:grpSpPr>
       <p:sp>
         <p:nvSpPr>
+          <p:cNvPr id="2" name="Titre 1"/>
+          <p:cNvSpPr>
+            <a:spLocks noGrp="1"/>
+          </p:cNvSpPr>
+          <p:nvPr>
+            <p:ph type="title"/>
+          </p:nvPr>
+        </p:nvSpPr>
+        <p:spPr>
+          <a:xfrm>
+            <a:off x="633806" y="231501"/>
+            <a:ext cx="7876388" cy="732328"/>
+          </a:xfrm>
+        </p:spPr>
+        <p:txBody>
+          <a:bodyPr>
+            <a:normAutofit/>
+          </a:bodyPr>
+          <a:lstStyle/>
+          <a:p>
+            <a:pPr algn="ctr"/>
+            <a:r>
+              <a:rPr lang="fr-FR" dirty="0" smtClean="0"/>
+              <a:t>V</a:t>
+            </a:r>
+            <a:r>
+              <a:rPr lang="fr-FR" dirty="0"/>
+              <a:t>. Gestion de </a:t>
+            </a:r>
+            <a:r>
+              <a:rPr lang="fr-FR" dirty="0" smtClean="0"/>
+              <a:t>projet</a:t>
+            </a:r>
+            <a:endParaRPr lang="fr-FR" dirty="0"/>
+          </a:p>
+        </p:txBody>
+      </p:sp>
+      <p:sp>
+        <p:nvSpPr>
+          <p:cNvPr id="4" name="ZoneTexte 3"/>
+          <p:cNvSpPr txBox="1"/>
+          <p:nvPr/>
+        </p:nvSpPr>
+        <p:spPr>
+          <a:xfrm>
+            <a:off x="8496300" y="6296025"/>
+            <a:ext cx="495300" cy="369332"/>
+          </a:xfrm>
+          <a:prstGeom prst="rect">
+            <a:avLst/>
+          </a:prstGeom>
+          <a:noFill/>
+        </p:spPr>
+        <p:txBody>
+          <a:bodyPr wrap="square" rtlCol="0">
+            <a:spAutoFit/>
+          </a:bodyPr>
+          <a:lstStyle/>
+          <a:p>
+            <a:r>
+              <a:rPr lang="fr-FR" dirty="0" smtClean="0"/>
+              <a:t>11</a:t>
+            </a:r>
+            <a:endParaRPr lang="fr-FR" dirty="0"/>
+          </a:p>
+        </p:txBody>
+      </p:sp>
+      <p:pic>
+        <p:nvPicPr>
+          <p:cNvPr id="5" name="Image 4"/>
+          <p:cNvPicPr>
+            <a:picLocks noChangeAspect="1"/>
+          </p:cNvPicPr>
+          <p:nvPr/>
+        </p:nvPicPr>
+        <p:blipFill>
+          <a:blip r:embed="rId3" cstate="screen">
+            <a:extLst>
+              <a:ext uri="{28A0092B-C50C-407E-A947-70E740481C1C}">
+                <a14:useLocalDpi xmlns:a14="http://schemas.microsoft.com/office/drawing/2010/main" val="0"/>
+              </a:ext>
+            </a:extLst>
+          </a:blip>
+          <a:stretch>
+            <a:fillRect/>
+          </a:stretch>
+        </p:blipFill>
+        <p:spPr>
+          <a:xfrm>
+            <a:off x="7853061" y="1429364"/>
+            <a:ext cx="679366" cy="510883"/>
+          </a:xfrm>
+          <a:prstGeom prst="rect">
+            <a:avLst/>
+          </a:prstGeom>
+        </p:spPr>
+      </p:pic>
+      <p:pic>
+        <p:nvPicPr>
+          <p:cNvPr id="6" name="Image 5"/>
+          <p:cNvPicPr>
+            <a:picLocks noChangeAspect="1"/>
+          </p:cNvPicPr>
+          <p:nvPr/>
+        </p:nvPicPr>
+        <p:blipFill>
+          <a:blip r:embed="rId4" cstate="screen">
+            <a:extLst>
+              <a:ext uri="{28A0092B-C50C-407E-A947-70E740481C1C}">
+                <a14:useLocalDpi xmlns:a14="http://schemas.microsoft.com/office/drawing/2010/main" val="0"/>
+              </a:ext>
+            </a:extLst>
+          </a:blip>
+          <a:stretch>
+            <a:fillRect/>
+          </a:stretch>
+        </p:blipFill>
+        <p:spPr>
+          <a:xfrm>
+            <a:off x="5770113" y="4708770"/>
+            <a:ext cx="875600" cy="875600"/>
+          </a:xfrm>
+          <a:prstGeom prst="rect">
+            <a:avLst/>
+          </a:prstGeom>
+        </p:spPr>
+      </p:pic>
+      <p:pic>
+        <p:nvPicPr>
+          <p:cNvPr id="7" name="Image 6"/>
+          <p:cNvPicPr>
+            <a:picLocks noChangeAspect="1"/>
+          </p:cNvPicPr>
+          <p:nvPr/>
+        </p:nvPicPr>
+        <p:blipFill>
+          <a:blip r:embed="rId5" cstate="screen">
+            <a:extLst>
+              <a:ext uri="{28A0092B-C50C-407E-A947-70E740481C1C}">
+                <a14:useLocalDpi xmlns:a14="http://schemas.microsoft.com/office/drawing/2010/main" val="0"/>
+              </a:ext>
+            </a:extLst>
+          </a:blip>
+          <a:stretch>
+            <a:fillRect/>
+          </a:stretch>
+        </p:blipFill>
+        <p:spPr>
+          <a:xfrm rot="10800000">
+            <a:off x="7007672" y="1477671"/>
+            <a:ext cx="402652" cy="402652"/>
+          </a:xfrm>
+          <a:prstGeom prst="rect">
+            <a:avLst/>
+          </a:prstGeom>
+        </p:spPr>
+      </p:pic>
+      <p:pic>
+        <p:nvPicPr>
+          <p:cNvPr id="8" name="Image 7"/>
+          <p:cNvPicPr>
+            <a:picLocks noChangeAspect="1"/>
+          </p:cNvPicPr>
+          <p:nvPr/>
+        </p:nvPicPr>
+        <p:blipFill>
+          <a:blip r:embed="rId6" cstate="screen">
+            <a:extLst>
+              <a:ext uri="{28A0092B-C50C-407E-A947-70E740481C1C}">
+                <a14:useLocalDpi xmlns:a14="http://schemas.microsoft.com/office/drawing/2010/main" val="0"/>
+              </a:ext>
+            </a:extLst>
+          </a:blip>
+          <a:stretch>
+            <a:fillRect/>
+          </a:stretch>
+        </p:blipFill>
+        <p:spPr>
+          <a:xfrm>
+            <a:off x="5820537" y="1345601"/>
+            <a:ext cx="794871" cy="678410"/>
+          </a:xfrm>
+          <a:prstGeom prst="rect">
+            <a:avLst/>
+          </a:prstGeom>
+        </p:spPr>
+      </p:pic>
+      <p:pic>
+        <p:nvPicPr>
+          <p:cNvPr id="9" name="Image 8"/>
+          <p:cNvPicPr>
+            <a:picLocks noChangeAspect="1"/>
+          </p:cNvPicPr>
+          <p:nvPr/>
+        </p:nvPicPr>
+        <p:blipFill>
+          <a:blip r:embed="rId7" cstate="screen">
+            <a:extLst>
+              <a:ext uri="{28A0092B-C50C-407E-A947-70E740481C1C}">
+                <a14:useLocalDpi xmlns:a14="http://schemas.microsoft.com/office/drawing/2010/main" val="0"/>
+              </a:ext>
+            </a:extLst>
+          </a:blip>
+          <a:stretch>
+            <a:fillRect/>
+          </a:stretch>
+        </p:blipFill>
+        <p:spPr>
+          <a:xfrm>
+            <a:off x="5770113" y="2955379"/>
+            <a:ext cx="884715" cy="782731"/>
+          </a:xfrm>
+          <a:prstGeom prst="rect">
+            <a:avLst/>
+          </a:prstGeom>
+        </p:spPr>
+      </p:pic>
+      <p:pic>
+        <p:nvPicPr>
+          <p:cNvPr id="10" name="Image 9"/>
+          <p:cNvPicPr>
+            <a:picLocks noChangeAspect="1"/>
+          </p:cNvPicPr>
+          <p:nvPr/>
+        </p:nvPicPr>
+        <p:blipFill>
+          <a:blip r:embed="rId8">
+            <a:extLst>
+              <a:ext uri="{28A0092B-C50C-407E-A947-70E740481C1C}">
+                <a14:useLocalDpi xmlns:a14="http://schemas.microsoft.com/office/drawing/2010/main" val="0"/>
+              </a:ext>
+            </a:extLst>
+          </a:blip>
+          <a:stretch>
+            <a:fillRect/>
+          </a:stretch>
+        </p:blipFill>
+        <p:spPr>
+          <a:xfrm>
+            <a:off x="3384061" y="1667920"/>
+            <a:ext cx="1418468" cy="1268691"/>
+          </a:xfrm>
+          <a:prstGeom prst="rect">
+            <a:avLst/>
+          </a:prstGeom>
+        </p:spPr>
+      </p:pic>
+      <p:pic>
+        <p:nvPicPr>
+          <p:cNvPr id="11" name="Image 10"/>
+          <p:cNvPicPr>
+            <a:picLocks noChangeAspect="1"/>
+          </p:cNvPicPr>
+          <p:nvPr/>
+        </p:nvPicPr>
+        <p:blipFill>
+          <a:blip r:embed="rId9" cstate="screen">
+            <a:extLst>
+              <a:ext uri="{28A0092B-C50C-407E-A947-70E740481C1C}">
+                <a14:useLocalDpi xmlns:a14="http://schemas.microsoft.com/office/drawing/2010/main" val="0"/>
+              </a:ext>
+            </a:extLst>
+          </a:blip>
+          <a:stretch>
+            <a:fillRect/>
+          </a:stretch>
+        </p:blipFill>
+        <p:spPr>
+          <a:xfrm>
+            <a:off x="244061" y="2851916"/>
+            <a:ext cx="1131791" cy="1257135"/>
+          </a:xfrm>
+          <a:prstGeom prst="rect">
+            <a:avLst/>
+          </a:prstGeom>
+        </p:spPr>
+      </p:pic>
+      <p:pic>
+        <p:nvPicPr>
+          <p:cNvPr id="12" name="Image 11"/>
+          <p:cNvPicPr>
+            <a:picLocks noChangeAspect="1"/>
+          </p:cNvPicPr>
+          <p:nvPr/>
+        </p:nvPicPr>
+        <p:blipFill>
+          <a:blip r:embed="rId10" cstate="screen">
+            <a:extLst>
+              <a:ext uri="{28A0092B-C50C-407E-A947-70E740481C1C}">
+                <a14:useLocalDpi xmlns:a14="http://schemas.microsoft.com/office/drawing/2010/main" val="0"/>
+              </a:ext>
+            </a:extLst>
+          </a:blip>
+          <a:stretch>
+            <a:fillRect/>
+          </a:stretch>
+        </p:blipFill>
+        <p:spPr>
+          <a:xfrm>
+            <a:off x="5924313" y="2249583"/>
+            <a:ext cx="609960" cy="609960"/>
+          </a:xfrm>
+          <a:prstGeom prst="rect">
+            <a:avLst/>
+          </a:prstGeom>
+        </p:spPr>
+      </p:pic>
+      <p:pic>
+        <p:nvPicPr>
+          <p:cNvPr id="13" name="Image 12"/>
+          <p:cNvPicPr>
+            <a:picLocks noChangeAspect="1"/>
+          </p:cNvPicPr>
+          <p:nvPr/>
+        </p:nvPicPr>
+        <p:blipFill>
+          <a:blip r:embed="rId11" cstate="screen">
+            <a:extLst>
+              <a:ext uri="{28A0092B-C50C-407E-A947-70E740481C1C}">
+                <a14:useLocalDpi xmlns:a14="http://schemas.microsoft.com/office/drawing/2010/main" val="0"/>
+              </a:ext>
+            </a:extLst>
+          </a:blip>
+          <a:stretch>
+            <a:fillRect/>
+          </a:stretch>
+        </p:blipFill>
+        <p:spPr>
+          <a:xfrm>
+            <a:off x="6885659" y="4913125"/>
+            <a:ext cx="646679" cy="409867"/>
+          </a:xfrm>
+          <a:prstGeom prst="rect">
+            <a:avLst/>
+          </a:prstGeom>
+        </p:spPr>
+      </p:pic>
+      <p:pic>
+        <p:nvPicPr>
+          <p:cNvPr id="14" name="Image 13"/>
+          <p:cNvPicPr>
+            <a:picLocks noChangeAspect="1"/>
+          </p:cNvPicPr>
+          <p:nvPr/>
+        </p:nvPicPr>
+        <p:blipFill>
+          <a:blip r:embed="rId10" cstate="screen">
+            <a:extLst>
+              <a:ext uri="{28A0092B-C50C-407E-A947-70E740481C1C}">
+                <a14:useLocalDpi xmlns:a14="http://schemas.microsoft.com/office/drawing/2010/main" val="0"/>
+              </a:ext>
+            </a:extLst>
+          </a:blip>
+          <a:stretch>
+            <a:fillRect/>
+          </a:stretch>
+        </p:blipFill>
+        <p:spPr>
+          <a:xfrm rot="10800000">
+            <a:off x="5924312" y="4037833"/>
+            <a:ext cx="609960" cy="609960"/>
+          </a:xfrm>
+          <a:prstGeom prst="rect">
+            <a:avLst/>
+          </a:prstGeom>
+        </p:spPr>
+      </p:pic>
+      <p:pic>
+        <p:nvPicPr>
+          <p:cNvPr id="15" name="Image 14"/>
+          <p:cNvPicPr>
+            <a:picLocks noChangeAspect="1"/>
+          </p:cNvPicPr>
+          <p:nvPr/>
+        </p:nvPicPr>
+        <p:blipFill>
+          <a:blip r:embed="rId12" cstate="screen">
+            <a:extLst>
+              <a:ext uri="{28A0092B-C50C-407E-A947-70E740481C1C}">
+                <a14:useLocalDpi xmlns:a14="http://schemas.microsoft.com/office/drawing/2010/main" val="0"/>
+              </a:ext>
+            </a:extLst>
+          </a:blip>
+          <a:stretch>
+            <a:fillRect/>
+          </a:stretch>
+        </p:blipFill>
+        <p:spPr>
+          <a:xfrm>
+            <a:off x="1733496" y="3558144"/>
+            <a:ext cx="920615" cy="226061"/>
+          </a:xfrm>
+          <a:prstGeom prst="rect">
+            <a:avLst/>
+          </a:prstGeom>
+        </p:spPr>
+      </p:pic>
+      <p:pic>
+        <p:nvPicPr>
+          <p:cNvPr id="16" name="Image 15"/>
+          <p:cNvPicPr>
+            <a:picLocks noChangeAspect="1"/>
+          </p:cNvPicPr>
+          <p:nvPr/>
+        </p:nvPicPr>
+        <p:blipFill>
+          <a:blip r:embed="rId13" cstate="screen">
+            <a:extLst>
+              <a:ext uri="{28A0092B-C50C-407E-A947-70E740481C1C}">
+                <a14:useLocalDpi xmlns:a14="http://schemas.microsoft.com/office/drawing/2010/main" val="0"/>
+              </a:ext>
+            </a:extLst>
+          </a:blip>
+          <a:stretch>
+            <a:fillRect/>
+          </a:stretch>
+        </p:blipFill>
+        <p:spPr>
+          <a:xfrm>
+            <a:off x="7906150" y="4823774"/>
+            <a:ext cx="613499" cy="613499"/>
+          </a:xfrm>
+          <a:prstGeom prst="rect">
+            <a:avLst/>
+          </a:prstGeom>
+        </p:spPr>
+      </p:pic>
+      <p:sp>
+        <p:nvSpPr>
+          <p:cNvPr id="17" name="Rectangle 16"/>
+          <p:cNvSpPr/>
+          <p:nvPr/>
+        </p:nvSpPr>
+        <p:spPr>
+          <a:xfrm>
+            <a:off x="5607347" y="1104253"/>
+            <a:ext cx="3263885" cy="4484982"/>
+          </a:xfrm>
+          <a:prstGeom prst="rect">
+            <a:avLst/>
+          </a:prstGeom>
+          <a:noFill/>
+          <a:ln w="28575">
+            <a:solidFill>
+              <a:srgbClr val="00B050"/>
+            </a:solidFill>
+          </a:ln>
+        </p:spPr>
+        <p:style>
+          <a:lnRef idx="1">
+            <a:schemeClr val="accent1"/>
+          </a:lnRef>
+          <a:fillRef idx="3">
+            <a:schemeClr val="accent1"/>
+          </a:fillRef>
+          <a:effectRef idx="2">
+            <a:schemeClr val="accent1"/>
+          </a:effectRef>
+          <a:fontRef idx="minor">
+            <a:schemeClr val="lt1"/>
+          </a:fontRef>
+        </p:style>
+        <p:txBody>
+          <a:bodyPr rtlCol="0" anchor="ctr"/>
+          <a:lstStyle/>
+          <a:p>
+            <a:pPr algn="ctr"/>
+            <a:endParaRPr lang="fr-FR"/>
+          </a:p>
+        </p:txBody>
+      </p:sp>
+      <p:sp>
+        <p:nvSpPr>
+          <p:cNvPr id="18" name="Rectangle 17"/>
+          <p:cNvSpPr/>
+          <p:nvPr/>
+        </p:nvSpPr>
+        <p:spPr>
+          <a:xfrm>
+            <a:off x="139158" y="2472104"/>
+            <a:ext cx="2688492" cy="2011069"/>
+          </a:xfrm>
+          <a:prstGeom prst="rect">
+            <a:avLst/>
+          </a:prstGeom>
+          <a:noFill/>
+          <a:ln w="28575">
+            <a:solidFill>
+              <a:srgbClr val="00B0F0"/>
+            </a:solidFill>
+          </a:ln>
+        </p:spPr>
+        <p:style>
+          <a:lnRef idx="1">
+            <a:schemeClr val="accent1"/>
+          </a:lnRef>
+          <a:fillRef idx="3">
+            <a:schemeClr val="accent1"/>
+          </a:fillRef>
+          <a:effectRef idx="2">
+            <a:schemeClr val="accent1"/>
+          </a:effectRef>
+          <a:fontRef idx="minor">
+            <a:schemeClr val="lt1"/>
+          </a:fontRef>
+        </p:style>
+        <p:txBody>
+          <a:bodyPr rtlCol="0" anchor="ctr"/>
+          <a:lstStyle/>
+          <a:p>
+            <a:pPr algn="ctr"/>
+            <a:endParaRPr lang="fr-FR"/>
+          </a:p>
+        </p:txBody>
+      </p:sp>
+      <p:sp>
+        <p:nvSpPr>
+          <p:cNvPr id="19" name="Rectangle 18"/>
+          <p:cNvSpPr/>
+          <p:nvPr/>
+        </p:nvSpPr>
+        <p:spPr>
+          <a:xfrm>
+            <a:off x="2969843" y="3107703"/>
+            <a:ext cx="967141" cy="752807"/>
+          </a:xfrm>
+          <a:prstGeom prst="rect">
+            <a:avLst/>
+          </a:prstGeom>
+          <a:noFill/>
+          <a:ln w="28575">
+            <a:solidFill>
+              <a:schemeClr val="tx2">
+                <a:lumMod val="75000"/>
+              </a:schemeClr>
+            </a:solidFill>
+          </a:ln>
+        </p:spPr>
+        <p:style>
+          <a:lnRef idx="1">
+            <a:schemeClr val="accent1"/>
+          </a:lnRef>
+          <a:fillRef idx="3">
+            <a:schemeClr val="accent1"/>
+          </a:fillRef>
+          <a:effectRef idx="2">
+            <a:schemeClr val="accent1"/>
+          </a:effectRef>
+          <a:fontRef idx="minor">
+            <a:schemeClr val="lt1"/>
+          </a:fontRef>
+        </p:style>
+        <p:txBody>
+          <a:bodyPr rtlCol="0" anchor="ctr"/>
+          <a:lstStyle/>
+          <a:p>
+            <a:pPr algn="ctr"/>
+            <a:endParaRPr lang="fr-FR"/>
+          </a:p>
+        </p:txBody>
+      </p:sp>
+      <p:sp>
+        <p:nvSpPr>
+          <p:cNvPr id="20" name="Rectangle 19"/>
+          <p:cNvSpPr/>
+          <p:nvPr/>
+        </p:nvSpPr>
+        <p:spPr>
+          <a:xfrm>
+            <a:off x="4197469" y="3112697"/>
+            <a:ext cx="967141" cy="752807"/>
+          </a:xfrm>
+          <a:prstGeom prst="rect">
+            <a:avLst/>
+          </a:prstGeom>
+          <a:noFill/>
+          <a:ln w="28575">
+            <a:solidFill>
+              <a:schemeClr val="accent1">
+                <a:lumMod val="60000"/>
+                <a:lumOff val="40000"/>
+              </a:schemeClr>
+            </a:solidFill>
+          </a:ln>
+        </p:spPr>
+        <p:style>
+          <a:lnRef idx="1">
+            <a:schemeClr val="accent1"/>
+          </a:lnRef>
+          <a:fillRef idx="3">
+            <a:schemeClr val="accent1"/>
+          </a:fillRef>
+          <a:effectRef idx="2">
+            <a:schemeClr val="accent1"/>
+          </a:effectRef>
+          <a:fontRef idx="minor">
+            <a:schemeClr val="lt1"/>
+          </a:fontRef>
+        </p:style>
+        <p:txBody>
+          <a:bodyPr rtlCol="0" anchor="ctr"/>
+          <a:lstStyle/>
+          <a:p>
+            <a:pPr algn="ctr"/>
+            <a:endParaRPr lang="fr-FR"/>
+          </a:p>
+        </p:txBody>
+      </p:sp>
+      <p:sp>
+        <p:nvSpPr>
+          <p:cNvPr id="21" name="ZoneTexte 20"/>
+          <p:cNvSpPr txBox="1"/>
+          <p:nvPr/>
+        </p:nvSpPr>
+        <p:spPr>
+          <a:xfrm>
+            <a:off x="3105628" y="3290277"/>
+            <a:ext cx="695569" cy="369332"/>
+          </a:xfrm>
+          <a:prstGeom prst="rect">
+            <a:avLst/>
+          </a:prstGeom>
+          <a:noFill/>
+        </p:spPr>
+        <p:txBody>
+          <a:bodyPr wrap="square" rtlCol="0">
+            <a:spAutoFit/>
+          </a:bodyPr>
+          <a:lstStyle/>
+          <a:p>
+            <a:pPr algn="ctr"/>
+            <a:r>
+              <a:rPr lang="fr-FR" dirty="0" smtClean="0">
+                <a:effectLst>
+                  <a:outerShdw blurRad="50800" dist="38100" dir="2700000" algn="tl" rotWithShape="0">
+                    <a:prstClr val="black">
+                      <a:alpha val="40000"/>
+                    </a:prstClr>
+                  </a:outerShdw>
+                </a:effectLst>
+              </a:rPr>
+              <a:t>IHM</a:t>
+            </a:r>
+          </a:p>
+        </p:txBody>
+      </p:sp>
+      <p:sp>
+        <p:nvSpPr>
+          <p:cNvPr id="22" name="ZoneTexte 21"/>
+          <p:cNvSpPr txBox="1"/>
+          <p:nvPr/>
+        </p:nvSpPr>
+        <p:spPr>
+          <a:xfrm>
+            <a:off x="4213274" y="3163764"/>
+            <a:ext cx="935529" cy="646331"/>
+          </a:xfrm>
+          <a:prstGeom prst="rect">
+            <a:avLst/>
+          </a:prstGeom>
+          <a:noFill/>
+        </p:spPr>
+        <p:txBody>
+          <a:bodyPr wrap="square" rtlCol="0">
+            <a:spAutoFit/>
+          </a:bodyPr>
+          <a:lstStyle/>
+          <a:p>
+            <a:pPr algn="ctr"/>
+            <a:r>
+              <a:rPr lang="fr-FR" dirty="0" smtClean="0">
+                <a:effectLst>
+                  <a:outerShdw blurRad="50800" dist="38100" dir="2700000" algn="tl" rotWithShape="0">
+                    <a:prstClr val="black">
+                      <a:alpha val="40000"/>
+                    </a:prstClr>
+                  </a:outerShdw>
+                </a:effectLst>
+              </a:rPr>
+              <a:t>Modèle</a:t>
+            </a:r>
+          </a:p>
+          <a:p>
+            <a:pPr algn="ctr"/>
+            <a:r>
+              <a:rPr lang="fr-FR" dirty="0" smtClean="0">
+                <a:effectLst>
+                  <a:outerShdw blurRad="50800" dist="38100" dir="2700000" algn="tl" rotWithShape="0">
+                    <a:prstClr val="black">
+                      <a:alpha val="40000"/>
+                    </a:prstClr>
+                  </a:outerShdw>
+                </a:effectLst>
+              </a:rPr>
+              <a:t>DLL</a:t>
+            </a:r>
+          </a:p>
+        </p:txBody>
+      </p:sp>
+      <p:sp>
+        <p:nvSpPr>
+          <p:cNvPr id="23" name="ZoneTexte 22"/>
+          <p:cNvSpPr txBox="1"/>
+          <p:nvPr/>
+        </p:nvSpPr>
+        <p:spPr>
+          <a:xfrm>
+            <a:off x="945744" y="2523558"/>
+            <a:ext cx="1881906" cy="646331"/>
+          </a:xfrm>
+          <a:prstGeom prst="rect">
+            <a:avLst/>
+          </a:prstGeom>
+          <a:noFill/>
+        </p:spPr>
+        <p:txBody>
+          <a:bodyPr wrap="square" rtlCol="0">
+            <a:spAutoFit/>
+          </a:bodyPr>
+          <a:lstStyle/>
+          <a:p>
+            <a:pPr algn="ctr"/>
+            <a:r>
+              <a:rPr lang="fr-FR" dirty="0" smtClean="0">
+                <a:effectLst>
+                  <a:outerShdw blurRad="50800" dist="38100" dir="2700000" algn="tl" rotWithShape="0">
+                    <a:prstClr val="black">
+                      <a:alpha val="40000"/>
+                    </a:prstClr>
+                  </a:outerShdw>
+                </a:effectLst>
+              </a:rPr>
+              <a:t>Bluetooth_com</a:t>
+            </a:r>
+          </a:p>
+          <a:p>
+            <a:pPr algn="ctr"/>
+            <a:r>
+              <a:rPr lang="fr-FR" dirty="0" smtClean="0">
+                <a:effectLst>
+                  <a:outerShdw blurRad="50800" dist="38100" dir="2700000" algn="tl" rotWithShape="0">
+                    <a:prstClr val="black">
+                      <a:alpha val="40000"/>
+                    </a:prstClr>
+                  </a:outerShdw>
+                </a:effectLst>
+              </a:rPr>
+              <a:t>DLL</a:t>
+            </a:r>
+          </a:p>
+        </p:txBody>
+      </p:sp>
+      <p:cxnSp>
+        <p:nvCxnSpPr>
+          <p:cNvPr id="24" name="Connecteur droit avec flèche 23"/>
+          <p:cNvCxnSpPr>
+            <a:stCxn id="19" idx="3"/>
+            <a:endCxn id="20" idx="1"/>
+          </p:cNvCxnSpPr>
+          <p:nvPr/>
+        </p:nvCxnSpPr>
+        <p:spPr>
+          <a:xfrm>
+            <a:off x="3936984" y="3484107"/>
+            <a:ext cx="260485" cy="4994"/>
+          </a:xfrm>
+          <a:prstGeom prst="straightConnector1">
+            <a:avLst/>
+          </a:prstGeom>
+          <a:ln>
+            <a:headEnd type="triangle"/>
+            <a:tailEnd type="triangle"/>
+          </a:ln>
+        </p:spPr>
+        <p:style>
+          <a:lnRef idx="2">
+            <a:schemeClr val="dk1"/>
+          </a:lnRef>
+          <a:fillRef idx="0">
+            <a:schemeClr val="dk1"/>
+          </a:fillRef>
+          <a:effectRef idx="1">
+            <a:schemeClr val="dk1"/>
+          </a:effectRef>
+          <a:fontRef idx="minor">
+            <a:schemeClr val="tx1"/>
+          </a:fontRef>
+        </p:style>
+      </p:cxnSp>
+      <p:cxnSp>
+        <p:nvCxnSpPr>
+          <p:cNvPr id="25" name="Connecteur droit avec flèche 24"/>
+          <p:cNvCxnSpPr>
+            <a:stCxn id="19" idx="1"/>
+            <a:endCxn id="11" idx="3"/>
+          </p:cNvCxnSpPr>
+          <p:nvPr/>
+        </p:nvCxnSpPr>
+        <p:spPr>
+          <a:xfrm flipH="1" flipV="1">
+            <a:off x="1375852" y="3480484"/>
+            <a:ext cx="1593991" cy="3623"/>
+          </a:xfrm>
+          <a:prstGeom prst="straightConnector1">
+            <a:avLst/>
+          </a:prstGeom>
+          <a:ln>
+            <a:tailEnd type="triangle"/>
+          </a:ln>
+        </p:spPr>
+        <p:style>
+          <a:lnRef idx="2">
+            <a:schemeClr val="dk1"/>
+          </a:lnRef>
+          <a:fillRef idx="0">
+            <a:schemeClr val="dk1"/>
+          </a:fillRef>
+          <a:effectRef idx="1">
+            <a:schemeClr val="dk1"/>
+          </a:effectRef>
+          <a:fontRef idx="minor">
+            <a:schemeClr val="tx1"/>
+          </a:fontRef>
+        </p:style>
+      </p:cxnSp>
+      <p:sp>
+        <p:nvSpPr>
+          <p:cNvPr id="28" name="ZoneTexte 27"/>
+          <p:cNvSpPr txBox="1"/>
+          <p:nvPr/>
+        </p:nvSpPr>
+        <p:spPr>
+          <a:xfrm>
+            <a:off x="7012180" y="2213212"/>
+            <a:ext cx="1881906" cy="646331"/>
+          </a:xfrm>
+          <a:prstGeom prst="rect">
+            <a:avLst/>
+          </a:prstGeom>
+          <a:noFill/>
+        </p:spPr>
+        <p:txBody>
+          <a:bodyPr wrap="square" rtlCol="0">
+            <a:spAutoFit/>
+          </a:bodyPr>
+          <a:lstStyle/>
+          <a:p>
+            <a:pPr algn="ctr"/>
+            <a:r>
+              <a:rPr lang="fr-FR" dirty="0" smtClean="0">
+                <a:effectLst>
+                  <a:outerShdw blurRad="50800" dist="38100" dir="2700000" algn="tl" rotWithShape="0">
+                    <a:prstClr val="black">
+                      <a:alpha val="40000"/>
+                    </a:prstClr>
+                  </a:outerShdw>
+                </a:effectLst>
+              </a:rPr>
+              <a:t>RequeteHttp</a:t>
+            </a:r>
+          </a:p>
+          <a:p>
+            <a:pPr algn="ctr"/>
+            <a:r>
+              <a:rPr lang="fr-FR" dirty="0" smtClean="0">
+                <a:effectLst>
+                  <a:outerShdw blurRad="50800" dist="38100" dir="2700000" algn="tl" rotWithShape="0">
+                    <a:prstClr val="black">
+                      <a:alpha val="40000"/>
+                    </a:prstClr>
+                  </a:outerShdw>
+                </a:effectLst>
+              </a:rPr>
+              <a:t>DLL</a:t>
+            </a:r>
+          </a:p>
+        </p:txBody>
+      </p:sp>
+      <p:sp>
+        <p:nvSpPr>
+          <p:cNvPr id="29" name="Rectangle 28"/>
+          <p:cNvSpPr/>
+          <p:nvPr/>
+        </p:nvSpPr>
+        <p:spPr>
+          <a:xfrm>
+            <a:off x="7424785" y="4142516"/>
+            <a:ext cx="1056701" cy="369332"/>
+          </a:xfrm>
+          <a:prstGeom prst="rect">
+            <a:avLst/>
+          </a:prstGeom>
+        </p:spPr>
+        <p:txBody>
+          <a:bodyPr wrap="none">
+            <a:spAutoFit/>
+          </a:bodyPr>
+          <a:lstStyle/>
+          <a:p>
+            <a:pPr algn="ctr"/>
+            <a:r>
+              <a:rPr lang="fr-FR" dirty="0" smtClean="0"/>
+              <a:t>Corentin</a:t>
+            </a:r>
+            <a:endParaRPr lang="fr-FR" dirty="0"/>
+          </a:p>
+        </p:txBody>
+      </p:sp>
+      <p:cxnSp>
+        <p:nvCxnSpPr>
+          <p:cNvPr id="33" name="Connecteur droit avec flèche 32"/>
+          <p:cNvCxnSpPr/>
+          <p:nvPr/>
+        </p:nvCxnSpPr>
+        <p:spPr>
+          <a:xfrm>
+            <a:off x="5164610" y="3484107"/>
+            <a:ext cx="442737" cy="2401"/>
+          </a:xfrm>
+          <a:prstGeom prst="straightConnector1">
+            <a:avLst/>
+          </a:prstGeom>
+          <a:ln>
+            <a:tailEnd type="arrow"/>
+          </a:ln>
+        </p:spPr>
+        <p:style>
+          <a:lnRef idx="2">
+            <a:schemeClr val="dk1"/>
+          </a:lnRef>
+          <a:fillRef idx="0">
+            <a:schemeClr val="dk1"/>
+          </a:fillRef>
+          <a:effectRef idx="1">
+            <a:schemeClr val="dk1"/>
+          </a:effectRef>
+          <a:fontRef idx="minor">
+            <a:schemeClr val="tx1"/>
+          </a:fontRef>
+        </p:style>
+      </p:cxnSp>
+      <p:sp>
+        <p:nvSpPr>
+          <p:cNvPr id="34" name="Rectangle 33"/>
+          <p:cNvSpPr/>
+          <p:nvPr/>
+        </p:nvSpPr>
+        <p:spPr>
+          <a:xfrm>
+            <a:off x="1091134" y="4639108"/>
+            <a:ext cx="787395" cy="369332"/>
+          </a:xfrm>
+          <a:prstGeom prst="rect">
+            <a:avLst/>
+          </a:prstGeom>
+        </p:spPr>
+        <p:txBody>
+          <a:bodyPr wrap="none">
+            <a:spAutoFit/>
+          </a:bodyPr>
+          <a:lstStyle/>
+          <a:p>
+            <a:pPr algn="ctr"/>
+            <a:r>
+              <a:rPr lang="fr-FR" dirty="0" smtClean="0"/>
+              <a:t>Diane</a:t>
+            </a:r>
+            <a:endParaRPr lang="fr-FR" dirty="0"/>
+          </a:p>
+        </p:txBody>
+      </p:sp>
+      <p:sp>
+        <p:nvSpPr>
+          <p:cNvPr id="35" name="Rectangle 34"/>
+          <p:cNvSpPr/>
+          <p:nvPr/>
+        </p:nvSpPr>
+        <p:spPr>
+          <a:xfrm>
+            <a:off x="4242456" y="3973481"/>
+            <a:ext cx="877163" cy="369332"/>
+          </a:xfrm>
+          <a:prstGeom prst="rect">
+            <a:avLst/>
+          </a:prstGeom>
+        </p:spPr>
+        <p:txBody>
+          <a:bodyPr wrap="none">
+            <a:spAutoFit/>
+          </a:bodyPr>
+          <a:lstStyle/>
+          <a:p>
+            <a:pPr algn="ctr"/>
+            <a:r>
+              <a:rPr lang="fr-FR" dirty="0" smtClean="0"/>
+              <a:t>Meven</a:t>
+            </a:r>
+            <a:endParaRPr lang="fr-FR" dirty="0"/>
+          </a:p>
+        </p:txBody>
+      </p:sp>
+      <p:sp>
+        <p:nvSpPr>
+          <p:cNvPr id="36" name="Rectangle 35"/>
+          <p:cNvSpPr/>
+          <p:nvPr/>
+        </p:nvSpPr>
+        <p:spPr>
+          <a:xfrm>
+            <a:off x="2995596" y="3986847"/>
+            <a:ext cx="915635" cy="646331"/>
+          </a:xfrm>
+          <a:prstGeom prst="rect">
+            <a:avLst/>
+          </a:prstGeom>
+        </p:spPr>
+        <p:txBody>
+          <a:bodyPr wrap="none">
+            <a:spAutoFit/>
+          </a:bodyPr>
+          <a:lstStyle/>
+          <a:p>
+            <a:pPr algn="ctr"/>
+            <a:r>
+              <a:rPr lang="fr-FR" dirty="0" smtClean="0"/>
+              <a:t>Iman &amp;</a:t>
+            </a:r>
+          </a:p>
+          <a:p>
+            <a:pPr algn="ctr"/>
+            <a:r>
+              <a:rPr lang="fr-FR" dirty="0" err="1" smtClean="0"/>
+              <a:t>Enora</a:t>
+            </a:r>
+            <a:endParaRPr lang="fr-FR" dirty="0"/>
+          </a:p>
+        </p:txBody>
+      </p:sp>
+      <p:sp>
+        <p:nvSpPr>
+          <p:cNvPr id="32" name="Espace réservé du texte 9"/>
+          <p:cNvSpPr>
+            <a:spLocks noGrp="1"/>
+          </p:cNvSpPr>
+          <p:nvPr>
+            <p:ph type="body" sz="quarter" idx="10"/>
+          </p:nvPr>
+        </p:nvSpPr>
+        <p:spPr>
+          <a:xfrm>
+            <a:off x="281073" y="1104253"/>
+            <a:ext cx="8409708" cy="4695367"/>
+          </a:xfrm>
+        </p:spPr>
+        <p:txBody>
+          <a:bodyPr/>
+          <a:lstStyle/>
+          <a:p>
+            <a:r>
+              <a:rPr lang="fr-FR" dirty="0" smtClean="0"/>
+              <a:t>Répartition des tâches</a:t>
+            </a:r>
+          </a:p>
+          <a:p>
+            <a:pPr marL="0" indent="0">
+              <a:buNone/>
+            </a:pPr>
+            <a:endParaRPr lang="fr-FR" dirty="0"/>
+          </a:p>
+        </p:txBody>
+      </p:sp>
+    </p:spTree>
+    <p:extLst>
+      <p:ext uri="{BB962C8B-B14F-4D97-AF65-F5344CB8AC3E}">
+        <p14:creationId xmlns:p14="http://schemas.microsoft.com/office/powerpoint/2010/main" val="286653282"/>
+      </p:ext>
+    </p:extLst>
+  </p:cSld>
+  <p:clrMapOvr>
+    <a:masterClrMapping/>
+  </p:clrMapOvr>
+  <mc:AlternateContent xmlns:mc="http://schemas.openxmlformats.org/markup-compatibility/2006" xmlns:p14="http://schemas.microsoft.com/office/powerpoint/2010/main">
+    <mc:Choice Requires="p14">
+      <p:transition spd="med" p14:dur="700">
+        <p:fade/>
+      </p:transition>
+    </mc:Choice>
+    <mc:Fallback xmlns="">
+      <p:transition spd="med">
+        <p:fade/>
+      </p:transition>
+    </mc:Fallback>
+  </mc:AlternateContent>
+  <p:timing>
+    <p:tnLst>
+      <p:par>
+        <p:cTn id="1" dur="indefinite" restart="never" nodeType="tmRoot"/>
+      </p:par>
+    </p:tnLst>
+  </p:timing>
+</p:sld>
+</file>
+
+<file path=ppt/slides/slide17.xml><?xml version="1.0" encoding="utf-8"?>
+<p:sld xmlns:a="http://schemas.openxmlformats.org/drawingml/2006/main" xmlns:r="http://schemas.openxmlformats.org/officeDocument/2006/relationships" xmlns:p="http://schemas.openxmlformats.org/presentationml/2006/main">
+  <p:cSld>
+    <p:spTree>
+      <p:nvGrpSpPr>
+        <p:cNvPr id="1" name=""/>
+        <p:cNvGrpSpPr/>
+        <p:nvPr/>
+      </p:nvGrpSpPr>
+      <p:grpSpPr>
+        <a:xfrm>
+          <a:off x="0" y="0"/>
+          <a:ext cx="0" cy="0"/>
+          <a:chOff x="0" y="0"/>
+          <a:chExt cx="0" cy="0"/>
+        </a:xfrm>
+      </p:grpSpPr>
+      <p:sp>
+        <p:nvSpPr>
           <p:cNvPr id="9" name="Titre 1"/>
           <p:cNvSpPr txBox="1">
             <a:spLocks/>
@@ -11565,64 +12920,79 @@
           </a:p>
         </p:txBody>
       </p:sp>
-      <p:pic>
-        <p:nvPicPr>
-          <p:cNvPr id="2" name="Image 1"/>
-          <p:cNvPicPr>
-            <a:picLocks noChangeAspect="1"/>
-          </p:cNvPicPr>
+      <p:grpSp>
+        <p:nvGrpSpPr>
+          <p:cNvPr id="3" name="Groupe 2"/>
+          <p:cNvGrpSpPr/>
           <p:nvPr/>
-        </p:nvPicPr>
-        <p:blipFill rotWithShape="1">
-          <a:blip r:embed="rId3">
-            <a:extLst>
-              <a:ext uri="{28A0092B-C50C-407E-A947-70E740481C1C}">
-                <a14:useLocalDpi xmlns:a14="http://schemas.microsoft.com/office/drawing/2010/main" val="0"/>
-              </a:ext>
-            </a:extLst>
-          </a:blip>
-          <a:srcRect r="73793"/>
-          <a:stretch/>
-        </p:blipFill>
-        <p:spPr>
-          <a:xfrm>
-            <a:off x="437884" y="1394103"/>
-            <a:ext cx="2805605" cy="3551715"/>
-          </a:xfrm>
-          <a:prstGeom prst="rect">
-            <a:avLst/>
-          </a:prstGeom>
-        </p:spPr>
-      </p:pic>
-      <p:pic>
-        <p:nvPicPr>
-          <p:cNvPr id="5" name="Image 4"/>
-          <p:cNvPicPr>
-            <a:picLocks noChangeAspect="1"/>
-          </p:cNvPicPr>
-          <p:nvPr/>
-        </p:nvPicPr>
-        <p:blipFill rotWithShape="1">
-          <a:blip r:embed="rId3">
-            <a:extLst>
-              <a:ext uri="{28A0092B-C50C-407E-A947-70E740481C1C}">
-                <a14:useLocalDpi xmlns:a14="http://schemas.microsoft.com/office/drawing/2010/main" val="0"/>
-              </a:ext>
-            </a:extLst>
-          </a:blip>
-          <a:srcRect l="48620"/>
-          <a:stretch/>
-        </p:blipFill>
-        <p:spPr>
-          <a:xfrm>
-            <a:off x="3243489" y="1394103"/>
-            <a:ext cx="5500461" cy="3551715"/>
-          </a:xfrm>
-          <a:prstGeom prst="rect">
-            <a:avLst/>
-          </a:prstGeom>
-        </p:spPr>
-      </p:pic>
+        </p:nvGrpSpPr>
+        <p:grpSpPr>
+          <a:xfrm>
+            <a:off x="37834" y="1532125"/>
+            <a:ext cx="9106166" cy="4158199"/>
+            <a:chOff x="437884" y="1394103"/>
+            <a:chExt cx="8306066" cy="3551715"/>
+          </a:xfrm>
+        </p:grpSpPr>
+        <p:pic>
+          <p:nvPicPr>
+            <p:cNvPr id="2" name="Image 1"/>
+            <p:cNvPicPr>
+              <a:picLocks noChangeAspect="1"/>
+            </p:cNvPicPr>
+            <p:nvPr/>
+          </p:nvPicPr>
+          <p:blipFill rotWithShape="1">
+            <a:blip r:embed="rId3">
+              <a:extLst>
+                <a:ext uri="{28A0092B-C50C-407E-A947-70E740481C1C}">
+                  <a14:useLocalDpi xmlns:a14="http://schemas.microsoft.com/office/drawing/2010/main" val="0"/>
+                </a:ext>
+              </a:extLst>
+            </a:blip>
+            <a:srcRect r="73793"/>
+            <a:stretch/>
+          </p:blipFill>
+          <p:spPr>
+            <a:xfrm>
+              <a:off x="437884" y="1394103"/>
+              <a:ext cx="2805605" cy="3551715"/>
+            </a:xfrm>
+            <a:prstGeom prst="rect">
+              <a:avLst/>
+            </a:prstGeom>
+          </p:spPr>
+        </p:pic>
+        <p:pic>
+          <p:nvPicPr>
+            <p:cNvPr id="5" name="Image 4"/>
+            <p:cNvPicPr>
+              <a:picLocks noChangeAspect="1"/>
+            </p:cNvPicPr>
+            <p:nvPr/>
+          </p:nvPicPr>
+          <p:blipFill rotWithShape="1">
+            <a:blip r:embed="rId3">
+              <a:extLst>
+                <a:ext uri="{28A0092B-C50C-407E-A947-70E740481C1C}">
+                  <a14:useLocalDpi xmlns:a14="http://schemas.microsoft.com/office/drawing/2010/main" val="0"/>
+                </a:ext>
+              </a:extLst>
+            </a:blip>
+            <a:srcRect l="48620"/>
+            <a:stretch/>
+          </p:blipFill>
+          <p:spPr>
+            <a:xfrm>
+              <a:off x="3243489" y="1394103"/>
+              <a:ext cx="5500461" cy="3551715"/>
+            </a:xfrm>
+            <a:prstGeom prst="rect">
+              <a:avLst/>
+            </a:prstGeom>
+          </p:spPr>
+        </p:pic>
+      </p:grpSp>
       <p:sp>
         <p:nvSpPr>
           <p:cNvPr id="6" name="Espace réservé du texte 9"/>
@@ -11683,7 +13053,7 @@
 </p:sld>
 </file>
 
-<file path=ppt/slides/slide17.xml><?xml version="1.0" encoding="utf-8"?>
+<file path=ppt/slides/slide18.xml><?xml version="1.0" encoding="utf-8"?>
 <p:sld xmlns:a="http://schemas.openxmlformats.org/drawingml/2006/main" xmlns:r="http://schemas.openxmlformats.org/officeDocument/2006/relationships" xmlns:p="http://schemas.openxmlformats.org/presentationml/2006/main" show="0">
   <p:cSld>
     <p:spTree>
@@ -12295,7 +13665,7 @@
 </p:sld>
 </file>
 
-<file path=ppt/slides/slide18.xml><?xml version="1.0" encoding="utf-8"?>
+<file path=ppt/slides/slide19.xml><?xml version="1.0" encoding="utf-8"?>
 <p:sld xmlns:a="http://schemas.openxmlformats.org/drawingml/2006/main" xmlns:r="http://schemas.openxmlformats.org/officeDocument/2006/relationships" xmlns:p="http://schemas.openxmlformats.org/presentationml/2006/main">
   <p:cSld>
     <p:spTree>
@@ -12497,230 +13867,6 @@
     <p:extLst>
       <p:ext uri="{BB962C8B-B14F-4D97-AF65-F5344CB8AC3E}">
         <p14:creationId xmlns:p14="http://schemas.microsoft.com/office/powerpoint/2010/main" val="3484511506"/>
-      </p:ext>
-    </p:extLst>
-  </p:cSld>
-  <p:clrMapOvr>
-    <a:masterClrMapping/>
-  </p:clrMapOvr>
-  <mc:AlternateContent xmlns:mc="http://schemas.openxmlformats.org/markup-compatibility/2006" xmlns:p14="http://schemas.microsoft.com/office/powerpoint/2010/main">
-    <mc:Choice Requires="p14">
-      <p:transition spd="med" p14:dur="700">
-        <p:fade/>
-      </p:transition>
-    </mc:Choice>
-    <mc:Fallback xmlns="">
-      <p:transition spd="med">
-        <p:fade/>
-      </p:transition>
-    </mc:Fallback>
-  </mc:AlternateContent>
-  <p:timing>
-    <p:tnLst>
-      <p:par>
-        <p:cTn id="1" dur="indefinite" restart="never" nodeType="tmRoot"/>
-      </p:par>
-    </p:tnLst>
-  </p:timing>
-</p:sld>
-</file>
-
-<file path=ppt/slides/slide19.xml><?xml version="1.0" encoding="utf-8"?>
-<p:sld xmlns:a="http://schemas.openxmlformats.org/drawingml/2006/main" xmlns:r="http://schemas.openxmlformats.org/officeDocument/2006/relationships" xmlns:p="http://schemas.openxmlformats.org/presentationml/2006/main">
-  <p:cSld>
-    <p:spTree>
-      <p:nvGrpSpPr>
-        <p:cNvPr id="1" name=""/>
-        <p:cNvGrpSpPr/>
-        <p:nvPr/>
-      </p:nvGrpSpPr>
-      <p:grpSpPr>
-        <a:xfrm>
-          <a:off x="0" y="0"/>
-          <a:ext cx="0" cy="0"/>
-          <a:chOff x="0" y="0"/>
-          <a:chExt cx="0" cy="0"/>
-        </a:xfrm>
-      </p:grpSpPr>
-      <p:sp>
-        <p:nvSpPr>
-          <p:cNvPr id="3" name="Espace réservé du texte 2"/>
-          <p:cNvSpPr>
-            <a:spLocks noGrp="1"/>
-          </p:cNvSpPr>
-          <p:nvPr>
-            <p:ph type="body" sz="quarter" idx="10"/>
-          </p:nvPr>
-        </p:nvSpPr>
-        <p:spPr/>
-        <p:txBody>
-          <a:bodyPr>
-            <a:normAutofit fontScale="92500" lnSpcReduction="20000"/>
-          </a:bodyPr>
-          <a:lstStyle/>
-          <a:p>
-            <a:endParaRPr lang="fr-FR" sz="2400" dirty="0" smtClean="0"/>
-          </a:p>
-          <a:p>
-            <a:r>
-              <a:rPr lang="fr-FR" sz="2400" dirty="0" smtClean="0"/>
-              <a:t>Challenge</a:t>
-            </a:r>
-          </a:p>
-          <a:p>
-            <a:endParaRPr lang="fr-FR" sz="2400" dirty="0" smtClean="0"/>
-          </a:p>
-          <a:p>
-            <a:endParaRPr lang="fr-FR" sz="2400" dirty="0"/>
-          </a:p>
-          <a:p>
-            <a:endParaRPr lang="fr-FR" sz="2400" dirty="0" smtClean="0"/>
-          </a:p>
-          <a:p>
-            <a:r>
-              <a:rPr lang="fr-FR" sz="2400" dirty="0"/>
-              <a:t>Projet </a:t>
-            </a:r>
-            <a:r>
-              <a:rPr lang="fr-FR" sz="2400" dirty="0" smtClean="0"/>
-              <a:t>concret</a:t>
-            </a:r>
-          </a:p>
-          <a:p>
-            <a:endParaRPr lang="fr-FR" sz="2400" dirty="0"/>
-          </a:p>
-          <a:p>
-            <a:endParaRPr lang="fr-FR" sz="2400" dirty="0" smtClean="0"/>
-          </a:p>
-          <a:p>
-            <a:endParaRPr lang="fr-FR" sz="2400" dirty="0"/>
-          </a:p>
-          <a:p>
-            <a:r>
-              <a:rPr lang="fr-FR" sz="2400" dirty="0" smtClean="0"/>
-              <a:t>Travail avec des industriels</a:t>
-            </a:r>
-          </a:p>
-          <a:p>
-            <a:pPr marL="0" indent="0">
-              <a:buNone/>
-            </a:pPr>
-            <a:endParaRPr lang="fr-FR" sz="2400" dirty="0"/>
-          </a:p>
-          <a:p>
-            <a:endParaRPr lang="fr-FR" sz="2400" dirty="0"/>
-          </a:p>
-          <a:p>
-            <a:endParaRPr lang="fr-FR" sz="2400" dirty="0" smtClean="0"/>
-          </a:p>
-          <a:p>
-            <a:endParaRPr lang="fr-FR" sz="2400" dirty="0" smtClean="0"/>
-          </a:p>
-          <a:p>
-            <a:pPr marL="0" indent="0">
-              <a:buNone/>
-            </a:pPr>
-            <a:r>
-              <a:rPr lang="fr-FR" dirty="0"/>
-              <a:t>	</a:t>
-            </a:r>
-          </a:p>
-          <a:p>
-            <a:pPr marL="0" indent="0">
-              <a:buNone/>
-            </a:pPr>
-            <a:endParaRPr lang="fr-FR" dirty="0" smtClean="0"/>
-          </a:p>
-        </p:txBody>
-      </p:sp>
-      <p:sp>
-        <p:nvSpPr>
-          <p:cNvPr id="6" name="Titre 1"/>
-          <p:cNvSpPr txBox="1">
-            <a:spLocks/>
-          </p:cNvSpPr>
-          <p:nvPr/>
-        </p:nvSpPr>
-        <p:spPr>
-          <a:xfrm>
-            <a:off x="633806" y="270681"/>
-            <a:ext cx="7876388" cy="1143000"/>
-          </a:xfrm>
-          <a:prstGeom prst="rect">
-            <a:avLst/>
-          </a:prstGeom>
-        </p:spPr>
-        <p:txBody>
-          <a:bodyPr anchor="t">
-            <a:normAutofit/>
-          </a:bodyPr>
-          <a:lstStyle>
-            <a:lvl1pPr algn="l" defTabSz="457200" rtl="0" eaLnBrk="1" latinLnBrk="0" hangingPunct="1">
-              <a:lnSpc>
-                <a:spcPct val="90000"/>
-              </a:lnSpc>
-              <a:spcBef>
-                <a:spcPct val="0"/>
-              </a:spcBef>
-              <a:buNone/>
-              <a:defRPr sz="2700" b="1" i="0" kern="1200" cap="all" baseline="0">
-                <a:solidFill>
-                  <a:schemeClr val="bg2"/>
-                </a:solidFill>
-                <a:latin typeface="+mj-lt"/>
-                <a:ea typeface="+mj-ea"/>
-                <a:cs typeface="HelveticaNeueLT Com 57 Cn" panose="020B0506030502030204" pitchFamily="34" charset="0"/>
-              </a:defRPr>
-            </a:lvl1pPr>
-          </a:lstStyle>
-          <a:p>
-            <a:pPr algn="ctr"/>
-            <a:r>
-              <a:rPr lang="fr-FR" dirty="0" smtClean="0"/>
-              <a:t>VII. </a:t>
-            </a:r>
-            <a:r>
-              <a:rPr lang="fr-FR" dirty="0" smtClean="0"/>
-              <a:t>Conclusion : bilan personnel</a:t>
-            </a:r>
-            <a:endParaRPr lang="fr-FR" dirty="0"/>
-          </a:p>
-        </p:txBody>
-      </p:sp>
-      <p:sp>
-        <p:nvSpPr>
-          <p:cNvPr id="7" name="ZoneTexte 6"/>
-          <p:cNvSpPr txBox="1"/>
-          <p:nvPr/>
-        </p:nvSpPr>
-        <p:spPr>
-          <a:xfrm>
-            <a:off x="8496300" y="6296025"/>
-            <a:ext cx="495300" cy="369332"/>
-          </a:xfrm>
-          <a:prstGeom prst="rect">
-            <a:avLst/>
-          </a:prstGeom>
-          <a:noFill/>
-        </p:spPr>
-        <p:txBody>
-          <a:bodyPr wrap="square" rtlCol="0">
-            <a:spAutoFit/>
-          </a:bodyPr>
-          <a:lstStyle/>
-          <a:p>
-            <a:r>
-              <a:rPr lang="fr-FR" dirty="0" smtClean="0"/>
-              <a:t>16</a:t>
-            </a:r>
-            <a:endParaRPr lang="fr-FR" dirty="0"/>
-          </a:p>
-        </p:txBody>
-      </p:sp>
-    </p:spTree>
-    <p:extLst>
-      <p:ext uri="{BB962C8B-B14F-4D97-AF65-F5344CB8AC3E}">
-        <p14:creationId xmlns:p14="http://schemas.microsoft.com/office/powerpoint/2010/main" val="640009553"/>
       </p:ext>
     </p:extLst>
   </p:cSld>
@@ -12840,7 +13986,6 @@
               <a:rPr lang="fr-FR" sz="2000" dirty="0" smtClean="0"/>
               <a:t>L’application finale et démonstration</a:t>
             </a:r>
-            <a:endParaRPr lang="fr-FR" sz="2000" dirty="0" smtClean="0"/>
           </a:p>
           <a:p>
             <a:pPr marL="400050" indent="-400050">
@@ -12856,7 +14001,6 @@
               <a:rPr lang="fr-FR" sz="2000" dirty="0" smtClean="0"/>
               <a:t>Gestion de projet</a:t>
             </a:r>
-            <a:endParaRPr lang="fr-FR" sz="2000" dirty="0" smtClean="0"/>
           </a:p>
           <a:p>
             <a:pPr marL="400050" indent="-400050">
@@ -12870,11 +14014,7 @@
             </a:pPr>
             <a:r>
               <a:rPr lang="fr-FR" sz="2000" dirty="0" smtClean="0"/>
-              <a:t>Bilan </a:t>
-            </a:r>
-            <a:r>
-              <a:rPr lang="fr-FR" sz="2000" dirty="0" smtClean="0"/>
-              <a:t>technique</a:t>
+              <a:t>Bilan technique</a:t>
             </a:r>
             <a:endParaRPr lang="fr-FR" sz="2000" dirty="0"/>
           </a:p>
@@ -12983,6 +14123,226 @@
       </p:grpSpPr>
       <p:sp>
         <p:nvSpPr>
+          <p:cNvPr id="3" name="Espace réservé du texte 2"/>
+          <p:cNvSpPr>
+            <a:spLocks noGrp="1"/>
+          </p:cNvSpPr>
+          <p:nvPr>
+            <p:ph type="body" sz="quarter" idx="10"/>
+          </p:nvPr>
+        </p:nvSpPr>
+        <p:spPr/>
+        <p:txBody>
+          <a:bodyPr>
+            <a:normAutofit fontScale="92500" lnSpcReduction="20000"/>
+          </a:bodyPr>
+          <a:lstStyle/>
+          <a:p>
+            <a:endParaRPr lang="fr-FR" sz="2400" dirty="0" smtClean="0"/>
+          </a:p>
+          <a:p>
+            <a:r>
+              <a:rPr lang="fr-FR" sz="2400" dirty="0" smtClean="0"/>
+              <a:t>Challenge</a:t>
+            </a:r>
+          </a:p>
+          <a:p>
+            <a:endParaRPr lang="fr-FR" sz="2400" dirty="0" smtClean="0"/>
+          </a:p>
+          <a:p>
+            <a:endParaRPr lang="fr-FR" sz="2400" dirty="0"/>
+          </a:p>
+          <a:p>
+            <a:endParaRPr lang="fr-FR" sz="2400" dirty="0" smtClean="0"/>
+          </a:p>
+          <a:p>
+            <a:r>
+              <a:rPr lang="fr-FR" sz="2400" dirty="0"/>
+              <a:t>Projet </a:t>
+            </a:r>
+            <a:r>
+              <a:rPr lang="fr-FR" sz="2400" dirty="0" smtClean="0"/>
+              <a:t>concret</a:t>
+            </a:r>
+          </a:p>
+          <a:p>
+            <a:endParaRPr lang="fr-FR" sz="2400" dirty="0"/>
+          </a:p>
+          <a:p>
+            <a:endParaRPr lang="fr-FR" sz="2400" dirty="0" smtClean="0"/>
+          </a:p>
+          <a:p>
+            <a:endParaRPr lang="fr-FR" sz="2400" dirty="0"/>
+          </a:p>
+          <a:p>
+            <a:r>
+              <a:rPr lang="fr-FR" sz="2400" dirty="0" smtClean="0"/>
+              <a:t>Travail avec des industriels</a:t>
+            </a:r>
+          </a:p>
+          <a:p>
+            <a:pPr marL="0" indent="0">
+              <a:buNone/>
+            </a:pPr>
+            <a:endParaRPr lang="fr-FR" sz="2400" dirty="0"/>
+          </a:p>
+          <a:p>
+            <a:endParaRPr lang="fr-FR" sz="2400" dirty="0"/>
+          </a:p>
+          <a:p>
+            <a:endParaRPr lang="fr-FR" sz="2400" dirty="0" smtClean="0"/>
+          </a:p>
+          <a:p>
+            <a:endParaRPr lang="fr-FR" sz="2400" dirty="0" smtClean="0"/>
+          </a:p>
+          <a:p>
+            <a:pPr marL="0" indent="0">
+              <a:buNone/>
+            </a:pPr>
+            <a:r>
+              <a:rPr lang="fr-FR" dirty="0"/>
+              <a:t>	</a:t>
+            </a:r>
+          </a:p>
+          <a:p>
+            <a:pPr marL="0" indent="0">
+              <a:buNone/>
+            </a:pPr>
+            <a:endParaRPr lang="fr-FR" dirty="0" smtClean="0"/>
+          </a:p>
+        </p:txBody>
+      </p:sp>
+      <p:sp>
+        <p:nvSpPr>
+          <p:cNvPr id="6" name="Titre 1"/>
+          <p:cNvSpPr txBox="1">
+            <a:spLocks/>
+          </p:cNvSpPr>
+          <p:nvPr/>
+        </p:nvSpPr>
+        <p:spPr>
+          <a:xfrm>
+            <a:off x="994442" y="230811"/>
+            <a:ext cx="7876388" cy="1143000"/>
+          </a:xfrm>
+          <a:prstGeom prst="rect">
+            <a:avLst/>
+          </a:prstGeom>
+        </p:spPr>
+        <p:txBody>
+          <a:bodyPr anchor="t">
+            <a:normAutofit/>
+          </a:bodyPr>
+          <a:lstStyle>
+            <a:lvl1pPr algn="l" defTabSz="457200" rtl="0" eaLnBrk="1" latinLnBrk="0" hangingPunct="1">
+              <a:lnSpc>
+                <a:spcPct val="90000"/>
+              </a:lnSpc>
+              <a:spcBef>
+                <a:spcPct val="0"/>
+              </a:spcBef>
+              <a:buNone/>
+              <a:defRPr sz="2700" b="1" i="0" kern="1200" cap="all" baseline="0">
+                <a:solidFill>
+                  <a:schemeClr val="bg2"/>
+                </a:solidFill>
+                <a:latin typeface="+mj-lt"/>
+                <a:ea typeface="+mj-ea"/>
+                <a:cs typeface="HelveticaNeueLT Com 57 Cn" panose="020B0506030502030204" pitchFamily="34" charset="0"/>
+              </a:defRPr>
+            </a:lvl1pPr>
+          </a:lstStyle>
+          <a:p>
+            <a:pPr algn="ctr"/>
+            <a:r>
+              <a:rPr lang="fr-FR" dirty="0" smtClean="0"/>
+              <a:t>VII. Conclusion : bilan personnel</a:t>
+            </a:r>
+            <a:endParaRPr lang="fr-FR" dirty="0"/>
+          </a:p>
+        </p:txBody>
+      </p:sp>
+      <p:sp>
+        <p:nvSpPr>
+          <p:cNvPr id="7" name="ZoneTexte 6"/>
+          <p:cNvSpPr txBox="1"/>
+          <p:nvPr/>
+        </p:nvSpPr>
+        <p:spPr>
+          <a:xfrm>
+            <a:off x="8496300" y="6296025"/>
+            <a:ext cx="495300" cy="369332"/>
+          </a:xfrm>
+          <a:prstGeom prst="rect">
+            <a:avLst/>
+          </a:prstGeom>
+          <a:noFill/>
+        </p:spPr>
+        <p:txBody>
+          <a:bodyPr wrap="square" rtlCol="0">
+            <a:spAutoFit/>
+          </a:bodyPr>
+          <a:lstStyle/>
+          <a:p>
+            <a:r>
+              <a:rPr lang="fr-FR" dirty="0" smtClean="0"/>
+              <a:t>16</a:t>
+            </a:r>
+            <a:endParaRPr lang="fr-FR" dirty="0"/>
+          </a:p>
+        </p:txBody>
+      </p:sp>
+    </p:spTree>
+    <p:extLst>
+      <p:ext uri="{BB962C8B-B14F-4D97-AF65-F5344CB8AC3E}">
+        <p14:creationId xmlns:p14="http://schemas.microsoft.com/office/powerpoint/2010/main" val="640009553"/>
+      </p:ext>
+    </p:extLst>
+  </p:cSld>
+  <p:clrMapOvr>
+    <a:masterClrMapping/>
+  </p:clrMapOvr>
+  <mc:AlternateContent xmlns:mc="http://schemas.openxmlformats.org/markup-compatibility/2006" xmlns:p14="http://schemas.microsoft.com/office/powerpoint/2010/main">
+    <mc:Choice Requires="p14">
+      <p:transition spd="med" p14:dur="700">
+        <p:fade/>
+      </p:transition>
+    </mc:Choice>
+    <mc:Fallback xmlns="">
+      <p:transition spd="med">
+        <p:fade/>
+      </p:transition>
+    </mc:Fallback>
+  </mc:AlternateContent>
+  <p:timing>
+    <p:tnLst>
+      <p:par>
+        <p:cTn id="1" dur="indefinite" restart="never" nodeType="tmRoot"/>
+      </p:par>
+    </p:tnLst>
+  </p:timing>
+</p:sld>
+</file>
+
+<file path=ppt/slides/slide21.xml><?xml version="1.0" encoding="utf-8"?>
+<p:sld xmlns:a="http://schemas.openxmlformats.org/drawingml/2006/main" xmlns:r="http://schemas.openxmlformats.org/officeDocument/2006/relationships" xmlns:p="http://schemas.openxmlformats.org/presentationml/2006/main">
+  <p:cSld>
+    <p:spTree>
+      <p:nvGrpSpPr>
+        <p:cNvPr id="1" name=""/>
+        <p:cNvGrpSpPr/>
+        <p:nvPr/>
+      </p:nvGrpSpPr>
+      <p:grpSpPr>
+        <a:xfrm>
+          <a:off x="0" y="0"/>
+          <a:ext cx="0" cy="0"/>
+          <a:chOff x="0" y="0"/>
+          <a:chExt cx="0" cy="0"/>
+        </a:xfrm>
+      </p:grpSpPr>
+      <p:sp>
+        <p:nvSpPr>
           <p:cNvPr id="4" name="Rectangle 3"/>
           <p:cNvSpPr/>
           <p:nvPr/>
@@ -13070,6 +14430,1610 @@
     <p:extLst>
       <p:ext uri="{BB962C8B-B14F-4D97-AF65-F5344CB8AC3E}">
         <p14:creationId xmlns:p14="http://schemas.microsoft.com/office/powerpoint/2010/main" val="1828088138"/>
+      </p:ext>
+    </p:extLst>
+  </p:cSld>
+  <p:clrMapOvr>
+    <a:masterClrMapping/>
+  </p:clrMapOvr>
+  <mc:AlternateContent xmlns:mc="http://schemas.openxmlformats.org/markup-compatibility/2006" xmlns:p14="http://schemas.microsoft.com/office/powerpoint/2010/main">
+    <mc:Choice Requires="p14">
+      <p:transition spd="med" p14:dur="700">
+        <p:fade/>
+      </p:transition>
+    </mc:Choice>
+    <mc:Fallback xmlns="">
+      <p:transition spd="med">
+        <p:fade/>
+      </p:transition>
+    </mc:Fallback>
+  </mc:AlternateContent>
+  <p:timing>
+    <p:tnLst>
+      <p:par>
+        <p:cTn id="1" dur="indefinite" restart="never" nodeType="tmRoot"/>
+      </p:par>
+    </p:tnLst>
+  </p:timing>
+</p:sld>
+</file>
+
+<file path=ppt/slides/slide22.xml><?xml version="1.0" encoding="utf-8"?>
+<p:sld xmlns:a="http://schemas.openxmlformats.org/drawingml/2006/main" xmlns:r="http://schemas.openxmlformats.org/officeDocument/2006/relationships" xmlns:p="http://schemas.openxmlformats.org/presentationml/2006/main">
+  <p:cSld>
+    <p:spTree>
+      <p:nvGrpSpPr>
+        <p:cNvPr id="1" name=""/>
+        <p:cNvGrpSpPr/>
+        <p:nvPr/>
+      </p:nvGrpSpPr>
+      <p:grpSpPr>
+        <a:xfrm>
+          <a:off x="0" y="0"/>
+          <a:ext cx="0" cy="0"/>
+          <a:chOff x="0" y="0"/>
+          <a:chExt cx="0" cy="0"/>
+        </a:xfrm>
+      </p:grpSpPr>
+      <p:sp>
+        <p:nvSpPr>
+          <p:cNvPr id="2" name="Titre 1"/>
+          <p:cNvSpPr>
+            <a:spLocks noGrp="1"/>
+          </p:cNvSpPr>
+          <p:nvPr>
+            <p:ph type="title"/>
+          </p:nvPr>
+        </p:nvSpPr>
+        <p:spPr/>
+        <p:txBody>
+          <a:bodyPr/>
+          <a:lstStyle/>
+          <a:p>
+            <a:pPr algn="ctr"/>
+            <a:r>
+              <a:rPr lang="en-US" dirty="0" err="1" smtClean="0"/>
+              <a:t>Portabilite</a:t>
+            </a:r>
+            <a:endParaRPr lang="en-US" dirty="0"/>
+          </a:p>
+        </p:txBody>
+      </p:sp>
+      <p:grpSp>
+        <p:nvGrpSpPr>
+          <p:cNvPr id="35" name="Groupe 34"/>
+          <p:cNvGrpSpPr/>
+          <p:nvPr/>
+        </p:nvGrpSpPr>
+        <p:grpSpPr>
+          <a:xfrm>
+            <a:off x="139158" y="1104253"/>
+            <a:ext cx="8753543" cy="4484982"/>
+            <a:chOff x="139158" y="1104253"/>
+            <a:chExt cx="8753543" cy="4484982"/>
+          </a:xfrm>
+        </p:grpSpPr>
+        <p:sp>
+          <p:nvSpPr>
+            <p:cNvPr id="36" name="Rectangle 35"/>
+            <p:cNvSpPr/>
+            <p:nvPr/>
+          </p:nvSpPr>
+          <p:spPr>
+            <a:xfrm>
+              <a:off x="5607347" y="1104253"/>
+              <a:ext cx="3263885" cy="4484982"/>
+            </a:xfrm>
+            <a:prstGeom prst="rect">
+              <a:avLst/>
+            </a:prstGeom>
+            <a:noFill/>
+            <a:ln w="28575">
+              <a:solidFill>
+                <a:srgbClr val="00B050"/>
+              </a:solidFill>
+            </a:ln>
+          </p:spPr>
+          <p:style>
+            <a:lnRef idx="1">
+              <a:schemeClr val="accent1"/>
+            </a:lnRef>
+            <a:fillRef idx="3">
+              <a:schemeClr val="accent1"/>
+            </a:fillRef>
+            <a:effectRef idx="2">
+              <a:schemeClr val="accent1"/>
+            </a:effectRef>
+            <a:fontRef idx="minor">
+              <a:schemeClr val="lt1"/>
+            </a:fontRef>
+          </p:style>
+          <p:txBody>
+            <a:bodyPr rtlCol="0" anchor="ctr"/>
+            <a:lstStyle/>
+            <a:p>
+              <a:pPr algn="ctr"/>
+              <a:endParaRPr lang="fr-FR"/>
+            </a:p>
+          </p:txBody>
+        </p:sp>
+        <p:sp>
+          <p:nvSpPr>
+            <p:cNvPr id="37" name="Rectangle 36"/>
+            <p:cNvSpPr/>
+            <p:nvPr/>
+          </p:nvSpPr>
+          <p:spPr>
+            <a:xfrm>
+              <a:off x="139158" y="2472104"/>
+              <a:ext cx="2688492" cy="2011069"/>
+            </a:xfrm>
+            <a:prstGeom prst="rect">
+              <a:avLst/>
+            </a:prstGeom>
+            <a:noFill/>
+            <a:ln w="28575">
+              <a:solidFill>
+                <a:srgbClr val="00B0F0"/>
+              </a:solidFill>
+            </a:ln>
+          </p:spPr>
+          <p:style>
+            <a:lnRef idx="1">
+              <a:schemeClr val="accent1"/>
+            </a:lnRef>
+            <a:fillRef idx="3">
+              <a:schemeClr val="accent1"/>
+            </a:fillRef>
+            <a:effectRef idx="2">
+              <a:schemeClr val="accent1"/>
+            </a:effectRef>
+            <a:fontRef idx="minor">
+              <a:schemeClr val="lt1"/>
+            </a:fontRef>
+          </p:style>
+          <p:txBody>
+            <a:bodyPr rtlCol="0" anchor="ctr"/>
+            <a:lstStyle/>
+            <a:p>
+              <a:pPr algn="ctr"/>
+              <a:endParaRPr lang="fr-FR"/>
+            </a:p>
+          </p:txBody>
+        </p:sp>
+        <p:grpSp>
+          <p:nvGrpSpPr>
+            <p:cNvPr id="38" name="Groupe 37"/>
+            <p:cNvGrpSpPr/>
+            <p:nvPr/>
+          </p:nvGrpSpPr>
+          <p:grpSpPr>
+            <a:xfrm>
+              <a:off x="242676" y="1250931"/>
+              <a:ext cx="8650025" cy="4238769"/>
+              <a:chOff x="244061" y="1345601"/>
+              <a:chExt cx="8650025" cy="4238769"/>
+            </a:xfrm>
+          </p:grpSpPr>
+          <p:pic>
+            <p:nvPicPr>
+              <p:cNvPr id="39" name="Image 38"/>
+              <p:cNvPicPr>
+                <a:picLocks noChangeAspect="1"/>
+              </p:cNvPicPr>
+              <p:nvPr/>
+            </p:nvPicPr>
+            <p:blipFill>
+              <a:blip r:embed="rId2" cstate="screen">
+                <a:extLst>
+                  <a:ext uri="{28A0092B-C50C-407E-A947-70E740481C1C}">
+                    <a14:useLocalDpi xmlns:a14="http://schemas.microsoft.com/office/drawing/2010/main" val="0"/>
+                  </a:ext>
+                </a:extLst>
+              </a:blip>
+              <a:stretch>
+                <a:fillRect/>
+              </a:stretch>
+            </p:blipFill>
+            <p:spPr>
+              <a:xfrm>
+                <a:off x="7853061" y="1429364"/>
+                <a:ext cx="679366" cy="510883"/>
+              </a:xfrm>
+              <a:prstGeom prst="rect">
+                <a:avLst/>
+              </a:prstGeom>
+            </p:spPr>
+          </p:pic>
+          <p:pic>
+            <p:nvPicPr>
+              <p:cNvPr id="40" name="Image 39"/>
+              <p:cNvPicPr>
+                <a:picLocks noChangeAspect="1"/>
+              </p:cNvPicPr>
+              <p:nvPr/>
+            </p:nvPicPr>
+            <p:blipFill>
+              <a:blip r:embed="rId3" cstate="screen">
+                <a:extLst>
+                  <a:ext uri="{28A0092B-C50C-407E-A947-70E740481C1C}">
+                    <a14:useLocalDpi xmlns:a14="http://schemas.microsoft.com/office/drawing/2010/main" val="0"/>
+                  </a:ext>
+                </a:extLst>
+              </a:blip>
+              <a:stretch>
+                <a:fillRect/>
+              </a:stretch>
+            </p:blipFill>
+            <p:spPr>
+              <a:xfrm>
+                <a:off x="5770113" y="4708770"/>
+                <a:ext cx="875600" cy="875600"/>
+              </a:xfrm>
+              <a:prstGeom prst="rect">
+                <a:avLst/>
+              </a:prstGeom>
+            </p:spPr>
+          </p:pic>
+          <p:pic>
+            <p:nvPicPr>
+              <p:cNvPr id="41" name="Image 40"/>
+              <p:cNvPicPr>
+                <a:picLocks noChangeAspect="1"/>
+              </p:cNvPicPr>
+              <p:nvPr/>
+            </p:nvPicPr>
+            <p:blipFill>
+              <a:blip r:embed="rId4" cstate="screen">
+                <a:extLst>
+                  <a:ext uri="{28A0092B-C50C-407E-A947-70E740481C1C}">
+                    <a14:useLocalDpi xmlns:a14="http://schemas.microsoft.com/office/drawing/2010/main" val="0"/>
+                  </a:ext>
+                </a:extLst>
+              </a:blip>
+              <a:stretch>
+                <a:fillRect/>
+              </a:stretch>
+            </p:blipFill>
+            <p:spPr>
+              <a:xfrm rot="10800000">
+                <a:off x="7007672" y="1477671"/>
+                <a:ext cx="402652" cy="402652"/>
+              </a:xfrm>
+              <a:prstGeom prst="rect">
+                <a:avLst/>
+              </a:prstGeom>
+            </p:spPr>
+          </p:pic>
+          <p:pic>
+            <p:nvPicPr>
+              <p:cNvPr id="42" name="Image 41"/>
+              <p:cNvPicPr>
+                <a:picLocks noChangeAspect="1"/>
+              </p:cNvPicPr>
+              <p:nvPr/>
+            </p:nvPicPr>
+            <p:blipFill>
+              <a:blip r:embed="rId5" cstate="screen">
+                <a:extLst>
+                  <a:ext uri="{28A0092B-C50C-407E-A947-70E740481C1C}">
+                    <a14:useLocalDpi xmlns:a14="http://schemas.microsoft.com/office/drawing/2010/main" val="0"/>
+                  </a:ext>
+                </a:extLst>
+              </a:blip>
+              <a:stretch>
+                <a:fillRect/>
+              </a:stretch>
+            </p:blipFill>
+            <p:spPr>
+              <a:xfrm>
+                <a:off x="5820537" y="1345601"/>
+                <a:ext cx="794871" cy="678410"/>
+              </a:xfrm>
+              <a:prstGeom prst="rect">
+                <a:avLst/>
+              </a:prstGeom>
+            </p:spPr>
+          </p:pic>
+          <p:pic>
+            <p:nvPicPr>
+              <p:cNvPr id="43" name="Image 42"/>
+              <p:cNvPicPr>
+                <a:picLocks noChangeAspect="1"/>
+              </p:cNvPicPr>
+              <p:nvPr/>
+            </p:nvPicPr>
+            <p:blipFill>
+              <a:blip r:embed="rId6" cstate="screen">
+                <a:extLst>
+                  <a:ext uri="{28A0092B-C50C-407E-A947-70E740481C1C}">
+                    <a14:useLocalDpi xmlns:a14="http://schemas.microsoft.com/office/drawing/2010/main" val="0"/>
+                  </a:ext>
+                </a:extLst>
+              </a:blip>
+              <a:stretch>
+                <a:fillRect/>
+              </a:stretch>
+            </p:blipFill>
+            <p:spPr>
+              <a:xfrm>
+                <a:off x="5770113" y="2955379"/>
+                <a:ext cx="884715" cy="782731"/>
+              </a:xfrm>
+              <a:prstGeom prst="rect">
+                <a:avLst/>
+              </a:prstGeom>
+            </p:spPr>
+          </p:pic>
+          <p:pic>
+            <p:nvPicPr>
+              <p:cNvPr id="44" name="Image 43"/>
+              <p:cNvPicPr>
+                <a:picLocks noChangeAspect="1"/>
+              </p:cNvPicPr>
+              <p:nvPr/>
+            </p:nvPicPr>
+            <p:blipFill>
+              <a:blip r:embed="rId7">
+                <a:extLst>
+                  <a:ext uri="{28A0092B-C50C-407E-A947-70E740481C1C}">
+                    <a14:useLocalDpi xmlns:a14="http://schemas.microsoft.com/office/drawing/2010/main" val="0"/>
+                  </a:ext>
+                </a:extLst>
+              </a:blip>
+              <a:stretch>
+                <a:fillRect/>
+              </a:stretch>
+            </p:blipFill>
+            <p:spPr>
+              <a:xfrm>
+                <a:off x="3384061" y="1667920"/>
+                <a:ext cx="1418468" cy="1268691"/>
+              </a:xfrm>
+              <a:prstGeom prst="rect">
+                <a:avLst/>
+              </a:prstGeom>
+            </p:spPr>
+          </p:pic>
+          <p:pic>
+            <p:nvPicPr>
+              <p:cNvPr id="45" name="Image 44"/>
+              <p:cNvPicPr>
+                <a:picLocks noChangeAspect="1"/>
+              </p:cNvPicPr>
+              <p:nvPr/>
+            </p:nvPicPr>
+            <p:blipFill>
+              <a:blip r:embed="rId8" cstate="screen">
+                <a:extLst>
+                  <a:ext uri="{28A0092B-C50C-407E-A947-70E740481C1C}">
+                    <a14:useLocalDpi xmlns:a14="http://schemas.microsoft.com/office/drawing/2010/main" val="0"/>
+                  </a:ext>
+                </a:extLst>
+              </a:blip>
+              <a:stretch>
+                <a:fillRect/>
+              </a:stretch>
+            </p:blipFill>
+            <p:spPr>
+              <a:xfrm>
+                <a:off x="244061" y="2851916"/>
+                <a:ext cx="1131791" cy="1257135"/>
+              </a:xfrm>
+              <a:prstGeom prst="rect">
+                <a:avLst/>
+              </a:prstGeom>
+            </p:spPr>
+          </p:pic>
+          <p:pic>
+            <p:nvPicPr>
+              <p:cNvPr id="46" name="Image 45"/>
+              <p:cNvPicPr>
+                <a:picLocks noChangeAspect="1"/>
+              </p:cNvPicPr>
+              <p:nvPr/>
+            </p:nvPicPr>
+            <p:blipFill>
+              <a:blip r:embed="rId9" cstate="screen">
+                <a:extLst>
+                  <a:ext uri="{28A0092B-C50C-407E-A947-70E740481C1C}">
+                    <a14:useLocalDpi xmlns:a14="http://schemas.microsoft.com/office/drawing/2010/main" val="0"/>
+                  </a:ext>
+                </a:extLst>
+              </a:blip>
+              <a:stretch>
+                <a:fillRect/>
+              </a:stretch>
+            </p:blipFill>
+            <p:spPr>
+              <a:xfrm>
+                <a:off x="5924313" y="2249583"/>
+                <a:ext cx="609960" cy="609960"/>
+              </a:xfrm>
+              <a:prstGeom prst="rect">
+                <a:avLst/>
+              </a:prstGeom>
+            </p:spPr>
+          </p:pic>
+          <p:pic>
+            <p:nvPicPr>
+              <p:cNvPr id="47" name="Image 46"/>
+              <p:cNvPicPr>
+                <a:picLocks noChangeAspect="1"/>
+              </p:cNvPicPr>
+              <p:nvPr/>
+            </p:nvPicPr>
+            <p:blipFill>
+              <a:blip r:embed="rId10" cstate="screen">
+                <a:extLst>
+                  <a:ext uri="{28A0092B-C50C-407E-A947-70E740481C1C}">
+                    <a14:useLocalDpi xmlns:a14="http://schemas.microsoft.com/office/drawing/2010/main" val="0"/>
+                  </a:ext>
+                </a:extLst>
+              </a:blip>
+              <a:stretch>
+                <a:fillRect/>
+              </a:stretch>
+            </p:blipFill>
+            <p:spPr>
+              <a:xfrm>
+                <a:off x="6885659" y="4913125"/>
+                <a:ext cx="646679" cy="409867"/>
+              </a:xfrm>
+              <a:prstGeom prst="rect">
+                <a:avLst/>
+              </a:prstGeom>
+            </p:spPr>
+          </p:pic>
+          <p:pic>
+            <p:nvPicPr>
+              <p:cNvPr id="48" name="Image 47"/>
+              <p:cNvPicPr>
+                <a:picLocks noChangeAspect="1"/>
+              </p:cNvPicPr>
+              <p:nvPr/>
+            </p:nvPicPr>
+            <p:blipFill>
+              <a:blip r:embed="rId9" cstate="screen">
+                <a:extLst>
+                  <a:ext uri="{28A0092B-C50C-407E-A947-70E740481C1C}">
+                    <a14:useLocalDpi xmlns:a14="http://schemas.microsoft.com/office/drawing/2010/main" val="0"/>
+                  </a:ext>
+                </a:extLst>
+              </a:blip>
+              <a:stretch>
+                <a:fillRect/>
+              </a:stretch>
+            </p:blipFill>
+            <p:spPr>
+              <a:xfrm rot="10800000">
+                <a:off x="5924312" y="4037833"/>
+                <a:ext cx="609960" cy="609960"/>
+              </a:xfrm>
+              <a:prstGeom prst="rect">
+                <a:avLst/>
+              </a:prstGeom>
+            </p:spPr>
+          </p:pic>
+          <p:pic>
+            <p:nvPicPr>
+              <p:cNvPr id="49" name="Image 48"/>
+              <p:cNvPicPr>
+                <a:picLocks noChangeAspect="1"/>
+              </p:cNvPicPr>
+              <p:nvPr/>
+            </p:nvPicPr>
+            <p:blipFill>
+              <a:blip r:embed="rId11" cstate="screen">
+                <a:extLst>
+                  <a:ext uri="{28A0092B-C50C-407E-A947-70E740481C1C}">
+                    <a14:useLocalDpi xmlns:a14="http://schemas.microsoft.com/office/drawing/2010/main" val="0"/>
+                  </a:ext>
+                </a:extLst>
+              </a:blip>
+              <a:stretch>
+                <a:fillRect/>
+              </a:stretch>
+            </p:blipFill>
+            <p:spPr>
+              <a:xfrm>
+                <a:off x="1733496" y="3558144"/>
+                <a:ext cx="920615" cy="226061"/>
+              </a:xfrm>
+              <a:prstGeom prst="rect">
+                <a:avLst/>
+              </a:prstGeom>
+            </p:spPr>
+          </p:pic>
+          <p:pic>
+            <p:nvPicPr>
+              <p:cNvPr id="50" name="Image 49"/>
+              <p:cNvPicPr>
+                <a:picLocks noChangeAspect="1"/>
+              </p:cNvPicPr>
+              <p:nvPr/>
+            </p:nvPicPr>
+            <p:blipFill>
+              <a:blip r:embed="rId12" cstate="screen">
+                <a:extLst>
+                  <a:ext uri="{28A0092B-C50C-407E-A947-70E740481C1C}">
+                    <a14:useLocalDpi xmlns:a14="http://schemas.microsoft.com/office/drawing/2010/main" val="0"/>
+                  </a:ext>
+                </a:extLst>
+              </a:blip>
+              <a:stretch>
+                <a:fillRect/>
+              </a:stretch>
+            </p:blipFill>
+            <p:spPr>
+              <a:xfrm>
+                <a:off x="7906150" y="4823774"/>
+                <a:ext cx="613499" cy="613499"/>
+              </a:xfrm>
+              <a:prstGeom prst="rect">
+                <a:avLst/>
+              </a:prstGeom>
+            </p:spPr>
+          </p:pic>
+          <p:sp>
+            <p:nvSpPr>
+              <p:cNvPr id="51" name="Rectangle 50"/>
+              <p:cNvSpPr/>
+              <p:nvPr/>
+            </p:nvSpPr>
+            <p:spPr>
+              <a:xfrm>
+                <a:off x="2969843" y="3107703"/>
+                <a:ext cx="967141" cy="752807"/>
+              </a:xfrm>
+              <a:prstGeom prst="rect">
+                <a:avLst/>
+              </a:prstGeom>
+              <a:noFill/>
+              <a:ln w="28575">
+                <a:solidFill>
+                  <a:schemeClr val="tx2">
+                    <a:lumMod val="75000"/>
+                  </a:schemeClr>
+                </a:solidFill>
+              </a:ln>
+            </p:spPr>
+            <p:style>
+              <a:lnRef idx="1">
+                <a:schemeClr val="accent1"/>
+              </a:lnRef>
+              <a:fillRef idx="3">
+                <a:schemeClr val="accent1"/>
+              </a:fillRef>
+              <a:effectRef idx="2">
+                <a:schemeClr val="accent1"/>
+              </a:effectRef>
+              <a:fontRef idx="minor">
+                <a:schemeClr val="lt1"/>
+              </a:fontRef>
+            </p:style>
+            <p:txBody>
+              <a:bodyPr rtlCol="0" anchor="ctr"/>
+              <a:lstStyle/>
+              <a:p>
+                <a:pPr algn="ctr"/>
+                <a:endParaRPr lang="fr-FR"/>
+              </a:p>
+            </p:txBody>
+          </p:sp>
+          <p:sp>
+            <p:nvSpPr>
+              <p:cNvPr id="52" name="Rectangle 51"/>
+              <p:cNvSpPr/>
+              <p:nvPr/>
+            </p:nvSpPr>
+            <p:spPr>
+              <a:xfrm>
+                <a:off x="4197469" y="3112697"/>
+                <a:ext cx="967141" cy="752807"/>
+              </a:xfrm>
+              <a:prstGeom prst="rect">
+                <a:avLst/>
+              </a:prstGeom>
+              <a:noFill/>
+              <a:ln w="28575">
+                <a:solidFill>
+                  <a:schemeClr val="accent1">
+                    <a:lumMod val="60000"/>
+                    <a:lumOff val="40000"/>
+                  </a:schemeClr>
+                </a:solidFill>
+              </a:ln>
+            </p:spPr>
+            <p:style>
+              <a:lnRef idx="1">
+                <a:schemeClr val="accent1"/>
+              </a:lnRef>
+              <a:fillRef idx="3">
+                <a:schemeClr val="accent1"/>
+              </a:fillRef>
+              <a:effectRef idx="2">
+                <a:schemeClr val="accent1"/>
+              </a:effectRef>
+              <a:fontRef idx="minor">
+                <a:schemeClr val="lt1"/>
+              </a:fontRef>
+            </p:style>
+            <p:txBody>
+              <a:bodyPr rtlCol="0" anchor="ctr"/>
+              <a:lstStyle/>
+              <a:p>
+                <a:pPr algn="ctr"/>
+                <a:endParaRPr lang="fr-FR"/>
+              </a:p>
+            </p:txBody>
+          </p:sp>
+          <p:sp>
+            <p:nvSpPr>
+              <p:cNvPr id="53" name="ZoneTexte 52"/>
+              <p:cNvSpPr txBox="1"/>
+              <p:nvPr/>
+            </p:nvSpPr>
+            <p:spPr>
+              <a:xfrm>
+                <a:off x="3105628" y="3290277"/>
+                <a:ext cx="695569" cy="369332"/>
+              </a:xfrm>
+              <a:prstGeom prst="rect">
+                <a:avLst/>
+              </a:prstGeom>
+              <a:noFill/>
+            </p:spPr>
+            <p:txBody>
+              <a:bodyPr wrap="square" rtlCol="0">
+                <a:spAutoFit/>
+              </a:bodyPr>
+              <a:lstStyle/>
+              <a:p>
+                <a:pPr algn="ctr"/>
+                <a:r>
+                  <a:rPr lang="fr-FR" dirty="0" smtClean="0">
+                    <a:effectLst>
+                      <a:outerShdw blurRad="50800" dist="38100" dir="2700000" algn="tl" rotWithShape="0">
+                        <a:prstClr val="black">
+                          <a:alpha val="40000"/>
+                        </a:prstClr>
+                      </a:outerShdw>
+                    </a:effectLst>
+                  </a:rPr>
+                  <a:t>IHM</a:t>
+                </a:r>
+              </a:p>
+            </p:txBody>
+          </p:sp>
+          <p:sp>
+            <p:nvSpPr>
+              <p:cNvPr id="54" name="ZoneTexte 53"/>
+              <p:cNvSpPr txBox="1"/>
+              <p:nvPr/>
+            </p:nvSpPr>
+            <p:spPr>
+              <a:xfrm>
+                <a:off x="4213274" y="3163764"/>
+                <a:ext cx="935529" cy="646331"/>
+              </a:xfrm>
+              <a:prstGeom prst="rect">
+                <a:avLst/>
+              </a:prstGeom>
+              <a:noFill/>
+            </p:spPr>
+            <p:txBody>
+              <a:bodyPr wrap="square" rtlCol="0">
+                <a:spAutoFit/>
+              </a:bodyPr>
+              <a:lstStyle/>
+              <a:p>
+                <a:pPr algn="ctr"/>
+                <a:r>
+                  <a:rPr lang="fr-FR" dirty="0" smtClean="0">
+                    <a:effectLst>
+                      <a:outerShdw blurRad="50800" dist="38100" dir="2700000" algn="tl" rotWithShape="0">
+                        <a:prstClr val="black">
+                          <a:alpha val="40000"/>
+                        </a:prstClr>
+                      </a:outerShdw>
+                    </a:effectLst>
+                  </a:rPr>
+                  <a:t>Modèle</a:t>
+                </a:r>
+              </a:p>
+              <a:p>
+                <a:pPr algn="ctr"/>
+                <a:r>
+                  <a:rPr lang="fr-FR" dirty="0" smtClean="0">
+                    <a:effectLst>
+                      <a:outerShdw blurRad="50800" dist="38100" dir="2700000" algn="tl" rotWithShape="0">
+                        <a:prstClr val="black">
+                          <a:alpha val="40000"/>
+                        </a:prstClr>
+                      </a:outerShdw>
+                    </a:effectLst>
+                  </a:rPr>
+                  <a:t>DLL</a:t>
+                </a:r>
+              </a:p>
+            </p:txBody>
+          </p:sp>
+          <p:sp>
+            <p:nvSpPr>
+              <p:cNvPr id="55" name="ZoneTexte 54"/>
+              <p:cNvSpPr txBox="1"/>
+              <p:nvPr/>
+            </p:nvSpPr>
+            <p:spPr>
+              <a:xfrm>
+                <a:off x="945744" y="2523558"/>
+                <a:ext cx="1881906" cy="646331"/>
+              </a:xfrm>
+              <a:prstGeom prst="rect">
+                <a:avLst/>
+              </a:prstGeom>
+              <a:noFill/>
+            </p:spPr>
+            <p:txBody>
+              <a:bodyPr wrap="square" rtlCol="0">
+                <a:spAutoFit/>
+              </a:bodyPr>
+              <a:lstStyle/>
+              <a:p>
+                <a:pPr algn="ctr"/>
+                <a:r>
+                  <a:rPr lang="fr-FR" dirty="0" smtClean="0">
+                    <a:effectLst>
+                      <a:outerShdw blurRad="50800" dist="38100" dir="2700000" algn="tl" rotWithShape="0">
+                        <a:prstClr val="black">
+                          <a:alpha val="40000"/>
+                        </a:prstClr>
+                      </a:outerShdw>
+                    </a:effectLst>
+                  </a:rPr>
+                  <a:t>Bluetooth_com</a:t>
+                </a:r>
+              </a:p>
+              <a:p>
+                <a:pPr algn="ctr"/>
+                <a:r>
+                  <a:rPr lang="fr-FR" dirty="0" smtClean="0">
+                    <a:effectLst>
+                      <a:outerShdw blurRad="50800" dist="38100" dir="2700000" algn="tl" rotWithShape="0">
+                        <a:prstClr val="black">
+                          <a:alpha val="40000"/>
+                        </a:prstClr>
+                      </a:outerShdw>
+                    </a:effectLst>
+                  </a:rPr>
+                  <a:t>DLL</a:t>
+                </a:r>
+              </a:p>
+            </p:txBody>
+          </p:sp>
+          <p:cxnSp>
+            <p:nvCxnSpPr>
+              <p:cNvPr id="56" name="Connecteur droit avec flèche 55"/>
+              <p:cNvCxnSpPr>
+                <a:stCxn id="51" idx="3"/>
+                <a:endCxn id="52" idx="1"/>
+              </p:cNvCxnSpPr>
+              <p:nvPr/>
+            </p:nvCxnSpPr>
+            <p:spPr>
+              <a:xfrm>
+                <a:off x="3936984" y="3484107"/>
+                <a:ext cx="260485" cy="4994"/>
+              </a:xfrm>
+              <a:prstGeom prst="straightConnector1">
+                <a:avLst/>
+              </a:prstGeom>
+              <a:ln>
+                <a:headEnd type="triangle"/>
+                <a:tailEnd type="triangle"/>
+              </a:ln>
+            </p:spPr>
+            <p:style>
+              <a:lnRef idx="2">
+                <a:schemeClr val="dk1"/>
+              </a:lnRef>
+              <a:fillRef idx="0">
+                <a:schemeClr val="dk1"/>
+              </a:fillRef>
+              <a:effectRef idx="1">
+                <a:schemeClr val="dk1"/>
+              </a:effectRef>
+              <a:fontRef idx="minor">
+                <a:schemeClr val="tx1"/>
+              </a:fontRef>
+            </p:style>
+          </p:cxnSp>
+          <p:cxnSp>
+            <p:nvCxnSpPr>
+              <p:cNvPr id="57" name="Connecteur droit avec flèche 56"/>
+              <p:cNvCxnSpPr>
+                <a:stCxn id="51" idx="1"/>
+                <a:endCxn id="45" idx="3"/>
+              </p:cNvCxnSpPr>
+              <p:nvPr/>
+            </p:nvCxnSpPr>
+            <p:spPr>
+              <a:xfrm flipH="1" flipV="1">
+                <a:off x="1375852" y="3480484"/>
+                <a:ext cx="1593991" cy="3623"/>
+              </a:xfrm>
+              <a:prstGeom prst="straightConnector1">
+                <a:avLst/>
+              </a:prstGeom>
+              <a:ln>
+                <a:tailEnd type="triangle"/>
+              </a:ln>
+            </p:spPr>
+            <p:style>
+              <a:lnRef idx="2">
+                <a:schemeClr val="dk1"/>
+              </a:lnRef>
+              <a:fillRef idx="0">
+                <a:schemeClr val="dk1"/>
+              </a:fillRef>
+              <a:effectRef idx="1">
+                <a:schemeClr val="dk1"/>
+              </a:effectRef>
+              <a:fontRef idx="minor">
+                <a:schemeClr val="tx1"/>
+              </a:fontRef>
+            </p:style>
+          </p:cxnSp>
+          <p:pic>
+            <p:nvPicPr>
+              <p:cNvPr id="58" name="Image 57"/>
+              <p:cNvPicPr>
+                <a:picLocks noChangeAspect="1"/>
+              </p:cNvPicPr>
+              <p:nvPr/>
+            </p:nvPicPr>
+            <p:blipFill>
+              <a:blip r:embed="rId13" cstate="screen">
+                <a:extLst>
+                  <a:ext uri="{28A0092B-C50C-407E-A947-70E740481C1C}">
+                    <a14:useLocalDpi xmlns:a14="http://schemas.microsoft.com/office/drawing/2010/main" val="0"/>
+                  </a:ext>
+                </a:extLst>
+              </a:blip>
+              <a:stretch>
+                <a:fillRect/>
+              </a:stretch>
+            </p:blipFill>
+            <p:spPr>
+              <a:xfrm>
+                <a:off x="469840" y="4363507"/>
+                <a:ext cx="851211" cy="828834"/>
+              </a:xfrm>
+              <a:prstGeom prst="rect">
+                <a:avLst/>
+              </a:prstGeom>
+            </p:spPr>
+          </p:pic>
+          <p:pic>
+            <p:nvPicPr>
+              <p:cNvPr id="59" name="Image 58"/>
+              <p:cNvPicPr>
+                <a:picLocks noChangeAspect="1"/>
+              </p:cNvPicPr>
+              <p:nvPr/>
+            </p:nvPicPr>
+            <p:blipFill>
+              <a:blip r:embed="rId14" cstate="screen">
+                <a:extLst>
+                  <a:ext uri="{28A0092B-C50C-407E-A947-70E740481C1C}">
+                    <a14:useLocalDpi xmlns:a14="http://schemas.microsoft.com/office/drawing/2010/main" val="0"/>
+                  </a:ext>
+                </a:extLst>
+              </a:blip>
+              <a:stretch>
+                <a:fillRect/>
+              </a:stretch>
+            </p:blipFill>
+            <p:spPr>
+              <a:xfrm>
+                <a:off x="7495922" y="3029753"/>
+                <a:ext cx="914419" cy="890380"/>
+              </a:xfrm>
+              <a:prstGeom prst="rect">
+                <a:avLst/>
+              </a:prstGeom>
+            </p:spPr>
+          </p:pic>
+          <p:sp>
+            <p:nvSpPr>
+              <p:cNvPr id="60" name="ZoneTexte 59"/>
+              <p:cNvSpPr txBox="1"/>
+              <p:nvPr/>
+            </p:nvSpPr>
+            <p:spPr>
+              <a:xfrm>
+                <a:off x="7012180" y="2213212"/>
+                <a:ext cx="1881906" cy="646331"/>
+              </a:xfrm>
+              <a:prstGeom prst="rect">
+                <a:avLst/>
+              </a:prstGeom>
+              <a:noFill/>
+            </p:spPr>
+            <p:txBody>
+              <a:bodyPr wrap="square" rtlCol="0">
+                <a:spAutoFit/>
+              </a:bodyPr>
+              <a:lstStyle/>
+              <a:p>
+                <a:pPr algn="ctr"/>
+                <a:r>
+                  <a:rPr lang="fr-FR" dirty="0" smtClean="0">
+                    <a:effectLst>
+                      <a:outerShdw blurRad="50800" dist="38100" dir="2700000" algn="tl" rotWithShape="0">
+                        <a:prstClr val="black">
+                          <a:alpha val="40000"/>
+                        </a:prstClr>
+                      </a:outerShdw>
+                    </a:effectLst>
+                  </a:rPr>
+                  <a:t>RequeteHttp</a:t>
+                </a:r>
+              </a:p>
+              <a:p>
+                <a:pPr algn="ctr"/>
+                <a:r>
+                  <a:rPr lang="fr-FR" dirty="0" smtClean="0">
+                    <a:effectLst>
+                      <a:outerShdw blurRad="50800" dist="38100" dir="2700000" algn="tl" rotWithShape="0">
+                        <a:prstClr val="black">
+                          <a:alpha val="40000"/>
+                        </a:prstClr>
+                      </a:outerShdw>
+                    </a:effectLst>
+                  </a:rPr>
+                  <a:t>DLL</a:t>
+                </a:r>
+              </a:p>
+            </p:txBody>
+          </p:sp>
+          <p:sp>
+            <p:nvSpPr>
+              <p:cNvPr id="61" name="Rectangle 60"/>
+              <p:cNvSpPr/>
+              <p:nvPr/>
+            </p:nvSpPr>
+            <p:spPr>
+              <a:xfrm>
+                <a:off x="7315779" y="4142516"/>
+                <a:ext cx="1274708" cy="369332"/>
+              </a:xfrm>
+              <a:prstGeom prst="rect">
+                <a:avLst/>
+              </a:prstGeom>
+            </p:spPr>
+            <p:txBody>
+              <a:bodyPr wrap="none">
+                <a:spAutoFit/>
+              </a:bodyPr>
+              <a:lstStyle/>
+              <a:p>
+                <a:pPr algn="ctr"/>
+                <a:r>
+                  <a:rPr lang="fr-FR" dirty="0" err="1"/>
+                  <a:t>HappyHttp</a:t>
+                </a:r>
+                <a:endParaRPr lang="fr-FR" dirty="0"/>
+              </a:p>
+            </p:txBody>
+          </p:sp>
+          <p:pic>
+            <p:nvPicPr>
+              <p:cNvPr id="62" name="Image 61"/>
+              <p:cNvPicPr>
+                <a:picLocks noChangeAspect="1"/>
+              </p:cNvPicPr>
+              <p:nvPr/>
+            </p:nvPicPr>
+            <p:blipFill>
+              <a:blip r:embed="rId15" cstate="screen">
+                <a:extLst>
+                  <a:ext uri="{28A0092B-C50C-407E-A947-70E740481C1C}">
+                    <a14:useLocalDpi xmlns:a14="http://schemas.microsoft.com/office/drawing/2010/main" val="0"/>
+                  </a:ext>
+                </a:extLst>
+              </a:blip>
+              <a:stretch>
+                <a:fillRect/>
+              </a:stretch>
+            </p:blipFill>
+            <p:spPr>
+              <a:xfrm>
+                <a:off x="4304840" y="3975672"/>
+                <a:ext cx="752398" cy="732618"/>
+              </a:xfrm>
+              <a:prstGeom prst="rect">
+                <a:avLst/>
+              </a:prstGeom>
+            </p:spPr>
+          </p:pic>
+          <p:pic>
+            <p:nvPicPr>
+              <p:cNvPr id="63" name="Image 62"/>
+              <p:cNvPicPr>
+                <a:picLocks noChangeAspect="1"/>
+              </p:cNvPicPr>
+              <p:nvPr/>
+            </p:nvPicPr>
+            <p:blipFill>
+              <a:blip r:embed="rId16" cstate="screen">
+                <a:extLst>
+                  <a:ext uri="{28A0092B-C50C-407E-A947-70E740481C1C}">
+                    <a14:useLocalDpi xmlns:a14="http://schemas.microsoft.com/office/drawing/2010/main" val="0"/>
+                  </a:ext>
+                </a:extLst>
+              </a:blip>
+              <a:stretch>
+                <a:fillRect/>
+              </a:stretch>
+            </p:blipFill>
+            <p:spPr>
+              <a:xfrm>
+                <a:off x="2992160" y="3910739"/>
+                <a:ext cx="922503" cy="882906"/>
+              </a:xfrm>
+              <a:prstGeom prst="rect">
+                <a:avLst/>
+              </a:prstGeom>
+            </p:spPr>
+          </p:pic>
+          <p:pic>
+            <p:nvPicPr>
+              <p:cNvPr id="64" name="Image 63"/>
+              <p:cNvPicPr>
+                <a:picLocks noChangeAspect="1"/>
+              </p:cNvPicPr>
+              <p:nvPr/>
+            </p:nvPicPr>
+            <p:blipFill>
+              <a:blip r:embed="rId17" cstate="screen">
+                <a:extLst>
+                  <a:ext uri="{28A0092B-C50C-407E-A947-70E740481C1C}">
+                    <a14:useLocalDpi xmlns:a14="http://schemas.microsoft.com/office/drawing/2010/main" val="0"/>
+                  </a:ext>
+                </a:extLst>
+              </a:blip>
+              <a:stretch>
+                <a:fillRect/>
+              </a:stretch>
+            </p:blipFill>
+            <p:spPr>
+              <a:xfrm>
+                <a:off x="1733495" y="4300297"/>
+                <a:ext cx="721023" cy="940465"/>
+              </a:xfrm>
+              <a:prstGeom prst="rect">
+                <a:avLst/>
+              </a:prstGeom>
+            </p:spPr>
+          </p:pic>
+          <p:cxnSp>
+            <p:nvCxnSpPr>
+              <p:cNvPr id="65" name="Connecteur droit avec flèche 64"/>
+              <p:cNvCxnSpPr/>
+              <p:nvPr/>
+            </p:nvCxnSpPr>
+            <p:spPr>
+              <a:xfrm>
+                <a:off x="5164610" y="3484107"/>
+                <a:ext cx="442737" cy="2401"/>
+              </a:xfrm>
+              <a:prstGeom prst="straightConnector1">
+                <a:avLst/>
+              </a:prstGeom>
+              <a:ln>
+                <a:tailEnd type="arrow"/>
+              </a:ln>
+            </p:spPr>
+            <p:style>
+              <a:lnRef idx="2">
+                <a:schemeClr val="dk1"/>
+              </a:lnRef>
+              <a:fillRef idx="0">
+                <a:schemeClr val="dk1"/>
+              </a:fillRef>
+              <a:effectRef idx="1">
+                <a:schemeClr val="dk1"/>
+              </a:effectRef>
+              <a:fontRef idx="minor">
+                <a:schemeClr val="tx1"/>
+              </a:fontRef>
+            </p:style>
+          </p:cxnSp>
+        </p:grpSp>
+      </p:grpSp>
+    </p:spTree>
+    <p:extLst>
+      <p:ext uri="{BB962C8B-B14F-4D97-AF65-F5344CB8AC3E}">
+        <p14:creationId xmlns:p14="http://schemas.microsoft.com/office/powerpoint/2010/main" val="1099689024"/>
+      </p:ext>
+    </p:extLst>
+  </p:cSld>
+  <p:clrMapOvr>
+    <a:masterClrMapping/>
+  </p:clrMapOvr>
+  <mc:AlternateContent xmlns:mc="http://schemas.openxmlformats.org/markup-compatibility/2006" xmlns:p14="http://schemas.microsoft.com/office/powerpoint/2010/main">
+    <mc:Choice Requires="p14">
+      <p:transition spd="med" p14:dur="700">
+        <p:fade/>
+      </p:transition>
+    </mc:Choice>
+    <mc:Fallback xmlns="">
+      <p:transition spd="med">
+        <p:fade/>
+      </p:transition>
+    </mc:Fallback>
+  </mc:AlternateContent>
+  <p:timing>
+    <p:tnLst>
+      <p:par>
+        <p:cTn id="1" dur="indefinite" restart="never" nodeType="tmRoot"/>
+      </p:par>
+    </p:tnLst>
+  </p:timing>
+</p:sld>
+</file>
+
+<file path=ppt/slides/slide23.xml><?xml version="1.0" encoding="utf-8"?>
+<p:sld xmlns:a="http://schemas.openxmlformats.org/drawingml/2006/main" xmlns:r="http://schemas.openxmlformats.org/officeDocument/2006/relationships" xmlns:p="http://schemas.openxmlformats.org/presentationml/2006/main">
+  <p:cSld>
+    <p:spTree>
+      <p:nvGrpSpPr>
+        <p:cNvPr id="1" name=""/>
+        <p:cNvGrpSpPr/>
+        <p:nvPr/>
+      </p:nvGrpSpPr>
+      <p:grpSpPr>
+        <a:xfrm>
+          <a:off x="0" y="0"/>
+          <a:ext cx="0" cy="0"/>
+          <a:chOff x="0" y="0"/>
+          <a:chExt cx="0" cy="0"/>
+        </a:xfrm>
+      </p:grpSpPr>
+      <p:sp>
+        <p:nvSpPr>
+          <p:cNvPr id="2" name="Titre 1"/>
+          <p:cNvSpPr>
+            <a:spLocks noGrp="1"/>
+          </p:cNvSpPr>
+          <p:nvPr>
+            <p:ph type="title"/>
+          </p:nvPr>
+        </p:nvSpPr>
+        <p:spPr/>
+        <p:txBody>
+          <a:bodyPr/>
+          <a:lstStyle/>
+          <a:p>
+            <a:pPr algn="ctr"/>
+            <a:r>
+              <a:rPr lang="en-US" dirty="0" err="1" smtClean="0"/>
+              <a:t>Etat</a:t>
+            </a:r>
+            <a:r>
+              <a:rPr lang="en-US" dirty="0" smtClean="0"/>
+              <a:t> des </a:t>
+            </a:r>
+            <a:r>
+              <a:rPr lang="en-US" dirty="0" err="1" smtClean="0"/>
+              <a:t>capteurs</a:t>
+            </a:r>
+            <a:r>
+              <a:rPr lang="en-US" dirty="0" smtClean="0"/>
+              <a:t> </a:t>
+            </a:r>
+            <a:r>
+              <a:rPr lang="en-US" dirty="0" err="1" smtClean="0"/>
+              <a:t>fibaro</a:t>
+            </a:r>
+            <a:endParaRPr lang="en-US" dirty="0"/>
+          </a:p>
+        </p:txBody>
+      </p:sp>
+      <p:pic>
+        <p:nvPicPr>
+          <p:cNvPr id="2050" name="Picture 2"/>
+          <p:cNvPicPr>
+            <a:picLocks noChangeAspect="1" noChangeArrowheads="1"/>
+          </p:cNvPicPr>
+          <p:nvPr/>
+        </p:nvPicPr>
+        <p:blipFill rotWithShape="1">
+          <a:blip r:embed="rId2">
+            <a:extLst>
+              <a:ext uri="{28A0092B-C50C-407E-A947-70E740481C1C}">
+                <a14:useLocalDpi xmlns:a14="http://schemas.microsoft.com/office/drawing/2010/main" val="0"/>
+              </a:ext>
+            </a:extLst>
+          </a:blip>
+          <a:srcRect r="33853"/>
+          <a:stretch/>
+        </p:blipFill>
+        <p:spPr bwMode="auto">
+          <a:xfrm>
+            <a:off x="139159" y="802356"/>
+            <a:ext cx="5550792" cy="2962275"/>
+          </a:xfrm>
+          <a:prstGeom prst="rect">
+            <a:avLst/>
+          </a:prstGeom>
+          <a:noFill/>
+          <a:ln>
+            <a:noFill/>
+          </a:ln>
+          <a:effectLst/>
+          <a:extLst>
+            <a:ext uri="{909E8E84-426E-40DD-AFC4-6F175D3DCCD1}">
+              <a14:hiddenFill xmlns:a14="http://schemas.microsoft.com/office/drawing/2010/main">
+                <a:solidFill>
+                  <a:schemeClr val="accent1"/>
+                </a:solidFill>
+              </a14:hiddenFill>
+            </a:ext>
+            <a:ext uri="{91240B29-F687-4F45-9708-019B960494DF}">
+              <a14:hiddenLine xmlns:a14="http://schemas.microsoft.com/office/drawing/2010/main" w="9525">
+                <a:solidFill>
+                  <a:schemeClr val="tx1"/>
+                </a:solidFill>
+                <a:miter lim="800000"/>
+                <a:headEnd/>
+                <a:tailEnd/>
+              </a14:hiddenLine>
+            </a:ext>
+            <a:ext uri="{AF507438-7753-43E0-B8FC-AC1667EBCBE1}">
+              <a14:hiddenEffects xmlns:a14="http://schemas.microsoft.com/office/drawing/2010/main">
+                <a:effectLst>
+                  <a:outerShdw dist="35921" dir="2700000" algn="ctr" rotWithShape="0">
+                    <a:schemeClr val="bg2"/>
+                  </a:outerShdw>
+                </a:effectLst>
+              </a14:hiddenEffects>
+            </a:ext>
+          </a:extLst>
+        </p:spPr>
+      </p:pic>
+      <p:pic>
+        <p:nvPicPr>
+          <p:cNvPr id="14" name="Image 13"/>
+          <p:cNvPicPr>
+            <a:picLocks noChangeAspect="1"/>
+          </p:cNvPicPr>
+          <p:nvPr/>
+        </p:nvPicPr>
+        <p:blipFill>
+          <a:blip r:embed="rId3">
+            <a:extLst>
+              <a:ext uri="{28A0092B-C50C-407E-A947-70E740481C1C}">
+                <a14:useLocalDpi xmlns:a14="http://schemas.microsoft.com/office/drawing/2010/main" val="0"/>
+              </a:ext>
+            </a:extLst>
+          </a:blip>
+          <a:stretch>
+            <a:fillRect/>
+          </a:stretch>
+        </p:blipFill>
+        <p:spPr>
+          <a:xfrm>
+            <a:off x="6777682" y="3547758"/>
+            <a:ext cx="1014668" cy="881760"/>
+          </a:xfrm>
+          <a:prstGeom prst="rect">
+            <a:avLst/>
+          </a:prstGeom>
+        </p:spPr>
+      </p:pic>
+      <p:grpSp>
+        <p:nvGrpSpPr>
+          <p:cNvPr id="4" name="Groupe 3"/>
+          <p:cNvGrpSpPr/>
+          <p:nvPr/>
+        </p:nvGrpSpPr>
+        <p:grpSpPr>
+          <a:xfrm>
+            <a:off x="6123664" y="4561026"/>
+            <a:ext cx="2322705" cy="1724592"/>
+            <a:chOff x="4906231" y="4503680"/>
+            <a:chExt cx="1569976" cy="1171755"/>
+          </a:xfrm>
+        </p:grpSpPr>
+        <p:sp>
+          <p:nvSpPr>
+            <p:cNvPr id="21" name="Rectangle 20"/>
+            <p:cNvSpPr/>
+            <p:nvPr/>
+          </p:nvSpPr>
+          <p:spPr>
+            <a:xfrm>
+              <a:off x="4906231" y="4503680"/>
+              <a:ext cx="691822" cy="523212"/>
+            </a:xfrm>
+            <a:prstGeom prst="rect">
+              <a:avLst/>
+            </a:prstGeom>
+            <a:noFill/>
+            <a:ln w="28575">
+              <a:solidFill>
+                <a:schemeClr val="tx2">
+                  <a:lumMod val="75000"/>
+                </a:schemeClr>
+              </a:solidFill>
+            </a:ln>
+          </p:spPr>
+          <p:style>
+            <a:lnRef idx="1">
+              <a:schemeClr val="accent1"/>
+            </a:lnRef>
+            <a:fillRef idx="3">
+              <a:schemeClr val="accent1"/>
+            </a:fillRef>
+            <a:effectRef idx="2">
+              <a:schemeClr val="accent1"/>
+            </a:effectRef>
+            <a:fontRef idx="minor">
+              <a:schemeClr val="lt1"/>
+            </a:fontRef>
+          </p:style>
+          <p:txBody>
+            <a:bodyPr rtlCol="0" anchor="ctr"/>
+            <a:lstStyle/>
+            <a:p>
+              <a:pPr algn="ctr"/>
+              <a:endParaRPr lang="fr-FR"/>
+            </a:p>
+          </p:txBody>
+        </p:sp>
+        <p:sp>
+          <p:nvSpPr>
+            <p:cNvPr id="22" name="Rectangle 21"/>
+            <p:cNvSpPr/>
+            <p:nvPr/>
+          </p:nvSpPr>
+          <p:spPr>
+            <a:xfrm>
+              <a:off x="5784385" y="4507151"/>
+              <a:ext cx="691822" cy="523212"/>
+            </a:xfrm>
+            <a:prstGeom prst="rect">
+              <a:avLst/>
+            </a:prstGeom>
+            <a:noFill/>
+            <a:ln w="28575">
+              <a:solidFill>
+                <a:schemeClr val="accent1">
+                  <a:lumMod val="60000"/>
+                  <a:lumOff val="40000"/>
+                </a:schemeClr>
+              </a:solidFill>
+            </a:ln>
+          </p:spPr>
+          <p:style>
+            <a:lnRef idx="1">
+              <a:schemeClr val="accent1"/>
+            </a:lnRef>
+            <a:fillRef idx="3">
+              <a:schemeClr val="accent1"/>
+            </a:fillRef>
+            <a:effectRef idx="2">
+              <a:schemeClr val="accent1"/>
+            </a:effectRef>
+            <a:fontRef idx="minor">
+              <a:schemeClr val="lt1"/>
+            </a:fontRef>
+          </p:style>
+          <p:txBody>
+            <a:bodyPr rtlCol="0" anchor="ctr"/>
+            <a:lstStyle/>
+            <a:p>
+              <a:pPr algn="ctr"/>
+              <a:endParaRPr lang="fr-FR"/>
+            </a:p>
+          </p:txBody>
+        </p:sp>
+        <p:sp>
+          <p:nvSpPr>
+            <p:cNvPr id="23" name="ZoneTexte 22"/>
+            <p:cNvSpPr txBox="1"/>
+            <p:nvPr/>
+          </p:nvSpPr>
+          <p:spPr>
+            <a:xfrm>
+              <a:off x="5003362" y="4630571"/>
+              <a:ext cx="497559" cy="256691"/>
+            </a:xfrm>
+            <a:prstGeom prst="rect">
+              <a:avLst/>
+            </a:prstGeom>
+            <a:noFill/>
+          </p:spPr>
+          <p:txBody>
+            <a:bodyPr wrap="square" rtlCol="0">
+              <a:spAutoFit/>
+            </a:bodyPr>
+            <a:lstStyle/>
+            <a:p>
+              <a:pPr algn="ctr"/>
+              <a:r>
+                <a:rPr lang="fr-FR" dirty="0" smtClean="0">
+                  <a:effectLst>
+                    <a:outerShdw blurRad="50800" dist="38100" dir="2700000" algn="tl" rotWithShape="0">
+                      <a:prstClr val="black">
+                        <a:alpha val="40000"/>
+                      </a:prstClr>
+                    </a:outerShdw>
+                  </a:effectLst>
+                </a:rPr>
+                <a:t>IHM</a:t>
+              </a:r>
+            </a:p>
+          </p:txBody>
+        </p:sp>
+        <p:sp>
+          <p:nvSpPr>
+            <p:cNvPr id="24" name="ZoneTexte 23"/>
+            <p:cNvSpPr txBox="1"/>
+            <p:nvPr/>
+          </p:nvSpPr>
+          <p:spPr>
+            <a:xfrm>
+              <a:off x="5795691" y="4542643"/>
+              <a:ext cx="669209" cy="449210"/>
+            </a:xfrm>
+            <a:prstGeom prst="rect">
+              <a:avLst/>
+            </a:prstGeom>
+            <a:noFill/>
+          </p:spPr>
+          <p:txBody>
+            <a:bodyPr wrap="square" rtlCol="0">
+              <a:spAutoFit/>
+            </a:bodyPr>
+            <a:lstStyle/>
+            <a:p>
+              <a:pPr algn="ctr"/>
+              <a:r>
+                <a:rPr lang="fr-FR" dirty="0" smtClean="0">
+                  <a:effectLst>
+                    <a:outerShdw blurRad="50800" dist="38100" dir="2700000" algn="tl" rotWithShape="0">
+                      <a:prstClr val="black">
+                        <a:alpha val="40000"/>
+                      </a:prstClr>
+                    </a:outerShdw>
+                  </a:effectLst>
+                </a:rPr>
+                <a:t>Modèle</a:t>
+              </a:r>
+            </a:p>
+            <a:p>
+              <a:pPr algn="ctr"/>
+              <a:r>
+                <a:rPr lang="fr-FR" dirty="0" smtClean="0">
+                  <a:effectLst>
+                    <a:outerShdw blurRad="50800" dist="38100" dir="2700000" algn="tl" rotWithShape="0">
+                      <a:prstClr val="black">
+                        <a:alpha val="40000"/>
+                      </a:prstClr>
+                    </a:outerShdw>
+                  </a:effectLst>
+                </a:rPr>
+                <a:t>DLL</a:t>
+              </a:r>
+            </a:p>
+          </p:txBody>
+        </p:sp>
+        <p:cxnSp>
+          <p:nvCxnSpPr>
+            <p:cNvPr id="26" name="Connecteur droit avec flèche 25"/>
+            <p:cNvCxnSpPr>
+              <a:stCxn id="21" idx="3"/>
+              <a:endCxn id="22" idx="1"/>
+            </p:cNvCxnSpPr>
+            <p:nvPr/>
+          </p:nvCxnSpPr>
+          <p:spPr>
+            <a:xfrm>
+              <a:off x="5598053" y="4765286"/>
+              <a:ext cx="186332" cy="3471"/>
+            </a:xfrm>
+            <a:prstGeom prst="straightConnector1">
+              <a:avLst/>
+            </a:prstGeom>
+            <a:ln>
+              <a:headEnd type="triangle"/>
+              <a:tailEnd type="triangle"/>
+            </a:ln>
+          </p:spPr>
+          <p:style>
+            <a:lnRef idx="2">
+              <a:schemeClr val="dk1"/>
+            </a:lnRef>
+            <a:fillRef idx="0">
+              <a:schemeClr val="dk1"/>
+            </a:fillRef>
+            <a:effectRef idx="1">
+              <a:schemeClr val="dk1"/>
+            </a:effectRef>
+            <a:fontRef idx="minor">
+              <a:schemeClr val="tx1"/>
+            </a:fontRef>
+          </p:style>
+        </p:cxnSp>
+        <p:pic>
+          <p:nvPicPr>
+            <p:cNvPr id="32" name="Image 31"/>
+            <p:cNvPicPr>
+              <a:picLocks noChangeAspect="1"/>
+            </p:cNvPicPr>
+            <p:nvPr/>
+          </p:nvPicPr>
+          <p:blipFill>
+            <a:blip r:embed="rId4" cstate="screen">
+              <a:extLst>
+                <a:ext uri="{28A0092B-C50C-407E-A947-70E740481C1C}">
+                  <a14:useLocalDpi xmlns:a14="http://schemas.microsoft.com/office/drawing/2010/main" val="0"/>
+                </a:ext>
+              </a:extLst>
+            </a:blip>
+            <a:stretch>
+              <a:fillRect/>
+            </a:stretch>
+          </p:blipFill>
+          <p:spPr>
+            <a:xfrm>
+              <a:off x="5861190" y="5106931"/>
+              <a:ext cx="538210" cy="509181"/>
+            </a:xfrm>
+            <a:prstGeom prst="rect">
+              <a:avLst/>
+            </a:prstGeom>
+          </p:spPr>
+        </p:pic>
+        <p:pic>
+          <p:nvPicPr>
+            <p:cNvPr id="33" name="Image 32"/>
+            <p:cNvPicPr>
+              <a:picLocks noChangeAspect="1"/>
+            </p:cNvPicPr>
+            <p:nvPr/>
+          </p:nvPicPr>
+          <p:blipFill>
+            <a:blip r:embed="rId5" cstate="screen">
+              <a:extLst>
+                <a:ext uri="{28A0092B-C50C-407E-A947-70E740481C1C}">
+                  <a14:useLocalDpi xmlns:a14="http://schemas.microsoft.com/office/drawing/2010/main" val="0"/>
+                </a:ext>
+              </a:extLst>
+            </a:blip>
+            <a:stretch>
+              <a:fillRect/>
+            </a:stretch>
+          </p:blipFill>
+          <p:spPr>
+            <a:xfrm>
+              <a:off x="4922195" y="5061802"/>
+              <a:ext cx="659891" cy="613633"/>
+            </a:xfrm>
+            <a:prstGeom prst="rect">
+              <a:avLst/>
+            </a:prstGeom>
+          </p:spPr>
+        </p:pic>
+      </p:grpSp>
+    </p:spTree>
+    <p:extLst>
+      <p:ext uri="{BB962C8B-B14F-4D97-AF65-F5344CB8AC3E}">
+        <p14:creationId xmlns:p14="http://schemas.microsoft.com/office/powerpoint/2010/main" val="694437463"/>
       </p:ext>
     </p:extLst>
   </p:cSld>
@@ -13904,7 +16868,7 @@
 </file>
 
 <file path=ppt/slides/slide5.xml><?xml version="1.0" encoding="utf-8"?>
-<p:sld xmlns:a="http://schemas.openxmlformats.org/drawingml/2006/main" xmlns:r="http://schemas.openxmlformats.org/officeDocument/2006/relationships" xmlns:p="http://schemas.openxmlformats.org/presentationml/2006/main">
+<p:sld xmlns:a="http://schemas.openxmlformats.org/drawingml/2006/main" xmlns:r="http://schemas.openxmlformats.org/officeDocument/2006/relationships" xmlns:p="http://schemas.openxmlformats.org/presentationml/2006/main" show="0">
   <p:cSld>
     <p:spTree>
       <p:nvGrpSpPr>
@@ -14337,13 +17301,13 @@
   <p:clrMapOvr>
     <a:masterClrMapping/>
   </p:clrMapOvr>
-  <mc:AlternateContent xmlns:mc="http://schemas.openxmlformats.org/markup-compatibility/2006" xmlns:p14="http://schemas.microsoft.com/office/powerpoint/2010/main">
-    <mc:Choice Requires="p14">
+  <mc:AlternateContent xmlns:mc="http://schemas.openxmlformats.org/markup-compatibility/2006">
+    <mc:Choice xmlns:p14="http://schemas.microsoft.com/office/powerpoint/2010/main" Requires="p14">
       <p:transition spd="med" p14:dur="700">
         <p:fade/>
       </p:transition>
     </mc:Choice>
-    <mc:Fallback xmlns="">
+    <mc:Fallback>
       <p:transition spd="med">
         <p:fade/>
       </p:transition>

--- a/Rendu/Diapo_soutenance.pptx
+++ b/Rendu/Diapo_soutenance.pptx
@@ -834,6 +834,69 @@
           <a:bodyPr/>
           <a:lstStyle/>
           <a:p>
+            <a:r>
+              <a:rPr lang="fr-FR" dirty="0" smtClean="0"/>
+              <a:t>Corentin : communication avec la </a:t>
+            </a:r>
+            <a:r>
+              <a:rPr lang="fr-FR" dirty="0" err="1" smtClean="0"/>
+              <a:t>Kira</a:t>
+            </a:r>
+            <a:r>
+              <a:rPr lang="fr-FR" dirty="0" smtClean="0"/>
+              <a:t> et la </a:t>
+            </a:r>
+            <a:r>
+              <a:rPr lang="fr-FR" dirty="0" err="1" smtClean="0"/>
+              <a:t>Fibaro</a:t>
+            </a:r>
+            <a:endParaRPr lang="fr-FR" dirty="0" smtClean="0"/>
+          </a:p>
+          <a:p>
+            <a:endParaRPr lang="fr-FR" dirty="0" smtClean="0"/>
+          </a:p>
+          <a:p>
+            <a:endParaRPr lang="fr-FR" dirty="0" smtClean="0"/>
+          </a:p>
+          <a:p>
+            <a:r>
+              <a:rPr lang="fr-FR" dirty="0" smtClean="0"/>
+              <a:t>Iman et </a:t>
+            </a:r>
+            <a:r>
+              <a:rPr lang="fr-FR" dirty="0" err="1" smtClean="0"/>
+              <a:t>Enora</a:t>
+            </a:r>
+            <a:r>
+              <a:rPr lang="fr-FR" dirty="0" smtClean="0"/>
+              <a:t> : modification de l’interface graphique</a:t>
+            </a:r>
+          </a:p>
+          <a:p>
+            <a:endParaRPr lang="fr-FR" dirty="0" smtClean="0"/>
+          </a:p>
+          <a:p>
+            <a:endParaRPr lang="fr-FR" dirty="0" smtClean="0"/>
+          </a:p>
+          <a:p>
+            <a:r>
+              <a:rPr lang="fr-FR" dirty="0" smtClean="0"/>
+              <a:t>Meven : refonte du modèle en C++</a:t>
+            </a:r>
+          </a:p>
+          <a:p>
+            <a:endParaRPr lang="fr-FR" dirty="0" smtClean="0"/>
+          </a:p>
+          <a:p>
+            <a:endParaRPr lang="fr-FR" dirty="0" smtClean="0"/>
+          </a:p>
+          <a:p>
+            <a:r>
+              <a:rPr lang="fr-FR" dirty="0" smtClean="0"/>
+              <a:t>Diane : communication en Bluetooth avec le fauteuil</a:t>
+            </a:r>
+          </a:p>
+          <a:p>
             <a:endParaRPr lang="fr-FR" dirty="0"/>
           </a:p>
         </p:txBody>
@@ -856,7 +919,7 @@
             <a:fld id="{39168679-7C28-4FFB-8A08-9AACB039AAD4}" type="slidenum">
               <a:rPr lang="fr-FR" smtClean="0"/>
               <a:pPr/>
-              <a:t>17</a:t>
+              <a:t>16</a:t>
             </a:fld>
             <a:endParaRPr lang="fr-FR"/>
           </a:p>
@@ -865,7 +928,7 @@
     </p:spTree>
     <p:extLst>
       <p:ext uri="{BB962C8B-B14F-4D97-AF65-F5344CB8AC3E}">
-        <p14:creationId xmlns:p14="http://schemas.microsoft.com/office/powerpoint/2010/main" val="2052621434"/>
+        <p14:creationId xmlns:p14="http://schemas.microsoft.com/office/powerpoint/2010/main" val="1779372493"/>
       </p:ext>
     </p:extLst>
   </p:cSld>
@@ -919,38 +982,6 @@
           <a:bodyPr/>
           <a:lstStyle/>
           <a:p>
-            <a:r>
-              <a:rPr lang="fr-FR" dirty="0" err="1" smtClean="0"/>
-              <a:t>Strengths</a:t>
-            </a:r>
-            <a:r>
-              <a:rPr lang="fr-FR" dirty="0" smtClean="0"/>
-              <a:t>,</a:t>
-            </a:r>
-            <a:r>
-              <a:rPr lang="fr-FR" baseline="0" dirty="0" smtClean="0"/>
-              <a:t> </a:t>
-            </a:r>
-            <a:r>
-              <a:rPr lang="fr-FR" baseline="0" dirty="0" err="1" smtClean="0"/>
-              <a:t>Weaknesses</a:t>
-            </a:r>
-            <a:r>
-              <a:rPr lang="fr-FR" baseline="0" dirty="0" smtClean="0"/>
-              <a:t>, </a:t>
-            </a:r>
-            <a:r>
-              <a:rPr lang="fr-FR" baseline="0" dirty="0" err="1" smtClean="0"/>
-              <a:t>Opportunities</a:t>
-            </a:r>
-            <a:r>
-              <a:rPr lang="fr-FR" baseline="0" dirty="0" smtClean="0"/>
-              <a:t>, </a:t>
-            </a:r>
-            <a:r>
-              <a:rPr lang="fr-FR" baseline="0" dirty="0" err="1" smtClean="0"/>
-              <a:t>Threats</a:t>
-            </a:r>
             <a:endParaRPr lang="fr-FR" dirty="0"/>
           </a:p>
         </p:txBody>
@@ -973,6 +1004,123 @@
             <a:fld id="{39168679-7C28-4FFB-8A08-9AACB039AAD4}" type="slidenum">
               <a:rPr lang="fr-FR" smtClean="0"/>
               <a:pPr/>
+              <a:t>17</a:t>
+            </a:fld>
+            <a:endParaRPr lang="fr-FR"/>
+          </a:p>
+        </p:txBody>
+      </p:sp>
+    </p:spTree>
+    <p:extLst>
+      <p:ext uri="{BB962C8B-B14F-4D97-AF65-F5344CB8AC3E}">
+        <p14:creationId xmlns:p14="http://schemas.microsoft.com/office/powerpoint/2010/main" val="2052621434"/>
+      </p:ext>
+    </p:extLst>
+  </p:cSld>
+  <p:clrMapOvr>
+    <a:masterClrMapping/>
+  </p:clrMapOvr>
+</p:notes>
+</file>
+
+<file path=ppt/notesSlides/notesSlide12.xml><?xml version="1.0" encoding="utf-8"?>
+<p:notes xmlns:a="http://schemas.openxmlformats.org/drawingml/2006/main" xmlns:r="http://schemas.openxmlformats.org/officeDocument/2006/relationships" xmlns:p="http://schemas.openxmlformats.org/presentationml/2006/main">
+  <p:cSld>
+    <p:spTree>
+      <p:nvGrpSpPr>
+        <p:cNvPr id="1" name=""/>
+        <p:cNvGrpSpPr/>
+        <p:nvPr/>
+      </p:nvGrpSpPr>
+      <p:grpSpPr>
+        <a:xfrm>
+          <a:off x="0" y="0"/>
+          <a:ext cx="0" cy="0"/>
+          <a:chOff x="0" y="0"/>
+          <a:chExt cx="0" cy="0"/>
+        </a:xfrm>
+      </p:grpSpPr>
+      <p:sp>
+        <p:nvSpPr>
+          <p:cNvPr id="2" name="Espace réservé de l'image des diapositives 1"/>
+          <p:cNvSpPr>
+            <a:spLocks noGrp="1" noRot="1" noChangeAspect="1"/>
+          </p:cNvSpPr>
+          <p:nvPr>
+            <p:ph type="sldImg"/>
+          </p:nvPr>
+        </p:nvSpPr>
+        <p:spPr/>
+      </p:sp>
+      <p:sp>
+        <p:nvSpPr>
+          <p:cNvPr id="3" name="Espace réservé des commentaires 2"/>
+          <p:cNvSpPr>
+            <a:spLocks noGrp="1"/>
+          </p:cNvSpPr>
+          <p:nvPr>
+            <p:ph type="body" idx="1"/>
+          </p:nvPr>
+        </p:nvSpPr>
+        <p:spPr/>
+        <p:txBody>
+          <a:bodyPr/>
+          <a:lstStyle/>
+          <a:p>
+            <a:r>
+              <a:rPr lang="fr-FR" dirty="0" err="1" smtClean="0"/>
+              <a:t>Strengths</a:t>
+            </a:r>
+            <a:r>
+              <a:rPr lang="fr-FR" dirty="0" smtClean="0"/>
+              <a:t>,</a:t>
+            </a:r>
+            <a:r>
+              <a:rPr lang="fr-FR" baseline="0" dirty="0" smtClean="0"/>
+              <a:t> </a:t>
+            </a:r>
+            <a:r>
+              <a:rPr lang="fr-FR" baseline="0" dirty="0" err="1" smtClean="0"/>
+              <a:t>Weaknesses</a:t>
+            </a:r>
+            <a:r>
+              <a:rPr lang="fr-FR" baseline="0" dirty="0" smtClean="0"/>
+              <a:t>, </a:t>
+            </a:r>
+            <a:r>
+              <a:rPr lang="fr-FR" baseline="0" dirty="0" err="1" smtClean="0"/>
+              <a:t>Opportunities</a:t>
+            </a:r>
+            <a:r>
+              <a:rPr lang="fr-FR" baseline="0" dirty="0" smtClean="0"/>
+              <a:t>, </a:t>
+            </a:r>
+            <a:r>
+              <a:rPr lang="fr-FR" baseline="0" dirty="0" err="1" smtClean="0"/>
+              <a:t>Threats</a:t>
+            </a:r>
+            <a:endParaRPr lang="fr-FR" dirty="0"/>
+          </a:p>
+        </p:txBody>
+      </p:sp>
+      <p:sp>
+        <p:nvSpPr>
+          <p:cNvPr id="4" name="Espace réservé du numéro de diapositive 3"/>
+          <p:cNvSpPr>
+            <a:spLocks noGrp="1"/>
+          </p:cNvSpPr>
+          <p:nvPr>
+            <p:ph type="sldNum" sz="quarter" idx="10"/>
+          </p:nvPr>
+        </p:nvSpPr>
+        <p:spPr/>
+        <p:txBody>
+          <a:bodyPr/>
+          <a:lstStyle/>
+          <a:p>
+            <a:fld id="{39168679-7C28-4FFB-8A08-9AACB039AAD4}" type="slidenum">
+              <a:rPr lang="fr-FR" smtClean="0"/>
+              <a:pPr/>
               <a:t>18</a:t>
             </a:fld>
             <a:endParaRPr lang="fr-FR"/>
@@ -992,7 +1140,7 @@
 </p:notes>
 </file>
 
-<file path=ppt/notesSlides/notesSlide12.xml><?xml version="1.0" encoding="utf-8"?>
+<file path=ppt/notesSlides/notesSlide13.xml><?xml version="1.0" encoding="utf-8"?>
 <p:notes xmlns:a="http://schemas.openxmlformats.org/drawingml/2006/main" xmlns:r="http://schemas.openxmlformats.org/officeDocument/2006/relationships" xmlns:p="http://schemas.openxmlformats.org/presentationml/2006/main">
   <p:cSld>
     <p:spTree>
@@ -1661,7 +1809,10 @@
           <a:bodyPr/>
           <a:lstStyle/>
           <a:p>
-            <a:endParaRPr lang="fr-FR" dirty="0"/>
+            <a:r>
+              <a:rPr lang="fr-FR" dirty="0" smtClean="0"/>
+              <a:t>2 photos, partie utilisateur et partie admin</a:t>
+            </a:r>
           </a:p>
         </p:txBody>
       </p:sp>
@@ -1683,7 +1834,7 @@
             <a:fld id="{39168679-7C28-4FFB-8A08-9AACB039AAD4}" type="slidenum">
               <a:rPr lang="fr-FR" smtClean="0"/>
               <a:pPr/>
-              <a:t>14</a:t>
+              <a:t>13</a:t>
             </a:fld>
             <a:endParaRPr lang="fr-FR"/>
           </a:p>
@@ -1692,7 +1843,7 @@
     </p:spTree>
     <p:extLst>
       <p:ext uri="{BB962C8B-B14F-4D97-AF65-F5344CB8AC3E}">
-        <p14:creationId xmlns:p14="http://schemas.microsoft.com/office/powerpoint/2010/main" val="2603849293"/>
+        <p14:creationId xmlns:p14="http://schemas.microsoft.com/office/powerpoint/2010/main" val="2652176069"/>
       </p:ext>
     </p:extLst>
   </p:cSld>
@@ -1768,7 +1919,7 @@
             <a:fld id="{39168679-7C28-4FFB-8A08-9AACB039AAD4}" type="slidenum">
               <a:rPr lang="fr-FR" smtClean="0"/>
               <a:pPr/>
-              <a:t>15</a:t>
+              <a:t>14</a:t>
             </a:fld>
             <a:endParaRPr lang="fr-FR"/>
           </a:p>
@@ -1777,7 +1928,7 @@
     </p:spTree>
     <p:extLst>
       <p:ext uri="{BB962C8B-B14F-4D97-AF65-F5344CB8AC3E}">
-        <p14:creationId xmlns:p14="http://schemas.microsoft.com/office/powerpoint/2010/main" val="93012229"/>
+        <p14:creationId xmlns:p14="http://schemas.microsoft.com/office/powerpoint/2010/main" val="2603849293"/>
       </p:ext>
     </p:extLst>
   </p:cSld>
@@ -1831,69 +1982,6 @@
           <a:bodyPr/>
           <a:lstStyle/>
           <a:p>
-            <a:r>
-              <a:rPr lang="fr-FR" dirty="0" smtClean="0"/>
-              <a:t>Corentin : communication avec la </a:t>
-            </a:r>
-            <a:r>
-              <a:rPr lang="fr-FR" dirty="0" err="1" smtClean="0"/>
-              <a:t>Kira</a:t>
-            </a:r>
-            <a:r>
-              <a:rPr lang="fr-FR" dirty="0" smtClean="0"/>
-              <a:t> et la </a:t>
-            </a:r>
-            <a:r>
-              <a:rPr lang="fr-FR" dirty="0" err="1" smtClean="0"/>
-              <a:t>Fibaro</a:t>
-            </a:r>
-            <a:endParaRPr lang="fr-FR" dirty="0" smtClean="0"/>
-          </a:p>
-          <a:p>
-            <a:endParaRPr lang="fr-FR" dirty="0" smtClean="0"/>
-          </a:p>
-          <a:p>
-            <a:endParaRPr lang="fr-FR" dirty="0" smtClean="0"/>
-          </a:p>
-          <a:p>
-            <a:r>
-              <a:rPr lang="fr-FR" dirty="0" smtClean="0"/>
-              <a:t>Iman et </a:t>
-            </a:r>
-            <a:r>
-              <a:rPr lang="fr-FR" dirty="0" err="1" smtClean="0"/>
-              <a:t>Enora</a:t>
-            </a:r>
-            <a:r>
-              <a:rPr lang="fr-FR" dirty="0" smtClean="0"/>
-              <a:t> : modification de l’interface graphique</a:t>
-            </a:r>
-          </a:p>
-          <a:p>
-            <a:endParaRPr lang="fr-FR" dirty="0" smtClean="0"/>
-          </a:p>
-          <a:p>
-            <a:endParaRPr lang="fr-FR" dirty="0" smtClean="0"/>
-          </a:p>
-          <a:p>
-            <a:r>
-              <a:rPr lang="fr-FR" dirty="0" smtClean="0"/>
-              <a:t>Meven : refonte du modèle en C++</a:t>
-            </a:r>
-          </a:p>
-          <a:p>
-            <a:endParaRPr lang="fr-FR" dirty="0" smtClean="0"/>
-          </a:p>
-          <a:p>
-            <a:endParaRPr lang="fr-FR" dirty="0" smtClean="0"/>
-          </a:p>
-          <a:p>
-            <a:r>
-              <a:rPr lang="fr-FR" dirty="0" smtClean="0"/>
-              <a:t>Diane : communication en Bluetooth avec le fauteuil</a:t>
-            </a:r>
-          </a:p>
-          <a:p>
             <a:endParaRPr lang="fr-FR" dirty="0"/>
           </a:p>
         </p:txBody>
@@ -1916,7 +2004,7 @@
             <a:fld id="{39168679-7C28-4FFB-8A08-9AACB039AAD4}" type="slidenum">
               <a:rPr lang="fr-FR" smtClean="0"/>
               <a:pPr/>
-              <a:t>16</a:t>
+              <a:t>15</a:t>
             </a:fld>
             <a:endParaRPr lang="fr-FR"/>
           </a:p>
@@ -1925,7 +2013,7 @@
     </p:spTree>
     <p:extLst>
       <p:ext uri="{BB962C8B-B14F-4D97-AF65-F5344CB8AC3E}">
-        <p14:creationId xmlns:p14="http://schemas.microsoft.com/office/powerpoint/2010/main" val="1779372493"/>
+        <p14:creationId xmlns:p14="http://schemas.microsoft.com/office/powerpoint/2010/main" val="93012229"/>
       </p:ext>
     </p:extLst>
   </p:cSld>
@@ -8432,35 +8520,6 @@
       </p:grpSpPr>
       <p:sp>
         <p:nvSpPr>
-          <p:cNvPr id="7" name="ZoneTexte 6"/>
-          <p:cNvSpPr txBox="1"/>
-          <p:nvPr/>
-        </p:nvSpPr>
-        <p:spPr>
-          <a:xfrm>
-            <a:off x="8496300" y="6296025"/>
-            <a:ext cx="495300" cy="369332"/>
-          </a:xfrm>
-          <a:prstGeom prst="rect">
-            <a:avLst/>
-          </a:prstGeom>
-          <a:noFill/>
-        </p:spPr>
-        <p:txBody>
-          <a:bodyPr wrap="square" rtlCol="0">
-            <a:spAutoFit/>
-          </a:bodyPr>
-          <a:lstStyle/>
-          <a:p>
-            <a:r>
-              <a:rPr lang="fr-FR" dirty="0"/>
-              <a:t>7</a:t>
-            </a:r>
-          </a:p>
-        </p:txBody>
-      </p:sp>
-      <p:sp>
-        <p:nvSpPr>
           <p:cNvPr id="29" name="Espace réservé du texte 2"/>
           <p:cNvSpPr>
             <a:spLocks noGrp="1"/>
@@ -8527,18 +8586,407 @@
       </p:sp>
       <p:grpSp>
         <p:nvGrpSpPr>
-          <p:cNvPr id="14" name="Groupe 13"/>
+          <p:cNvPr id="5" name="Groupe 4"/>
           <p:cNvGrpSpPr/>
           <p:nvPr/>
         </p:nvGrpSpPr>
         <p:grpSpPr>
           <a:xfrm>
             <a:off x="139158" y="1104253"/>
-            <a:ext cx="8753543" cy="4484982"/>
+            <a:ext cx="8852442" cy="5561104"/>
             <a:chOff x="139158" y="1104253"/>
-            <a:chExt cx="8753543" cy="4484982"/>
+            <a:chExt cx="8852442" cy="5561104"/>
           </a:xfrm>
         </p:grpSpPr>
+        <p:sp>
+          <p:nvSpPr>
+            <p:cNvPr id="7" name="ZoneTexte 6"/>
+            <p:cNvSpPr txBox="1"/>
+            <p:nvPr/>
+          </p:nvSpPr>
+          <p:spPr>
+            <a:xfrm>
+              <a:off x="8496300" y="6296025"/>
+              <a:ext cx="495300" cy="369332"/>
+            </a:xfrm>
+            <a:prstGeom prst="rect">
+              <a:avLst/>
+            </a:prstGeom>
+            <a:noFill/>
+          </p:spPr>
+          <p:txBody>
+            <a:bodyPr wrap="square" rtlCol="0">
+              <a:spAutoFit/>
+            </a:bodyPr>
+            <a:lstStyle/>
+            <a:p>
+              <a:r>
+                <a:rPr lang="fr-FR" dirty="0"/>
+                <a:t>7</a:t>
+              </a:r>
+            </a:p>
+          </p:txBody>
+        </p:sp>
+        <p:pic>
+          <p:nvPicPr>
+            <p:cNvPr id="3" name="Image 2"/>
+            <p:cNvPicPr>
+              <a:picLocks noChangeAspect="1"/>
+            </p:cNvPicPr>
+            <p:nvPr/>
+          </p:nvPicPr>
+          <p:blipFill>
+            <a:blip r:embed="rId3" cstate="screen">
+              <a:extLst>
+                <a:ext uri="{28A0092B-C50C-407E-A947-70E740481C1C}">
+                  <a14:useLocalDpi xmlns:a14="http://schemas.microsoft.com/office/drawing/2010/main" val="0"/>
+                </a:ext>
+              </a:extLst>
+            </a:blip>
+            <a:stretch>
+              <a:fillRect/>
+            </a:stretch>
+          </p:blipFill>
+          <p:spPr>
+            <a:xfrm>
+              <a:off x="7853061" y="1429364"/>
+              <a:ext cx="679366" cy="510883"/>
+            </a:xfrm>
+            <a:prstGeom prst="rect">
+              <a:avLst/>
+            </a:prstGeom>
+          </p:spPr>
+        </p:pic>
+        <p:pic>
+          <p:nvPicPr>
+            <p:cNvPr id="4" name="Image 3"/>
+            <p:cNvPicPr>
+              <a:picLocks noChangeAspect="1"/>
+            </p:cNvPicPr>
+            <p:nvPr/>
+          </p:nvPicPr>
+          <p:blipFill>
+            <a:blip r:embed="rId4" cstate="screen">
+              <a:extLst>
+                <a:ext uri="{28A0092B-C50C-407E-A947-70E740481C1C}">
+                  <a14:useLocalDpi xmlns:a14="http://schemas.microsoft.com/office/drawing/2010/main" val="0"/>
+                </a:ext>
+              </a:extLst>
+            </a:blip>
+            <a:stretch>
+              <a:fillRect/>
+            </a:stretch>
+          </p:blipFill>
+          <p:spPr>
+            <a:xfrm>
+              <a:off x="5770113" y="4708770"/>
+              <a:ext cx="875600" cy="875600"/>
+            </a:xfrm>
+            <a:prstGeom prst="rect">
+              <a:avLst/>
+            </a:prstGeom>
+          </p:spPr>
+        </p:pic>
+        <p:pic>
+          <p:nvPicPr>
+            <p:cNvPr id="6" name="Image 5"/>
+            <p:cNvPicPr>
+              <a:picLocks noChangeAspect="1"/>
+            </p:cNvPicPr>
+            <p:nvPr/>
+          </p:nvPicPr>
+          <p:blipFill>
+            <a:blip r:embed="rId5" cstate="screen">
+              <a:extLst>
+                <a:ext uri="{28A0092B-C50C-407E-A947-70E740481C1C}">
+                  <a14:useLocalDpi xmlns:a14="http://schemas.microsoft.com/office/drawing/2010/main" val="0"/>
+                </a:ext>
+              </a:extLst>
+            </a:blip>
+            <a:stretch>
+              <a:fillRect/>
+            </a:stretch>
+          </p:blipFill>
+          <p:spPr>
+            <a:xfrm rot="10800000">
+              <a:off x="7007672" y="1477671"/>
+              <a:ext cx="402652" cy="402652"/>
+            </a:xfrm>
+            <a:prstGeom prst="rect">
+              <a:avLst/>
+            </a:prstGeom>
+          </p:spPr>
+        </p:pic>
+        <p:pic>
+          <p:nvPicPr>
+            <p:cNvPr id="8" name="Image 7"/>
+            <p:cNvPicPr>
+              <a:picLocks noChangeAspect="1"/>
+            </p:cNvPicPr>
+            <p:nvPr/>
+          </p:nvPicPr>
+          <p:blipFill>
+            <a:blip r:embed="rId6" cstate="screen">
+              <a:extLst>
+                <a:ext uri="{28A0092B-C50C-407E-A947-70E740481C1C}">
+                  <a14:useLocalDpi xmlns:a14="http://schemas.microsoft.com/office/drawing/2010/main" val="0"/>
+                </a:ext>
+              </a:extLst>
+            </a:blip>
+            <a:stretch>
+              <a:fillRect/>
+            </a:stretch>
+          </p:blipFill>
+          <p:spPr>
+            <a:xfrm>
+              <a:off x="5820537" y="1345601"/>
+              <a:ext cx="794871" cy="678410"/>
+            </a:xfrm>
+            <a:prstGeom prst="rect">
+              <a:avLst/>
+            </a:prstGeom>
+          </p:spPr>
+        </p:pic>
+        <p:pic>
+          <p:nvPicPr>
+            <p:cNvPr id="9" name="Image 8"/>
+            <p:cNvPicPr>
+              <a:picLocks noChangeAspect="1"/>
+            </p:cNvPicPr>
+            <p:nvPr/>
+          </p:nvPicPr>
+          <p:blipFill>
+            <a:blip r:embed="rId7" cstate="screen">
+              <a:extLst>
+                <a:ext uri="{28A0092B-C50C-407E-A947-70E740481C1C}">
+                  <a14:useLocalDpi xmlns:a14="http://schemas.microsoft.com/office/drawing/2010/main" val="0"/>
+                </a:ext>
+              </a:extLst>
+            </a:blip>
+            <a:stretch>
+              <a:fillRect/>
+            </a:stretch>
+          </p:blipFill>
+          <p:spPr>
+            <a:xfrm>
+              <a:off x="5770113" y="2955379"/>
+              <a:ext cx="884715" cy="782731"/>
+            </a:xfrm>
+            <a:prstGeom prst="rect">
+              <a:avLst/>
+            </a:prstGeom>
+          </p:spPr>
+        </p:pic>
+        <p:pic>
+          <p:nvPicPr>
+            <p:cNvPr id="10" name="Image 9"/>
+            <p:cNvPicPr>
+              <a:picLocks noChangeAspect="1"/>
+            </p:cNvPicPr>
+            <p:nvPr/>
+          </p:nvPicPr>
+          <p:blipFill>
+            <a:blip r:embed="rId8">
+              <a:extLst>
+                <a:ext uri="{28A0092B-C50C-407E-A947-70E740481C1C}">
+                  <a14:useLocalDpi xmlns:a14="http://schemas.microsoft.com/office/drawing/2010/main" val="0"/>
+                </a:ext>
+              </a:extLst>
+            </a:blip>
+            <a:stretch>
+              <a:fillRect/>
+            </a:stretch>
+          </p:blipFill>
+          <p:spPr>
+            <a:xfrm>
+              <a:off x="3384061" y="1667920"/>
+              <a:ext cx="1418468" cy="1268691"/>
+            </a:xfrm>
+            <a:prstGeom prst="rect">
+              <a:avLst/>
+            </a:prstGeom>
+          </p:spPr>
+        </p:pic>
+        <p:pic>
+          <p:nvPicPr>
+            <p:cNvPr id="11" name="Image 10"/>
+            <p:cNvPicPr>
+              <a:picLocks noChangeAspect="1"/>
+            </p:cNvPicPr>
+            <p:nvPr/>
+          </p:nvPicPr>
+          <p:blipFill>
+            <a:blip r:embed="rId9" cstate="screen">
+              <a:extLst>
+                <a:ext uri="{28A0092B-C50C-407E-A947-70E740481C1C}">
+                  <a14:useLocalDpi xmlns:a14="http://schemas.microsoft.com/office/drawing/2010/main" val="0"/>
+                </a:ext>
+              </a:extLst>
+            </a:blip>
+            <a:stretch>
+              <a:fillRect/>
+            </a:stretch>
+          </p:blipFill>
+          <p:spPr>
+            <a:xfrm>
+              <a:off x="244061" y="2851916"/>
+              <a:ext cx="1131791" cy="1257135"/>
+            </a:xfrm>
+            <a:prstGeom prst="rect">
+              <a:avLst/>
+            </a:prstGeom>
+          </p:spPr>
+        </p:pic>
+        <p:pic>
+          <p:nvPicPr>
+            <p:cNvPr id="12" name="Image 11"/>
+            <p:cNvPicPr>
+              <a:picLocks noChangeAspect="1"/>
+            </p:cNvPicPr>
+            <p:nvPr/>
+          </p:nvPicPr>
+          <p:blipFill>
+            <a:blip r:embed="rId10" cstate="screen">
+              <a:extLst>
+                <a:ext uri="{28A0092B-C50C-407E-A947-70E740481C1C}">
+                  <a14:useLocalDpi xmlns:a14="http://schemas.microsoft.com/office/drawing/2010/main" val="0"/>
+                </a:ext>
+              </a:extLst>
+            </a:blip>
+            <a:stretch>
+              <a:fillRect/>
+            </a:stretch>
+          </p:blipFill>
+          <p:spPr>
+            <a:xfrm>
+              <a:off x="5924313" y="2249583"/>
+              <a:ext cx="609960" cy="609960"/>
+            </a:xfrm>
+            <a:prstGeom prst="rect">
+              <a:avLst/>
+            </a:prstGeom>
+          </p:spPr>
+        </p:pic>
+        <p:pic>
+          <p:nvPicPr>
+            <p:cNvPr id="13" name="Image 12"/>
+            <p:cNvPicPr>
+              <a:picLocks noChangeAspect="1"/>
+            </p:cNvPicPr>
+            <p:nvPr/>
+          </p:nvPicPr>
+          <p:blipFill>
+            <a:blip r:embed="rId11" cstate="screen">
+              <a:extLst>
+                <a:ext uri="{28A0092B-C50C-407E-A947-70E740481C1C}">
+                  <a14:useLocalDpi xmlns:a14="http://schemas.microsoft.com/office/drawing/2010/main" val="0"/>
+                </a:ext>
+              </a:extLst>
+            </a:blip>
+            <a:stretch>
+              <a:fillRect/>
+            </a:stretch>
+          </p:blipFill>
+          <p:spPr>
+            <a:xfrm>
+              <a:off x="6885659" y="4913125"/>
+              <a:ext cx="646679" cy="409867"/>
+            </a:xfrm>
+            <a:prstGeom prst="rect">
+              <a:avLst/>
+            </a:prstGeom>
+          </p:spPr>
+        </p:pic>
+        <p:pic>
+          <p:nvPicPr>
+            <p:cNvPr id="15" name="Image 14"/>
+            <p:cNvPicPr>
+              <a:picLocks noChangeAspect="1"/>
+            </p:cNvPicPr>
+            <p:nvPr/>
+          </p:nvPicPr>
+          <p:blipFill>
+            <a:blip r:embed="rId10" cstate="screen">
+              <a:extLst>
+                <a:ext uri="{28A0092B-C50C-407E-A947-70E740481C1C}">
+                  <a14:useLocalDpi xmlns:a14="http://schemas.microsoft.com/office/drawing/2010/main" val="0"/>
+                </a:ext>
+              </a:extLst>
+            </a:blip>
+            <a:stretch>
+              <a:fillRect/>
+            </a:stretch>
+          </p:blipFill>
+          <p:spPr>
+            <a:xfrm rot="10800000">
+              <a:off x="5924312" y="4037833"/>
+              <a:ext cx="609960" cy="609960"/>
+            </a:xfrm>
+            <a:prstGeom prst="rect">
+              <a:avLst/>
+            </a:prstGeom>
+          </p:spPr>
+        </p:pic>
+        <p:pic>
+          <p:nvPicPr>
+            <p:cNvPr id="18" name="Image 17"/>
+            <p:cNvPicPr>
+              <a:picLocks noChangeAspect="1"/>
+            </p:cNvPicPr>
+            <p:nvPr/>
+          </p:nvPicPr>
+          <p:blipFill>
+            <a:blip r:embed="rId12" cstate="screen">
+              <a:extLst>
+                <a:ext uri="{28A0092B-C50C-407E-A947-70E740481C1C}">
+                  <a14:useLocalDpi xmlns:a14="http://schemas.microsoft.com/office/drawing/2010/main" val="0"/>
+                </a:ext>
+              </a:extLst>
+            </a:blip>
+            <a:stretch>
+              <a:fillRect/>
+            </a:stretch>
+          </p:blipFill>
+          <p:spPr>
+            <a:xfrm>
+              <a:off x="1733496" y="3558144"/>
+              <a:ext cx="920615" cy="226061"/>
+            </a:xfrm>
+            <a:prstGeom prst="rect">
+              <a:avLst/>
+            </a:prstGeom>
+          </p:spPr>
+        </p:pic>
+        <p:pic>
+          <p:nvPicPr>
+            <p:cNvPr id="19" name="Image 18"/>
+            <p:cNvPicPr>
+              <a:picLocks noChangeAspect="1"/>
+            </p:cNvPicPr>
+            <p:nvPr/>
+          </p:nvPicPr>
+          <p:blipFill>
+            <a:blip r:embed="rId13" cstate="screen">
+              <a:extLst>
+                <a:ext uri="{28A0092B-C50C-407E-A947-70E740481C1C}">
+                  <a14:useLocalDpi xmlns:a14="http://schemas.microsoft.com/office/drawing/2010/main" val="0"/>
+                </a:ext>
+              </a:extLst>
+            </a:blip>
+            <a:stretch>
+              <a:fillRect/>
+            </a:stretch>
+          </p:blipFill>
+          <p:spPr>
+            <a:xfrm>
+              <a:off x="7906150" y="4823774"/>
+              <a:ext cx="613499" cy="613499"/>
+            </a:xfrm>
+            <a:prstGeom prst="rect">
+              <a:avLst/>
+            </a:prstGeom>
+          </p:spPr>
+        </p:pic>
         <p:sp>
           <p:nvSpPr>
             <p:cNvPr id="20" name="Rectangle 19"/>
@@ -8627,957 +9075,582 @@
             </a:p>
           </p:txBody>
         </p:sp>
-        <p:grpSp>
-          <p:nvGrpSpPr>
-            <p:cNvPr id="5" name="Groupe 4"/>
-            <p:cNvGrpSpPr/>
+        <p:sp>
+          <p:nvSpPr>
+            <p:cNvPr id="23" name="Rectangle 22"/>
+            <p:cNvSpPr/>
             <p:nvPr/>
-          </p:nvGrpSpPr>
-          <p:grpSpPr>
+          </p:nvSpPr>
+          <p:spPr>
             <a:xfrm>
-              <a:off x="242676" y="1250931"/>
-              <a:ext cx="8650025" cy="4238769"/>
-              <a:chOff x="244061" y="1345601"/>
-              <a:chExt cx="8650025" cy="4238769"/>
+              <a:off x="2969843" y="3107703"/>
+              <a:ext cx="967141" cy="752807"/>
             </a:xfrm>
-          </p:grpSpPr>
-          <p:pic>
-            <p:nvPicPr>
-              <p:cNvPr id="3" name="Image 2"/>
-              <p:cNvPicPr>
-                <a:picLocks noChangeAspect="1"/>
-              </p:cNvPicPr>
-              <p:nvPr/>
-            </p:nvPicPr>
-            <p:blipFill>
-              <a:blip r:embed="rId3" cstate="screen">
-                <a:extLst>
-                  <a:ext uri="{28A0092B-C50C-407E-A947-70E740481C1C}">
-                    <a14:useLocalDpi xmlns:a14="http://schemas.microsoft.com/office/drawing/2010/main" val="0"/>
-                  </a:ext>
-                </a:extLst>
-              </a:blip>
-              <a:stretch>
-                <a:fillRect/>
-              </a:stretch>
-            </p:blipFill>
-            <p:spPr>
-              <a:xfrm>
-                <a:off x="7853061" y="1429364"/>
-                <a:ext cx="679366" cy="510883"/>
-              </a:xfrm>
-              <a:prstGeom prst="rect">
-                <a:avLst/>
-              </a:prstGeom>
-            </p:spPr>
-          </p:pic>
-          <p:pic>
-            <p:nvPicPr>
-              <p:cNvPr id="4" name="Image 3"/>
-              <p:cNvPicPr>
-                <a:picLocks noChangeAspect="1"/>
-              </p:cNvPicPr>
-              <p:nvPr/>
-            </p:nvPicPr>
-            <p:blipFill>
-              <a:blip r:embed="rId4" cstate="screen">
-                <a:extLst>
-                  <a:ext uri="{28A0092B-C50C-407E-A947-70E740481C1C}">
-                    <a14:useLocalDpi xmlns:a14="http://schemas.microsoft.com/office/drawing/2010/main" val="0"/>
-                  </a:ext>
-                </a:extLst>
-              </a:blip>
-              <a:stretch>
-                <a:fillRect/>
-              </a:stretch>
-            </p:blipFill>
-            <p:spPr>
-              <a:xfrm>
-                <a:off x="5770113" y="4708770"/>
-                <a:ext cx="875600" cy="875600"/>
-              </a:xfrm>
-              <a:prstGeom prst="rect">
-                <a:avLst/>
-              </a:prstGeom>
-            </p:spPr>
-          </p:pic>
-          <p:pic>
-            <p:nvPicPr>
-              <p:cNvPr id="6" name="Image 5"/>
-              <p:cNvPicPr>
-                <a:picLocks noChangeAspect="1"/>
-              </p:cNvPicPr>
-              <p:nvPr/>
-            </p:nvPicPr>
-            <p:blipFill>
-              <a:blip r:embed="rId5" cstate="screen">
-                <a:extLst>
-                  <a:ext uri="{28A0092B-C50C-407E-A947-70E740481C1C}">
-                    <a14:useLocalDpi xmlns:a14="http://schemas.microsoft.com/office/drawing/2010/main" val="0"/>
-                  </a:ext>
-                </a:extLst>
-              </a:blip>
-              <a:stretch>
-                <a:fillRect/>
-              </a:stretch>
-            </p:blipFill>
-            <p:spPr>
-              <a:xfrm rot="10800000">
-                <a:off x="7007672" y="1477671"/>
-                <a:ext cx="402652" cy="402652"/>
-              </a:xfrm>
-              <a:prstGeom prst="rect">
-                <a:avLst/>
-              </a:prstGeom>
-            </p:spPr>
-          </p:pic>
-          <p:pic>
-            <p:nvPicPr>
-              <p:cNvPr id="8" name="Image 7"/>
-              <p:cNvPicPr>
-                <a:picLocks noChangeAspect="1"/>
-              </p:cNvPicPr>
-              <p:nvPr/>
-            </p:nvPicPr>
-            <p:blipFill>
-              <a:blip r:embed="rId6" cstate="screen">
-                <a:extLst>
-                  <a:ext uri="{28A0092B-C50C-407E-A947-70E740481C1C}">
-                    <a14:useLocalDpi xmlns:a14="http://schemas.microsoft.com/office/drawing/2010/main" val="0"/>
-                  </a:ext>
-                </a:extLst>
-              </a:blip>
-              <a:stretch>
-                <a:fillRect/>
-              </a:stretch>
-            </p:blipFill>
-            <p:spPr>
-              <a:xfrm>
-                <a:off x="5820537" y="1345601"/>
-                <a:ext cx="794871" cy="678410"/>
-              </a:xfrm>
-              <a:prstGeom prst="rect">
-                <a:avLst/>
-              </a:prstGeom>
-            </p:spPr>
-          </p:pic>
-          <p:pic>
-            <p:nvPicPr>
-              <p:cNvPr id="9" name="Image 8"/>
-              <p:cNvPicPr>
-                <a:picLocks noChangeAspect="1"/>
-              </p:cNvPicPr>
-              <p:nvPr/>
-            </p:nvPicPr>
-            <p:blipFill>
-              <a:blip r:embed="rId7" cstate="screen">
-                <a:extLst>
-                  <a:ext uri="{28A0092B-C50C-407E-A947-70E740481C1C}">
-                    <a14:useLocalDpi xmlns:a14="http://schemas.microsoft.com/office/drawing/2010/main" val="0"/>
-                  </a:ext>
-                </a:extLst>
-              </a:blip>
-              <a:stretch>
-                <a:fillRect/>
-              </a:stretch>
-            </p:blipFill>
-            <p:spPr>
-              <a:xfrm>
-                <a:off x="5770113" y="2955379"/>
-                <a:ext cx="884715" cy="782731"/>
-              </a:xfrm>
-              <a:prstGeom prst="rect">
-                <a:avLst/>
-              </a:prstGeom>
-            </p:spPr>
-          </p:pic>
-          <p:pic>
-            <p:nvPicPr>
-              <p:cNvPr id="10" name="Image 9"/>
-              <p:cNvPicPr>
-                <a:picLocks noChangeAspect="1"/>
-              </p:cNvPicPr>
-              <p:nvPr/>
-            </p:nvPicPr>
-            <p:blipFill>
-              <a:blip r:embed="rId8">
-                <a:extLst>
-                  <a:ext uri="{28A0092B-C50C-407E-A947-70E740481C1C}">
-                    <a14:useLocalDpi xmlns:a14="http://schemas.microsoft.com/office/drawing/2010/main" val="0"/>
-                  </a:ext>
-                </a:extLst>
-              </a:blip>
-              <a:stretch>
-                <a:fillRect/>
-              </a:stretch>
-            </p:blipFill>
-            <p:spPr>
-              <a:xfrm>
-                <a:off x="3384061" y="1667920"/>
-                <a:ext cx="1418468" cy="1268691"/>
-              </a:xfrm>
-              <a:prstGeom prst="rect">
-                <a:avLst/>
-              </a:prstGeom>
-            </p:spPr>
-          </p:pic>
-          <p:pic>
-            <p:nvPicPr>
-              <p:cNvPr id="11" name="Image 10"/>
-              <p:cNvPicPr>
-                <a:picLocks noChangeAspect="1"/>
-              </p:cNvPicPr>
-              <p:nvPr/>
-            </p:nvPicPr>
-            <p:blipFill>
-              <a:blip r:embed="rId9" cstate="screen">
-                <a:extLst>
-                  <a:ext uri="{28A0092B-C50C-407E-A947-70E740481C1C}">
-                    <a14:useLocalDpi xmlns:a14="http://schemas.microsoft.com/office/drawing/2010/main" val="0"/>
-                  </a:ext>
-                </a:extLst>
-              </a:blip>
-              <a:stretch>
-                <a:fillRect/>
-              </a:stretch>
-            </p:blipFill>
-            <p:spPr>
-              <a:xfrm>
-                <a:off x="244061" y="2851916"/>
-                <a:ext cx="1131791" cy="1257135"/>
-              </a:xfrm>
-              <a:prstGeom prst="rect">
-                <a:avLst/>
-              </a:prstGeom>
-            </p:spPr>
-          </p:pic>
-          <p:pic>
-            <p:nvPicPr>
-              <p:cNvPr id="12" name="Image 11"/>
-              <p:cNvPicPr>
-                <a:picLocks noChangeAspect="1"/>
-              </p:cNvPicPr>
-              <p:nvPr/>
-            </p:nvPicPr>
-            <p:blipFill>
-              <a:blip r:embed="rId10" cstate="screen">
-                <a:extLst>
-                  <a:ext uri="{28A0092B-C50C-407E-A947-70E740481C1C}">
-                    <a14:useLocalDpi xmlns:a14="http://schemas.microsoft.com/office/drawing/2010/main" val="0"/>
-                  </a:ext>
-                </a:extLst>
-              </a:blip>
-              <a:stretch>
-                <a:fillRect/>
-              </a:stretch>
-            </p:blipFill>
-            <p:spPr>
-              <a:xfrm>
-                <a:off x="5924313" y="2249583"/>
-                <a:ext cx="609960" cy="609960"/>
-              </a:xfrm>
-              <a:prstGeom prst="rect">
-                <a:avLst/>
-              </a:prstGeom>
-            </p:spPr>
-          </p:pic>
-          <p:pic>
-            <p:nvPicPr>
-              <p:cNvPr id="13" name="Image 12"/>
-              <p:cNvPicPr>
-                <a:picLocks noChangeAspect="1"/>
-              </p:cNvPicPr>
-              <p:nvPr/>
-            </p:nvPicPr>
-            <p:blipFill>
-              <a:blip r:embed="rId11" cstate="screen">
-                <a:extLst>
-                  <a:ext uri="{28A0092B-C50C-407E-A947-70E740481C1C}">
-                    <a14:useLocalDpi xmlns:a14="http://schemas.microsoft.com/office/drawing/2010/main" val="0"/>
-                  </a:ext>
-                </a:extLst>
-              </a:blip>
-              <a:stretch>
-                <a:fillRect/>
-              </a:stretch>
-            </p:blipFill>
-            <p:spPr>
-              <a:xfrm>
-                <a:off x="6885659" y="4913125"/>
-                <a:ext cx="646679" cy="409867"/>
-              </a:xfrm>
-              <a:prstGeom prst="rect">
-                <a:avLst/>
-              </a:prstGeom>
-            </p:spPr>
-          </p:pic>
-          <p:pic>
-            <p:nvPicPr>
-              <p:cNvPr id="15" name="Image 14"/>
-              <p:cNvPicPr>
-                <a:picLocks noChangeAspect="1"/>
-              </p:cNvPicPr>
-              <p:nvPr/>
-            </p:nvPicPr>
-            <p:blipFill>
-              <a:blip r:embed="rId10" cstate="screen">
-                <a:extLst>
-                  <a:ext uri="{28A0092B-C50C-407E-A947-70E740481C1C}">
-                    <a14:useLocalDpi xmlns:a14="http://schemas.microsoft.com/office/drawing/2010/main" val="0"/>
-                  </a:ext>
-                </a:extLst>
-              </a:blip>
-              <a:stretch>
-                <a:fillRect/>
-              </a:stretch>
-            </p:blipFill>
-            <p:spPr>
-              <a:xfrm rot="10800000">
-                <a:off x="5924312" y="4037833"/>
-                <a:ext cx="609960" cy="609960"/>
-              </a:xfrm>
-              <a:prstGeom prst="rect">
-                <a:avLst/>
-              </a:prstGeom>
-            </p:spPr>
-          </p:pic>
-          <p:pic>
-            <p:nvPicPr>
-              <p:cNvPr id="18" name="Image 17"/>
-              <p:cNvPicPr>
-                <a:picLocks noChangeAspect="1"/>
-              </p:cNvPicPr>
-              <p:nvPr/>
-            </p:nvPicPr>
-            <p:blipFill>
-              <a:blip r:embed="rId12" cstate="screen">
-                <a:extLst>
-                  <a:ext uri="{28A0092B-C50C-407E-A947-70E740481C1C}">
-                    <a14:useLocalDpi xmlns:a14="http://schemas.microsoft.com/office/drawing/2010/main" val="0"/>
-                  </a:ext>
-                </a:extLst>
-              </a:blip>
-              <a:stretch>
-                <a:fillRect/>
-              </a:stretch>
-            </p:blipFill>
-            <p:spPr>
-              <a:xfrm>
-                <a:off x="1733496" y="3558144"/>
-                <a:ext cx="920615" cy="226061"/>
-              </a:xfrm>
-              <a:prstGeom prst="rect">
-                <a:avLst/>
-              </a:prstGeom>
-            </p:spPr>
-          </p:pic>
-          <p:pic>
-            <p:nvPicPr>
-              <p:cNvPr id="19" name="Image 18"/>
-              <p:cNvPicPr>
-                <a:picLocks noChangeAspect="1"/>
-              </p:cNvPicPr>
-              <p:nvPr/>
-            </p:nvPicPr>
-            <p:blipFill>
-              <a:blip r:embed="rId13" cstate="screen">
-                <a:extLst>
-                  <a:ext uri="{28A0092B-C50C-407E-A947-70E740481C1C}">
-                    <a14:useLocalDpi xmlns:a14="http://schemas.microsoft.com/office/drawing/2010/main" val="0"/>
-                  </a:ext>
-                </a:extLst>
-              </a:blip>
-              <a:stretch>
-                <a:fillRect/>
-              </a:stretch>
-            </p:blipFill>
-            <p:spPr>
-              <a:xfrm>
-                <a:off x="7906150" y="4823774"/>
-                <a:ext cx="613499" cy="613499"/>
-              </a:xfrm>
-              <a:prstGeom prst="rect">
-                <a:avLst/>
-              </a:prstGeom>
-            </p:spPr>
-          </p:pic>
-          <p:sp>
-            <p:nvSpPr>
-              <p:cNvPr id="23" name="Rectangle 22"/>
-              <p:cNvSpPr/>
-              <p:nvPr/>
-            </p:nvSpPr>
-            <p:spPr>
-              <a:xfrm>
-                <a:off x="2969843" y="3107703"/>
-                <a:ext cx="967141" cy="752807"/>
-              </a:xfrm>
-              <a:prstGeom prst="rect">
-                <a:avLst/>
-              </a:prstGeom>
-              <a:noFill/>
-              <a:ln w="28575">
-                <a:solidFill>
-                  <a:schemeClr val="tx2">
-                    <a:lumMod val="75000"/>
-                  </a:schemeClr>
-                </a:solidFill>
-              </a:ln>
-            </p:spPr>
-            <p:style>
-              <a:lnRef idx="1">
-                <a:schemeClr val="accent1"/>
-              </a:lnRef>
-              <a:fillRef idx="3">
-                <a:schemeClr val="accent1"/>
-              </a:fillRef>
-              <a:effectRef idx="2">
-                <a:schemeClr val="accent1"/>
-              </a:effectRef>
-              <a:fontRef idx="minor">
-                <a:schemeClr val="lt1"/>
-              </a:fontRef>
-            </p:style>
-            <p:txBody>
-              <a:bodyPr rtlCol="0" anchor="ctr"/>
-              <a:lstStyle/>
-              <a:p>
-                <a:pPr algn="ctr"/>
-                <a:endParaRPr lang="fr-FR"/>
-              </a:p>
-            </p:txBody>
-          </p:sp>
-          <p:sp>
-            <p:nvSpPr>
-              <p:cNvPr id="24" name="Rectangle 23"/>
-              <p:cNvSpPr/>
-              <p:nvPr/>
-            </p:nvSpPr>
-            <p:spPr>
-              <a:xfrm>
-                <a:off x="4197469" y="3112697"/>
-                <a:ext cx="967141" cy="752807"/>
-              </a:xfrm>
-              <a:prstGeom prst="rect">
-                <a:avLst/>
-              </a:prstGeom>
-              <a:noFill/>
-              <a:ln w="28575">
-                <a:solidFill>
-                  <a:schemeClr val="accent1">
-                    <a:lumMod val="60000"/>
-                    <a:lumOff val="40000"/>
-                  </a:schemeClr>
-                </a:solidFill>
-              </a:ln>
-            </p:spPr>
-            <p:style>
-              <a:lnRef idx="1">
-                <a:schemeClr val="accent1"/>
-              </a:lnRef>
-              <a:fillRef idx="3">
-                <a:schemeClr val="accent1"/>
-              </a:fillRef>
-              <a:effectRef idx="2">
-                <a:schemeClr val="accent1"/>
-              </a:effectRef>
-              <a:fontRef idx="minor">
-                <a:schemeClr val="lt1"/>
-              </a:fontRef>
-            </p:style>
-            <p:txBody>
-              <a:bodyPr rtlCol="0" anchor="ctr"/>
-              <a:lstStyle/>
-              <a:p>
-                <a:pPr algn="ctr"/>
-                <a:endParaRPr lang="fr-FR"/>
-              </a:p>
-            </p:txBody>
-          </p:sp>
-          <p:sp>
-            <p:nvSpPr>
-              <p:cNvPr id="25" name="ZoneTexte 24"/>
-              <p:cNvSpPr txBox="1"/>
-              <p:nvPr/>
-            </p:nvSpPr>
-            <p:spPr>
-              <a:xfrm>
-                <a:off x="3105628" y="3290277"/>
-                <a:ext cx="695569" cy="369332"/>
-              </a:xfrm>
-              <a:prstGeom prst="rect">
-                <a:avLst/>
-              </a:prstGeom>
-              <a:noFill/>
-            </p:spPr>
-            <p:txBody>
-              <a:bodyPr wrap="square" rtlCol="0">
-                <a:spAutoFit/>
-              </a:bodyPr>
-              <a:lstStyle/>
-              <a:p>
-                <a:pPr algn="ctr"/>
-                <a:r>
-                  <a:rPr lang="fr-FR" dirty="0" smtClean="0">
-                    <a:effectLst>
-                      <a:outerShdw blurRad="50800" dist="38100" dir="2700000" algn="tl" rotWithShape="0">
-                        <a:prstClr val="black">
-                          <a:alpha val="40000"/>
-                        </a:prstClr>
-                      </a:outerShdw>
-                    </a:effectLst>
-                  </a:rPr>
-                  <a:t>IHM</a:t>
-                </a:r>
-              </a:p>
-            </p:txBody>
-          </p:sp>
-          <p:sp>
-            <p:nvSpPr>
-              <p:cNvPr id="26" name="ZoneTexte 25"/>
-              <p:cNvSpPr txBox="1"/>
-              <p:nvPr/>
-            </p:nvSpPr>
-            <p:spPr>
-              <a:xfrm>
-                <a:off x="4213274" y="3163764"/>
-                <a:ext cx="935529" cy="646331"/>
-              </a:xfrm>
-              <a:prstGeom prst="rect">
-                <a:avLst/>
-              </a:prstGeom>
-              <a:noFill/>
-            </p:spPr>
-            <p:txBody>
-              <a:bodyPr wrap="square" rtlCol="0">
-                <a:spAutoFit/>
-              </a:bodyPr>
-              <a:lstStyle/>
-              <a:p>
-                <a:pPr algn="ctr"/>
-                <a:r>
-                  <a:rPr lang="fr-FR" dirty="0" smtClean="0">
-                    <a:effectLst>
-                      <a:outerShdw blurRad="50800" dist="38100" dir="2700000" algn="tl" rotWithShape="0">
-                        <a:prstClr val="black">
-                          <a:alpha val="40000"/>
-                        </a:prstClr>
-                      </a:outerShdw>
-                    </a:effectLst>
-                  </a:rPr>
-                  <a:t>Modèle</a:t>
-                </a:r>
-              </a:p>
-              <a:p>
-                <a:pPr algn="ctr"/>
-                <a:r>
-                  <a:rPr lang="fr-FR" dirty="0" smtClean="0">
-                    <a:effectLst>
-                      <a:outerShdw blurRad="50800" dist="38100" dir="2700000" algn="tl" rotWithShape="0">
-                        <a:prstClr val="black">
-                          <a:alpha val="40000"/>
-                        </a:prstClr>
-                      </a:outerShdw>
-                    </a:effectLst>
-                  </a:rPr>
-                  <a:t>DLL</a:t>
-                </a:r>
-              </a:p>
-            </p:txBody>
-          </p:sp>
-          <p:sp>
-            <p:nvSpPr>
-              <p:cNvPr id="27" name="ZoneTexte 26"/>
-              <p:cNvSpPr txBox="1"/>
-              <p:nvPr/>
-            </p:nvSpPr>
-            <p:spPr>
-              <a:xfrm>
-                <a:off x="945744" y="2523558"/>
-                <a:ext cx="1881906" cy="646331"/>
-              </a:xfrm>
-              <a:prstGeom prst="rect">
-                <a:avLst/>
-              </a:prstGeom>
-              <a:noFill/>
-            </p:spPr>
-            <p:txBody>
-              <a:bodyPr wrap="square" rtlCol="0">
-                <a:spAutoFit/>
-              </a:bodyPr>
-              <a:lstStyle/>
-              <a:p>
-                <a:pPr algn="ctr"/>
-                <a:r>
-                  <a:rPr lang="fr-FR" dirty="0" smtClean="0">
-                    <a:effectLst>
-                      <a:outerShdw blurRad="50800" dist="38100" dir="2700000" algn="tl" rotWithShape="0">
-                        <a:prstClr val="black">
-                          <a:alpha val="40000"/>
-                        </a:prstClr>
-                      </a:outerShdw>
-                    </a:effectLst>
-                  </a:rPr>
-                  <a:t>Bluetooth_com</a:t>
-                </a:r>
-              </a:p>
-              <a:p>
-                <a:pPr algn="ctr"/>
-                <a:r>
-                  <a:rPr lang="fr-FR" dirty="0" smtClean="0">
-                    <a:effectLst>
-                      <a:outerShdw blurRad="50800" dist="38100" dir="2700000" algn="tl" rotWithShape="0">
-                        <a:prstClr val="black">
-                          <a:alpha val="40000"/>
-                        </a:prstClr>
-                      </a:outerShdw>
-                    </a:effectLst>
-                  </a:rPr>
-                  <a:t>DLL</a:t>
-                </a:r>
-              </a:p>
-            </p:txBody>
-          </p:sp>
-          <p:cxnSp>
-            <p:nvCxnSpPr>
-              <p:cNvPr id="16" name="Connecteur droit avec flèche 15"/>
-              <p:cNvCxnSpPr>
-                <a:stCxn id="23" idx="3"/>
-                <a:endCxn id="24" idx="1"/>
-              </p:cNvCxnSpPr>
-              <p:nvPr/>
-            </p:nvCxnSpPr>
-            <p:spPr>
-              <a:xfrm>
-                <a:off x="3936984" y="3484107"/>
-                <a:ext cx="260485" cy="4994"/>
-              </a:xfrm>
-              <a:prstGeom prst="straightConnector1">
-                <a:avLst/>
-              </a:prstGeom>
-              <a:ln>
-                <a:headEnd type="triangle"/>
-                <a:tailEnd type="triangle"/>
-              </a:ln>
-            </p:spPr>
-            <p:style>
-              <a:lnRef idx="2">
-                <a:schemeClr val="dk1"/>
-              </a:lnRef>
-              <a:fillRef idx="0">
-                <a:schemeClr val="dk1"/>
-              </a:fillRef>
-              <a:effectRef idx="1">
-                <a:schemeClr val="dk1"/>
-              </a:effectRef>
-              <a:fontRef idx="minor">
-                <a:schemeClr val="tx1"/>
-              </a:fontRef>
-            </p:style>
-          </p:cxnSp>
-          <p:cxnSp>
-            <p:nvCxnSpPr>
-              <p:cNvPr id="42" name="Connecteur droit avec flèche 41"/>
-              <p:cNvCxnSpPr>
-                <a:stCxn id="23" idx="1"/>
-                <a:endCxn id="11" idx="3"/>
-              </p:cNvCxnSpPr>
-              <p:nvPr/>
-            </p:nvCxnSpPr>
-            <p:spPr>
-              <a:xfrm flipH="1" flipV="1">
-                <a:off x="1375852" y="3480484"/>
-                <a:ext cx="1593991" cy="3623"/>
-              </a:xfrm>
-              <a:prstGeom prst="straightConnector1">
-                <a:avLst/>
-              </a:prstGeom>
-              <a:ln>
-                <a:tailEnd type="triangle"/>
-              </a:ln>
-            </p:spPr>
-            <p:style>
-              <a:lnRef idx="2">
-                <a:schemeClr val="dk1"/>
-              </a:lnRef>
-              <a:fillRef idx="0">
-                <a:schemeClr val="dk1"/>
-              </a:fillRef>
-              <a:effectRef idx="1">
-                <a:schemeClr val="dk1"/>
-              </a:effectRef>
-              <a:fontRef idx="minor">
-                <a:schemeClr val="tx1"/>
-              </a:fontRef>
-            </p:style>
-          </p:cxnSp>
-          <p:pic>
-            <p:nvPicPr>
-              <p:cNvPr id="30" name="Image 29"/>
-              <p:cNvPicPr>
-                <a:picLocks noChangeAspect="1"/>
-              </p:cNvPicPr>
-              <p:nvPr/>
-            </p:nvPicPr>
-            <p:blipFill>
-              <a:blip r:embed="rId14" cstate="screen">
-                <a:extLst>
-                  <a:ext uri="{28A0092B-C50C-407E-A947-70E740481C1C}">
-                    <a14:useLocalDpi xmlns:a14="http://schemas.microsoft.com/office/drawing/2010/main" val="0"/>
-                  </a:ext>
-                </a:extLst>
-              </a:blip>
-              <a:stretch>
-                <a:fillRect/>
-              </a:stretch>
-            </p:blipFill>
-            <p:spPr>
-              <a:xfrm>
-                <a:off x="469840" y="4363507"/>
-                <a:ext cx="851211" cy="828834"/>
-              </a:xfrm>
-              <a:prstGeom prst="rect">
-                <a:avLst/>
-              </a:prstGeom>
-            </p:spPr>
-          </p:pic>
-          <p:pic>
-            <p:nvPicPr>
-              <p:cNvPr id="41" name="Image 40"/>
-              <p:cNvPicPr>
-                <a:picLocks noChangeAspect="1"/>
-              </p:cNvPicPr>
-              <p:nvPr/>
-            </p:nvPicPr>
-            <p:blipFill>
-              <a:blip r:embed="rId15" cstate="screen">
-                <a:extLst>
-                  <a:ext uri="{28A0092B-C50C-407E-A947-70E740481C1C}">
-                    <a14:useLocalDpi xmlns:a14="http://schemas.microsoft.com/office/drawing/2010/main" val="0"/>
-                  </a:ext>
-                </a:extLst>
-              </a:blip>
-              <a:stretch>
-                <a:fillRect/>
-              </a:stretch>
-            </p:blipFill>
-            <p:spPr>
-              <a:xfrm>
-                <a:off x="7495922" y="3029753"/>
-                <a:ext cx="914419" cy="890380"/>
-              </a:xfrm>
-              <a:prstGeom prst="rect">
-                <a:avLst/>
-              </a:prstGeom>
-            </p:spPr>
-          </p:pic>
-          <p:sp>
-            <p:nvSpPr>
-              <p:cNvPr id="43" name="ZoneTexte 42"/>
-              <p:cNvSpPr txBox="1"/>
-              <p:nvPr/>
-            </p:nvSpPr>
-            <p:spPr>
-              <a:xfrm>
-                <a:off x="7012180" y="2213212"/>
-                <a:ext cx="1881906" cy="646331"/>
-              </a:xfrm>
-              <a:prstGeom prst="rect">
-                <a:avLst/>
-              </a:prstGeom>
-              <a:noFill/>
-            </p:spPr>
-            <p:txBody>
-              <a:bodyPr wrap="square" rtlCol="0">
-                <a:spAutoFit/>
-              </a:bodyPr>
-              <a:lstStyle/>
-              <a:p>
-                <a:pPr algn="ctr"/>
-                <a:r>
-                  <a:rPr lang="fr-FR" dirty="0" smtClean="0">
-                    <a:effectLst>
-                      <a:outerShdw blurRad="50800" dist="38100" dir="2700000" algn="tl" rotWithShape="0">
-                        <a:prstClr val="black">
-                          <a:alpha val="40000"/>
-                        </a:prstClr>
-                      </a:outerShdw>
-                    </a:effectLst>
-                  </a:rPr>
-                  <a:t>RequeteHttp</a:t>
-                </a:r>
-              </a:p>
-              <a:p>
-                <a:pPr algn="ctr"/>
-                <a:r>
-                  <a:rPr lang="fr-FR" dirty="0" smtClean="0">
-                    <a:effectLst>
-                      <a:outerShdw blurRad="50800" dist="38100" dir="2700000" algn="tl" rotWithShape="0">
-                        <a:prstClr val="black">
-                          <a:alpha val="40000"/>
-                        </a:prstClr>
-                      </a:outerShdw>
-                    </a:effectLst>
-                  </a:rPr>
-                  <a:t>DLL</a:t>
-                </a:r>
-              </a:p>
-            </p:txBody>
-          </p:sp>
-          <p:sp>
-            <p:nvSpPr>
-              <p:cNvPr id="44" name="Rectangle 43"/>
-              <p:cNvSpPr/>
-              <p:nvPr/>
-            </p:nvSpPr>
-            <p:spPr>
-              <a:xfrm>
-                <a:off x="7315779" y="4142516"/>
-                <a:ext cx="1274708" cy="369332"/>
-              </a:xfrm>
-              <a:prstGeom prst="rect">
-                <a:avLst/>
-              </a:prstGeom>
-            </p:spPr>
-            <p:txBody>
-              <a:bodyPr wrap="none">
-                <a:spAutoFit/>
-              </a:bodyPr>
-              <a:lstStyle/>
-              <a:p>
-                <a:pPr algn="ctr"/>
-                <a:r>
-                  <a:rPr lang="fr-FR" dirty="0" err="1"/>
-                  <a:t>HappyHttp</a:t>
-                </a:r>
-                <a:endParaRPr lang="fr-FR" dirty="0"/>
-              </a:p>
-            </p:txBody>
-          </p:sp>
-          <p:pic>
-            <p:nvPicPr>
-              <p:cNvPr id="45" name="Image 44"/>
-              <p:cNvPicPr>
-                <a:picLocks noChangeAspect="1"/>
-              </p:cNvPicPr>
-              <p:nvPr/>
-            </p:nvPicPr>
-            <p:blipFill>
-              <a:blip r:embed="rId16" cstate="screen">
-                <a:extLst>
-                  <a:ext uri="{28A0092B-C50C-407E-A947-70E740481C1C}">
-                    <a14:useLocalDpi xmlns:a14="http://schemas.microsoft.com/office/drawing/2010/main" val="0"/>
-                  </a:ext>
-                </a:extLst>
-              </a:blip>
-              <a:stretch>
-                <a:fillRect/>
-              </a:stretch>
-            </p:blipFill>
-            <p:spPr>
-              <a:xfrm>
-                <a:off x="4304840" y="3975672"/>
-                <a:ext cx="752398" cy="732618"/>
-              </a:xfrm>
-              <a:prstGeom prst="rect">
-                <a:avLst/>
-              </a:prstGeom>
-            </p:spPr>
-          </p:pic>
-          <p:pic>
-            <p:nvPicPr>
-              <p:cNvPr id="46" name="Image 45"/>
-              <p:cNvPicPr>
-                <a:picLocks noChangeAspect="1"/>
-              </p:cNvPicPr>
-              <p:nvPr/>
-            </p:nvPicPr>
-            <p:blipFill>
-              <a:blip r:embed="rId17" cstate="screen">
-                <a:extLst>
-                  <a:ext uri="{28A0092B-C50C-407E-A947-70E740481C1C}">
-                    <a14:useLocalDpi xmlns:a14="http://schemas.microsoft.com/office/drawing/2010/main" val="0"/>
-                  </a:ext>
-                </a:extLst>
-              </a:blip>
-              <a:stretch>
-                <a:fillRect/>
-              </a:stretch>
-            </p:blipFill>
-            <p:spPr>
-              <a:xfrm>
-                <a:off x="2992160" y="3910739"/>
-                <a:ext cx="922503" cy="882906"/>
-              </a:xfrm>
-              <a:prstGeom prst="rect">
-                <a:avLst/>
-              </a:prstGeom>
-            </p:spPr>
-          </p:pic>
-          <p:pic>
-            <p:nvPicPr>
-              <p:cNvPr id="2" name="Image 1"/>
-              <p:cNvPicPr>
-                <a:picLocks noChangeAspect="1"/>
-              </p:cNvPicPr>
-              <p:nvPr/>
-            </p:nvPicPr>
-            <p:blipFill>
-              <a:blip r:embed="rId18" cstate="screen">
-                <a:extLst>
-                  <a:ext uri="{28A0092B-C50C-407E-A947-70E740481C1C}">
-                    <a14:useLocalDpi xmlns:a14="http://schemas.microsoft.com/office/drawing/2010/main" val="0"/>
-                  </a:ext>
-                </a:extLst>
-              </a:blip>
-              <a:stretch>
-                <a:fillRect/>
-              </a:stretch>
-            </p:blipFill>
-            <p:spPr>
-              <a:xfrm>
-                <a:off x="1733495" y="4300297"/>
-                <a:ext cx="721023" cy="940465"/>
-              </a:xfrm>
-              <a:prstGeom prst="rect">
-                <a:avLst/>
-              </a:prstGeom>
-            </p:spPr>
-          </p:pic>
-          <p:cxnSp>
-            <p:nvCxnSpPr>
-              <p:cNvPr id="47" name="Connecteur droit avec flèche 46"/>
-              <p:cNvCxnSpPr/>
-              <p:nvPr/>
-            </p:nvCxnSpPr>
-            <p:spPr>
-              <a:xfrm>
-                <a:off x="5164610" y="3484107"/>
-                <a:ext cx="442737" cy="2401"/>
-              </a:xfrm>
-              <a:prstGeom prst="straightConnector1">
-                <a:avLst/>
-              </a:prstGeom>
-              <a:ln>
-                <a:tailEnd type="arrow"/>
-              </a:ln>
-            </p:spPr>
-            <p:style>
-              <a:lnRef idx="2">
-                <a:schemeClr val="dk1"/>
-              </a:lnRef>
-              <a:fillRef idx="0">
-                <a:schemeClr val="dk1"/>
-              </a:fillRef>
-              <a:effectRef idx="1">
-                <a:schemeClr val="dk1"/>
-              </a:effectRef>
-              <a:fontRef idx="minor">
-                <a:schemeClr val="tx1"/>
-              </a:fontRef>
-            </p:style>
-          </p:cxnSp>
-        </p:grpSp>
+            <a:prstGeom prst="rect">
+              <a:avLst/>
+            </a:prstGeom>
+            <a:noFill/>
+            <a:ln w="28575">
+              <a:solidFill>
+                <a:schemeClr val="tx2">
+                  <a:lumMod val="75000"/>
+                </a:schemeClr>
+              </a:solidFill>
+            </a:ln>
+          </p:spPr>
+          <p:style>
+            <a:lnRef idx="1">
+              <a:schemeClr val="accent1"/>
+            </a:lnRef>
+            <a:fillRef idx="3">
+              <a:schemeClr val="accent1"/>
+            </a:fillRef>
+            <a:effectRef idx="2">
+              <a:schemeClr val="accent1"/>
+            </a:effectRef>
+            <a:fontRef idx="minor">
+              <a:schemeClr val="lt1"/>
+            </a:fontRef>
+          </p:style>
+          <p:txBody>
+            <a:bodyPr rtlCol="0" anchor="ctr"/>
+            <a:lstStyle/>
+            <a:p>
+              <a:pPr algn="ctr"/>
+              <a:endParaRPr lang="fr-FR"/>
+            </a:p>
+          </p:txBody>
+        </p:sp>
+        <p:sp>
+          <p:nvSpPr>
+            <p:cNvPr id="24" name="Rectangle 23"/>
+            <p:cNvSpPr/>
+            <p:nvPr/>
+          </p:nvSpPr>
+          <p:spPr>
+            <a:xfrm>
+              <a:off x="4197469" y="3112697"/>
+              <a:ext cx="967141" cy="752807"/>
+            </a:xfrm>
+            <a:prstGeom prst="rect">
+              <a:avLst/>
+            </a:prstGeom>
+            <a:noFill/>
+            <a:ln w="28575">
+              <a:solidFill>
+                <a:schemeClr val="accent1">
+                  <a:lumMod val="60000"/>
+                  <a:lumOff val="40000"/>
+                </a:schemeClr>
+              </a:solidFill>
+            </a:ln>
+          </p:spPr>
+          <p:style>
+            <a:lnRef idx="1">
+              <a:schemeClr val="accent1"/>
+            </a:lnRef>
+            <a:fillRef idx="3">
+              <a:schemeClr val="accent1"/>
+            </a:fillRef>
+            <a:effectRef idx="2">
+              <a:schemeClr val="accent1"/>
+            </a:effectRef>
+            <a:fontRef idx="minor">
+              <a:schemeClr val="lt1"/>
+            </a:fontRef>
+          </p:style>
+          <p:txBody>
+            <a:bodyPr rtlCol="0" anchor="ctr"/>
+            <a:lstStyle/>
+            <a:p>
+              <a:pPr algn="ctr"/>
+              <a:endParaRPr lang="fr-FR"/>
+            </a:p>
+          </p:txBody>
+        </p:sp>
+        <p:sp>
+          <p:nvSpPr>
+            <p:cNvPr id="25" name="ZoneTexte 24"/>
+            <p:cNvSpPr txBox="1"/>
+            <p:nvPr/>
+          </p:nvSpPr>
+          <p:spPr>
+            <a:xfrm>
+              <a:off x="3105628" y="3290277"/>
+              <a:ext cx="695569" cy="369332"/>
+            </a:xfrm>
+            <a:prstGeom prst="rect">
+              <a:avLst/>
+            </a:prstGeom>
+            <a:noFill/>
+          </p:spPr>
+          <p:txBody>
+            <a:bodyPr wrap="square" rtlCol="0">
+              <a:spAutoFit/>
+            </a:bodyPr>
+            <a:lstStyle/>
+            <a:p>
+              <a:pPr algn="ctr"/>
+              <a:r>
+                <a:rPr lang="fr-FR" dirty="0" smtClean="0">
+                  <a:effectLst>
+                    <a:outerShdw blurRad="50800" dist="38100" dir="2700000" algn="tl" rotWithShape="0">
+                      <a:prstClr val="black">
+                        <a:alpha val="40000"/>
+                      </a:prstClr>
+                    </a:outerShdw>
+                  </a:effectLst>
+                </a:rPr>
+                <a:t>IHM</a:t>
+              </a:r>
+            </a:p>
+          </p:txBody>
+        </p:sp>
+        <p:sp>
+          <p:nvSpPr>
+            <p:cNvPr id="26" name="ZoneTexte 25"/>
+            <p:cNvSpPr txBox="1"/>
+            <p:nvPr/>
+          </p:nvSpPr>
+          <p:spPr>
+            <a:xfrm>
+              <a:off x="4213274" y="3163764"/>
+              <a:ext cx="935529" cy="646331"/>
+            </a:xfrm>
+            <a:prstGeom prst="rect">
+              <a:avLst/>
+            </a:prstGeom>
+            <a:noFill/>
+          </p:spPr>
+          <p:txBody>
+            <a:bodyPr wrap="square" rtlCol="0">
+              <a:spAutoFit/>
+            </a:bodyPr>
+            <a:lstStyle/>
+            <a:p>
+              <a:pPr algn="ctr"/>
+              <a:r>
+                <a:rPr lang="fr-FR" dirty="0" smtClean="0">
+                  <a:effectLst>
+                    <a:outerShdw blurRad="50800" dist="38100" dir="2700000" algn="tl" rotWithShape="0">
+                      <a:prstClr val="black">
+                        <a:alpha val="40000"/>
+                      </a:prstClr>
+                    </a:outerShdw>
+                  </a:effectLst>
+                </a:rPr>
+                <a:t>Modèle</a:t>
+              </a:r>
+            </a:p>
+            <a:p>
+              <a:pPr algn="ctr"/>
+              <a:r>
+                <a:rPr lang="fr-FR" dirty="0" smtClean="0">
+                  <a:effectLst>
+                    <a:outerShdw blurRad="50800" dist="38100" dir="2700000" algn="tl" rotWithShape="0">
+                      <a:prstClr val="black">
+                        <a:alpha val="40000"/>
+                      </a:prstClr>
+                    </a:outerShdw>
+                  </a:effectLst>
+                </a:rPr>
+                <a:t>DLL</a:t>
+              </a:r>
+            </a:p>
+          </p:txBody>
+        </p:sp>
+        <p:sp>
+          <p:nvSpPr>
+            <p:cNvPr id="27" name="ZoneTexte 26"/>
+            <p:cNvSpPr txBox="1"/>
+            <p:nvPr/>
+          </p:nvSpPr>
+          <p:spPr>
+            <a:xfrm>
+              <a:off x="945744" y="2523558"/>
+              <a:ext cx="1881906" cy="646331"/>
+            </a:xfrm>
+            <a:prstGeom prst="rect">
+              <a:avLst/>
+            </a:prstGeom>
+            <a:noFill/>
+          </p:spPr>
+          <p:txBody>
+            <a:bodyPr wrap="square" rtlCol="0">
+              <a:spAutoFit/>
+            </a:bodyPr>
+            <a:lstStyle/>
+            <a:p>
+              <a:pPr algn="ctr"/>
+              <a:r>
+                <a:rPr lang="fr-FR" dirty="0" smtClean="0">
+                  <a:effectLst>
+                    <a:outerShdw blurRad="50800" dist="38100" dir="2700000" algn="tl" rotWithShape="0">
+                      <a:prstClr val="black">
+                        <a:alpha val="40000"/>
+                      </a:prstClr>
+                    </a:outerShdw>
+                  </a:effectLst>
+                </a:rPr>
+                <a:t>Bluetooth_com</a:t>
+              </a:r>
+            </a:p>
+            <a:p>
+              <a:pPr algn="ctr"/>
+              <a:r>
+                <a:rPr lang="fr-FR" dirty="0" smtClean="0">
+                  <a:effectLst>
+                    <a:outerShdw blurRad="50800" dist="38100" dir="2700000" algn="tl" rotWithShape="0">
+                      <a:prstClr val="black">
+                        <a:alpha val="40000"/>
+                      </a:prstClr>
+                    </a:outerShdw>
+                  </a:effectLst>
+                </a:rPr>
+                <a:t>DLL</a:t>
+              </a:r>
+            </a:p>
+          </p:txBody>
+        </p:sp>
+        <p:cxnSp>
+          <p:nvCxnSpPr>
+            <p:cNvPr id="16" name="Connecteur droit avec flèche 15"/>
+            <p:cNvCxnSpPr>
+              <a:stCxn id="23" idx="3"/>
+              <a:endCxn id="24" idx="1"/>
+            </p:cNvCxnSpPr>
+            <p:nvPr/>
+          </p:nvCxnSpPr>
+          <p:spPr>
+            <a:xfrm>
+              <a:off x="3936984" y="3484107"/>
+              <a:ext cx="260485" cy="4994"/>
+            </a:xfrm>
+            <a:prstGeom prst="straightConnector1">
+              <a:avLst/>
+            </a:prstGeom>
+            <a:ln>
+              <a:headEnd type="triangle"/>
+              <a:tailEnd type="triangle"/>
+            </a:ln>
+          </p:spPr>
+          <p:style>
+            <a:lnRef idx="2">
+              <a:schemeClr val="dk1"/>
+            </a:lnRef>
+            <a:fillRef idx="0">
+              <a:schemeClr val="dk1"/>
+            </a:fillRef>
+            <a:effectRef idx="1">
+              <a:schemeClr val="dk1"/>
+            </a:effectRef>
+            <a:fontRef idx="minor">
+              <a:schemeClr val="tx1"/>
+            </a:fontRef>
+          </p:style>
+        </p:cxnSp>
+        <p:cxnSp>
+          <p:nvCxnSpPr>
+            <p:cNvPr id="42" name="Connecteur droit avec flèche 41"/>
+            <p:cNvCxnSpPr>
+              <a:stCxn id="23" idx="1"/>
+              <a:endCxn id="11" idx="3"/>
+            </p:cNvCxnSpPr>
+            <p:nvPr/>
+          </p:nvCxnSpPr>
+          <p:spPr>
+            <a:xfrm flipH="1" flipV="1">
+              <a:off x="1375852" y="3480484"/>
+              <a:ext cx="1593991" cy="3623"/>
+            </a:xfrm>
+            <a:prstGeom prst="straightConnector1">
+              <a:avLst/>
+            </a:prstGeom>
+            <a:ln>
+              <a:tailEnd type="triangle"/>
+            </a:ln>
+          </p:spPr>
+          <p:style>
+            <a:lnRef idx="2">
+              <a:schemeClr val="dk1"/>
+            </a:lnRef>
+            <a:fillRef idx="0">
+              <a:schemeClr val="dk1"/>
+            </a:fillRef>
+            <a:effectRef idx="1">
+              <a:schemeClr val="dk1"/>
+            </a:effectRef>
+            <a:fontRef idx="minor">
+              <a:schemeClr val="tx1"/>
+            </a:fontRef>
+          </p:style>
+        </p:cxnSp>
+        <p:pic>
+          <p:nvPicPr>
+            <p:cNvPr id="30" name="Image 29"/>
+            <p:cNvPicPr>
+              <a:picLocks noChangeAspect="1"/>
+            </p:cNvPicPr>
+            <p:nvPr/>
+          </p:nvPicPr>
+          <p:blipFill>
+            <a:blip r:embed="rId14" cstate="screen">
+              <a:extLst>
+                <a:ext uri="{28A0092B-C50C-407E-A947-70E740481C1C}">
+                  <a14:useLocalDpi xmlns:a14="http://schemas.microsoft.com/office/drawing/2010/main" val="0"/>
+                </a:ext>
+              </a:extLst>
+            </a:blip>
+            <a:stretch>
+              <a:fillRect/>
+            </a:stretch>
+          </p:blipFill>
+          <p:spPr>
+            <a:xfrm>
+              <a:off x="469840" y="4363507"/>
+              <a:ext cx="851211" cy="828834"/>
+            </a:xfrm>
+            <a:prstGeom prst="rect">
+              <a:avLst/>
+            </a:prstGeom>
+          </p:spPr>
+        </p:pic>
+        <p:pic>
+          <p:nvPicPr>
+            <p:cNvPr id="41" name="Image 40"/>
+            <p:cNvPicPr>
+              <a:picLocks noChangeAspect="1"/>
+            </p:cNvPicPr>
+            <p:nvPr/>
+          </p:nvPicPr>
+          <p:blipFill>
+            <a:blip r:embed="rId15" cstate="screen">
+              <a:extLst>
+                <a:ext uri="{28A0092B-C50C-407E-A947-70E740481C1C}">
+                  <a14:useLocalDpi xmlns:a14="http://schemas.microsoft.com/office/drawing/2010/main" val="0"/>
+                </a:ext>
+              </a:extLst>
+            </a:blip>
+            <a:stretch>
+              <a:fillRect/>
+            </a:stretch>
+          </p:blipFill>
+          <p:spPr>
+            <a:xfrm>
+              <a:off x="7495922" y="3029753"/>
+              <a:ext cx="914419" cy="890380"/>
+            </a:xfrm>
+            <a:prstGeom prst="rect">
+              <a:avLst/>
+            </a:prstGeom>
+          </p:spPr>
+        </p:pic>
+        <p:sp>
+          <p:nvSpPr>
+            <p:cNvPr id="43" name="ZoneTexte 42"/>
+            <p:cNvSpPr txBox="1"/>
+            <p:nvPr/>
+          </p:nvSpPr>
+          <p:spPr>
+            <a:xfrm>
+              <a:off x="7012180" y="2213212"/>
+              <a:ext cx="1881906" cy="646331"/>
+            </a:xfrm>
+            <a:prstGeom prst="rect">
+              <a:avLst/>
+            </a:prstGeom>
+            <a:noFill/>
+          </p:spPr>
+          <p:txBody>
+            <a:bodyPr wrap="square" rtlCol="0">
+              <a:spAutoFit/>
+            </a:bodyPr>
+            <a:lstStyle/>
+            <a:p>
+              <a:pPr algn="ctr"/>
+              <a:r>
+                <a:rPr lang="fr-FR" dirty="0" smtClean="0">
+                  <a:effectLst>
+                    <a:outerShdw blurRad="50800" dist="38100" dir="2700000" algn="tl" rotWithShape="0">
+                      <a:prstClr val="black">
+                        <a:alpha val="40000"/>
+                      </a:prstClr>
+                    </a:outerShdw>
+                  </a:effectLst>
+                </a:rPr>
+                <a:t>RequeteHttp</a:t>
+              </a:r>
+            </a:p>
+            <a:p>
+              <a:pPr algn="ctr"/>
+              <a:r>
+                <a:rPr lang="fr-FR" dirty="0" smtClean="0">
+                  <a:effectLst>
+                    <a:outerShdw blurRad="50800" dist="38100" dir="2700000" algn="tl" rotWithShape="0">
+                      <a:prstClr val="black">
+                        <a:alpha val="40000"/>
+                      </a:prstClr>
+                    </a:outerShdw>
+                  </a:effectLst>
+                </a:rPr>
+                <a:t>DLL</a:t>
+              </a:r>
+            </a:p>
+          </p:txBody>
+        </p:sp>
+        <p:sp>
+          <p:nvSpPr>
+            <p:cNvPr id="44" name="Rectangle 43"/>
+            <p:cNvSpPr/>
+            <p:nvPr/>
+          </p:nvSpPr>
+          <p:spPr>
+            <a:xfrm>
+              <a:off x="7315779" y="4142516"/>
+              <a:ext cx="1274708" cy="369332"/>
+            </a:xfrm>
+            <a:prstGeom prst="rect">
+              <a:avLst/>
+            </a:prstGeom>
+          </p:spPr>
+          <p:txBody>
+            <a:bodyPr wrap="none">
+              <a:spAutoFit/>
+            </a:bodyPr>
+            <a:lstStyle/>
+            <a:p>
+              <a:pPr algn="ctr"/>
+              <a:r>
+                <a:rPr lang="fr-FR" dirty="0" err="1"/>
+                <a:t>HappyHttp</a:t>
+              </a:r>
+              <a:endParaRPr lang="fr-FR" dirty="0"/>
+            </a:p>
+          </p:txBody>
+        </p:sp>
+        <p:pic>
+          <p:nvPicPr>
+            <p:cNvPr id="45" name="Image 44"/>
+            <p:cNvPicPr>
+              <a:picLocks noChangeAspect="1"/>
+            </p:cNvPicPr>
+            <p:nvPr/>
+          </p:nvPicPr>
+          <p:blipFill>
+            <a:blip r:embed="rId16" cstate="screen">
+              <a:extLst>
+                <a:ext uri="{28A0092B-C50C-407E-A947-70E740481C1C}">
+                  <a14:useLocalDpi xmlns:a14="http://schemas.microsoft.com/office/drawing/2010/main" val="0"/>
+                </a:ext>
+              </a:extLst>
+            </a:blip>
+            <a:stretch>
+              <a:fillRect/>
+            </a:stretch>
+          </p:blipFill>
+          <p:spPr>
+            <a:xfrm>
+              <a:off x="4304840" y="3975672"/>
+              <a:ext cx="752398" cy="732618"/>
+            </a:xfrm>
+            <a:prstGeom prst="rect">
+              <a:avLst/>
+            </a:prstGeom>
+          </p:spPr>
+        </p:pic>
+        <p:pic>
+          <p:nvPicPr>
+            <p:cNvPr id="46" name="Image 45"/>
+            <p:cNvPicPr>
+              <a:picLocks noChangeAspect="1"/>
+            </p:cNvPicPr>
+            <p:nvPr/>
+          </p:nvPicPr>
+          <p:blipFill>
+            <a:blip r:embed="rId17" cstate="screen">
+              <a:extLst>
+                <a:ext uri="{28A0092B-C50C-407E-A947-70E740481C1C}">
+                  <a14:useLocalDpi xmlns:a14="http://schemas.microsoft.com/office/drawing/2010/main" val="0"/>
+                </a:ext>
+              </a:extLst>
+            </a:blip>
+            <a:stretch>
+              <a:fillRect/>
+            </a:stretch>
+          </p:blipFill>
+          <p:spPr>
+            <a:xfrm>
+              <a:off x="2992160" y="3910739"/>
+              <a:ext cx="922503" cy="882906"/>
+            </a:xfrm>
+            <a:prstGeom prst="rect">
+              <a:avLst/>
+            </a:prstGeom>
+          </p:spPr>
+        </p:pic>
+        <p:pic>
+          <p:nvPicPr>
+            <p:cNvPr id="2" name="Image 1"/>
+            <p:cNvPicPr>
+              <a:picLocks noChangeAspect="1"/>
+            </p:cNvPicPr>
+            <p:nvPr/>
+          </p:nvPicPr>
+          <p:blipFill>
+            <a:blip r:embed="rId18" cstate="screen">
+              <a:extLst>
+                <a:ext uri="{28A0092B-C50C-407E-A947-70E740481C1C}">
+                  <a14:useLocalDpi xmlns:a14="http://schemas.microsoft.com/office/drawing/2010/main" val="0"/>
+                </a:ext>
+              </a:extLst>
+            </a:blip>
+            <a:stretch>
+              <a:fillRect/>
+            </a:stretch>
+          </p:blipFill>
+          <p:spPr>
+            <a:xfrm>
+              <a:off x="1733495" y="4300297"/>
+              <a:ext cx="721023" cy="940465"/>
+            </a:xfrm>
+            <a:prstGeom prst="rect">
+              <a:avLst/>
+            </a:prstGeom>
+          </p:spPr>
+        </p:pic>
+        <p:cxnSp>
+          <p:nvCxnSpPr>
+            <p:cNvPr id="47" name="Connecteur droit avec flèche 46"/>
+            <p:cNvCxnSpPr/>
+            <p:nvPr/>
+          </p:nvCxnSpPr>
+          <p:spPr>
+            <a:xfrm>
+              <a:off x="5164610" y="3484107"/>
+              <a:ext cx="442737" cy="2401"/>
+            </a:xfrm>
+            <a:prstGeom prst="straightConnector1">
+              <a:avLst/>
+            </a:prstGeom>
+            <a:ln>
+              <a:tailEnd type="arrow"/>
+            </a:ln>
+          </p:spPr>
+          <p:style>
+            <a:lnRef idx="2">
+              <a:schemeClr val="dk1"/>
+            </a:lnRef>
+            <a:fillRef idx="0">
+              <a:schemeClr val="dk1"/>
+            </a:fillRef>
+            <a:effectRef idx="1">
+              <a:schemeClr val="dk1"/>
+            </a:effectRef>
+            <a:fontRef idx="minor">
+              <a:schemeClr val="tx1"/>
+            </a:fontRef>
+          </p:style>
+        </p:cxnSp>
       </p:grpSp>
     </p:spTree>
     <p:extLst>
@@ -9743,21 +9816,50 @@
       </p:sp>
       <p:grpSp>
         <p:nvGrpSpPr>
-          <p:cNvPr id="5" name="Groupe 4"/>
+          <p:cNvPr id="7" name="Groupe 6"/>
           <p:cNvGrpSpPr/>
           <p:nvPr/>
         </p:nvGrpSpPr>
         <p:grpSpPr>
           <a:xfrm>
-            <a:off x="242676" y="1250931"/>
-            <a:ext cx="8650025" cy="4238769"/>
-            <a:chOff x="244061" y="1345601"/>
-            <a:chExt cx="8650025" cy="4238769"/>
+            <a:off x="139158" y="1104253"/>
+            <a:ext cx="8852442" cy="5561104"/>
+            <a:chOff x="139158" y="1104253"/>
+            <a:chExt cx="8852442" cy="5561104"/>
           </a:xfrm>
         </p:grpSpPr>
+        <p:sp>
+          <p:nvSpPr>
+            <p:cNvPr id="8" name="ZoneTexte 7"/>
+            <p:cNvSpPr txBox="1"/>
+            <p:nvPr/>
+          </p:nvSpPr>
+          <p:spPr>
+            <a:xfrm>
+              <a:off x="8496300" y="6296025"/>
+              <a:ext cx="495300" cy="369332"/>
+            </a:xfrm>
+            <a:prstGeom prst="rect">
+              <a:avLst/>
+            </a:prstGeom>
+            <a:noFill/>
+          </p:spPr>
+          <p:txBody>
+            <a:bodyPr wrap="square" rtlCol="0">
+              <a:spAutoFit/>
+            </a:bodyPr>
+            <a:lstStyle/>
+            <a:p>
+              <a:r>
+                <a:rPr lang="fr-FR" dirty="0"/>
+                <a:t>7</a:t>
+              </a:r>
+            </a:p>
+          </p:txBody>
+        </p:sp>
         <p:pic>
           <p:nvPicPr>
-            <p:cNvPr id="7" name="Image 6"/>
+            <p:cNvPr id="9" name="Image 8"/>
             <p:cNvPicPr>
               <a:picLocks noChangeAspect="1"/>
             </p:cNvPicPr>
@@ -9787,7 +9889,7 @@
         </p:pic>
         <p:pic>
           <p:nvPicPr>
-            <p:cNvPr id="8" name="Image 7"/>
+            <p:cNvPr id="10" name="Image 9"/>
             <p:cNvPicPr>
               <a:picLocks noChangeAspect="1"/>
             </p:cNvPicPr>
@@ -9817,7 +9919,7 @@
         </p:pic>
         <p:pic>
           <p:nvPicPr>
-            <p:cNvPr id="9" name="Image 8"/>
+            <p:cNvPr id="11" name="Image 10"/>
             <p:cNvPicPr>
               <a:picLocks noChangeAspect="1"/>
             </p:cNvPicPr>
@@ -9847,7 +9949,7 @@
         </p:pic>
         <p:pic>
           <p:nvPicPr>
-            <p:cNvPr id="10" name="Image 9"/>
+            <p:cNvPr id="12" name="Image 11"/>
             <p:cNvPicPr>
               <a:picLocks noChangeAspect="1"/>
             </p:cNvPicPr>
@@ -9877,7 +9979,7 @@
         </p:pic>
         <p:pic>
           <p:nvPicPr>
-            <p:cNvPr id="11" name="Image 10"/>
+            <p:cNvPr id="13" name="Image 12"/>
             <p:cNvPicPr>
               <a:picLocks noChangeAspect="1"/>
             </p:cNvPicPr>
@@ -9907,7 +10009,7 @@
         </p:pic>
         <p:pic>
           <p:nvPicPr>
-            <p:cNvPr id="12" name="Image 11"/>
+            <p:cNvPr id="14" name="Image 13"/>
             <p:cNvPicPr>
               <a:picLocks noChangeAspect="1"/>
             </p:cNvPicPr>
@@ -9937,7 +10039,7 @@
         </p:pic>
         <p:pic>
           <p:nvPicPr>
-            <p:cNvPr id="13" name="Image 12"/>
+            <p:cNvPr id="15" name="Image 14"/>
             <p:cNvPicPr>
               <a:picLocks noChangeAspect="1"/>
             </p:cNvPicPr>
@@ -9967,7 +10069,7 @@
         </p:pic>
         <p:pic>
           <p:nvPicPr>
-            <p:cNvPr id="14" name="Image 13"/>
+            <p:cNvPr id="16" name="Image 15"/>
             <p:cNvPicPr>
               <a:picLocks noChangeAspect="1"/>
             </p:cNvPicPr>
@@ -9997,7 +10099,7 @@
         </p:pic>
         <p:pic>
           <p:nvPicPr>
-            <p:cNvPr id="15" name="Image 14"/>
+            <p:cNvPr id="17" name="Image 16"/>
             <p:cNvPicPr>
               <a:picLocks noChangeAspect="1"/>
             </p:cNvPicPr>
@@ -10027,7 +10129,7 @@
         </p:pic>
         <p:pic>
           <p:nvPicPr>
-            <p:cNvPr id="16" name="Image 15"/>
+            <p:cNvPr id="18" name="Image 17"/>
             <p:cNvPicPr>
               <a:picLocks noChangeAspect="1"/>
             </p:cNvPicPr>
@@ -10057,7 +10159,7 @@
         </p:pic>
         <p:pic>
           <p:nvPicPr>
-            <p:cNvPr id="17" name="Image 16"/>
+            <p:cNvPr id="19" name="Image 18"/>
             <p:cNvPicPr>
               <a:picLocks noChangeAspect="1"/>
             </p:cNvPicPr>
@@ -10087,7 +10189,7 @@
         </p:pic>
         <p:pic>
           <p:nvPicPr>
-            <p:cNvPr id="18" name="Image 17"/>
+            <p:cNvPr id="20" name="Image 19"/>
             <p:cNvPicPr>
               <a:picLocks noChangeAspect="1"/>
             </p:cNvPicPr>
@@ -10117,7 +10219,95 @@
         </p:pic>
         <p:sp>
           <p:nvSpPr>
-            <p:cNvPr id="19" name="Rectangle 18"/>
+            <p:cNvPr id="21" name="Rectangle 20"/>
+            <p:cNvSpPr/>
+            <p:nvPr/>
+          </p:nvSpPr>
+          <p:spPr>
+            <a:xfrm>
+              <a:off x="5607347" y="1104253"/>
+              <a:ext cx="3263885" cy="4484982"/>
+            </a:xfrm>
+            <a:prstGeom prst="rect">
+              <a:avLst/>
+            </a:prstGeom>
+            <a:noFill/>
+            <a:ln w="28575">
+              <a:solidFill>
+                <a:srgbClr val="00B050"/>
+              </a:solidFill>
+            </a:ln>
+          </p:spPr>
+          <p:style>
+            <a:lnRef idx="1">
+              <a:schemeClr val="accent1"/>
+            </a:lnRef>
+            <a:fillRef idx="3">
+              <a:schemeClr val="accent1"/>
+            </a:fillRef>
+            <a:effectRef idx="2">
+              <a:schemeClr val="accent1"/>
+            </a:effectRef>
+            <a:fontRef idx="minor">
+              <a:schemeClr val="lt1"/>
+            </a:fontRef>
+          </p:style>
+          <p:txBody>
+            <a:bodyPr rtlCol="0" anchor="ctr"/>
+            <a:lstStyle/>
+            <a:p>
+              <a:pPr algn="ctr"/>
+              <a:endParaRPr lang="fr-FR"/>
+            </a:p>
+          </p:txBody>
+        </p:sp>
+        <p:sp>
+          <p:nvSpPr>
+            <p:cNvPr id="22" name="Rectangle 21"/>
+            <p:cNvSpPr/>
+            <p:nvPr/>
+          </p:nvSpPr>
+          <p:spPr>
+            <a:xfrm>
+              <a:off x="139158" y="2472104"/>
+              <a:ext cx="2688492" cy="2011069"/>
+            </a:xfrm>
+            <a:prstGeom prst="rect">
+              <a:avLst/>
+            </a:prstGeom>
+            <a:noFill/>
+            <a:ln w="28575">
+              <a:solidFill>
+                <a:srgbClr val="00B0F0"/>
+              </a:solidFill>
+            </a:ln>
+          </p:spPr>
+          <p:style>
+            <a:lnRef idx="1">
+              <a:schemeClr val="accent1"/>
+            </a:lnRef>
+            <a:fillRef idx="3">
+              <a:schemeClr val="accent1"/>
+            </a:fillRef>
+            <a:effectRef idx="2">
+              <a:schemeClr val="accent1"/>
+            </a:effectRef>
+            <a:fontRef idx="minor">
+              <a:schemeClr val="lt1"/>
+            </a:fontRef>
+          </p:style>
+          <p:txBody>
+            <a:bodyPr rtlCol="0" anchor="ctr"/>
+            <a:lstStyle/>
+            <a:p>
+              <a:pPr algn="ctr"/>
+              <a:endParaRPr lang="fr-FR"/>
+            </a:p>
+          </p:txBody>
+        </p:sp>
+        <p:sp>
+          <p:nvSpPr>
+            <p:cNvPr id="23" name="Rectangle 22"/>
             <p:cNvSpPr/>
             <p:nvPr/>
           </p:nvSpPr>
@@ -10163,7 +10353,7 @@
         </p:sp>
         <p:sp>
           <p:nvSpPr>
-            <p:cNvPr id="20" name="Rectangle 19"/>
+            <p:cNvPr id="24" name="Rectangle 23"/>
             <p:cNvSpPr/>
             <p:nvPr/>
           </p:nvSpPr>
@@ -10210,7 +10400,7 @@
         </p:sp>
         <p:sp>
           <p:nvSpPr>
-            <p:cNvPr id="21" name="ZoneTexte 20"/>
+            <p:cNvPr id="25" name="ZoneTexte 24"/>
             <p:cNvSpPr txBox="1"/>
             <p:nvPr/>
           </p:nvSpPr>
@@ -10248,7 +10438,7 @@
         </p:sp>
         <p:sp>
           <p:nvSpPr>
-            <p:cNvPr id="22" name="ZoneTexte 21"/>
+            <p:cNvPr id="26" name="ZoneTexte 25"/>
             <p:cNvSpPr txBox="1"/>
             <p:nvPr/>
           </p:nvSpPr>
@@ -10301,7 +10491,7 @@
         </p:sp>
         <p:sp>
           <p:nvSpPr>
-            <p:cNvPr id="23" name="ZoneTexte 22"/>
+            <p:cNvPr id="27" name="ZoneTexte 26"/>
             <p:cNvSpPr txBox="1"/>
             <p:nvPr/>
           </p:nvSpPr>
@@ -10354,10 +10544,10 @@
         </p:sp>
         <p:cxnSp>
           <p:nvCxnSpPr>
-            <p:cNvPr id="24" name="Connecteur droit avec flèche 23"/>
+            <p:cNvPr id="28" name="Connecteur droit avec flèche 27"/>
             <p:cNvCxnSpPr>
-              <a:stCxn id="19" idx="3"/>
-              <a:endCxn id="20" idx="1"/>
+              <a:stCxn id="23" idx="3"/>
+              <a:endCxn id="24" idx="1"/>
             </p:cNvCxnSpPr>
             <p:nvPr/>
           </p:nvCxnSpPr>
@@ -10391,10 +10581,10 @@
         </p:cxnSp>
         <p:cxnSp>
           <p:nvCxnSpPr>
-            <p:cNvPr id="25" name="Connecteur droit avec flèche 24"/>
+            <p:cNvPr id="29" name="Connecteur droit avec flèche 28"/>
             <p:cNvCxnSpPr>
-              <a:stCxn id="19" idx="1"/>
-              <a:endCxn id="13" idx="3"/>
+              <a:stCxn id="23" idx="1"/>
+              <a:endCxn id="15" idx="3"/>
             </p:cNvCxnSpPr>
             <p:nvPr/>
           </p:nvCxnSpPr>
@@ -10427,7 +10617,7 @@
         </p:cxnSp>
         <p:pic>
           <p:nvPicPr>
-            <p:cNvPr id="26" name="Image 25"/>
+            <p:cNvPr id="30" name="Image 29"/>
             <p:cNvPicPr>
               <a:picLocks noChangeAspect="1"/>
             </p:cNvPicPr>
@@ -10457,7 +10647,7 @@
         </p:pic>
         <p:pic>
           <p:nvPicPr>
-            <p:cNvPr id="27" name="Image 26"/>
+            <p:cNvPr id="31" name="Image 30"/>
             <p:cNvPicPr>
               <a:picLocks noChangeAspect="1"/>
             </p:cNvPicPr>
@@ -10487,7 +10677,7 @@
         </p:pic>
         <p:sp>
           <p:nvSpPr>
-            <p:cNvPr id="28" name="ZoneTexte 27"/>
+            <p:cNvPr id="32" name="ZoneTexte 31"/>
             <p:cNvSpPr txBox="1"/>
             <p:nvPr/>
           </p:nvSpPr>
@@ -10540,7 +10730,7 @@
         </p:sp>
         <p:sp>
           <p:nvSpPr>
-            <p:cNvPr id="29" name="Rectangle 28"/>
+            <p:cNvPr id="33" name="Rectangle 32"/>
             <p:cNvSpPr/>
             <p:nvPr/>
           </p:nvSpPr>
@@ -10570,7 +10760,7 @@
         </p:sp>
         <p:pic>
           <p:nvPicPr>
-            <p:cNvPr id="30" name="Image 29"/>
+            <p:cNvPr id="34" name="Image 33"/>
             <p:cNvPicPr>
               <a:picLocks noChangeAspect="1"/>
             </p:cNvPicPr>
@@ -10600,7 +10790,7 @@
         </p:pic>
         <p:pic>
           <p:nvPicPr>
-            <p:cNvPr id="31" name="Image 30"/>
+            <p:cNvPr id="35" name="Image 34"/>
             <p:cNvPicPr>
               <a:picLocks noChangeAspect="1"/>
             </p:cNvPicPr>
@@ -10630,7 +10820,7 @@
         </p:pic>
         <p:pic>
           <p:nvPicPr>
-            <p:cNvPr id="32" name="Image 31"/>
+            <p:cNvPr id="36" name="Image 35"/>
             <p:cNvPicPr>
               <a:picLocks noChangeAspect="1"/>
             </p:cNvPicPr>
@@ -10660,7 +10850,7 @@
         </p:pic>
         <p:cxnSp>
           <p:nvCxnSpPr>
-            <p:cNvPr id="33" name="Connecteur droit avec flèche 32"/>
+            <p:cNvPr id="37" name="Connecteur droit avec flèche 36"/>
             <p:cNvCxnSpPr/>
             <p:nvPr/>
           </p:nvCxnSpPr>
@@ -10787,16 +10977,14 @@
           </a:xfrm>
         </p:spPr>
         <p:txBody>
-          <a:bodyPr>
-            <a:normAutofit/>
-          </a:bodyPr>
+          <a:bodyPr/>
           <a:lstStyle/>
           <a:p>
             <a:r>
-              <a:rPr lang="fr-FR" sz="2400" dirty="0" smtClean="0"/>
+              <a:rPr lang="fr-FR" dirty="0" smtClean="0"/>
               <a:t>Partie utilisateur</a:t>
             </a:r>
-            <a:endParaRPr lang="fr-FR" sz="2400" dirty="0"/>
+            <a:endParaRPr lang="fr-FR" dirty="0"/>
           </a:p>
         </p:txBody>
       </p:sp>
@@ -10910,44 +11098,23 @@
       </p:grpSpPr>
       <p:sp>
         <p:nvSpPr>
-          <p:cNvPr id="4" name="Titre 1"/>
-          <p:cNvSpPr txBox="1">
-            <a:spLocks/>
+          <p:cNvPr id="2" name="Titre 1"/>
+          <p:cNvSpPr>
+            <a:spLocks noGrp="1"/>
           </p:cNvSpPr>
-          <p:nvPr/>
+          <p:nvPr>
+            <p:ph type="title"/>
+          </p:nvPr>
         </p:nvSpPr>
         <p:spPr>
           <a:xfrm>
             <a:off x="633806" y="287798"/>
             <a:ext cx="7876388" cy="1143000"/>
           </a:xfrm>
-          <a:prstGeom prst="rect">
-            <a:avLst/>
-          </a:prstGeom>
         </p:spPr>
         <p:txBody>
-          <a:bodyPr anchor="t">
-            <a:normAutofit/>
-          </a:bodyPr>
-          <a:lstStyle>
-            <a:lvl1pPr algn="l" defTabSz="457200" rtl="0" eaLnBrk="1" latinLnBrk="0" hangingPunct="1">
-              <a:lnSpc>
-                <a:spcPct val="90000"/>
-              </a:lnSpc>
-              <a:spcBef>
-                <a:spcPct val="0"/>
-              </a:spcBef>
-              <a:buNone/>
-              <a:defRPr sz="2700" b="1" i="0" kern="1200" cap="all" baseline="0">
-                <a:solidFill>
-                  <a:schemeClr val="bg2"/>
-                </a:solidFill>
-                <a:latin typeface="+mj-lt"/>
-                <a:ea typeface="+mj-ea"/>
-                <a:cs typeface="HelveticaNeueLT Com 57 Cn" panose="020B0506030502030204" pitchFamily="34" charset="0"/>
-              </a:defRPr>
-            </a:lvl1pPr>
-          </a:lstStyle>
+          <a:bodyPr/>
+          <a:lstStyle/>
           <a:p>
             <a:pPr algn="ctr"/>
             <a:r>
@@ -10960,196 +11127,35 @@
       </p:sp>
       <p:sp>
         <p:nvSpPr>
-          <p:cNvPr id="5" name="Espace réservé du texte 2"/>
-          <p:cNvSpPr txBox="1">
-            <a:spLocks/>
+          <p:cNvPr id="3" name="Espace réservé du texte 2"/>
+          <p:cNvSpPr>
+            <a:spLocks noGrp="1"/>
           </p:cNvSpPr>
-          <p:nvPr/>
+          <p:nvPr>
+            <p:ph type="body" sz="quarter" idx="10"/>
+          </p:nvPr>
         </p:nvSpPr>
         <p:spPr>
           <a:xfrm>
             <a:off x="581892" y="1094704"/>
             <a:ext cx="8409708" cy="5031461"/>
           </a:xfrm>
-          <a:prstGeom prst="rect">
-            <a:avLst/>
-          </a:prstGeom>
         </p:spPr>
         <p:txBody>
-          <a:bodyPr vert="horz" lIns="91440" tIns="45720" rIns="91440" bIns="45720" rtlCol="0">
-            <a:normAutofit/>
-          </a:bodyPr>
-          <a:lstStyle>
-            <a:lvl1pPr marL="271463" indent="-271463" algn="l" defTabSz="457200" rtl="0" eaLnBrk="1" latinLnBrk="0" hangingPunct="1">
-              <a:lnSpc>
-                <a:spcPct val="90000"/>
-              </a:lnSpc>
-              <a:spcBef>
-                <a:spcPct val="20000"/>
-              </a:spcBef>
-              <a:buClr>
-                <a:schemeClr val="tx2"/>
-              </a:buClr>
-              <a:buSzPct val="80000"/>
-              <a:buFont typeface="Wingdings 3" panose="05040102010807070707" pitchFamily="18" charset="2"/>
-              <a:buChar char=""/>
-              <a:defRPr sz="1800" b="0" i="0" kern="1200">
-                <a:solidFill>
-                  <a:schemeClr val="tx1"/>
-                </a:solidFill>
-                <a:latin typeface="+mj-lt"/>
-                <a:ea typeface="+mn-ea"/>
-                <a:cs typeface="HelveticaNeueLT Com 67 MdCn" panose="020B0606030502030204" pitchFamily="34" charset="0"/>
-              </a:defRPr>
-            </a:lvl1pPr>
-            <a:lvl2pPr marL="742950" indent="-285750" algn="l" defTabSz="457200" rtl="0" eaLnBrk="1" latinLnBrk="0" hangingPunct="1">
-              <a:lnSpc>
-                <a:spcPct val="90000"/>
-              </a:lnSpc>
-              <a:spcBef>
-                <a:spcPct val="20000"/>
-              </a:spcBef>
-              <a:buSzPct val="100000"/>
-              <a:buFontTx/>
-              <a:buBlip>
-                <a:blip r:embed="rId2"/>
-              </a:buBlip>
-              <a:defRPr sz="1600" b="0" i="0" kern="1200">
-                <a:solidFill>
-                  <a:schemeClr val="tx2"/>
-                </a:solidFill>
-                <a:latin typeface="+mj-lt"/>
-                <a:ea typeface="+mn-ea"/>
-                <a:cs typeface="HelveticaNeueLT Com 57 Cn" panose="020B0506030502030204" pitchFamily="34" charset="0"/>
-              </a:defRPr>
-            </a:lvl2pPr>
-            <a:lvl3pPr marL="1143000" indent="-228600" algn="l" defTabSz="457200" rtl="0" eaLnBrk="1" latinLnBrk="0" hangingPunct="1">
-              <a:lnSpc>
-                <a:spcPct val="90000"/>
-              </a:lnSpc>
-              <a:spcBef>
-                <a:spcPct val="20000"/>
-              </a:spcBef>
-              <a:buFont typeface="Arial"/>
-              <a:buChar char="•"/>
-              <a:defRPr sz="1400" b="0" i="0" kern="1200">
-                <a:solidFill>
-                  <a:schemeClr val="tx2"/>
-                </a:solidFill>
-                <a:latin typeface="+mj-lt"/>
-                <a:ea typeface="+mn-ea"/>
-                <a:cs typeface="HelveticaNeueLT Com 57 Cn" panose="020B0506030502030204" pitchFamily="34" charset="0"/>
-              </a:defRPr>
-            </a:lvl3pPr>
-            <a:lvl4pPr marL="1600200" indent="-228600" algn="l" defTabSz="457200" rtl="0" eaLnBrk="1" latinLnBrk="0" hangingPunct="1">
-              <a:lnSpc>
-                <a:spcPct val="90000"/>
-              </a:lnSpc>
-              <a:spcBef>
-                <a:spcPct val="20000"/>
-              </a:spcBef>
-              <a:buFont typeface="Arial"/>
-              <a:buChar char="–"/>
-              <a:defRPr sz="1200" b="0" i="0" kern="1200">
-                <a:solidFill>
-                  <a:schemeClr val="tx2"/>
-                </a:solidFill>
-                <a:latin typeface="+mj-lt"/>
-                <a:ea typeface="+mn-ea"/>
-                <a:cs typeface="HelveticaNeueLT Com 57 Cn" panose="020B0506030502030204" pitchFamily="34" charset="0"/>
-              </a:defRPr>
-            </a:lvl4pPr>
-            <a:lvl5pPr marL="2057400" indent="-228600" algn="l" defTabSz="457200" rtl="0" eaLnBrk="1" latinLnBrk="0" hangingPunct="1">
-              <a:lnSpc>
-                <a:spcPct val="90000"/>
-              </a:lnSpc>
-              <a:spcBef>
-                <a:spcPct val="20000"/>
-              </a:spcBef>
-              <a:buFont typeface="Arial"/>
-              <a:buChar char="»"/>
-              <a:defRPr sz="1200" b="0" i="0" kern="1200">
-                <a:solidFill>
-                  <a:schemeClr val="tx2"/>
-                </a:solidFill>
-                <a:latin typeface="+mj-lt"/>
-                <a:ea typeface="+mn-ea"/>
-                <a:cs typeface="HelveticaNeueLT Com 57 Cn" panose="020B0506030502030204" pitchFamily="34" charset="0"/>
-              </a:defRPr>
-            </a:lvl5pPr>
-            <a:lvl6pPr marL="2514600" indent="-228600" algn="l" defTabSz="457200" rtl="0" eaLnBrk="1" latinLnBrk="0" hangingPunct="1">
-              <a:spcBef>
-                <a:spcPct val="20000"/>
-              </a:spcBef>
-              <a:buFont typeface="Arial"/>
-              <a:buChar char="•"/>
-              <a:defRPr sz="2000" kern="1200">
-                <a:solidFill>
-                  <a:schemeClr val="tx1"/>
-                </a:solidFill>
-                <a:latin typeface="+mn-lt"/>
-                <a:ea typeface="+mn-ea"/>
-                <a:cs typeface="+mn-cs"/>
-              </a:defRPr>
-            </a:lvl6pPr>
-            <a:lvl7pPr marL="2971800" indent="-228600" algn="l" defTabSz="457200" rtl="0" eaLnBrk="1" latinLnBrk="0" hangingPunct="1">
-              <a:spcBef>
-                <a:spcPct val="20000"/>
-              </a:spcBef>
-              <a:buFont typeface="Arial"/>
-              <a:buChar char="•"/>
-              <a:defRPr sz="2000" kern="1200">
-                <a:solidFill>
-                  <a:schemeClr val="tx1"/>
-                </a:solidFill>
-                <a:latin typeface="+mn-lt"/>
-                <a:ea typeface="+mn-ea"/>
-                <a:cs typeface="+mn-cs"/>
-              </a:defRPr>
-            </a:lvl7pPr>
-            <a:lvl8pPr marL="3429000" indent="-228600" algn="l" defTabSz="457200" rtl="0" eaLnBrk="1" latinLnBrk="0" hangingPunct="1">
-              <a:spcBef>
-                <a:spcPct val="20000"/>
-              </a:spcBef>
-              <a:buFont typeface="Arial"/>
-              <a:buChar char="•"/>
-              <a:defRPr sz="2000" kern="1200">
-                <a:solidFill>
-                  <a:schemeClr val="tx1"/>
-                </a:solidFill>
-                <a:latin typeface="+mn-lt"/>
-                <a:ea typeface="+mn-ea"/>
-                <a:cs typeface="+mn-cs"/>
-              </a:defRPr>
-            </a:lvl8pPr>
-            <a:lvl9pPr marL="3886200" indent="-228600" algn="l" defTabSz="457200" rtl="0" eaLnBrk="1" latinLnBrk="0" hangingPunct="1">
-              <a:spcBef>
-                <a:spcPct val="20000"/>
-              </a:spcBef>
-              <a:buFont typeface="Arial"/>
-              <a:buChar char="•"/>
-              <a:defRPr sz="2000" kern="1200">
-                <a:solidFill>
-                  <a:schemeClr val="tx1"/>
-                </a:solidFill>
-                <a:latin typeface="+mn-lt"/>
-                <a:ea typeface="+mn-ea"/>
-                <a:cs typeface="+mn-cs"/>
-              </a:defRPr>
-            </a:lvl9pPr>
-          </a:lstStyle>
-          <a:p>
-            <a:r>
-              <a:rPr lang="fr-FR" sz="2400" dirty="0" smtClean="0"/>
+          <a:bodyPr/>
+          <a:lstStyle/>
+          <a:p>
+            <a:r>
+              <a:rPr lang="fr-FR" dirty="0" smtClean="0"/>
               <a:t>Partie administrateur</a:t>
             </a:r>
-            <a:endParaRPr lang="fr-FR" sz="2400" dirty="0"/>
+            <a:endParaRPr lang="fr-FR" dirty="0"/>
           </a:p>
         </p:txBody>
       </p:sp>
       <p:sp>
         <p:nvSpPr>
-          <p:cNvPr id="7" name="ZoneTexte 6"/>
+          <p:cNvPr id="5" name="ZoneTexte 4"/>
           <p:cNvSpPr txBox="1"/>
           <p:nvPr/>
         </p:nvSpPr>
@@ -11199,8 +11205,8 @@
         </p:blipFill>
         <p:spPr bwMode="auto">
           <a:xfrm>
-            <a:off x="633806" y="1666788"/>
-            <a:ext cx="7931699" cy="4459377"/>
+            <a:off x="314325" y="1571625"/>
+            <a:ext cx="8429625" cy="4724400"/>
           </a:xfrm>
           <a:prstGeom prst="rect">
             <a:avLst/>
@@ -11243,7 +11249,7 @@
     </p:spTree>
     <p:extLst>
       <p:ext uri="{BB962C8B-B14F-4D97-AF65-F5344CB8AC3E}">
-        <p14:creationId xmlns:p14="http://schemas.microsoft.com/office/powerpoint/2010/main" val="112978448"/>
+        <p14:creationId xmlns:p14="http://schemas.microsoft.com/office/powerpoint/2010/main" val="4123076500"/>
       </p:ext>
     </p:extLst>
   </p:cSld>
@@ -12928,8 +12934,8 @@
         </p:nvGrpSpPr>
         <p:grpSpPr>
           <a:xfrm>
-            <a:off x="37834" y="1532125"/>
-            <a:ext cx="9106166" cy="4158199"/>
+            <a:off x="70843" y="1687401"/>
+            <a:ext cx="8943975" cy="4020177"/>
             <a:chOff x="437884" y="1394103"/>
             <a:chExt cx="8306066" cy="3551715"/>
           </a:xfrm>
@@ -14222,7 +14228,7 @@
         </p:nvSpPr>
         <p:spPr>
           <a:xfrm>
-            <a:off x="994442" y="230811"/>
+            <a:off x="633806" y="270681"/>
             <a:ext cx="7876388" cy="1143000"/>
           </a:xfrm>
           <a:prstGeom prst="rect">
@@ -14493,7 +14499,7 @@
             <a:pPr algn="ctr"/>
             <a:r>
               <a:rPr lang="en-US" dirty="0" err="1" smtClean="0"/>
-              <a:t>Portabilite</a:t>
+              <a:t>portabilite</a:t>
             </a:r>
             <a:endParaRPr lang="en-US" dirty="0"/>
           </a:p>
@@ -14501,21 +14507,410 @@
       </p:sp>
       <p:grpSp>
         <p:nvGrpSpPr>
-          <p:cNvPr id="35" name="Groupe 34"/>
+          <p:cNvPr id="4" name="Groupe 3"/>
           <p:cNvGrpSpPr/>
           <p:nvPr/>
         </p:nvGrpSpPr>
         <p:grpSpPr>
           <a:xfrm>
             <a:off x="139158" y="1104253"/>
-            <a:ext cx="8753543" cy="4484982"/>
+            <a:ext cx="8852442" cy="5561104"/>
             <a:chOff x="139158" y="1104253"/>
-            <a:chExt cx="8753543" cy="4484982"/>
+            <a:chExt cx="8852442" cy="5561104"/>
           </a:xfrm>
         </p:grpSpPr>
         <p:sp>
           <p:nvSpPr>
-            <p:cNvPr id="36" name="Rectangle 35"/>
+            <p:cNvPr id="5" name="ZoneTexte 4"/>
+            <p:cNvSpPr txBox="1"/>
+            <p:nvPr/>
+          </p:nvSpPr>
+          <p:spPr>
+            <a:xfrm>
+              <a:off x="8496300" y="6296025"/>
+              <a:ext cx="495300" cy="369332"/>
+            </a:xfrm>
+            <a:prstGeom prst="rect">
+              <a:avLst/>
+            </a:prstGeom>
+            <a:noFill/>
+          </p:spPr>
+          <p:txBody>
+            <a:bodyPr wrap="square" rtlCol="0">
+              <a:spAutoFit/>
+            </a:bodyPr>
+            <a:lstStyle/>
+            <a:p>
+              <a:r>
+                <a:rPr lang="fr-FR" dirty="0"/>
+                <a:t>7</a:t>
+              </a:r>
+            </a:p>
+          </p:txBody>
+        </p:sp>
+        <p:pic>
+          <p:nvPicPr>
+            <p:cNvPr id="6" name="Image 5"/>
+            <p:cNvPicPr>
+              <a:picLocks noChangeAspect="1"/>
+            </p:cNvPicPr>
+            <p:nvPr/>
+          </p:nvPicPr>
+          <p:blipFill>
+            <a:blip r:embed="rId2" cstate="screen">
+              <a:extLst>
+                <a:ext uri="{28A0092B-C50C-407E-A947-70E740481C1C}">
+                  <a14:useLocalDpi xmlns:a14="http://schemas.microsoft.com/office/drawing/2010/main" val="0"/>
+                </a:ext>
+              </a:extLst>
+            </a:blip>
+            <a:stretch>
+              <a:fillRect/>
+            </a:stretch>
+          </p:blipFill>
+          <p:spPr>
+            <a:xfrm>
+              <a:off x="7853061" y="1429364"/>
+              <a:ext cx="679366" cy="510883"/>
+            </a:xfrm>
+            <a:prstGeom prst="rect">
+              <a:avLst/>
+            </a:prstGeom>
+          </p:spPr>
+        </p:pic>
+        <p:pic>
+          <p:nvPicPr>
+            <p:cNvPr id="7" name="Image 6"/>
+            <p:cNvPicPr>
+              <a:picLocks noChangeAspect="1"/>
+            </p:cNvPicPr>
+            <p:nvPr/>
+          </p:nvPicPr>
+          <p:blipFill>
+            <a:blip r:embed="rId3" cstate="screen">
+              <a:extLst>
+                <a:ext uri="{28A0092B-C50C-407E-A947-70E740481C1C}">
+                  <a14:useLocalDpi xmlns:a14="http://schemas.microsoft.com/office/drawing/2010/main" val="0"/>
+                </a:ext>
+              </a:extLst>
+            </a:blip>
+            <a:stretch>
+              <a:fillRect/>
+            </a:stretch>
+          </p:blipFill>
+          <p:spPr>
+            <a:xfrm>
+              <a:off x="5770113" y="4708770"/>
+              <a:ext cx="875600" cy="875600"/>
+            </a:xfrm>
+            <a:prstGeom prst="rect">
+              <a:avLst/>
+            </a:prstGeom>
+          </p:spPr>
+        </p:pic>
+        <p:pic>
+          <p:nvPicPr>
+            <p:cNvPr id="8" name="Image 7"/>
+            <p:cNvPicPr>
+              <a:picLocks noChangeAspect="1"/>
+            </p:cNvPicPr>
+            <p:nvPr/>
+          </p:nvPicPr>
+          <p:blipFill>
+            <a:blip r:embed="rId4" cstate="screen">
+              <a:extLst>
+                <a:ext uri="{28A0092B-C50C-407E-A947-70E740481C1C}">
+                  <a14:useLocalDpi xmlns:a14="http://schemas.microsoft.com/office/drawing/2010/main" val="0"/>
+                </a:ext>
+              </a:extLst>
+            </a:blip>
+            <a:stretch>
+              <a:fillRect/>
+            </a:stretch>
+          </p:blipFill>
+          <p:spPr>
+            <a:xfrm rot="10800000">
+              <a:off x="7007672" y="1477671"/>
+              <a:ext cx="402652" cy="402652"/>
+            </a:xfrm>
+            <a:prstGeom prst="rect">
+              <a:avLst/>
+            </a:prstGeom>
+          </p:spPr>
+        </p:pic>
+        <p:pic>
+          <p:nvPicPr>
+            <p:cNvPr id="9" name="Image 8"/>
+            <p:cNvPicPr>
+              <a:picLocks noChangeAspect="1"/>
+            </p:cNvPicPr>
+            <p:nvPr/>
+          </p:nvPicPr>
+          <p:blipFill>
+            <a:blip r:embed="rId5" cstate="screen">
+              <a:extLst>
+                <a:ext uri="{28A0092B-C50C-407E-A947-70E740481C1C}">
+                  <a14:useLocalDpi xmlns:a14="http://schemas.microsoft.com/office/drawing/2010/main" val="0"/>
+                </a:ext>
+              </a:extLst>
+            </a:blip>
+            <a:stretch>
+              <a:fillRect/>
+            </a:stretch>
+          </p:blipFill>
+          <p:spPr>
+            <a:xfrm>
+              <a:off x="5820537" y="1345601"/>
+              <a:ext cx="794871" cy="678410"/>
+            </a:xfrm>
+            <a:prstGeom prst="rect">
+              <a:avLst/>
+            </a:prstGeom>
+          </p:spPr>
+        </p:pic>
+        <p:pic>
+          <p:nvPicPr>
+            <p:cNvPr id="10" name="Image 9"/>
+            <p:cNvPicPr>
+              <a:picLocks noChangeAspect="1"/>
+            </p:cNvPicPr>
+            <p:nvPr/>
+          </p:nvPicPr>
+          <p:blipFill>
+            <a:blip r:embed="rId6" cstate="screen">
+              <a:extLst>
+                <a:ext uri="{28A0092B-C50C-407E-A947-70E740481C1C}">
+                  <a14:useLocalDpi xmlns:a14="http://schemas.microsoft.com/office/drawing/2010/main" val="0"/>
+                </a:ext>
+              </a:extLst>
+            </a:blip>
+            <a:stretch>
+              <a:fillRect/>
+            </a:stretch>
+          </p:blipFill>
+          <p:spPr>
+            <a:xfrm>
+              <a:off x="5770113" y="2955379"/>
+              <a:ext cx="884715" cy="782731"/>
+            </a:xfrm>
+            <a:prstGeom prst="rect">
+              <a:avLst/>
+            </a:prstGeom>
+          </p:spPr>
+        </p:pic>
+        <p:pic>
+          <p:nvPicPr>
+            <p:cNvPr id="11" name="Image 10"/>
+            <p:cNvPicPr>
+              <a:picLocks noChangeAspect="1"/>
+            </p:cNvPicPr>
+            <p:nvPr/>
+          </p:nvPicPr>
+          <p:blipFill>
+            <a:blip r:embed="rId7">
+              <a:extLst>
+                <a:ext uri="{28A0092B-C50C-407E-A947-70E740481C1C}">
+                  <a14:useLocalDpi xmlns:a14="http://schemas.microsoft.com/office/drawing/2010/main" val="0"/>
+                </a:ext>
+              </a:extLst>
+            </a:blip>
+            <a:stretch>
+              <a:fillRect/>
+            </a:stretch>
+          </p:blipFill>
+          <p:spPr>
+            <a:xfrm>
+              <a:off x="3384061" y="1667920"/>
+              <a:ext cx="1418468" cy="1268691"/>
+            </a:xfrm>
+            <a:prstGeom prst="rect">
+              <a:avLst/>
+            </a:prstGeom>
+          </p:spPr>
+        </p:pic>
+        <p:pic>
+          <p:nvPicPr>
+            <p:cNvPr id="12" name="Image 11"/>
+            <p:cNvPicPr>
+              <a:picLocks noChangeAspect="1"/>
+            </p:cNvPicPr>
+            <p:nvPr/>
+          </p:nvPicPr>
+          <p:blipFill>
+            <a:blip r:embed="rId8" cstate="screen">
+              <a:extLst>
+                <a:ext uri="{28A0092B-C50C-407E-A947-70E740481C1C}">
+                  <a14:useLocalDpi xmlns:a14="http://schemas.microsoft.com/office/drawing/2010/main" val="0"/>
+                </a:ext>
+              </a:extLst>
+            </a:blip>
+            <a:stretch>
+              <a:fillRect/>
+            </a:stretch>
+          </p:blipFill>
+          <p:spPr>
+            <a:xfrm>
+              <a:off x="244061" y="2851916"/>
+              <a:ext cx="1131791" cy="1257135"/>
+            </a:xfrm>
+            <a:prstGeom prst="rect">
+              <a:avLst/>
+            </a:prstGeom>
+          </p:spPr>
+        </p:pic>
+        <p:pic>
+          <p:nvPicPr>
+            <p:cNvPr id="13" name="Image 12"/>
+            <p:cNvPicPr>
+              <a:picLocks noChangeAspect="1"/>
+            </p:cNvPicPr>
+            <p:nvPr/>
+          </p:nvPicPr>
+          <p:blipFill>
+            <a:blip r:embed="rId9" cstate="screen">
+              <a:extLst>
+                <a:ext uri="{28A0092B-C50C-407E-A947-70E740481C1C}">
+                  <a14:useLocalDpi xmlns:a14="http://schemas.microsoft.com/office/drawing/2010/main" val="0"/>
+                </a:ext>
+              </a:extLst>
+            </a:blip>
+            <a:stretch>
+              <a:fillRect/>
+            </a:stretch>
+          </p:blipFill>
+          <p:spPr>
+            <a:xfrm>
+              <a:off x="5924313" y="2249583"/>
+              <a:ext cx="609960" cy="609960"/>
+            </a:xfrm>
+            <a:prstGeom prst="rect">
+              <a:avLst/>
+            </a:prstGeom>
+          </p:spPr>
+        </p:pic>
+        <p:pic>
+          <p:nvPicPr>
+            <p:cNvPr id="14" name="Image 13"/>
+            <p:cNvPicPr>
+              <a:picLocks noChangeAspect="1"/>
+            </p:cNvPicPr>
+            <p:nvPr/>
+          </p:nvPicPr>
+          <p:blipFill>
+            <a:blip r:embed="rId10" cstate="screen">
+              <a:extLst>
+                <a:ext uri="{28A0092B-C50C-407E-A947-70E740481C1C}">
+                  <a14:useLocalDpi xmlns:a14="http://schemas.microsoft.com/office/drawing/2010/main" val="0"/>
+                </a:ext>
+              </a:extLst>
+            </a:blip>
+            <a:stretch>
+              <a:fillRect/>
+            </a:stretch>
+          </p:blipFill>
+          <p:spPr>
+            <a:xfrm>
+              <a:off x="6885659" y="4913125"/>
+              <a:ext cx="646679" cy="409867"/>
+            </a:xfrm>
+            <a:prstGeom prst="rect">
+              <a:avLst/>
+            </a:prstGeom>
+          </p:spPr>
+        </p:pic>
+        <p:pic>
+          <p:nvPicPr>
+            <p:cNvPr id="15" name="Image 14"/>
+            <p:cNvPicPr>
+              <a:picLocks noChangeAspect="1"/>
+            </p:cNvPicPr>
+            <p:nvPr/>
+          </p:nvPicPr>
+          <p:blipFill>
+            <a:blip r:embed="rId9" cstate="screen">
+              <a:extLst>
+                <a:ext uri="{28A0092B-C50C-407E-A947-70E740481C1C}">
+                  <a14:useLocalDpi xmlns:a14="http://schemas.microsoft.com/office/drawing/2010/main" val="0"/>
+                </a:ext>
+              </a:extLst>
+            </a:blip>
+            <a:stretch>
+              <a:fillRect/>
+            </a:stretch>
+          </p:blipFill>
+          <p:spPr>
+            <a:xfrm rot="10800000">
+              <a:off x="5924312" y="4037833"/>
+              <a:ext cx="609960" cy="609960"/>
+            </a:xfrm>
+            <a:prstGeom prst="rect">
+              <a:avLst/>
+            </a:prstGeom>
+          </p:spPr>
+        </p:pic>
+        <p:pic>
+          <p:nvPicPr>
+            <p:cNvPr id="16" name="Image 15"/>
+            <p:cNvPicPr>
+              <a:picLocks noChangeAspect="1"/>
+            </p:cNvPicPr>
+            <p:nvPr/>
+          </p:nvPicPr>
+          <p:blipFill>
+            <a:blip r:embed="rId11" cstate="screen">
+              <a:extLst>
+                <a:ext uri="{28A0092B-C50C-407E-A947-70E740481C1C}">
+                  <a14:useLocalDpi xmlns:a14="http://schemas.microsoft.com/office/drawing/2010/main" val="0"/>
+                </a:ext>
+              </a:extLst>
+            </a:blip>
+            <a:stretch>
+              <a:fillRect/>
+            </a:stretch>
+          </p:blipFill>
+          <p:spPr>
+            <a:xfrm>
+              <a:off x="1733496" y="3558144"/>
+              <a:ext cx="920615" cy="226061"/>
+            </a:xfrm>
+            <a:prstGeom prst="rect">
+              <a:avLst/>
+            </a:prstGeom>
+          </p:spPr>
+        </p:pic>
+        <p:pic>
+          <p:nvPicPr>
+            <p:cNvPr id="17" name="Image 16"/>
+            <p:cNvPicPr>
+              <a:picLocks noChangeAspect="1"/>
+            </p:cNvPicPr>
+            <p:nvPr/>
+          </p:nvPicPr>
+          <p:blipFill>
+            <a:blip r:embed="rId12" cstate="screen">
+              <a:extLst>
+                <a:ext uri="{28A0092B-C50C-407E-A947-70E740481C1C}">
+                  <a14:useLocalDpi xmlns:a14="http://schemas.microsoft.com/office/drawing/2010/main" val="0"/>
+                </a:ext>
+              </a:extLst>
+            </a:blip>
+            <a:stretch>
+              <a:fillRect/>
+            </a:stretch>
+          </p:blipFill>
+          <p:spPr>
+            <a:xfrm>
+              <a:off x="7906150" y="4823774"/>
+              <a:ext cx="613499" cy="613499"/>
+            </a:xfrm>
+            <a:prstGeom prst="rect">
+              <a:avLst/>
+            </a:prstGeom>
+          </p:spPr>
+        </p:pic>
+        <p:sp>
+          <p:nvSpPr>
+            <p:cNvPr id="18" name="Rectangle 17"/>
             <p:cNvSpPr/>
             <p:nvPr/>
           </p:nvSpPr>
@@ -14559,7 +14954,7 @@
         </p:sp>
         <p:sp>
           <p:nvSpPr>
-            <p:cNvPr id="37" name="Rectangle 36"/>
+            <p:cNvPr id="19" name="Rectangle 18"/>
             <p:cNvSpPr/>
             <p:nvPr/>
           </p:nvSpPr>
@@ -14601,1163 +14996,16 @@
             </a:p>
           </p:txBody>
         </p:sp>
-        <p:grpSp>
-          <p:nvGrpSpPr>
-            <p:cNvPr id="38" name="Groupe 37"/>
-            <p:cNvGrpSpPr/>
-            <p:nvPr/>
-          </p:nvGrpSpPr>
-          <p:grpSpPr>
-            <a:xfrm>
-              <a:off x="242676" y="1250931"/>
-              <a:ext cx="8650025" cy="4238769"/>
-              <a:chOff x="244061" y="1345601"/>
-              <a:chExt cx="8650025" cy="4238769"/>
-            </a:xfrm>
-          </p:grpSpPr>
-          <p:pic>
-            <p:nvPicPr>
-              <p:cNvPr id="39" name="Image 38"/>
-              <p:cNvPicPr>
-                <a:picLocks noChangeAspect="1"/>
-              </p:cNvPicPr>
-              <p:nvPr/>
-            </p:nvPicPr>
-            <p:blipFill>
-              <a:blip r:embed="rId2" cstate="screen">
-                <a:extLst>
-                  <a:ext uri="{28A0092B-C50C-407E-A947-70E740481C1C}">
-                    <a14:useLocalDpi xmlns:a14="http://schemas.microsoft.com/office/drawing/2010/main" val="0"/>
-                  </a:ext>
-                </a:extLst>
-              </a:blip>
-              <a:stretch>
-                <a:fillRect/>
-              </a:stretch>
-            </p:blipFill>
-            <p:spPr>
-              <a:xfrm>
-                <a:off x="7853061" y="1429364"/>
-                <a:ext cx="679366" cy="510883"/>
-              </a:xfrm>
-              <a:prstGeom prst="rect">
-                <a:avLst/>
-              </a:prstGeom>
-            </p:spPr>
-          </p:pic>
-          <p:pic>
-            <p:nvPicPr>
-              <p:cNvPr id="40" name="Image 39"/>
-              <p:cNvPicPr>
-                <a:picLocks noChangeAspect="1"/>
-              </p:cNvPicPr>
-              <p:nvPr/>
-            </p:nvPicPr>
-            <p:blipFill>
-              <a:blip r:embed="rId3" cstate="screen">
-                <a:extLst>
-                  <a:ext uri="{28A0092B-C50C-407E-A947-70E740481C1C}">
-                    <a14:useLocalDpi xmlns:a14="http://schemas.microsoft.com/office/drawing/2010/main" val="0"/>
-                  </a:ext>
-                </a:extLst>
-              </a:blip>
-              <a:stretch>
-                <a:fillRect/>
-              </a:stretch>
-            </p:blipFill>
-            <p:spPr>
-              <a:xfrm>
-                <a:off x="5770113" y="4708770"/>
-                <a:ext cx="875600" cy="875600"/>
-              </a:xfrm>
-              <a:prstGeom prst="rect">
-                <a:avLst/>
-              </a:prstGeom>
-            </p:spPr>
-          </p:pic>
-          <p:pic>
-            <p:nvPicPr>
-              <p:cNvPr id="41" name="Image 40"/>
-              <p:cNvPicPr>
-                <a:picLocks noChangeAspect="1"/>
-              </p:cNvPicPr>
-              <p:nvPr/>
-            </p:nvPicPr>
-            <p:blipFill>
-              <a:blip r:embed="rId4" cstate="screen">
-                <a:extLst>
-                  <a:ext uri="{28A0092B-C50C-407E-A947-70E740481C1C}">
-                    <a14:useLocalDpi xmlns:a14="http://schemas.microsoft.com/office/drawing/2010/main" val="0"/>
-                  </a:ext>
-                </a:extLst>
-              </a:blip>
-              <a:stretch>
-                <a:fillRect/>
-              </a:stretch>
-            </p:blipFill>
-            <p:spPr>
-              <a:xfrm rot="10800000">
-                <a:off x="7007672" y="1477671"/>
-                <a:ext cx="402652" cy="402652"/>
-              </a:xfrm>
-              <a:prstGeom prst="rect">
-                <a:avLst/>
-              </a:prstGeom>
-            </p:spPr>
-          </p:pic>
-          <p:pic>
-            <p:nvPicPr>
-              <p:cNvPr id="42" name="Image 41"/>
-              <p:cNvPicPr>
-                <a:picLocks noChangeAspect="1"/>
-              </p:cNvPicPr>
-              <p:nvPr/>
-            </p:nvPicPr>
-            <p:blipFill>
-              <a:blip r:embed="rId5" cstate="screen">
-                <a:extLst>
-                  <a:ext uri="{28A0092B-C50C-407E-A947-70E740481C1C}">
-                    <a14:useLocalDpi xmlns:a14="http://schemas.microsoft.com/office/drawing/2010/main" val="0"/>
-                  </a:ext>
-                </a:extLst>
-              </a:blip>
-              <a:stretch>
-                <a:fillRect/>
-              </a:stretch>
-            </p:blipFill>
-            <p:spPr>
-              <a:xfrm>
-                <a:off x="5820537" y="1345601"/>
-                <a:ext cx="794871" cy="678410"/>
-              </a:xfrm>
-              <a:prstGeom prst="rect">
-                <a:avLst/>
-              </a:prstGeom>
-            </p:spPr>
-          </p:pic>
-          <p:pic>
-            <p:nvPicPr>
-              <p:cNvPr id="43" name="Image 42"/>
-              <p:cNvPicPr>
-                <a:picLocks noChangeAspect="1"/>
-              </p:cNvPicPr>
-              <p:nvPr/>
-            </p:nvPicPr>
-            <p:blipFill>
-              <a:blip r:embed="rId6" cstate="screen">
-                <a:extLst>
-                  <a:ext uri="{28A0092B-C50C-407E-A947-70E740481C1C}">
-                    <a14:useLocalDpi xmlns:a14="http://schemas.microsoft.com/office/drawing/2010/main" val="0"/>
-                  </a:ext>
-                </a:extLst>
-              </a:blip>
-              <a:stretch>
-                <a:fillRect/>
-              </a:stretch>
-            </p:blipFill>
-            <p:spPr>
-              <a:xfrm>
-                <a:off x="5770113" y="2955379"/>
-                <a:ext cx="884715" cy="782731"/>
-              </a:xfrm>
-              <a:prstGeom prst="rect">
-                <a:avLst/>
-              </a:prstGeom>
-            </p:spPr>
-          </p:pic>
-          <p:pic>
-            <p:nvPicPr>
-              <p:cNvPr id="44" name="Image 43"/>
-              <p:cNvPicPr>
-                <a:picLocks noChangeAspect="1"/>
-              </p:cNvPicPr>
-              <p:nvPr/>
-            </p:nvPicPr>
-            <p:blipFill>
-              <a:blip r:embed="rId7">
-                <a:extLst>
-                  <a:ext uri="{28A0092B-C50C-407E-A947-70E740481C1C}">
-                    <a14:useLocalDpi xmlns:a14="http://schemas.microsoft.com/office/drawing/2010/main" val="0"/>
-                  </a:ext>
-                </a:extLst>
-              </a:blip>
-              <a:stretch>
-                <a:fillRect/>
-              </a:stretch>
-            </p:blipFill>
-            <p:spPr>
-              <a:xfrm>
-                <a:off x="3384061" y="1667920"/>
-                <a:ext cx="1418468" cy="1268691"/>
-              </a:xfrm>
-              <a:prstGeom prst="rect">
-                <a:avLst/>
-              </a:prstGeom>
-            </p:spPr>
-          </p:pic>
-          <p:pic>
-            <p:nvPicPr>
-              <p:cNvPr id="45" name="Image 44"/>
-              <p:cNvPicPr>
-                <a:picLocks noChangeAspect="1"/>
-              </p:cNvPicPr>
-              <p:nvPr/>
-            </p:nvPicPr>
-            <p:blipFill>
-              <a:blip r:embed="rId8" cstate="screen">
-                <a:extLst>
-                  <a:ext uri="{28A0092B-C50C-407E-A947-70E740481C1C}">
-                    <a14:useLocalDpi xmlns:a14="http://schemas.microsoft.com/office/drawing/2010/main" val="0"/>
-                  </a:ext>
-                </a:extLst>
-              </a:blip>
-              <a:stretch>
-                <a:fillRect/>
-              </a:stretch>
-            </p:blipFill>
-            <p:spPr>
-              <a:xfrm>
-                <a:off x="244061" y="2851916"/>
-                <a:ext cx="1131791" cy="1257135"/>
-              </a:xfrm>
-              <a:prstGeom prst="rect">
-                <a:avLst/>
-              </a:prstGeom>
-            </p:spPr>
-          </p:pic>
-          <p:pic>
-            <p:nvPicPr>
-              <p:cNvPr id="46" name="Image 45"/>
-              <p:cNvPicPr>
-                <a:picLocks noChangeAspect="1"/>
-              </p:cNvPicPr>
-              <p:nvPr/>
-            </p:nvPicPr>
-            <p:blipFill>
-              <a:blip r:embed="rId9" cstate="screen">
-                <a:extLst>
-                  <a:ext uri="{28A0092B-C50C-407E-A947-70E740481C1C}">
-                    <a14:useLocalDpi xmlns:a14="http://schemas.microsoft.com/office/drawing/2010/main" val="0"/>
-                  </a:ext>
-                </a:extLst>
-              </a:blip>
-              <a:stretch>
-                <a:fillRect/>
-              </a:stretch>
-            </p:blipFill>
-            <p:spPr>
-              <a:xfrm>
-                <a:off x="5924313" y="2249583"/>
-                <a:ext cx="609960" cy="609960"/>
-              </a:xfrm>
-              <a:prstGeom prst="rect">
-                <a:avLst/>
-              </a:prstGeom>
-            </p:spPr>
-          </p:pic>
-          <p:pic>
-            <p:nvPicPr>
-              <p:cNvPr id="47" name="Image 46"/>
-              <p:cNvPicPr>
-                <a:picLocks noChangeAspect="1"/>
-              </p:cNvPicPr>
-              <p:nvPr/>
-            </p:nvPicPr>
-            <p:blipFill>
-              <a:blip r:embed="rId10" cstate="screen">
-                <a:extLst>
-                  <a:ext uri="{28A0092B-C50C-407E-A947-70E740481C1C}">
-                    <a14:useLocalDpi xmlns:a14="http://schemas.microsoft.com/office/drawing/2010/main" val="0"/>
-                  </a:ext>
-                </a:extLst>
-              </a:blip>
-              <a:stretch>
-                <a:fillRect/>
-              </a:stretch>
-            </p:blipFill>
-            <p:spPr>
-              <a:xfrm>
-                <a:off x="6885659" y="4913125"/>
-                <a:ext cx="646679" cy="409867"/>
-              </a:xfrm>
-              <a:prstGeom prst="rect">
-                <a:avLst/>
-              </a:prstGeom>
-            </p:spPr>
-          </p:pic>
-          <p:pic>
-            <p:nvPicPr>
-              <p:cNvPr id="48" name="Image 47"/>
-              <p:cNvPicPr>
-                <a:picLocks noChangeAspect="1"/>
-              </p:cNvPicPr>
-              <p:nvPr/>
-            </p:nvPicPr>
-            <p:blipFill>
-              <a:blip r:embed="rId9" cstate="screen">
-                <a:extLst>
-                  <a:ext uri="{28A0092B-C50C-407E-A947-70E740481C1C}">
-                    <a14:useLocalDpi xmlns:a14="http://schemas.microsoft.com/office/drawing/2010/main" val="0"/>
-                  </a:ext>
-                </a:extLst>
-              </a:blip>
-              <a:stretch>
-                <a:fillRect/>
-              </a:stretch>
-            </p:blipFill>
-            <p:spPr>
-              <a:xfrm rot="10800000">
-                <a:off x="5924312" y="4037833"/>
-                <a:ext cx="609960" cy="609960"/>
-              </a:xfrm>
-              <a:prstGeom prst="rect">
-                <a:avLst/>
-              </a:prstGeom>
-            </p:spPr>
-          </p:pic>
-          <p:pic>
-            <p:nvPicPr>
-              <p:cNvPr id="49" name="Image 48"/>
-              <p:cNvPicPr>
-                <a:picLocks noChangeAspect="1"/>
-              </p:cNvPicPr>
-              <p:nvPr/>
-            </p:nvPicPr>
-            <p:blipFill>
-              <a:blip r:embed="rId11" cstate="screen">
-                <a:extLst>
-                  <a:ext uri="{28A0092B-C50C-407E-A947-70E740481C1C}">
-                    <a14:useLocalDpi xmlns:a14="http://schemas.microsoft.com/office/drawing/2010/main" val="0"/>
-                  </a:ext>
-                </a:extLst>
-              </a:blip>
-              <a:stretch>
-                <a:fillRect/>
-              </a:stretch>
-            </p:blipFill>
-            <p:spPr>
-              <a:xfrm>
-                <a:off x="1733496" y="3558144"/>
-                <a:ext cx="920615" cy="226061"/>
-              </a:xfrm>
-              <a:prstGeom prst="rect">
-                <a:avLst/>
-              </a:prstGeom>
-            </p:spPr>
-          </p:pic>
-          <p:pic>
-            <p:nvPicPr>
-              <p:cNvPr id="50" name="Image 49"/>
-              <p:cNvPicPr>
-                <a:picLocks noChangeAspect="1"/>
-              </p:cNvPicPr>
-              <p:nvPr/>
-            </p:nvPicPr>
-            <p:blipFill>
-              <a:blip r:embed="rId12" cstate="screen">
-                <a:extLst>
-                  <a:ext uri="{28A0092B-C50C-407E-A947-70E740481C1C}">
-                    <a14:useLocalDpi xmlns:a14="http://schemas.microsoft.com/office/drawing/2010/main" val="0"/>
-                  </a:ext>
-                </a:extLst>
-              </a:blip>
-              <a:stretch>
-                <a:fillRect/>
-              </a:stretch>
-            </p:blipFill>
-            <p:spPr>
-              <a:xfrm>
-                <a:off x="7906150" y="4823774"/>
-                <a:ext cx="613499" cy="613499"/>
-              </a:xfrm>
-              <a:prstGeom prst="rect">
-                <a:avLst/>
-              </a:prstGeom>
-            </p:spPr>
-          </p:pic>
-          <p:sp>
-            <p:nvSpPr>
-              <p:cNvPr id="51" name="Rectangle 50"/>
-              <p:cNvSpPr/>
-              <p:nvPr/>
-            </p:nvSpPr>
-            <p:spPr>
-              <a:xfrm>
-                <a:off x="2969843" y="3107703"/>
-                <a:ext cx="967141" cy="752807"/>
-              </a:xfrm>
-              <a:prstGeom prst="rect">
-                <a:avLst/>
-              </a:prstGeom>
-              <a:noFill/>
-              <a:ln w="28575">
-                <a:solidFill>
-                  <a:schemeClr val="tx2">
-                    <a:lumMod val="75000"/>
-                  </a:schemeClr>
-                </a:solidFill>
-              </a:ln>
-            </p:spPr>
-            <p:style>
-              <a:lnRef idx="1">
-                <a:schemeClr val="accent1"/>
-              </a:lnRef>
-              <a:fillRef idx="3">
-                <a:schemeClr val="accent1"/>
-              </a:fillRef>
-              <a:effectRef idx="2">
-                <a:schemeClr val="accent1"/>
-              </a:effectRef>
-              <a:fontRef idx="minor">
-                <a:schemeClr val="lt1"/>
-              </a:fontRef>
-            </p:style>
-            <p:txBody>
-              <a:bodyPr rtlCol="0" anchor="ctr"/>
-              <a:lstStyle/>
-              <a:p>
-                <a:pPr algn="ctr"/>
-                <a:endParaRPr lang="fr-FR"/>
-              </a:p>
-            </p:txBody>
-          </p:sp>
-          <p:sp>
-            <p:nvSpPr>
-              <p:cNvPr id="52" name="Rectangle 51"/>
-              <p:cNvSpPr/>
-              <p:nvPr/>
-            </p:nvSpPr>
-            <p:spPr>
-              <a:xfrm>
-                <a:off x="4197469" y="3112697"/>
-                <a:ext cx="967141" cy="752807"/>
-              </a:xfrm>
-              <a:prstGeom prst="rect">
-                <a:avLst/>
-              </a:prstGeom>
-              <a:noFill/>
-              <a:ln w="28575">
-                <a:solidFill>
-                  <a:schemeClr val="accent1">
-                    <a:lumMod val="60000"/>
-                    <a:lumOff val="40000"/>
-                  </a:schemeClr>
-                </a:solidFill>
-              </a:ln>
-            </p:spPr>
-            <p:style>
-              <a:lnRef idx="1">
-                <a:schemeClr val="accent1"/>
-              </a:lnRef>
-              <a:fillRef idx="3">
-                <a:schemeClr val="accent1"/>
-              </a:fillRef>
-              <a:effectRef idx="2">
-                <a:schemeClr val="accent1"/>
-              </a:effectRef>
-              <a:fontRef idx="minor">
-                <a:schemeClr val="lt1"/>
-              </a:fontRef>
-            </p:style>
-            <p:txBody>
-              <a:bodyPr rtlCol="0" anchor="ctr"/>
-              <a:lstStyle/>
-              <a:p>
-                <a:pPr algn="ctr"/>
-                <a:endParaRPr lang="fr-FR"/>
-              </a:p>
-            </p:txBody>
-          </p:sp>
-          <p:sp>
-            <p:nvSpPr>
-              <p:cNvPr id="53" name="ZoneTexte 52"/>
-              <p:cNvSpPr txBox="1"/>
-              <p:nvPr/>
-            </p:nvSpPr>
-            <p:spPr>
-              <a:xfrm>
-                <a:off x="3105628" y="3290277"/>
-                <a:ext cx="695569" cy="369332"/>
-              </a:xfrm>
-              <a:prstGeom prst="rect">
-                <a:avLst/>
-              </a:prstGeom>
-              <a:noFill/>
-            </p:spPr>
-            <p:txBody>
-              <a:bodyPr wrap="square" rtlCol="0">
-                <a:spAutoFit/>
-              </a:bodyPr>
-              <a:lstStyle/>
-              <a:p>
-                <a:pPr algn="ctr"/>
-                <a:r>
-                  <a:rPr lang="fr-FR" dirty="0" smtClean="0">
-                    <a:effectLst>
-                      <a:outerShdw blurRad="50800" dist="38100" dir="2700000" algn="tl" rotWithShape="0">
-                        <a:prstClr val="black">
-                          <a:alpha val="40000"/>
-                        </a:prstClr>
-                      </a:outerShdw>
-                    </a:effectLst>
-                  </a:rPr>
-                  <a:t>IHM</a:t>
-                </a:r>
-              </a:p>
-            </p:txBody>
-          </p:sp>
-          <p:sp>
-            <p:nvSpPr>
-              <p:cNvPr id="54" name="ZoneTexte 53"/>
-              <p:cNvSpPr txBox="1"/>
-              <p:nvPr/>
-            </p:nvSpPr>
-            <p:spPr>
-              <a:xfrm>
-                <a:off x="4213274" y="3163764"/>
-                <a:ext cx="935529" cy="646331"/>
-              </a:xfrm>
-              <a:prstGeom prst="rect">
-                <a:avLst/>
-              </a:prstGeom>
-              <a:noFill/>
-            </p:spPr>
-            <p:txBody>
-              <a:bodyPr wrap="square" rtlCol="0">
-                <a:spAutoFit/>
-              </a:bodyPr>
-              <a:lstStyle/>
-              <a:p>
-                <a:pPr algn="ctr"/>
-                <a:r>
-                  <a:rPr lang="fr-FR" dirty="0" smtClean="0">
-                    <a:effectLst>
-                      <a:outerShdw blurRad="50800" dist="38100" dir="2700000" algn="tl" rotWithShape="0">
-                        <a:prstClr val="black">
-                          <a:alpha val="40000"/>
-                        </a:prstClr>
-                      </a:outerShdw>
-                    </a:effectLst>
-                  </a:rPr>
-                  <a:t>Modèle</a:t>
-                </a:r>
-              </a:p>
-              <a:p>
-                <a:pPr algn="ctr"/>
-                <a:r>
-                  <a:rPr lang="fr-FR" dirty="0" smtClean="0">
-                    <a:effectLst>
-                      <a:outerShdw blurRad="50800" dist="38100" dir="2700000" algn="tl" rotWithShape="0">
-                        <a:prstClr val="black">
-                          <a:alpha val="40000"/>
-                        </a:prstClr>
-                      </a:outerShdw>
-                    </a:effectLst>
-                  </a:rPr>
-                  <a:t>DLL</a:t>
-                </a:r>
-              </a:p>
-            </p:txBody>
-          </p:sp>
-          <p:sp>
-            <p:nvSpPr>
-              <p:cNvPr id="55" name="ZoneTexte 54"/>
-              <p:cNvSpPr txBox="1"/>
-              <p:nvPr/>
-            </p:nvSpPr>
-            <p:spPr>
-              <a:xfrm>
-                <a:off x="945744" y="2523558"/>
-                <a:ext cx="1881906" cy="646331"/>
-              </a:xfrm>
-              <a:prstGeom prst="rect">
-                <a:avLst/>
-              </a:prstGeom>
-              <a:noFill/>
-            </p:spPr>
-            <p:txBody>
-              <a:bodyPr wrap="square" rtlCol="0">
-                <a:spAutoFit/>
-              </a:bodyPr>
-              <a:lstStyle/>
-              <a:p>
-                <a:pPr algn="ctr"/>
-                <a:r>
-                  <a:rPr lang="fr-FR" dirty="0" smtClean="0">
-                    <a:effectLst>
-                      <a:outerShdw blurRad="50800" dist="38100" dir="2700000" algn="tl" rotWithShape="0">
-                        <a:prstClr val="black">
-                          <a:alpha val="40000"/>
-                        </a:prstClr>
-                      </a:outerShdw>
-                    </a:effectLst>
-                  </a:rPr>
-                  <a:t>Bluetooth_com</a:t>
-                </a:r>
-              </a:p>
-              <a:p>
-                <a:pPr algn="ctr"/>
-                <a:r>
-                  <a:rPr lang="fr-FR" dirty="0" smtClean="0">
-                    <a:effectLst>
-                      <a:outerShdw blurRad="50800" dist="38100" dir="2700000" algn="tl" rotWithShape="0">
-                        <a:prstClr val="black">
-                          <a:alpha val="40000"/>
-                        </a:prstClr>
-                      </a:outerShdw>
-                    </a:effectLst>
-                  </a:rPr>
-                  <a:t>DLL</a:t>
-                </a:r>
-              </a:p>
-            </p:txBody>
-          </p:sp>
-          <p:cxnSp>
-            <p:nvCxnSpPr>
-              <p:cNvPr id="56" name="Connecteur droit avec flèche 55"/>
-              <p:cNvCxnSpPr>
-                <a:stCxn id="51" idx="3"/>
-                <a:endCxn id="52" idx="1"/>
-              </p:cNvCxnSpPr>
-              <p:nvPr/>
-            </p:nvCxnSpPr>
-            <p:spPr>
-              <a:xfrm>
-                <a:off x="3936984" y="3484107"/>
-                <a:ext cx="260485" cy="4994"/>
-              </a:xfrm>
-              <a:prstGeom prst="straightConnector1">
-                <a:avLst/>
-              </a:prstGeom>
-              <a:ln>
-                <a:headEnd type="triangle"/>
-                <a:tailEnd type="triangle"/>
-              </a:ln>
-            </p:spPr>
-            <p:style>
-              <a:lnRef idx="2">
-                <a:schemeClr val="dk1"/>
-              </a:lnRef>
-              <a:fillRef idx="0">
-                <a:schemeClr val="dk1"/>
-              </a:fillRef>
-              <a:effectRef idx="1">
-                <a:schemeClr val="dk1"/>
-              </a:effectRef>
-              <a:fontRef idx="minor">
-                <a:schemeClr val="tx1"/>
-              </a:fontRef>
-            </p:style>
-          </p:cxnSp>
-          <p:cxnSp>
-            <p:nvCxnSpPr>
-              <p:cNvPr id="57" name="Connecteur droit avec flèche 56"/>
-              <p:cNvCxnSpPr>
-                <a:stCxn id="51" idx="1"/>
-                <a:endCxn id="45" idx="3"/>
-              </p:cNvCxnSpPr>
-              <p:nvPr/>
-            </p:nvCxnSpPr>
-            <p:spPr>
-              <a:xfrm flipH="1" flipV="1">
-                <a:off x="1375852" y="3480484"/>
-                <a:ext cx="1593991" cy="3623"/>
-              </a:xfrm>
-              <a:prstGeom prst="straightConnector1">
-                <a:avLst/>
-              </a:prstGeom>
-              <a:ln>
-                <a:tailEnd type="triangle"/>
-              </a:ln>
-            </p:spPr>
-            <p:style>
-              <a:lnRef idx="2">
-                <a:schemeClr val="dk1"/>
-              </a:lnRef>
-              <a:fillRef idx="0">
-                <a:schemeClr val="dk1"/>
-              </a:fillRef>
-              <a:effectRef idx="1">
-                <a:schemeClr val="dk1"/>
-              </a:effectRef>
-              <a:fontRef idx="minor">
-                <a:schemeClr val="tx1"/>
-              </a:fontRef>
-            </p:style>
-          </p:cxnSp>
-          <p:pic>
-            <p:nvPicPr>
-              <p:cNvPr id="58" name="Image 57"/>
-              <p:cNvPicPr>
-                <a:picLocks noChangeAspect="1"/>
-              </p:cNvPicPr>
-              <p:nvPr/>
-            </p:nvPicPr>
-            <p:blipFill>
-              <a:blip r:embed="rId13" cstate="screen">
-                <a:extLst>
-                  <a:ext uri="{28A0092B-C50C-407E-A947-70E740481C1C}">
-                    <a14:useLocalDpi xmlns:a14="http://schemas.microsoft.com/office/drawing/2010/main" val="0"/>
-                  </a:ext>
-                </a:extLst>
-              </a:blip>
-              <a:stretch>
-                <a:fillRect/>
-              </a:stretch>
-            </p:blipFill>
-            <p:spPr>
-              <a:xfrm>
-                <a:off x="469840" y="4363507"/>
-                <a:ext cx="851211" cy="828834"/>
-              </a:xfrm>
-              <a:prstGeom prst="rect">
-                <a:avLst/>
-              </a:prstGeom>
-            </p:spPr>
-          </p:pic>
-          <p:pic>
-            <p:nvPicPr>
-              <p:cNvPr id="59" name="Image 58"/>
-              <p:cNvPicPr>
-                <a:picLocks noChangeAspect="1"/>
-              </p:cNvPicPr>
-              <p:nvPr/>
-            </p:nvPicPr>
-            <p:blipFill>
-              <a:blip r:embed="rId14" cstate="screen">
-                <a:extLst>
-                  <a:ext uri="{28A0092B-C50C-407E-A947-70E740481C1C}">
-                    <a14:useLocalDpi xmlns:a14="http://schemas.microsoft.com/office/drawing/2010/main" val="0"/>
-                  </a:ext>
-                </a:extLst>
-              </a:blip>
-              <a:stretch>
-                <a:fillRect/>
-              </a:stretch>
-            </p:blipFill>
-            <p:spPr>
-              <a:xfrm>
-                <a:off x="7495922" y="3029753"/>
-                <a:ext cx="914419" cy="890380"/>
-              </a:xfrm>
-              <a:prstGeom prst="rect">
-                <a:avLst/>
-              </a:prstGeom>
-            </p:spPr>
-          </p:pic>
-          <p:sp>
-            <p:nvSpPr>
-              <p:cNvPr id="60" name="ZoneTexte 59"/>
-              <p:cNvSpPr txBox="1"/>
-              <p:nvPr/>
-            </p:nvSpPr>
-            <p:spPr>
-              <a:xfrm>
-                <a:off x="7012180" y="2213212"/>
-                <a:ext cx="1881906" cy="646331"/>
-              </a:xfrm>
-              <a:prstGeom prst="rect">
-                <a:avLst/>
-              </a:prstGeom>
-              <a:noFill/>
-            </p:spPr>
-            <p:txBody>
-              <a:bodyPr wrap="square" rtlCol="0">
-                <a:spAutoFit/>
-              </a:bodyPr>
-              <a:lstStyle/>
-              <a:p>
-                <a:pPr algn="ctr"/>
-                <a:r>
-                  <a:rPr lang="fr-FR" dirty="0" smtClean="0">
-                    <a:effectLst>
-                      <a:outerShdw blurRad="50800" dist="38100" dir="2700000" algn="tl" rotWithShape="0">
-                        <a:prstClr val="black">
-                          <a:alpha val="40000"/>
-                        </a:prstClr>
-                      </a:outerShdw>
-                    </a:effectLst>
-                  </a:rPr>
-                  <a:t>RequeteHttp</a:t>
-                </a:r>
-              </a:p>
-              <a:p>
-                <a:pPr algn="ctr"/>
-                <a:r>
-                  <a:rPr lang="fr-FR" dirty="0" smtClean="0">
-                    <a:effectLst>
-                      <a:outerShdw blurRad="50800" dist="38100" dir="2700000" algn="tl" rotWithShape="0">
-                        <a:prstClr val="black">
-                          <a:alpha val="40000"/>
-                        </a:prstClr>
-                      </a:outerShdw>
-                    </a:effectLst>
-                  </a:rPr>
-                  <a:t>DLL</a:t>
-                </a:r>
-              </a:p>
-            </p:txBody>
-          </p:sp>
-          <p:sp>
-            <p:nvSpPr>
-              <p:cNvPr id="61" name="Rectangle 60"/>
-              <p:cNvSpPr/>
-              <p:nvPr/>
-            </p:nvSpPr>
-            <p:spPr>
-              <a:xfrm>
-                <a:off x="7315779" y="4142516"/>
-                <a:ext cx="1274708" cy="369332"/>
-              </a:xfrm>
-              <a:prstGeom prst="rect">
-                <a:avLst/>
-              </a:prstGeom>
-            </p:spPr>
-            <p:txBody>
-              <a:bodyPr wrap="none">
-                <a:spAutoFit/>
-              </a:bodyPr>
-              <a:lstStyle/>
-              <a:p>
-                <a:pPr algn="ctr"/>
-                <a:r>
-                  <a:rPr lang="fr-FR" dirty="0" err="1"/>
-                  <a:t>HappyHttp</a:t>
-                </a:r>
-                <a:endParaRPr lang="fr-FR" dirty="0"/>
-              </a:p>
-            </p:txBody>
-          </p:sp>
-          <p:pic>
-            <p:nvPicPr>
-              <p:cNvPr id="62" name="Image 61"/>
-              <p:cNvPicPr>
-                <a:picLocks noChangeAspect="1"/>
-              </p:cNvPicPr>
-              <p:nvPr/>
-            </p:nvPicPr>
-            <p:blipFill>
-              <a:blip r:embed="rId15" cstate="screen">
-                <a:extLst>
-                  <a:ext uri="{28A0092B-C50C-407E-A947-70E740481C1C}">
-                    <a14:useLocalDpi xmlns:a14="http://schemas.microsoft.com/office/drawing/2010/main" val="0"/>
-                  </a:ext>
-                </a:extLst>
-              </a:blip>
-              <a:stretch>
-                <a:fillRect/>
-              </a:stretch>
-            </p:blipFill>
-            <p:spPr>
-              <a:xfrm>
-                <a:off x="4304840" y="3975672"/>
-                <a:ext cx="752398" cy="732618"/>
-              </a:xfrm>
-              <a:prstGeom prst="rect">
-                <a:avLst/>
-              </a:prstGeom>
-            </p:spPr>
-          </p:pic>
-          <p:pic>
-            <p:nvPicPr>
-              <p:cNvPr id="63" name="Image 62"/>
-              <p:cNvPicPr>
-                <a:picLocks noChangeAspect="1"/>
-              </p:cNvPicPr>
-              <p:nvPr/>
-            </p:nvPicPr>
-            <p:blipFill>
-              <a:blip r:embed="rId16" cstate="screen">
-                <a:extLst>
-                  <a:ext uri="{28A0092B-C50C-407E-A947-70E740481C1C}">
-                    <a14:useLocalDpi xmlns:a14="http://schemas.microsoft.com/office/drawing/2010/main" val="0"/>
-                  </a:ext>
-                </a:extLst>
-              </a:blip>
-              <a:stretch>
-                <a:fillRect/>
-              </a:stretch>
-            </p:blipFill>
-            <p:spPr>
-              <a:xfrm>
-                <a:off x="2992160" y="3910739"/>
-                <a:ext cx="922503" cy="882906"/>
-              </a:xfrm>
-              <a:prstGeom prst="rect">
-                <a:avLst/>
-              </a:prstGeom>
-            </p:spPr>
-          </p:pic>
-          <p:pic>
-            <p:nvPicPr>
-              <p:cNvPr id="64" name="Image 63"/>
-              <p:cNvPicPr>
-                <a:picLocks noChangeAspect="1"/>
-              </p:cNvPicPr>
-              <p:nvPr/>
-            </p:nvPicPr>
-            <p:blipFill>
-              <a:blip r:embed="rId17" cstate="screen">
-                <a:extLst>
-                  <a:ext uri="{28A0092B-C50C-407E-A947-70E740481C1C}">
-                    <a14:useLocalDpi xmlns:a14="http://schemas.microsoft.com/office/drawing/2010/main" val="0"/>
-                  </a:ext>
-                </a:extLst>
-              </a:blip>
-              <a:stretch>
-                <a:fillRect/>
-              </a:stretch>
-            </p:blipFill>
-            <p:spPr>
-              <a:xfrm>
-                <a:off x="1733495" y="4300297"/>
-                <a:ext cx="721023" cy="940465"/>
-              </a:xfrm>
-              <a:prstGeom prst="rect">
-                <a:avLst/>
-              </a:prstGeom>
-            </p:spPr>
-          </p:pic>
-          <p:cxnSp>
-            <p:nvCxnSpPr>
-              <p:cNvPr id="65" name="Connecteur droit avec flèche 64"/>
-              <p:cNvCxnSpPr/>
-              <p:nvPr/>
-            </p:nvCxnSpPr>
-            <p:spPr>
-              <a:xfrm>
-                <a:off x="5164610" y="3484107"/>
-                <a:ext cx="442737" cy="2401"/>
-              </a:xfrm>
-              <a:prstGeom prst="straightConnector1">
-                <a:avLst/>
-              </a:prstGeom>
-              <a:ln>
-                <a:tailEnd type="arrow"/>
-              </a:ln>
-            </p:spPr>
-            <p:style>
-              <a:lnRef idx="2">
-                <a:schemeClr val="dk1"/>
-              </a:lnRef>
-              <a:fillRef idx="0">
-                <a:schemeClr val="dk1"/>
-              </a:fillRef>
-              <a:effectRef idx="1">
-                <a:schemeClr val="dk1"/>
-              </a:effectRef>
-              <a:fontRef idx="minor">
-                <a:schemeClr val="tx1"/>
-              </a:fontRef>
-            </p:style>
-          </p:cxnSp>
-        </p:grpSp>
-      </p:grpSp>
-    </p:spTree>
-    <p:extLst>
-      <p:ext uri="{BB962C8B-B14F-4D97-AF65-F5344CB8AC3E}">
-        <p14:creationId xmlns:p14="http://schemas.microsoft.com/office/powerpoint/2010/main" val="1099689024"/>
-      </p:ext>
-    </p:extLst>
-  </p:cSld>
-  <p:clrMapOvr>
-    <a:masterClrMapping/>
-  </p:clrMapOvr>
-  <mc:AlternateContent xmlns:mc="http://schemas.openxmlformats.org/markup-compatibility/2006" xmlns:p14="http://schemas.microsoft.com/office/powerpoint/2010/main">
-    <mc:Choice Requires="p14">
-      <p:transition spd="med" p14:dur="700">
-        <p:fade/>
-      </p:transition>
-    </mc:Choice>
-    <mc:Fallback xmlns="">
-      <p:transition spd="med">
-        <p:fade/>
-      </p:transition>
-    </mc:Fallback>
-  </mc:AlternateContent>
-  <p:timing>
-    <p:tnLst>
-      <p:par>
-        <p:cTn id="1" dur="indefinite" restart="never" nodeType="tmRoot"/>
-      </p:par>
-    </p:tnLst>
-  </p:timing>
-</p:sld>
-</file>
-
-<file path=ppt/slides/slide23.xml><?xml version="1.0" encoding="utf-8"?>
-<p:sld xmlns:a="http://schemas.openxmlformats.org/drawingml/2006/main" xmlns:r="http://schemas.openxmlformats.org/officeDocument/2006/relationships" xmlns:p="http://schemas.openxmlformats.org/presentationml/2006/main">
-  <p:cSld>
-    <p:spTree>
-      <p:nvGrpSpPr>
-        <p:cNvPr id="1" name=""/>
-        <p:cNvGrpSpPr/>
-        <p:nvPr/>
-      </p:nvGrpSpPr>
-      <p:grpSpPr>
-        <a:xfrm>
-          <a:off x="0" y="0"/>
-          <a:ext cx="0" cy="0"/>
-          <a:chOff x="0" y="0"/>
-          <a:chExt cx="0" cy="0"/>
-        </a:xfrm>
-      </p:grpSpPr>
-      <p:sp>
-        <p:nvSpPr>
-          <p:cNvPr id="2" name="Titre 1"/>
-          <p:cNvSpPr>
-            <a:spLocks noGrp="1"/>
-          </p:cNvSpPr>
-          <p:nvPr>
-            <p:ph type="title"/>
-          </p:nvPr>
-        </p:nvSpPr>
-        <p:spPr/>
-        <p:txBody>
-          <a:bodyPr/>
-          <a:lstStyle/>
-          <a:p>
-            <a:pPr algn="ctr"/>
-            <a:r>
-              <a:rPr lang="en-US" dirty="0" err="1" smtClean="0"/>
-              <a:t>Etat</a:t>
-            </a:r>
-            <a:r>
-              <a:rPr lang="en-US" dirty="0" smtClean="0"/>
-              <a:t> des </a:t>
-            </a:r>
-            <a:r>
-              <a:rPr lang="en-US" dirty="0" err="1" smtClean="0"/>
-              <a:t>capteurs</a:t>
-            </a:r>
-            <a:r>
-              <a:rPr lang="en-US" dirty="0" smtClean="0"/>
-              <a:t> </a:t>
-            </a:r>
-            <a:r>
-              <a:rPr lang="en-US" dirty="0" err="1" smtClean="0"/>
-              <a:t>fibaro</a:t>
-            </a:r>
-            <a:endParaRPr lang="en-US" dirty="0"/>
-          </a:p>
-        </p:txBody>
-      </p:sp>
-      <p:pic>
-        <p:nvPicPr>
-          <p:cNvPr id="2050" name="Picture 2"/>
-          <p:cNvPicPr>
-            <a:picLocks noChangeAspect="1" noChangeArrowheads="1"/>
-          </p:cNvPicPr>
-          <p:nvPr/>
-        </p:nvPicPr>
-        <p:blipFill rotWithShape="1">
-          <a:blip r:embed="rId2">
-            <a:extLst>
-              <a:ext uri="{28A0092B-C50C-407E-A947-70E740481C1C}">
-                <a14:useLocalDpi xmlns:a14="http://schemas.microsoft.com/office/drawing/2010/main" val="0"/>
-              </a:ext>
-            </a:extLst>
-          </a:blip>
-          <a:srcRect r="33853"/>
-          <a:stretch/>
-        </p:blipFill>
-        <p:spPr bwMode="auto">
-          <a:xfrm>
-            <a:off x="139159" y="802356"/>
-            <a:ext cx="5550792" cy="2962275"/>
-          </a:xfrm>
-          <a:prstGeom prst="rect">
-            <a:avLst/>
-          </a:prstGeom>
-          <a:noFill/>
-          <a:ln>
-            <a:noFill/>
-          </a:ln>
-          <a:effectLst/>
-          <a:extLst>
-            <a:ext uri="{909E8E84-426E-40DD-AFC4-6F175D3DCCD1}">
-              <a14:hiddenFill xmlns:a14="http://schemas.microsoft.com/office/drawing/2010/main">
-                <a:solidFill>
-                  <a:schemeClr val="accent1"/>
-                </a:solidFill>
-              </a14:hiddenFill>
-            </a:ext>
-            <a:ext uri="{91240B29-F687-4F45-9708-019B960494DF}">
-              <a14:hiddenLine xmlns:a14="http://schemas.microsoft.com/office/drawing/2010/main" w="9525">
-                <a:solidFill>
-                  <a:schemeClr val="tx1"/>
-                </a:solidFill>
-                <a:miter lim="800000"/>
-                <a:headEnd/>
-                <a:tailEnd/>
-              </a14:hiddenLine>
-            </a:ext>
-            <a:ext uri="{AF507438-7753-43E0-B8FC-AC1667EBCBE1}">
-              <a14:hiddenEffects xmlns:a14="http://schemas.microsoft.com/office/drawing/2010/main">
-                <a:effectLst>
-                  <a:outerShdw dist="35921" dir="2700000" algn="ctr" rotWithShape="0">
-                    <a:schemeClr val="bg2"/>
-                  </a:outerShdw>
-                </a:effectLst>
-              </a14:hiddenEffects>
-            </a:ext>
-          </a:extLst>
-        </p:spPr>
-      </p:pic>
-      <p:pic>
-        <p:nvPicPr>
-          <p:cNvPr id="14" name="Image 13"/>
-          <p:cNvPicPr>
-            <a:picLocks noChangeAspect="1"/>
-          </p:cNvPicPr>
-          <p:nvPr/>
-        </p:nvPicPr>
-        <p:blipFill>
-          <a:blip r:embed="rId3">
-            <a:extLst>
-              <a:ext uri="{28A0092B-C50C-407E-A947-70E740481C1C}">
-                <a14:useLocalDpi xmlns:a14="http://schemas.microsoft.com/office/drawing/2010/main" val="0"/>
-              </a:ext>
-            </a:extLst>
-          </a:blip>
-          <a:stretch>
-            <a:fillRect/>
-          </a:stretch>
-        </p:blipFill>
-        <p:spPr>
-          <a:xfrm>
-            <a:off x="6777682" y="3547758"/>
-            <a:ext cx="1014668" cy="881760"/>
-          </a:xfrm>
-          <a:prstGeom prst="rect">
-            <a:avLst/>
-          </a:prstGeom>
-        </p:spPr>
-      </p:pic>
-      <p:grpSp>
-        <p:nvGrpSpPr>
-          <p:cNvPr id="4" name="Groupe 3"/>
-          <p:cNvGrpSpPr/>
-          <p:nvPr/>
-        </p:nvGrpSpPr>
-        <p:grpSpPr>
-          <a:xfrm>
-            <a:off x="6123664" y="4561026"/>
-            <a:ext cx="2322705" cy="1724592"/>
-            <a:chOff x="4906231" y="4503680"/>
-            <a:chExt cx="1569976" cy="1171755"/>
-          </a:xfrm>
-        </p:grpSpPr>
         <p:sp>
           <p:nvSpPr>
-            <p:cNvPr id="21" name="Rectangle 20"/>
+            <p:cNvPr id="20" name="Rectangle 19"/>
             <p:cNvSpPr/>
             <p:nvPr/>
           </p:nvSpPr>
           <p:spPr>
             <a:xfrm>
-              <a:off x="4906231" y="4503680"/>
-              <a:ext cx="691822" cy="523212"/>
+              <a:off x="2969843" y="3107703"/>
+              <a:ext cx="967141" cy="752807"/>
             </a:xfrm>
             <a:prstGeom prst="rect">
               <a:avLst/>
@@ -15796,14 +15044,14 @@
         </p:sp>
         <p:sp>
           <p:nvSpPr>
-            <p:cNvPr id="22" name="Rectangle 21"/>
+            <p:cNvPr id="21" name="Rectangle 20"/>
             <p:cNvSpPr/>
             <p:nvPr/>
           </p:nvSpPr>
           <p:spPr>
             <a:xfrm>
-              <a:off x="5784385" y="4507151"/>
-              <a:ext cx="691822" cy="523212"/>
+              <a:off x="4197469" y="3112697"/>
+              <a:ext cx="967141" cy="752807"/>
             </a:xfrm>
             <a:prstGeom prst="rect">
               <a:avLst/>
@@ -15843,14 +15091,14 @@
         </p:sp>
         <p:sp>
           <p:nvSpPr>
-            <p:cNvPr id="23" name="ZoneTexte 22"/>
+            <p:cNvPr id="22" name="ZoneTexte 21"/>
             <p:cNvSpPr txBox="1"/>
             <p:nvPr/>
           </p:nvSpPr>
           <p:spPr>
             <a:xfrm>
-              <a:off x="5003362" y="4630571"/>
-              <a:ext cx="497559" cy="256691"/>
+              <a:off x="3105628" y="3290277"/>
+              <a:ext cx="695569" cy="369332"/>
             </a:xfrm>
             <a:prstGeom prst="rect">
               <a:avLst/>
@@ -15881,14 +15129,734 @@
         </p:sp>
         <p:sp>
           <p:nvSpPr>
+            <p:cNvPr id="23" name="ZoneTexte 22"/>
+            <p:cNvSpPr txBox="1"/>
+            <p:nvPr/>
+          </p:nvSpPr>
+          <p:spPr>
+            <a:xfrm>
+              <a:off x="4213274" y="3163764"/>
+              <a:ext cx="935529" cy="646331"/>
+            </a:xfrm>
+            <a:prstGeom prst="rect">
+              <a:avLst/>
+            </a:prstGeom>
+            <a:noFill/>
+          </p:spPr>
+          <p:txBody>
+            <a:bodyPr wrap="square" rtlCol="0">
+              <a:spAutoFit/>
+            </a:bodyPr>
+            <a:lstStyle/>
+            <a:p>
+              <a:pPr algn="ctr"/>
+              <a:r>
+                <a:rPr lang="fr-FR" dirty="0" smtClean="0">
+                  <a:effectLst>
+                    <a:outerShdw blurRad="50800" dist="38100" dir="2700000" algn="tl" rotWithShape="0">
+                      <a:prstClr val="black">
+                        <a:alpha val="40000"/>
+                      </a:prstClr>
+                    </a:outerShdw>
+                  </a:effectLst>
+                </a:rPr>
+                <a:t>Modèle</a:t>
+              </a:r>
+            </a:p>
+            <a:p>
+              <a:pPr algn="ctr"/>
+              <a:r>
+                <a:rPr lang="fr-FR" dirty="0" smtClean="0">
+                  <a:effectLst>
+                    <a:outerShdw blurRad="50800" dist="38100" dir="2700000" algn="tl" rotWithShape="0">
+                      <a:prstClr val="black">
+                        <a:alpha val="40000"/>
+                      </a:prstClr>
+                    </a:outerShdw>
+                  </a:effectLst>
+                </a:rPr>
+                <a:t>DLL</a:t>
+              </a:r>
+            </a:p>
+          </p:txBody>
+        </p:sp>
+        <p:sp>
+          <p:nvSpPr>
             <p:cNvPr id="24" name="ZoneTexte 23"/>
             <p:cNvSpPr txBox="1"/>
             <p:nvPr/>
           </p:nvSpPr>
           <p:spPr>
             <a:xfrm>
-              <a:off x="5795691" y="4542643"/>
-              <a:ext cx="669209" cy="449210"/>
+              <a:off x="945744" y="2523558"/>
+              <a:ext cx="1881906" cy="646331"/>
+            </a:xfrm>
+            <a:prstGeom prst="rect">
+              <a:avLst/>
+            </a:prstGeom>
+            <a:noFill/>
+          </p:spPr>
+          <p:txBody>
+            <a:bodyPr wrap="square" rtlCol="0">
+              <a:spAutoFit/>
+            </a:bodyPr>
+            <a:lstStyle/>
+            <a:p>
+              <a:pPr algn="ctr"/>
+              <a:r>
+                <a:rPr lang="fr-FR" dirty="0" smtClean="0">
+                  <a:effectLst>
+                    <a:outerShdw blurRad="50800" dist="38100" dir="2700000" algn="tl" rotWithShape="0">
+                      <a:prstClr val="black">
+                        <a:alpha val="40000"/>
+                      </a:prstClr>
+                    </a:outerShdw>
+                  </a:effectLst>
+                </a:rPr>
+                <a:t>Bluetooth_com</a:t>
+              </a:r>
+            </a:p>
+            <a:p>
+              <a:pPr algn="ctr"/>
+              <a:r>
+                <a:rPr lang="fr-FR" dirty="0" smtClean="0">
+                  <a:effectLst>
+                    <a:outerShdw blurRad="50800" dist="38100" dir="2700000" algn="tl" rotWithShape="0">
+                      <a:prstClr val="black">
+                        <a:alpha val="40000"/>
+                      </a:prstClr>
+                    </a:outerShdw>
+                  </a:effectLst>
+                </a:rPr>
+                <a:t>DLL</a:t>
+              </a:r>
+            </a:p>
+          </p:txBody>
+        </p:sp>
+        <p:cxnSp>
+          <p:nvCxnSpPr>
+            <p:cNvPr id="25" name="Connecteur droit avec flèche 24"/>
+            <p:cNvCxnSpPr>
+              <a:stCxn id="20" idx="3"/>
+              <a:endCxn id="21" idx="1"/>
+            </p:cNvCxnSpPr>
+            <p:nvPr/>
+          </p:nvCxnSpPr>
+          <p:spPr>
+            <a:xfrm>
+              <a:off x="3936984" y="3484107"/>
+              <a:ext cx="260485" cy="4994"/>
+            </a:xfrm>
+            <a:prstGeom prst="straightConnector1">
+              <a:avLst/>
+            </a:prstGeom>
+            <a:ln>
+              <a:headEnd type="triangle"/>
+              <a:tailEnd type="triangle"/>
+            </a:ln>
+          </p:spPr>
+          <p:style>
+            <a:lnRef idx="2">
+              <a:schemeClr val="dk1"/>
+            </a:lnRef>
+            <a:fillRef idx="0">
+              <a:schemeClr val="dk1"/>
+            </a:fillRef>
+            <a:effectRef idx="1">
+              <a:schemeClr val="dk1"/>
+            </a:effectRef>
+            <a:fontRef idx="minor">
+              <a:schemeClr val="tx1"/>
+            </a:fontRef>
+          </p:style>
+        </p:cxnSp>
+        <p:cxnSp>
+          <p:nvCxnSpPr>
+            <p:cNvPr id="26" name="Connecteur droit avec flèche 25"/>
+            <p:cNvCxnSpPr>
+              <a:stCxn id="20" idx="1"/>
+              <a:endCxn id="12" idx="3"/>
+            </p:cNvCxnSpPr>
+            <p:nvPr/>
+          </p:nvCxnSpPr>
+          <p:spPr>
+            <a:xfrm flipH="1" flipV="1">
+              <a:off x="1375852" y="3480484"/>
+              <a:ext cx="1593991" cy="3623"/>
+            </a:xfrm>
+            <a:prstGeom prst="straightConnector1">
+              <a:avLst/>
+            </a:prstGeom>
+            <a:ln>
+              <a:tailEnd type="triangle"/>
+            </a:ln>
+          </p:spPr>
+          <p:style>
+            <a:lnRef idx="2">
+              <a:schemeClr val="dk1"/>
+            </a:lnRef>
+            <a:fillRef idx="0">
+              <a:schemeClr val="dk1"/>
+            </a:fillRef>
+            <a:effectRef idx="1">
+              <a:schemeClr val="dk1"/>
+            </a:effectRef>
+            <a:fontRef idx="minor">
+              <a:schemeClr val="tx1"/>
+            </a:fontRef>
+          </p:style>
+        </p:cxnSp>
+        <p:pic>
+          <p:nvPicPr>
+            <p:cNvPr id="27" name="Image 26"/>
+            <p:cNvPicPr>
+              <a:picLocks noChangeAspect="1"/>
+            </p:cNvPicPr>
+            <p:nvPr/>
+          </p:nvPicPr>
+          <p:blipFill>
+            <a:blip r:embed="rId13" cstate="screen">
+              <a:extLst>
+                <a:ext uri="{28A0092B-C50C-407E-A947-70E740481C1C}">
+                  <a14:useLocalDpi xmlns:a14="http://schemas.microsoft.com/office/drawing/2010/main" val="0"/>
+                </a:ext>
+              </a:extLst>
+            </a:blip>
+            <a:stretch>
+              <a:fillRect/>
+            </a:stretch>
+          </p:blipFill>
+          <p:spPr>
+            <a:xfrm>
+              <a:off x="469840" y="4363507"/>
+              <a:ext cx="851211" cy="828834"/>
+            </a:xfrm>
+            <a:prstGeom prst="rect">
+              <a:avLst/>
+            </a:prstGeom>
+          </p:spPr>
+        </p:pic>
+        <p:pic>
+          <p:nvPicPr>
+            <p:cNvPr id="28" name="Image 27"/>
+            <p:cNvPicPr>
+              <a:picLocks noChangeAspect="1"/>
+            </p:cNvPicPr>
+            <p:nvPr/>
+          </p:nvPicPr>
+          <p:blipFill>
+            <a:blip r:embed="rId14" cstate="screen">
+              <a:extLst>
+                <a:ext uri="{28A0092B-C50C-407E-A947-70E740481C1C}">
+                  <a14:useLocalDpi xmlns:a14="http://schemas.microsoft.com/office/drawing/2010/main" val="0"/>
+                </a:ext>
+              </a:extLst>
+            </a:blip>
+            <a:stretch>
+              <a:fillRect/>
+            </a:stretch>
+          </p:blipFill>
+          <p:spPr>
+            <a:xfrm>
+              <a:off x="7495922" y="3029753"/>
+              <a:ext cx="914419" cy="890380"/>
+            </a:xfrm>
+            <a:prstGeom prst="rect">
+              <a:avLst/>
+            </a:prstGeom>
+          </p:spPr>
+        </p:pic>
+        <p:sp>
+          <p:nvSpPr>
+            <p:cNvPr id="29" name="ZoneTexte 28"/>
+            <p:cNvSpPr txBox="1"/>
+            <p:nvPr/>
+          </p:nvSpPr>
+          <p:spPr>
+            <a:xfrm>
+              <a:off x="7012180" y="2213212"/>
+              <a:ext cx="1881906" cy="646331"/>
+            </a:xfrm>
+            <a:prstGeom prst="rect">
+              <a:avLst/>
+            </a:prstGeom>
+            <a:noFill/>
+          </p:spPr>
+          <p:txBody>
+            <a:bodyPr wrap="square" rtlCol="0">
+              <a:spAutoFit/>
+            </a:bodyPr>
+            <a:lstStyle/>
+            <a:p>
+              <a:pPr algn="ctr"/>
+              <a:r>
+                <a:rPr lang="fr-FR" dirty="0" smtClean="0">
+                  <a:effectLst>
+                    <a:outerShdw blurRad="50800" dist="38100" dir="2700000" algn="tl" rotWithShape="0">
+                      <a:prstClr val="black">
+                        <a:alpha val="40000"/>
+                      </a:prstClr>
+                    </a:outerShdw>
+                  </a:effectLst>
+                </a:rPr>
+                <a:t>RequeteHttp</a:t>
+              </a:r>
+            </a:p>
+            <a:p>
+              <a:pPr algn="ctr"/>
+              <a:r>
+                <a:rPr lang="fr-FR" dirty="0" smtClean="0">
+                  <a:effectLst>
+                    <a:outerShdw blurRad="50800" dist="38100" dir="2700000" algn="tl" rotWithShape="0">
+                      <a:prstClr val="black">
+                        <a:alpha val="40000"/>
+                      </a:prstClr>
+                    </a:outerShdw>
+                  </a:effectLst>
+                </a:rPr>
+                <a:t>DLL</a:t>
+              </a:r>
+            </a:p>
+          </p:txBody>
+        </p:sp>
+        <p:sp>
+          <p:nvSpPr>
+            <p:cNvPr id="30" name="Rectangle 29"/>
+            <p:cNvSpPr/>
+            <p:nvPr/>
+          </p:nvSpPr>
+          <p:spPr>
+            <a:xfrm>
+              <a:off x="7315779" y="4142516"/>
+              <a:ext cx="1274708" cy="369332"/>
+            </a:xfrm>
+            <a:prstGeom prst="rect">
+              <a:avLst/>
+            </a:prstGeom>
+          </p:spPr>
+          <p:txBody>
+            <a:bodyPr wrap="none">
+              <a:spAutoFit/>
+            </a:bodyPr>
+            <a:lstStyle/>
+            <a:p>
+              <a:pPr algn="ctr"/>
+              <a:r>
+                <a:rPr lang="fr-FR" dirty="0" err="1"/>
+                <a:t>HappyHttp</a:t>
+              </a:r>
+              <a:endParaRPr lang="fr-FR" dirty="0"/>
+            </a:p>
+          </p:txBody>
+        </p:sp>
+        <p:pic>
+          <p:nvPicPr>
+            <p:cNvPr id="31" name="Image 30"/>
+            <p:cNvPicPr>
+              <a:picLocks noChangeAspect="1"/>
+            </p:cNvPicPr>
+            <p:nvPr/>
+          </p:nvPicPr>
+          <p:blipFill>
+            <a:blip r:embed="rId15" cstate="screen">
+              <a:extLst>
+                <a:ext uri="{28A0092B-C50C-407E-A947-70E740481C1C}">
+                  <a14:useLocalDpi xmlns:a14="http://schemas.microsoft.com/office/drawing/2010/main" val="0"/>
+                </a:ext>
+              </a:extLst>
+            </a:blip>
+            <a:stretch>
+              <a:fillRect/>
+            </a:stretch>
+          </p:blipFill>
+          <p:spPr>
+            <a:xfrm>
+              <a:off x="4304840" y="3975672"/>
+              <a:ext cx="752398" cy="732618"/>
+            </a:xfrm>
+            <a:prstGeom prst="rect">
+              <a:avLst/>
+            </a:prstGeom>
+          </p:spPr>
+        </p:pic>
+        <p:pic>
+          <p:nvPicPr>
+            <p:cNvPr id="32" name="Image 31"/>
+            <p:cNvPicPr>
+              <a:picLocks noChangeAspect="1"/>
+            </p:cNvPicPr>
+            <p:nvPr/>
+          </p:nvPicPr>
+          <p:blipFill>
+            <a:blip r:embed="rId16" cstate="screen">
+              <a:extLst>
+                <a:ext uri="{28A0092B-C50C-407E-A947-70E740481C1C}">
+                  <a14:useLocalDpi xmlns:a14="http://schemas.microsoft.com/office/drawing/2010/main" val="0"/>
+                </a:ext>
+              </a:extLst>
+            </a:blip>
+            <a:stretch>
+              <a:fillRect/>
+            </a:stretch>
+          </p:blipFill>
+          <p:spPr>
+            <a:xfrm>
+              <a:off x="2992160" y="3910739"/>
+              <a:ext cx="922503" cy="882906"/>
+            </a:xfrm>
+            <a:prstGeom prst="rect">
+              <a:avLst/>
+            </a:prstGeom>
+          </p:spPr>
+        </p:pic>
+        <p:pic>
+          <p:nvPicPr>
+            <p:cNvPr id="33" name="Image 32"/>
+            <p:cNvPicPr>
+              <a:picLocks noChangeAspect="1"/>
+            </p:cNvPicPr>
+            <p:nvPr/>
+          </p:nvPicPr>
+          <p:blipFill>
+            <a:blip r:embed="rId17" cstate="screen">
+              <a:extLst>
+                <a:ext uri="{28A0092B-C50C-407E-A947-70E740481C1C}">
+                  <a14:useLocalDpi xmlns:a14="http://schemas.microsoft.com/office/drawing/2010/main" val="0"/>
+                </a:ext>
+              </a:extLst>
+            </a:blip>
+            <a:stretch>
+              <a:fillRect/>
+            </a:stretch>
+          </p:blipFill>
+          <p:spPr>
+            <a:xfrm>
+              <a:off x="1733495" y="4300297"/>
+              <a:ext cx="721023" cy="940465"/>
+            </a:xfrm>
+            <a:prstGeom prst="rect">
+              <a:avLst/>
+            </a:prstGeom>
+          </p:spPr>
+        </p:pic>
+        <p:cxnSp>
+          <p:nvCxnSpPr>
+            <p:cNvPr id="34" name="Connecteur droit avec flèche 33"/>
+            <p:cNvCxnSpPr/>
+            <p:nvPr/>
+          </p:nvCxnSpPr>
+          <p:spPr>
+            <a:xfrm>
+              <a:off x="5164610" y="3484107"/>
+              <a:ext cx="442737" cy="2401"/>
+            </a:xfrm>
+            <a:prstGeom prst="straightConnector1">
+              <a:avLst/>
+            </a:prstGeom>
+            <a:ln>
+              <a:tailEnd type="arrow"/>
+            </a:ln>
+          </p:spPr>
+          <p:style>
+            <a:lnRef idx="2">
+              <a:schemeClr val="dk1"/>
+            </a:lnRef>
+            <a:fillRef idx="0">
+              <a:schemeClr val="dk1"/>
+            </a:fillRef>
+            <a:effectRef idx="1">
+              <a:schemeClr val="dk1"/>
+            </a:effectRef>
+            <a:fontRef idx="minor">
+              <a:schemeClr val="tx1"/>
+            </a:fontRef>
+          </p:style>
+        </p:cxnSp>
+      </p:grpSp>
+    </p:spTree>
+    <p:extLst>
+      <p:ext uri="{BB962C8B-B14F-4D97-AF65-F5344CB8AC3E}">
+        <p14:creationId xmlns:p14="http://schemas.microsoft.com/office/powerpoint/2010/main" val="3390972994"/>
+      </p:ext>
+    </p:extLst>
+  </p:cSld>
+  <p:clrMapOvr>
+    <a:masterClrMapping/>
+  </p:clrMapOvr>
+  <mc:AlternateContent xmlns:mc="http://schemas.openxmlformats.org/markup-compatibility/2006" xmlns:p14="http://schemas.microsoft.com/office/powerpoint/2010/main">
+    <mc:Choice Requires="p14">
+      <p:transition spd="med" p14:dur="700">
+        <p:fade/>
+      </p:transition>
+    </mc:Choice>
+    <mc:Fallback xmlns="">
+      <p:transition spd="med">
+        <p:fade/>
+      </p:transition>
+    </mc:Fallback>
+  </mc:AlternateContent>
+</p:sld>
+</file>
+
+<file path=ppt/slides/slide23.xml><?xml version="1.0" encoding="utf-8"?>
+<p:sld xmlns:a="http://schemas.openxmlformats.org/drawingml/2006/main" xmlns:r="http://schemas.openxmlformats.org/officeDocument/2006/relationships" xmlns:p="http://schemas.openxmlformats.org/presentationml/2006/main">
+  <p:cSld>
+    <p:spTree>
+      <p:nvGrpSpPr>
+        <p:cNvPr id="1" name=""/>
+        <p:cNvGrpSpPr/>
+        <p:nvPr/>
+      </p:nvGrpSpPr>
+      <p:grpSpPr>
+        <a:xfrm>
+          <a:off x="0" y="0"/>
+          <a:ext cx="0" cy="0"/>
+          <a:chOff x="0" y="0"/>
+          <a:chExt cx="0" cy="0"/>
+        </a:xfrm>
+      </p:grpSpPr>
+      <p:sp>
+        <p:nvSpPr>
+          <p:cNvPr id="2" name="Titre 1"/>
+          <p:cNvSpPr>
+            <a:spLocks noGrp="1"/>
+          </p:cNvSpPr>
+          <p:nvPr>
+            <p:ph type="title"/>
+          </p:nvPr>
+        </p:nvSpPr>
+        <p:spPr/>
+        <p:txBody>
+          <a:bodyPr/>
+          <a:lstStyle/>
+          <a:p>
+            <a:pPr algn="ctr"/>
+            <a:r>
+              <a:rPr lang="en-US" dirty="0" smtClean="0"/>
+              <a:t>ETAT des </a:t>
+            </a:r>
+            <a:r>
+              <a:rPr lang="en-US" dirty="0" err="1" smtClean="0"/>
+              <a:t>capteur</a:t>
+            </a:r>
+            <a:endParaRPr lang="en-US" dirty="0"/>
+          </a:p>
+        </p:txBody>
+      </p:sp>
+      <p:sp>
+        <p:nvSpPr>
+          <p:cNvPr id="5" name="ZoneTexte 4"/>
+          <p:cNvSpPr txBox="1"/>
+          <p:nvPr/>
+        </p:nvSpPr>
+        <p:spPr>
+          <a:xfrm>
+            <a:off x="8532427" y="6306905"/>
+            <a:ext cx="495300" cy="369332"/>
+          </a:xfrm>
+          <a:prstGeom prst="rect">
+            <a:avLst/>
+          </a:prstGeom>
+          <a:noFill/>
+        </p:spPr>
+        <p:txBody>
+          <a:bodyPr wrap="square" rtlCol="0">
+            <a:spAutoFit/>
+          </a:bodyPr>
+          <a:lstStyle/>
+          <a:p>
+            <a:r>
+              <a:rPr lang="fr-FR" dirty="0"/>
+              <a:t>7</a:t>
+            </a:r>
+          </a:p>
+        </p:txBody>
+      </p:sp>
+      <p:grpSp>
+        <p:nvGrpSpPr>
+          <p:cNvPr id="35" name="Groupe 34"/>
+          <p:cNvGrpSpPr/>
+          <p:nvPr/>
+        </p:nvGrpSpPr>
+        <p:grpSpPr>
+          <a:xfrm>
+            <a:off x="600351" y="2032754"/>
+            <a:ext cx="2194767" cy="3125725"/>
+            <a:chOff x="2969843" y="1667920"/>
+            <a:chExt cx="2194767" cy="3125725"/>
+          </a:xfrm>
+        </p:grpSpPr>
+        <p:pic>
+          <p:nvPicPr>
+            <p:cNvPr id="11" name="Image 10"/>
+            <p:cNvPicPr>
+              <a:picLocks noChangeAspect="1"/>
+            </p:cNvPicPr>
+            <p:nvPr/>
+          </p:nvPicPr>
+          <p:blipFill>
+            <a:blip r:embed="rId2">
+              <a:extLst>
+                <a:ext uri="{28A0092B-C50C-407E-A947-70E740481C1C}">
+                  <a14:useLocalDpi xmlns:a14="http://schemas.microsoft.com/office/drawing/2010/main" val="0"/>
+                </a:ext>
+              </a:extLst>
+            </a:blip>
+            <a:stretch>
+              <a:fillRect/>
+            </a:stretch>
+          </p:blipFill>
+          <p:spPr>
+            <a:xfrm>
+              <a:off x="3384061" y="1667920"/>
+              <a:ext cx="1418468" cy="1268691"/>
+            </a:xfrm>
+            <a:prstGeom prst="rect">
+              <a:avLst/>
+            </a:prstGeom>
+          </p:spPr>
+        </p:pic>
+        <p:sp>
+          <p:nvSpPr>
+            <p:cNvPr id="20" name="Rectangle 19"/>
+            <p:cNvSpPr/>
+            <p:nvPr/>
+          </p:nvSpPr>
+          <p:spPr>
+            <a:xfrm>
+              <a:off x="2969843" y="3107703"/>
+              <a:ext cx="967141" cy="752807"/>
+            </a:xfrm>
+            <a:prstGeom prst="rect">
+              <a:avLst/>
+            </a:prstGeom>
+            <a:noFill/>
+            <a:ln w="28575">
+              <a:solidFill>
+                <a:schemeClr val="tx2">
+                  <a:lumMod val="75000"/>
+                </a:schemeClr>
+              </a:solidFill>
+            </a:ln>
+          </p:spPr>
+          <p:style>
+            <a:lnRef idx="1">
+              <a:schemeClr val="accent1"/>
+            </a:lnRef>
+            <a:fillRef idx="3">
+              <a:schemeClr val="accent1"/>
+            </a:fillRef>
+            <a:effectRef idx="2">
+              <a:schemeClr val="accent1"/>
+            </a:effectRef>
+            <a:fontRef idx="minor">
+              <a:schemeClr val="lt1"/>
+            </a:fontRef>
+          </p:style>
+          <p:txBody>
+            <a:bodyPr rtlCol="0" anchor="ctr"/>
+            <a:lstStyle/>
+            <a:p>
+              <a:pPr algn="ctr"/>
+              <a:endParaRPr lang="fr-FR"/>
+            </a:p>
+          </p:txBody>
+        </p:sp>
+        <p:sp>
+          <p:nvSpPr>
+            <p:cNvPr id="21" name="Rectangle 20"/>
+            <p:cNvSpPr/>
+            <p:nvPr/>
+          </p:nvSpPr>
+          <p:spPr>
+            <a:xfrm>
+              <a:off x="4197469" y="3112697"/>
+              <a:ext cx="967141" cy="752807"/>
+            </a:xfrm>
+            <a:prstGeom prst="rect">
+              <a:avLst/>
+            </a:prstGeom>
+            <a:noFill/>
+            <a:ln w="28575">
+              <a:solidFill>
+                <a:schemeClr val="accent1">
+                  <a:lumMod val="60000"/>
+                  <a:lumOff val="40000"/>
+                </a:schemeClr>
+              </a:solidFill>
+            </a:ln>
+          </p:spPr>
+          <p:style>
+            <a:lnRef idx="1">
+              <a:schemeClr val="accent1"/>
+            </a:lnRef>
+            <a:fillRef idx="3">
+              <a:schemeClr val="accent1"/>
+            </a:fillRef>
+            <a:effectRef idx="2">
+              <a:schemeClr val="accent1"/>
+            </a:effectRef>
+            <a:fontRef idx="minor">
+              <a:schemeClr val="lt1"/>
+            </a:fontRef>
+          </p:style>
+          <p:txBody>
+            <a:bodyPr rtlCol="0" anchor="ctr"/>
+            <a:lstStyle/>
+            <a:p>
+              <a:pPr algn="ctr"/>
+              <a:endParaRPr lang="fr-FR"/>
+            </a:p>
+          </p:txBody>
+        </p:sp>
+        <p:sp>
+          <p:nvSpPr>
+            <p:cNvPr id="22" name="ZoneTexte 21"/>
+            <p:cNvSpPr txBox="1"/>
+            <p:nvPr/>
+          </p:nvSpPr>
+          <p:spPr>
+            <a:xfrm>
+              <a:off x="3105628" y="3290277"/>
+              <a:ext cx="695569" cy="369332"/>
+            </a:xfrm>
+            <a:prstGeom prst="rect">
+              <a:avLst/>
+            </a:prstGeom>
+            <a:noFill/>
+          </p:spPr>
+          <p:txBody>
+            <a:bodyPr wrap="square" rtlCol="0">
+              <a:spAutoFit/>
+            </a:bodyPr>
+            <a:lstStyle/>
+            <a:p>
+              <a:pPr algn="ctr"/>
+              <a:r>
+                <a:rPr lang="fr-FR" dirty="0" smtClean="0">
+                  <a:effectLst>
+                    <a:outerShdw blurRad="50800" dist="38100" dir="2700000" algn="tl" rotWithShape="0">
+                      <a:prstClr val="black">
+                        <a:alpha val="40000"/>
+                      </a:prstClr>
+                    </a:outerShdw>
+                  </a:effectLst>
+                </a:rPr>
+                <a:t>IHM</a:t>
+              </a:r>
+            </a:p>
+          </p:txBody>
+        </p:sp>
+        <p:sp>
+          <p:nvSpPr>
+            <p:cNvPr id="23" name="ZoneTexte 22"/>
+            <p:cNvSpPr txBox="1"/>
+            <p:nvPr/>
+          </p:nvSpPr>
+          <p:spPr>
+            <a:xfrm>
+              <a:off x="4213274" y="3163764"/>
+              <a:ext cx="935529" cy="646331"/>
             </a:xfrm>
             <a:prstGeom prst="rect">
               <a:avLst/>
@@ -15934,17 +15902,17 @@
         </p:sp>
         <p:cxnSp>
           <p:nvCxnSpPr>
-            <p:cNvPr id="26" name="Connecteur droit avec flèche 25"/>
+            <p:cNvPr id="25" name="Connecteur droit avec flèche 24"/>
             <p:cNvCxnSpPr>
-              <a:stCxn id="21" idx="3"/>
-              <a:endCxn id="22" idx="1"/>
+              <a:stCxn id="20" idx="3"/>
+              <a:endCxn id="21" idx="1"/>
             </p:cNvCxnSpPr>
             <p:nvPr/>
           </p:nvCxnSpPr>
           <p:spPr>
             <a:xfrm>
-              <a:off x="5598053" y="4765286"/>
-              <a:ext cx="186332" cy="3471"/>
+              <a:off x="3936984" y="3484107"/>
+              <a:ext cx="260485" cy="4994"/>
             </a:xfrm>
             <a:prstGeom prst="straightConnector1">
               <a:avLst/>
@@ -15971,6 +15939,36 @@
         </p:cxnSp>
         <p:pic>
           <p:nvPicPr>
+            <p:cNvPr id="31" name="Image 30"/>
+            <p:cNvPicPr>
+              <a:picLocks noChangeAspect="1"/>
+            </p:cNvPicPr>
+            <p:nvPr/>
+          </p:nvPicPr>
+          <p:blipFill>
+            <a:blip r:embed="rId3" cstate="screen">
+              <a:extLst>
+                <a:ext uri="{28A0092B-C50C-407E-A947-70E740481C1C}">
+                  <a14:useLocalDpi xmlns:a14="http://schemas.microsoft.com/office/drawing/2010/main" val="0"/>
+                </a:ext>
+              </a:extLst>
+            </a:blip>
+            <a:stretch>
+              <a:fillRect/>
+            </a:stretch>
+          </p:blipFill>
+          <p:spPr>
+            <a:xfrm>
+              <a:off x="4304840" y="3975672"/>
+              <a:ext cx="752398" cy="732618"/>
+            </a:xfrm>
+            <a:prstGeom prst="rect">
+              <a:avLst/>
+            </a:prstGeom>
+          </p:spPr>
+        </p:pic>
+        <p:pic>
+          <p:nvPicPr>
             <p:cNvPr id="32" name="Image 31"/>
             <p:cNvPicPr>
               <a:picLocks noChangeAspect="1"/>
@@ -15991,38 +15989,8 @@
           </p:blipFill>
           <p:spPr>
             <a:xfrm>
-              <a:off x="5861190" y="5106931"/>
-              <a:ext cx="538210" cy="509181"/>
-            </a:xfrm>
-            <a:prstGeom prst="rect">
-              <a:avLst/>
-            </a:prstGeom>
-          </p:spPr>
-        </p:pic>
-        <p:pic>
-          <p:nvPicPr>
-            <p:cNvPr id="33" name="Image 32"/>
-            <p:cNvPicPr>
-              <a:picLocks noChangeAspect="1"/>
-            </p:cNvPicPr>
-            <p:nvPr/>
-          </p:nvPicPr>
-          <p:blipFill>
-            <a:blip r:embed="rId5" cstate="screen">
-              <a:extLst>
-                <a:ext uri="{28A0092B-C50C-407E-A947-70E740481C1C}">
-                  <a14:useLocalDpi xmlns:a14="http://schemas.microsoft.com/office/drawing/2010/main" val="0"/>
-                </a:ext>
-              </a:extLst>
-            </a:blip>
-            <a:stretch>
-              <a:fillRect/>
-            </a:stretch>
-          </p:blipFill>
-          <p:spPr>
-            <a:xfrm>
-              <a:off x="4922195" y="5061802"/>
-              <a:ext cx="659891" cy="613633"/>
+              <a:off x="2992160" y="3910739"/>
+              <a:ext cx="922503" cy="882906"/>
             </a:xfrm>
             <a:prstGeom prst="rect">
               <a:avLst/>
@@ -16030,10 +15998,74 @@
           </p:spPr>
         </p:pic>
       </p:grpSp>
+      <p:pic>
+        <p:nvPicPr>
+          <p:cNvPr id="2050" name="Picture 2"/>
+          <p:cNvPicPr>
+            <a:picLocks noChangeAspect="1" noChangeArrowheads="1"/>
+          </p:cNvPicPr>
+          <p:nvPr/>
+        </p:nvPicPr>
+        <p:blipFill>
+          <a:blip r:embed="rId5">
+            <a:extLst>
+              <a:ext uri="{28A0092B-C50C-407E-A947-70E740481C1C}">
+                <a14:useLocalDpi xmlns:a14="http://schemas.microsoft.com/office/drawing/2010/main" val="0"/>
+              </a:ext>
+            </a:extLst>
+          </a:blip>
+          <a:srcRect/>
+          <a:stretch>
+            <a:fillRect/>
+          </a:stretch>
+        </p:blipFill>
+        <p:spPr bwMode="auto">
+          <a:xfrm>
+            <a:off x="3179377" y="2295110"/>
+            <a:ext cx="5600700" cy="2466975"/>
+          </a:xfrm>
+          <a:prstGeom prst="rect">
+            <a:avLst/>
+          </a:prstGeom>
+          <a:noFill/>
+          <a:ln>
+            <a:noFill/>
+          </a:ln>
+          <a:effectLst/>
+          <a:extLst>
+            <a:ext uri="{909E8E84-426E-40DD-AFC4-6F175D3DCCD1}">
+              <a14:hiddenFill xmlns:a14="http://schemas.microsoft.com/office/drawing/2010/main">
+                <a:solidFill>
+                  <a:schemeClr val="accent1"/>
+                </a:solidFill>
+              </a14:hiddenFill>
+            </a:ext>
+            <a:ext uri="{91240B29-F687-4F45-9708-019B960494DF}">
+              <a14:hiddenLine xmlns:a14="http://schemas.microsoft.com/office/drawing/2010/main" w="9525">
+                <a:solidFill>
+                  <a:schemeClr val="tx1"/>
+                </a:solidFill>
+                <a:miter lim="800000"/>
+                <a:headEnd/>
+                <a:tailEnd/>
+              </a14:hiddenLine>
+            </a:ext>
+            <a:ext uri="{AF507438-7753-43E0-B8FC-AC1667EBCBE1}">
+              <a14:hiddenEffects xmlns:a14="http://schemas.microsoft.com/office/drawing/2010/main">
+                <a:effectLst>
+                  <a:outerShdw dist="35921" dir="2700000" algn="ctr" rotWithShape="0">
+                    <a:schemeClr val="bg2"/>
+                  </a:outerShdw>
+                </a:effectLst>
+              </a14:hiddenEffects>
+            </a:ext>
+          </a:extLst>
+        </p:spPr>
+      </p:pic>
     </p:spTree>
     <p:extLst>
       <p:ext uri="{BB962C8B-B14F-4D97-AF65-F5344CB8AC3E}">
-        <p14:creationId xmlns:p14="http://schemas.microsoft.com/office/powerpoint/2010/main" val="694437463"/>
+        <p14:creationId xmlns:p14="http://schemas.microsoft.com/office/powerpoint/2010/main" val="987331045"/>
       </p:ext>
     </p:extLst>
   </p:cSld>
@@ -16052,13 +16084,6 @@
       </p:transition>
     </mc:Fallback>
   </mc:AlternateContent>
-  <p:timing>
-    <p:tnLst>
-      <p:par>
-        <p:cTn id="1" dur="indefinite" restart="never" nodeType="tmRoot"/>
-      </p:par>
-    </p:tnLst>
-  </p:timing>
 </p:sld>
 </file>
 

--- a/Rendu/Diapo_soutenance.pptx
+++ b/Rendu/Diapo_soutenance.pptx
@@ -5,10 +5,10 @@
     <p:sldMasterId id="2147483648" r:id="rId1"/>
   </p:sldMasterIdLst>
   <p:notesMasterIdLst>
-    <p:notesMasterId r:id="rId25"/>
+    <p:notesMasterId r:id="rId26"/>
   </p:notesMasterIdLst>
   <p:handoutMasterIdLst>
-    <p:handoutMasterId r:id="rId26"/>
+    <p:handoutMasterId r:id="rId27"/>
   </p:handoutMasterIdLst>
   <p:sldIdLst>
     <p:sldId id="303" r:id="rId2"/>
@@ -28,12 +28,13 @@
     <p:sldId id="314" r:id="rId16"/>
     <p:sldId id="315" r:id="rId17"/>
     <p:sldId id="316" r:id="rId18"/>
-    <p:sldId id="317" r:id="rId19"/>
-    <p:sldId id="320" r:id="rId20"/>
-    <p:sldId id="321" r:id="rId21"/>
-    <p:sldId id="306" r:id="rId22"/>
-    <p:sldId id="330" r:id="rId23"/>
-    <p:sldId id="331" r:id="rId24"/>
+    <p:sldId id="332" r:id="rId19"/>
+    <p:sldId id="317" r:id="rId20"/>
+    <p:sldId id="320" r:id="rId21"/>
+    <p:sldId id="321" r:id="rId22"/>
+    <p:sldId id="306" r:id="rId23"/>
+    <p:sldId id="330" r:id="rId24"/>
+    <p:sldId id="331" r:id="rId25"/>
   </p:sldIdLst>
   <p:sldSz cx="9144000" cy="6858000" type="screen4x3"/>
   <p:notesSz cx="6799263" cy="9929813"/>
@@ -134,7 +135,7 @@
   </p:defaultTextStyle>
   <p:extLst>
     <p:ext uri="{EFAFB233-063F-42B5-8137-9DF3F51BA10A}">
-      <p15:sldGuideLst xmlns:p15="http://schemas.microsoft.com/office/powerpoint/2012/main" xmlns="">
+      <p15:sldGuideLst xmlns:p15="http://schemas.microsoft.com/office/powerpoint/2012/main">
         <p15:guide id="1" orient="horz" pos="1620">
           <p15:clr>
             <a:srgbClr val="A4A3A4"/>
@@ -1121,7 +1122,7 @@
             <a:fld id="{39168679-7C28-4FFB-8A08-9AACB039AAD4}" type="slidenum">
               <a:rPr lang="fr-FR" smtClean="0"/>
               <a:pPr/>
-              <a:t>18</a:t>
+              <a:t>19</a:t>
             </a:fld>
             <a:endParaRPr lang="fr-FR"/>
           </a:p>
@@ -1206,7 +1207,7 @@
             <a:fld id="{39168679-7C28-4FFB-8A08-9AACB039AAD4}" type="slidenum">
               <a:rPr lang="fr-FR" smtClean="0"/>
               <a:pPr/>
-              <a:t>19</a:t>
+              <a:t>20</a:t>
             </a:fld>
             <a:endParaRPr lang="fr-FR"/>
           </a:p>
@@ -8622,8 +8623,9 @@
             <a:p>
               <a:r>
                 <a:rPr lang="fr-FR" dirty="0"/>
-                <a:t>7</a:t>
+                <a:t>9</a:t>
               </a:r>
+              <a:endParaRPr lang="fr-FR" dirty="0"/>
             </a:p>
           </p:txBody>
         </p:sp>
@@ -9758,7 +9760,7 @@
           <a:p>
             <a:r>
               <a:rPr lang="fr-FR" dirty="0" smtClean="0"/>
-              <a:t>14</a:t>
+              <a:t>10</a:t>
             </a:r>
             <a:endParaRPr lang="fr-FR" dirty="0"/>
           </a:p>
@@ -9823,40 +9825,11 @@
         <p:grpSpPr>
           <a:xfrm>
             <a:off x="139158" y="1104253"/>
-            <a:ext cx="8852442" cy="5561104"/>
+            <a:ext cx="8754928" cy="4484982"/>
             <a:chOff x="139158" y="1104253"/>
-            <a:chExt cx="8852442" cy="5561104"/>
+            <a:chExt cx="8754928" cy="4484982"/>
           </a:xfrm>
         </p:grpSpPr>
-        <p:sp>
-          <p:nvSpPr>
-            <p:cNvPr id="8" name="ZoneTexte 7"/>
-            <p:cNvSpPr txBox="1"/>
-            <p:nvPr/>
-          </p:nvSpPr>
-          <p:spPr>
-            <a:xfrm>
-              <a:off x="8496300" y="6296025"/>
-              <a:ext cx="495300" cy="369332"/>
-            </a:xfrm>
-            <a:prstGeom prst="rect">
-              <a:avLst/>
-            </a:prstGeom>
-            <a:noFill/>
-          </p:spPr>
-          <p:txBody>
-            <a:bodyPr wrap="square" rtlCol="0">
-              <a:spAutoFit/>
-            </a:bodyPr>
-            <a:lstStyle/>
-            <a:p>
-              <a:r>
-                <a:rPr lang="fr-FR" dirty="0"/>
-                <a:t>7</a:t>
-              </a:r>
-            </a:p>
-          </p:txBody>
-        </p:sp>
         <p:pic>
           <p:nvPicPr>
             <p:cNvPr id="9" name="Image 8"/>
@@ -11041,9 +11014,10 @@
           <a:lstStyle/>
           <a:p>
             <a:r>
-              <a:rPr lang="fr-FR" dirty="0"/>
-              <a:t>8</a:t>
-            </a:r>
+              <a:rPr lang="fr-FR" dirty="0" smtClean="0"/>
+              <a:t>11</a:t>
+            </a:r>
+            <a:endParaRPr lang="fr-FR" dirty="0"/>
           </a:p>
         </p:txBody>
       </p:sp>
@@ -11176,9 +11150,10 @@
           <a:lstStyle/>
           <a:p>
             <a:r>
-              <a:rPr lang="fr-FR" dirty="0"/>
-              <a:t>8</a:t>
-            </a:r>
+              <a:rPr lang="fr-FR" dirty="0" smtClean="0"/>
+              <a:t>12</a:t>
+            </a:r>
+            <a:endParaRPr lang="fr-FR" dirty="0"/>
           </a:p>
         </p:txBody>
       </p:sp>
@@ -11499,9 +11474,10 @@
           <a:lstStyle/>
           <a:p>
             <a:r>
-              <a:rPr lang="fr-FR" dirty="0"/>
-              <a:t>9</a:t>
-            </a:r>
+              <a:rPr lang="fr-FR" dirty="0" smtClean="0"/>
+              <a:t>13</a:t>
+            </a:r>
+            <a:endParaRPr lang="fr-FR" dirty="0"/>
           </a:p>
         </p:txBody>
       </p:sp>
@@ -11607,7 +11583,7 @@
           <a:p>
             <a:r>
               <a:rPr lang="fr-FR" dirty="0" smtClean="0"/>
-              <a:t>10</a:t>
+              <a:t>14</a:t>
             </a:r>
             <a:endParaRPr lang="fr-FR" dirty="0"/>
           </a:p>
@@ -11779,7 +11755,7 @@
           <a:p>
             <a:r>
               <a:rPr lang="fr-FR" dirty="0" smtClean="0"/>
-              <a:t>11</a:t>
+              <a:t>15</a:t>
             </a:r>
             <a:endParaRPr lang="fr-FR" dirty="0"/>
           </a:p>
@@ -12920,7 +12896,7 @@
           <a:p>
             <a:r>
               <a:rPr lang="fr-FR" dirty="0" smtClean="0"/>
-              <a:t>12</a:t>
+              <a:t>16</a:t>
             </a:r>
             <a:endParaRPr lang="fr-FR" dirty="0"/>
           </a:p>
@@ -13060,6 +13036,239 @@
 </file>
 
 <file path=ppt/slides/slide18.xml><?xml version="1.0" encoding="utf-8"?>
+<p:sld xmlns:a="http://schemas.openxmlformats.org/drawingml/2006/main" xmlns:r="http://schemas.openxmlformats.org/officeDocument/2006/relationships" xmlns:p="http://schemas.openxmlformats.org/presentationml/2006/main">
+  <p:cSld>
+    <p:spTree>
+      <p:nvGrpSpPr>
+        <p:cNvPr id="1" name=""/>
+        <p:cNvGrpSpPr/>
+        <p:nvPr/>
+      </p:nvGrpSpPr>
+      <p:grpSpPr>
+        <a:xfrm>
+          <a:off x="0" y="0"/>
+          <a:ext cx="0" cy="0"/>
+          <a:chOff x="0" y="0"/>
+          <a:chExt cx="0" cy="0"/>
+        </a:xfrm>
+      </p:grpSpPr>
+      <p:sp>
+        <p:nvSpPr>
+          <p:cNvPr id="3" name="Espace réservé du texte 2"/>
+          <p:cNvSpPr>
+            <a:spLocks noGrp="1"/>
+          </p:cNvSpPr>
+          <p:nvPr>
+            <p:ph type="body" sz="quarter" idx="10"/>
+          </p:nvPr>
+        </p:nvSpPr>
+        <p:spPr/>
+        <p:txBody>
+          <a:bodyPr/>
+          <a:lstStyle/>
+          <a:p>
+            <a:pPr marL="0" indent="0">
+              <a:buNone/>
+            </a:pPr>
+            <a:endParaRPr lang="fr-FR" dirty="0"/>
+          </a:p>
+          <a:p>
+            <a:pPr marL="0" indent="0">
+              <a:buNone/>
+            </a:pPr>
+            <a:endParaRPr lang="fr-FR" dirty="0" smtClean="0"/>
+          </a:p>
+          <a:p>
+            <a:pPr marL="0" indent="0">
+              <a:buNone/>
+            </a:pPr>
+            <a:endParaRPr lang="fr-FR" dirty="0"/>
+          </a:p>
+          <a:p>
+            <a:pPr marL="0" indent="0">
+              <a:buNone/>
+            </a:pPr>
+            <a:endParaRPr lang="fr-FR" dirty="0" smtClean="0"/>
+          </a:p>
+          <a:p>
+            <a:pPr marL="0" indent="0">
+              <a:buNone/>
+            </a:pPr>
+            <a:r>
+              <a:rPr lang="fr-FR" sz="3600" dirty="0" smtClean="0"/>
+              <a:t>Problèmes ?                    Solutions !</a:t>
+            </a:r>
+          </a:p>
+          <a:p>
+            <a:pPr marL="0" indent="0">
+              <a:buNone/>
+            </a:pPr>
+            <a:endParaRPr lang="fr-FR" sz="3600" dirty="0"/>
+          </a:p>
+          <a:p>
+            <a:pPr marL="0" indent="0" algn="ctr">
+              <a:buNone/>
+            </a:pPr>
+            <a:r>
+              <a:rPr lang="fr-FR" sz="2800" dirty="0" smtClean="0"/>
+              <a:t>Git, entraide, diagrammes UML…</a:t>
+            </a:r>
+            <a:endParaRPr lang="fr-FR" sz="2400" dirty="0"/>
+          </a:p>
+        </p:txBody>
+      </p:sp>
+      <p:sp>
+        <p:nvSpPr>
+          <p:cNvPr id="4" name="Titre 1"/>
+          <p:cNvSpPr txBox="1">
+            <a:spLocks noGrp="1"/>
+          </p:cNvSpPr>
+          <p:nvPr>
+            <p:ph type="title"/>
+          </p:nvPr>
+        </p:nvSpPr>
+        <p:spPr>
+          <a:xfrm>
+            <a:off x="633806" y="287798"/>
+            <a:ext cx="7876388" cy="1143000"/>
+          </a:xfrm>
+          <a:prstGeom prst="rect">
+            <a:avLst/>
+          </a:prstGeom>
+        </p:spPr>
+        <p:txBody>
+          <a:bodyPr anchor="t">
+            <a:normAutofit/>
+          </a:bodyPr>
+          <a:lstStyle>
+            <a:lvl1pPr algn="l" defTabSz="457200" rtl="0" eaLnBrk="1" latinLnBrk="0" hangingPunct="1">
+              <a:lnSpc>
+                <a:spcPct val="90000"/>
+              </a:lnSpc>
+              <a:spcBef>
+                <a:spcPct val="0"/>
+              </a:spcBef>
+              <a:buNone/>
+              <a:defRPr sz="2700" b="1" i="0" kern="1200" cap="all" baseline="0">
+                <a:solidFill>
+                  <a:schemeClr val="bg2"/>
+                </a:solidFill>
+                <a:latin typeface="+mj-lt"/>
+                <a:ea typeface="+mj-ea"/>
+                <a:cs typeface="HelveticaNeueLT Com 57 Cn" panose="020B0506030502030204" pitchFamily="34" charset="0"/>
+              </a:defRPr>
+            </a:lvl1pPr>
+          </a:lstStyle>
+          <a:p>
+            <a:pPr algn="ctr"/>
+            <a:r>
+              <a:rPr lang="fr-FR" dirty="0" smtClean="0"/>
+              <a:t>V. </a:t>
+            </a:r>
+            <a:r>
+              <a:rPr lang="fr-FR" dirty="0"/>
+              <a:t>Gestion de </a:t>
+            </a:r>
+            <a:r>
+              <a:rPr lang="fr-FR" dirty="0" smtClean="0"/>
+              <a:t>projet</a:t>
+            </a:r>
+            <a:endParaRPr lang="fr-FR" dirty="0"/>
+          </a:p>
+        </p:txBody>
+      </p:sp>
+      <p:cxnSp>
+        <p:nvCxnSpPr>
+          <p:cNvPr id="6" name="Connecteur droit avec flèche 5"/>
+          <p:cNvCxnSpPr/>
+          <p:nvPr/>
+        </p:nvCxnSpPr>
+        <p:spPr>
+          <a:xfrm>
+            <a:off x="3485072" y="2984740"/>
+            <a:ext cx="2018581" cy="0"/>
+          </a:xfrm>
+          <a:prstGeom prst="straightConnector1">
+            <a:avLst/>
+          </a:prstGeom>
+          <a:ln w="127000">
+            <a:solidFill>
+              <a:srgbClr val="C00000"/>
+            </a:solidFill>
+            <a:tailEnd type="triangle"/>
+          </a:ln>
+        </p:spPr>
+        <p:style>
+          <a:lnRef idx="3">
+            <a:schemeClr val="dk1"/>
+          </a:lnRef>
+          <a:fillRef idx="0">
+            <a:schemeClr val="dk1"/>
+          </a:fillRef>
+          <a:effectRef idx="2">
+            <a:schemeClr val="dk1"/>
+          </a:effectRef>
+          <a:fontRef idx="minor">
+            <a:schemeClr val="tx1"/>
+          </a:fontRef>
+        </p:style>
+      </p:cxnSp>
+      <p:sp>
+        <p:nvSpPr>
+          <p:cNvPr id="8" name="ZoneTexte 7"/>
+          <p:cNvSpPr txBox="1"/>
+          <p:nvPr/>
+        </p:nvSpPr>
+        <p:spPr>
+          <a:xfrm>
+            <a:off x="8496300" y="6296025"/>
+            <a:ext cx="495300" cy="369332"/>
+          </a:xfrm>
+          <a:prstGeom prst="rect">
+            <a:avLst/>
+          </a:prstGeom>
+          <a:noFill/>
+        </p:spPr>
+        <p:txBody>
+          <a:bodyPr wrap="square" rtlCol="0">
+            <a:spAutoFit/>
+          </a:bodyPr>
+          <a:lstStyle/>
+          <a:p>
+            <a:r>
+              <a:rPr lang="fr-FR" dirty="0" smtClean="0"/>
+              <a:t>17</a:t>
+            </a:r>
+            <a:endParaRPr lang="fr-FR" dirty="0"/>
+          </a:p>
+        </p:txBody>
+      </p:sp>
+    </p:spTree>
+    <p:extLst>
+      <p:ext uri="{BB962C8B-B14F-4D97-AF65-F5344CB8AC3E}">
+        <p14:creationId xmlns:p14="http://schemas.microsoft.com/office/powerpoint/2010/main" val="2585856963"/>
+      </p:ext>
+    </p:extLst>
+  </p:cSld>
+  <p:clrMapOvr>
+    <a:masterClrMapping/>
+  </p:clrMapOvr>
+  <mc:AlternateContent xmlns:mc="http://schemas.openxmlformats.org/markup-compatibility/2006" xmlns:p14="http://schemas.microsoft.com/office/powerpoint/2010/main">
+    <mc:Choice Requires="p14">
+      <p:transition spd="med" p14:dur="700">
+        <p:fade/>
+      </p:transition>
+    </mc:Choice>
+    <mc:Fallback xmlns="">
+      <p:transition spd="med">
+        <p:fade/>
+      </p:transition>
+    </mc:Fallback>
+  </mc:AlternateContent>
+</p:sld>
+</file>
+
+<file path=ppt/slides/slide19.xml><?xml version="1.0" encoding="utf-8"?>
 <p:sld xmlns:a="http://schemas.openxmlformats.org/drawingml/2006/main" xmlns:r="http://schemas.openxmlformats.org/officeDocument/2006/relationships" xmlns:p="http://schemas.openxmlformats.org/presentationml/2006/main" show="0">
   <p:cSld>
     <p:spTree>
@@ -13115,7 +13324,7 @@
           <p:nvPr>
             <p:extLst>
               <p:ext uri="{D42A27DB-BD31-4B8C-83A1-F6EECF244321}">
-                <p14:modId xmlns:p14="http://schemas.microsoft.com/office/powerpoint/2010/main" val="3117513101"/>
+                <p14:modId xmlns:p14="http://schemas.microsoft.com/office/powerpoint/2010/main" val="4005659490"/>
               </p:ext>
             </p:extLst>
           </p:nvPr>
@@ -13142,7 +13351,7 @@
                     <a:p>
                       <a:r>
                         <a:rPr lang="fr-FR" dirty="0" smtClean="0"/>
-                        <a:t>Réussites</a:t>
+                        <a:t>Problèmes</a:t>
                       </a:r>
                       <a:endParaRPr lang="fr-FR" dirty="0"/>
                     </a:p>
@@ -13156,7 +13365,7 @@
                     <a:p>
                       <a:r>
                         <a:rPr lang="fr-FR" dirty="0" smtClean="0"/>
-                        <a:t>Difficultés</a:t>
+                        <a:t>Solutions</a:t>
                       </a:r>
                       <a:endParaRPr lang="fr-FR" dirty="0"/>
                     </a:p>
@@ -13317,12 +13526,12 @@
                         <a:t>Temps accordé à la compréhension, </a:t>
                       </a:r>
                       <a:r>
-                        <a:rPr lang="fr-FR" baseline="0" dirty="0" err="1" smtClean="0"/>
-                        <a:t>diagrames</a:t>
+                        <a:rPr lang="fr-FR" baseline="0" dirty="0" smtClean="0"/>
+                        <a:t>diagrammes </a:t>
                       </a:r>
                       <a:r>
                         <a:rPr lang="fr-FR" baseline="0" dirty="0" smtClean="0"/>
-                        <a:t> UML, simplification du modèle</a:t>
+                        <a:t>UML, simplification du modèle</a:t>
                       </a:r>
                     </a:p>
                   </a:txBody>
@@ -13671,236 +13880,6 @@
 </p:sld>
 </file>
 
-<file path=ppt/slides/slide19.xml><?xml version="1.0" encoding="utf-8"?>
-<p:sld xmlns:a="http://schemas.openxmlformats.org/drawingml/2006/main" xmlns:r="http://schemas.openxmlformats.org/officeDocument/2006/relationships" xmlns:p="http://schemas.openxmlformats.org/presentationml/2006/main">
-  <p:cSld>
-    <p:spTree>
-      <p:nvGrpSpPr>
-        <p:cNvPr id="1" name=""/>
-        <p:cNvGrpSpPr/>
-        <p:nvPr/>
-      </p:nvGrpSpPr>
-      <p:grpSpPr>
-        <a:xfrm>
-          <a:off x="0" y="0"/>
-          <a:ext cx="0" cy="0"/>
-          <a:chOff x="0" y="0"/>
-          <a:chExt cx="0" cy="0"/>
-        </a:xfrm>
-      </p:grpSpPr>
-      <p:sp>
-        <p:nvSpPr>
-          <p:cNvPr id="3" name="Espace réservé du texte 2"/>
-          <p:cNvSpPr>
-            <a:spLocks noGrp="1"/>
-          </p:cNvSpPr>
-          <p:nvPr>
-            <p:ph type="body" sz="quarter" idx="10"/>
-          </p:nvPr>
-        </p:nvSpPr>
-        <p:spPr/>
-        <p:txBody>
-          <a:bodyPr/>
-          <a:lstStyle/>
-          <a:p>
-            <a:pPr>
-              <a:buFont typeface="Wingdings" panose="05000000000000000000" pitchFamily="2" charset="2"/>
-              <a:buChar char="§"/>
-            </a:pPr>
-            <a:endParaRPr lang="en-US" dirty="0" smtClean="0"/>
-          </a:p>
-          <a:p>
-            <a:pPr marL="0" indent="0">
-              <a:buNone/>
-            </a:pPr>
-            <a:endParaRPr lang="fr-FR" sz="2400" dirty="0"/>
-          </a:p>
-          <a:p>
-            <a:pPr marL="271463" lvl="1" indent="-271463">
-              <a:buClr>
-                <a:schemeClr val="tx2"/>
-              </a:buClr>
-              <a:buSzPct val="80000"/>
-              <a:buFont typeface="Wingdings 3" panose="05040102010807070707" pitchFamily="18" charset="2"/>
-              <a:buChar char=""/>
-            </a:pPr>
-            <a:r>
-              <a:rPr lang="fr-FR" sz="2400" dirty="0">
-                <a:solidFill>
-                  <a:schemeClr val="tx1"/>
-                </a:solidFill>
-              </a:rPr>
-              <a:t>Application fonctionnelle et utilisable</a:t>
-            </a:r>
-          </a:p>
-          <a:p>
-            <a:endParaRPr lang="fr-FR" sz="2400" dirty="0" smtClean="0"/>
-          </a:p>
-          <a:p>
-            <a:pPr lvl="1"/>
-            <a:endParaRPr lang="fr-FR" sz="2000" dirty="0"/>
-          </a:p>
-          <a:p>
-            <a:r>
-              <a:rPr lang="fr-FR" sz="2400" dirty="0"/>
-              <a:t>Points d’amélioration :</a:t>
-            </a:r>
-          </a:p>
-          <a:p>
-            <a:pPr lvl="1"/>
-            <a:r>
-              <a:rPr lang="fr-FR" sz="2000" dirty="0">
-                <a:solidFill>
-                  <a:schemeClr val="tx1"/>
-                </a:solidFill>
-              </a:rPr>
-              <a:t>Défilement</a:t>
-            </a:r>
-          </a:p>
-          <a:p>
-            <a:pPr lvl="1"/>
-            <a:r>
-              <a:rPr lang="fr-FR" sz="2000" dirty="0">
-                <a:solidFill>
-                  <a:schemeClr val="tx1"/>
-                </a:solidFill>
-              </a:rPr>
-              <a:t>Paramétrage plus simple</a:t>
-            </a:r>
-          </a:p>
-          <a:p>
-            <a:pPr lvl="1"/>
-            <a:r>
-              <a:rPr lang="fr-FR" sz="2000" dirty="0" smtClean="0">
-                <a:solidFill>
-                  <a:schemeClr val="tx1"/>
-                </a:solidFill>
-              </a:rPr>
-              <a:t>Sécurité</a:t>
-            </a:r>
-          </a:p>
-          <a:p>
-            <a:pPr lvl="1"/>
-            <a:endParaRPr lang="fr-FR" sz="2000" dirty="0">
-              <a:solidFill>
-                <a:schemeClr val="tx1"/>
-              </a:solidFill>
-            </a:endParaRPr>
-          </a:p>
-        </p:txBody>
-      </p:sp>
-      <p:sp>
-        <p:nvSpPr>
-          <p:cNvPr id="4" name="Titre 1"/>
-          <p:cNvSpPr txBox="1">
-            <a:spLocks/>
-          </p:cNvSpPr>
-          <p:nvPr/>
-        </p:nvSpPr>
-        <p:spPr>
-          <a:xfrm>
-            <a:off x="633806" y="287798"/>
-            <a:ext cx="7876388" cy="1143000"/>
-          </a:xfrm>
-          <a:prstGeom prst="rect">
-            <a:avLst/>
-          </a:prstGeom>
-        </p:spPr>
-        <p:txBody>
-          <a:bodyPr anchor="t">
-            <a:normAutofit/>
-          </a:bodyPr>
-          <a:lstStyle>
-            <a:lvl1pPr algn="l" defTabSz="457200" rtl="0" eaLnBrk="1" latinLnBrk="0" hangingPunct="1">
-              <a:lnSpc>
-                <a:spcPct val="90000"/>
-              </a:lnSpc>
-              <a:spcBef>
-                <a:spcPct val="0"/>
-              </a:spcBef>
-              <a:buNone/>
-              <a:defRPr sz="2700" b="1" i="0" kern="1200" cap="all" baseline="0">
-                <a:solidFill>
-                  <a:schemeClr val="bg2"/>
-                </a:solidFill>
-                <a:latin typeface="+mj-lt"/>
-                <a:ea typeface="+mj-ea"/>
-                <a:cs typeface="HelveticaNeueLT Com 57 Cn" panose="020B0506030502030204" pitchFamily="34" charset="0"/>
-              </a:defRPr>
-            </a:lvl1pPr>
-          </a:lstStyle>
-          <a:p>
-            <a:pPr algn="ctr"/>
-            <a:r>
-              <a:rPr lang="fr-FR" dirty="0" smtClean="0"/>
-              <a:t>VI. Bilan technique</a:t>
-            </a:r>
-            <a:endParaRPr lang="fr-FR" dirty="0"/>
-          </a:p>
-        </p:txBody>
-      </p:sp>
-      <p:sp>
-        <p:nvSpPr>
-          <p:cNvPr id="5" name="ZoneTexte 4"/>
-          <p:cNvSpPr txBox="1"/>
-          <p:nvPr/>
-        </p:nvSpPr>
-        <p:spPr>
-          <a:xfrm>
-            <a:off x="8496300" y="6296025"/>
-            <a:ext cx="495300" cy="369332"/>
-          </a:xfrm>
-          <a:prstGeom prst="rect">
-            <a:avLst/>
-          </a:prstGeom>
-          <a:noFill/>
-        </p:spPr>
-        <p:txBody>
-          <a:bodyPr wrap="square" rtlCol="0">
-            <a:spAutoFit/>
-          </a:bodyPr>
-          <a:lstStyle/>
-          <a:p>
-            <a:r>
-              <a:rPr lang="fr-FR" dirty="0" smtClean="0"/>
-              <a:t>15</a:t>
-            </a:r>
-            <a:endParaRPr lang="fr-FR" dirty="0"/>
-          </a:p>
-        </p:txBody>
-      </p:sp>
-    </p:spTree>
-    <p:extLst>
-      <p:ext uri="{BB962C8B-B14F-4D97-AF65-F5344CB8AC3E}">
-        <p14:creationId xmlns:p14="http://schemas.microsoft.com/office/powerpoint/2010/main" val="3484511506"/>
-      </p:ext>
-    </p:extLst>
-  </p:cSld>
-  <p:clrMapOvr>
-    <a:masterClrMapping/>
-  </p:clrMapOvr>
-  <mc:AlternateContent xmlns:mc="http://schemas.openxmlformats.org/markup-compatibility/2006" xmlns:p14="http://schemas.microsoft.com/office/powerpoint/2010/main">
-    <mc:Choice Requires="p14">
-      <p:transition spd="med" p14:dur="700">
-        <p:fade/>
-      </p:transition>
-    </mc:Choice>
-    <mc:Fallback xmlns="">
-      <p:transition spd="med">
-        <p:fade/>
-      </p:transition>
-    </mc:Fallback>
-  </mc:AlternateContent>
-  <p:timing>
-    <p:tnLst>
-      <p:par>
-        <p:cTn id="1" dur="indefinite" restart="never" nodeType="tmRoot"/>
-      </p:par>
-    </p:tnLst>
-  </p:timing>
-</p:sld>
-</file>
-
 <file path=ppt/slides/slide2.xml><?xml version="1.0" encoding="utf-8"?>
 <p:sld xmlns:a="http://schemas.openxmlformats.org/drawingml/2006/main" xmlns:r="http://schemas.openxmlformats.org/officeDocument/2006/relationships" xmlns:p="http://schemas.openxmlformats.org/presentationml/2006/main">
   <p:cSld>
@@ -13945,8 +13924,9 @@
             </a:pPr>
             <a:r>
               <a:rPr lang="fr-FR" sz="2000" dirty="0" smtClean="0"/>
-              <a:t>Contexte</a:t>
-            </a:r>
+              <a:t>Introduction</a:t>
+            </a:r>
+            <a:endParaRPr lang="fr-FR" sz="2000" dirty="0" smtClean="0"/>
           </a:p>
           <a:p>
             <a:pPr marL="400050" indent="-400050">
@@ -14139,52 +14119,14 @@
         </p:nvSpPr>
         <p:spPr/>
         <p:txBody>
-          <a:bodyPr>
-            <a:normAutofit fontScale="92500" lnSpcReduction="20000"/>
-          </a:bodyPr>
+          <a:bodyPr/>
           <a:lstStyle/>
           <a:p>
-            <a:endParaRPr lang="fr-FR" sz="2400" dirty="0" smtClean="0"/>
-          </a:p>
-          <a:p>
-            <a:r>
-              <a:rPr lang="fr-FR" sz="2400" dirty="0" smtClean="0"/>
-              <a:t>Challenge</a:t>
-            </a:r>
-          </a:p>
-          <a:p>
-            <a:endParaRPr lang="fr-FR" sz="2400" dirty="0" smtClean="0"/>
-          </a:p>
-          <a:p>
-            <a:endParaRPr lang="fr-FR" sz="2400" dirty="0"/>
-          </a:p>
-          <a:p>
-            <a:endParaRPr lang="fr-FR" sz="2400" dirty="0" smtClean="0"/>
-          </a:p>
-          <a:p>
-            <a:r>
-              <a:rPr lang="fr-FR" sz="2400" dirty="0"/>
-              <a:t>Projet </a:t>
-            </a:r>
-            <a:r>
-              <a:rPr lang="fr-FR" sz="2400" dirty="0" smtClean="0"/>
-              <a:t>concret</a:t>
-            </a:r>
-          </a:p>
-          <a:p>
-            <a:endParaRPr lang="fr-FR" sz="2400" dirty="0"/>
-          </a:p>
-          <a:p>
-            <a:endParaRPr lang="fr-FR" sz="2400" dirty="0" smtClean="0"/>
-          </a:p>
-          <a:p>
-            <a:endParaRPr lang="fr-FR" sz="2400" dirty="0"/>
-          </a:p>
-          <a:p>
-            <a:r>
-              <a:rPr lang="fr-FR" sz="2400" dirty="0" smtClean="0"/>
-              <a:t>Travail avec des industriels</a:t>
-            </a:r>
+            <a:pPr>
+              <a:buFont typeface="Wingdings" panose="05000000000000000000" pitchFamily="2" charset="2"/>
+              <a:buChar char="§"/>
+            </a:pPr>
+            <a:endParaRPr lang="en-US" dirty="0" smtClean="0"/>
           </a:p>
           <a:p>
             <a:pPr marL="0" indent="0">
@@ -14193,34 +14135,82 @@
             <a:endParaRPr lang="fr-FR" sz="2400" dirty="0"/>
           </a:p>
           <a:p>
-            <a:endParaRPr lang="fr-FR" sz="2400" dirty="0"/>
+            <a:pPr marL="271463" lvl="1" indent="-271463">
+              <a:buClr>
+                <a:schemeClr val="tx2"/>
+              </a:buClr>
+              <a:buSzPct val="80000"/>
+              <a:buFont typeface="Wingdings 3" panose="05040102010807070707" pitchFamily="18" charset="2"/>
+              <a:buChar char=""/>
+            </a:pPr>
+            <a:r>
+              <a:rPr lang="fr-FR" sz="2400" dirty="0">
+                <a:solidFill>
+                  <a:schemeClr val="tx1"/>
+                </a:solidFill>
+              </a:rPr>
+              <a:t>Application fonctionnelle et utilisable</a:t>
+            </a:r>
           </a:p>
           <a:p>
             <a:endParaRPr lang="fr-FR" sz="2400" dirty="0" smtClean="0"/>
           </a:p>
           <a:p>
-            <a:endParaRPr lang="fr-FR" sz="2400" dirty="0" smtClean="0"/>
-          </a:p>
-          <a:p>
-            <a:pPr marL="0" indent="0">
-              <a:buNone/>
-            </a:pPr>
-            <a:r>
-              <a:rPr lang="fr-FR" dirty="0"/>
-              <a:t>	</a:t>
-            </a:r>
-          </a:p>
-          <a:p>
-            <a:pPr marL="0" indent="0">
-              <a:buNone/>
-            </a:pPr>
-            <a:endParaRPr lang="fr-FR" dirty="0" smtClean="0"/>
+            <a:pPr lvl="1"/>
+            <a:endParaRPr lang="fr-FR" sz="2000" dirty="0"/>
+          </a:p>
+          <a:p>
+            <a:r>
+              <a:rPr lang="fr-FR" sz="2400" dirty="0"/>
+              <a:t>Points d’amélioration :</a:t>
+            </a:r>
+          </a:p>
+          <a:p>
+            <a:pPr lvl="1"/>
+            <a:r>
+              <a:rPr lang="fr-FR" sz="2000" dirty="0">
+                <a:solidFill>
+                  <a:schemeClr val="tx1"/>
+                </a:solidFill>
+              </a:rPr>
+              <a:t>Défilement</a:t>
+            </a:r>
+          </a:p>
+          <a:p>
+            <a:pPr lvl="1"/>
+            <a:r>
+              <a:rPr lang="fr-FR" sz="2000" dirty="0">
+                <a:solidFill>
+                  <a:schemeClr val="tx1"/>
+                </a:solidFill>
+              </a:rPr>
+              <a:t>Paramétrage plus simple</a:t>
+            </a:r>
+          </a:p>
+          <a:p>
+            <a:pPr lvl="1"/>
+            <a:r>
+              <a:rPr lang="fr-FR" sz="2000" dirty="0" smtClean="0">
+                <a:solidFill>
+                  <a:schemeClr val="tx1"/>
+                </a:solidFill>
+              </a:rPr>
+              <a:t>Sécurité</a:t>
+            </a:r>
+          </a:p>
+          <a:p>
+            <a:pPr lvl="1"/>
+            <a:endParaRPr lang="fr-FR" sz="2000" dirty="0">
+              <a:solidFill>
+                <a:schemeClr val="tx1"/>
+              </a:solidFill>
+            </a:endParaRPr>
           </a:p>
         </p:txBody>
       </p:sp>
       <p:sp>
         <p:nvSpPr>
-          <p:cNvPr id="6" name="Titre 1"/>
+          <p:cNvPr id="4" name="Titre 1"/>
           <p:cNvSpPr txBox="1">
             <a:spLocks/>
           </p:cNvSpPr>
@@ -14228,7 +14218,7 @@
         </p:nvSpPr>
         <p:spPr>
           <a:xfrm>
-            <a:off x="633806" y="270681"/>
+            <a:off x="633806" y="287798"/>
             <a:ext cx="7876388" cy="1143000"/>
           </a:xfrm>
           <a:prstGeom prst="rect">
@@ -14262,7 +14252,7 @@
             <a:pPr algn="ctr"/>
             <a:r>
               <a:rPr lang="fr-FR" dirty="0" smtClean="0"/>
-              <a:t>VII. Conclusion : bilan personnel</a:t>
+              <a:t>VI. Bilan technique</a:t>
             </a:r>
             <a:endParaRPr lang="fr-FR" dirty="0"/>
           </a:p>
@@ -14270,7 +14260,7 @@
       </p:sp>
       <p:sp>
         <p:nvSpPr>
-          <p:cNvPr id="7" name="ZoneTexte 6"/>
+          <p:cNvPr id="5" name="ZoneTexte 4"/>
           <p:cNvSpPr txBox="1"/>
           <p:nvPr/>
         </p:nvSpPr>
@@ -14292,7 +14282,7 @@
           <a:p>
             <a:r>
               <a:rPr lang="fr-FR" dirty="0" smtClean="0"/>
-              <a:t>16</a:t>
+              <a:t>18</a:t>
             </a:r>
             <a:endParaRPr lang="fr-FR" dirty="0"/>
           </a:p>
@@ -14301,7 +14291,7 @@
     </p:spTree>
     <p:extLst>
       <p:ext uri="{BB962C8B-B14F-4D97-AF65-F5344CB8AC3E}">
-        <p14:creationId xmlns:p14="http://schemas.microsoft.com/office/powerpoint/2010/main" val="640009553"/>
+        <p14:creationId xmlns:p14="http://schemas.microsoft.com/office/powerpoint/2010/main" val="3484511506"/>
       </p:ext>
     </p:extLst>
   </p:cSld>
@@ -14349,62 +14339,148 @@
       </p:grpSpPr>
       <p:sp>
         <p:nvSpPr>
-          <p:cNvPr id="4" name="Rectangle 3"/>
-          <p:cNvSpPr/>
-          <p:nvPr/>
+          <p:cNvPr id="3" name="Espace réservé du texte 2"/>
+          <p:cNvSpPr>
+            <a:spLocks noGrp="1"/>
+          </p:cNvSpPr>
+          <p:nvPr>
+            <p:ph type="body" sz="quarter" idx="10"/>
+          </p:nvPr>
         </p:nvSpPr>
-        <p:spPr>
-          <a:xfrm>
-            <a:off x="2443856" y="2967335"/>
-            <a:ext cx="4256293" cy="923330"/>
-          </a:xfrm>
-          <a:prstGeom prst="rect">
-            <a:avLst/>
-          </a:prstGeom>
-          <a:noFill/>
-        </p:spPr>
+        <p:spPr/>
         <p:txBody>
-          <a:bodyPr wrap="none" lIns="91440" tIns="45720" rIns="91440" bIns="45720">
-            <a:spAutoFit/>
+          <a:bodyPr>
+            <a:normAutofit fontScale="92500" lnSpcReduction="20000"/>
           </a:bodyPr>
           <a:lstStyle/>
           <a:p>
-            <a:pPr algn="ctr"/>
-            <a:r>
-              <a:rPr lang="fr-FR" sz="5400" b="1" cap="none" spc="50" dirty="0" smtClean="0">
-                <a:ln w="0"/>
-                <a:solidFill>
-                  <a:schemeClr val="bg2"/>
-                </a:solidFill>
-                <a:effectLst>
-                  <a:innerShdw blurRad="63500" dist="50800" dir="13500000">
-                    <a:srgbClr val="000000">
-                      <a:alpha val="50000"/>
-                    </a:srgbClr>
-                  </a:innerShdw>
-                </a:effectLst>
-              </a:rPr>
-              <a:t>Questions ?</a:t>
-            </a:r>
-            <a:endParaRPr lang="fr-FR" sz="5400" b="1" cap="none" spc="50" dirty="0">
-              <a:ln w="0"/>
-              <a:solidFill>
-                <a:schemeClr val="bg2"/>
-              </a:solidFill>
-              <a:effectLst>
-                <a:innerShdw blurRad="63500" dist="50800" dir="13500000">
-                  <a:srgbClr val="000000">
-                    <a:alpha val="50000"/>
-                  </a:srgbClr>
-                </a:innerShdw>
-              </a:effectLst>
-            </a:endParaRPr>
+            <a:endParaRPr lang="fr-FR" sz="2400" dirty="0" smtClean="0"/>
+          </a:p>
+          <a:p>
+            <a:r>
+              <a:rPr lang="fr-FR" sz="2400" dirty="0" smtClean="0"/>
+              <a:t>Challenge</a:t>
+            </a:r>
+          </a:p>
+          <a:p>
+            <a:endParaRPr lang="fr-FR" sz="2400" dirty="0" smtClean="0"/>
+          </a:p>
+          <a:p>
+            <a:endParaRPr lang="fr-FR" sz="2400" dirty="0"/>
+          </a:p>
+          <a:p>
+            <a:endParaRPr lang="fr-FR" sz="2400" dirty="0" smtClean="0"/>
+          </a:p>
+          <a:p>
+            <a:r>
+              <a:rPr lang="fr-FR" sz="2400" dirty="0"/>
+              <a:t>Projet </a:t>
+            </a:r>
+            <a:r>
+              <a:rPr lang="fr-FR" sz="2400" dirty="0" smtClean="0"/>
+              <a:t>concret</a:t>
+            </a:r>
+          </a:p>
+          <a:p>
+            <a:endParaRPr lang="fr-FR" sz="2400" dirty="0"/>
+          </a:p>
+          <a:p>
+            <a:endParaRPr lang="fr-FR" sz="2400" dirty="0" smtClean="0"/>
+          </a:p>
+          <a:p>
+            <a:endParaRPr lang="fr-FR" sz="2400" dirty="0"/>
+          </a:p>
+          <a:p>
+            <a:r>
+              <a:rPr lang="fr-FR" sz="2400" dirty="0" smtClean="0"/>
+              <a:t>Travail avec des industriels</a:t>
+            </a:r>
+          </a:p>
+          <a:p>
+            <a:pPr marL="0" indent="0">
+              <a:buNone/>
+            </a:pPr>
+            <a:endParaRPr lang="fr-FR" sz="2400" dirty="0"/>
+          </a:p>
+          <a:p>
+            <a:endParaRPr lang="fr-FR" sz="2400" dirty="0"/>
+          </a:p>
+          <a:p>
+            <a:endParaRPr lang="fr-FR" sz="2400" dirty="0" smtClean="0"/>
+          </a:p>
+          <a:p>
+            <a:endParaRPr lang="fr-FR" sz="2400" dirty="0" smtClean="0"/>
+          </a:p>
+          <a:p>
+            <a:pPr marL="0" indent="0">
+              <a:buNone/>
+            </a:pPr>
+            <a:r>
+              <a:rPr lang="fr-FR" dirty="0"/>
+              <a:t>	</a:t>
+            </a:r>
+          </a:p>
+          <a:p>
+            <a:pPr marL="0" indent="0">
+              <a:buNone/>
+            </a:pPr>
+            <a:endParaRPr lang="fr-FR" dirty="0" smtClean="0"/>
           </a:p>
         </p:txBody>
       </p:sp>
       <p:sp>
         <p:nvSpPr>
-          <p:cNvPr id="3" name="ZoneTexte 2"/>
+          <p:cNvPr id="6" name="Titre 1"/>
+          <p:cNvSpPr txBox="1">
+            <a:spLocks/>
+          </p:cNvSpPr>
+          <p:nvPr/>
+        </p:nvSpPr>
+        <p:spPr>
+          <a:xfrm>
+            <a:off x="633806" y="270681"/>
+            <a:ext cx="7876388" cy="1143000"/>
+          </a:xfrm>
+          <a:prstGeom prst="rect">
+            <a:avLst/>
+          </a:prstGeom>
+        </p:spPr>
+        <p:txBody>
+          <a:bodyPr anchor="t">
+            <a:normAutofit/>
+          </a:bodyPr>
+          <a:lstStyle>
+            <a:lvl1pPr algn="l" defTabSz="457200" rtl="0" eaLnBrk="1" latinLnBrk="0" hangingPunct="1">
+              <a:lnSpc>
+                <a:spcPct val="90000"/>
+              </a:lnSpc>
+              <a:spcBef>
+                <a:spcPct val="0"/>
+              </a:spcBef>
+              <a:buNone/>
+              <a:defRPr sz="2700" b="1" i="0" kern="1200" cap="all" baseline="0">
+                <a:solidFill>
+                  <a:schemeClr val="bg2"/>
+                </a:solidFill>
+                <a:latin typeface="+mj-lt"/>
+                <a:ea typeface="+mj-ea"/>
+                <a:cs typeface="HelveticaNeueLT Com 57 Cn" panose="020B0506030502030204" pitchFamily="34" charset="0"/>
+              </a:defRPr>
+            </a:lvl1pPr>
+          </a:lstStyle>
+          <a:p>
+            <a:pPr algn="ctr"/>
+            <a:r>
+              <a:rPr lang="fr-FR" dirty="0" smtClean="0"/>
+              <a:t>VII. Conclusion : bilan personnel</a:t>
+            </a:r>
+            <a:endParaRPr lang="fr-FR" dirty="0"/>
+          </a:p>
+        </p:txBody>
+      </p:sp>
+      <p:sp>
+        <p:nvSpPr>
+          <p:cNvPr id="7" name="ZoneTexte 6"/>
           <p:cNvSpPr txBox="1"/>
           <p:nvPr/>
         </p:nvSpPr>
@@ -14426,7 +14502,7 @@
           <a:p>
             <a:r>
               <a:rPr lang="fr-FR" dirty="0" smtClean="0"/>
-              <a:t>17</a:t>
+              <a:t>19</a:t>
             </a:r>
             <a:endParaRPr lang="fr-FR" dirty="0"/>
           </a:p>
@@ -14435,7 +14511,7 @@
     </p:spTree>
     <p:extLst>
       <p:ext uri="{BB962C8B-B14F-4D97-AF65-F5344CB8AC3E}">
-        <p14:creationId xmlns:p14="http://schemas.microsoft.com/office/powerpoint/2010/main" val="1828088138"/>
+        <p14:creationId xmlns:p14="http://schemas.microsoft.com/office/powerpoint/2010/main" val="640009553"/>
       </p:ext>
     </p:extLst>
   </p:cSld>
@@ -14483,6 +14559,140 @@
       </p:grpSpPr>
       <p:sp>
         <p:nvSpPr>
+          <p:cNvPr id="4" name="Rectangle 3"/>
+          <p:cNvSpPr/>
+          <p:nvPr/>
+        </p:nvSpPr>
+        <p:spPr>
+          <a:xfrm>
+            <a:off x="2443856" y="2967335"/>
+            <a:ext cx="4256293" cy="923330"/>
+          </a:xfrm>
+          <a:prstGeom prst="rect">
+            <a:avLst/>
+          </a:prstGeom>
+          <a:noFill/>
+        </p:spPr>
+        <p:txBody>
+          <a:bodyPr wrap="none" lIns="91440" tIns="45720" rIns="91440" bIns="45720">
+            <a:spAutoFit/>
+          </a:bodyPr>
+          <a:lstStyle/>
+          <a:p>
+            <a:pPr algn="ctr"/>
+            <a:r>
+              <a:rPr lang="fr-FR" sz="5400" b="1" cap="none" spc="50" dirty="0" smtClean="0">
+                <a:ln w="0"/>
+                <a:solidFill>
+                  <a:schemeClr val="bg2"/>
+                </a:solidFill>
+                <a:effectLst>
+                  <a:innerShdw blurRad="63500" dist="50800" dir="13500000">
+                    <a:srgbClr val="000000">
+                      <a:alpha val="50000"/>
+                    </a:srgbClr>
+                  </a:innerShdw>
+                </a:effectLst>
+              </a:rPr>
+              <a:t>Questions ?</a:t>
+            </a:r>
+            <a:endParaRPr lang="fr-FR" sz="5400" b="1" cap="none" spc="50" dirty="0">
+              <a:ln w="0"/>
+              <a:solidFill>
+                <a:schemeClr val="bg2"/>
+              </a:solidFill>
+              <a:effectLst>
+                <a:innerShdw blurRad="63500" dist="50800" dir="13500000">
+                  <a:srgbClr val="000000">
+                    <a:alpha val="50000"/>
+                  </a:srgbClr>
+                </a:innerShdw>
+              </a:effectLst>
+            </a:endParaRPr>
+          </a:p>
+        </p:txBody>
+      </p:sp>
+      <p:sp>
+        <p:nvSpPr>
+          <p:cNvPr id="3" name="ZoneTexte 2"/>
+          <p:cNvSpPr txBox="1"/>
+          <p:nvPr/>
+        </p:nvSpPr>
+        <p:spPr>
+          <a:xfrm>
+            <a:off x="8496300" y="6296025"/>
+            <a:ext cx="495300" cy="369332"/>
+          </a:xfrm>
+          <a:prstGeom prst="rect">
+            <a:avLst/>
+          </a:prstGeom>
+          <a:noFill/>
+        </p:spPr>
+        <p:txBody>
+          <a:bodyPr wrap="square" rtlCol="0">
+            <a:spAutoFit/>
+          </a:bodyPr>
+          <a:lstStyle/>
+          <a:p>
+            <a:r>
+              <a:rPr lang="fr-FR" dirty="0" smtClean="0"/>
+              <a:t>20</a:t>
+            </a:r>
+            <a:endParaRPr lang="fr-FR" dirty="0"/>
+          </a:p>
+        </p:txBody>
+      </p:sp>
+    </p:spTree>
+    <p:extLst>
+      <p:ext uri="{BB962C8B-B14F-4D97-AF65-F5344CB8AC3E}">
+        <p14:creationId xmlns:p14="http://schemas.microsoft.com/office/powerpoint/2010/main" val="1828088138"/>
+      </p:ext>
+    </p:extLst>
+  </p:cSld>
+  <p:clrMapOvr>
+    <a:masterClrMapping/>
+  </p:clrMapOvr>
+  <mc:AlternateContent xmlns:mc="http://schemas.openxmlformats.org/markup-compatibility/2006" xmlns:p14="http://schemas.microsoft.com/office/powerpoint/2010/main">
+    <mc:Choice Requires="p14">
+      <p:transition spd="med" p14:dur="700">
+        <p:fade/>
+      </p:transition>
+    </mc:Choice>
+    <mc:Fallback xmlns="">
+      <p:transition spd="med">
+        <p:fade/>
+      </p:transition>
+    </mc:Fallback>
+  </mc:AlternateContent>
+  <p:timing>
+    <p:tnLst>
+      <p:par>
+        <p:cTn id="1" dur="indefinite" restart="never" nodeType="tmRoot"/>
+      </p:par>
+    </p:tnLst>
+  </p:timing>
+</p:sld>
+</file>
+
+<file path=ppt/slides/slide23.xml><?xml version="1.0" encoding="utf-8"?>
+<p:sld xmlns:a="http://schemas.openxmlformats.org/drawingml/2006/main" xmlns:r="http://schemas.openxmlformats.org/officeDocument/2006/relationships" xmlns:p="http://schemas.openxmlformats.org/presentationml/2006/main">
+  <p:cSld>
+    <p:spTree>
+      <p:nvGrpSpPr>
+        <p:cNvPr id="1" name=""/>
+        <p:cNvGrpSpPr/>
+        <p:nvPr/>
+      </p:nvGrpSpPr>
+      <p:grpSpPr>
+        <a:xfrm>
+          <a:off x="0" y="0"/>
+          <a:ext cx="0" cy="0"/>
+          <a:chOff x="0" y="0"/>
+          <a:chExt cx="0" cy="0"/>
+        </a:xfrm>
+      </p:grpSpPr>
+      <p:sp>
+        <p:nvSpPr>
           <p:cNvPr id="2" name="Titre 1"/>
           <p:cNvSpPr>
             <a:spLocks noGrp="1"/>
@@ -14542,9 +14752,10 @@
             <a:lstStyle/>
             <a:p>
               <a:r>
-                <a:rPr lang="fr-FR" dirty="0"/>
-                <a:t>7</a:t>
+                <a:rPr lang="fr-FR" dirty="0" smtClean="0"/>
+                <a:t>21</a:t>
               </a:r>
+              <a:endParaRPr lang="fr-FR" dirty="0"/>
             </a:p>
           </p:txBody>
         </p:sp>
@@ -15598,7 +15809,7 @@
 </p:sld>
 </file>
 
-<file path=ppt/slides/slide23.xml><?xml version="1.0" encoding="utf-8"?>
+<file path=ppt/slides/slide24.xml><?xml version="1.0" encoding="utf-8"?>
 <p:sld xmlns:a="http://schemas.openxmlformats.org/drawingml/2006/main" xmlns:r="http://schemas.openxmlformats.org/officeDocument/2006/relationships" xmlns:p="http://schemas.openxmlformats.org/presentationml/2006/main">
   <p:cSld>
     <p:spTree>
@@ -15637,7 +15848,7 @@
             </a:r>
             <a:r>
               <a:rPr lang="en-US" dirty="0" err="1" smtClean="0"/>
-              <a:t>capteur</a:t>
+              <a:t>capteurs</a:t>
             </a:r>
             <a:endParaRPr lang="en-US" dirty="0"/>
           </a:p>
@@ -15666,9 +15877,10 @@
           <a:lstStyle/>
           <a:p>
             <a:r>
-              <a:rPr lang="fr-FR" dirty="0"/>
-              <a:t>7</a:t>
-            </a:r>
+              <a:rPr lang="fr-FR" smtClean="0"/>
+              <a:t>22</a:t>
+            </a:r>
+            <a:endParaRPr lang="fr-FR" dirty="0"/>
           </a:p>
         </p:txBody>
       </p:sp>
@@ -16127,7 +16339,11 @@
             <a:pPr algn="ctr"/>
             <a:r>
               <a:rPr lang="fr-FR" dirty="0" smtClean="0"/>
-              <a:t>I. Contexte</a:t>
+              <a:t>I. </a:t>
+            </a:r>
+            <a:r>
+              <a:rPr lang="fr-FR" dirty="0" smtClean="0"/>
+              <a:t>Introduction</a:t>
             </a:r>
             <a:endParaRPr lang="fr-FR" dirty="0"/>
           </a:p>
@@ -16396,8 +16612,9 @@
           <a:p>
             <a:r>
               <a:rPr lang="fr-FR" dirty="0"/>
-              <a:t>5</a:t>
-            </a:r>
+              <a:t>4</a:t>
+            </a:r>
+            <a:endParaRPr lang="fr-FR" dirty="0"/>
           </a:p>
         </p:txBody>
       </p:sp>
@@ -16854,7 +17071,11 @@
             <a:pPr algn="ctr"/>
             <a:r>
               <a:rPr lang="fr-FR" dirty="0" smtClean="0"/>
-              <a:t>I. contexte</a:t>
+              <a:t>I. </a:t>
+            </a:r>
+            <a:r>
+              <a:rPr lang="fr-FR" dirty="0" smtClean="0"/>
+              <a:t>introduction</a:t>
             </a:r>
             <a:endParaRPr lang="fr-FR" dirty="0"/>
           </a:p>
@@ -17326,13 +17547,13 @@
   <p:clrMapOvr>
     <a:masterClrMapping/>
   </p:clrMapOvr>
-  <mc:AlternateContent xmlns:mc="http://schemas.openxmlformats.org/markup-compatibility/2006">
-    <mc:Choice xmlns:p14="http://schemas.microsoft.com/office/powerpoint/2010/main" Requires="p14">
+  <mc:AlternateContent xmlns:mc="http://schemas.openxmlformats.org/markup-compatibility/2006" xmlns:p14="http://schemas.microsoft.com/office/powerpoint/2010/main">
+    <mc:Choice Requires="p14">
       <p:transition spd="med" p14:dur="700">
         <p:fade/>
       </p:transition>
     </mc:Choice>
-    <mc:Fallback>
+    <mc:Fallback xmlns="">
       <p:transition spd="med">
         <p:fade/>
       </p:transition>
@@ -17575,6 +17796,36 @@
           </a:prstGeom>
         </p:spPr>
       </p:pic>
+      <p:sp>
+        <p:nvSpPr>
+          <p:cNvPr id="8" name="ZoneTexte 7"/>
+          <p:cNvSpPr txBox="1"/>
+          <p:nvPr/>
+        </p:nvSpPr>
+        <p:spPr>
+          <a:xfrm>
+            <a:off x="8496300" y="6296025"/>
+            <a:ext cx="495300" cy="369332"/>
+          </a:xfrm>
+          <a:prstGeom prst="rect">
+            <a:avLst/>
+          </a:prstGeom>
+          <a:noFill/>
+        </p:spPr>
+        <p:txBody>
+          <a:bodyPr wrap="square" rtlCol="0">
+            <a:spAutoFit/>
+          </a:bodyPr>
+          <a:lstStyle/>
+          <a:p>
+            <a:r>
+              <a:rPr lang="fr-FR" dirty="0" smtClean="0"/>
+              <a:t>5</a:t>
+            </a:r>
+            <a:endParaRPr lang="fr-FR" dirty="0"/>
+          </a:p>
+        </p:txBody>
+      </p:sp>
     </p:spTree>
     <p:extLst>
       <p:ext uri="{BB962C8B-B14F-4D97-AF65-F5344CB8AC3E}">
@@ -18176,6 +18427,36 @@
           </a:fontRef>
         </p:style>
       </p:cxnSp>
+      <p:sp>
+        <p:nvSpPr>
+          <p:cNvPr id="18" name="ZoneTexte 17"/>
+          <p:cNvSpPr txBox="1"/>
+          <p:nvPr/>
+        </p:nvSpPr>
+        <p:spPr>
+          <a:xfrm>
+            <a:off x="8496300" y="6296025"/>
+            <a:ext cx="495300" cy="369332"/>
+          </a:xfrm>
+          <a:prstGeom prst="rect">
+            <a:avLst/>
+          </a:prstGeom>
+          <a:noFill/>
+        </p:spPr>
+        <p:txBody>
+          <a:bodyPr wrap="square" rtlCol="0">
+            <a:spAutoFit/>
+          </a:bodyPr>
+          <a:lstStyle/>
+          <a:p>
+            <a:r>
+              <a:rPr lang="fr-FR" dirty="0" smtClean="0"/>
+              <a:t>6</a:t>
+            </a:r>
+            <a:endParaRPr lang="fr-FR" dirty="0"/>
+          </a:p>
+        </p:txBody>
+      </p:sp>
     </p:spTree>
     <p:extLst>
       <p:ext uri="{BB962C8B-B14F-4D97-AF65-F5344CB8AC3E}">
@@ -18942,6 +19223,35 @@
           </a:fontRef>
         </p:style>
       </p:cxnSp>
+      <p:sp>
+        <p:nvSpPr>
+          <p:cNvPr id="23" name="ZoneTexte 22"/>
+          <p:cNvSpPr txBox="1"/>
+          <p:nvPr/>
+        </p:nvSpPr>
+        <p:spPr>
+          <a:xfrm>
+            <a:off x="8496300" y="6296025"/>
+            <a:ext cx="495300" cy="369332"/>
+          </a:xfrm>
+          <a:prstGeom prst="rect">
+            <a:avLst/>
+          </a:prstGeom>
+          <a:noFill/>
+        </p:spPr>
+        <p:txBody>
+          <a:bodyPr wrap="square" rtlCol="0">
+            <a:spAutoFit/>
+          </a:bodyPr>
+          <a:lstStyle/>
+          <a:p>
+            <a:r>
+              <a:rPr lang="fr-FR" dirty="0"/>
+              <a:t>7</a:t>
+            </a:r>
+          </a:p>
+        </p:txBody>
+      </p:sp>
     </p:spTree>
     <p:extLst>
       <p:ext uri="{BB962C8B-B14F-4D97-AF65-F5344CB8AC3E}">
@@ -19978,6 +20288,35 @@
           </a:fontRef>
         </p:style>
       </p:cxnSp>
+      <p:sp>
+        <p:nvSpPr>
+          <p:cNvPr id="35" name="ZoneTexte 34"/>
+          <p:cNvSpPr txBox="1"/>
+          <p:nvPr/>
+        </p:nvSpPr>
+        <p:spPr>
+          <a:xfrm>
+            <a:off x="8496300" y="6296025"/>
+            <a:ext cx="495300" cy="369332"/>
+          </a:xfrm>
+          <a:prstGeom prst="rect">
+            <a:avLst/>
+          </a:prstGeom>
+          <a:noFill/>
+        </p:spPr>
+        <p:txBody>
+          <a:bodyPr wrap="square" rtlCol="0">
+            <a:spAutoFit/>
+          </a:bodyPr>
+          <a:lstStyle/>
+          <a:p>
+            <a:r>
+              <a:rPr lang="fr-FR" dirty="0"/>
+              <a:t>8</a:t>
+            </a:r>
+          </a:p>
+        </p:txBody>
+      </p:sp>
     </p:spTree>
     <p:extLst>
       <p:ext uri="{BB962C8B-B14F-4D97-AF65-F5344CB8AC3E}">

--- a/Rendu/Diapo_soutenance.pptx
+++ b/Rendu/Diapo_soutenance.pptx
@@ -8625,7 +8625,6 @@
                 <a:rPr lang="fr-FR" dirty="0"/>
                 <a:t>9</a:t>
               </a:r>
-              <a:endParaRPr lang="fr-FR" dirty="0"/>
             </a:p>
           </p:txBody>
         </p:sp>
@@ -13103,17 +13102,50 @@
             <a:pPr marL="0" indent="0">
               <a:buNone/>
             </a:pPr>
-            <a:endParaRPr lang="fr-FR" sz="3600" dirty="0"/>
-          </a:p>
-          <a:p>
-            <a:pPr marL="0" indent="0" algn="ctr">
+            <a:endParaRPr lang="fr-FR" sz="3600" dirty="0" smtClean="0"/>
+          </a:p>
+          <a:p>
+            <a:pPr marL="0" indent="0">
               <a:buNone/>
             </a:pPr>
             <a:r>
-              <a:rPr lang="fr-FR" sz="2800" dirty="0" smtClean="0"/>
-              <a:t>Git, entraide, diagrammes UML…</a:t>
-            </a:r>
-            <a:endParaRPr lang="fr-FR" sz="2400" dirty="0"/>
+              <a:rPr lang="fr-FR" sz="2000" dirty="0" smtClean="0"/>
+              <a:t>Mise en commun                                                               Git</a:t>
+            </a:r>
+          </a:p>
+          <a:p>
+            <a:pPr marL="0" indent="0">
+              <a:buNone/>
+            </a:pPr>
+            <a:r>
+              <a:rPr lang="fr-FR" sz="2000" dirty="0" smtClean="0"/>
+              <a:t>           </a:t>
+            </a:r>
+          </a:p>
+          <a:p>
+            <a:pPr marL="0" indent="0">
+              <a:buNone/>
+            </a:pPr>
+            <a:r>
+              <a:rPr lang="fr-FR" sz="2000" dirty="0" smtClean="0"/>
+              <a:t>Complexité                                                        Diagrammes UML</a:t>
+            </a:r>
+          </a:p>
+          <a:p>
+            <a:pPr marL="0" indent="0">
+              <a:buNone/>
+            </a:pPr>
+            <a:endParaRPr lang="fr-FR" sz="2000" dirty="0" smtClean="0"/>
+          </a:p>
+          <a:p>
+            <a:pPr marL="0" indent="0">
+              <a:buNone/>
+            </a:pPr>
+            <a:r>
+              <a:rPr lang="fr-FR" sz="2000" dirty="0" smtClean="0"/>
+              <a:t>Nouvelles connaissances                                        Entraide</a:t>
+            </a:r>
+            <a:endParaRPr lang="fr-FR" sz="2000" dirty="0"/>
           </a:p>
         </p:txBody>
       </p:sp>
@@ -13243,6 +13275,36 @@
           </a:p>
         </p:txBody>
       </p:sp>
+      <p:pic>
+        <p:nvPicPr>
+          <p:cNvPr id="2" name="Image 1"/>
+          <p:cNvPicPr>
+            <a:picLocks noChangeAspect="1"/>
+          </p:cNvPicPr>
+          <p:nvPr/>
+        </p:nvPicPr>
+        <p:blipFill>
+          <a:blip r:embed="rId2" cstate="screen">
+            <a:extLst>
+              <a:ext uri="{28A0092B-C50C-407E-A947-70E740481C1C}">
+                <a14:useLocalDpi xmlns:a14="http://schemas.microsoft.com/office/drawing/2010/main" val="0"/>
+              </a:ext>
+            </a:extLst>
+          </a:blip>
+          <a:stretch>
+            <a:fillRect/>
+          </a:stretch>
+        </p:blipFill>
+        <p:spPr>
+          <a:xfrm>
+            <a:off x="6175771" y="3658048"/>
+            <a:ext cx="760607" cy="760607"/>
+          </a:xfrm>
+          <a:prstGeom prst="rect">
+            <a:avLst/>
+          </a:prstGeom>
+        </p:spPr>
+      </p:pic>
     </p:spTree>
     <p:extLst>
       <p:ext uri="{BB962C8B-B14F-4D97-AF65-F5344CB8AC3E}">
@@ -13523,15 +13585,7 @@
                     <a:p>
                       <a:r>
                         <a:rPr lang="fr-FR" baseline="0" dirty="0" smtClean="0"/>
-                        <a:t>Temps accordé à la compréhension, </a:t>
-                      </a:r>
-                      <a:r>
-                        <a:rPr lang="fr-FR" baseline="0" dirty="0" smtClean="0"/>
-                        <a:t>diagrammes </a:t>
-                      </a:r>
-                      <a:r>
-                        <a:rPr lang="fr-FR" baseline="0" dirty="0" smtClean="0"/>
-                        <a:t>UML, simplification du modèle</a:t>
+                        <a:t>Temps accordé à la compréhension, diagrammes UML, simplification du modèle</a:t>
                       </a:r>
                     </a:p>
                   </a:txBody>
@@ -13926,7 +13980,6 @@
               <a:rPr lang="fr-FR" sz="2000" dirty="0" smtClean="0"/>
               <a:t>Introduction</a:t>
             </a:r>
-            <a:endParaRPr lang="fr-FR" sz="2000" dirty="0" smtClean="0"/>
           </a:p>
           <a:p>
             <a:pPr marL="400050" indent="-400050">
@@ -16339,11 +16392,7 @@
             <a:pPr algn="ctr"/>
             <a:r>
               <a:rPr lang="fr-FR" dirty="0" smtClean="0"/>
-              <a:t>I. </a:t>
-            </a:r>
-            <a:r>
-              <a:rPr lang="fr-FR" dirty="0" smtClean="0"/>
-              <a:t>Introduction</a:t>
+              <a:t>I. Introduction</a:t>
             </a:r>
             <a:endParaRPr lang="fr-FR" dirty="0"/>
           </a:p>
@@ -16614,7 +16663,6 @@
               <a:rPr lang="fr-FR" dirty="0"/>
               <a:t>4</a:t>
             </a:r>
-            <a:endParaRPr lang="fr-FR" dirty="0"/>
           </a:p>
         </p:txBody>
       </p:sp>
@@ -17071,11 +17119,7 @@
             <a:pPr algn="ctr"/>
             <a:r>
               <a:rPr lang="fr-FR" dirty="0" smtClean="0"/>
-              <a:t>I. </a:t>
-            </a:r>
-            <a:r>
-              <a:rPr lang="fr-FR" dirty="0" smtClean="0"/>
-              <a:t>introduction</a:t>
+              <a:t>I. introduction</a:t>
             </a:r>
             <a:endParaRPr lang="fr-FR" dirty="0"/>
           </a:p>

--- a/Rendu/Diapo_soutenance.pptx
+++ b/Rendu/Diapo_soutenance.pptx
@@ -5,10 +5,10 @@
     <p:sldMasterId id="2147483648" r:id="rId1"/>
   </p:sldMasterIdLst>
   <p:notesMasterIdLst>
-    <p:notesMasterId r:id="rId26"/>
+    <p:notesMasterId r:id="rId25"/>
   </p:notesMasterIdLst>
   <p:handoutMasterIdLst>
-    <p:handoutMasterId r:id="rId27"/>
+    <p:handoutMasterId r:id="rId26"/>
   </p:handoutMasterIdLst>
   <p:sldIdLst>
     <p:sldId id="303" r:id="rId2"/>
@@ -24,17 +24,16 @@
     <p:sldId id="319" r:id="rId12"/>
     <p:sldId id="312" r:id="rId13"/>
     <p:sldId id="329" r:id="rId14"/>
-    <p:sldId id="313" r:id="rId15"/>
-    <p:sldId id="314" r:id="rId16"/>
-    <p:sldId id="315" r:id="rId17"/>
-    <p:sldId id="316" r:id="rId18"/>
-    <p:sldId id="332" r:id="rId19"/>
-    <p:sldId id="317" r:id="rId20"/>
-    <p:sldId id="320" r:id="rId21"/>
-    <p:sldId id="321" r:id="rId22"/>
-    <p:sldId id="306" r:id="rId23"/>
-    <p:sldId id="330" r:id="rId24"/>
-    <p:sldId id="331" r:id="rId25"/>
+    <p:sldId id="314" r:id="rId15"/>
+    <p:sldId id="315" r:id="rId16"/>
+    <p:sldId id="316" r:id="rId17"/>
+    <p:sldId id="332" r:id="rId18"/>
+    <p:sldId id="317" r:id="rId19"/>
+    <p:sldId id="320" r:id="rId20"/>
+    <p:sldId id="321" r:id="rId21"/>
+    <p:sldId id="306" r:id="rId22"/>
+    <p:sldId id="330" r:id="rId23"/>
+    <p:sldId id="331" r:id="rId24"/>
   </p:sldIdLst>
   <p:sldSz cx="9144000" cy="6858000" type="screen4x3"/>
   <p:notesSz cx="6799263" cy="9929813"/>
@@ -835,69 +834,6 @@
           <a:bodyPr/>
           <a:lstStyle/>
           <a:p>
-            <a:r>
-              <a:rPr lang="fr-FR" dirty="0" smtClean="0"/>
-              <a:t>Corentin : communication avec la </a:t>
-            </a:r>
-            <a:r>
-              <a:rPr lang="fr-FR" dirty="0" err="1" smtClean="0"/>
-              <a:t>Kira</a:t>
-            </a:r>
-            <a:r>
-              <a:rPr lang="fr-FR" dirty="0" smtClean="0"/>
-              <a:t> et la </a:t>
-            </a:r>
-            <a:r>
-              <a:rPr lang="fr-FR" dirty="0" err="1" smtClean="0"/>
-              <a:t>Fibaro</a:t>
-            </a:r>
-            <a:endParaRPr lang="fr-FR" dirty="0" smtClean="0"/>
-          </a:p>
-          <a:p>
-            <a:endParaRPr lang="fr-FR" dirty="0" smtClean="0"/>
-          </a:p>
-          <a:p>
-            <a:endParaRPr lang="fr-FR" dirty="0" smtClean="0"/>
-          </a:p>
-          <a:p>
-            <a:r>
-              <a:rPr lang="fr-FR" dirty="0" smtClean="0"/>
-              <a:t>Iman et </a:t>
-            </a:r>
-            <a:r>
-              <a:rPr lang="fr-FR" dirty="0" err="1" smtClean="0"/>
-              <a:t>Enora</a:t>
-            </a:r>
-            <a:r>
-              <a:rPr lang="fr-FR" dirty="0" smtClean="0"/>
-              <a:t> : modification de l’interface graphique</a:t>
-            </a:r>
-          </a:p>
-          <a:p>
-            <a:endParaRPr lang="fr-FR" dirty="0" smtClean="0"/>
-          </a:p>
-          <a:p>
-            <a:endParaRPr lang="fr-FR" dirty="0" smtClean="0"/>
-          </a:p>
-          <a:p>
-            <a:r>
-              <a:rPr lang="fr-FR" dirty="0" smtClean="0"/>
-              <a:t>Meven : refonte du modèle en C++</a:t>
-            </a:r>
-          </a:p>
-          <a:p>
-            <a:endParaRPr lang="fr-FR" dirty="0" smtClean="0"/>
-          </a:p>
-          <a:p>
-            <a:endParaRPr lang="fr-FR" dirty="0" smtClean="0"/>
-          </a:p>
-          <a:p>
-            <a:r>
-              <a:rPr lang="fr-FR" dirty="0" smtClean="0"/>
-              <a:t>Diane : communication en Bluetooth avec le fauteuil</a:t>
-            </a:r>
-          </a:p>
-          <a:p>
             <a:endParaRPr lang="fr-FR" dirty="0"/>
           </a:p>
         </p:txBody>
@@ -929,7 +865,7 @@
     </p:spTree>
     <p:extLst>
       <p:ext uri="{BB962C8B-B14F-4D97-AF65-F5344CB8AC3E}">
-        <p14:creationId xmlns:p14="http://schemas.microsoft.com/office/powerpoint/2010/main" val="1779372493"/>
+        <p14:creationId xmlns:p14="http://schemas.microsoft.com/office/powerpoint/2010/main" val="2052621434"/>
       </p:ext>
     </p:extLst>
   </p:cSld>
@@ -983,6 +919,38 @@
           <a:bodyPr/>
           <a:lstStyle/>
           <a:p>
+            <a:r>
+              <a:rPr lang="fr-FR" dirty="0" err="1" smtClean="0"/>
+              <a:t>Strengths</a:t>
+            </a:r>
+            <a:r>
+              <a:rPr lang="fr-FR" dirty="0" smtClean="0"/>
+              <a:t>,</a:t>
+            </a:r>
+            <a:r>
+              <a:rPr lang="fr-FR" baseline="0" dirty="0" smtClean="0"/>
+              <a:t> </a:t>
+            </a:r>
+            <a:r>
+              <a:rPr lang="fr-FR" baseline="0" dirty="0" err="1" smtClean="0"/>
+              <a:t>Weaknesses</a:t>
+            </a:r>
+            <a:r>
+              <a:rPr lang="fr-FR" baseline="0" dirty="0" smtClean="0"/>
+              <a:t>, </a:t>
+            </a:r>
+            <a:r>
+              <a:rPr lang="fr-FR" baseline="0" dirty="0" err="1" smtClean="0"/>
+              <a:t>Opportunities</a:t>
+            </a:r>
+            <a:r>
+              <a:rPr lang="fr-FR" baseline="0" dirty="0" smtClean="0"/>
+              <a:t>, </a:t>
+            </a:r>
+            <a:r>
+              <a:rPr lang="fr-FR" baseline="0" dirty="0" err="1" smtClean="0"/>
+              <a:t>Threats</a:t>
+            </a:r>
             <a:endParaRPr lang="fr-FR" dirty="0"/>
           </a:p>
         </p:txBody>
@@ -1005,7 +973,7 @@
             <a:fld id="{39168679-7C28-4FFB-8A08-9AACB039AAD4}" type="slidenum">
               <a:rPr lang="fr-FR" smtClean="0"/>
               <a:pPr/>
-              <a:t>17</a:t>
+              <a:t>18</a:t>
             </a:fld>
             <a:endParaRPr lang="fr-FR"/>
           </a:p>
@@ -1014,7 +982,7 @@
     </p:spTree>
     <p:extLst>
       <p:ext uri="{BB962C8B-B14F-4D97-AF65-F5344CB8AC3E}">
-        <p14:creationId xmlns:p14="http://schemas.microsoft.com/office/powerpoint/2010/main" val="2052621434"/>
+        <p14:creationId xmlns:p14="http://schemas.microsoft.com/office/powerpoint/2010/main" val="47610137"/>
       </p:ext>
     </p:extLst>
   </p:cSld>
@@ -1068,38 +1036,6 @@
           <a:bodyPr/>
           <a:lstStyle/>
           <a:p>
-            <a:r>
-              <a:rPr lang="fr-FR" dirty="0" err="1" smtClean="0"/>
-              <a:t>Strengths</a:t>
-            </a:r>
-            <a:r>
-              <a:rPr lang="fr-FR" dirty="0" smtClean="0"/>
-              <a:t>,</a:t>
-            </a:r>
-            <a:r>
-              <a:rPr lang="fr-FR" baseline="0" dirty="0" smtClean="0"/>
-              <a:t> </a:t>
-            </a:r>
-            <a:r>
-              <a:rPr lang="fr-FR" baseline="0" dirty="0" err="1" smtClean="0"/>
-              <a:t>Weaknesses</a:t>
-            </a:r>
-            <a:r>
-              <a:rPr lang="fr-FR" baseline="0" dirty="0" smtClean="0"/>
-              <a:t>, </a:t>
-            </a:r>
-            <a:r>
-              <a:rPr lang="fr-FR" baseline="0" dirty="0" err="1" smtClean="0"/>
-              <a:t>Opportunities</a:t>
-            </a:r>
-            <a:r>
-              <a:rPr lang="fr-FR" baseline="0" dirty="0" smtClean="0"/>
-              <a:t>, </a:t>
-            </a:r>
-            <a:r>
-              <a:rPr lang="fr-FR" baseline="0" dirty="0" err="1" smtClean="0"/>
-              <a:t>Threats</a:t>
-            </a:r>
             <a:endParaRPr lang="fr-FR" dirty="0"/>
           </a:p>
         </p:txBody>
@@ -1123,91 +1059,6 @@
               <a:rPr lang="fr-FR" smtClean="0"/>
               <a:pPr/>
               <a:t>19</a:t>
-            </a:fld>
-            <a:endParaRPr lang="fr-FR"/>
-          </a:p>
-        </p:txBody>
-      </p:sp>
-    </p:spTree>
-    <p:extLst>
-      <p:ext uri="{BB962C8B-B14F-4D97-AF65-F5344CB8AC3E}">
-        <p14:creationId xmlns:p14="http://schemas.microsoft.com/office/powerpoint/2010/main" val="47610137"/>
-      </p:ext>
-    </p:extLst>
-  </p:cSld>
-  <p:clrMapOvr>
-    <a:masterClrMapping/>
-  </p:clrMapOvr>
-</p:notes>
-</file>
-
-<file path=ppt/notesSlides/notesSlide13.xml><?xml version="1.0" encoding="utf-8"?>
-<p:notes xmlns:a="http://schemas.openxmlformats.org/drawingml/2006/main" xmlns:r="http://schemas.openxmlformats.org/officeDocument/2006/relationships" xmlns:p="http://schemas.openxmlformats.org/presentationml/2006/main">
-  <p:cSld>
-    <p:spTree>
-      <p:nvGrpSpPr>
-        <p:cNvPr id="1" name=""/>
-        <p:cNvGrpSpPr/>
-        <p:nvPr/>
-      </p:nvGrpSpPr>
-      <p:grpSpPr>
-        <a:xfrm>
-          <a:off x="0" y="0"/>
-          <a:ext cx="0" cy="0"/>
-          <a:chOff x="0" y="0"/>
-          <a:chExt cx="0" cy="0"/>
-        </a:xfrm>
-      </p:grpSpPr>
-      <p:sp>
-        <p:nvSpPr>
-          <p:cNvPr id="2" name="Espace réservé de l'image des diapositives 1"/>
-          <p:cNvSpPr>
-            <a:spLocks noGrp="1" noRot="1" noChangeAspect="1"/>
-          </p:cNvSpPr>
-          <p:nvPr>
-            <p:ph type="sldImg"/>
-          </p:nvPr>
-        </p:nvSpPr>
-        <p:spPr/>
-      </p:sp>
-      <p:sp>
-        <p:nvSpPr>
-          <p:cNvPr id="3" name="Espace réservé des commentaires 2"/>
-          <p:cNvSpPr>
-            <a:spLocks noGrp="1"/>
-          </p:cNvSpPr>
-          <p:nvPr>
-            <p:ph type="body" idx="1"/>
-          </p:nvPr>
-        </p:nvSpPr>
-        <p:spPr/>
-        <p:txBody>
-          <a:bodyPr/>
-          <a:lstStyle/>
-          <a:p>
-            <a:endParaRPr lang="fr-FR" dirty="0"/>
-          </a:p>
-        </p:txBody>
-      </p:sp>
-      <p:sp>
-        <p:nvSpPr>
-          <p:cNvPr id="4" name="Espace réservé du numéro de diapositive 3"/>
-          <p:cNvSpPr>
-            <a:spLocks noGrp="1"/>
-          </p:cNvSpPr>
-          <p:nvPr>
-            <p:ph type="sldNum" sz="quarter" idx="10"/>
-          </p:nvPr>
-        </p:nvSpPr>
-        <p:spPr/>
-        <p:txBody>
-          <a:bodyPr/>
-          <a:lstStyle/>
-          <a:p>
-            <a:fld id="{39168679-7C28-4FFB-8A08-9AACB039AAD4}" type="slidenum">
-              <a:rPr lang="fr-FR" smtClean="0"/>
-              <a:pPr/>
-              <a:t>20</a:t>
             </a:fld>
             <a:endParaRPr lang="fr-FR"/>
           </a:p>
@@ -1929,7 +1780,7 @@
     </p:spTree>
     <p:extLst>
       <p:ext uri="{BB962C8B-B14F-4D97-AF65-F5344CB8AC3E}">
-        <p14:creationId xmlns:p14="http://schemas.microsoft.com/office/powerpoint/2010/main" val="2603849293"/>
+        <p14:creationId xmlns:p14="http://schemas.microsoft.com/office/powerpoint/2010/main" val="93012229"/>
       </p:ext>
     </p:extLst>
   </p:cSld>
@@ -1983,6 +1834,69 @@
           <a:bodyPr/>
           <a:lstStyle/>
           <a:p>
+            <a:r>
+              <a:rPr lang="fr-FR" dirty="0" smtClean="0"/>
+              <a:t>Corentin : communication avec la </a:t>
+            </a:r>
+            <a:r>
+              <a:rPr lang="fr-FR" dirty="0" err="1" smtClean="0"/>
+              <a:t>Kira</a:t>
+            </a:r>
+            <a:r>
+              <a:rPr lang="fr-FR" dirty="0" smtClean="0"/>
+              <a:t> et la </a:t>
+            </a:r>
+            <a:r>
+              <a:rPr lang="fr-FR" dirty="0" err="1" smtClean="0"/>
+              <a:t>Fibaro</a:t>
+            </a:r>
+            <a:endParaRPr lang="fr-FR" dirty="0" smtClean="0"/>
+          </a:p>
+          <a:p>
+            <a:endParaRPr lang="fr-FR" dirty="0" smtClean="0"/>
+          </a:p>
+          <a:p>
+            <a:endParaRPr lang="fr-FR" dirty="0" smtClean="0"/>
+          </a:p>
+          <a:p>
+            <a:r>
+              <a:rPr lang="fr-FR" dirty="0" smtClean="0"/>
+              <a:t>Iman et </a:t>
+            </a:r>
+            <a:r>
+              <a:rPr lang="fr-FR" dirty="0" err="1" smtClean="0"/>
+              <a:t>Enora</a:t>
+            </a:r>
+            <a:r>
+              <a:rPr lang="fr-FR" dirty="0" smtClean="0"/>
+              <a:t> : modification de l’interface graphique</a:t>
+            </a:r>
+          </a:p>
+          <a:p>
+            <a:endParaRPr lang="fr-FR" dirty="0" smtClean="0"/>
+          </a:p>
+          <a:p>
+            <a:endParaRPr lang="fr-FR" dirty="0" smtClean="0"/>
+          </a:p>
+          <a:p>
+            <a:r>
+              <a:rPr lang="fr-FR" dirty="0" smtClean="0"/>
+              <a:t>Meven : refonte du modèle en C++</a:t>
+            </a:r>
+          </a:p>
+          <a:p>
+            <a:endParaRPr lang="fr-FR" dirty="0" smtClean="0"/>
+          </a:p>
+          <a:p>
+            <a:endParaRPr lang="fr-FR" dirty="0" smtClean="0"/>
+          </a:p>
+          <a:p>
+            <a:r>
+              <a:rPr lang="fr-FR" dirty="0" smtClean="0"/>
+              <a:t>Diane : communication en Bluetooth avec le fauteuil</a:t>
+            </a:r>
+          </a:p>
+          <a:p>
             <a:endParaRPr lang="fr-FR" dirty="0"/>
           </a:p>
         </p:txBody>
@@ -2014,7 +1928,7 @@
     </p:spTree>
     <p:extLst>
       <p:ext uri="{BB962C8B-B14F-4D97-AF65-F5344CB8AC3E}">
-        <p14:creationId xmlns:p14="http://schemas.microsoft.com/office/powerpoint/2010/main" val="93012229"/>
+        <p14:creationId xmlns:p14="http://schemas.microsoft.com/office/powerpoint/2010/main" val="1779372493"/>
       </p:ext>
     </p:extLst>
   </p:cSld>
@@ -8547,39 +8461,6 @@
             <a:r>
               <a:rPr lang="fr-FR" dirty="0" smtClean="0"/>
               <a:t>Maintenant</a:t>
-            </a:r>
-            <a:endParaRPr lang="fr-FR" dirty="0"/>
-          </a:p>
-        </p:txBody>
-      </p:sp>
-      <p:sp>
-        <p:nvSpPr>
-          <p:cNvPr id="34" name="Titre 1"/>
-          <p:cNvSpPr>
-            <a:spLocks noGrp="1"/>
-          </p:cNvSpPr>
-          <p:nvPr>
-            <p:ph type="title"/>
-          </p:nvPr>
-        </p:nvSpPr>
-        <p:spPr>
-          <a:xfrm>
-            <a:off x="633806" y="107931"/>
-            <a:ext cx="7876388" cy="1143000"/>
-          </a:xfrm>
-        </p:spPr>
-        <p:txBody>
-          <a:bodyPr/>
-          <a:lstStyle/>
-          <a:p>
-            <a:pPr algn="ctr"/>
-            <a:r>
-              <a:rPr lang="fr-FR" dirty="0" smtClean="0"/>
-              <a:t>II. </a:t>
-            </a:r>
-            <a:r>
-              <a:rPr lang="fr-FR" dirty="0" err="1" smtClean="0"/>
-              <a:t>realisation</a:t>
             </a:r>
             <a:endParaRPr lang="fr-FR" dirty="0"/>
           </a:p>
@@ -9653,6 +9534,39 @@
           </p:style>
         </p:cxnSp>
       </p:grpSp>
+      <p:sp>
+        <p:nvSpPr>
+          <p:cNvPr id="36" name="Titre 1"/>
+          <p:cNvSpPr>
+            <a:spLocks noGrp="1"/>
+          </p:cNvSpPr>
+          <p:nvPr>
+            <p:ph type="title"/>
+          </p:nvPr>
+        </p:nvSpPr>
+        <p:spPr>
+          <a:xfrm>
+            <a:off x="633806" y="270197"/>
+            <a:ext cx="7876388" cy="946800"/>
+          </a:xfrm>
+        </p:spPr>
+        <p:txBody>
+          <a:bodyPr/>
+          <a:lstStyle/>
+          <a:p>
+            <a:pPr algn="ctr"/>
+            <a:r>
+              <a:rPr lang="fr-FR" dirty="0" smtClean="0"/>
+              <a:t>II. </a:t>
+            </a:r>
+            <a:r>
+              <a:rPr lang="fr-FR" dirty="0" err="1" smtClean="0"/>
+              <a:t>realisation</a:t>
+            </a:r>
+            <a:endParaRPr lang="fr-FR" dirty="0"/>
+          </a:p>
+        </p:txBody>
+      </p:sp>
     </p:spTree>
     <p:extLst>
       <p:ext uri="{BB962C8B-B14F-4D97-AF65-F5344CB8AC3E}">
@@ -11220,6 +11134,36 @@
           </a:extLst>
         </p:spPr>
       </p:pic>
+      <p:pic>
+        <p:nvPicPr>
+          <p:cNvPr id="4" name="Image 3"/>
+          <p:cNvPicPr>
+            <a:picLocks noChangeAspect="1"/>
+          </p:cNvPicPr>
+          <p:nvPr/>
+        </p:nvPicPr>
+        <p:blipFill>
+          <a:blip r:embed="rId4">
+            <a:extLst>
+              <a:ext uri="{28A0092B-C50C-407E-A947-70E740481C1C}">
+                <a14:useLocalDpi xmlns:a14="http://schemas.microsoft.com/office/drawing/2010/main" val="0"/>
+              </a:ext>
+            </a:extLst>
+          </a:blip>
+          <a:stretch>
+            <a:fillRect/>
+          </a:stretch>
+        </p:blipFill>
+        <p:spPr>
+          <a:xfrm>
+            <a:off x="357187" y="1066800"/>
+            <a:ext cx="8429625" cy="4724400"/>
+          </a:xfrm>
+          <a:prstGeom prst="rect">
+            <a:avLst/>
+          </a:prstGeom>
+        </p:spPr>
+      </p:pic>
     </p:spTree>
     <p:extLst>
       <p:ext uri="{BB962C8B-B14F-4D97-AF65-F5344CB8AC3E}">
@@ -11271,188 +11215,36 @@
       </p:grpSpPr>
       <p:sp>
         <p:nvSpPr>
-          <p:cNvPr id="3" name="Espace réservé du texte 2"/>
+          <p:cNvPr id="2" name="Titre 1"/>
           <p:cNvSpPr>
             <a:spLocks noGrp="1"/>
           </p:cNvSpPr>
           <p:nvPr>
-            <p:ph type="body" sz="quarter" idx="10"/>
+            <p:ph type="title"/>
           </p:nvPr>
         </p:nvSpPr>
-        <p:spPr/>
+        <p:spPr>
+          <a:xfrm>
+            <a:off x="628650" y="240792"/>
+            <a:ext cx="7876388" cy="1143000"/>
+          </a:xfrm>
+        </p:spPr>
         <p:txBody>
           <a:bodyPr/>
           <a:lstStyle/>
           <a:p>
+            <a:pPr algn="ctr"/>
             <a:r>
               <a:rPr lang="fr-FR" dirty="0" smtClean="0"/>
-              <a:t>Adaptations de l’application :</a:t>
-            </a:r>
-          </a:p>
-          <a:p>
-            <a:pPr lvl="1">
-              <a:buFont typeface="Wingdings" panose="05000000000000000000" pitchFamily="2" charset="2"/>
-              <a:buChar char="v"/>
-            </a:pPr>
-            <a:endParaRPr lang="fr-FR" dirty="0" smtClean="0"/>
-          </a:p>
-          <a:p>
-            <a:pPr lvl="1">
-              <a:buFont typeface="Wingdings" panose="05000000000000000000" pitchFamily="2" charset="2"/>
-              <a:buChar char="v"/>
-            </a:pPr>
+              <a:t>DEMONSTRATION</a:t>
+            </a:r>
             <a:endParaRPr lang="fr-FR" dirty="0"/>
-          </a:p>
-          <a:p>
-            <a:pPr lvl="1">
-              <a:buFont typeface="Wingdings" panose="05000000000000000000" pitchFamily="2" charset="2"/>
-              <a:buChar char="v"/>
-            </a:pPr>
-            <a:r>
-              <a:rPr lang="fr-FR" dirty="0"/>
-              <a:t>Modification du thème</a:t>
-            </a:r>
-          </a:p>
-          <a:p>
-            <a:pPr lvl="1">
-              <a:buFont typeface="Wingdings" panose="05000000000000000000" pitchFamily="2" charset="2"/>
-              <a:buChar char="v"/>
-            </a:pPr>
-            <a:endParaRPr lang="fr-FR" dirty="0"/>
-          </a:p>
-          <a:p>
-            <a:pPr lvl="1">
-              <a:buFont typeface="Wingdings" panose="05000000000000000000" pitchFamily="2" charset="2"/>
-              <a:buChar char="v"/>
-            </a:pPr>
-            <a:r>
-              <a:rPr lang="fr-FR" dirty="0"/>
-              <a:t>Modification de la taille des </a:t>
-            </a:r>
-            <a:r>
-              <a:rPr lang="fr-FR" dirty="0" smtClean="0"/>
-              <a:t>icônes</a:t>
-            </a:r>
-          </a:p>
-          <a:p>
-            <a:pPr lvl="1">
-              <a:buFont typeface="Wingdings" panose="05000000000000000000" pitchFamily="2" charset="2"/>
-              <a:buChar char="v"/>
-            </a:pPr>
-            <a:endParaRPr lang="fr-FR" dirty="0"/>
-          </a:p>
-          <a:p>
-            <a:pPr lvl="1">
-              <a:buFont typeface="Wingdings" panose="05000000000000000000" pitchFamily="2" charset="2"/>
-              <a:buChar char="v"/>
-            </a:pPr>
-            <a:r>
-              <a:rPr lang="fr-FR" dirty="0"/>
-              <a:t>Modification des paramètres </a:t>
-            </a:r>
-            <a:r>
-              <a:rPr lang="fr-FR" dirty="0" smtClean="0"/>
-              <a:t>réseau</a:t>
-            </a:r>
-          </a:p>
-          <a:p>
-            <a:pPr lvl="1">
-              <a:buFont typeface="Wingdings" panose="05000000000000000000" pitchFamily="2" charset="2"/>
-              <a:buChar char="v"/>
-            </a:pPr>
-            <a:endParaRPr lang="fr-FR" dirty="0"/>
-          </a:p>
-          <a:p>
-            <a:pPr lvl="1">
-              <a:buFont typeface="Wingdings" panose="05000000000000000000" pitchFamily="2" charset="2"/>
-              <a:buChar char="v"/>
-            </a:pPr>
-            <a:r>
-              <a:rPr lang="fr-FR" dirty="0"/>
-              <a:t>Ajout de pièces et d'équipements </a:t>
-            </a:r>
-            <a:r>
-              <a:rPr lang="fr-FR" dirty="0" smtClean="0"/>
-              <a:t>contrôlables</a:t>
-            </a:r>
-          </a:p>
-          <a:p>
-            <a:pPr lvl="1">
-              <a:buFont typeface="Wingdings" panose="05000000000000000000" pitchFamily="2" charset="2"/>
-              <a:buChar char="v"/>
-            </a:pPr>
-            <a:endParaRPr lang="fr-FR" dirty="0"/>
-          </a:p>
-          <a:p>
-            <a:pPr lvl="1">
-              <a:buFont typeface="Wingdings" panose="05000000000000000000" pitchFamily="2" charset="2"/>
-              <a:buChar char="v"/>
-            </a:pPr>
-            <a:r>
-              <a:rPr lang="fr-FR" dirty="0"/>
-              <a:t>Personnalisation des icônes représentant les pièces et les équipements</a:t>
-            </a:r>
-          </a:p>
-          <a:p>
-            <a:endParaRPr lang="fr-FR" dirty="0" smtClean="0"/>
-          </a:p>
-          <a:p>
-            <a:endParaRPr lang="fr-FR" dirty="0" smtClean="0"/>
           </a:p>
         </p:txBody>
       </p:sp>
       <p:sp>
         <p:nvSpPr>
-          <p:cNvPr id="5" name="Titre 1"/>
-          <p:cNvSpPr txBox="1">
-            <a:spLocks/>
-          </p:cNvSpPr>
-          <p:nvPr/>
-        </p:nvSpPr>
-        <p:spPr>
-          <a:xfrm>
-            <a:off x="633806" y="287798"/>
-            <a:ext cx="7876388" cy="1143000"/>
-          </a:xfrm>
-          <a:prstGeom prst="rect">
-            <a:avLst/>
-          </a:prstGeom>
-        </p:spPr>
-        <p:txBody>
-          <a:bodyPr anchor="t">
-            <a:normAutofit/>
-          </a:bodyPr>
-          <a:lstStyle>
-            <a:lvl1pPr algn="l" defTabSz="457200" rtl="0" eaLnBrk="1" latinLnBrk="0" hangingPunct="1">
-              <a:lnSpc>
-                <a:spcPct val="90000"/>
-              </a:lnSpc>
-              <a:spcBef>
-                <a:spcPct val="0"/>
-              </a:spcBef>
-              <a:buNone/>
-              <a:defRPr sz="2700" b="1" i="0" kern="1200" cap="all" baseline="0">
-                <a:solidFill>
-                  <a:schemeClr val="bg2"/>
-                </a:solidFill>
-                <a:latin typeface="+mj-lt"/>
-                <a:ea typeface="+mj-ea"/>
-                <a:cs typeface="HelveticaNeueLT Com 57 Cn" panose="020B0506030502030204" pitchFamily="34" charset="0"/>
-              </a:defRPr>
-            </a:lvl1pPr>
-          </a:lstStyle>
-          <a:p>
-            <a:pPr algn="ctr"/>
-            <a:r>
-              <a:rPr lang="fr-FR" dirty="0"/>
-              <a:t>IV. L’application finale</a:t>
-            </a:r>
-          </a:p>
-        </p:txBody>
-      </p:sp>
-      <p:sp>
-        <p:nvSpPr>
-          <p:cNvPr id="6" name="ZoneTexte 5"/>
+          <p:cNvPr id="10" name="ZoneTexte 9"/>
           <p:cNvSpPr txBox="1"/>
           <p:nvPr/>
         </p:nvSpPr>
@@ -11474,16 +11266,70 @@
           <a:p>
             <a:r>
               <a:rPr lang="fr-FR" dirty="0" smtClean="0"/>
-              <a:t>13</a:t>
+              <a:t>14</a:t>
             </a:r>
             <a:endParaRPr lang="fr-FR" dirty="0"/>
           </a:p>
         </p:txBody>
       </p:sp>
+      <p:pic>
+        <p:nvPicPr>
+          <p:cNvPr id="2050" name="Picture 2"/>
+          <p:cNvPicPr>
+            <a:picLocks noChangeAspect="1" noChangeArrowheads="1"/>
+          </p:cNvPicPr>
+          <p:nvPr/>
+        </p:nvPicPr>
+        <p:blipFill>
+          <a:blip r:embed="rId3">
+            <a:extLst>
+              <a:ext uri="{28A0092B-C50C-407E-A947-70E740481C1C}">
+                <a14:useLocalDpi xmlns:a14="http://schemas.microsoft.com/office/drawing/2010/main" val="0"/>
+              </a:ext>
+            </a:extLst>
+          </a:blip>
+          <a:srcRect/>
+          <a:stretch>
+            <a:fillRect/>
+          </a:stretch>
+        </p:blipFill>
+        <p:spPr bwMode="auto">
+          <a:xfrm>
+            <a:off x="2676525" y="2062163"/>
+            <a:ext cx="3790950" cy="2733675"/>
+          </a:xfrm>
+          <a:prstGeom prst="rect">
+            <a:avLst/>
+          </a:prstGeom>
+          <a:noFill/>
+          <a:ln>
+            <a:noFill/>
+          </a:ln>
+          <a:extLst>
+            <a:ext uri="{909E8E84-426E-40DD-AFC4-6F175D3DCCD1}">
+              <a14:hiddenFill xmlns:a14="http://schemas.microsoft.com/office/drawing/2010/main">
+                <a:solidFill>
+                  <a:schemeClr val="accent1"/>
+                </a:solidFill>
+              </a14:hiddenFill>
+            </a:ext>
+            <a:ext uri="{91240B29-F687-4F45-9708-019B960494DF}">
+              <a14:hiddenLine xmlns:a14="http://schemas.microsoft.com/office/drawing/2010/main" w="9525">
+                <a:solidFill>
+                  <a:schemeClr val="tx1"/>
+                </a:solidFill>
+                <a:miter lim="800000"/>
+                <a:headEnd/>
+                <a:tailEnd/>
+              </a14:hiddenLine>
+            </a:ext>
+          </a:extLst>
+        </p:spPr>
+      </p:pic>
     </p:spTree>
     <p:extLst>
       <p:ext uri="{BB962C8B-B14F-4D97-AF65-F5344CB8AC3E}">
-        <p14:creationId xmlns:p14="http://schemas.microsoft.com/office/powerpoint/2010/main" val="3795733035"/>
+        <p14:creationId xmlns:p14="http://schemas.microsoft.com/office/powerpoint/2010/main" val="3312382938"/>
       </p:ext>
     </p:extLst>
   </p:cSld>
@@ -11541,168 +11387,6 @@
         </p:nvSpPr>
         <p:spPr>
           <a:xfrm>
-            <a:off x="628650" y="240792"/>
-            <a:ext cx="7876388" cy="1143000"/>
-          </a:xfrm>
-        </p:spPr>
-        <p:txBody>
-          <a:bodyPr/>
-          <a:lstStyle/>
-          <a:p>
-            <a:pPr algn="ctr"/>
-            <a:r>
-              <a:rPr lang="fr-FR" dirty="0" smtClean="0"/>
-              <a:t>DEMONSTRATION</a:t>
-            </a:r>
-            <a:endParaRPr lang="fr-FR" dirty="0"/>
-          </a:p>
-        </p:txBody>
-      </p:sp>
-      <p:sp>
-        <p:nvSpPr>
-          <p:cNvPr id="10" name="ZoneTexte 9"/>
-          <p:cNvSpPr txBox="1"/>
-          <p:nvPr/>
-        </p:nvSpPr>
-        <p:spPr>
-          <a:xfrm>
-            <a:off x="8496300" y="6296025"/>
-            <a:ext cx="495300" cy="369332"/>
-          </a:xfrm>
-          <a:prstGeom prst="rect">
-            <a:avLst/>
-          </a:prstGeom>
-          <a:noFill/>
-        </p:spPr>
-        <p:txBody>
-          <a:bodyPr wrap="square" rtlCol="0">
-            <a:spAutoFit/>
-          </a:bodyPr>
-          <a:lstStyle/>
-          <a:p>
-            <a:r>
-              <a:rPr lang="fr-FR" dirty="0" smtClean="0"/>
-              <a:t>14</a:t>
-            </a:r>
-            <a:endParaRPr lang="fr-FR" dirty="0"/>
-          </a:p>
-        </p:txBody>
-      </p:sp>
-      <p:pic>
-        <p:nvPicPr>
-          <p:cNvPr id="2050" name="Picture 2"/>
-          <p:cNvPicPr>
-            <a:picLocks noChangeAspect="1" noChangeArrowheads="1"/>
-          </p:cNvPicPr>
-          <p:nvPr/>
-        </p:nvPicPr>
-        <p:blipFill>
-          <a:blip r:embed="rId3">
-            <a:extLst>
-              <a:ext uri="{28A0092B-C50C-407E-A947-70E740481C1C}">
-                <a14:useLocalDpi xmlns:a14="http://schemas.microsoft.com/office/drawing/2010/main" val="0"/>
-              </a:ext>
-            </a:extLst>
-          </a:blip>
-          <a:srcRect/>
-          <a:stretch>
-            <a:fillRect/>
-          </a:stretch>
-        </p:blipFill>
-        <p:spPr bwMode="auto">
-          <a:xfrm>
-            <a:off x="2676525" y="2062163"/>
-            <a:ext cx="3790950" cy="2733675"/>
-          </a:xfrm>
-          <a:prstGeom prst="rect">
-            <a:avLst/>
-          </a:prstGeom>
-          <a:noFill/>
-          <a:ln>
-            <a:noFill/>
-          </a:ln>
-          <a:extLst>
-            <a:ext uri="{909E8E84-426E-40DD-AFC4-6F175D3DCCD1}">
-              <a14:hiddenFill xmlns:a14="http://schemas.microsoft.com/office/drawing/2010/main">
-                <a:solidFill>
-                  <a:schemeClr val="accent1"/>
-                </a:solidFill>
-              </a14:hiddenFill>
-            </a:ext>
-            <a:ext uri="{91240B29-F687-4F45-9708-019B960494DF}">
-              <a14:hiddenLine xmlns:a14="http://schemas.microsoft.com/office/drawing/2010/main" w="9525">
-                <a:solidFill>
-                  <a:schemeClr val="tx1"/>
-                </a:solidFill>
-                <a:miter lim="800000"/>
-                <a:headEnd/>
-                <a:tailEnd/>
-              </a14:hiddenLine>
-            </a:ext>
-          </a:extLst>
-        </p:spPr>
-      </p:pic>
-    </p:spTree>
-    <p:extLst>
-      <p:ext uri="{BB962C8B-B14F-4D97-AF65-F5344CB8AC3E}">
-        <p14:creationId xmlns:p14="http://schemas.microsoft.com/office/powerpoint/2010/main" val="3312382938"/>
-      </p:ext>
-    </p:extLst>
-  </p:cSld>
-  <p:clrMapOvr>
-    <a:masterClrMapping/>
-  </p:clrMapOvr>
-  <mc:AlternateContent xmlns:mc="http://schemas.openxmlformats.org/markup-compatibility/2006" xmlns:p14="http://schemas.microsoft.com/office/powerpoint/2010/main">
-    <mc:Choice Requires="p14">
-      <p:transition spd="med" p14:dur="700">
-        <p:fade/>
-      </p:transition>
-    </mc:Choice>
-    <mc:Fallback xmlns="">
-      <p:transition spd="med">
-        <p:fade/>
-      </p:transition>
-    </mc:Fallback>
-  </mc:AlternateContent>
-  <p:timing>
-    <p:tnLst>
-      <p:par>
-        <p:cTn id="1" dur="indefinite" restart="never" nodeType="tmRoot"/>
-      </p:par>
-    </p:tnLst>
-  </p:timing>
-</p:sld>
-</file>
-
-<file path=ppt/slides/slide16.xml><?xml version="1.0" encoding="utf-8"?>
-<p:sld xmlns:a="http://schemas.openxmlformats.org/drawingml/2006/main" xmlns:r="http://schemas.openxmlformats.org/officeDocument/2006/relationships" xmlns:p="http://schemas.openxmlformats.org/presentationml/2006/main">
-  <p:cSld>
-    <p:spTree>
-      <p:nvGrpSpPr>
-        <p:cNvPr id="1" name=""/>
-        <p:cNvGrpSpPr/>
-        <p:nvPr/>
-      </p:nvGrpSpPr>
-      <p:grpSpPr>
-        <a:xfrm>
-          <a:off x="0" y="0"/>
-          <a:ext cx="0" cy="0"/>
-          <a:chOff x="0" y="0"/>
-          <a:chExt cx="0" cy="0"/>
-        </a:xfrm>
-      </p:grpSpPr>
-      <p:sp>
-        <p:nvSpPr>
-          <p:cNvPr id="2" name="Titre 1"/>
-          <p:cNvSpPr>
-            <a:spLocks noGrp="1"/>
-          </p:cNvSpPr>
-          <p:nvPr>
-            <p:ph type="title"/>
-          </p:nvPr>
-        </p:nvSpPr>
-        <p:spPr>
-          <a:xfrm>
             <a:off x="633806" y="231501"/>
             <a:ext cx="7876388" cy="732328"/>
           </a:xfrm>
@@ -12796,7 +12480,7 @@
 </p:sld>
 </file>
 
-<file path=ppt/slides/slide17.xml><?xml version="1.0" encoding="utf-8"?>
+<file path=ppt/slides/slide16.xml><?xml version="1.0" encoding="utf-8"?>
 <p:sld xmlns:a="http://schemas.openxmlformats.org/drawingml/2006/main" xmlns:r="http://schemas.openxmlformats.org/officeDocument/2006/relationships" xmlns:p="http://schemas.openxmlformats.org/presentationml/2006/main">
   <p:cSld>
     <p:spTree>
@@ -13034,7 +12718,7 @@
 </p:sld>
 </file>
 
-<file path=ppt/slides/slide18.xml><?xml version="1.0" encoding="utf-8"?>
+<file path=ppt/slides/slide17.xml><?xml version="1.0" encoding="utf-8"?>
 <p:sld xmlns:a="http://schemas.openxmlformats.org/drawingml/2006/main" xmlns:r="http://schemas.openxmlformats.org/officeDocument/2006/relationships" xmlns:p="http://schemas.openxmlformats.org/presentationml/2006/main">
   <p:cSld>
     <p:spTree>
@@ -13330,7 +13014,7 @@
 </p:sld>
 </file>
 
-<file path=ppt/slides/slide19.xml><?xml version="1.0" encoding="utf-8"?>
+<file path=ppt/slides/slide18.xml><?xml version="1.0" encoding="utf-8"?>
 <p:sld xmlns:a="http://schemas.openxmlformats.org/drawingml/2006/main" xmlns:r="http://schemas.openxmlformats.org/officeDocument/2006/relationships" xmlns:p="http://schemas.openxmlformats.org/presentationml/2006/main" show="0">
   <p:cSld>
     <p:spTree>
@@ -13934,6 +13618,236 @@
 </p:sld>
 </file>
 
+<file path=ppt/slides/slide19.xml><?xml version="1.0" encoding="utf-8"?>
+<p:sld xmlns:a="http://schemas.openxmlformats.org/drawingml/2006/main" xmlns:r="http://schemas.openxmlformats.org/officeDocument/2006/relationships" xmlns:p="http://schemas.openxmlformats.org/presentationml/2006/main">
+  <p:cSld>
+    <p:spTree>
+      <p:nvGrpSpPr>
+        <p:cNvPr id="1" name=""/>
+        <p:cNvGrpSpPr/>
+        <p:nvPr/>
+      </p:nvGrpSpPr>
+      <p:grpSpPr>
+        <a:xfrm>
+          <a:off x="0" y="0"/>
+          <a:ext cx="0" cy="0"/>
+          <a:chOff x="0" y="0"/>
+          <a:chExt cx="0" cy="0"/>
+        </a:xfrm>
+      </p:grpSpPr>
+      <p:sp>
+        <p:nvSpPr>
+          <p:cNvPr id="3" name="Espace réservé du texte 2"/>
+          <p:cNvSpPr>
+            <a:spLocks noGrp="1"/>
+          </p:cNvSpPr>
+          <p:nvPr>
+            <p:ph type="body" sz="quarter" idx="10"/>
+          </p:nvPr>
+        </p:nvSpPr>
+        <p:spPr/>
+        <p:txBody>
+          <a:bodyPr/>
+          <a:lstStyle/>
+          <a:p>
+            <a:pPr>
+              <a:buFont typeface="Wingdings" panose="05000000000000000000" pitchFamily="2" charset="2"/>
+              <a:buChar char="§"/>
+            </a:pPr>
+            <a:endParaRPr lang="en-US" dirty="0" smtClean="0"/>
+          </a:p>
+          <a:p>
+            <a:pPr marL="0" indent="0">
+              <a:buNone/>
+            </a:pPr>
+            <a:endParaRPr lang="fr-FR" sz="2400" dirty="0"/>
+          </a:p>
+          <a:p>
+            <a:pPr marL="271463" lvl="1" indent="-271463">
+              <a:buClr>
+                <a:schemeClr val="tx2"/>
+              </a:buClr>
+              <a:buSzPct val="80000"/>
+              <a:buFont typeface="Wingdings 3" panose="05040102010807070707" pitchFamily="18" charset="2"/>
+              <a:buChar char=""/>
+            </a:pPr>
+            <a:r>
+              <a:rPr lang="fr-FR" sz="2400" dirty="0">
+                <a:solidFill>
+                  <a:schemeClr val="tx1"/>
+                </a:solidFill>
+              </a:rPr>
+              <a:t>Application fonctionnelle et utilisable</a:t>
+            </a:r>
+          </a:p>
+          <a:p>
+            <a:endParaRPr lang="fr-FR" sz="2400" dirty="0" smtClean="0"/>
+          </a:p>
+          <a:p>
+            <a:pPr lvl="1"/>
+            <a:endParaRPr lang="fr-FR" sz="2000" dirty="0"/>
+          </a:p>
+          <a:p>
+            <a:r>
+              <a:rPr lang="fr-FR" sz="2400" dirty="0"/>
+              <a:t>Points d’amélioration :</a:t>
+            </a:r>
+          </a:p>
+          <a:p>
+            <a:pPr lvl="1"/>
+            <a:r>
+              <a:rPr lang="fr-FR" sz="2000" dirty="0">
+                <a:solidFill>
+                  <a:schemeClr val="tx1"/>
+                </a:solidFill>
+              </a:rPr>
+              <a:t>Défilement</a:t>
+            </a:r>
+          </a:p>
+          <a:p>
+            <a:pPr lvl="1"/>
+            <a:r>
+              <a:rPr lang="fr-FR" sz="2000" dirty="0">
+                <a:solidFill>
+                  <a:schemeClr val="tx1"/>
+                </a:solidFill>
+              </a:rPr>
+              <a:t>Paramétrage plus simple</a:t>
+            </a:r>
+          </a:p>
+          <a:p>
+            <a:pPr lvl="1"/>
+            <a:r>
+              <a:rPr lang="fr-FR" sz="2000" dirty="0" smtClean="0">
+                <a:solidFill>
+                  <a:schemeClr val="tx1"/>
+                </a:solidFill>
+              </a:rPr>
+              <a:t>Sécurité</a:t>
+            </a:r>
+          </a:p>
+          <a:p>
+            <a:pPr lvl="1"/>
+            <a:endParaRPr lang="fr-FR" sz="2000" dirty="0">
+              <a:solidFill>
+                <a:schemeClr val="tx1"/>
+              </a:solidFill>
+            </a:endParaRPr>
+          </a:p>
+        </p:txBody>
+      </p:sp>
+      <p:sp>
+        <p:nvSpPr>
+          <p:cNvPr id="4" name="Titre 1"/>
+          <p:cNvSpPr txBox="1">
+            <a:spLocks/>
+          </p:cNvSpPr>
+          <p:nvPr/>
+        </p:nvSpPr>
+        <p:spPr>
+          <a:xfrm>
+            <a:off x="633806" y="287798"/>
+            <a:ext cx="7876388" cy="1143000"/>
+          </a:xfrm>
+          <a:prstGeom prst="rect">
+            <a:avLst/>
+          </a:prstGeom>
+        </p:spPr>
+        <p:txBody>
+          <a:bodyPr anchor="t">
+            <a:normAutofit/>
+          </a:bodyPr>
+          <a:lstStyle>
+            <a:lvl1pPr algn="l" defTabSz="457200" rtl="0" eaLnBrk="1" latinLnBrk="0" hangingPunct="1">
+              <a:lnSpc>
+                <a:spcPct val="90000"/>
+              </a:lnSpc>
+              <a:spcBef>
+                <a:spcPct val="0"/>
+              </a:spcBef>
+              <a:buNone/>
+              <a:defRPr sz="2700" b="1" i="0" kern="1200" cap="all" baseline="0">
+                <a:solidFill>
+                  <a:schemeClr val="bg2"/>
+                </a:solidFill>
+                <a:latin typeface="+mj-lt"/>
+                <a:ea typeface="+mj-ea"/>
+                <a:cs typeface="HelveticaNeueLT Com 57 Cn" panose="020B0506030502030204" pitchFamily="34" charset="0"/>
+              </a:defRPr>
+            </a:lvl1pPr>
+          </a:lstStyle>
+          <a:p>
+            <a:pPr algn="ctr"/>
+            <a:r>
+              <a:rPr lang="fr-FR" dirty="0" smtClean="0"/>
+              <a:t>VI. Bilan technique</a:t>
+            </a:r>
+            <a:endParaRPr lang="fr-FR" dirty="0"/>
+          </a:p>
+        </p:txBody>
+      </p:sp>
+      <p:sp>
+        <p:nvSpPr>
+          <p:cNvPr id="5" name="ZoneTexte 4"/>
+          <p:cNvSpPr txBox="1"/>
+          <p:nvPr/>
+        </p:nvSpPr>
+        <p:spPr>
+          <a:xfrm>
+            <a:off x="8496300" y="6296025"/>
+            <a:ext cx="495300" cy="369332"/>
+          </a:xfrm>
+          <a:prstGeom prst="rect">
+            <a:avLst/>
+          </a:prstGeom>
+          <a:noFill/>
+        </p:spPr>
+        <p:txBody>
+          <a:bodyPr wrap="square" rtlCol="0">
+            <a:spAutoFit/>
+          </a:bodyPr>
+          <a:lstStyle/>
+          <a:p>
+            <a:r>
+              <a:rPr lang="fr-FR" dirty="0" smtClean="0"/>
+              <a:t>18</a:t>
+            </a:r>
+            <a:endParaRPr lang="fr-FR" dirty="0"/>
+          </a:p>
+        </p:txBody>
+      </p:sp>
+    </p:spTree>
+    <p:extLst>
+      <p:ext uri="{BB962C8B-B14F-4D97-AF65-F5344CB8AC3E}">
+        <p14:creationId xmlns:p14="http://schemas.microsoft.com/office/powerpoint/2010/main" val="3484511506"/>
+      </p:ext>
+    </p:extLst>
+  </p:cSld>
+  <p:clrMapOvr>
+    <a:masterClrMapping/>
+  </p:clrMapOvr>
+  <mc:AlternateContent xmlns:mc="http://schemas.openxmlformats.org/markup-compatibility/2006" xmlns:p14="http://schemas.microsoft.com/office/powerpoint/2010/main">
+    <mc:Choice Requires="p14">
+      <p:transition spd="med" p14:dur="700">
+        <p:fade/>
+      </p:transition>
+    </mc:Choice>
+    <mc:Fallback xmlns="">
+      <p:transition spd="med">
+        <p:fade/>
+      </p:transition>
+    </mc:Fallback>
+  </mc:AlternateContent>
+  <p:timing>
+    <p:tnLst>
+      <p:par>
+        <p:cTn id="1" dur="indefinite" restart="never" nodeType="tmRoot"/>
+      </p:par>
+    </p:tnLst>
+  </p:timing>
+</p:sld>
+</file>
+
 <file path=ppt/slides/slide2.xml><?xml version="1.0" encoding="utf-8"?>
 <p:sld xmlns:a="http://schemas.openxmlformats.org/drawingml/2006/main" xmlns:r="http://schemas.openxmlformats.org/officeDocument/2006/relationships" xmlns:p="http://schemas.openxmlformats.org/presentationml/2006/main">
   <p:cSld>
@@ -14172,14 +14086,52 @@
         </p:nvSpPr>
         <p:spPr/>
         <p:txBody>
-          <a:bodyPr/>
+          <a:bodyPr>
+            <a:normAutofit fontScale="92500" lnSpcReduction="20000"/>
+          </a:bodyPr>
           <a:lstStyle/>
           <a:p>
-            <a:pPr>
-              <a:buFont typeface="Wingdings" panose="05000000000000000000" pitchFamily="2" charset="2"/>
-              <a:buChar char="§"/>
-            </a:pPr>
-            <a:endParaRPr lang="en-US" dirty="0" smtClean="0"/>
+            <a:endParaRPr lang="fr-FR" sz="2400" dirty="0" smtClean="0"/>
+          </a:p>
+          <a:p>
+            <a:r>
+              <a:rPr lang="fr-FR" sz="2400" dirty="0" smtClean="0"/>
+              <a:t>Challenge</a:t>
+            </a:r>
+          </a:p>
+          <a:p>
+            <a:endParaRPr lang="fr-FR" sz="2400" dirty="0" smtClean="0"/>
+          </a:p>
+          <a:p>
+            <a:endParaRPr lang="fr-FR" sz="2400" dirty="0"/>
+          </a:p>
+          <a:p>
+            <a:endParaRPr lang="fr-FR" sz="2400" dirty="0" smtClean="0"/>
+          </a:p>
+          <a:p>
+            <a:r>
+              <a:rPr lang="fr-FR" sz="2400" dirty="0"/>
+              <a:t>Projet </a:t>
+            </a:r>
+            <a:r>
+              <a:rPr lang="fr-FR" sz="2400" dirty="0" smtClean="0"/>
+              <a:t>concret</a:t>
+            </a:r>
+          </a:p>
+          <a:p>
+            <a:endParaRPr lang="fr-FR" sz="2400" dirty="0"/>
+          </a:p>
+          <a:p>
+            <a:endParaRPr lang="fr-FR" sz="2400" dirty="0" smtClean="0"/>
+          </a:p>
+          <a:p>
+            <a:endParaRPr lang="fr-FR" sz="2400" dirty="0"/>
+          </a:p>
+          <a:p>
+            <a:r>
+              <a:rPr lang="fr-FR" sz="2400" dirty="0" smtClean="0"/>
+              <a:t>Travail avec des industriels</a:t>
+            </a:r>
           </a:p>
           <a:p>
             <a:pPr marL="0" indent="0">
@@ -14188,82 +14140,34 @@
             <a:endParaRPr lang="fr-FR" sz="2400" dirty="0"/>
           </a:p>
           <a:p>
-            <a:pPr marL="271463" lvl="1" indent="-271463">
-              <a:buClr>
-                <a:schemeClr val="tx2"/>
-              </a:buClr>
-              <a:buSzPct val="80000"/>
-              <a:buFont typeface="Wingdings 3" panose="05040102010807070707" pitchFamily="18" charset="2"/>
-              <a:buChar char=""/>
+            <a:endParaRPr lang="fr-FR" sz="2400" dirty="0"/>
+          </a:p>
+          <a:p>
+            <a:endParaRPr lang="fr-FR" sz="2400" dirty="0" smtClean="0"/>
+          </a:p>
+          <a:p>
+            <a:endParaRPr lang="fr-FR" sz="2400" dirty="0" smtClean="0"/>
+          </a:p>
+          <a:p>
+            <a:pPr marL="0" indent="0">
+              <a:buNone/>
             </a:pPr>
             <a:r>
-              <a:rPr lang="fr-FR" sz="2400" dirty="0">
-                <a:solidFill>
-                  <a:schemeClr val="tx1"/>
-                </a:solidFill>
-              </a:rPr>
-              <a:t>Application fonctionnelle et utilisable</a:t>
-            </a:r>
-          </a:p>
-          <a:p>
-            <a:endParaRPr lang="fr-FR" sz="2400" dirty="0" smtClean="0"/>
-          </a:p>
-          <a:p>
-            <a:pPr lvl="1"/>
-            <a:endParaRPr lang="fr-FR" sz="2000" dirty="0"/>
-          </a:p>
-          <a:p>
-            <a:r>
-              <a:rPr lang="fr-FR" sz="2400" dirty="0"/>
-              <a:t>Points d’amélioration :</a:t>
-            </a:r>
-          </a:p>
-          <a:p>
-            <a:pPr lvl="1"/>
-            <a:r>
-              <a:rPr lang="fr-FR" sz="2000" dirty="0">
-                <a:solidFill>
-                  <a:schemeClr val="tx1"/>
-                </a:solidFill>
-              </a:rPr>
-              <a:t>Défilement</a:t>
-            </a:r>
-          </a:p>
-          <a:p>
-            <a:pPr lvl="1"/>
-            <a:r>
-              <a:rPr lang="fr-FR" sz="2000" dirty="0">
-                <a:solidFill>
-                  <a:schemeClr val="tx1"/>
-                </a:solidFill>
-              </a:rPr>
-              <a:t>Paramétrage plus simple</a:t>
-            </a:r>
-          </a:p>
-          <a:p>
-            <a:pPr lvl="1"/>
-            <a:r>
-              <a:rPr lang="fr-FR" sz="2000" dirty="0" smtClean="0">
-                <a:solidFill>
-                  <a:schemeClr val="tx1"/>
-                </a:solidFill>
-              </a:rPr>
-              <a:t>Sécurité</a:t>
-            </a:r>
-          </a:p>
-          <a:p>
-            <a:pPr lvl="1"/>
-            <a:endParaRPr lang="fr-FR" sz="2000" dirty="0">
-              <a:solidFill>
-                <a:schemeClr val="tx1"/>
-              </a:solidFill>
-            </a:endParaRPr>
+              <a:rPr lang="fr-FR" dirty="0"/>
+              <a:t>	</a:t>
+            </a:r>
+          </a:p>
+          <a:p>
+            <a:pPr marL="0" indent="0">
+              <a:buNone/>
+            </a:pPr>
+            <a:endParaRPr lang="fr-FR" dirty="0" smtClean="0"/>
           </a:p>
         </p:txBody>
       </p:sp>
       <p:sp>
         <p:nvSpPr>
-          <p:cNvPr id="4" name="Titre 1"/>
+          <p:cNvPr id="6" name="Titre 1"/>
           <p:cNvSpPr txBox="1">
             <a:spLocks/>
           </p:cNvSpPr>
@@ -14271,7 +14175,7 @@
         </p:nvSpPr>
         <p:spPr>
           <a:xfrm>
-            <a:off x="633806" y="287798"/>
+            <a:off x="1115212" y="195188"/>
             <a:ext cx="7876388" cy="1143000"/>
           </a:xfrm>
           <a:prstGeom prst="rect">
@@ -14305,7 +14209,7 @@
             <a:pPr algn="ctr"/>
             <a:r>
               <a:rPr lang="fr-FR" dirty="0" smtClean="0"/>
-              <a:t>VI. Bilan technique</a:t>
+              <a:t>VII. Conclusion : bilan personnel</a:t>
             </a:r>
             <a:endParaRPr lang="fr-FR" dirty="0"/>
           </a:p>
@@ -14313,7 +14217,7 @@
       </p:sp>
       <p:sp>
         <p:nvSpPr>
-          <p:cNvPr id="5" name="ZoneTexte 4"/>
+          <p:cNvPr id="7" name="ZoneTexte 6"/>
           <p:cNvSpPr txBox="1"/>
           <p:nvPr/>
         </p:nvSpPr>
@@ -14335,7 +14239,7 @@
           <a:p>
             <a:r>
               <a:rPr lang="fr-FR" dirty="0" smtClean="0"/>
-              <a:t>18</a:t>
+              <a:t>19</a:t>
             </a:r>
             <a:endParaRPr lang="fr-FR" dirty="0"/>
           </a:p>
@@ -14344,7 +14248,7 @@
     </p:spTree>
     <p:extLst>
       <p:ext uri="{BB962C8B-B14F-4D97-AF65-F5344CB8AC3E}">
-        <p14:creationId xmlns:p14="http://schemas.microsoft.com/office/powerpoint/2010/main" val="3484511506"/>
+        <p14:creationId xmlns:p14="http://schemas.microsoft.com/office/powerpoint/2010/main" val="640009553"/>
       </p:ext>
     </p:extLst>
   </p:cSld>
@@ -14392,226 +14296,6 @@
       </p:grpSpPr>
       <p:sp>
         <p:nvSpPr>
-          <p:cNvPr id="3" name="Espace réservé du texte 2"/>
-          <p:cNvSpPr>
-            <a:spLocks noGrp="1"/>
-          </p:cNvSpPr>
-          <p:nvPr>
-            <p:ph type="body" sz="quarter" idx="10"/>
-          </p:nvPr>
-        </p:nvSpPr>
-        <p:spPr/>
-        <p:txBody>
-          <a:bodyPr>
-            <a:normAutofit fontScale="92500" lnSpcReduction="20000"/>
-          </a:bodyPr>
-          <a:lstStyle/>
-          <a:p>
-            <a:endParaRPr lang="fr-FR" sz="2400" dirty="0" smtClean="0"/>
-          </a:p>
-          <a:p>
-            <a:r>
-              <a:rPr lang="fr-FR" sz="2400" dirty="0" smtClean="0"/>
-              <a:t>Challenge</a:t>
-            </a:r>
-          </a:p>
-          <a:p>
-            <a:endParaRPr lang="fr-FR" sz="2400" dirty="0" smtClean="0"/>
-          </a:p>
-          <a:p>
-            <a:endParaRPr lang="fr-FR" sz="2400" dirty="0"/>
-          </a:p>
-          <a:p>
-            <a:endParaRPr lang="fr-FR" sz="2400" dirty="0" smtClean="0"/>
-          </a:p>
-          <a:p>
-            <a:r>
-              <a:rPr lang="fr-FR" sz="2400" dirty="0"/>
-              <a:t>Projet </a:t>
-            </a:r>
-            <a:r>
-              <a:rPr lang="fr-FR" sz="2400" dirty="0" smtClean="0"/>
-              <a:t>concret</a:t>
-            </a:r>
-          </a:p>
-          <a:p>
-            <a:endParaRPr lang="fr-FR" sz="2400" dirty="0"/>
-          </a:p>
-          <a:p>
-            <a:endParaRPr lang="fr-FR" sz="2400" dirty="0" smtClean="0"/>
-          </a:p>
-          <a:p>
-            <a:endParaRPr lang="fr-FR" sz="2400" dirty="0"/>
-          </a:p>
-          <a:p>
-            <a:r>
-              <a:rPr lang="fr-FR" sz="2400" dirty="0" smtClean="0"/>
-              <a:t>Travail avec des industriels</a:t>
-            </a:r>
-          </a:p>
-          <a:p>
-            <a:pPr marL="0" indent="0">
-              <a:buNone/>
-            </a:pPr>
-            <a:endParaRPr lang="fr-FR" sz="2400" dirty="0"/>
-          </a:p>
-          <a:p>
-            <a:endParaRPr lang="fr-FR" sz="2400" dirty="0"/>
-          </a:p>
-          <a:p>
-            <a:endParaRPr lang="fr-FR" sz="2400" dirty="0" smtClean="0"/>
-          </a:p>
-          <a:p>
-            <a:endParaRPr lang="fr-FR" sz="2400" dirty="0" smtClean="0"/>
-          </a:p>
-          <a:p>
-            <a:pPr marL="0" indent="0">
-              <a:buNone/>
-            </a:pPr>
-            <a:r>
-              <a:rPr lang="fr-FR" dirty="0"/>
-              <a:t>	</a:t>
-            </a:r>
-          </a:p>
-          <a:p>
-            <a:pPr marL="0" indent="0">
-              <a:buNone/>
-            </a:pPr>
-            <a:endParaRPr lang="fr-FR" dirty="0" smtClean="0"/>
-          </a:p>
-        </p:txBody>
-      </p:sp>
-      <p:sp>
-        <p:nvSpPr>
-          <p:cNvPr id="6" name="Titre 1"/>
-          <p:cNvSpPr txBox="1">
-            <a:spLocks/>
-          </p:cNvSpPr>
-          <p:nvPr/>
-        </p:nvSpPr>
-        <p:spPr>
-          <a:xfrm>
-            <a:off x="633806" y="270681"/>
-            <a:ext cx="7876388" cy="1143000"/>
-          </a:xfrm>
-          <a:prstGeom prst="rect">
-            <a:avLst/>
-          </a:prstGeom>
-        </p:spPr>
-        <p:txBody>
-          <a:bodyPr anchor="t">
-            <a:normAutofit/>
-          </a:bodyPr>
-          <a:lstStyle>
-            <a:lvl1pPr algn="l" defTabSz="457200" rtl="0" eaLnBrk="1" latinLnBrk="0" hangingPunct="1">
-              <a:lnSpc>
-                <a:spcPct val="90000"/>
-              </a:lnSpc>
-              <a:spcBef>
-                <a:spcPct val="0"/>
-              </a:spcBef>
-              <a:buNone/>
-              <a:defRPr sz="2700" b="1" i="0" kern="1200" cap="all" baseline="0">
-                <a:solidFill>
-                  <a:schemeClr val="bg2"/>
-                </a:solidFill>
-                <a:latin typeface="+mj-lt"/>
-                <a:ea typeface="+mj-ea"/>
-                <a:cs typeface="HelveticaNeueLT Com 57 Cn" panose="020B0506030502030204" pitchFamily="34" charset="0"/>
-              </a:defRPr>
-            </a:lvl1pPr>
-          </a:lstStyle>
-          <a:p>
-            <a:pPr algn="ctr"/>
-            <a:r>
-              <a:rPr lang="fr-FR" dirty="0" smtClean="0"/>
-              <a:t>VII. Conclusion : bilan personnel</a:t>
-            </a:r>
-            <a:endParaRPr lang="fr-FR" dirty="0"/>
-          </a:p>
-        </p:txBody>
-      </p:sp>
-      <p:sp>
-        <p:nvSpPr>
-          <p:cNvPr id="7" name="ZoneTexte 6"/>
-          <p:cNvSpPr txBox="1"/>
-          <p:nvPr/>
-        </p:nvSpPr>
-        <p:spPr>
-          <a:xfrm>
-            <a:off x="8496300" y="6296025"/>
-            <a:ext cx="495300" cy="369332"/>
-          </a:xfrm>
-          <a:prstGeom prst="rect">
-            <a:avLst/>
-          </a:prstGeom>
-          <a:noFill/>
-        </p:spPr>
-        <p:txBody>
-          <a:bodyPr wrap="square" rtlCol="0">
-            <a:spAutoFit/>
-          </a:bodyPr>
-          <a:lstStyle/>
-          <a:p>
-            <a:r>
-              <a:rPr lang="fr-FR" dirty="0" smtClean="0"/>
-              <a:t>19</a:t>
-            </a:r>
-            <a:endParaRPr lang="fr-FR" dirty="0"/>
-          </a:p>
-        </p:txBody>
-      </p:sp>
-    </p:spTree>
-    <p:extLst>
-      <p:ext uri="{BB962C8B-B14F-4D97-AF65-F5344CB8AC3E}">
-        <p14:creationId xmlns:p14="http://schemas.microsoft.com/office/powerpoint/2010/main" val="640009553"/>
-      </p:ext>
-    </p:extLst>
-  </p:cSld>
-  <p:clrMapOvr>
-    <a:masterClrMapping/>
-  </p:clrMapOvr>
-  <mc:AlternateContent xmlns:mc="http://schemas.openxmlformats.org/markup-compatibility/2006" xmlns:p14="http://schemas.microsoft.com/office/powerpoint/2010/main">
-    <mc:Choice Requires="p14">
-      <p:transition spd="med" p14:dur="700">
-        <p:fade/>
-      </p:transition>
-    </mc:Choice>
-    <mc:Fallback xmlns="">
-      <p:transition spd="med">
-        <p:fade/>
-      </p:transition>
-    </mc:Fallback>
-  </mc:AlternateContent>
-  <p:timing>
-    <p:tnLst>
-      <p:par>
-        <p:cTn id="1" dur="indefinite" restart="never" nodeType="tmRoot"/>
-      </p:par>
-    </p:tnLst>
-  </p:timing>
-</p:sld>
-</file>
-
-<file path=ppt/slides/slide22.xml><?xml version="1.0" encoding="utf-8"?>
-<p:sld xmlns:a="http://schemas.openxmlformats.org/drawingml/2006/main" xmlns:r="http://schemas.openxmlformats.org/officeDocument/2006/relationships" xmlns:p="http://schemas.openxmlformats.org/presentationml/2006/main">
-  <p:cSld>
-    <p:spTree>
-      <p:nvGrpSpPr>
-        <p:cNvPr id="1" name=""/>
-        <p:cNvGrpSpPr/>
-        <p:nvPr/>
-      </p:nvGrpSpPr>
-      <p:grpSpPr>
-        <a:xfrm>
-          <a:off x="0" y="0"/>
-          <a:ext cx="0" cy="0"/>
-          <a:chOff x="0" y="0"/>
-          <a:chExt cx="0" cy="0"/>
-        </a:xfrm>
-      </p:grpSpPr>
-      <p:sp>
-        <p:nvSpPr>
           <p:cNvPr id="4" name="Rectangle 3"/>
           <p:cNvSpPr/>
           <p:nvPr/>
@@ -14727,7 +14411,7 @@
 </p:sld>
 </file>
 
-<file path=ppt/slides/slide23.xml><?xml version="1.0" encoding="utf-8"?>
+<file path=ppt/slides/slide22.xml><?xml version="1.0" encoding="utf-8"?>
 <p:sld xmlns:a="http://schemas.openxmlformats.org/drawingml/2006/main" xmlns:r="http://schemas.openxmlformats.org/officeDocument/2006/relationships" xmlns:p="http://schemas.openxmlformats.org/presentationml/2006/main">
   <p:cSld>
     <p:spTree>
@@ -15862,7 +15546,7 @@
 </p:sld>
 </file>
 
-<file path=ppt/slides/slide24.xml><?xml version="1.0" encoding="utf-8"?>
+<file path=ppt/slides/slide23.xml><?xml version="1.0" encoding="utf-8"?>
 <p:sld xmlns:a="http://schemas.openxmlformats.org/drawingml/2006/main" xmlns:r="http://schemas.openxmlformats.org/officeDocument/2006/relationships" xmlns:p="http://schemas.openxmlformats.org/presentationml/2006/main">
   <p:cSld>
     <p:spTree>
@@ -17921,39 +17605,6 @@
       </p:grpSpPr>
       <p:sp>
         <p:nvSpPr>
-          <p:cNvPr id="2" name="Titre 1"/>
-          <p:cNvSpPr>
-            <a:spLocks noGrp="1"/>
-          </p:cNvSpPr>
-          <p:nvPr>
-            <p:ph type="title"/>
-          </p:nvPr>
-        </p:nvSpPr>
-        <p:spPr>
-          <a:xfrm>
-            <a:off x="656039" y="230646"/>
-            <a:ext cx="7876388" cy="946800"/>
-          </a:xfrm>
-        </p:spPr>
-        <p:txBody>
-          <a:bodyPr/>
-          <a:lstStyle/>
-          <a:p>
-            <a:pPr algn="ctr"/>
-            <a:r>
-              <a:rPr lang="fr-FR" dirty="0" smtClean="0"/>
-              <a:t>II. </a:t>
-            </a:r>
-            <a:r>
-              <a:rPr lang="fr-FR" dirty="0" err="1" smtClean="0"/>
-              <a:t>realisation</a:t>
-            </a:r>
-            <a:endParaRPr lang="fr-FR" dirty="0"/>
-          </a:p>
-        </p:txBody>
-      </p:sp>
-      <p:sp>
-        <p:nvSpPr>
           <p:cNvPr id="3" name="Espace réservé du texte 2"/>
           <p:cNvSpPr>
             <a:spLocks noGrp="1"/>
@@ -18496,6 +18147,39 @@
             <a:r>
               <a:rPr lang="fr-FR" dirty="0" smtClean="0"/>
               <a:t>6</a:t>
+            </a:r>
+            <a:endParaRPr lang="fr-FR" dirty="0"/>
+          </a:p>
+        </p:txBody>
+      </p:sp>
+      <p:sp>
+        <p:nvSpPr>
+          <p:cNvPr id="31" name="Titre 1"/>
+          <p:cNvSpPr>
+            <a:spLocks noGrp="1"/>
+          </p:cNvSpPr>
+          <p:nvPr>
+            <p:ph type="title"/>
+          </p:nvPr>
+        </p:nvSpPr>
+        <p:spPr>
+          <a:xfrm>
+            <a:off x="633806" y="270197"/>
+            <a:ext cx="7876388" cy="946800"/>
+          </a:xfrm>
+        </p:spPr>
+        <p:txBody>
+          <a:bodyPr/>
+          <a:lstStyle/>
+          <a:p>
+            <a:pPr algn="ctr"/>
+            <a:r>
+              <a:rPr lang="fr-FR" dirty="0" smtClean="0"/>
+              <a:t>II. </a:t>
+            </a:r>
+            <a:r>
+              <a:rPr lang="fr-FR" dirty="0" err="1" smtClean="0"/>
+              <a:t>realisation</a:t>
             </a:r>
             <a:endParaRPr lang="fr-FR" dirty="0"/>
           </a:p>
@@ -18552,39 +18236,6 @@
       </p:grpSpPr>
       <p:sp>
         <p:nvSpPr>
-          <p:cNvPr id="2" name="Titre 1"/>
-          <p:cNvSpPr>
-            <a:spLocks noGrp="1"/>
-          </p:cNvSpPr>
-          <p:nvPr>
-            <p:ph type="title"/>
-          </p:nvPr>
-        </p:nvSpPr>
-        <p:spPr>
-          <a:xfrm>
-            <a:off x="633806" y="107931"/>
-            <a:ext cx="7876388" cy="1143000"/>
-          </a:xfrm>
-        </p:spPr>
-        <p:txBody>
-          <a:bodyPr/>
-          <a:lstStyle/>
-          <a:p>
-            <a:pPr algn="ctr"/>
-            <a:r>
-              <a:rPr lang="fr-FR" dirty="0" smtClean="0"/>
-              <a:t>II. </a:t>
-            </a:r>
-            <a:r>
-              <a:rPr lang="fr-FR" dirty="0" err="1" smtClean="0"/>
-              <a:t>realisation</a:t>
-            </a:r>
-            <a:endParaRPr lang="fr-FR" dirty="0"/>
-          </a:p>
-        </p:txBody>
-      </p:sp>
-      <p:sp>
-        <p:nvSpPr>
           <p:cNvPr id="3" name="Espace réservé du texte 2"/>
           <p:cNvSpPr>
             <a:spLocks noGrp="1"/>
@@ -19293,6 +18944,56 @@
               <a:rPr lang="fr-FR" dirty="0"/>
               <a:t>7</a:t>
             </a:r>
+          </a:p>
+        </p:txBody>
+      </p:sp>
+      <p:sp>
+        <p:nvSpPr>
+          <p:cNvPr id="26" name="Titre 1"/>
+          <p:cNvSpPr txBox="1">
+            <a:spLocks/>
+          </p:cNvSpPr>
+          <p:nvPr/>
+        </p:nvSpPr>
+        <p:spPr>
+          <a:xfrm>
+            <a:off x="633806" y="270197"/>
+            <a:ext cx="7876388" cy="946800"/>
+          </a:xfrm>
+          <a:prstGeom prst="rect">
+            <a:avLst/>
+          </a:prstGeom>
+        </p:spPr>
+        <p:txBody>
+          <a:bodyPr anchor="t">
+            <a:normAutofit/>
+          </a:bodyPr>
+          <a:lstStyle>
+            <a:lvl1pPr algn="l" defTabSz="457200" rtl="0" eaLnBrk="1" latinLnBrk="0" hangingPunct="1">
+              <a:lnSpc>
+                <a:spcPct val="90000"/>
+              </a:lnSpc>
+              <a:spcBef>
+                <a:spcPct val="0"/>
+              </a:spcBef>
+              <a:buNone/>
+              <a:defRPr sz="2700" b="1" i="0" kern="1200" cap="all" baseline="0">
+                <a:solidFill>
+                  <a:schemeClr val="bg2"/>
+                </a:solidFill>
+                <a:latin typeface="+mj-lt"/>
+                <a:ea typeface="+mj-ea"/>
+                <a:cs typeface="HelveticaNeueLT Com 57 Cn" panose="020B0506030502030204" pitchFamily="34" charset="0"/>
+              </a:defRPr>
+            </a:lvl1pPr>
+          </a:lstStyle>
+          <a:p>
+            <a:pPr algn="ctr"/>
+            <a:r>
+              <a:rPr lang="fr-FR" smtClean="0"/>
+              <a:t>II. realisation</a:t>
+            </a:r>
+            <a:endParaRPr lang="fr-FR" dirty="0"/>
           </a:p>
         </p:txBody>
       </p:sp>
@@ -19347,39 +19048,6 @@
       </p:grpSpPr>
       <p:sp>
         <p:nvSpPr>
-          <p:cNvPr id="2" name="Titre 1"/>
-          <p:cNvSpPr>
-            <a:spLocks noGrp="1"/>
-          </p:cNvSpPr>
-          <p:nvPr>
-            <p:ph type="title"/>
-          </p:nvPr>
-        </p:nvSpPr>
-        <p:spPr>
-          <a:xfrm>
-            <a:off x="633806" y="107931"/>
-            <a:ext cx="7876388" cy="1143000"/>
-          </a:xfrm>
-        </p:spPr>
-        <p:txBody>
-          <a:bodyPr/>
-          <a:lstStyle/>
-          <a:p>
-            <a:pPr algn="ctr"/>
-            <a:r>
-              <a:rPr lang="fr-FR" dirty="0" smtClean="0"/>
-              <a:t>II. </a:t>
-            </a:r>
-            <a:r>
-              <a:rPr lang="fr-FR" dirty="0" err="1" smtClean="0"/>
-              <a:t>realisation</a:t>
-            </a:r>
-            <a:endParaRPr lang="fr-FR" dirty="0"/>
-          </a:p>
-        </p:txBody>
-      </p:sp>
-      <p:sp>
-        <p:nvSpPr>
           <p:cNvPr id="3" name="Espace réservé du texte 2"/>
           <p:cNvSpPr>
             <a:spLocks noGrp="1"/>
@@ -20358,6 +20026,39 @@
               <a:rPr lang="fr-FR" dirty="0"/>
               <a:t>8</a:t>
             </a:r>
+          </a:p>
+        </p:txBody>
+      </p:sp>
+      <p:sp>
+        <p:nvSpPr>
+          <p:cNvPr id="37" name="Titre 1"/>
+          <p:cNvSpPr>
+            <a:spLocks noGrp="1"/>
+          </p:cNvSpPr>
+          <p:nvPr>
+            <p:ph type="title"/>
+          </p:nvPr>
+        </p:nvSpPr>
+        <p:spPr>
+          <a:xfrm>
+            <a:off x="633806" y="270197"/>
+            <a:ext cx="7876388" cy="946800"/>
+          </a:xfrm>
+        </p:spPr>
+        <p:txBody>
+          <a:bodyPr/>
+          <a:lstStyle/>
+          <a:p>
+            <a:pPr algn="ctr"/>
+            <a:r>
+              <a:rPr lang="fr-FR" dirty="0" smtClean="0"/>
+              <a:t>II. </a:t>
+            </a:r>
+            <a:r>
+              <a:rPr lang="fr-FR" dirty="0" err="1" smtClean="0"/>
+              <a:t>realisation</a:t>
+            </a:r>
+            <a:endParaRPr lang="fr-FR" dirty="0"/>
           </a:p>
         </p:txBody>
       </p:sp>
